--- a/doc/test/HighlightPoints.pptx
+++ b/doc/test/HighlightPoints.pptx
@@ -263,7 +263,7 @@
           <a:p>
             <a:fld id="{7B6B14F6-3F9A-43ED-BCC2-4547CC5017BD}" type="datetimeFigureOut">
               <a:rPr lang="en-SG" smtClean="0"/>
-              <a:t>18/6/2015</a:t>
+              <a:t>19/6/2015</a:t>
             </a:fld>
             <a:endParaRPr lang="en-SG"/>
           </a:p>
@@ -712,7 +712,7 @@
           <a:p>
             <a:fld id="{699DC775-C286-4358-8C92-D7E584E969B3}" type="datetimeFigureOut">
               <a:rPr lang="en-US" smtClean="0"/>
-              <a:t>18-Jun-15</a:t>
+              <a:t>19-Jun-15</a:t>
             </a:fld>
             <a:endParaRPr lang="en-US"/>
           </a:p>
@@ -882,7 +882,7 @@
           <a:p>
             <a:fld id="{699DC775-C286-4358-8C92-D7E584E969B3}" type="datetimeFigureOut">
               <a:rPr lang="en-US" smtClean="0"/>
-              <a:t>18-Jun-15</a:t>
+              <a:t>19-Jun-15</a:t>
             </a:fld>
             <a:endParaRPr lang="en-US"/>
           </a:p>
@@ -1062,7 +1062,7 @@
           <a:p>
             <a:fld id="{699DC775-C286-4358-8C92-D7E584E969B3}" type="datetimeFigureOut">
               <a:rPr lang="en-US" smtClean="0"/>
-              <a:t>18-Jun-15</a:t>
+              <a:t>19-Jun-15</a:t>
             </a:fld>
             <a:endParaRPr lang="en-US"/>
           </a:p>
@@ -1304,7 +1304,7 @@
           <a:p>
             <a:fld id="{699DC775-C286-4358-8C92-D7E584E969B3}" type="datetimeFigureOut">
               <a:rPr lang="en-US" smtClean="0"/>
-              <a:t>18-Jun-15</a:t>
+              <a:t>19-Jun-15</a:t>
             </a:fld>
             <a:endParaRPr lang="en-US"/>
           </a:p>
@@ -1474,7 +1474,7 @@
           <a:p>
             <a:fld id="{699DC775-C286-4358-8C92-D7E584E969B3}" type="datetimeFigureOut">
               <a:rPr lang="en-US" smtClean="0"/>
-              <a:t>18-Jun-15</a:t>
+              <a:t>19-Jun-15</a:t>
             </a:fld>
             <a:endParaRPr lang="en-US"/>
           </a:p>
@@ -1720,7 +1720,7 @@
           <a:p>
             <a:fld id="{699DC775-C286-4358-8C92-D7E584E969B3}" type="datetimeFigureOut">
               <a:rPr lang="en-US" smtClean="0"/>
-              <a:t>18-Jun-15</a:t>
+              <a:t>19-Jun-15</a:t>
             </a:fld>
             <a:endParaRPr lang="en-US"/>
           </a:p>
@@ -2008,7 +2008,7 @@
           <a:p>
             <a:fld id="{699DC775-C286-4358-8C92-D7E584E969B3}" type="datetimeFigureOut">
               <a:rPr lang="en-US" smtClean="0"/>
-              <a:t>18-Jun-15</a:t>
+              <a:t>19-Jun-15</a:t>
             </a:fld>
             <a:endParaRPr lang="en-US"/>
           </a:p>
@@ -2430,7 +2430,7 @@
           <a:p>
             <a:fld id="{699DC775-C286-4358-8C92-D7E584E969B3}" type="datetimeFigureOut">
               <a:rPr lang="en-US" smtClean="0"/>
-              <a:t>18-Jun-15</a:t>
+              <a:t>19-Jun-15</a:t>
             </a:fld>
             <a:endParaRPr lang="en-US"/>
           </a:p>
@@ -2548,7 +2548,7 @@
           <a:p>
             <a:fld id="{699DC775-C286-4358-8C92-D7E584E969B3}" type="datetimeFigureOut">
               <a:rPr lang="en-US" smtClean="0"/>
-              <a:t>18-Jun-15</a:t>
+              <a:t>19-Jun-15</a:t>
             </a:fld>
             <a:endParaRPr lang="en-US"/>
           </a:p>
@@ -2643,7 +2643,7 @@
           <a:p>
             <a:fld id="{699DC775-C286-4358-8C92-D7E584E969B3}" type="datetimeFigureOut">
               <a:rPr lang="en-US" smtClean="0"/>
-              <a:t>18-Jun-15</a:t>
+              <a:t>19-Jun-15</a:t>
             </a:fld>
             <a:endParaRPr lang="en-US"/>
           </a:p>
@@ -2920,7 +2920,7 @@
           <a:p>
             <a:fld id="{699DC775-C286-4358-8C92-D7E584E969B3}" type="datetimeFigureOut">
               <a:rPr lang="en-US" smtClean="0"/>
-              <a:t>18-Jun-15</a:t>
+              <a:t>19-Jun-15</a:t>
             </a:fld>
             <a:endParaRPr lang="en-US"/>
           </a:p>
@@ -3090,7 +3090,7 @@
           <a:p>
             <a:fld id="{699DC775-C286-4358-8C92-D7E584E969B3}" type="datetimeFigureOut">
               <a:rPr lang="en-US" smtClean="0"/>
-              <a:t>18-Jun-15</a:t>
+              <a:t>19-Jun-15</a:t>
             </a:fld>
             <a:endParaRPr lang="en-US"/>
           </a:p>
@@ -3343,7 +3343,7 @@
           <a:p>
             <a:fld id="{699DC775-C286-4358-8C92-D7E584E969B3}" type="datetimeFigureOut">
               <a:rPr lang="en-US" smtClean="0"/>
-              <a:t>18-Jun-15</a:t>
+              <a:t>19-Jun-15</a:t>
             </a:fld>
             <a:endParaRPr lang="en-US"/>
           </a:p>
@@ -3513,7 +3513,7 @@
           <a:p>
             <a:fld id="{699DC775-C286-4358-8C92-D7E584E969B3}" type="datetimeFigureOut">
               <a:rPr lang="en-US" smtClean="0"/>
-              <a:t>18-Jun-15</a:t>
+              <a:t>19-Jun-15</a:t>
             </a:fld>
             <a:endParaRPr lang="en-US"/>
           </a:p>
@@ -3693,7 +3693,7 @@
           <a:p>
             <a:fld id="{699DC775-C286-4358-8C92-D7E584E969B3}" type="datetimeFigureOut">
               <a:rPr lang="en-US" smtClean="0"/>
-              <a:t>18-Jun-15</a:t>
+              <a:t>19-Jun-15</a:t>
             </a:fld>
             <a:endParaRPr lang="en-US"/>
           </a:p>
@@ -3943,7 +3943,7 @@
           <a:p>
             <a:fld id="{699DC775-C286-4358-8C92-D7E584E969B3}" type="datetimeFigureOut">
               <a:rPr lang="en-US" smtClean="0"/>
-              <a:t>18-Jun-15</a:t>
+              <a:t>19-Jun-15</a:t>
             </a:fld>
             <a:endParaRPr lang="en-US"/>
           </a:p>
@@ -4121,7 +4121,7 @@
           <a:p>
             <a:fld id="{699DC775-C286-4358-8C92-D7E584E969B3}" type="datetimeFigureOut">
               <a:rPr lang="en-US" smtClean="0"/>
-              <a:t>18-Jun-15</a:t>
+              <a:t>19-Jun-15</a:t>
             </a:fld>
             <a:endParaRPr lang="en-US"/>
           </a:p>
@@ -4375,7 +4375,7 @@
           <a:p>
             <a:fld id="{699DC775-C286-4358-8C92-D7E584E969B3}" type="datetimeFigureOut">
               <a:rPr lang="en-US" smtClean="0"/>
-              <a:t>18-Jun-15</a:t>
+              <a:t>19-Jun-15</a:t>
             </a:fld>
             <a:endParaRPr lang="en-US"/>
           </a:p>
@@ -4671,7 +4671,7 @@
           <a:p>
             <a:fld id="{699DC775-C286-4358-8C92-D7E584E969B3}" type="datetimeFigureOut">
               <a:rPr lang="en-US" smtClean="0"/>
-              <a:t>18-Jun-15</a:t>
+              <a:t>19-Jun-15</a:t>
             </a:fld>
             <a:endParaRPr lang="en-US"/>
           </a:p>
@@ -5101,7 +5101,7 @@
           <a:p>
             <a:fld id="{699DC775-C286-4358-8C92-D7E584E969B3}" type="datetimeFigureOut">
               <a:rPr lang="en-US" smtClean="0"/>
-              <a:t>18-Jun-15</a:t>
+              <a:t>19-Jun-15</a:t>
             </a:fld>
             <a:endParaRPr lang="en-US"/>
           </a:p>
@@ -5227,7 +5227,7 @@
           <a:p>
             <a:fld id="{699DC775-C286-4358-8C92-D7E584E969B3}" type="datetimeFigureOut">
               <a:rPr lang="en-US" smtClean="0"/>
-              <a:t>18-Jun-15</a:t>
+              <a:t>19-Jun-15</a:t>
             </a:fld>
             <a:endParaRPr lang="en-US"/>
           </a:p>
@@ -5330,7 +5330,7 @@
           <a:p>
             <a:fld id="{699DC775-C286-4358-8C92-D7E584E969B3}" type="datetimeFigureOut">
               <a:rPr lang="en-US" smtClean="0"/>
-              <a:t>18-Jun-15</a:t>
+              <a:t>19-Jun-15</a:t>
             </a:fld>
             <a:endParaRPr lang="en-US"/>
           </a:p>
@@ -5576,7 +5576,7 @@
           <a:p>
             <a:fld id="{699DC775-C286-4358-8C92-D7E584E969B3}" type="datetimeFigureOut">
               <a:rPr lang="en-US" smtClean="0"/>
-              <a:t>18-Jun-15</a:t>
+              <a:t>19-Jun-15</a:t>
             </a:fld>
             <a:endParaRPr lang="en-US"/>
           </a:p>
@@ -5861,7 +5861,7 @@
           <a:p>
             <a:fld id="{699DC775-C286-4358-8C92-D7E584E969B3}" type="datetimeFigureOut">
               <a:rPr lang="en-US" smtClean="0"/>
-              <a:t>18-Jun-15</a:t>
+              <a:t>19-Jun-15</a:t>
             </a:fld>
             <a:endParaRPr lang="en-US"/>
           </a:p>
@@ -6122,7 +6122,7 @@
           <a:p>
             <a:fld id="{699DC775-C286-4358-8C92-D7E584E969B3}" type="datetimeFigureOut">
               <a:rPr lang="en-US" smtClean="0"/>
-              <a:t>18-Jun-15</a:t>
+              <a:t>19-Jun-15</a:t>
             </a:fld>
             <a:endParaRPr lang="en-US"/>
           </a:p>
@@ -6300,7 +6300,7 @@
           <a:p>
             <a:fld id="{699DC775-C286-4358-8C92-D7E584E969B3}" type="datetimeFigureOut">
               <a:rPr lang="en-US" smtClean="0"/>
-              <a:t>18-Jun-15</a:t>
+              <a:t>19-Jun-15</a:t>
             </a:fld>
             <a:endParaRPr lang="en-US"/>
           </a:p>
@@ -6488,7 +6488,7 @@
           <a:p>
             <a:fld id="{699DC775-C286-4358-8C92-D7E584E969B3}" type="datetimeFigureOut">
               <a:rPr lang="en-US" smtClean="0"/>
-              <a:t>18-Jun-15</a:t>
+              <a:t>19-Jun-15</a:t>
             </a:fld>
             <a:endParaRPr lang="en-US"/>
           </a:p>
@@ -6776,7 +6776,7 @@
           <a:p>
             <a:fld id="{699DC775-C286-4358-8C92-D7E584E969B3}" type="datetimeFigureOut">
               <a:rPr lang="en-US" smtClean="0"/>
-              <a:t>18-Jun-15</a:t>
+              <a:t>19-Jun-15</a:t>
             </a:fld>
             <a:endParaRPr lang="en-US"/>
           </a:p>
@@ -7198,7 +7198,7 @@
           <a:p>
             <a:fld id="{699DC775-C286-4358-8C92-D7E584E969B3}" type="datetimeFigureOut">
               <a:rPr lang="en-US" smtClean="0"/>
-              <a:t>18-Jun-15</a:t>
+              <a:t>19-Jun-15</a:t>
             </a:fld>
             <a:endParaRPr lang="en-US"/>
           </a:p>
@@ -7316,7 +7316,7 @@
           <a:p>
             <a:fld id="{699DC775-C286-4358-8C92-D7E584E969B3}" type="datetimeFigureOut">
               <a:rPr lang="en-US" smtClean="0"/>
-              <a:t>18-Jun-15</a:t>
+              <a:t>19-Jun-15</a:t>
             </a:fld>
             <a:endParaRPr lang="en-US"/>
           </a:p>
@@ -7411,7 +7411,7 @@
           <a:p>
             <a:fld id="{699DC775-C286-4358-8C92-D7E584E969B3}" type="datetimeFigureOut">
               <a:rPr lang="en-US" smtClean="0"/>
-              <a:t>18-Jun-15</a:t>
+              <a:t>19-Jun-15</a:t>
             </a:fld>
             <a:endParaRPr lang="en-US"/>
           </a:p>
@@ -7688,7 +7688,7 @@
           <a:p>
             <a:fld id="{699DC775-C286-4358-8C92-D7E584E969B3}" type="datetimeFigureOut">
               <a:rPr lang="en-US" smtClean="0"/>
-              <a:t>18-Jun-15</a:t>
+              <a:t>19-Jun-15</a:t>
             </a:fld>
             <a:endParaRPr lang="en-US"/>
           </a:p>
@@ -7941,7 +7941,7 @@
           <a:p>
             <a:fld id="{699DC775-C286-4358-8C92-D7E584E969B3}" type="datetimeFigureOut">
               <a:rPr lang="en-US" smtClean="0"/>
-              <a:t>18-Jun-15</a:t>
+              <a:t>19-Jun-15</a:t>
             </a:fld>
             <a:endParaRPr lang="en-US"/>
           </a:p>
@@ -8154,7 +8154,7 @@
           <a:p>
             <a:fld id="{699DC775-C286-4358-8C92-D7E584E969B3}" type="datetimeFigureOut">
               <a:rPr lang="en-US" smtClean="0"/>
-              <a:t>18-Jun-15</a:t>
+              <a:t>19-Jun-15</a:t>
             </a:fld>
             <a:endParaRPr lang="en-US"/>
           </a:p>
@@ -8669,7 +8669,7 @@
           <a:p>
             <a:fld id="{699DC775-C286-4358-8C92-D7E584E969B3}" type="datetimeFigureOut">
               <a:rPr lang="en-US" smtClean="0"/>
-              <a:t>18-Jun-15</a:t>
+              <a:t>19-Jun-15</a:t>
             </a:fld>
             <a:endParaRPr lang="en-US"/>
           </a:p>
@@ -9182,7 +9182,7 @@
           <a:p>
             <a:fld id="{699DC775-C286-4358-8C92-D7E584E969B3}" type="datetimeFigureOut">
               <a:rPr lang="en-US" smtClean="0"/>
-              <a:t>18-Jun-15</a:t>
+              <a:t>19-Jun-15</a:t>
             </a:fld>
             <a:endParaRPr lang="en-US"/>
           </a:p>
@@ -9763,6 +9763,49 @@
       </p:grpSpPr>
       <p:sp>
         <p:nvSpPr>
+          <p:cNvPr id="3" name="Rectangle 4"/>
+          <p:cNvSpPr/>
+          <p:nvPr/>
+        </p:nvSpPr>
+        <p:spPr>
+          <a:xfrm>
+            <a:off x="0" y="2286000"/>
+            <a:ext cx="9144000" cy="2209800"/>
+          </a:xfrm>
+          <a:prstGeom prst="rect">
+            <a:avLst/>
+          </a:prstGeom>
+          <a:solidFill>
+            <a:srgbClr val="002060"/>
+          </a:solidFill>
+        </p:spPr>
+        <p:style>
+          <a:lnRef idx="2">
+            <a:schemeClr val="accent1">
+              <a:shade val="50000"/>
+            </a:schemeClr>
+          </a:lnRef>
+          <a:fillRef idx="1">
+            <a:schemeClr val="accent1"/>
+          </a:fillRef>
+          <a:effectRef idx="0">
+            <a:schemeClr val="accent1"/>
+          </a:effectRef>
+          <a:fontRef idx="minor">
+            <a:schemeClr val="lt1"/>
+          </a:fontRef>
+        </p:style>
+        <p:txBody>
+          <a:bodyPr rtlCol="0" anchor="ctr"/>
+          <a:lstStyle/>
+          <a:p>
+            <a:pPr algn="ctr"/>
+            <a:endParaRPr lang="en-US"/>
+          </a:p>
+        </p:txBody>
+      </p:sp>
+      <p:sp>
+        <p:nvSpPr>
           <p:cNvPr id="2" name="First Textbox"/>
           <p:cNvSpPr txBox="1"/>
           <p:nvPr/>
@@ -10076,6 +10119,49 @@
           <a:chExt cx="0" cy="0"/>
         </a:xfrm>
       </p:grpSpPr>
+      <p:sp>
+        <p:nvSpPr>
+          <p:cNvPr id="3" name="Rectangle 4"/>
+          <p:cNvSpPr/>
+          <p:nvPr/>
+        </p:nvSpPr>
+        <p:spPr>
+          <a:xfrm>
+            <a:off x="0" y="2286000"/>
+            <a:ext cx="9144000" cy="2209800"/>
+          </a:xfrm>
+          <a:prstGeom prst="rect">
+            <a:avLst/>
+          </a:prstGeom>
+          <a:solidFill>
+            <a:srgbClr val="002060"/>
+          </a:solidFill>
+        </p:spPr>
+        <p:style>
+          <a:lnRef idx="2">
+            <a:schemeClr val="accent1">
+              <a:shade val="50000"/>
+            </a:schemeClr>
+          </a:lnRef>
+          <a:fillRef idx="1">
+            <a:schemeClr val="accent1"/>
+          </a:fillRef>
+          <a:effectRef idx="0">
+            <a:schemeClr val="accent1"/>
+          </a:effectRef>
+          <a:fontRef idx="minor">
+            <a:schemeClr val="lt1"/>
+          </a:fontRef>
+        </p:style>
+        <p:txBody>
+          <a:bodyPr rtlCol="0" anchor="ctr"/>
+          <a:lstStyle/>
+          <a:p>
+            <a:pPr algn="ctr"/>
+            <a:endParaRPr lang="en-US"/>
+          </a:p>
+        </p:txBody>
+      </p:sp>
       <p:sp>
         <p:nvSpPr>
           <p:cNvPr id="2" name="HighlightTextShape201506181201489892"/>
@@ -11106,6 +11192,49 @@
       </p:grpSpPr>
       <p:sp>
         <p:nvSpPr>
+          <p:cNvPr id="5" name="Rectangle 4"/>
+          <p:cNvSpPr/>
+          <p:nvPr/>
+        </p:nvSpPr>
+        <p:spPr>
+          <a:xfrm>
+            <a:off x="0" y="2286000"/>
+            <a:ext cx="9144000" cy="2209800"/>
+          </a:xfrm>
+          <a:prstGeom prst="rect">
+            <a:avLst/>
+          </a:prstGeom>
+          <a:solidFill>
+            <a:srgbClr val="002060"/>
+          </a:solidFill>
+        </p:spPr>
+        <p:style>
+          <a:lnRef idx="2">
+            <a:schemeClr val="accent1">
+              <a:shade val="50000"/>
+            </a:schemeClr>
+          </a:lnRef>
+          <a:fillRef idx="1">
+            <a:schemeClr val="accent1"/>
+          </a:fillRef>
+          <a:effectRef idx="0">
+            <a:schemeClr val="accent1"/>
+          </a:effectRef>
+          <a:fontRef idx="minor">
+            <a:schemeClr val="lt1"/>
+          </a:fontRef>
+        </p:style>
+        <p:txBody>
+          <a:bodyPr rtlCol="0" anchor="ctr"/>
+          <a:lstStyle/>
+          <a:p>
+            <a:pPr algn="ctr"/>
+            <a:endParaRPr lang="en-US"/>
+          </a:p>
+        </p:txBody>
+      </p:sp>
+      <p:sp>
+        <p:nvSpPr>
           <p:cNvPr id="2" name="First Textbox"/>
           <p:cNvSpPr txBox="1"/>
           <p:nvPr/>
@@ -11472,6 +11601,49 @@
           <a:chExt cx="0" cy="0"/>
         </a:xfrm>
       </p:grpSpPr>
+      <p:sp>
+        <p:nvSpPr>
+          <p:cNvPr id="12" name="Rectangle 4"/>
+          <p:cNvSpPr/>
+          <p:nvPr/>
+        </p:nvSpPr>
+        <p:spPr>
+          <a:xfrm>
+            <a:off x="0" y="2286000"/>
+            <a:ext cx="9144000" cy="2209800"/>
+          </a:xfrm>
+          <a:prstGeom prst="rect">
+            <a:avLst/>
+          </a:prstGeom>
+          <a:solidFill>
+            <a:srgbClr val="002060"/>
+          </a:solidFill>
+        </p:spPr>
+        <p:style>
+          <a:lnRef idx="2">
+            <a:schemeClr val="accent1">
+              <a:shade val="50000"/>
+            </a:schemeClr>
+          </a:lnRef>
+          <a:fillRef idx="1">
+            <a:schemeClr val="accent1"/>
+          </a:fillRef>
+          <a:effectRef idx="0">
+            <a:schemeClr val="accent1"/>
+          </a:effectRef>
+          <a:fontRef idx="minor">
+            <a:schemeClr val="lt1"/>
+          </a:fontRef>
+        </p:style>
+        <p:txBody>
+          <a:bodyPr rtlCol="0" anchor="ctr"/>
+          <a:lstStyle/>
+          <a:p>
+            <a:pPr algn="ctr"/>
+            <a:endParaRPr lang="en-US"/>
+          </a:p>
+        </p:txBody>
+      </p:sp>
       <p:sp>
         <p:nvSpPr>
           <p:cNvPr id="5" name="PPTLabsHighlightBackgroundShape201506181734557349"/>
@@ -11754,87 +11926,6 @@
       </p:sp>
       <p:sp>
         <p:nvSpPr>
-          <p:cNvPr id="2" name="HighlightBackgroundShape961d3f1e-187d-4b94-8f93-1be85193a105"/>
-          <p:cNvSpPr txBox="1"/>
-          <p:nvPr/>
-        </p:nvSpPr>
-        <p:spPr>
-          <a:xfrm>
-            <a:off x="304800" y="381000"/>
-            <a:ext cx="7620000" cy="2400657"/>
-          </a:xfrm>
-          <a:prstGeom prst="rect">
-            <a:avLst/>
-          </a:prstGeom>
-          <a:noFill/>
-        </p:spPr>
-        <p:txBody>
-          <a:bodyPr wrap="square" rtlCol="0">
-            <a:spAutoFit/>
-          </a:bodyPr>
-          <a:lstStyle/>
-          <a:p>
-            <a:pPr marL="285750" indent="-285750">
-              <a:buFont typeface="Arial" panose="020B0604020202020204" pitchFamily="34" charset="0"/>
-              <a:buChar char="•"/>
-            </a:pPr>
-            <a:r>
-              <a:rPr lang="en-US" sz="2800" dirty="0" smtClean="0"/>
-              <a:t>Test - Non-ABC: 1234567890!@#$%^&amp;*()</a:t>
-            </a:r>
-          </a:p>
-          <a:p>
-            <a:r>
-              <a:rPr lang="en-US" sz="2800" dirty="0"/>
-              <a:t>Test </a:t>
-            </a:r>
-            <a:r>
-              <a:rPr lang="en-US" sz="2800" dirty="0" smtClean="0"/>
-              <a:t>– No bullet point</a:t>
-            </a:r>
-            <a:endParaRPr lang="en-US" sz="2800" dirty="0"/>
-          </a:p>
-          <a:p>
-            <a:pPr marL="514350" indent="-514350">
-              <a:buFont typeface="+mj-lt"/>
-              <a:buAutoNum type="arabicPeriod"/>
-            </a:pPr>
-            <a:r>
-              <a:rPr lang="en-US" sz="2800" dirty="0"/>
-              <a:t>Test – </a:t>
-            </a:r>
-            <a:r>
-              <a:rPr lang="en-US" sz="2800" dirty="0" smtClean="0"/>
-              <a:t>Different bullet point</a:t>
-            </a:r>
-          </a:p>
-          <a:p>
-            <a:pPr marL="285750" indent="-285750">
-              <a:buFont typeface="Arial" panose="020B0604020202020204" pitchFamily="34" charset="0"/>
-              <a:buChar char="•"/>
-            </a:pPr>
-            <a:r>
-              <a:rPr lang="en-US" sz="2800" dirty="0" smtClean="0">
-                <a:latin typeface="Times New Roman" panose="02020603050405020304" pitchFamily="18" charset="0"/>
-                <a:cs typeface="Times New Roman" panose="02020603050405020304" pitchFamily="18" charset="0"/>
-              </a:rPr>
-              <a:t>Test - Another Font Family, using Times New Roman</a:t>
-            </a:r>
-          </a:p>
-          <a:p>
-            <a:pPr marL="285750" indent="-285750">
-              <a:buFont typeface="Arial" panose="020B0604020202020204" pitchFamily="34" charset="0"/>
-              <a:buChar char="•"/>
-            </a:pPr>
-            <a:r>
-              <a:rPr lang="en-US" sz="1000" dirty="0" smtClean="0"/>
-              <a:t>Test - very small content. Test: very small content. Test: very small content. Test: very small content</a:t>
-            </a:r>
-          </a:p>
-        </p:txBody>
-      </p:sp>
-      <p:sp>
-        <p:nvSpPr>
           <p:cNvPr id="9" name="PPTLabsHighlightBackgroundShape201506181734557529"/>
           <p:cNvSpPr>
             <a:spLocks/>
@@ -12038,6 +12129,87 @@
           <a:p>
             <a:pPr algn="ctr"/>
             <a:endParaRPr lang="en-US"/>
+          </a:p>
+        </p:txBody>
+      </p:sp>
+      <p:sp>
+        <p:nvSpPr>
+          <p:cNvPr id="2" name="HighlightBackgroundShape961d3f1e-187d-4b94-8f93-1be85193a105"/>
+          <p:cNvSpPr txBox="1"/>
+          <p:nvPr/>
+        </p:nvSpPr>
+        <p:spPr>
+          <a:xfrm>
+            <a:off x="304800" y="381000"/>
+            <a:ext cx="7620000" cy="2400657"/>
+          </a:xfrm>
+          <a:prstGeom prst="rect">
+            <a:avLst/>
+          </a:prstGeom>
+          <a:noFill/>
+        </p:spPr>
+        <p:txBody>
+          <a:bodyPr wrap="square" rtlCol="0">
+            <a:spAutoFit/>
+          </a:bodyPr>
+          <a:lstStyle/>
+          <a:p>
+            <a:pPr marL="285750" indent="-285750">
+              <a:buFont typeface="Arial" panose="020B0604020202020204" pitchFamily="34" charset="0"/>
+              <a:buChar char="•"/>
+            </a:pPr>
+            <a:r>
+              <a:rPr lang="en-US" sz="2800" dirty="0" smtClean="0"/>
+              <a:t>Test - Non-ABC: 1234567890!@#$%^&amp;*()</a:t>
+            </a:r>
+          </a:p>
+          <a:p>
+            <a:r>
+              <a:rPr lang="en-US" sz="2800" dirty="0"/>
+              <a:t>Test </a:t>
+            </a:r>
+            <a:r>
+              <a:rPr lang="en-US" sz="2800" dirty="0" smtClean="0"/>
+              <a:t>– No bullet point</a:t>
+            </a:r>
+            <a:endParaRPr lang="en-US" sz="2800" dirty="0"/>
+          </a:p>
+          <a:p>
+            <a:pPr marL="514350" indent="-514350">
+              <a:buFont typeface="+mj-lt"/>
+              <a:buAutoNum type="arabicPeriod"/>
+            </a:pPr>
+            <a:r>
+              <a:rPr lang="en-US" sz="2800" dirty="0"/>
+              <a:t>Test – </a:t>
+            </a:r>
+            <a:r>
+              <a:rPr lang="en-US" sz="2800" dirty="0" smtClean="0"/>
+              <a:t>Different bullet point</a:t>
+            </a:r>
+          </a:p>
+          <a:p>
+            <a:pPr marL="285750" indent="-285750">
+              <a:buFont typeface="Arial" panose="020B0604020202020204" pitchFamily="34" charset="0"/>
+              <a:buChar char="•"/>
+            </a:pPr>
+            <a:r>
+              <a:rPr lang="en-US" sz="2800" dirty="0" smtClean="0">
+                <a:latin typeface="Times New Roman" panose="02020603050405020304" pitchFamily="18" charset="0"/>
+                <a:cs typeface="Times New Roman" panose="02020603050405020304" pitchFamily="18" charset="0"/>
+              </a:rPr>
+              <a:t>Test - Another Font Family, using Times New Roman</a:t>
+            </a:r>
+          </a:p>
+          <a:p>
+            <a:pPr marL="285750" indent="-285750">
+              <a:buFont typeface="Arial" panose="020B0604020202020204" pitchFamily="34" charset="0"/>
+              <a:buChar char="•"/>
+            </a:pPr>
+            <a:r>
+              <a:rPr lang="en-US" sz="1000" dirty="0" smtClean="0"/>
+              <a:t>Test - very small content. Test: very small content. Test: very small content. Test: very small content</a:t>
+            </a:r>
           </a:p>
         </p:txBody>
       </p:sp>
@@ -13245,6 +13417,49 @@
       </p:grpSpPr>
       <p:sp>
         <p:nvSpPr>
+          <p:cNvPr id="5" name="Rectangle 4"/>
+          <p:cNvSpPr/>
+          <p:nvPr/>
+        </p:nvSpPr>
+        <p:spPr>
+          <a:xfrm>
+            <a:off x="0" y="2286000"/>
+            <a:ext cx="9144000" cy="2209800"/>
+          </a:xfrm>
+          <a:prstGeom prst="rect">
+            <a:avLst/>
+          </a:prstGeom>
+          <a:solidFill>
+            <a:srgbClr val="002060"/>
+          </a:solidFill>
+        </p:spPr>
+        <p:style>
+          <a:lnRef idx="2">
+            <a:schemeClr val="accent1">
+              <a:shade val="50000"/>
+            </a:schemeClr>
+          </a:lnRef>
+          <a:fillRef idx="1">
+            <a:schemeClr val="accent1"/>
+          </a:fillRef>
+          <a:effectRef idx="0">
+            <a:schemeClr val="accent1"/>
+          </a:effectRef>
+          <a:fontRef idx="minor">
+            <a:schemeClr val="lt1"/>
+          </a:fontRef>
+        </p:style>
+        <p:txBody>
+          <a:bodyPr rtlCol="0" anchor="ctr"/>
+          <a:lstStyle/>
+          <a:p>
+            <a:pPr algn="ctr"/>
+            <a:endParaRPr lang="en-US"/>
+          </a:p>
+        </p:txBody>
+      </p:sp>
+      <p:sp>
+        <p:nvSpPr>
           <p:cNvPr id="2" name="First Textbox"/>
           <p:cNvSpPr txBox="1"/>
           <p:nvPr/>
@@ -13611,6 +13826,49 @@
           <a:chExt cx="0" cy="0"/>
         </a:xfrm>
       </p:grpSpPr>
+      <p:sp>
+        <p:nvSpPr>
+          <p:cNvPr id="13" name="Rectangle 4"/>
+          <p:cNvSpPr/>
+          <p:nvPr/>
+        </p:nvSpPr>
+        <p:spPr>
+          <a:xfrm>
+            <a:off x="0" y="2286000"/>
+            <a:ext cx="9144000" cy="2209800"/>
+          </a:xfrm>
+          <a:prstGeom prst="rect">
+            <a:avLst/>
+          </a:prstGeom>
+          <a:solidFill>
+            <a:srgbClr val="002060"/>
+          </a:solidFill>
+        </p:spPr>
+        <p:style>
+          <a:lnRef idx="2">
+            <a:schemeClr val="accent1">
+              <a:shade val="50000"/>
+            </a:schemeClr>
+          </a:lnRef>
+          <a:fillRef idx="1">
+            <a:schemeClr val="accent1"/>
+          </a:fillRef>
+          <a:effectRef idx="0">
+            <a:schemeClr val="accent1"/>
+          </a:effectRef>
+          <a:fontRef idx="minor">
+            <a:schemeClr val="lt1"/>
+          </a:fontRef>
+        </p:style>
+        <p:txBody>
+          <a:bodyPr rtlCol="0" anchor="ctr"/>
+          <a:lstStyle/>
+          <a:p>
+            <a:pPr algn="ctr"/>
+            <a:endParaRPr lang="en-US"/>
+          </a:p>
+        </p:txBody>
+      </p:sp>
       <p:sp>
         <p:nvSpPr>
           <p:cNvPr id="5" name="PPTLabsHighlightBackgroundShape201506181734443923"/>
@@ -13893,87 +14151,6 @@
       </p:sp>
       <p:sp>
         <p:nvSpPr>
-          <p:cNvPr id="2" name="HighlightBackgroundShapeea60d9b9-ed30-4da3-a1da-6902e7f48621"/>
-          <p:cNvSpPr txBox="1"/>
-          <p:nvPr/>
-        </p:nvSpPr>
-        <p:spPr>
-          <a:xfrm>
-            <a:off x="304800" y="381000"/>
-            <a:ext cx="7620000" cy="2400657"/>
-          </a:xfrm>
-          <a:prstGeom prst="rect">
-            <a:avLst/>
-          </a:prstGeom>
-          <a:noFill/>
-        </p:spPr>
-        <p:txBody>
-          <a:bodyPr wrap="square" rtlCol="0">
-            <a:spAutoFit/>
-          </a:bodyPr>
-          <a:lstStyle/>
-          <a:p>
-            <a:pPr marL="285750" indent="-285750">
-              <a:buFont typeface="Arial" panose="020B0604020202020204" pitchFamily="34" charset="0"/>
-              <a:buChar char="•"/>
-            </a:pPr>
-            <a:r>
-              <a:rPr lang="en-US" sz="2800" dirty="0" smtClean="0"/>
-              <a:t>Test - Non-ABC: 1234567890!@#$%^&amp;*()</a:t>
-            </a:r>
-          </a:p>
-          <a:p>
-            <a:r>
-              <a:rPr lang="en-US" sz="2800" dirty="0"/>
-              <a:t>Test </a:t>
-            </a:r>
-            <a:r>
-              <a:rPr lang="en-US" sz="2800" dirty="0" smtClean="0"/>
-              <a:t>– No bullet point</a:t>
-            </a:r>
-            <a:endParaRPr lang="en-US" sz="2800" dirty="0"/>
-          </a:p>
-          <a:p>
-            <a:pPr marL="514350" indent="-514350">
-              <a:buFont typeface="+mj-lt"/>
-              <a:buAutoNum type="arabicPeriod"/>
-            </a:pPr>
-            <a:r>
-              <a:rPr lang="en-US" sz="2800" dirty="0"/>
-              <a:t>Test – </a:t>
-            </a:r>
-            <a:r>
-              <a:rPr lang="en-US" sz="2800" dirty="0" smtClean="0"/>
-              <a:t>Different bullet point</a:t>
-            </a:r>
-          </a:p>
-          <a:p>
-            <a:pPr marL="285750" indent="-285750">
-              <a:buFont typeface="Arial" panose="020B0604020202020204" pitchFamily="34" charset="0"/>
-              <a:buChar char="•"/>
-            </a:pPr>
-            <a:r>
-              <a:rPr lang="en-US" sz="2800" dirty="0" smtClean="0">
-                <a:latin typeface="Times New Roman" panose="02020603050405020304" pitchFamily="18" charset="0"/>
-                <a:cs typeface="Times New Roman" panose="02020603050405020304" pitchFamily="18" charset="0"/>
-              </a:rPr>
-              <a:t>Test - Another Font Family, using Times New Roman</a:t>
-            </a:r>
-          </a:p>
-          <a:p>
-            <a:pPr marL="285750" indent="-285750">
-              <a:buFont typeface="Arial" panose="020B0604020202020204" pitchFamily="34" charset="0"/>
-              <a:buChar char="•"/>
-            </a:pPr>
-            <a:r>
-              <a:rPr lang="en-US" sz="1000" dirty="0" smtClean="0"/>
-              <a:t>Test - very small content. Test: very small content. Test: very small content. Test: very small content</a:t>
-            </a:r>
-          </a:p>
-        </p:txBody>
-      </p:sp>
-      <p:sp>
-        <p:nvSpPr>
           <p:cNvPr id="10" name="PPTLabsHighlightBackgroundShape201506181734444113"/>
           <p:cNvSpPr>
             <a:spLocks/>
@@ -14182,223 +14359,6 @@
       </p:sp>
       <p:sp>
         <p:nvSpPr>
-          <p:cNvPr id="3" name="HighlightBackgroundShapec485a6a5-1d97-42dc-ab66-ce7355d7009d"/>
-          <p:cNvSpPr txBox="1"/>
-          <p:nvPr/>
-        </p:nvSpPr>
-        <p:spPr>
-          <a:xfrm>
-            <a:off x="1524000" y="3048000"/>
-            <a:ext cx="7620000" cy="3600986"/>
-          </a:xfrm>
-          <a:prstGeom prst="rect">
-            <a:avLst/>
-          </a:prstGeom>
-          <a:noFill/>
-        </p:spPr>
-        <p:txBody>
-          <a:bodyPr wrap="square" rtlCol="0">
-            <a:spAutoFit/>
-          </a:bodyPr>
-          <a:lstStyle/>
-          <a:p>
-            <a:pPr marL="285750" indent="-285750">
-              <a:buFont typeface="Arial" panose="020B0604020202020204" pitchFamily="34" charset="0"/>
-              <a:buChar char="•"/>
-            </a:pPr>
-            <a:r>
-              <a:rPr lang="en-US" sz="6600" dirty="0" smtClean="0">
-                <a:latin typeface="Arial Black" panose="020B0A04020102020204" pitchFamily="34" charset="0"/>
-              </a:rPr>
-              <a:t>Test - very big</a:t>
-            </a:r>
-          </a:p>
-          <a:p>
-            <a:pPr marL="285750" indent="-285750">
-              <a:buFont typeface="Arial" panose="020B0604020202020204" pitchFamily="34" charset="0"/>
-              <a:buChar char="•"/>
-            </a:pPr>
-            <a:r>
-              <a:rPr lang="en-US" sz="3600" dirty="0" smtClean="0"/>
-              <a:t>Test – Long sentence: </a:t>
-            </a:r>
-            <a:r>
-              <a:rPr lang="en-US" sz="3600" dirty="0" err="1" smtClean="0"/>
-              <a:t>Asdddd</a:t>
-            </a:r>
-            <a:r>
-              <a:rPr lang="en-US" sz="3600" dirty="0" smtClean="0"/>
-              <a:t> </a:t>
-            </a:r>
-            <a:r>
-              <a:rPr lang="en-US" sz="3600" dirty="0" err="1" smtClean="0"/>
-              <a:t>ddd</a:t>
-            </a:r>
-            <a:r>
-              <a:rPr lang="en-US" sz="3600" dirty="0" smtClean="0"/>
-              <a:t> </a:t>
-            </a:r>
-            <a:r>
-              <a:rPr lang="en-US" sz="3600" dirty="0" err="1" smtClean="0"/>
-              <a:t>dd</a:t>
-            </a:r>
-            <a:r>
-              <a:rPr lang="en-US" sz="3600" dirty="0" smtClean="0"/>
-              <a:t> d </a:t>
-            </a:r>
-            <a:r>
-              <a:rPr lang="en-US" sz="3600" dirty="0" err="1" smtClean="0"/>
-              <a:t>ddddd</a:t>
-            </a:r>
-            <a:r>
-              <a:rPr lang="en-US" sz="3600" dirty="0" smtClean="0"/>
-              <a:t> </a:t>
-            </a:r>
-            <a:r>
-              <a:rPr lang="en-US" sz="3600" dirty="0" err="1" smtClean="0"/>
-              <a:t>ddd</a:t>
-            </a:r>
-            <a:r>
-              <a:rPr lang="en-US" sz="3600" dirty="0" smtClean="0"/>
-              <a:t> </a:t>
-            </a:r>
-            <a:r>
-              <a:rPr lang="en-US" sz="3600" dirty="0" err="1" smtClean="0"/>
-              <a:t>ddd</a:t>
-            </a:r>
-            <a:r>
-              <a:rPr lang="en-US" sz="3600" dirty="0" smtClean="0"/>
-              <a:t> </a:t>
-            </a:r>
-            <a:r>
-              <a:rPr lang="en-US" sz="3600" dirty="0" err="1" smtClean="0"/>
-              <a:t>ddd</a:t>
-            </a:r>
-            <a:r>
-              <a:rPr lang="en-US" sz="3600" dirty="0" smtClean="0"/>
-              <a:t> </a:t>
-            </a:r>
-            <a:r>
-              <a:rPr lang="en-US" sz="3600" dirty="0" err="1" smtClean="0"/>
-              <a:t>ddd</a:t>
-            </a:r>
-            <a:r>
-              <a:rPr lang="en-US" sz="3600" dirty="0" smtClean="0"/>
-              <a:t> </a:t>
-            </a:r>
-            <a:r>
-              <a:rPr lang="en-US" sz="3600" dirty="0" err="1" smtClean="0"/>
-              <a:t>ddd</a:t>
-            </a:r>
-            <a:r>
-              <a:rPr lang="en-US" sz="3600" dirty="0" smtClean="0"/>
-              <a:t> </a:t>
-            </a:r>
-            <a:r>
-              <a:rPr lang="en-US" sz="3600" dirty="0" err="1" smtClean="0"/>
-              <a:t>ddd</a:t>
-            </a:r>
-            <a:r>
-              <a:rPr lang="en-US" sz="3600" dirty="0" smtClean="0"/>
-              <a:t> </a:t>
-            </a:r>
-            <a:r>
-              <a:rPr lang="en-US" sz="3600" dirty="0" err="1" smtClean="0"/>
-              <a:t>ddd</a:t>
-            </a:r>
-            <a:r>
-              <a:rPr lang="en-US" sz="3600" dirty="0" smtClean="0"/>
-              <a:t> </a:t>
-            </a:r>
-            <a:r>
-              <a:rPr lang="en-US" sz="3600" dirty="0" err="1" smtClean="0"/>
-              <a:t>dddddd</a:t>
-            </a:r>
-            <a:r>
-              <a:rPr lang="en-US" sz="3600" dirty="0" smtClean="0"/>
-              <a:t> </a:t>
-            </a:r>
-            <a:r>
-              <a:rPr lang="en-US" sz="3600" dirty="0" err="1" smtClean="0"/>
-              <a:t>dd</a:t>
-            </a:r>
-            <a:r>
-              <a:rPr lang="en-US" sz="3600" dirty="0" smtClean="0"/>
-              <a:t> </a:t>
-            </a:r>
-            <a:r>
-              <a:rPr lang="en-US" sz="3600" dirty="0" err="1" smtClean="0"/>
-              <a:t>ddd</a:t>
-            </a:r>
-            <a:r>
-              <a:rPr lang="en-US" sz="3600" dirty="0" smtClean="0"/>
-              <a:t> </a:t>
-            </a:r>
-            <a:r>
-              <a:rPr lang="en-US" sz="3600" dirty="0" err="1" smtClean="0"/>
-              <a:t>ddddd</a:t>
-            </a:r>
-            <a:r>
-              <a:rPr lang="en-US" sz="3600" dirty="0" smtClean="0"/>
-              <a:t> </a:t>
-            </a:r>
-            <a:r>
-              <a:rPr lang="en-US" sz="3600" dirty="0" err="1" smtClean="0"/>
-              <a:t>dd</a:t>
-            </a:r>
-            <a:r>
-              <a:rPr lang="en-US" sz="3600" dirty="0" smtClean="0"/>
-              <a:t> </a:t>
-            </a:r>
-            <a:r>
-              <a:rPr lang="en-US" sz="3600" dirty="0" err="1" smtClean="0"/>
-              <a:t>dd</a:t>
-            </a:r>
-            <a:r>
-              <a:rPr lang="en-US" sz="3600" dirty="0" smtClean="0"/>
-              <a:t> d </a:t>
-            </a:r>
-            <a:r>
-              <a:rPr lang="en-US" sz="3600" dirty="0" err="1" smtClean="0"/>
-              <a:t>ddd</a:t>
-            </a:r>
-            <a:r>
-              <a:rPr lang="en-US" sz="3600" dirty="0" smtClean="0"/>
-              <a:t> </a:t>
-            </a:r>
-            <a:r>
-              <a:rPr lang="en-US" sz="3600" dirty="0" err="1" smtClean="0"/>
-              <a:t>ddd</a:t>
-            </a:r>
-            <a:endParaRPr lang="en-US" sz="3600" dirty="0" smtClean="0"/>
-          </a:p>
-          <a:p>
-            <a:pPr marL="285750" indent="-285750">
-              <a:buFont typeface="Arial" panose="020B0604020202020204" pitchFamily="34" charset="0"/>
-              <a:buChar char="•"/>
-            </a:pPr>
-            <a:r>
-              <a:rPr lang="en-US" altLang="zh-CN" dirty="0" smtClean="0"/>
-              <a:t>Test – Chinese Characters: </a:t>
-            </a:r>
-            <a:r>
-              <a:rPr lang="zh-CN" altLang="en-US" dirty="0" smtClean="0"/>
-              <a:t>阿</a:t>
-            </a:r>
-            <a:r>
-              <a:rPr lang="zh-CN" altLang="en-US" dirty="0"/>
-              <a:t>斯</a:t>
-            </a:r>
-            <a:r>
-              <a:rPr lang="zh-CN" altLang="en-US" dirty="0" smtClean="0"/>
-              <a:t>顿啊盛大速度啊盛大速度啊盛大速度</a:t>
-            </a:r>
-            <a:endParaRPr lang="en-SG" dirty="0"/>
-          </a:p>
-        </p:txBody>
-      </p:sp>
-      <p:sp>
-        <p:nvSpPr>
           <p:cNvPr id="9" name="PPTLabsHighlightBackgroundShape201506181734444083"/>
           <p:cNvSpPr>
             <a:spLocks/>
@@ -14464,6 +14424,304 @@
           <a:p>
             <a:pPr algn="ctr"/>
             <a:endParaRPr lang="en-US"/>
+          </a:p>
+        </p:txBody>
+      </p:sp>
+      <p:sp>
+        <p:nvSpPr>
+          <p:cNvPr id="2" name="HighlightBackgroundShapeea60d9b9-ed30-4da3-a1da-6902e7f48621"/>
+          <p:cNvSpPr txBox="1"/>
+          <p:nvPr/>
+        </p:nvSpPr>
+        <p:spPr>
+          <a:xfrm>
+            <a:off x="304800" y="381000"/>
+            <a:ext cx="7620000" cy="2400657"/>
+          </a:xfrm>
+          <a:prstGeom prst="rect">
+            <a:avLst/>
+          </a:prstGeom>
+          <a:noFill/>
+        </p:spPr>
+        <p:txBody>
+          <a:bodyPr wrap="square" rtlCol="0">
+            <a:spAutoFit/>
+          </a:bodyPr>
+          <a:lstStyle/>
+          <a:p>
+            <a:pPr marL="285750" indent="-285750">
+              <a:buFont typeface="Arial" panose="020B0604020202020204" pitchFamily="34" charset="0"/>
+              <a:buChar char="•"/>
+            </a:pPr>
+            <a:r>
+              <a:rPr lang="en-US" sz="2800" dirty="0" smtClean="0"/>
+              <a:t>Test - Non-ABC: 1234567890!@#$%^&amp;*()</a:t>
+            </a:r>
+          </a:p>
+          <a:p>
+            <a:r>
+              <a:rPr lang="en-US" sz="2800" dirty="0"/>
+              <a:t>Test </a:t>
+            </a:r>
+            <a:r>
+              <a:rPr lang="en-US" sz="2800" dirty="0" smtClean="0"/>
+              <a:t>– No bullet point</a:t>
+            </a:r>
+            <a:endParaRPr lang="en-US" sz="2800" dirty="0"/>
+          </a:p>
+          <a:p>
+            <a:pPr marL="514350" indent="-514350">
+              <a:buFont typeface="+mj-lt"/>
+              <a:buAutoNum type="arabicPeriod"/>
+            </a:pPr>
+            <a:r>
+              <a:rPr lang="en-US" sz="2800" dirty="0"/>
+              <a:t>Test – </a:t>
+            </a:r>
+            <a:r>
+              <a:rPr lang="en-US" sz="2800" dirty="0" smtClean="0"/>
+              <a:t>Different bullet point</a:t>
+            </a:r>
+          </a:p>
+          <a:p>
+            <a:pPr marL="285750" indent="-285750">
+              <a:buFont typeface="Arial" panose="020B0604020202020204" pitchFamily="34" charset="0"/>
+              <a:buChar char="•"/>
+            </a:pPr>
+            <a:r>
+              <a:rPr lang="en-US" sz="2800" dirty="0" smtClean="0">
+                <a:latin typeface="Times New Roman" panose="02020603050405020304" pitchFamily="18" charset="0"/>
+                <a:cs typeface="Times New Roman" panose="02020603050405020304" pitchFamily="18" charset="0"/>
+              </a:rPr>
+              <a:t>Test - Another Font Family, using Times New Roman</a:t>
+            </a:r>
+          </a:p>
+          <a:p>
+            <a:pPr marL="285750" indent="-285750">
+              <a:buFont typeface="Arial" panose="020B0604020202020204" pitchFamily="34" charset="0"/>
+              <a:buChar char="•"/>
+            </a:pPr>
+            <a:r>
+              <a:rPr lang="en-US" sz="1000" dirty="0" smtClean="0"/>
+              <a:t>Test - very small content. Test: very small content. Test: very small content. Test: very small content</a:t>
+            </a:r>
+          </a:p>
+        </p:txBody>
+      </p:sp>
+      <p:sp>
+        <p:nvSpPr>
+          <p:cNvPr id="3" name="HighlightBackgroundShapec485a6a5-1d97-42dc-ab66-ce7355d7009d"/>
+          <p:cNvSpPr txBox="1"/>
+          <p:nvPr/>
+        </p:nvSpPr>
+        <p:spPr>
+          <a:xfrm>
+            <a:off x="1524000" y="3048000"/>
+            <a:ext cx="7620000" cy="3600986"/>
+          </a:xfrm>
+          <a:prstGeom prst="rect">
+            <a:avLst/>
+          </a:prstGeom>
+          <a:noFill/>
+        </p:spPr>
+        <p:txBody>
+          <a:bodyPr wrap="square" rtlCol="0">
+            <a:spAutoFit/>
+          </a:bodyPr>
+          <a:lstStyle/>
+          <a:p>
+            <a:pPr marL="285750" indent="-285750">
+              <a:buFont typeface="Arial" panose="020B0604020202020204" pitchFamily="34" charset="0"/>
+              <a:buChar char="•"/>
+            </a:pPr>
+            <a:r>
+              <a:rPr lang="en-US" sz="6600" dirty="0" smtClean="0">
+                <a:latin typeface="Arial Black" panose="020B0A04020102020204" pitchFamily="34" charset="0"/>
+              </a:rPr>
+              <a:t>Test - very big</a:t>
+            </a:r>
+          </a:p>
+          <a:p>
+            <a:pPr marL="285750" indent="-285750">
+              <a:buFont typeface="Arial" panose="020B0604020202020204" pitchFamily="34" charset="0"/>
+              <a:buChar char="•"/>
+            </a:pPr>
+            <a:r>
+              <a:rPr lang="en-US" sz="3600" dirty="0" smtClean="0"/>
+              <a:t>Test – Long sentence: </a:t>
+            </a:r>
+            <a:r>
+              <a:rPr lang="en-US" sz="3600" dirty="0" err="1" smtClean="0"/>
+              <a:t>Asdddd</a:t>
+            </a:r>
+            <a:r>
+              <a:rPr lang="en-US" sz="3600" dirty="0" smtClean="0"/>
+              <a:t> </a:t>
+            </a:r>
+            <a:r>
+              <a:rPr lang="en-US" sz="3600" dirty="0" err="1" smtClean="0"/>
+              <a:t>ddd</a:t>
+            </a:r>
+            <a:r>
+              <a:rPr lang="en-US" sz="3600" dirty="0" smtClean="0"/>
+              <a:t> </a:t>
+            </a:r>
+            <a:r>
+              <a:rPr lang="en-US" sz="3600" dirty="0" err="1" smtClean="0"/>
+              <a:t>dd</a:t>
+            </a:r>
+            <a:r>
+              <a:rPr lang="en-US" sz="3600" dirty="0" smtClean="0"/>
+              <a:t> d </a:t>
+            </a:r>
+            <a:r>
+              <a:rPr lang="en-US" sz="3600" dirty="0" err="1" smtClean="0"/>
+              <a:t>ddddd</a:t>
+            </a:r>
+            <a:r>
+              <a:rPr lang="en-US" sz="3600" dirty="0" smtClean="0"/>
+              <a:t> </a:t>
+            </a:r>
+            <a:r>
+              <a:rPr lang="en-US" sz="3600" dirty="0" err="1" smtClean="0"/>
+              <a:t>ddd</a:t>
+            </a:r>
+            <a:r>
+              <a:rPr lang="en-US" sz="3600" dirty="0" smtClean="0"/>
+              <a:t> </a:t>
+            </a:r>
+            <a:r>
+              <a:rPr lang="en-US" sz="3600" dirty="0" err="1" smtClean="0"/>
+              <a:t>ddd</a:t>
+            </a:r>
+            <a:r>
+              <a:rPr lang="en-US" sz="3600" dirty="0" smtClean="0"/>
+              <a:t> </a:t>
+            </a:r>
+            <a:r>
+              <a:rPr lang="en-US" sz="3600" dirty="0" err="1" smtClean="0"/>
+              <a:t>ddd</a:t>
+            </a:r>
+            <a:r>
+              <a:rPr lang="en-US" sz="3600" dirty="0" smtClean="0"/>
+              <a:t> </a:t>
+            </a:r>
+            <a:r>
+              <a:rPr lang="en-US" sz="3600" dirty="0" err="1" smtClean="0"/>
+              <a:t>ddd</a:t>
+            </a:r>
+            <a:r>
+              <a:rPr lang="en-US" sz="3600" dirty="0" smtClean="0"/>
+              <a:t> </a:t>
+            </a:r>
+            <a:r>
+              <a:rPr lang="en-US" sz="3600" dirty="0" err="1" smtClean="0"/>
+              <a:t>ddd</a:t>
+            </a:r>
+            <a:r>
+              <a:rPr lang="en-US" sz="3600" dirty="0" smtClean="0"/>
+              <a:t> </a:t>
+            </a:r>
+            <a:r>
+              <a:rPr lang="en-US" sz="3600" dirty="0" err="1" smtClean="0"/>
+              <a:t>ddd</a:t>
+            </a:r>
+            <a:r>
+              <a:rPr lang="en-US" sz="3600" dirty="0" smtClean="0"/>
+              <a:t> </a:t>
+            </a:r>
+            <a:r>
+              <a:rPr lang="en-US" sz="3600" dirty="0" err="1" smtClean="0"/>
+              <a:t>ddd</a:t>
+            </a:r>
+            <a:r>
+              <a:rPr lang="en-US" sz="3600" dirty="0" smtClean="0"/>
+              <a:t> </a:t>
+            </a:r>
+            <a:r>
+              <a:rPr lang="en-US" sz="3600" dirty="0" err="1" smtClean="0"/>
+              <a:t>dddddd</a:t>
+            </a:r>
+            <a:r>
+              <a:rPr lang="en-US" sz="3600" dirty="0" smtClean="0"/>
+              <a:t> </a:t>
+            </a:r>
+            <a:r>
+              <a:rPr lang="en-US" sz="3600" dirty="0" err="1" smtClean="0"/>
+              <a:t>dd</a:t>
+            </a:r>
+            <a:r>
+              <a:rPr lang="en-US" sz="3600" dirty="0" smtClean="0"/>
+              <a:t> </a:t>
+            </a:r>
+            <a:r>
+              <a:rPr lang="en-US" sz="3600" dirty="0" err="1" smtClean="0"/>
+              <a:t>ddd</a:t>
+            </a:r>
+            <a:r>
+              <a:rPr lang="en-US" sz="3600" dirty="0" smtClean="0"/>
+              <a:t> </a:t>
+            </a:r>
+            <a:r>
+              <a:rPr lang="en-US" sz="3600" dirty="0" err="1" smtClean="0"/>
+              <a:t>ddddd</a:t>
+            </a:r>
+            <a:r>
+              <a:rPr lang="en-US" sz="3600" dirty="0" smtClean="0"/>
+              <a:t> </a:t>
+            </a:r>
+            <a:r>
+              <a:rPr lang="en-US" sz="3600" dirty="0" err="1" smtClean="0"/>
+              <a:t>dd</a:t>
+            </a:r>
+            <a:r>
+              <a:rPr lang="en-US" sz="3600" dirty="0" smtClean="0"/>
+              <a:t> </a:t>
+            </a:r>
+            <a:r>
+              <a:rPr lang="en-US" sz="3600" dirty="0" err="1" smtClean="0"/>
+              <a:t>dd</a:t>
+            </a:r>
+            <a:r>
+              <a:rPr lang="en-US" sz="3600" dirty="0" smtClean="0"/>
+              <a:t> d </a:t>
+            </a:r>
+            <a:r>
+              <a:rPr lang="en-US" sz="3600" dirty="0" err="1" smtClean="0"/>
+              <a:t>ddd</a:t>
+            </a:r>
+            <a:r>
+              <a:rPr lang="en-US" sz="3600" dirty="0" smtClean="0"/>
+              <a:t> </a:t>
+            </a:r>
+            <a:r>
+              <a:rPr lang="en-US" sz="3600" dirty="0" err="1" smtClean="0"/>
+              <a:t>ddd</a:t>
+            </a:r>
+            <a:endParaRPr lang="en-US" sz="3600" dirty="0" smtClean="0"/>
+          </a:p>
+          <a:p>
+            <a:pPr marL="285750" indent="-285750">
+              <a:buFont typeface="Arial" panose="020B0604020202020204" pitchFamily="34" charset="0"/>
+              <a:buChar char="•"/>
+            </a:pPr>
+            <a:r>
+              <a:rPr lang="en-US" altLang="zh-CN" dirty="0" smtClean="0"/>
+              <a:t>Test – Chinese Characters: </a:t>
+            </a:r>
+            <a:r>
+              <a:rPr lang="zh-CN" altLang="en-US" dirty="0" smtClean="0"/>
+              <a:t>阿</a:t>
+            </a:r>
+            <a:r>
+              <a:rPr lang="zh-CN" altLang="en-US" dirty="0"/>
+              <a:t>斯</a:t>
+            </a:r>
+            <a:r>
+              <a:rPr lang="zh-CN" altLang="en-US" dirty="0" smtClean="0"/>
+              <a:t>顿啊盛大速度啊盛大速度啊盛大速度</a:t>
+            </a:r>
+            <a:endParaRPr lang="en-SG" dirty="0"/>
           </a:p>
         </p:txBody>
       </p:sp>
@@ -15580,6 +15838,49 @@
       </p:grpSpPr>
       <p:sp>
         <p:nvSpPr>
+          <p:cNvPr id="3" name="Rectangle 4"/>
+          <p:cNvSpPr/>
+          <p:nvPr/>
+        </p:nvSpPr>
+        <p:spPr>
+          <a:xfrm>
+            <a:off x="0" y="2286000"/>
+            <a:ext cx="9144000" cy="2209800"/>
+          </a:xfrm>
+          <a:prstGeom prst="rect">
+            <a:avLst/>
+          </a:prstGeom>
+          <a:solidFill>
+            <a:srgbClr val="002060"/>
+          </a:solidFill>
+        </p:spPr>
+        <p:style>
+          <a:lnRef idx="2">
+            <a:schemeClr val="accent1">
+              <a:shade val="50000"/>
+            </a:schemeClr>
+          </a:lnRef>
+          <a:fillRef idx="1">
+            <a:schemeClr val="accent1"/>
+          </a:fillRef>
+          <a:effectRef idx="0">
+            <a:schemeClr val="accent1"/>
+          </a:effectRef>
+          <a:fontRef idx="minor">
+            <a:schemeClr val="lt1"/>
+          </a:fontRef>
+        </p:style>
+        <p:txBody>
+          <a:bodyPr rtlCol="0" anchor="ctr"/>
+          <a:lstStyle/>
+          <a:p>
+            <a:pPr algn="ctr"/>
+            <a:endParaRPr lang="en-US"/>
+          </a:p>
+        </p:txBody>
+      </p:sp>
+      <p:sp>
+        <p:nvSpPr>
           <p:cNvPr id="2" name="First Textbox"/>
           <p:cNvSpPr txBox="1"/>
           <p:nvPr/>
@@ -16153,6 +16454,49 @@
           <a:chExt cx="0" cy="0"/>
         </a:xfrm>
       </p:grpSpPr>
+      <p:sp>
+        <p:nvSpPr>
+          <p:cNvPr id="11" name="Rectangle 4"/>
+          <p:cNvSpPr/>
+          <p:nvPr/>
+        </p:nvSpPr>
+        <p:spPr>
+          <a:xfrm>
+            <a:off x="0" y="2286000"/>
+            <a:ext cx="9144000" cy="2209800"/>
+          </a:xfrm>
+          <a:prstGeom prst="rect">
+            <a:avLst/>
+          </a:prstGeom>
+          <a:solidFill>
+            <a:srgbClr val="002060"/>
+          </a:solidFill>
+        </p:spPr>
+        <p:style>
+          <a:lnRef idx="2">
+            <a:schemeClr val="accent1">
+              <a:shade val="50000"/>
+            </a:schemeClr>
+          </a:lnRef>
+          <a:fillRef idx="1">
+            <a:schemeClr val="accent1"/>
+          </a:fillRef>
+          <a:effectRef idx="0">
+            <a:schemeClr val="accent1"/>
+          </a:effectRef>
+          <a:fontRef idx="minor">
+            <a:schemeClr val="lt1"/>
+          </a:fontRef>
+        </p:style>
+        <p:txBody>
+          <a:bodyPr rtlCol="0" anchor="ctr"/>
+          <a:lstStyle/>
+          <a:p>
+            <a:pPr algn="ctr"/>
+            <a:endParaRPr lang="en-US"/>
+          </a:p>
+        </p:txBody>
+      </p:sp>
       <p:sp>
         <p:nvSpPr>
           <p:cNvPr id="3" name="PPTLabsHighlightBackgroundShape201506181734253032"/>
@@ -18140,6 +18484,49 @@
       </p:grpSpPr>
       <p:sp>
         <p:nvSpPr>
+          <p:cNvPr id="5" name="Rectangle 4"/>
+          <p:cNvSpPr/>
+          <p:nvPr/>
+        </p:nvSpPr>
+        <p:spPr>
+          <a:xfrm>
+            <a:off x="0" y="2286000"/>
+            <a:ext cx="9144000" cy="2209800"/>
+          </a:xfrm>
+          <a:prstGeom prst="rect">
+            <a:avLst/>
+          </a:prstGeom>
+          <a:solidFill>
+            <a:srgbClr val="002060"/>
+          </a:solidFill>
+        </p:spPr>
+        <p:style>
+          <a:lnRef idx="2">
+            <a:schemeClr val="accent1">
+              <a:shade val="50000"/>
+            </a:schemeClr>
+          </a:lnRef>
+          <a:fillRef idx="1">
+            <a:schemeClr val="accent1"/>
+          </a:fillRef>
+          <a:effectRef idx="0">
+            <a:schemeClr val="accent1"/>
+          </a:effectRef>
+          <a:fontRef idx="minor">
+            <a:schemeClr val="lt1"/>
+          </a:fontRef>
+        </p:style>
+        <p:txBody>
+          <a:bodyPr rtlCol="0" anchor="ctr"/>
+          <a:lstStyle/>
+          <a:p>
+            <a:pPr algn="ctr"/>
+            <a:endParaRPr lang="en-US"/>
+          </a:p>
+        </p:txBody>
+      </p:sp>
+      <p:sp>
+        <p:nvSpPr>
           <p:cNvPr id="2" name="First Textbox"/>
           <p:cNvSpPr txBox="1"/>
           <p:nvPr/>
@@ -18506,6 +18893,49 @@
           <a:chExt cx="0" cy="0"/>
         </a:xfrm>
       </p:grpSpPr>
+      <p:sp>
+        <p:nvSpPr>
+          <p:cNvPr id="5" name="Rectangle 4"/>
+          <p:cNvSpPr/>
+          <p:nvPr/>
+        </p:nvSpPr>
+        <p:spPr>
+          <a:xfrm>
+            <a:off x="0" y="2286000"/>
+            <a:ext cx="9144000" cy="2209800"/>
+          </a:xfrm>
+          <a:prstGeom prst="rect">
+            <a:avLst/>
+          </a:prstGeom>
+          <a:solidFill>
+            <a:srgbClr val="002060"/>
+          </a:solidFill>
+        </p:spPr>
+        <p:style>
+          <a:lnRef idx="2">
+            <a:schemeClr val="accent1">
+              <a:shade val="50000"/>
+            </a:schemeClr>
+          </a:lnRef>
+          <a:fillRef idx="1">
+            <a:schemeClr val="accent1"/>
+          </a:fillRef>
+          <a:effectRef idx="0">
+            <a:schemeClr val="accent1"/>
+          </a:effectRef>
+          <a:fontRef idx="minor">
+            <a:schemeClr val="lt1"/>
+          </a:fontRef>
+        </p:style>
+        <p:txBody>
+          <a:bodyPr rtlCol="0" anchor="ctr"/>
+          <a:lstStyle/>
+          <a:p>
+            <a:pPr algn="ctr"/>
+            <a:endParaRPr lang="en-US"/>
+          </a:p>
+        </p:txBody>
+      </p:sp>
       <p:sp>
         <p:nvSpPr>
           <p:cNvPr id="2" name="HighlightTextShape201506181207499333"/>
@@ -19530,6 +19960,49 @@
       </p:grpSpPr>
       <p:sp>
         <p:nvSpPr>
+          <p:cNvPr id="5" name="Rectangle 4"/>
+          <p:cNvSpPr/>
+          <p:nvPr/>
+        </p:nvSpPr>
+        <p:spPr>
+          <a:xfrm>
+            <a:off x="0" y="2286000"/>
+            <a:ext cx="9144000" cy="2209800"/>
+          </a:xfrm>
+          <a:prstGeom prst="rect">
+            <a:avLst/>
+          </a:prstGeom>
+          <a:solidFill>
+            <a:srgbClr val="002060"/>
+          </a:solidFill>
+        </p:spPr>
+        <p:style>
+          <a:lnRef idx="2">
+            <a:schemeClr val="accent1">
+              <a:shade val="50000"/>
+            </a:schemeClr>
+          </a:lnRef>
+          <a:fillRef idx="1">
+            <a:schemeClr val="accent1"/>
+          </a:fillRef>
+          <a:effectRef idx="0">
+            <a:schemeClr val="accent1"/>
+          </a:effectRef>
+          <a:fontRef idx="minor">
+            <a:schemeClr val="lt1"/>
+          </a:fontRef>
+        </p:style>
+        <p:txBody>
+          <a:bodyPr rtlCol="0" anchor="ctr"/>
+          <a:lstStyle/>
+          <a:p>
+            <a:pPr algn="ctr"/>
+            <a:endParaRPr lang="en-US"/>
+          </a:p>
+        </p:txBody>
+      </p:sp>
+      <p:sp>
+        <p:nvSpPr>
           <p:cNvPr id="2" name="First Textbox"/>
           <p:cNvSpPr txBox="1"/>
           <p:nvPr/>
@@ -19896,6 +20369,49 @@
           <a:chExt cx="0" cy="0"/>
         </a:xfrm>
       </p:grpSpPr>
+      <p:sp>
+        <p:nvSpPr>
+          <p:cNvPr id="5" name="Rectangle 4"/>
+          <p:cNvSpPr/>
+          <p:nvPr/>
+        </p:nvSpPr>
+        <p:spPr>
+          <a:xfrm>
+            <a:off x="0" y="2286000"/>
+            <a:ext cx="9144000" cy="2209800"/>
+          </a:xfrm>
+          <a:prstGeom prst="rect">
+            <a:avLst/>
+          </a:prstGeom>
+          <a:solidFill>
+            <a:srgbClr val="002060"/>
+          </a:solidFill>
+        </p:spPr>
+        <p:style>
+          <a:lnRef idx="2">
+            <a:schemeClr val="accent1">
+              <a:shade val="50000"/>
+            </a:schemeClr>
+          </a:lnRef>
+          <a:fillRef idx="1">
+            <a:schemeClr val="accent1"/>
+          </a:fillRef>
+          <a:effectRef idx="0">
+            <a:schemeClr val="accent1"/>
+          </a:effectRef>
+          <a:fontRef idx="minor">
+            <a:schemeClr val="lt1"/>
+          </a:fontRef>
+        </p:style>
+        <p:txBody>
+          <a:bodyPr rtlCol="0" anchor="ctr"/>
+          <a:lstStyle/>
+          <a:p>
+            <a:pPr algn="ctr"/>
+            <a:endParaRPr lang="en-US"/>
+          </a:p>
+        </p:txBody>
+      </p:sp>
       <p:sp>
         <p:nvSpPr>
           <p:cNvPr id="2" name="HighlightTextShape201506181158112213"/>

--- a/doc/test/HighlightPoints.pptx
+++ b/doc/test/HighlightPoints.pptx
@@ -7,7 +7,7 @@
     <p:sldMasterId id="2147483672" r:id="rId3"/>
   </p:sldMasterIdLst>
   <p:notesMasterIdLst>
-    <p:notesMasterId r:id="rId28"/>
+    <p:notesMasterId r:id="rId37"/>
   </p:notesMasterIdLst>
   <p:sldIdLst>
     <p:sldId id="287" r:id="rId4"/>
@@ -33,7 +33,16 @@
     <p:sldId id="334" r:id="rId24"/>
     <p:sldId id="333" r:id="rId25"/>
     <p:sldId id="335" r:id="rId26"/>
-    <p:sldId id="305" r:id="rId27"/>
+    <p:sldId id="336" r:id="rId27"/>
+    <p:sldId id="337" r:id="rId28"/>
+    <p:sldId id="338" r:id="rId29"/>
+    <p:sldId id="339" r:id="rId30"/>
+    <p:sldId id="340" r:id="rId31"/>
+    <p:sldId id="341" r:id="rId32"/>
+    <p:sldId id="342" r:id="rId33"/>
+    <p:sldId id="343" r:id="rId34"/>
+    <p:sldId id="344" r:id="rId35"/>
+    <p:sldId id="305" r:id="rId36"/>
   </p:sldIdLst>
   <p:sldSz cx="9144000" cy="6858000" type="screen4x3"/>
   <p:notesSz cx="6858000" cy="9144000"/>
@@ -164,6 +173,15 @@
             <p14:sldId id="334"/>
             <p14:sldId id="333"/>
             <p14:sldId id="335"/>
+            <p14:sldId id="336"/>
+            <p14:sldId id="337"/>
+            <p14:sldId id="338"/>
+            <p14:sldId id="339"/>
+            <p14:sldId id="340"/>
+            <p14:sldId id="341"/>
+            <p14:sldId id="342"/>
+            <p14:sldId id="343"/>
+            <p14:sldId id="344"/>
             <p14:sldId id="305"/>
           </p14:sldIdLst>
         </p14:section>
@@ -18346,15 +18364,7 @@
             </a:r>
             <a:r>
               <a:rPr lang="en-US" dirty="0" smtClean="0"/>
-              <a:t>Points </a:t>
-            </a:r>
-            <a:r>
-              <a:rPr lang="en-US" dirty="0" smtClean="0"/>
-              <a:t>– Select </a:t>
-            </a:r>
-            <a:r>
-              <a:rPr lang="en-US" dirty="0" smtClean="0"/>
-              <a:t>End of Text</a:t>
+              <a:t>Points – Select End of Text</a:t>
             </a:r>
             <a:endParaRPr lang="en-SG" dirty="0"/>
           </a:p>
@@ -18382,19 +18392,7 @@
           <a:p>
             <a:r>
               <a:rPr lang="en-US" dirty="0" smtClean="0"/>
-              <a:t>Move the cursor to the end of </a:t>
-            </a:r>
-            <a:r>
-              <a:rPr lang="en-US" dirty="0" smtClean="0"/>
-              <a:t>the </a:t>
-            </a:r>
-            <a:r>
-              <a:rPr lang="en-US" dirty="0" smtClean="0"/>
-              <a:t>text box and click “Highlight </a:t>
-            </a:r>
-            <a:r>
-              <a:rPr lang="en-US" dirty="0" smtClean="0"/>
-              <a:t>Points”</a:t>
+              <a:t>Move the cursor to the end of the text box and click “Highlight Points”</a:t>
             </a:r>
             <a:endParaRPr lang="en-SG" dirty="0"/>
           </a:p>
@@ -19254,6 +19252,5879 @@
 </file>
 
 <file path=ppt/slides/slide24.xml><?xml version="1.0" encoding="utf-8"?>
+<p:sld xmlns:a="http://schemas.openxmlformats.org/drawingml/2006/main" xmlns:r="http://schemas.openxmlformats.org/officeDocument/2006/relationships" xmlns:p="http://schemas.openxmlformats.org/presentationml/2006/main">
+  <p:cSld>
+    <p:spTree>
+      <p:nvGrpSpPr>
+        <p:cNvPr id="1" name=""/>
+        <p:cNvGrpSpPr/>
+        <p:nvPr/>
+      </p:nvGrpSpPr>
+      <p:grpSpPr>
+        <a:xfrm>
+          <a:off x="0" y="0"/>
+          <a:ext cx="0" cy="0"/>
+          <a:chOff x="0" y="0"/>
+          <a:chExt cx="0" cy="0"/>
+        </a:xfrm>
+      </p:grpSpPr>
+      <p:sp>
+        <p:nvSpPr>
+          <p:cNvPr id="2" name="Title 1"/>
+          <p:cNvSpPr>
+            <a:spLocks noGrp="1"/>
+          </p:cNvSpPr>
+          <p:nvPr>
+            <p:ph type="title"/>
+          </p:nvPr>
+        </p:nvSpPr>
+        <p:spPr/>
+        <p:txBody>
+          <a:bodyPr>
+            <a:normAutofit/>
+          </a:bodyPr>
+          <a:lstStyle/>
+          <a:p>
+            <a:r>
+              <a:rPr lang="en-US" dirty="0" smtClean="0"/>
+              <a:t>Remove Highlighting:: </a:t>
+            </a:r>
+            <a:r>
+              <a:rPr lang="en-US" dirty="0"/>
+              <a:t>Highlight </a:t>
+            </a:r>
+            <a:r>
+              <a:rPr lang="en-US" dirty="0" smtClean="0"/>
+              <a:t>Points</a:t>
+            </a:r>
+            <a:endParaRPr lang="en-SG" dirty="0"/>
+          </a:p>
+        </p:txBody>
+      </p:sp>
+      <p:sp>
+        <p:nvSpPr>
+          <p:cNvPr id="4" name="Content Placeholder 2"/>
+          <p:cNvSpPr>
+            <a:spLocks noGrp="1"/>
+          </p:cNvSpPr>
+          <p:nvPr>
+            <p:ph idx="1"/>
+          </p:nvPr>
+        </p:nvSpPr>
+        <p:spPr>
+          <a:xfrm>
+            <a:off x="457200" y="3124200"/>
+            <a:ext cx="8229600" cy="3001963"/>
+          </a:xfrm>
+        </p:spPr>
+        <p:txBody>
+          <a:bodyPr/>
+          <a:lstStyle/>
+          <a:p>
+            <a:r>
+              <a:rPr lang="en-US" dirty="0" smtClean="0"/>
+              <a:t>Click “Remove Highlighting”</a:t>
+            </a:r>
+            <a:endParaRPr lang="en-SG" dirty="0"/>
+          </a:p>
+        </p:txBody>
+      </p:sp>
+    </p:spTree>
+    <p:extLst>
+      <p:ext uri="{BB962C8B-B14F-4D97-AF65-F5344CB8AC3E}">
+        <p14:creationId xmlns:p14="http://schemas.microsoft.com/office/powerpoint/2010/main" val="4077675005"/>
+      </p:ext>
+    </p:extLst>
+  </p:cSld>
+  <p:clrMapOvr>
+    <a:masterClrMapping/>
+  </p:clrMapOvr>
+  <p:timing>
+    <p:tnLst>
+      <p:par>
+        <p:cTn id="1" dur="indefinite" restart="never" nodeType="tmRoot"/>
+      </p:par>
+    </p:tnLst>
+  </p:timing>
+</p:sld>
+</file>
+
+<file path=ppt/slides/slide25.xml><?xml version="1.0" encoding="utf-8"?>
+<p:sld xmlns:a="http://schemas.openxmlformats.org/drawingml/2006/main" xmlns:r="http://schemas.openxmlformats.org/officeDocument/2006/relationships" xmlns:p="http://schemas.openxmlformats.org/presentationml/2006/main">
+  <p:cSld>
+    <p:spTree>
+      <p:nvGrpSpPr>
+        <p:cNvPr id="1" name=""/>
+        <p:cNvGrpSpPr/>
+        <p:nvPr/>
+      </p:nvGrpSpPr>
+      <p:grpSpPr>
+        <a:xfrm>
+          <a:off x="0" y="0"/>
+          <a:ext cx="0" cy="0"/>
+          <a:chOff x="0" y="0"/>
+          <a:chExt cx="0" cy="0"/>
+        </a:xfrm>
+      </p:grpSpPr>
+      <p:sp>
+        <p:nvSpPr>
+          <p:cNvPr id="3" name="Rectangle 4"/>
+          <p:cNvSpPr/>
+          <p:nvPr/>
+        </p:nvSpPr>
+        <p:spPr>
+          <a:xfrm>
+            <a:off x="0" y="2286000"/>
+            <a:ext cx="9144000" cy="2209800"/>
+          </a:xfrm>
+          <a:prstGeom prst="rect">
+            <a:avLst/>
+          </a:prstGeom>
+          <a:solidFill>
+            <a:srgbClr val="002060"/>
+          </a:solidFill>
+        </p:spPr>
+        <p:style>
+          <a:lnRef idx="2">
+            <a:schemeClr val="accent1">
+              <a:shade val="50000"/>
+            </a:schemeClr>
+          </a:lnRef>
+          <a:fillRef idx="1">
+            <a:schemeClr val="accent1"/>
+          </a:fillRef>
+          <a:effectRef idx="0">
+            <a:schemeClr val="accent1"/>
+          </a:effectRef>
+          <a:fontRef idx="minor">
+            <a:schemeClr val="lt1"/>
+          </a:fontRef>
+        </p:style>
+        <p:txBody>
+          <a:bodyPr rtlCol="0" anchor="ctr"/>
+          <a:lstStyle/>
+          <a:p>
+            <a:pPr algn="ctr"/>
+            <a:endParaRPr lang="en-US"/>
+          </a:p>
+        </p:txBody>
+      </p:sp>
+      <p:sp>
+        <p:nvSpPr>
+          <p:cNvPr id="2" name="HighlightTextShape201702051845316996"/>
+          <p:cNvSpPr txBox="1"/>
+          <p:nvPr/>
+        </p:nvSpPr>
+        <p:spPr>
+          <a:xfrm>
+            <a:off x="762000" y="533400"/>
+            <a:ext cx="7620000" cy="5909310"/>
+          </a:xfrm>
+          <a:prstGeom prst="rect">
+            <a:avLst/>
+          </a:prstGeom>
+          <a:noFill/>
+        </p:spPr>
+        <p:txBody>
+          <a:bodyPr wrap="square" rtlCol="0">
+            <a:spAutoFit/>
+          </a:bodyPr>
+          <a:lstStyle/>
+          <a:p>
+            <a:pPr marL="285750" indent="-285750">
+              <a:buFont typeface="Arial" panose="020B0604020202020204" pitchFamily="34" charset="0"/>
+              <a:buChar char="•"/>
+            </a:pPr>
+            <a:r>
+              <a:rPr lang="en-US" sz="2800" dirty="0" smtClean="0"/>
+              <a:t>Test - Non-ABC: 1234567890!@#$%^&amp;*()</a:t>
+            </a:r>
+          </a:p>
+          <a:p>
+            <a:r>
+              <a:rPr lang="en-US" sz="2800" dirty="0"/>
+              <a:t>Test </a:t>
+            </a:r>
+            <a:r>
+              <a:rPr lang="en-US" sz="2800" dirty="0" smtClean="0"/>
+              <a:t>– No bullet point</a:t>
+            </a:r>
+            <a:endParaRPr lang="en-US" sz="2800" dirty="0"/>
+          </a:p>
+          <a:p>
+            <a:pPr marL="514350" indent="-514350">
+              <a:buFont typeface="+mj-lt"/>
+              <a:buAutoNum type="arabicPeriod"/>
+            </a:pPr>
+            <a:r>
+              <a:rPr lang="en-US" sz="2800" dirty="0"/>
+              <a:t>Test – </a:t>
+            </a:r>
+            <a:r>
+              <a:rPr lang="en-US" sz="2800" dirty="0" smtClean="0"/>
+              <a:t>Different bullet point</a:t>
+            </a:r>
+          </a:p>
+          <a:p>
+            <a:pPr marL="285750" indent="-285750">
+              <a:buFont typeface="Arial" panose="020B0604020202020204" pitchFamily="34" charset="0"/>
+              <a:buChar char="•"/>
+            </a:pPr>
+            <a:r>
+              <a:rPr lang="en-US" sz="2800" dirty="0" smtClean="0">
+                <a:latin typeface="Times New Roman" panose="02020603050405020304" pitchFamily="18" charset="0"/>
+                <a:cs typeface="Times New Roman" panose="02020603050405020304" pitchFamily="18" charset="0"/>
+              </a:rPr>
+              <a:t>Test - Another Font Family, using Times New Roman</a:t>
+            </a:r>
+          </a:p>
+          <a:p>
+            <a:pPr marL="285750" indent="-285750">
+              <a:buFont typeface="Arial" panose="020B0604020202020204" pitchFamily="34" charset="0"/>
+              <a:buChar char="•"/>
+            </a:pPr>
+            <a:r>
+              <a:rPr lang="en-US" sz="1000" dirty="0" smtClean="0"/>
+              <a:t>Test - very small content. Test: very small content. Test: very small content. Test: very small content</a:t>
+            </a:r>
+          </a:p>
+          <a:p>
+            <a:pPr marL="285750" indent="-285750">
+              <a:buFont typeface="Arial" panose="020B0604020202020204" pitchFamily="34" charset="0"/>
+              <a:buChar char="•"/>
+            </a:pPr>
+            <a:r>
+              <a:rPr lang="en-US" sz="6600" dirty="0" smtClean="0">
+                <a:latin typeface="Arial Black" panose="020B0A04020102020204" pitchFamily="34" charset="0"/>
+              </a:rPr>
+              <a:t>Test - very big</a:t>
+            </a:r>
+          </a:p>
+          <a:p>
+            <a:pPr marL="285750" indent="-285750">
+              <a:buFont typeface="Arial" panose="020B0604020202020204" pitchFamily="34" charset="0"/>
+              <a:buChar char="•"/>
+            </a:pPr>
+            <a:r>
+              <a:rPr lang="en-US" sz="3600" dirty="0" smtClean="0"/>
+              <a:t>Test – Long sentence: </a:t>
+            </a:r>
+            <a:r>
+              <a:rPr lang="en-US" sz="3600" dirty="0" err="1" smtClean="0"/>
+              <a:t>Asdddd</a:t>
+            </a:r>
+            <a:r>
+              <a:rPr lang="en-US" sz="3600" dirty="0" smtClean="0"/>
+              <a:t> </a:t>
+            </a:r>
+            <a:r>
+              <a:rPr lang="en-US" sz="3600" dirty="0" err="1" smtClean="0"/>
+              <a:t>ddd</a:t>
+            </a:r>
+            <a:r>
+              <a:rPr lang="en-US" sz="3600" dirty="0" smtClean="0"/>
+              <a:t> </a:t>
+            </a:r>
+            <a:r>
+              <a:rPr lang="en-US" sz="3600" dirty="0" err="1" smtClean="0"/>
+              <a:t>dd</a:t>
+            </a:r>
+            <a:r>
+              <a:rPr lang="en-US" sz="3600" dirty="0" smtClean="0"/>
+              <a:t> d </a:t>
+            </a:r>
+            <a:r>
+              <a:rPr lang="en-US" sz="3600" dirty="0" err="1" smtClean="0"/>
+              <a:t>ddddd</a:t>
+            </a:r>
+            <a:r>
+              <a:rPr lang="en-US" sz="3600" dirty="0" smtClean="0"/>
+              <a:t> </a:t>
+            </a:r>
+            <a:r>
+              <a:rPr lang="en-US" sz="3600" dirty="0" err="1" smtClean="0"/>
+              <a:t>ddd</a:t>
+            </a:r>
+            <a:r>
+              <a:rPr lang="en-US" sz="3600" dirty="0" smtClean="0"/>
+              <a:t> </a:t>
+            </a:r>
+            <a:r>
+              <a:rPr lang="en-US" sz="3600" dirty="0" err="1" smtClean="0"/>
+              <a:t>ddd</a:t>
+            </a:r>
+            <a:r>
+              <a:rPr lang="en-US" sz="3600" dirty="0" smtClean="0"/>
+              <a:t> </a:t>
+            </a:r>
+            <a:r>
+              <a:rPr lang="en-US" sz="3600" dirty="0" err="1" smtClean="0"/>
+              <a:t>ddd</a:t>
+            </a:r>
+            <a:r>
+              <a:rPr lang="en-US" sz="3600" dirty="0" smtClean="0"/>
+              <a:t> </a:t>
+            </a:r>
+            <a:r>
+              <a:rPr lang="en-US" sz="3600" dirty="0" err="1" smtClean="0"/>
+              <a:t>ddd</a:t>
+            </a:r>
+            <a:r>
+              <a:rPr lang="en-US" sz="3600" dirty="0" smtClean="0"/>
+              <a:t> </a:t>
+            </a:r>
+            <a:r>
+              <a:rPr lang="en-US" sz="3600" dirty="0" err="1" smtClean="0"/>
+              <a:t>ddd</a:t>
+            </a:r>
+            <a:r>
+              <a:rPr lang="en-US" sz="3600" dirty="0" smtClean="0"/>
+              <a:t> </a:t>
+            </a:r>
+            <a:r>
+              <a:rPr lang="en-US" sz="3600" dirty="0" err="1" smtClean="0"/>
+              <a:t>ddd</a:t>
+            </a:r>
+            <a:r>
+              <a:rPr lang="en-US" sz="3600" dirty="0" smtClean="0"/>
+              <a:t> </a:t>
+            </a:r>
+            <a:r>
+              <a:rPr lang="en-US" sz="3600" dirty="0" err="1" smtClean="0"/>
+              <a:t>ddd</a:t>
+            </a:r>
+            <a:r>
+              <a:rPr lang="en-US" sz="3600" dirty="0" smtClean="0"/>
+              <a:t> </a:t>
+            </a:r>
+            <a:r>
+              <a:rPr lang="en-US" sz="3600" dirty="0" err="1" smtClean="0"/>
+              <a:t>dddddd</a:t>
+            </a:r>
+            <a:r>
+              <a:rPr lang="en-US" sz="3600" dirty="0" smtClean="0"/>
+              <a:t> </a:t>
+            </a:r>
+            <a:r>
+              <a:rPr lang="en-US" sz="3600" dirty="0" err="1" smtClean="0"/>
+              <a:t>dd</a:t>
+            </a:r>
+            <a:r>
+              <a:rPr lang="en-US" sz="3600" dirty="0" smtClean="0"/>
+              <a:t> </a:t>
+            </a:r>
+            <a:r>
+              <a:rPr lang="en-US" sz="3600" dirty="0" err="1" smtClean="0"/>
+              <a:t>ddd</a:t>
+            </a:r>
+            <a:r>
+              <a:rPr lang="en-US" sz="3600" dirty="0" smtClean="0"/>
+              <a:t> </a:t>
+            </a:r>
+            <a:r>
+              <a:rPr lang="en-US" sz="3600" dirty="0" err="1" smtClean="0"/>
+              <a:t>ddddd</a:t>
+            </a:r>
+            <a:r>
+              <a:rPr lang="en-US" sz="3600" dirty="0" smtClean="0"/>
+              <a:t> </a:t>
+            </a:r>
+            <a:r>
+              <a:rPr lang="en-US" sz="3600" dirty="0" err="1" smtClean="0"/>
+              <a:t>dd</a:t>
+            </a:r>
+            <a:r>
+              <a:rPr lang="en-US" sz="3600" dirty="0" smtClean="0"/>
+              <a:t> </a:t>
+            </a:r>
+            <a:r>
+              <a:rPr lang="en-US" sz="3600" dirty="0" err="1" smtClean="0"/>
+              <a:t>dd</a:t>
+            </a:r>
+            <a:r>
+              <a:rPr lang="en-US" sz="3600" dirty="0" smtClean="0"/>
+              <a:t> d </a:t>
+            </a:r>
+            <a:r>
+              <a:rPr lang="en-US" sz="3600" dirty="0" err="1" smtClean="0"/>
+              <a:t>ddd</a:t>
+            </a:r>
+            <a:r>
+              <a:rPr lang="en-US" sz="3600" dirty="0" smtClean="0"/>
+              <a:t> </a:t>
+            </a:r>
+            <a:r>
+              <a:rPr lang="en-US" sz="3600" dirty="0" err="1" smtClean="0"/>
+              <a:t>ddd</a:t>
+            </a:r>
+            <a:endParaRPr lang="en-US" sz="3600" dirty="0" smtClean="0"/>
+          </a:p>
+          <a:p>
+            <a:pPr marL="285750" indent="-285750">
+              <a:buFont typeface="Arial" panose="020B0604020202020204" pitchFamily="34" charset="0"/>
+              <a:buChar char="•"/>
+            </a:pPr>
+            <a:r>
+              <a:rPr lang="en-US" altLang="zh-CN" dirty="0" smtClean="0"/>
+              <a:t>Test – Chinese Characters: </a:t>
+            </a:r>
+            <a:r>
+              <a:rPr lang="zh-CN" altLang="en-US" dirty="0" smtClean="0"/>
+              <a:t>阿</a:t>
+            </a:r>
+            <a:r>
+              <a:rPr lang="zh-CN" altLang="en-US" dirty="0"/>
+              <a:t>斯</a:t>
+            </a:r>
+            <a:r>
+              <a:rPr lang="zh-CN" altLang="en-US" dirty="0" smtClean="0"/>
+              <a:t>顿啊盛大速度啊盛大速度啊盛大速度</a:t>
+            </a:r>
+            <a:endParaRPr lang="en-SG" dirty="0"/>
+          </a:p>
+        </p:txBody>
+      </p:sp>
+    </p:spTree>
+    <p:extLst>
+      <p:ext uri="{BB962C8B-B14F-4D97-AF65-F5344CB8AC3E}">
+        <p14:creationId xmlns:p14="http://schemas.microsoft.com/office/powerpoint/2010/main" val="271173202"/>
+      </p:ext>
+    </p:extLst>
+  </p:cSld>
+  <p:clrMapOvr>
+    <a:masterClrMapping/>
+  </p:clrMapOvr>
+  <p:transition spd="slow">
+    <p:push dir="u"/>
+  </p:transition>
+  <p:timing>
+    <p:tnLst>
+      <p:par>
+        <p:cTn id="1" dur="indefinite" restart="never" nodeType="tmRoot">
+          <p:childTnLst>
+            <p:seq concurrent="1" nextAc="seek">
+              <p:cTn id="2" dur="indefinite" nodeType="mainSeq">
+                <p:childTnLst>
+                  <p:par>
+                    <p:cTn id="3" fill="hold">
+                      <p:stCondLst>
+                        <p:cond delay="indefinite"/>
+                      </p:stCondLst>
+                      <p:childTnLst>
+                        <p:par>
+                          <p:cTn id="4" fill="hold">
+                            <p:stCondLst>
+                              <p:cond delay="0"/>
+                            </p:stCondLst>
+                            <p:childTnLst>
+                              <p:par>
+                                <p:cTn id="5" presetID="3" presetClass="emph" presetSubtype="2" fill="hold" grpId="0" nodeType="clickEffect">
+                                  <p:stCondLst>
+                                    <p:cond delay="100"/>
+                                  </p:stCondLst>
+                                  <p:childTnLst>
+                                    <p:animClr clrSpc="rgb" dir="cw">
+                                      <p:cBhvr override="childStyle">
+                                        <p:cTn id="6" dur="100" fill="hold"/>
+                                        <p:tgtEl>
+                                          <p:spTgt spid="2">
+                                            <p:txEl>
+                                              <p:pRg st="0" end="0"/>
+                                            </p:txEl>
+                                          </p:spTgt>
+                                        </p:tgtEl>
+                                        <p:attrNameLst>
+                                          <p:attrName>style.color</p:attrName>
+                                        </p:attrNameLst>
+                                      </p:cBhvr>
+                                      <p:to>
+                                        <a:srgbClr val="F2290A"/>
+                                      </p:to>
+                                    </p:animClr>
+                                  </p:childTnLst>
+                                </p:cTn>
+                              </p:par>
+                            </p:childTnLst>
+                          </p:cTn>
+                        </p:par>
+                      </p:childTnLst>
+                    </p:cTn>
+                  </p:par>
+                  <p:par>
+                    <p:cTn id="7" fill="hold">
+                      <p:stCondLst>
+                        <p:cond delay="indefinite"/>
+                      </p:stCondLst>
+                      <p:childTnLst>
+                        <p:par>
+                          <p:cTn id="8" fill="hold">
+                            <p:stCondLst>
+                              <p:cond delay="0"/>
+                            </p:stCondLst>
+                            <p:childTnLst>
+                              <p:par>
+                                <p:cTn id="9" presetID="3" presetClass="emph" presetSubtype="2" fill="hold" grpId="0" nodeType="clickEffect">
+                                  <p:stCondLst>
+                                    <p:cond delay="100"/>
+                                  </p:stCondLst>
+                                  <p:childTnLst>
+                                    <p:animClr clrSpc="rgb" dir="cw">
+                                      <p:cBhvr override="childStyle">
+                                        <p:cTn id="10" dur="100" fill="hold"/>
+                                        <p:tgtEl>
+                                          <p:spTgt spid="2">
+                                            <p:txEl>
+                                              <p:pRg st="2" end="2"/>
+                                            </p:txEl>
+                                          </p:spTgt>
+                                        </p:tgtEl>
+                                        <p:attrNameLst>
+                                          <p:attrName>style.color</p:attrName>
+                                        </p:attrNameLst>
+                                      </p:cBhvr>
+                                      <p:to>
+                                        <a:srgbClr val="F2290A"/>
+                                      </p:to>
+                                    </p:animClr>
+                                  </p:childTnLst>
+                                </p:cTn>
+                              </p:par>
+                              <p:par>
+                                <p:cTn id="11" presetID="3" presetClass="emph" presetSubtype="2" fill="hold" grpId="1" nodeType="withEffect">
+                                  <p:stCondLst>
+                                    <p:cond delay="100"/>
+                                  </p:stCondLst>
+                                  <p:childTnLst>
+                                    <p:animClr clrSpc="rgb" dir="cw">
+                                      <p:cBhvr override="childStyle">
+                                        <p:cTn id="12" dur="100" fill="hold"/>
+                                        <p:tgtEl>
+                                          <p:spTgt spid="2">
+                                            <p:txEl>
+                                              <p:pRg st="0" end="0"/>
+                                            </p:txEl>
+                                          </p:spTgt>
+                                        </p:tgtEl>
+                                        <p:attrNameLst>
+                                          <p:attrName>style.color</p:attrName>
+                                        </p:attrNameLst>
+                                      </p:cBhvr>
+                                      <p:to>
+                                        <a:srgbClr val="000000"/>
+                                      </p:to>
+                                    </p:animClr>
+                                  </p:childTnLst>
+                                </p:cTn>
+                              </p:par>
+                            </p:childTnLst>
+                          </p:cTn>
+                        </p:par>
+                      </p:childTnLst>
+                    </p:cTn>
+                  </p:par>
+                  <p:par>
+                    <p:cTn id="13" fill="hold">
+                      <p:stCondLst>
+                        <p:cond delay="indefinite"/>
+                      </p:stCondLst>
+                      <p:childTnLst>
+                        <p:par>
+                          <p:cTn id="14" fill="hold">
+                            <p:stCondLst>
+                              <p:cond delay="0"/>
+                            </p:stCondLst>
+                            <p:childTnLst>
+                              <p:par>
+                                <p:cTn id="15" presetID="3" presetClass="emph" presetSubtype="2" fill="hold" grpId="0" nodeType="clickEffect">
+                                  <p:stCondLst>
+                                    <p:cond delay="100"/>
+                                  </p:stCondLst>
+                                  <p:childTnLst>
+                                    <p:animClr clrSpc="rgb" dir="cw">
+                                      <p:cBhvr override="childStyle">
+                                        <p:cTn id="16" dur="100" fill="hold"/>
+                                        <p:tgtEl>
+                                          <p:spTgt spid="2">
+                                            <p:txEl>
+                                              <p:pRg st="3" end="3"/>
+                                            </p:txEl>
+                                          </p:spTgt>
+                                        </p:tgtEl>
+                                        <p:attrNameLst>
+                                          <p:attrName>style.color</p:attrName>
+                                        </p:attrNameLst>
+                                      </p:cBhvr>
+                                      <p:to>
+                                        <a:srgbClr val="F2290A"/>
+                                      </p:to>
+                                    </p:animClr>
+                                  </p:childTnLst>
+                                </p:cTn>
+                              </p:par>
+                              <p:par>
+                                <p:cTn id="17" presetID="3" presetClass="emph" presetSubtype="2" fill="hold" grpId="1" nodeType="withEffect">
+                                  <p:stCondLst>
+                                    <p:cond delay="100"/>
+                                  </p:stCondLst>
+                                  <p:childTnLst>
+                                    <p:animClr clrSpc="rgb" dir="cw">
+                                      <p:cBhvr override="childStyle">
+                                        <p:cTn id="18" dur="100" fill="hold"/>
+                                        <p:tgtEl>
+                                          <p:spTgt spid="2">
+                                            <p:txEl>
+                                              <p:pRg st="2" end="2"/>
+                                            </p:txEl>
+                                          </p:spTgt>
+                                        </p:tgtEl>
+                                        <p:attrNameLst>
+                                          <p:attrName>style.color</p:attrName>
+                                        </p:attrNameLst>
+                                      </p:cBhvr>
+                                      <p:to>
+                                        <a:srgbClr val="000000"/>
+                                      </p:to>
+                                    </p:animClr>
+                                  </p:childTnLst>
+                                </p:cTn>
+                              </p:par>
+                            </p:childTnLst>
+                          </p:cTn>
+                        </p:par>
+                      </p:childTnLst>
+                    </p:cTn>
+                  </p:par>
+                  <p:par>
+                    <p:cTn id="19" fill="hold">
+                      <p:stCondLst>
+                        <p:cond delay="indefinite"/>
+                      </p:stCondLst>
+                      <p:childTnLst>
+                        <p:par>
+                          <p:cTn id="20" fill="hold">
+                            <p:stCondLst>
+                              <p:cond delay="0"/>
+                            </p:stCondLst>
+                            <p:childTnLst>
+                              <p:par>
+                                <p:cTn id="21" presetID="3" presetClass="emph" presetSubtype="2" fill="hold" grpId="0" nodeType="clickEffect">
+                                  <p:stCondLst>
+                                    <p:cond delay="100"/>
+                                  </p:stCondLst>
+                                  <p:childTnLst>
+                                    <p:animClr clrSpc="rgb" dir="cw">
+                                      <p:cBhvr override="childStyle">
+                                        <p:cTn id="22" dur="100" fill="hold"/>
+                                        <p:tgtEl>
+                                          <p:spTgt spid="2">
+                                            <p:txEl>
+                                              <p:pRg st="4" end="4"/>
+                                            </p:txEl>
+                                          </p:spTgt>
+                                        </p:tgtEl>
+                                        <p:attrNameLst>
+                                          <p:attrName>style.color</p:attrName>
+                                        </p:attrNameLst>
+                                      </p:cBhvr>
+                                      <p:to>
+                                        <a:srgbClr val="F2290A"/>
+                                      </p:to>
+                                    </p:animClr>
+                                  </p:childTnLst>
+                                </p:cTn>
+                              </p:par>
+                              <p:par>
+                                <p:cTn id="23" presetID="3" presetClass="emph" presetSubtype="2" fill="hold" grpId="1" nodeType="withEffect">
+                                  <p:stCondLst>
+                                    <p:cond delay="100"/>
+                                  </p:stCondLst>
+                                  <p:childTnLst>
+                                    <p:animClr clrSpc="rgb" dir="cw">
+                                      <p:cBhvr override="childStyle">
+                                        <p:cTn id="24" dur="100" fill="hold"/>
+                                        <p:tgtEl>
+                                          <p:spTgt spid="2">
+                                            <p:txEl>
+                                              <p:pRg st="3" end="3"/>
+                                            </p:txEl>
+                                          </p:spTgt>
+                                        </p:tgtEl>
+                                        <p:attrNameLst>
+                                          <p:attrName>style.color</p:attrName>
+                                        </p:attrNameLst>
+                                      </p:cBhvr>
+                                      <p:to>
+                                        <a:srgbClr val="000000"/>
+                                      </p:to>
+                                    </p:animClr>
+                                  </p:childTnLst>
+                                </p:cTn>
+                              </p:par>
+                            </p:childTnLst>
+                          </p:cTn>
+                        </p:par>
+                      </p:childTnLst>
+                    </p:cTn>
+                  </p:par>
+                  <p:par>
+                    <p:cTn id="25" fill="hold">
+                      <p:stCondLst>
+                        <p:cond delay="indefinite"/>
+                      </p:stCondLst>
+                      <p:childTnLst>
+                        <p:par>
+                          <p:cTn id="26" fill="hold">
+                            <p:stCondLst>
+                              <p:cond delay="0"/>
+                            </p:stCondLst>
+                            <p:childTnLst>
+                              <p:par>
+                                <p:cTn id="27" presetID="3" presetClass="emph" presetSubtype="2" fill="hold" grpId="0" nodeType="clickEffect">
+                                  <p:stCondLst>
+                                    <p:cond delay="100"/>
+                                  </p:stCondLst>
+                                  <p:childTnLst>
+                                    <p:animClr clrSpc="rgb" dir="cw">
+                                      <p:cBhvr override="childStyle">
+                                        <p:cTn id="28" dur="100" fill="hold"/>
+                                        <p:tgtEl>
+                                          <p:spTgt spid="2">
+                                            <p:txEl>
+                                              <p:pRg st="5" end="5"/>
+                                            </p:txEl>
+                                          </p:spTgt>
+                                        </p:tgtEl>
+                                        <p:attrNameLst>
+                                          <p:attrName>style.color</p:attrName>
+                                        </p:attrNameLst>
+                                      </p:cBhvr>
+                                      <p:to>
+                                        <a:srgbClr val="F2290A"/>
+                                      </p:to>
+                                    </p:animClr>
+                                  </p:childTnLst>
+                                </p:cTn>
+                              </p:par>
+                              <p:par>
+                                <p:cTn id="29" presetID="3" presetClass="emph" presetSubtype="2" fill="hold" grpId="1" nodeType="withEffect">
+                                  <p:stCondLst>
+                                    <p:cond delay="100"/>
+                                  </p:stCondLst>
+                                  <p:childTnLst>
+                                    <p:animClr clrSpc="rgb" dir="cw">
+                                      <p:cBhvr override="childStyle">
+                                        <p:cTn id="30" dur="100" fill="hold"/>
+                                        <p:tgtEl>
+                                          <p:spTgt spid="2">
+                                            <p:txEl>
+                                              <p:pRg st="4" end="4"/>
+                                            </p:txEl>
+                                          </p:spTgt>
+                                        </p:tgtEl>
+                                        <p:attrNameLst>
+                                          <p:attrName>style.color</p:attrName>
+                                        </p:attrNameLst>
+                                      </p:cBhvr>
+                                      <p:to>
+                                        <a:srgbClr val="000000"/>
+                                      </p:to>
+                                    </p:animClr>
+                                  </p:childTnLst>
+                                </p:cTn>
+                              </p:par>
+                            </p:childTnLst>
+                          </p:cTn>
+                        </p:par>
+                      </p:childTnLst>
+                    </p:cTn>
+                  </p:par>
+                  <p:par>
+                    <p:cTn id="31" fill="hold">
+                      <p:stCondLst>
+                        <p:cond delay="indefinite"/>
+                      </p:stCondLst>
+                      <p:childTnLst>
+                        <p:par>
+                          <p:cTn id="32" fill="hold">
+                            <p:stCondLst>
+                              <p:cond delay="0"/>
+                            </p:stCondLst>
+                            <p:childTnLst>
+                              <p:par>
+                                <p:cTn id="33" presetID="3" presetClass="emph" presetSubtype="2" fill="hold" grpId="0" nodeType="clickEffect">
+                                  <p:stCondLst>
+                                    <p:cond delay="100"/>
+                                  </p:stCondLst>
+                                  <p:childTnLst>
+                                    <p:animClr clrSpc="rgb" dir="cw">
+                                      <p:cBhvr override="childStyle">
+                                        <p:cTn id="34" dur="100" fill="hold"/>
+                                        <p:tgtEl>
+                                          <p:spTgt spid="2">
+                                            <p:txEl>
+                                              <p:pRg st="6" end="6"/>
+                                            </p:txEl>
+                                          </p:spTgt>
+                                        </p:tgtEl>
+                                        <p:attrNameLst>
+                                          <p:attrName>style.color</p:attrName>
+                                        </p:attrNameLst>
+                                      </p:cBhvr>
+                                      <p:to>
+                                        <a:srgbClr val="F2290A"/>
+                                      </p:to>
+                                    </p:animClr>
+                                  </p:childTnLst>
+                                </p:cTn>
+                              </p:par>
+                              <p:par>
+                                <p:cTn id="35" presetID="3" presetClass="emph" presetSubtype="2" fill="hold" grpId="1" nodeType="withEffect">
+                                  <p:stCondLst>
+                                    <p:cond delay="100"/>
+                                  </p:stCondLst>
+                                  <p:childTnLst>
+                                    <p:animClr clrSpc="rgb" dir="cw">
+                                      <p:cBhvr override="childStyle">
+                                        <p:cTn id="36" dur="100" fill="hold"/>
+                                        <p:tgtEl>
+                                          <p:spTgt spid="2">
+                                            <p:txEl>
+                                              <p:pRg st="5" end="5"/>
+                                            </p:txEl>
+                                          </p:spTgt>
+                                        </p:tgtEl>
+                                        <p:attrNameLst>
+                                          <p:attrName>style.color</p:attrName>
+                                        </p:attrNameLst>
+                                      </p:cBhvr>
+                                      <p:to>
+                                        <a:srgbClr val="000000"/>
+                                      </p:to>
+                                    </p:animClr>
+                                  </p:childTnLst>
+                                </p:cTn>
+                              </p:par>
+                            </p:childTnLst>
+                          </p:cTn>
+                        </p:par>
+                      </p:childTnLst>
+                    </p:cTn>
+                  </p:par>
+                  <p:par>
+                    <p:cTn id="37" fill="hold">
+                      <p:stCondLst>
+                        <p:cond delay="indefinite"/>
+                      </p:stCondLst>
+                      <p:childTnLst>
+                        <p:par>
+                          <p:cTn id="38" fill="hold">
+                            <p:stCondLst>
+                              <p:cond delay="0"/>
+                            </p:stCondLst>
+                            <p:childTnLst>
+                              <p:par>
+                                <p:cTn id="39" presetID="3" presetClass="emph" presetSubtype="2" fill="hold" grpId="0" nodeType="clickEffect">
+                                  <p:stCondLst>
+                                    <p:cond delay="100"/>
+                                  </p:stCondLst>
+                                  <p:childTnLst>
+                                    <p:animClr clrSpc="rgb" dir="cw">
+                                      <p:cBhvr override="childStyle">
+                                        <p:cTn id="40" dur="100" fill="hold"/>
+                                        <p:tgtEl>
+                                          <p:spTgt spid="2">
+                                            <p:txEl>
+                                              <p:pRg st="7" end="7"/>
+                                            </p:txEl>
+                                          </p:spTgt>
+                                        </p:tgtEl>
+                                        <p:attrNameLst>
+                                          <p:attrName>style.color</p:attrName>
+                                        </p:attrNameLst>
+                                      </p:cBhvr>
+                                      <p:to>
+                                        <a:srgbClr val="F2290A"/>
+                                      </p:to>
+                                    </p:animClr>
+                                  </p:childTnLst>
+                                </p:cTn>
+                              </p:par>
+                              <p:par>
+                                <p:cTn id="41" presetID="3" presetClass="emph" presetSubtype="2" fill="hold" grpId="1" nodeType="withEffect">
+                                  <p:stCondLst>
+                                    <p:cond delay="100"/>
+                                  </p:stCondLst>
+                                  <p:childTnLst>
+                                    <p:animClr clrSpc="rgb" dir="cw">
+                                      <p:cBhvr override="childStyle">
+                                        <p:cTn id="42" dur="100" fill="hold"/>
+                                        <p:tgtEl>
+                                          <p:spTgt spid="2">
+                                            <p:txEl>
+                                              <p:pRg st="6" end="6"/>
+                                            </p:txEl>
+                                          </p:spTgt>
+                                        </p:tgtEl>
+                                        <p:attrNameLst>
+                                          <p:attrName>style.color</p:attrName>
+                                        </p:attrNameLst>
+                                      </p:cBhvr>
+                                      <p:to>
+                                        <a:srgbClr val="000000"/>
+                                      </p:to>
+                                    </p:animClr>
+                                  </p:childTnLst>
+                                </p:cTn>
+                              </p:par>
+                            </p:childTnLst>
+                          </p:cTn>
+                        </p:par>
+                      </p:childTnLst>
+                    </p:cTn>
+                  </p:par>
+                  <p:par>
+                    <p:cTn id="43" fill="hold">
+                      <p:stCondLst>
+                        <p:cond delay="indefinite"/>
+                      </p:stCondLst>
+                      <p:childTnLst>
+                        <p:par>
+                          <p:cTn id="44" fill="hold">
+                            <p:stCondLst>
+                              <p:cond delay="0"/>
+                            </p:stCondLst>
+                            <p:childTnLst>
+                              <p:par>
+                                <p:cTn id="45" presetID="3" presetClass="emph" presetSubtype="2" fill="hold" grpId="1" nodeType="clickEffect">
+                                  <p:stCondLst>
+                                    <p:cond delay="100"/>
+                                  </p:stCondLst>
+                                  <p:childTnLst>
+                                    <p:animClr clrSpc="rgb" dir="cw">
+                                      <p:cBhvr override="childStyle">
+                                        <p:cTn id="46" dur="100" fill="hold"/>
+                                        <p:tgtEl>
+                                          <p:spTgt spid="2">
+                                            <p:txEl>
+                                              <p:pRg st="7" end="7"/>
+                                            </p:txEl>
+                                          </p:spTgt>
+                                        </p:tgtEl>
+                                        <p:attrNameLst>
+                                          <p:attrName>style.color</p:attrName>
+                                        </p:attrNameLst>
+                                      </p:cBhvr>
+                                      <p:to>
+                                        <a:srgbClr val="000000"/>
+                                      </p:to>
+                                    </p:animClr>
+                                  </p:childTnLst>
+                                </p:cTn>
+                              </p:par>
+                            </p:childTnLst>
+                          </p:cTn>
+                        </p:par>
+                      </p:childTnLst>
+                    </p:cTn>
+                  </p:par>
+                </p:childTnLst>
+              </p:cTn>
+              <p:prevCondLst>
+                <p:cond evt="onPrev" delay="0">
+                  <p:tgtEl>
+                    <p:sldTgt/>
+                  </p:tgtEl>
+                </p:cond>
+              </p:prevCondLst>
+              <p:nextCondLst>
+                <p:cond evt="onNext" delay="0">
+                  <p:tgtEl>
+                    <p:sldTgt/>
+                  </p:tgtEl>
+                </p:cond>
+              </p:nextCondLst>
+            </p:seq>
+          </p:childTnLst>
+        </p:cTn>
+      </p:par>
+    </p:tnLst>
+    <p:bldLst>
+      <p:bldP spid="2" grpId="0" build="p" bldLvl="5"/>
+      <p:bldP spid="2" grpId="1" build="p" bldLvl="5"/>
+    </p:bldLst>
+  </p:timing>
+</p:sld>
+</file>
+
+<file path=ppt/slides/slide26.xml><?xml version="1.0" encoding="utf-8"?>
+<p:sld xmlns:a="http://schemas.openxmlformats.org/drawingml/2006/main" xmlns:r="http://schemas.openxmlformats.org/officeDocument/2006/relationships" xmlns:p="http://schemas.openxmlformats.org/presentationml/2006/main">
+  <p:cSld>
+    <p:spTree>
+      <p:nvGrpSpPr>
+        <p:cNvPr id="1" name=""/>
+        <p:cNvGrpSpPr/>
+        <p:nvPr/>
+      </p:nvGrpSpPr>
+      <p:grpSpPr>
+        <a:xfrm>
+          <a:off x="0" y="0"/>
+          <a:ext cx="0" cy="0"/>
+          <a:chOff x="0" y="0"/>
+          <a:chExt cx="0" cy="0"/>
+        </a:xfrm>
+      </p:grpSpPr>
+      <p:sp>
+        <p:nvSpPr>
+          <p:cNvPr id="3" name="Rectangle 4"/>
+          <p:cNvSpPr/>
+          <p:nvPr/>
+        </p:nvSpPr>
+        <p:spPr>
+          <a:xfrm>
+            <a:off x="0" y="2286000"/>
+            <a:ext cx="9144000" cy="2209800"/>
+          </a:xfrm>
+          <a:prstGeom prst="rect">
+            <a:avLst/>
+          </a:prstGeom>
+          <a:solidFill>
+            <a:srgbClr val="002060"/>
+          </a:solidFill>
+        </p:spPr>
+        <p:style>
+          <a:lnRef idx="2">
+            <a:schemeClr val="accent1">
+              <a:shade val="50000"/>
+            </a:schemeClr>
+          </a:lnRef>
+          <a:fillRef idx="1">
+            <a:schemeClr val="accent1"/>
+          </a:fillRef>
+          <a:effectRef idx="0">
+            <a:schemeClr val="accent1"/>
+          </a:effectRef>
+          <a:fontRef idx="minor">
+            <a:schemeClr val="lt1"/>
+          </a:fontRef>
+        </p:style>
+        <p:txBody>
+          <a:bodyPr rtlCol="0" anchor="ctr"/>
+          <a:lstStyle/>
+          <a:p>
+            <a:pPr algn="ctr"/>
+            <a:endParaRPr lang="en-US"/>
+          </a:p>
+        </p:txBody>
+      </p:sp>
+      <p:sp>
+        <p:nvSpPr>
+          <p:cNvPr id="2" name="HighlightTextShape201702051845316996"/>
+          <p:cNvSpPr txBox="1"/>
+          <p:nvPr/>
+        </p:nvSpPr>
+        <p:spPr>
+          <a:xfrm>
+            <a:off x="762000" y="533400"/>
+            <a:ext cx="7620000" cy="5909310"/>
+          </a:xfrm>
+          <a:prstGeom prst="rect">
+            <a:avLst/>
+          </a:prstGeom>
+          <a:noFill/>
+        </p:spPr>
+        <p:txBody>
+          <a:bodyPr wrap="square" rtlCol="0">
+            <a:spAutoFit/>
+          </a:bodyPr>
+          <a:lstStyle/>
+          <a:p>
+            <a:pPr marL="285750" indent="-285750">
+              <a:buFont typeface="Arial" panose="020B0604020202020204" pitchFamily="34" charset="0"/>
+              <a:buChar char="•"/>
+            </a:pPr>
+            <a:r>
+              <a:rPr lang="en-US" sz="2800" dirty="0" smtClean="0"/>
+              <a:t>Test - Non-ABC: 1234567890!@#$%^&amp;*()</a:t>
+            </a:r>
+          </a:p>
+          <a:p>
+            <a:r>
+              <a:rPr lang="en-US" sz="2800" dirty="0"/>
+              <a:t>Test </a:t>
+            </a:r>
+            <a:r>
+              <a:rPr lang="en-US" sz="2800" dirty="0" smtClean="0"/>
+              <a:t>– No bullet point</a:t>
+            </a:r>
+            <a:endParaRPr lang="en-US" sz="2800" dirty="0"/>
+          </a:p>
+          <a:p>
+            <a:pPr marL="514350" indent="-514350">
+              <a:buFont typeface="+mj-lt"/>
+              <a:buAutoNum type="arabicPeriod"/>
+            </a:pPr>
+            <a:r>
+              <a:rPr lang="en-US" sz="2800" dirty="0"/>
+              <a:t>Test – </a:t>
+            </a:r>
+            <a:r>
+              <a:rPr lang="en-US" sz="2800" dirty="0" smtClean="0"/>
+              <a:t>Different bullet point</a:t>
+            </a:r>
+          </a:p>
+          <a:p>
+            <a:pPr marL="285750" indent="-285750">
+              <a:buFont typeface="Arial" panose="020B0604020202020204" pitchFamily="34" charset="0"/>
+              <a:buChar char="•"/>
+            </a:pPr>
+            <a:r>
+              <a:rPr lang="en-US" sz="2800" dirty="0" smtClean="0">
+                <a:latin typeface="Times New Roman" panose="02020603050405020304" pitchFamily="18" charset="0"/>
+                <a:cs typeface="Times New Roman" panose="02020603050405020304" pitchFamily="18" charset="0"/>
+              </a:rPr>
+              <a:t>Test - Another Font Family, using Times New Roman</a:t>
+            </a:r>
+          </a:p>
+          <a:p>
+            <a:pPr marL="285750" indent="-285750">
+              <a:buFont typeface="Arial" panose="020B0604020202020204" pitchFamily="34" charset="0"/>
+              <a:buChar char="•"/>
+            </a:pPr>
+            <a:r>
+              <a:rPr lang="en-US" sz="1000" dirty="0" smtClean="0"/>
+              <a:t>Test - very small content. Test: very small content. Test: very small content. Test: very small content</a:t>
+            </a:r>
+          </a:p>
+          <a:p>
+            <a:pPr marL="285750" indent="-285750">
+              <a:buFont typeface="Arial" panose="020B0604020202020204" pitchFamily="34" charset="0"/>
+              <a:buChar char="•"/>
+            </a:pPr>
+            <a:r>
+              <a:rPr lang="en-US" sz="6600" dirty="0" smtClean="0">
+                <a:latin typeface="Arial Black" panose="020B0A04020102020204" pitchFamily="34" charset="0"/>
+              </a:rPr>
+              <a:t>Test - very big</a:t>
+            </a:r>
+          </a:p>
+          <a:p>
+            <a:pPr marL="285750" indent="-285750">
+              <a:buFont typeface="Arial" panose="020B0604020202020204" pitchFamily="34" charset="0"/>
+              <a:buChar char="•"/>
+            </a:pPr>
+            <a:r>
+              <a:rPr lang="en-US" sz="3600" dirty="0" smtClean="0"/>
+              <a:t>Test – Long sentence: </a:t>
+            </a:r>
+            <a:r>
+              <a:rPr lang="en-US" sz="3600" dirty="0" err="1" smtClean="0"/>
+              <a:t>Asdddd</a:t>
+            </a:r>
+            <a:r>
+              <a:rPr lang="en-US" sz="3600" dirty="0" smtClean="0"/>
+              <a:t> </a:t>
+            </a:r>
+            <a:r>
+              <a:rPr lang="en-US" sz="3600" dirty="0" err="1" smtClean="0"/>
+              <a:t>ddd</a:t>
+            </a:r>
+            <a:r>
+              <a:rPr lang="en-US" sz="3600" dirty="0" smtClean="0"/>
+              <a:t> </a:t>
+            </a:r>
+            <a:r>
+              <a:rPr lang="en-US" sz="3600" dirty="0" err="1" smtClean="0"/>
+              <a:t>dd</a:t>
+            </a:r>
+            <a:r>
+              <a:rPr lang="en-US" sz="3600" dirty="0" smtClean="0"/>
+              <a:t> d </a:t>
+            </a:r>
+            <a:r>
+              <a:rPr lang="en-US" sz="3600" dirty="0" err="1" smtClean="0"/>
+              <a:t>ddddd</a:t>
+            </a:r>
+            <a:r>
+              <a:rPr lang="en-US" sz="3600" dirty="0" smtClean="0"/>
+              <a:t> </a:t>
+            </a:r>
+            <a:r>
+              <a:rPr lang="en-US" sz="3600" dirty="0" err="1" smtClean="0"/>
+              <a:t>ddd</a:t>
+            </a:r>
+            <a:r>
+              <a:rPr lang="en-US" sz="3600" dirty="0" smtClean="0"/>
+              <a:t> </a:t>
+            </a:r>
+            <a:r>
+              <a:rPr lang="en-US" sz="3600" dirty="0" err="1" smtClean="0"/>
+              <a:t>ddd</a:t>
+            </a:r>
+            <a:r>
+              <a:rPr lang="en-US" sz="3600" dirty="0" smtClean="0"/>
+              <a:t> </a:t>
+            </a:r>
+            <a:r>
+              <a:rPr lang="en-US" sz="3600" dirty="0" err="1" smtClean="0"/>
+              <a:t>ddd</a:t>
+            </a:r>
+            <a:r>
+              <a:rPr lang="en-US" sz="3600" dirty="0" smtClean="0"/>
+              <a:t> </a:t>
+            </a:r>
+            <a:r>
+              <a:rPr lang="en-US" sz="3600" dirty="0" err="1" smtClean="0"/>
+              <a:t>ddd</a:t>
+            </a:r>
+            <a:r>
+              <a:rPr lang="en-US" sz="3600" dirty="0" smtClean="0"/>
+              <a:t> </a:t>
+            </a:r>
+            <a:r>
+              <a:rPr lang="en-US" sz="3600" dirty="0" err="1" smtClean="0"/>
+              <a:t>ddd</a:t>
+            </a:r>
+            <a:r>
+              <a:rPr lang="en-US" sz="3600" dirty="0" smtClean="0"/>
+              <a:t> </a:t>
+            </a:r>
+            <a:r>
+              <a:rPr lang="en-US" sz="3600" dirty="0" err="1" smtClean="0"/>
+              <a:t>ddd</a:t>
+            </a:r>
+            <a:r>
+              <a:rPr lang="en-US" sz="3600" dirty="0" smtClean="0"/>
+              <a:t> </a:t>
+            </a:r>
+            <a:r>
+              <a:rPr lang="en-US" sz="3600" dirty="0" err="1" smtClean="0"/>
+              <a:t>ddd</a:t>
+            </a:r>
+            <a:r>
+              <a:rPr lang="en-US" sz="3600" dirty="0" smtClean="0"/>
+              <a:t> </a:t>
+            </a:r>
+            <a:r>
+              <a:rPr lang="en-US" sz="3600" dirty="0" err="1" smtClean="0"/>
+              <a:t>dddddd</a:t>
+            </a:r>
+            <a:r>
+              <a:rPr lang="en-US" sz="3600" dirty="0" smtClean="0"/>
+              <a:t> </a:t>
+            </a:r>
+            <a:r>
+              <a:rPr lang="en-US" sz="3600" dirty="0" err="1" smtClean="0"/>
+              <a:t>dd</a:t>
+            </a:r>
+            <a:r>
+              <a:rPr lang="en-US" sz="3600" dirty="0" smtClean="0"/>
+              <a:t> </a:t>
+            </a:r>
+            <a:r>
+              <a:rPr lang="en-US" sz="3600" dirty="0" err="1" smtClean="0"/>
+              <a:t>ddd</a:t>
+            </a:r>
+            <a:r>
+              <a:rPr lang="en-US" sz="3600" dirty="0" smtClean="0"/>
+              <a:t> </a:t>
+            </a:r>
+            <a:r>
+              <a:rPr lang="en-US" sz="3600" dirty="0" err="1" smtClean="0"/>
+              <a:t>ddddd</a:t>
+            </a:r>
+            <a:r>
+              <a:rPr lang="en-US" sz="3600" dirty="0" smtClean="0"/>
+              <a:t> </a:t>
+            </a:r>
+            <a:r>
+              <a:rPr lang="en-US" sz="3600" dirty="0" err="1" smtClean="0"/>
+              <a:t>dd</a:t>
+            </a:r>
+            <a:r>
+              <a:rPr lang="en-US" sz="3600" dirty="0" smtClean="0"/>
+              <a:t> </a:t>
+            </a:r>
+            <a:r>
+              <a:rPr lang="en-US" sz="3600" dirty="0" err="1" smtClean="0"/>
+              <a:t>dd</a:t>
+            </a:r>
+            <a:r>
+              <a:rPr lang="en-US" sz="3600" dirty="0" smtClean="0"/>
+              <a:t> d </a:t>
+            </a:r>
+            <a:r>
+              <a:rPr lang="en-US" sz="3600" dirty="0" err="1" smtClean="0"/>
+              <a:t>ddd</a:t>
+            </a:r>
+            <a:r>
+              <a:rPr lang="en-US" sz="3600" dirty="0" smtClean="0"/>
+              <a:t> </a:t>
+            </a:r>
+            <a:r>
+              <a:rPr lang="en-US" sz="3600" dirty="0" err="1" smtClean="0"/>
+              <a:t>ddd</a:t>
+            </a:r>
+            <a:endParaRPr lang="en-US" sz="3600" dirty="0" smtClean="0"/>
+          </a:p>
+          <a:p>
+            <a:pPr marL="285750" indent="-285750">
+              <a:buFont typeface="Arial" panose="020B0604020202020204" pitchFamily="34" charset="0"/>
+              <a:buChar char="•"/>
+            </a:pPr>
+            <a:r>
+              <a:rPr lang="en-US" altLang="zh-CN" dirty="0" smtClean="0"/>
+              <a:t>Test – Chinese Characters: </a:t>
+            </a:r>
+            <a:r>
+              <a:rPr lang="zh-CN" altLang="en-US" dirty="0" smtClean="0"/>
+              <a:t>阿</a:t>
+            </a:r>
+            <a:r>
+              <a:rPr lang="zh-CN" altLang="en-US" dirty="0"/>
+              <a:t>斯</a:t>
+            </a:r>
+            <a:r>
+              <a:rPr lang="zh-CN" altLang="en-US" dirty="0" smtClean="0"/>
+              <a:t>顿啊盛大速度啊盛大速度啊盛大速度</a:t>
+            </a:r>
+            <a:endParaRPr lang="en-SG" dirty="0"/>
+          </a:p>
+        </p:txBody>
+      </p:sp>
+    </p:spTree>
+    <p:extLst>
+      <p:ext uri="{BB962C8B-B14F-4D97-AF65-F5344CB8AC3E}">
+        <p14:creationId xmlns:p14="http://schemas.microsoft.com/office/powerpoint/2010/main" val="2925312092"/>
+      </p:ext>
+    </p:extLst>
+  </p:cSld>
+  <p:clrMapOvr>
+    <a:masterClrMapping/>
+  </p:clrMapOvr>
+  <p:transition spd="slow">
+    <p:push dir="u"/>
+  </p:transition>
+  <p:timing>
+    <p:tnLst>
+      <p:par>
+        <p:cTn id="1" dur="indefinite" restart="never" nodeType="tmRoot"/>
+      </p:par>
+    </p:tnLst>
+  </p:timing>
+</p:sld>
+</file>
+
+<file path=ppt/slides/slide27.xml><?xml version="1.0" encoding="utf-8"?>
+<p:sld xmlns:a="http://schemas.openxmlformats.org/drawingml/2006/main" xmlns:r="http://schemas.openxmlformats.org/officeDocument/2006/relationships" xmlns:p="http://schemas.openxmlformats.org/presentationml/2006/main">
+  <p:cSld>
+    <p:spTree>
+      <p:nvGrpSpPr>
+        <p:cNvPr id="1" name=""/>
+        <p:cNvGrpSpPr/>
+        <p:nvPr/>
+      </p:nvGrpSpPr>
+      <p:grpSpPr>
+        <a:xfrm>
+          <a:off x="0" y="0"/>
+          <a:ext cx="0" cy="0"/>
+          <a:chOff x="0" y="0"/>
+          <a:chExt cx="0" cy="0"/>
+        </a:xfrm>
+      </p:grpSpPr>
+      <p:sp>
+        <p:nvSpPr>
+          <p:cNvPr id="2" name="Title 1"/>
+          <p:cNvSpPr>
+            <a:spLocks noGrp="1"/>
+          </p:cNvSpPr>
+          <p:nvPr>
+            <p:ph type="title"/>
+          </p:nvPr>
+        </p:nvSpPr>
+        <p:spPr/>
+        <p:txBody>
+          <a:bodyPr>
+            <a:normAutofit/>
+          </a:bodyPr>
+          <a:lstStyle/>
+          <a:p>
+            <a:r>
+              <a:rPr lang="en-US" dirty="0"/>
+              <a:t>Remove Highlighting:: </a:t>
+            </a:r>
+            <a:r>
+              <a:rPr lang="en-US" dirty="0" smtClean="0"/>
+              <a:t>Highlight Background</a:t>
+            </a:r>
+            <a:endParaRPr lang="en-SG" dirty="0"/>
+          </a:p>
+        </p:txBody>
+      </p:sp>
+      <p:sp>
+        <p:nvSpPr>
+          <p:cNvPr id="4" name="Content Placeholder 2"/>
+          <p:cNvSpPr>
+            <a:spLocks noGrp="1"/>
+          </p:cNvSpPr>
+          <p:nvPr>
+            <p:ph idx="1"/>
+          </p:nvPr>
+        </p:nvSpPr>
+        <p:spPr>
+          <a:xfrm>
+            <a:off x="457200" y="3124200"/>
+            <a:ext cx="8229600" cy="3001963"/>
+          </a:xfrm>
+        </p:spPr>
+        <p:txBody>
+          <a:bodyPr/>
+          <a:lstStyle/>
+          <a:p>
+            <a:r>
+              <a:rPr lang="en-US" dirty="0" smtClean="0"/>
+              <a:t>Click “Remove Highlighting”</a:t>
+            </a:r>
+            <a:endParaRPr lang="en-SG" dirty="0"/>
+          </a:p>
+        </p:txBody>
+      </p:sp>
+    </p:spTree>
+    <p:extLst>
+      <p:ext uri="{BB962C8B-B14F-4D97-AF65-F5344CB8AC3E}">
+        <p14:creationId xmlns:p14="http://schemas.microsoft.com/office/powerpoint/2010/main" val="1733837879"/>
+      </p:ext>
+    </p:extLst>
+  </p:cSld>
+  <p:clrMapOvr>
+    <a:masterClrMapping/>
+  </p:clrMapOvr>
+  <p:timing>
+    <p:tnLst>
+      <p:par>
+        <p:cTn id="1" dur="indefinite" restart="never" nodeType="tmRoot"/>
+      </p:par>
+    </p:tnLst>
+  </p:timing>
+</p:sld>
+</file>
+
+<file path=ppt/slides/slide28.xml><?xml version="1.0" encoding="utf-8"?>
+<p:sld xmlns:a="http://schemas.openxmlformats.org/drawingml/2006/main" xmlns:r="http://schemas.openxmlformats.org/officeDocument/2006/relationships" xmlns:p="http://schemas.openxmlformats.org/presentationml/2006/main">
+  <p:cSld>
+    <p:spTree>
+      <p:nvGrpSpPr>
+        <p:cNvPr id="1" name=""/>
+        <p:cNvGrpSpPr/>
+        <p:nvPr/>
+      </p:nvGrpSpPr>
+      <p:grpSpPr>
+        <a:xfrm>
+          <a:off x="0" y="0"/>
+          <a:ext cx="0" cy="0"/>
+          <a:chOff x="0" y="0"/>
+          <a:chExt cx="0" cy="0"/>
+        </a:xfrm>
+      </p:grpSpPr>
+      <p:sp>
+        <p:nvSpPr>
+          <p:cNvPr id="3" name="Rectangle 4"/>
+          <p:cNvSpPr/>
+          <p:nvPr/>
+        </p:nvSpPr>
+        <p:spPr>
+          <a:xfrm>
+            <a:off x="0" y="2286000"/>
+            <a:ext cx="9144000" cy="2209800"/>
+          </a:xfrm>
+          <a:prstGeom prst="rect">
+            <a:avLst/>
+          </a:prstGeom>
+          <a:solidFill>
+            <a:srgbClr val="002060"/>
+          </a:solidFill>
+        </p:spPr>
+        <p:style>
+          <a:lnRef idx="2">
+            <a:schemeClr val="accent1">
+              <a:shade val="50000"/>
+            </a:schemeClr>
+          </a:lnRef>
+          <a:fillRef idx="1">
+            <a:schemeClr val="accent1"/>
+          </a:fillRef>
+          <a:effectRef idx="0">
+            <a:schemeClr val="accent1"/>
+          </a:effectRef>
+          <a:fontRef idx="minor">
+            <a:schemeClr val="lt1"/>
+          </a:fontRef>
+        </p:style>
+        <p:txBody>
+          <a:bodyPr rtlCol="0" anchor="ctr"/>
+          <a:lstStyle/>
+          <a:p>
+            <a:pPr algn="ctr"/>
+            <a:endParaRPr lang="en-US"/>
+          </a:p>
+        </p:txBody>
+      </p:sp>
+      <p:sp>
+        <p:nvSpPr>
+          <p:cNvPr id="4" name="PPTLabsHighlightBackgroundShape201702051848016870"/>
+          <p:cNvSpPr>
+            <a:spLocks/>
+          </p:cNvSpPr>
+          <p:nvPr>
+            <p:custDataLst>
+              <p:tags r:id="rId1"/>
+            </p:custDataLst>
+          </p:nvPr>
+        </p:nvSpPr>
+        <p:spPr>
+          <a:xfrm>
+            <a:off x="1139190" y="579120"/>
+            <a:ext cx="6074664" cy="426720"/>
+          </a:xfrm>
+          <a:prstGeom prst="roundRect">
+            <a:avLst>
+              <a:gd name="adj" fmla="val 25000"/>
+            </a:avLst>
+          </a:prstGeom>
+          <a:solidFill>
+            <a:srgbClr val="FFFF00">
+              <a:alpha val="50000"/>
+            </a:srgbClr>
+          </a:solidFill>
+          <a:ln w="25400" cap="flat" cmpd="sng" algn="ctr">
+            <a:noFill/>
+            <a:prstDash val="solid"/>
+          </a:ln>
+          <a:effectLst/>
+          <a:extLst>
+            <a:ext uri="{91240B29-F687-4F45-9708-019B960494DF}">
+              <a14:hiddenLine xmlns:a14="http://schemas.microsoft.com/office/drawing/2010/main" w="25400" cap="flat" cmpd="sng" algn="ctr">
+                <a:solidFill>
+                  <a:schemeClr val="accent1">
+                    <a:shade val="50000"/>
+                  </a:schemeClr>
+                </a:solidFill>
+                <a:prstDash val="solid"/>
+              </a14:hiddenLine>
+            </a:ext>
+          </a:extLst>
+        </p:spPr>
+        <p:style>
+          <a:lnRef idx="2">
+            <a:schemeClr val="accent1">
+              <a:shade val="50000"/>
+            </a:schemeClr>
+          </a:lnRef>
+          <a:fillRef idx="1">
+            <a:schemeClr val="accent1"/>
+          </a:fillRef>
+          <a:effectRef idx="0">
+            <a:schemeClr val="accent1"/>
+          </a:effectRef>
+          <a:fontRef idx="minor">
+            <a:schemeClr val="lt1"/>
+          </a:fontRef>
+        </p:style>
+        <p:txBody>
+          <a:bodyPr rtlCol="0" anchor="ctr"/>
+          <a:lstStyle/>
+          <a:p>
+            <a:pPr algn="ctr"/>
+            <a:endParaRPr lang="en-SG"/>
+          </a:p>
+        </p:txBody>
+      </p:sp>
+      <p:sp>
+        <p:nvSpPr>
+          <p:cNvPr id="5" name="PPTLabsHighlightBackgroundShape201702051848016885"/>
+          <p:cNvSpPr>
+            <a:spLocks/>
+          </p:cNvSpPr>
+          <p:nvPr>
+            <p:custDataLst>
+              <p:tags r:id="rId2"/>
+            </p:custDataLst>
+          </p:nvPr>
+        </p:nvSpPr>
+        <p:spPr>
+          <a:xfrm>
+            <a:off x="1367790" y="1432560"/>
+            <a:ext cx="4021900" cy="426720"/>
+          </a:xfrm>
+          <a:prstGeom prst="roundRect">
+            <a:avLst>
+              <a:gd name="adj" fmla="val 25000"/>
+            </a:avLst>
+          </a:prstGeom>
+          <a:solidFill>
+            <a:srgbClr val="FFFF00">
+              <a:alpha val="50000"/>
+            </a:srgbClr>
+          </a:solidFill>
+          <a:ln w="25400" cap="flat" cmpd="sng" algn="ctr">
+            <a:noFill/>
+            <a:prstDash val="solid"/>
+          </a:ln>
+          <a:effectLst/>
+          <a:extLst>
+            <a:ext uri="{91240B29-F687-4F45-9708-019B960494DF}">
+              <a14:hiddenLine xmlns:a14="http://schemas.microsoft.com/office/drawing/2010/main" w="25400" cap="flat" cmpd="sng" algn="ctr">
+                <a:solidFill>
+                  <a:schemeClr val="accent1">
+                    <a:shade val="50000"/>
+                  </a:schemeClr>
+                </a:solidFill>
+                <a:prstDash val="solid"/>
+              </a14:hiddenLine>
+            </a:ext>
+          </a:extLst>
+        </p:spPr>
+        <p:style>
+          <a:lnRef idx="2">
+            <a:schemeClr val="accent1">
+              <a:shade val="50000"/>
+            </a:schemeClr>
+          </a:lnRef>
+          <a:fillRef idx="1">
+            <a:schemeClr val="accent1"/>
+          </a:fillRef>
+          <a:effectRef idx="0">
+            <a:schemeClr val="accent1"/>
+          </a:effectRef>
+          <a:fontRef idx="minor">
+            <a:schemeClr val="lt1"/>
+          </a:fontRef>
+        </p:style>
+        <p:txBody>
+          <a:bodyPr rtlCol="0" anchor="ctr"/>
+          <a:lstStyle/>
+          <a:p>
+            <a:pPr algn="ctr"/>
+            <a:endParaRPr lang="en-SG"/>
+          </a:p>
+        </p:txBody>
+      </p:sp>
+      <p:sp>
+        <p:nvSpPr>
+          <p:cNvPr id="6" name="PPTLabsHighlightBackgroundShape201702051848016895"/>
+          <p:cNvSpPr>
+            <a:spLocks/>
+          </p:cNvSpPr>
+          <p:nvPr>
+            <p:custDataLst>
+              <p:tags r:id="rId3"/>
+            </p:custDataLst>
+          </p:nvPr>
+        </p:nvSpPr>
+        <p:spPr>
+          <a:xfrm>
+            <a:off x="1139190" y="1859280"/>
+            <a:ext cx="6596888" cy="853440"/>
+          </a:xfrm>
+          <a:prstGeom prst="roundRect">
+            <a:avLst>
+              <a:gd name="adj" fmla="val 25000"/>
+            </a:avLst>
+          </a:prstGeom>
+          <a:solidFill>
+            <a:srgbClr val="FFFF00">
+              <a:alpha val="50000"/>
+            </a:srgbClr>
+          </a:solidFill>
+          <a:ln w="25400" cap="flat" cmpd="sng" algn="ctr">
+            <a:noFill/>
+            <a:prstDash val="solid"/>
+          </a:ln>
+          <a:effectLst/>
+          <a:extLst>
+            <a:ext uri="{91240B29-F687-4F45-9708-019B960494DF}">
+              <a14:hiddenLine xmlns:a14="http://schemas.microsoft.com/office/drawing/2010/main" w="25400" cap="flat" cmpd="sng" algn="ctr">
+                <a:solidFill>
+                  <a:schemeClr val="accent1">
+                    <a:shade val="50000"/>
+                  </a:schemeClr>
+                </a:solidFill>
+                <a:prstDash val="solid"/>
+              </a14:hiddenLine>
+            </a:ext>
+          </a:extLst>
+        </p:spPr>
+        <p:style>
+          <a:lnRef idx="2">
+            <a:schemeClr val="accent1">
+              <a:shade val="50000"/>
+            </a:schemeClr>
+          </a:lnRef>
+          <a:fillRef idx="1">
+            <a:schemeClr val="accent1"/>
+          </a:fillRef>
+          <a:effectRef idx="0">
+            <a:schemeClr val="accent1"/>
+          </a:effectRef>
+          <a:fontRef idx="minor">
+            <a:schemeClr val="lt1"/>
+          </a:fontRef>
+        </p:style>
+        <p:txBody>
+          <a:bodyPr rtlCol="0" anchor="ctr"/>
+          <a:lstStyle/>
+          <a:p>
+            <a:pPr algn="ctr"/>
+            <a:endParaRPr lang="en-SG"/>
+          </a:p>
+        </p:txBody>
+      </p:sp>
+      <p:sp>
+        <p:nvSpPr>
+          <p:cNvPr id="7" name="PPTLabsHighlightBackgroundShape201702051848016905"/>
+          <p:cNvSpPr>
+            <a:spLocks/>
+          </p:cNvSpPr>
+          <p:nvPr>
+            <p:custDataLst>
+              <p:tags r:id="rId4"/>
+            </p:custDataLst>
+          </p:nvPr>
+        </p:nvSpPr>
+        <p:spPr>
+          <a:xfrm>
+            <a:off x="1139190" y="2712720"/>
+            <a:ext cx="5164138" cy="152400"/>
+          </a:xfrm>
+          <a:prstGeom prst="roundRect">
+            <a:avLst>
+              <a:gd name="adj" fmla="val 25000"/>
+            </a:avLst>
+          </a:prstGeom>
+          <a:solidFill>
+            <a:srgbClr val="FFFF00">
+              <a:alpha val="50000"/>
+            </a:srgbClr>
+          </a:solidFill>
+          <a:ln w="25400" cap="flat" cmpd="sng" algn="ctr">
+            <a:noFill/>
+            <a:prstDash val="solid"/>
+          </a:ln>
+          <a:effectLst/>
+          <a:extLst>
+            <a:ext uri="{91240B29-F687-4F45-9708-019B960494DF}">
+              <a14:hiddenLine xmlns:a14="http://schemas.microsoft.com/office/drawing/2010/main" w="25400" cap="flat" cmpd="sng" algn="ctr">
+                <a:solidFill>
+                  <a:schemeClr val="accent1">
+                    <a:shade val="50000"/>
+                  </a:schemeClr>
+                </a:solidFill>
+                <a:prstDash val="solid"/>
+              </a14:hiddenLine>
+            </a:ext>
+          </a:extLst>
+        </p:spPr>
+        <p:style>
+          <a:lnRef idx="2">
+            <a:schemeClr val="accent1">
+              <a:shade val="50000"/>
+            </a:schemeClr>
+          </a:lnRef>
+          <a:fillRef idx="1">
+            <a:schemeClr val="accent1"/>
+          </a:fillRef>
+          <a:effectRef idx="0">
+            <a:schemeClr val="accent1"/>
+          </a:effectRef>
+          <a:fontRef idx="minor">
+            <a:schemeClr val="lt1"/>
+          </a:fontRef>
+        </p:style>
+        <p:txBody>
+          <a:bodyPr rtlCol="0" anchor="ctr"/>
+          <a:lstStyle/>
+          <a:p>
+            <a:pPr algn="ctr"/>
+            <a:endParaRPr lang="en-SG"/>
+          </a:p>
+        </p:txBody>
+      </p:sp>
+      <p:sp>
+        <p:nvSpPr>
+          <p:cNvPr id="8" name="PPTLabsHighlightBackgroundShape201702051848016915"/>
+          <p:cNvSpPr>
+            <a:spLocks/>
+          </p:cNvSpPr>
+          <p:nvPr>
+            <p:custDataLst>
+              <p:tags r:id="rId5"/>
+            </p:custDataLst>
+          </p:nvPr>
+        </p:nvSpPr>
+        <p:spPr>
+          <a:xfrm>
+            <a:off x="1147128" y="2865120"/>
+            <a:ext cx="6774306" cy="1005840"/>
+          </a:xfrm>
+          <a:prstGeom prst="roundRect">
+            <a:avLst>
+              <a:gd name="adj" fmla="val 25000"/>
+            </a:avLst>
+          </a:prstGeom>
+          <a:solidFill>
+            <a:srgbClr val="FFFF00">
+              <a:alpha val="50000"/>
+            </a:srgbClr>
+          </a:solidFill>
+          <a:ln w="25400" cap="flat" cmpd="sng" algn="ctr">
+            <a:noFill/>
+            <a:prstDash val="solid"/>
+          </a:ln>
+          <a:effectLst/>
+          <a:extLst>
+            <a:ext uri="{91240B29-F687-4F45-9708-019B960494DF}">
+              <a14:hiddenLine xmlns:a14="http://schemas.microsoft.com/office/drawing/2010/main" w="25400" cap="flat" cmpd="sng" algn="ctr">
+                <a:solidFill>
+                  <a:schemeClr val="accent1">
+                    <a:shade val="50000"/>
+                  </a:schemeClr>
+                </a:solidFill>
+                <a:prstDash val="solid"/>
+              </a14:hiddenLine>
+            </a:ext>
+          </a:extLst>
+        </p:spPr>
+        <p:style>
+          <a:lnRef idx="2">
+            <a:schemeClr val="accent1">
+              <a:shade val="50000"/>
+            </a:schemeClr>
+          </a:lnRef>
+          <a:fillRef idx="1">
+            <a:schemeClr val="accent1"/>
+          </a:fillRef>
+          <a:effectRef idx="0">
+            <a:schemeClr val="accent1"/>
+          </a:effectRef>
+          <a:fontRef idx="minor">
+            <a:schemeClr val="lt1"/>
+          </a:fontRef>
+        </p:style>
+        <p:txBody>
+          <a:bodyPr rtlCol="0" anchor="ctr"/>
+          <a:lstStyle/>
+          <a:p>
+            <a:pPr algn="ctr"/>
+            <a:endParaRPr lang="en-SG"/>
+          </a:p>
+        </p:txBody>
+      </p:sp>
+      <p:sp>
+        <p:nvSpPr>
+          <p:cNvPr id="9" name="PPTLabsHighlightBackgroundShape201702051848016930"/>
+          <p:cNvSpPr>
+            <a:spLocks/>
+          </p:cNvSpPr>
+          <p:nvPr>
+            <p:custDataLst>
+              <p:tags r:id="rId6"/>
+            </p:custDataLst>
+          </p:nvPr>
+        </p:nvSpPr>
+        <p:spPr>
+          <a:xfrm>
+            <a:off x="1139190" y="3870960"/>
+            <a:ext cx="6974523" cy="2194560"/>
+          </a:xfrm>
+          <a:prstGeom prst="roundRect">
+            <a:avLst>
+              <a:gd name="adj" fmla="val 25000"/>
+            </a:avLst>
+          </a:prstGeom>
+          <a:solidFill>
+            <a:srgbClr val="FFFF00">
+              <a:alpha val="50000"/>
+            </a:srgbClr>
+          </a:solidFill>
+          <a:ln w="25400" cap="flat" cmpd="sng" algn="ctr">
+            <a:noFill/>
+            <a:prstDash val="solid"/>
+          </a:ln>
+          <a:effectLst/>
+          <a:extLst>
+            <a:ext uri="{91240B29-F687-4F45-9708-019B960494DF}">
+              <a14:hiddenLine xmlns:a14="http://schemas.microsoft.com/office/drawing/2010/main" w="25400" cap="flat" cmpd="sng" algn="ctr">
+                <a:solidFill>
+                  <a:schemeClr val="accent1">
+                    <a:shade val="50000"/>
+                  </a:schemeClr>
+                </a:solidFill>
+                <a:prstDash val="solid"/>
+              </a14:hiddenLine>
+            </a:ext>
+          </a:extLst>
+        </p:spPr>
+        <p:style>
+          <a:lnRef idx="2">
+            <a:schemeClr val="accent1">
+              <a:shade val="50000"/>
+            </a:schemeClr>
+          </a:lnRef>
+          <a:fillRef idx="1">
+            <a:schemeClr val="accent1"/>
+          </a:fillRef>
+          <a:effectRef idx="0">
+            <a:schemeClr val="accent1"/>
+          </a:effectRef>
+          <a:fontRef idx="minor">
+            <a:schemeClr val="lt1"/>
+          </a:fontRef>
+        </p:style>
+        <p:txBody>
+          <a:bodyPr rtlCol="0" anchor="ctr"/>
+          <a:lstStyle/>
+          <a:p>
+            <a:pPr algn="ctr"/>
+            <a:endParaRPr lang="en-SG"/>
+          </a:p>
+        </p:txBody>
+      </p:sp>
+      <p:sp>
+        <p:nvSpPr>
+          <p:cNvPr id="10" name="PPTLabsHighlightBackgroundShape201702051848016940"/>
+          <p:cNvSpPr/>
+          <p:nvPr>
+            <p:custDataLst>
+              <p:tags r:id="rId7"/>
+            </p:custDataLst>
+          </p:nvPr>
+        </p:nvSpPr>
+        <p:spPr>
+          <a:xfrm>
+            <a:off x="1139190" y="6065520"/>
+            <a:ext cx="6587554" cy="274320"/>
+          </a:xfrm>
+          <a:prstGeom prst="roundRect">
+            <a:avLst>
+              <a:gd name="adj" fmla="val 25000"/>
+            </a:avLst>
+          </a:prstGeom>
+          <a:solidFill>
+            <a:srgbClr val="FFFF00">
+              <a:alpha val="50000"/>
+            </a:srgbClr>
+          </a:solidFill>
+          <a:ln w="25400" cap="flat" cmpd="sng" algn="ctr">
+            <a:noFill/>
+            <a:prstDash val="solid"/>
+          </a:ln>
+          <a:effectLst/>
+          <a:extLst>
+            <a:ext uri="{91240B29-F687-4F45-9708-019B960494DF}">
+              <a14:hiddenLine xmlns:a14="http://schemas.microsoft.com/office/drawing/2010/main" w="25400" cap="flat" cmpd="sng" algn="ctr">
+                <a:solidFill>
+                  <a:schemeClr val="accent1">
+                    <a:shade val="50000"/>
+                  </a:schemeClr>
+                </a:solidFill>
+                <a:prstDash val="solid"/>
+              </a14:hiddenLine>
+            </a:ext>
+          </a:extLst>
+        </p:spPr>
+        <p:style>
+          <a:lnRef idx="2">
+            <a:schemeClr val="accent1">
+              <a:shade val="50000"/>
+            </a:schemeClr>
+          </a:lnRef>
+          <a:fillRef idx="1">
+            <a:schemeClr val="accent1"/>
+          </a:fillRef>
+          <a:effectRef idx="0">
+            <a:schemeClr val="accent1"/>
+          </a:effectRef>
+          <a:fontRef idx="minor">
+            <a:schemeClr val="lt1"/>
+          </a:fontRef>
+        </p:style>
+        <p:txBody>
+          <a:bodyPr rtlCol="0" anchor="ctr"/>
+          <a:lstStyle/>
+          <a:p>
+            <a:pPr algn="ctr"/>
+            <a:endParaRPr lang="en-SG"/>
+          </a:p>
+        </p:txBody>
+      </p:sp>
+      <p:sp>
+        <p:nvSpPr>
+          <p:cNvPr id="2" name="HighlightBackgroundShape73075057-96f2-467a-9739-220ecca5ae94"/>
+          <p:cNvSpPr txBox="1"/>
+          <p:nvPr/>
+        </p:nvSpPr>
+        <p:spPr>
+          <a:xfrm>
+            <a:off x="762000" y="533400"/>
+            <a:ext cx="7620000" cy="5909310"/>
+          </a:xfrm>
+          <a:prstGeom prst="rect">
+            <a:avLst/>
+          </a:prstGeom>
+          <a:noFill/>
+        </p:spPr>
+        <p:txBody>
+          <a:bodyPr wrap="square" rtlCol="0">
+            <a:spAutoFit/>
+          </a:bodyPr>
+          <a:lstStyle/>
+          <a:p>
+            <a:pPr marL="285750" indent="-285750">
+              <a:buFont typeface="Arial" panose="020B0604020202020204" pitchFamily="34" charset="0"/>
+              <a:buChar char="•"/>
+            </a:pPr>
+            <a:r>
+              <a:rPr lang="en-US" sz="2800" dirty="0" smtClean="0"/>
+              <a:t>Test - Non-ABC: 1234567890!@#$%^&amp;*()</a:t>
+            </a:r>
+          </a:p>
+          <a:p>
+            <a:r>
+              <a:rPr lang="en-US" sz="2800" dirty="0"/>
+              <a:t>Test </a:t>
+            </a:r>
+            <a:r>
+              <a:rPr lang="en-US" sz="2800" dirty="0" smtClean="0"/>
+              <a:t>– No bullet point</a:t>
+            </a:r>
+            <a:endParaRPr lang="en-US" sz="2800" dirty="0"/>
+          </a:p>
+          <a:p>
+            <a:pPr marL="514350" indent="-514350">
+              <a:buFont typeface="+mj-lt"/>
+              <a:buAutoNum type="arabicPeriod"/>
+            </a:pPr>
+            <a:r>
+              <a:rPr lang="en-US" sz="2800" dirty="0"/>
+              <a:t>Test – </a:t>
+            </a:r>
+            <a:r>
+              <a:rPr lang="en-US" sz="2800" dirty="0" smtClean="0"/>
+              <a:t>Different bullet point</a:t>
+            </a:r>
+          </a:p>
+          <a:p>
+            <a:pPr marL="285750" indent="-285750">
+              <a:buFont typeface="Arial" panose="020B0604020202020204" pitchFamily="34" charset="0"/>
+              <a:buChar char="•"/>
+            </a:pPr>
+            <a:r>
+              <a:rPr lang="en-US" sz="2800" dirty="0" smtClean="0">
+                <a:latin typeface="Times New Roman" panose="02020603050405020304" pitchFamily="18" charset="0"/>
+                <a:cs typeface="Times New Roman" panose="02020603050405020304" pitchFamily="18" charset="0"/>
+              </a:rPr>
+              <a:t>Test - Another Font Family, using Times New Roman</a:t>
+            </a:r>
+          </a:p>
+          <a:p>
+            <a:pPr marL="285750" indent="-285750">
+              <a:buFont typeface="Arial" panose="020B0604020202020204" pitchFamily="34" charset="0"/>
+              <a:buChar char="•"/>
+            </a:pPr>
+            <a:r>
+              <a:rPr lang="en-US" sz="1000" dirty="0" smtClean="0"/>
+              <a:t>Test - very small content. Test: very small content. Test: very small content. Test: very small content</a:t>
+            </a:r>
+          </a:p>
+          <a:p>
+            <a:pPr marL="285750" indent="-285750">
+              <a:buFont typeface="Arial" panose="020B0604020202020204" pitchFamily="34" charset="0"/>
+              <a:buChar char="•"/>
+            </a:pPr>
+            <a:r>
+              <a:rPr lang="en-US" sz="6600" dirty="0" smtClean="0">
+                <a:latin typeface="Arial Black" panose="020B0A04020102020204" pitchFamily="34" charset="0"/>
+              </a:rPr>
+              <a:t>Test - very big</a:t>
+            </a:r>
+          </a:p>
+          <a:p>
+            <a:pPr marL="285750" indent="-285750">
+              <a:buFont typeface="Arial" panose="020B0604020202020204" pitchFamily="34" charset="0"/>
+              <a:buChar char="•"/>
+            </a:pPr>
+            <a:r>
+              <a:rPr lang="en-US" sz="3600" dirty="0" smtClean="0"/>
+              <a:t>Test – Long sentence: </a:t>
+            </a:r>
+            <a:r>
+              <a:rPr lang="en-US" sz="3600" dirty="0" err="1" smtClean="0"/>
+              <a:t>Asdddd</a:t>
+            </a:r>
+            <a:r>
+              <a:rPr lang="en-US" sz="3600" dirty="0" smtClean="0"/>
+              <a:t> </a:t>
+            </a:r>
+            <a:r>
+              <a:rPr lang="en-US" sz="3600" dirty="0" err="1" smtClean="0"/>
+              <a:t>ddd</a:t>
+            </a:r>
+            <a:r>
+              <a:rPr lang="en-US" sz="3600" dirty="0" smtClean="0"/>
+              <a:t> </a:t>
+            </a:r>
+            <a:r>
+              <a:rPr lang="en-US" sz="3600" dirty="0" err="1" smtClean="0"/>
+              <a:t>dd</a:t>
+            </a:r>
+            <a:r>
+              <a:rPr lang="en-US" sz="3600" dirty="0" smtClean="0"/>
+              <a:t> d </a:t>
+            </a:r>
+            <a:r>
+              <a:rPr lang="en-US" sz="3600" dirty="0" err="1" smtClean="0"/>
+              <a:t>ddddd</a:t>
+            </a:r>
+            <a:r>
+              <a:rPr lang="en-US" sz="3600" dirty="0" smtClean="0"/>
+              <a:t> </a:t>
+            </a:r>
+            <a:r>
+              <a:rPr lang="en-US" sz="3600" dirty="0" err="1" smtClean="0"/>
+              <a:t>ddd</a:t>
+            </a:r>
+            <a:r>
+              <a:rPr lang="en-US" sz="3600" dirty="0" smtClean="0"/>
+              <a:t> </a:t>
+            </a:r>
+            <a:r>
+              <a:rPr lang="en-US" sz="3600" dirty="0" err="1" smtClean="0"/>
+              <a:t>ddd</a:t>
+            </a:r>
+            <a:r>
+              <a:rPr lang="en-US" sz="3600" dirty="0" smtClean="0"/>
+              <a:t> </a:t>
+            </a:r>
+            <a:r>
+              <a:rPr lang="en-US" sz="3600" dirty="0" err="1" smtClean="0"/>
+              <a:t>ddd</a:t>
+            </a:r>
+            <a:r>
+              <a:rPr lang="en-US" sz="3600" dirty="0" smtClean="0"/>
+              <a:t> </a:t>
+            </a:r>
+            <a:r>
+              <a:rPr lang="en-US" sz="3600" dirty="0" err="1" smtClean="0"/>
+              <a:t>ddd</a:t>
+            </a:r>
+            <a:r>
+              <a:rPr lang="en-US" sz="3600" dirty="0" smtClean="0"/>
+              <a:t> </a:t>
+            </a:r>
+            <a:r>
+              <a:rPr lang="en-US" sz="3600" dirty="0" err="1" smtClean="0"/>
+              <a:t>ddd</a:t>
+            </a:r>
+            <a:r>
+              <a:rPr lang="en-US" sz="3600" dirty="0" smtClean="0"/>
+              <a:t> </a:t>
+            </a:r>
+            <a:r>
+              <a:rPr lang="en-US" sz="3600" dirty="0" err="1" smtClean="0"/>
+              <a:t>ddd</a:t>
+            </a:r>
+            <a:r>
+              <a:rPr lang="en-US" sz="3600" dirty="0" smtClean="0"/>
+              <a:t> </a:t>
+            </a:r>
+            <a:r>
+              <a:rPr lang="en-US" sz="3600" dirty="0" err="1" smtClean="0"/>
+              <a:t>ddd</a:t>
+            </a:r>
+            <a:r>
+              <a:rPr lang="en-US" sz="3600" dirty="0" smtClean="0"/>
+              <a:t> </a:t>
+            </a:r>
+            <a:r>
+              <a:rPr lang="en-US" sz="3600" dirty="0" err="1" smtClean="0"/>
+              <a:t>dddddd</a:t>
+            </a:r>
+            <a:r>
+              <a:rPr lang="en-US" sz="3600" dirty="0" smtClean="0"/>
+              <a:t> </a:t>
+            </a:r>
+            <a:r>
+              <a:rPr lang="en-US" sz="3600" dirty="0" err="1" smtClean="0"/>
+              <a:t>dd</a:t>
+            </a:r>
+            <a:r>
+              <a:rPr lang="en-US" sz="3600" dirty="0" smtClean="0"/>
+              <a:t> </a:t>
+            </a:r>
+            <a:r>
+              <a:rPr lang="en-US" sz="3600" dirty="0" err="1" smtClean="0"/>
+              <a:t>ddd</a:t>
+            </a:r>
+            <a:r>
+              <a:rPr lang="en-US" sz="3600" dirty="0" smtClean="0"/>
+              <a:t> </a:t>
+            </a:r>
+            <a:r>
+              <a:rPr lang="en-US" sz="3600" dirty="0" err="1" smtClean="0"/>
+              <a:t>ddddd</a:t>
+            </a:r>
+            <a:r>
+              <a:rPr lang="en-US" sz="3600" dirty="0" smtClean="0"/>
+              <a:t> </a:t>
+            </a:r>
+            <a:r>
+              <a:rPr lang="en-US" sz="3600" dirty="0" err="1" smtClean="0"/>
+              <a:t>dd</a:t>
+            </a:r>
+            <a:r>
+              <a:rPr lang="en-US" sz="3600" dirty="0" smtClean="0"/>
+              <a:t> </a:t>
+            </a:r>
+            <a:r>
+              <a:rPr lang="en-US" sz="3600" dirty="0" err="1" smtClean="0"/>
+              <a:t>dd</a:t>
+            </a:r>
+            <a:r>
+              <a:rPr lang="en-US" sz="3600" dirty="0" smtClean="0"/>
+              <a:t> d </a:t>
+            </a:r>
+            <a:r>
+              <a:rPr lang="en-US" sz="3600" dirty="0" err="1" smtClean="0"/>
+              <a:t>ddd</a:t>
+            </a:r>
+            <a:r>
+              <a:rPr lang="en-US" sz="3600" dirty="0" smtClean="0"/>
+              <a:t> </a:t>
+            </a:r>
+            <a:r>
+              <a:rPr lang="en-US" sz="3600" dirty="0" err="1" smtClean="0"/>
+              <a:t>ddd</a:t>
+            </a:r>
+            <a:endParaRPr lang="en-US" sz="3600" dirty="0" smtClean="0"/>
+          </a:p>
+          <a:p>
+            <a:pPr marL="285750" indent="-285750">
+              <a:buFont typeface="Arial" panose="020B0604020202020204" pitchFamily="34" charset="0"/>
+              <a:buChar char="•"/>
+            </a:pPr>
+            <a:r>
+              <a:rPr lang="en-US" altLang="zh-CN" dirty="0" smtClean="0"/>
+              <a:t>Test – Chinese Characters: </a:t>
+            </a:r>
+            <a:r>
+              <a:rPr lang="zh-CN" altLang="en-US" dirty="0" smtClean="0"/>
+              <a:t>阿</a:t>
+            </a:r>
+            <a:r>
+              <a:rPr lang="zh-CN" altLang="en-US" dirty="0"/>
+              <a:t>斯</a:t>
+            </a:r>
+            <a:r>
+              <a:rPr lang="zh-CN" altLang="en-US" dirty="0" smtClean="0"/>
+              <a:t>顿啊盛大速度啊盛大速度啊盛大速度</a:t>
+            </a:r>
+            <a:endParaRPr lang="en-SG" dirty="0"/>
+          </a:p>
+        </p:txBody>
+      </p:sp>
+    </p:spTree>
+    <p:extLst>
+      <p:ext uri="{BB962C8B-B14F-4D97-AF65-F5344CB8AC3E}">
+        <p14:creationId xmlns:p14="http://schemas.microsoft.com/office/powerpoint/2010/main" val="4279108534"/>
+      </p:ext>
+    </p:extLst>
+  </p:cSld>
+  <p:clrMapOvr>
+    <a:masterClrMapping/>
+  </p:clrMapOvr>
+  <p:transition spd="slow">
+    <p:push dir="u"/>
+  </p:transition>
+  <p:timing>
+    <p:tnLst>
+      <p:par>
+        <p:cTn id="1" dur="indefinite" restart="never" nodeType="tmRoot">
+          <p:childTnLst>
+            <p:seq concurrent="1" nextAc="seek">
+              <p:cTn id="2" dur="indefinite" nodeType="mainSeq">
+                <p:childTnLst>
+                  <p:par>
+                    <p:cTn id="3" fill="hold">
+                      <p:stCondLst>
+                        <p:cond delay="indefinite"/>
+                      </p:stCondLst>
+                      <p:childTnLst>
+                        <p:par>
+                          <p:cTn id="4" fill="hold">
+                            <p:stCondLst>
+                              <p:cond delay="0"/>
+                            </p:stCondLst>
+                            <p:childTnLst>
+                              <p:par>
+                                <p:cTn id="5" presetID="42" presetClass="path" presetSubtype="0" fill="hold" grpId="0" nodeType="clickEffect">
+                                  <p:stCondLst>
+                                    <p:cond delay="0"/>
+                                  </p:stCondLst>
+                                  <p:childTnLst>
+                                    <p:animMotion origin="layout" path="M 0 0 C -0.04362325 0.06222223 -0.04362325 0.06222223 -0.08724649 0.1244445 E" pathEditMode="relative" ptsTypes="">
+                                      <p:cBhvr>
+                                        <p:cTn id="6" dur="500" fill="hold"/>
+                                        <p:tgtEl>
+                                          <p:spTgt spid="4"/>
+                                        </p:tgtEl>
+                                        <p:attrNameLst>
+                                          <p:attrName>ppt_x</p:attrName>
+                                          <p:attrName>ppt_y</p:attrName>
+                                        </p:attrNameLst>
+                                      </p:cBhvr>
+                                    </p:animMotion>
+                                  </p:childTnLst>
+                                </p:cTn>
+                              </p:par>
+                              <p:par>
+                                <p:cTn id="7" presetID="6" presetClass="emph" presetSubtype="0" fill="hold" grpId="1" nodeType="withEffect">
+                                  <p:stCondLst>
+                                    <p:cond delay="0"/>
+                                  </p:stCondLst>
+                                  <p:childTnLst>
+                                    <p:animScale>
+                                      <p:cBhvr>
+                                        <p:cTn id="8" dur="500" fill="hold"/>
+                                        <p:tgtEl>
+                                          <p:spTgt spid="4"/>
+                                        </p:tgtEl>
+                                      </p:cBhvr>
+                                      <p:by x="66208" y="100000"/>
+                                    </p:animScale>
+                                  </p:childTnLst>
+                                </p:cTn>
+                              </p:par>
+                            </p:childTnLst>
+                          </p:cTn>
+                        </p:par>
+                        <p:par>
+                          <p:cTn id="9" fill="hold">
+                            <p:stCondLst>
+                              <p:cond delay="500"/>
+                            </p:stCondLst>
+                            <p:childTnLst>
+                              <p:par>
+                                <p:cTn id="10" presetID="1" presetClass="entr" presetSubtype="0" fill="hold" grpId="0" nodeType="afterEffect">
+                                  <p:stCondLst>
+                                    <p:cond delay="0"/>
+                                  </p:stCondLst>
+                                  <p:childTnLst>
+                                    <p:set>
+                                      <p:cBhvr>
+                                        <p:cTn id="11" dur="1" fill="hold">
+                                          <p:stCondLst>
+                                            <p:cond delay="0"/>
+                                          </p:stCondLst>
+                                        </p:cTn>
+                                        <p:tgtEl>
+                                          <p:spTgt spid="5"/>
+                                        </p:tgtEl>
+                                        <p:attrNameLst>
+                                          <p:attrName>style.visibility</p:attrName>
+                                        </p:attrNameLst>
+                                      </p:cBhvr>
+                                      <p:to>
+                                        <p:strVal val="visible"/>
+                                      </p:to>
+                                    </p:set>
+                                  </p:childTnLst>
+                                </p:cTn>
+                              </p:par>
+                              <p:par>
+                                <p:cTn id="12" presetID="10" presetClass="exit" presetSubtype="0" fill="hold" grpId="2" nodeType="withEffect">
+                                  <p:stCondLst>
+                                    <p:cond delay="0"/>
+                                  </p:stCondLst>
+                                  <p:childTnLst>
+                                    <p:animEffect transition="out" filter="fade">
+                                      <p:cBhvr>
+                                        <p:cTn id="13" dur="500"/>
+                                        <p:tgtEl>
+                                          <p:spTgt spid="4"/>
+                                        </p:tgtEl>
+                                      </p:cBhvr>
+                                    </p:animEffect>
+                                    <p:set>
+                                      <p:cBhvr>
+                                        <p:cTn id="14" dur="1" fill="hold">
+                                          <p:stCondLst>
+                                            <p:cond delay="499"/>
+                                          </p:stCondLst>
+                                        </p:cTn>
+                                        <p:tgtEl>
+                                          <p:spTgt spid="4"/>
+                                        </p:tgtEl>
+                                        <p:attrNameLst>
+                                          <p:attrName>style.visibility</p:attrName>
+                                        </p:attrNameLst>
+                                      </p:cBhvr>
+                                      <p:to>
+                                        <p:strVal val="hidden"/>
+                                      </p:to>
+                                    </p:set>
+                                  </p:childTnLst>
+                                </p:cTn>
+                              </p:par>
+                            </p:childTnLst>
+                          </p:cTn>
+                        </p:par>
+                      </p:childTnLst>
+                    </p:cTn>
+                  </p:par>
+                  <p:par>
+                    <p:cTn id="15" fill="hold">
+                      <p:stCondLst>
+                        <p:cond delay="indefinite"/>
+                      </p:stCondLst>
+                      <p:childTnLst>
+                        <p:par>
+                          <p:cTn id="16" fill="hold">
+                            <p:stCondLst>
+                              <p:cond delay="0"/>
+                            </p:stCondLst>
+                            <p:childTnLst>
+                              <p:par>
+                                <p:cTn id="17" presetID="42" presetClass="path" presetSubtype="0" fill="hold" grpId="1" nodeType="clickEffect">
+                                  <p:stCondLst>
+                                    <p:cond delay="0"/>
+                                  </p:stCondLst>
+                                  <p:childTnLst>
+                                    <p:animMotion origin="layout" path="M 0 0 C 0.05790102 0.04666666 0.05790102 0.04666666 0.115802 0.09333332 E" pathEditMode="relative" ptsTypes="">
+                                      <p:cBhvr>
+                                        <p:cTn id="18" dur="500" fill="hold"/>
+                                        <p:tgtEl>
+                                          <p:spTgt spid="5"/>
+                                        </p:tgtEl>
+                                        <p:attrNameLst>
+                                          <p:attrName>ppt_x</p:attrName>
+                                          <p:attrName>ppt_y</p:attrName>
+                                        </p:attrNameLst>
+                                      </p:cBhvr>
+                                    </p:animMotion>
+                                  </p:childTnLst>
+                                </p:cTn>
+                              </p:par>
+                              <p:par>
+                                <p:cTn id="19" presetID="6" presetClass="emph" presetSubtype="0" fill="hold" grpId="2" nodeType="withEffect">
+                                  <p:stCondLst>
+                                    <p:cond delay="0"/>
+                                  </p:stCondLst>
+                                  <p:childTnLst>
+                                    <p:animScale>
+                                      <p:cBhvr>
+                                        <p:cTn id="20" dur="500" fill="hold"/>
+                                        <p:tgtEl>
+                                          <p:spTgt spid="5"/>
+                                        </p:tgtEl>
+                                      </p:cBhvr>
+                                      <p:by x="164024" y="200000"/>
+                                    </p:animScale>
+                                  </p:childTnLst>
+                                </p:cTn>
+                              </p:par>
+                            </p:childTnLst>
+                          </p:cTn>
+                        </p:par>
+                        <p:par>
+                          <p:cTn id="21" fill="hold">
+                            <p:stCondLst>
+                              <p:cond delay="500"/>
+                            </p:stCondLst>
+                            <p:childTnLst>
+                              <p:par>
+                                <p:cTn id="22" presetID="1" presetClass="entr" presetSubtype="0" fill="hold" grpId="0" nodeType="afterEffect">
+                                  <p:stCondLst>
+                                    <p:cond delay="0"/>
+                                  </p:stCondLst>
+                                  <p:childTnLst>
+                                    <p:set>
+                                      <p:cBhvr>
+                                        <p:cTn id="23" dur="1" fill="hold">
+                                          <p:stCondLst>
+                                            <p:cond delay="0"/>
+                                          </p:stCondLst>
+                                        </p:cTn>
+                                        <p:tgtEl>
+                                          <p:spTgt spid="6"/>
+                                        </p:tgtEl>
+                                        <p:attrNameLst>
+                                          <p:attrName>style.visibility</p:attrName>
+                                        </p:attrNameLst>
+                                      </p:cBhvr>
+                                      <p:to>
+                                        <p:strVal val="visible"/>
+                                      </p:to>
+                                    </p:set>
+                                  </p:childTnLst>
+                                </p:cTn>
+                              </p:par>
+                              <p:par>
+                                <p:cTn id="24" presetID="10" presetClass="exit" presetSubtype="0" fill="hold" grpId="3" nodeType="withEffect">
+                                  <p:stCondLst>
+                                    <p:cond delay="0"/>
+                                  </p:stCondLst>
+                                  <p:childTnLst>
+                                    <p:animEffect transition="out" filter="fade">
+                                      <p:cBhvr>
+                                        <p:cTn id="25" dur="500"/>
+                                        <p:tgtEl>
+                                          <p:spTgt spid="5"/>
+                                        </p:tgtEl>
+                                      </p:cBhvr>
+                                    </p:animEffect>
+                                    <p:set>
+                                      <p:cBhvr>
+                                        <p:cTn id="26" dur="1" fill="hold">
+                                          <p:stCondLst>
+                                            <p:cond delay="499"/>
+                                          </p:stCondLst>
+                                        </p:cTn>
+                                        <p:tgtEl>
+                                          <p:spTgt spid="5"/>
+                                        </p:tgtEl>
+                                        <p:attrNameLst>
+                                          <p:attrName>style.visibility</p:attrName>
+                                        </p:attrNameLst>
+                                      </p:cBhvr>
+                                      <p:to>
+                                        <p:strVal val="hidden"/>
+                                      </p:to>
+                                    </p:set>
+                                  </p:childTnLst>
+                                </p:cTn>
+                              </p:par>
+                            </p:childTnLst>
+                          </p:cTn>
+                        </p:par>
+                      </p:childTnLst>
+                    </p:cTn>
+                  </p:par>
+                  <p:par>
+                    <p:cTn id="27" fill="hold">
+                      <p:stCondLst>
+                        <p:cond delay="indefinite"/>
+                      </p:stCondLst>
+                      <p:childTnLst>
+                        <p:par>
+                          <p:cTn id="28" fill="hold">
+                            <p:stCondLst>
+                              <p:cond delay="0"/>
+                            </p:stCondLst>
+                            <p:childTnLst>
+                              <p:par>
+                                <p:cTn id="29" presetID="42" presetClass="path" presetSubtype="0" fill="hold" grpId="1" nodeType="clickEffect">
+                                  <p:stCondLst>
+                                    <p:cond delay="0"/>
+                                  </p:stCondLst>
+                                  <p:childTnLst>
+                                    <p:animMotion origin="layout" path="M 0 0 C -0.03917186 0.03666667 -0.03917186 0.03666667 -0.07834371 0.07333335 E" pathEditMode="relative" ptsTypes="">
+                                      <p:cBhvr>
+                                        <p:cTn id="30" dur="500" fill="hold"/>
+                                        <p:tgtEl>
+                                          <p:spTgt spid="6"/>
+                                        </p:tgtEl>
+                                        <p:attrNameLst>
+                                          <p:attrName>ppt_x</p:attrName>
+                                          <p:attrName>ppt_y</p:attrName>
+                                        </p:attrNameLst>
+                                      </p:cBhvr>
+                                    </p:animMotion>
+                                  </p:childTnLst>
+                                </p:cTn>
+                              </p:par>
+                              <p:par>
+                                <p:cTn id="31" presetID="6" presetClass="emph" presetSubtype="0" fill="hold" grpId="2" nodeType="withEffect">
+                                  <p:stCondLst>
+                                    <p:cond delay="0"/>
+                                  </p:stCondLst>
+                                  <p:childTnLst>
+                                    <p:animScale>
+                                      <p:cBhvr>
+                                        <p:cTn id="32" dur="500" fill="hold"/>
+                                        <p:tgtEl>
+                                          <p:spTgt spid="6"/>
+                                        </p:tgtEl>
+                                      </p:cBhvr>
+                                      <p:by x="78281" y="17857"/>
+                                    </p:animScale>
+                                  </p:childTnLst>
+                                </p:cTn>
+                              </p:par>
+                            </p:childTnLst>
+                          </p:cTn>
+                        </p:par>
+                        <p:par>
+                          <p:cTn id="33" fill="hold">
+                            <p:stCondLst>
+                              <p:cond delay="500"/>
+                            </p:stCondLst>
+                            <p:childTnLst>
+                              <p:par>
+                                <p:cTn id="34" presetID="1" presetClass="entr" presetSubtype="0" fill="hold" grpId="0" nodeType="afterEffect">
+                                  <p:stCondLst>
+                                    <p:cond delay="0"/>
+                                  </p:stCondLst>
+                                  <p:childTnLst>
+                                    <p:set>
+                                      <p:cBhvr>
+                                        <p:cTn id="35" dur="1" fill="hold">
+                                          <p:stCondLst>
+                                            <p:cond delay="0"/>
+                                          </p:stCondLst>
+                                        </p:cTn>
+                                        <p:tgtEl>
+                                          <p:spTgt spid="7"/>
+                                        </p:tgtEl>
+                                        <p:attrNameLst>
+                                          <p:attrName>style.visibility</p:attrName>
+                                        </p:attrNameLst>
+                                      </p:cBhvr>
+                                      <p:to>
+                                        <p:strVal val="visible"/>
+                                      </p:to>
+                                    </p:set>
+                                  </p:childTnLst>
+                                </p:cTn>
+                              </p:par>
+                              <p:par>
+                                <p:cTn id="36" presetID="10" presetClass="exit" presetSubtype="0" fill="hold" grpId="3" nodeType="withEffect">
+                                  <p:stCondLst>
+                                    <p:cond delay="0"/>
+                                  </p:stCondLst>
+                                  <p:childTnLst>
+                                    <p:animEffect transition="out" filter="fade">
+                                      <p:cBhvr>
+                                        <p:cTn id="37" dur="500"/>
+                                        <p:tgtEl>
+                                          <p:spTgt spid="6"/>
+                                        </p:tgtEl>
+                                      </p:cBhvr>
+                                    </p:animEffect>
+                                    <p:set>
+                                      <p:cBhvr>
+                                        <p:cTn id="38" dur="1" fill="hold">
+                                          <p:stCondLst>
+                                            <p:cond delay="499"/>
+                                          </p:stCondLst>
+                                        </p:cTn>
+                                        <p:tgtEl>
+                                          <p:spTgt spid="6"/>
+                                        </p:tgtEl>
+                                        <p:attrNameLst>
+                                          <p:attrName>style.visibility</p:attrName>
+                                        </p:attrNameLst>
+                                      </p:cBhvr>
+                                      <p:to>
+                                        <p:strVal val="hidden"/>
+                                      </p:to>
+                                    </p:set>
+                                  </p:childTnLst>
+                                </p:cTn>
+                              </p:par>
+                            </p:childTnLst>
+                          </p:cTn>
+                        </p:par>
+                      </p:childTnLst>
+                    </p:cTn>
+                  </p:par>
+                  <p:par>
+                    <p:cTn id="39" fill="hold">
+                      <p:stCondLst>
+                        <p:cond delay="indefinite"/>
+                      </p:stCondLst>
+                      <p:childTnLst>
+                        <p:par>
+                          <p:cTn id="40" fill="hold">
+                            <p:stCondLst>
+                              <p:cond delay="0"/>
+                            </p:stCondLst>
+                            <p:childTnLst>
+                              <p:par>
+                                <p:cTn id="41" presetID="42" presetClass="path" presetSubtype="0" fill="hold" grpId="1" nodeType="clickEffect">
+                                  <p:stCondLst>
+                                    <p:cond delay="0"/>
+                                  </p:stCondLst>
+                                  <p:childTnLst>
+                                    <p:animMotion origin="layout" path="M 0 0 C 0.04445659 0.04222223 0.04445659 0.04222223 0.08891317 0.08444446 E" pathEditMode="relative" ptsTypes="">
+                                      <p:cBhvr>
+                                        <p:cTn id="42" dur="500" fill="hold"/>
+                                        <p:tgtEl>
+                                          <p:spTgt spid="7"/>
+                                        </p:tgtEl>
+                                        <p:attrNameLst>
+                                          <p:attrName>ppt_x</p:attrName>
+                                          <p:attrName>ppt_y</p:attrName>
+                                        </p:attrNameLst>
+                                      </p:cBhvr>
+                                    </p:animMotion>
+                                  </p:childTnLst>
+                                </p:cTn>
+                              </p:par>
+                              <p:par>
+                                <p:cTn id="43" presetID="6" presetClass="emph" presetSubtype="0" fill="hold" grpId="2" nodeType="withEffect">
+                                  <p:stCondLst>
+                                    <p:cond delay="0"/>
+                                  </p:stCondLst>
+                                  <p:childTnLst>
+                                    <p:animScale>
+                                      <p:cBhvr>
+                                        <p:cTn id="44" dur="500" fill="hold"/>
+                                        <p:tgtEl>
+                                          <p:spTgt spid="7"/>
+                                        </p:tgtEl>
+                                      </p:cBhvr>
+                                      <p:by x="131180" y="660000"/>
+                                    </p:animScale>
+                                  </p:childTnLst>
+                                </p:cTn>
+                              </p:par>
+                            </p:childTnLst>
+                          </p:cTn>
+                        </p:par>
+                        <p:par>
+                          <p:cTn id="45" fill="hold">
+                            <p:stCondLst>
+                              <p:cond delay="500"/>
+                            </p:stCondLst>
+                            <p:childTnLst>
+                              <p:par>
+                                <p:cTn id="46" presetID="1" presetClass="entr" presetSubtype="0" fill="hold" grpId="0" nodeType="afterEffect">
+                                  <p:stCondLst>
+                                    <p:cond delay="0"/>
+                                  </p:stCondLst>
+                                  <p:childTnLst>
+                                    <p:set>
+                                      <p:cBhvr>
+                                        <p:cTn id="47" dur="1" fill="hold">
+                                          <p:stCondLst>
+                                            <p:cond delay="0"/>
+                                          </p:stCondLst>
+                                        </p:cTn>
+                                        <p:tgtEl>
+                                          <p:spTgt spid="8"/>
+                                        </p:tgtEl>
+                                        <p:attrNameLst>
+                                          <p:attrName>style.visibility</p:attrName>
+                                        </p:attrNameLst>
+                                      </p:cBhvr>
+                                      <p:to>
+                                        <p:strVal val="visible"/>
+                                      </p:to>
+                                    </p:set>
+                                  </p:childTnLst>
+                                </p:cTn>
+                              </p:par>
+                              <p:par>
+                                <p:cTn id="48" presetID="10" presetClass="exit" presetSubtype="0" fill="hold" grpId="3" nodeType="withEffect">
+                                  <p:stCondLst>
+                                    <p:cond delay="0"/>
+                                  </p:stCondLst>
+                                  <p:childTnLst>
+                                    <p:animEffect transition="out" filter="fade">
+                                      <p:cBhvr>
+                                        <p:cTn id="49" dur="500"/>
+                                        <p:tgtEl>
+                                          <p:spTgt spid="7"/>
+                                        </p:tgtEl>
+                                      </p:cBhvr>
+                                    </p:animEffect>
+                                    <p:set>
+                                      <p:cBhvr>
+                                        <p:cTn id="50" dur="1" fill="hold">
+                                          <p:stCondLst>
+                                            <p:cond delay="499"/>
+                                          </p:stCondLst>
+                                        </p:cTn>
+                                        <p:tgtEl>
+                                          <p:spTgt spid="7"/>
+                                        </p:tgtEl>
+                                        <p:attrNameLst>
+                                          <p:attrName>style.visibility</p:attrName>
+                                        </p:attrNameLst>
+                                      </p:cBhvr>
+                                      <p:to>
+                                        <p:strVal val="hidden"/>
+                                      </p:to>
+                                    </p:set>
+                                  </p:childTnLst>
+                                </p:cTn>
+                              </p:par>
+                            </p:childTnLst>
+                          </p:cTn>
+                        </p:par>
+                      </p:childTnLst>
+                    </p:cTn>
+                  </p:par>
+                  <p:par>
+                    <p:cTn id="51" fill="hold">
+                      <p:stCondLst>
+                        <p:cond delay="indefinite"/>
+                      </p:stCondLst>
+                      <p:childTnLst>
+                        <p:par>
+                          <p:cTn id="52" fill="hold">
+                            <p:stCondLst>
+                              <p:cond delay="0"/>
+                            </p:stCondLst>
+                            <p:childTnLst>
+                              <p:par>
+                                <p:cTn id="53" presetID="42" presetClass="path" presetSubtype="0" fill="hold" grpId="1" nodeType="clickEffect">
+                                  <p:stCondLst>
+                                    <p:cond delay="0"/>
+                                  </p:stCondLst>
+                                  <p:childTnLst>
+                                    <p:animMotion origin="layout" path="M 0 0 C 0.005039957 0.1166666 0.005039957 0.1166666 0.01007991 0.2333333 E" pathEditMode="relative" ptsTypes="">
+                                      <p:cBhvr>
+                                        <p:cTn id="54" dur="500" fill="hold"/>
+                                        <p:tgtEl>
+                                          <p:spTgt spid="8"/>
+                                        </p:tgtEl>
+                                        <p:attrNameLst>
+                                          <p:attrName>ppt_x</p:attrName>
+                                          <p:attrName>ppt_y</p:attrName>
+                                        </p:attrNameLst>
+                                      </p:cBhvr>
+                                    </p:animMotion>
+                                  </p:childTnLst>
+                                </p:cTn>
+                              </p:par>
+                              <p:par>
+                                <p:cTn id="55" presetID="6" presetClass="emph" presetSubtype="0" fill="hold" grpId="2" nodeType="withEffect">
+                                  <p:stCondLst>
+                                    <p:cond delay="0"/>
+                                  </p:stCondLst>
+                                  <p:childTnLst>
+                                    <p:animScale>
+                                      <p:cBhvr>
+                                        <p:cTn id="56" dur="500" fill="hold"/>
+                                        <p:tgtEl>
+                                          <p:spTgt spid="8"/>
+                                        </p:tgtEl>
+                                      </p:cBhvr>
+                                      <p:by x="102956" y="218182"/>
+                                    </p:animScale>
+                                  </p:childTnLst>
+                                </p:cTn>
+                              </p:par>
+                            </p:childTnLst>
+                          </p:cTn>
+                        </p:par>
+                        <p:par>
+                          <p:cTn id="57" fill="hold">
+                            <p:stCondLst>
+                              <p:cond delay="500"/>
+                            </p:stCondLst>
+                            <p:childTnLst>
+                              <p:par>
+                                <p:cTn id="58" presetID="1" presetClass="entr" presetSubtype="0" fill="hold" grpId="0" nodeType="afterEffect">
+                                  <p:stCondLst>
+                                    <p:cond delay="0"/>
+                                  </p:stCondLst>
+                                  <p:childTnLst>
+                                    <p:set>
+                                      <p:cBhvr>
+                                        <p:cTn id="59" dur="1" fill="hold">
+                                          <p:stCondLst>
+                                            <p:cond delay="0"/>
+                                          </p:stCondLst>
+                                        </p:cTn>
+                                        <p:tgtEl>
+                                          <p:spTgt spid="9"/>
+                                        </p:tgtEl>
+                                        <p:attrNameLst>
+                                          <p:attrName>style.visibility</p:attrName>
+                                        </p:attrNameLst>
+                                      </p:cBhvr>
+                                      <p:to>
+                                        <p:strVal val="visible"/>
+                                      </p:to>
+                                    </p:set>
+                                  </p:childTnLst>
+                                </p:cTn>
+                              </p:par>
+                              <p:par>
+                                <p:cTn id="60" presetID="10" presetClass="exit" presetSubtype="0" fill="hold" grpId="3" nodeType="withEffect">
+                                  <p:stCondLst>
+                                    <p:cond delay="0"/>
+                                  </p:stCondLst>
+                                  <p:childTnLst>
+                                    <p:animEffect transition="out" filter="fade">
+                                      <p:cBhvr>
+                                        <p:cTn id="61" dur="500"/>
+                                        <p:tgtEl>
+                                          <p:spTgt spid="8"/>
+                                        </p:tgtEl>
+                                      </p:cBhvr>
+                                    </p:animEffect>
+                                    <p:set>
+                                      <p:cBhvr>
+                                        <p:cTn id="62" dur="1" fill="hold">
+                                          <p:stCondLst>
+                                            <p:cond delay="499"/>
+                                          </p:stCondLst>
+                                        </p:cTn>
+                                        <p:tgtEl>
+                                          <p:spTgt spid="8"/>
+                                        </p:tgtEl>
+                                        <p:attrNameLst>
+                                          <p:attrName>style.visibility</p:attrName>
+                                        </p:attrNameLst>
+                                      </p:cBhvr>
+                                      <p:to>
+                                        <p:strVal val="hidden"/>
+                                      </p:to>
+                                    </p:set>
+                                  </p:childTnLst>
+                                </p:cTn>
+                              </p:par>
+                            </p:childTnLst>
+                          </p:cTn>
+                        </p:par>
+                      </p:childTnLst>
+                    </p:cTn>
+                  </p:par>
+                  <p:par>
+                    <p:cTn id="63" fill="hold">
+                      <p:stCondLst>
+                        <p:cond delay="indefinite"/>
+                      </p:stCondLst>
+                      <p:childTnLst>
+                        <p:par>
+                          <p:cTn id="64" fill="hold">
+                            <p:stCondLst>
+                              <p:cond delay="0"/>
+                            </p:stCondLst>
+                            <p:childTnLst>
+                              <p:par>
+                                <p:cTn id="65" presetID="42" presetClass="path" presetSubtype="0" fill="hold" grpId="1" nodeType="clickEffect">
+                                  <p:stCondLst>
+                                    <p:cond delay="0"/>
+                                  </p:stCondLst>
+                                  <p:childTnLst>
+                                    <p:animMotion origin="layout" path="M 0 0 C -0.01057989 0.09000001 -0.01057989 0.09000001 -0.02115979 0.18 E" pathEditMode="relative" ptsTypes="">
+                                      <p:cBhvr>
+                                        <p:cTn id="66" dur="500" fill="hold"/>
+                                        <p:tgtEl>
+                                          <p:spTgt spid="9"/>
+                                        </p:tgtEl>
+                                        <p:attrNameLst>
+                                          <p:attrName>ppt_x</p:attrName>
+                                          <p:attrName>ppt_y</p:attrName>
+                                        </p:attrNameLst>
+                                      </p:cBhvr>
+                                    </p:animMotion>
+                                  </p:childTnLst>
+                                </p:cTn>
+                              </p:par>
+                              <p:par>
+                                <p:cTn id="67" presetID="6" presetClass="emph" presetSubtype="0" fill="hold" grpId="2" nodeType="withEffect">
+                                  <p:stCondLst>
+                                    <p:cond delay="0"/>
+                                  </p:stCondLst>
+                                  <p:childTnLst>
+                                    <p:animScale>
+                                      <p:cBhvr>
+                                        <p:cTn id="68" dur="500" fill="hold"/>
+                                        <p:tgtEl>
+                                          <p:spTgt spid="9"/>
+                                        </p:tgtEl>
+                                      </p:cBhvr>
+                                      <p:by x="94452" y="12500"/>
+                                    </p:animScale>
+                                  </p:childTnLst>
+                                </p:cTn>
+                              </p:par>
+                            </p:childTnLst>
+                          </p:cTn>
+                        </p:par>
+                        <p:par>
+                          <p:cTn id="69" fill="hold">
+                            <p:stCondLst>
+                              <p:cond delay="500"/>
+                            </p:stCondLst>
+                            <p:childTnLst>
+                              <p:par>
+                                <p:cTn id="70" presetID="1" presetClass="entr" presetSubtype="0" fill="hold" grpId="0" nodeType="afterEffect">
+                                  <p:stCondLst>
+                                    <p:cond delay="0"/>
+                                  </p:stCondLst>
+                                  <p:childTnLst>
+                                    <p:set>
+                                      <p:cBhvr>
+                                        <p:cTn id="71" dur="1" fill="hold">
+                                          <p:stCondLst>
+                                            <p:cond delay="0"/>
+                                          </p:stCondLst>
+                                        </p:cTn>
+                                        <p:tgtEl>
+                                          <p:spTgt spid="10"/>
+                                        </p:tgtEl>
+                                        <p:attrNameLst>
+                                          <p:attrName>style.visibility</p:attrName>
+                                        </p:attrNameLst>
+                                      </p:cBhvr>
+                                      <p:to>
+                                        <p:strVal val="visible"/>
+                                      </p:to>
+                                    </p:set>
+                                  </p:childTnLst>
+                                </p:cTn>
+                              </p:par>
+                              <p:par>
+                                <p:cTn id="72" presetID="10" presetClass="exit" presetSubtype="0" fill="hold" grpId="3" nodeType="withEffect">
+                                  <p:stCondLst>
+                                    <p:cond delay="0"/>
+                                  </p:stCondLst>
+                                  <p:childTnLst>
+                                    <p:animEffect transition="out" filter="fade">
+                                      <p:cBhvr>
+                                        <p:cTn id="73" dur="500"/>
+                                        <p:tgtEl>
+                                          <p:spTgt spid="9"/>
+                                        </p:tgtEl>
+                                      </p:cBhvr>
+                                    </p:animEffect>
+                                    <p:set>
+                                      <p:cBhvr>
+                                        <p:cTn id="74" dur="1" fill="hold">
+                                          <p:stCondLst>
+                                            <p:cond delay="499"/>
+                                          </p:stCondLst>
+                                        </p:cTn>
+                                        <p:tgtEl>
+                                          <p:spTgt spid="9"/>
+                                        </p:tgtEl>
+                                        <p:attrNameLst>
+                                          <p:attrName>style.visibility</p:attrName>
+                                        </p:attrNameLst>
+                                      </p:cBhvr>
+                                      <p:to>
+                                        <p:strVal val="hidden"/>
+                                      </p:to>
+                                    </p:set>
+                                  </p:childTnLst>
+                                </p:cTn>
+                              </p:par>
+                            </p:childTnLst>
+                          </p:cTn>
+                        </p:par>
+                      </p:childTnLst>
+                    </p:cTn>
+                  </p:par>
+                </p:childTnLst>
+              </p:cTn>
+              <p:prevCondLst>
+                <p:cond evt="onPrev" delay="0">
+                  <p:tgtEl>
+                    <p:sldTgt/>
+                  </p:tgtEl>
+                </p:cond>
+              </p:prevCondLst>
+              <p:nextCondLst>
+                <p:cond evt="onNext" delay="0">
+                  <p:tgtEl>
+                    <p:sldTgt/>
+                  </p:tgtEl>
+                </p:cond>
+              </p:nextCondLst>
+            </p:seq>
+          </p:childTnLst>
+        </p:cTn>
+      </p:par>
+    </p:tnLst>
+    <p:bldLst>
+      <p:bldP spid="4" grpId="0" animBg="1"/>
+      <p:bldP spid="4" grpId="1" animBg="1"/>
+      <p:bldP spid="4" grpId="2" animBg="1"/>
+      <p:bldP spid="5" grpId="0" animBg="1"/>
+      <p:bldP spid="5" grpId="1" animBg="1"/>
+      <p:bldP spid="5" grpId="2" animBg="1"/>
+      <p:bldP spid="5" grpId="3" animBg="1"/>
+      <p:bldP spid="6" grpId="0" animBg="1"/>
+      <p:bldP spid="6" grpId="1" animBg="1"/>
+      <p:bldP spid="6" grpId="2" animBg="1"/>
+      <p:bldP spid="6" grpId="3" animBg="1"/>
+      <p:bldP spid="7" grpId="0" animBg="1"/>
+      <p:bldP spid="7" grpId="1" animBg="1"/>
+      <p:bldP spid="7" grpId="2" animBg="1"/>
+      <p:bldP spid="7" grpId="3" animBg="1"/>
+      <p:bldP spid="8" grpId="0" animBg="1"/>
+      <p:bldP spid="8" grpId="1" animBg="1"/>
+      <p:bldP spid="8" grpId="2" animBg="1"/>
+      <p:bldP spid="8" grpId="3" animBg="1"/>
+      <p:bldP spid="9" grpId="0" animBg="1"/>
+      <p:bldP spid="9" grpId="1" animBg="1"/>
+      <p:bldP spid="9" grpId="2" animBg="1"/>
+      <p:bldP spid="9" grpId="3" animBg="1"/>
+      <p:bldP spid="10" grpId="0" animBg="1"/>
+    </p:bldLst>
+  </p:timing>
+</p:sld>
+</file>
+
+<file path=ppt/slides/slide29.xml><?xml version="1.0" encoding="utf-8"?>
+<p:sld xmlns:a="http://schemas.openxmlformats.org/drawingml/2006/main" xmlns:r="http://schemas.openxmlformats.org/officeDocument/2006/relationships" xmlns:p="http://schemas.openxmlformats.org/presentationml/2006/main">
+  <p:cSld>
+    <p:spTree>
+      <p:nvGrpSpPr>
+        <p:cNvPr id="1" name=""/>
+        <p:cNvGrpSpPr/>
+        <p:nvPr/>
+      </p:nvGrpSpPr>
+      <p:grpSpPr>
+        <a:xfrm>
+          <a:off x="0" y="0"/>
+          <a:ext cx="0" cy="0"/>
+          <a:chOff x="0" y="0"/>
+          <a:chExt cx="0" cy="0"/>
+        </a:xfrm>
+      </p:grpSpPr>
+      <p:sp>
+        <p:nvSpPr>
+          <p:cNvPr id="3" name="Rectangle 4"/>
+          <p:cNvSpPr/>
+          <p:nvPr/>
+        </p:nvSpPr>
+        <p:spPr>
+          <a:xfrm>
+            <a:off x="0" y="2286000"/>
+            <a:ext cx="9144000" cy="2209800"/>
+          </a:xfrm>
+          <a:prstGeom prst="rect">
+            <a:avLst/>
+          </a:prstGeom>
+          <a:solidFill>
+            <a:srgbClr val="002060"/>
+          </a:solidFill>
+        </p:spPr>
+        <p:style>
+          <a:lnRef idx="2">
+            <a:schemeClr val="accent1">
+              <a:shade val="50000"/>
+            </a:schemeClr>
+          </a:lnRef>
+          <a:fillRef idx="1">
+            <a:schemeClr val="accent1"/>
+          </a:fillRef>
+          <a:effectRef idx="0">
+            <a:schemeClr val="accent1"/>
+          </a:effectRef>
+          <a:fontRef idx="minor">
+            <a:schemeClr val="lt1"/>
+          </a:fontRef>
+        </p:style>
+        <p:txBody>
+          <a:bodyPr rtlCol="0" anchor="ctr"/>
+          <a:lstStyle/>
+          <a:p>
+            <a:pPr algn="ctr"/>
+            <a:endParaRPr lang="en-US"/>
+          </a:p>
+        </p:txBody>
+      </p:sp>
+      <p:sp>
+        <p:nvSpPr>
+          <p:cNvPr id="2" name="HighlightBackgroundShape73075057-96f2-467a-9739-220ecca5ae94"/>
+          <p:cNvSpPr txBox="1"/>
+          <p:nvPr/>
+        </p:nvSpPr>
+        <p:spPr>
+          <a:xfrm>
+            <a:off x="762000" y="533400"/>
+            <a:ext cx="7620000" cy="5909310"/>
+          </a:xfrm>
+          <a:prstGeom prst="rect">
+            <a:avLst/>
+          </a:prstGeom>
+          <a:noFill/>
+        </p:spPr>
+        <p:txBody>
+          <a:bodyPr wrap="square" rtlCol="0">
+            <a:spAutoFit/>
+          </a:bodyPr>
+          <a:lstStyle/>
+          <a:p>
+            <a:pPr marL="285750" indent="-285750">
+              <a:buFont typeface="Arial" panose="020B0604020202020204" pitchFamily="34" charset="0"/>
+              <a:buChar char="•"/>
+            </a:pPr>
+            <a:r>
+              <a:rPr lang="en-US" sz="2800" dirty="0" smtClean="0"/>
+              <a:t>Test - Non-ABC: 1234567890!@#$%^&amp;*()</a:t>
+            </a:r>
+          </a:p>
+          <a:p>
+            <a:r>
+              <a:rPr lang="en-US" sz="2800" dirty="0"/>
+              <a:t>Test </a:t>
+            </a:r>
+            <a:r>
+              <a:rPr lang="en-US" sz="2800" dirty="0" smtClean="0"/>
+              <a:t>– No bullet point</a:t>
+            </a:r>
+            <a:endParaRPr lang="en-US" sz="2800" dirty="0"/>
+          </a:p>
+          <a:p>
+            <a:pPr marL="514350" indent="-514350">
+              <a:buFont typeface="+mj-lt"/>
+              <a:buAutoNum type="arabicPeriod"/>
+            </a:pPr>
+            <a:r>
+              <a:rPr lang="en-US" sz="2800" dirty="0"/>
+              <a:t>Test – </a:t>
+            </a:r>
+            <a:r>
+              <a:rPr lang="en-US" sz="2800" dirty="0" smtClean="0"/>
+              <a:t>Different bullet point</a:t>
+            </a:r>
+          </a:p>
+          <a:p>
+            <a:pPr marL="285750" indent="-285750">
+              <a:buFont typeface="Arial" panose="020B0604020202020204" pitchFamily="34" charset="0"/>
+              <a:buChar char="•"/>
+            </a:pPr>
+            <a:r>
+              <a:rPr lang="en-US" sz="2800" dirty="0" smtClean="0">
+                <a:latin typeface="Times New Roman" panose="02020603050405020304" pitchFamily="18" charset="0"/>
+                <a:cs typeface="Times New Roman" panose="02020603050405020304" pitchFamily="18" charset="0"/>
+              </a:rPr>
+              <a:t>Test - Another Font Family, using Times New Roman</a:t>
+            </a:r>
+          </a:p>
+          <a:p>
+            <a:pPr marL="285750" indent="-285750">
+              <a:buFont typeface="Arial" panose="020B0604020202020204" pitchFamily="34" charset="0"/>
+              <a:buChar char="•"/>
+            </a:pPr>
+            <a:r>
+              <a:rPr lang="en-US" sz="1000" dirty="0" smtClean="0"/>
+              <a:t>Test - very small content. Test: very small content. Test: very small content. Test: very small content</a:t>
+            </a:r>
+          </a:p>
+          <a:p>
+            <a:pPr marL="285750" indent="-285750">
+              <a:buFont typeface="Arial" panose="020B0604020202020204" pitchFamily="34" charset="0"/>
+              <a:buChar char="•"/>
+            </a:pPr>
+            <a:r>
+              <a:rPr lang="en-US" sz="6600" dirty="0" smtClean="0">
+                <a:latin typeface="Arial Black" panose="020B0A04020102020204" pitchFamily="34" charset="0"/>
+              </a:rPr>
+              <a:t>Test - very big</a:t>
+            </a:r>
+          </a:p>
+          <a:p>
+            <a:pPr marL="285750" indent="-285750">
+              <a:buFont typeface="Arial" panose="020B0604020202020204" pitchFamily="34" charset="0"/>
+              <a:buChar char="•"/>
+            </a:pPr>
+            <a:r>
+              <a:rPr lang="en-US" sz="3600" dirty="0" smtClean="0"/>
+              <a:t>Test – Long sentence: </a:t>
+            </a:r>
+            <a:r>
+              <a:rPr lang="en-US" sz="3600" dirty="0" err="1" smtClean="0"/>
+              <a:t>Asdddd</a:t>
+            </a:r>
+            <a:r>
+              <a:rPr lang="en-US" sz="3600" dirty="0" smtClean="0"/>
+              <a:t> </a:t>
+            </a:r>
+            <a:r>
+              <a:rPr lang="en-US" sz="3600" dirty="0" err="1" smtClean="0"/>
+              <a:t>ddd</a:t>
+            </a:r>
+            <a:r>
+              <a:rPr lang="en-US" sz="3600" dirty="0" smtClean="0"/>
+              <a:t> </a:t>
+            </a:r>
+            <a:r>
+              <a:rPr lang="en-US" sz="3600" dirty="0" err="1" smtClean="0"/>
+              <a:t>dd</a:t>
+            </a:r>
+            <a:r>
+              <a:rPr lang="en-US" sz="3600" dirty="0" smtClean="0"/>
+              <a:t> d </a:t>
+            </a:r>
+            <a:r>
+              <a:rPr lang="en-US" sz="3600" dirty="0" err="1" smtClean="0"/>
+              <a:t>ddddd</a:t>
+            </a:r>
+            <a:r>
+              <a:rPr lang="en-US" sz="3600" dirty="0" smtClean="0"/>
+              <a:t> </a:t>
+            </a:r>
+            <a:r>
+              <a:rPr lang="en-US" sz="3600" dirty="0" err="1" smtClean="0"/>
+              <a:t>ddd</a:t>
+            </a:r>
+            <a:r>
+              <a:rPr lang="en-US" sz="3600" dirty="0" smtClean="0"/>
+              <a:t> </a:t>
+            </a:r>
+            <a:r>
+              <a:rPr lang="en-US" sz="3600" dirty="0" err="1" smtClean="0"/>
+              <a:t>ddd</a:t>
+            </a:r>
+            <a:r>
+              <a:rPr lang="en-US" sz="3600" dirty="0" smtClean="0"/>
+              <a:t> </a:t>
+            </a:r>
+            <a:r>
+              <a:rPr lang="en-US" sz="3600" dirty="0" err="1" smtClean="0"/>
+              <a:t>ddd</a:t>
+            </a:r>
+            <a:r>
+              <a:rPr lang="en-US" sz="3600" dirty="0" smtClean="0"/>
+              <a:t> </a:t>
+            </a:r>
+            <a:r>
+              <a:rPr lang="en-US" sz="3600" dirty="0" err="1" smtClean="0"/>
+              <a:t>ddd</a:t>
+            </a:r>
+            <a:r>
+              <a:rPr lang="en-US" sz="3600" dirty="0" smtClean="0"/>
+              <a:t> </a:t>
+            </a:r>
+            <a:r>
+              <a:rPr lang="en-US" sz="3600" dirty="0" err="1" smtClean="0"/>
+              <a:t>ddd</a:t>
+            </a:r>
+            <a:r>
+              <a:rPr lang="en-US" sz="3600" dirty="0" smtClean="0"/>
+              <a:t> </a:t>
+            </a:r>
+            <a:r>
+              <a:rPr lang="en-US" sz="3600" dirty="0" err="1" smtClean="0"/>
+              <a:t>ddd</a:t>
+            </a:r>
+            <a:r>
+              <a:rPr lang="en-US" sz="3600" dirty="0" smtClean="0"/>
+              <a:t> </a:t>
+            </a:r>
+            <a:r>
+              <a:rPr lang="en-US" sz="3600" dirty="0" err="1" smtClean="0"/>
+              <a:t>ddd</a:t>
+            </a:r>
+            <a:r>
+              <a:rPr lang="en-US" sz="3600" dirty="0" smtClean="0"/>
+              <a:t> </a:t>
+            </a:r>
+            <a:r>
+              <a:rPr lang="en-US" sz="3600" dirty="0" err="1" smtClean="0"/>
+              <a:t>dddddd</a:t>
+            </a:r>
+            <a:r>
+              <a:rPr lang="en-US" sz="3600" dirty="0" smtClean="0"/>
+              <a:t> </a:t>
+            </a:r>
+            <a:r>
+              <a:rPr lang="en-US" sz="3600" dirty="0" err="1" smtClean="0"/>
+              <a:t>dd</a:t>
+            </a:r>
+            <a:r>
+              <a:rPr lang="en-US" sz="3600" dirty="0" smtClean="0"/>
+              <a:t> </a:t>
+            </a:r>
+            <a:r>
+              <a:rPr lang="en-US" sz="3600" dirty="0" err="1" smtClean="0"/>
+              <a:t>ddd</a:t>
+            </a:r>
+            <a:r>
+              <a:rPr lang="en-US" sz="3600" dirty="0" smtClean="0"/>
+              <a:t> </a:t>
+            </a:r>
+            <a:r>
+              <a:rPr lang="en-US" sz="3600" dirty="0" err="1" smtClean="0"/>
+              <a:t>ddddd</a:t>
+            </a:r>
+            <a:r>
+              <a:rPr lang="en-US" sz="3600" dirty="0" smtClean="0"/>
+              <a:t> </a:t>
+            </a:r>
+            <a:r>
+              <a:rPr lang="en-US" sz="3600" dirty="0" err="1" smtClean="0"/>
+              <a:t>dd</a:t>
+            </a:r>
+            <a:r>
+              <a:rPr lang="en-US" sz="3600" dirty="0" smtClean="0"/>
+              <a:t> </a:t>
+            </a:r>
+            <a:r>
+              <a:rPr lang="en-US" sz="3600" dirty="0" err="1" smtClean="0"/>
+              <a:t>dd</a:t>
+            </a:r>
+            <a:r>
+              <a:rPr lang="en-US" sz="3600" dirty="0" smtClean="0"/>
+              <a:t> d </a:t>
+            </a:r>
+            <a:r>
+              <a:rPr lang="en-US" sz="3600" dirty="0" err="1" smtClean="0"/>
+              <a:t>ddd</a:t>
+            </a:r>
+            <a:r>
+              <a:rPr lang="en-US" sz="3600" dirty="0" smtClean="0"/>
+              <a:t> </a:t>
+            </a:r>
+            <a:r>
+              <a:rPr lang="en-US" sz="3600" dirty="0" err="1" smtClean="0"/>
+              <a:t>ddd</a:t>
+            </a:r>
+            <a:endParaRPr lang="en-US" sz="3600" dirty="0" smtClean="0"/>
+          </a:p>
+          <a:p>
+            <a:pPr marL="285750" indent="-285750">
+              <a:buFont typeface="Arial" panose="020B0604020202020204" pitchFamily="34" charset="0"/>
+              <a:buChar char="•"/>
+            </a:pPr>
+            <a:r>
+              <a:rPr lang="en-US" altLang="zh-CN" dirty="0" smtClean="0"/>
+              <a:t>Test – Chinese Characters: </a:t>
+            </a:r>
+            <a:r>
+              <a:rPr lang="zh-CN" altLang="en-US" dirty="0" smtClean="0"/>
+              <a:t>阿</a:t>
+            </a:r>
+            <a:r>
+              <a:rPr lang="zh-CN" altLang="en-US" dirty="0"/>
+              <a:t>斯</a:t>
+            </a:r>
+            <a:r>
+              <a:rPr lang="zh-CN" altLang="en-US" dirty="0" smtClean="0"/>
+              <a:t>顿啊盛大速度啊盛大速度啊盛大速度</a:t>
+            </a:r>
+            <a:endParaRPr lang="en-SG" dirty="0"/>
+          </a:p>
+        </p:txBody>
+      </p:sp>
+    </p:spTree>
+    <p:extLst>
+      <p:ext uri="{BB962C8B-B14F-4D97-AF65-F5344CB8AC3E}">
+        <p14:creationId xmlns:p14="http://schemas.microsoft.com/office/powerpoint/2010/main" val="3141045913"/>
+      </p:ext>
+    </p:extLst>
+  </p:cSld>
+  <p:clrMapOvr>
+    <a:masterClrMapping/>
+  </p:clrMapOvr>
+  <p:transition spd="slow">
+    <p:push dir="u"/>
+  </p:transition>
+  <p:timing>
+    <p:tnLst>
+      <p:par>
+        <p:cTn id="1" dur="indefinite" restart="never" nodeType="tmRoot"/>
+      </p:par>
+    </p:tnLst>
+  </p:timing>
+</p:sld>
+</file>
+
+<file path=ppt/slides/slide3.xml><?xml version="1.0" encoding="utf-8"?>
+<p:sld xmlns:a="http://schemas.openxmlformats.org/drawingml/2006/main" xmlns:r="http://schemas.openxmlformats.org/officeDocument/2006/relationships" xmlns:p="http://schemas.openxmlformats.org/presentationml/2006/main">
+  <p:cSld>
+    <p:spTree>
+      <p:nvGrpSpPr>
+        <p:cNvPr id="1" name=""/>
+        <p:cNvGrpSpPr/>
+        <p:nvPr/>
+      </p:nvGrpSpPr>
+      <p:grpSpPr>
+        <a:xfrm>
+          <a:off x="0" y="0"/>
+          <a:ext cx="0" cy="0"/>
+          <a:chOff x="0" y="0"/>
+          <a:chExt cx="0" cy="0"/>
+        </a:xfrm>
+      </p:grpSpPr>
+      <p:sp>
+        <p:nvSpPr>
+          <p:cNvPr id="2" name="Title 1"/>
+          <p:cNvSpPr>
+            <a:spLocks noGrp="1"/>
+          </p:cNvSpPr>
+          <p:nvPr>
+            <p:ph type="title"/>
+          </p:nvPr>
+        </p:nvSpPr>
+        <p:spPr/>
+        <p:txBody>
+          <a:bodyPr/>
+          <a:lstStyle/>
+          <a:p>
+            <a:r>
+              <a:rPr lang="en-US" dirty="0" smtClean="0"/>
+              <a:t>Highlight Points:: Highlight Text – Select Slide</a:t>
+            </a:r>
+            <a:endParaRPr lang="en-SG" dirty="0"/>
+          </a:p>
+        </p:txBody>
+      </p:sp>
+      <p:sp>
+        <p:nvSpPr>
+          <p:cNvPr id="4" name="Content Placeholder 2"/>
+          <p:cNvSpPr>
+            <a:spLocks noGrp="1"/>
+          </p:cNvSpPr>
+          <p:nvPr>
+            <p:ph idx="1"/>
+          </p:nvPr>
+        </p:nvSpPr>
+        <p:spPr>
+          <a:xfrm>
+            <a:off x="457200" y="3124200"/>
+            <a:ext cx="8229600" cy="3001963"/>
+          </a:xfrm>
+        </p:spPr>
+        <p:txBody>
+          <a:bodyPr/>
+          <a:lstStyle/>
+          <a:p>
+            <a:r>
+              <a:rPr lang="en-US" dirty="0" smtClean="0"/>
+              <a:t>Select the slide and click “Highlight Points”</a:t>
+            </a:r>
+            <a:endParaRPr lang="en-SG" dirty="0"/>
+          </a:p>
+        </p:txBody>
+      </p:sp>
+    </p:spTree>
+    <p:extLst>
+      <p:ext uri="{BB962C8B-B14F-4D97-AF65-F5344CB8AC3E}">
+        <p14:creationId xmlns:p14="http://schemas.microsoft.com/office/powerpoint/2010/main" val="1286891872"/>
+      </p:ext>
+    </p:extLst>
+  </p:cSld>
+  <p:clrMapOvr>
+    <a:masterClrMapping/>
+  </p:clrMapOvr>
+  <p:timing>
+    <p:tnLst>
+      <p:par>
+        <p:cTn id="1" dur="indefinite" restart="never" nodeType="tmRoot"/>
+      </p:par>
+    </p:tnLst>
+  </p:timing>
+</p:sld>
+</file>
+
+<file path=ppt/slides/slide30.xml><?xml version="1.0" encoding="utf-8"?>
+<p:sld xmlns:a="http://schemas.openxmlformats.org/drawingml/2006/main" xmlns:r="http://schemas.openxmlformats.org/officeDocument/2006/relationships" xmlns:p="http://schemas.openxmlformats.org/presentationml/2006/main">
+  <p:cSld>
+    <p:spTree>
+      <p:nvGrpSpPr>
+        <p:cNvPr id="1" name=""/>
+        <p:cNvGrpSpPr/>
+        <p:nvPr/>
+      </p:nvGrpSpPr>
+      <p:grpSpPr>
+        <a:xfrm>
+          <a:off x="0" y="0"/>
+          <a:ext cx="0" cy="0"/>
+          <a:chOff x="0" y="0"/>
+          <a:chExt cx="0" cy="0"/>
+        </a:xfrm>
+      </p:grpSpPr>
+      <p:sp>
+        <p:nvSpPr>
+          <p:cNvPr id="2" name="Title 1"/>
+          <p:cNvSpPr>
+            <a:spLocks noGrp="1"/>
+          </p:cNvSpPr>
+          <p:nvPr>
+            <p:ph type="title"/>
+          </p:nvPr>
+        </p:nvSpPr>
+        <p:spPr/>
+        <p:txBody>
+          <a:bodyPr>
+            <a:normAutofit/>
+          </a:bodyPr>
+          <a:lstStyle/>
+          <a:p>
+            <a:r>
+              <a:rPr lang="en-US" dirty="0"/>
+              <a:t>Remove Highlighting:: </a:t>
+            </a:r>
+            <a:r>
+              <a:rPr lang="en-US" dirty="0" smtClean="0"/>
+              <a:t>Highlight Text</a:t>
+            </a:r>
+            <a:endParaRPr lang="en-SG" dirty="0"/>
+          </a:p>
+        </p:txBody>
+      </p:sp>
+      <p:sp>
+        <p:nvSpPr>
+          <p:cNvPr id="4" name="Content Placeholder 2"/>
+          <p:cNvSpPr>
+            <a:spLocks noGrp="1"/>
+          </p:cNvSpPr>
+          <p:nvPr>
+            <p:ph idx="1"/>
+          </p:nvPr>
+        </p:nvSpPr>
+        <p:spPr>
+          <a:xfrm>
+            <a:off x="457200" y="3124200"/>
+            <a:ext cx="8229600" cy="3001963"/>
+          </a:xfrm>
+        </p:spPr>
+        <p:txBody>
+          <a:bodyPr/>
+          <a:lstStyle/>
+          <a:p>
+            <a:r>
+              <a:rPr lang="en-US" dirty="0" smtClean="0"/>
+              <a:t>Click “Remove Highlighting”</a:t>
+            </a:r>
+            <a:endParaRPr lang="en-SG" dirty="0"/>
+          </a:p>
+        </p:txBody>
+      </p:sp>
+    </p:spTree>
+    <p:extLst>
+      <p:ext uri="{BB962C8B-B14F-4D97-AF65-F5344CB8AC3E}">
+        <p14:creationId xmlns:p14="http://schemas.microsoft.com/office/powerpoint/2010/main" val="2109830146"/>
+      </p:ext>
+    </p:extLst>
+  </p:cSld>
+  <p:clrMapOvr>
+    <a:masterClrMapping/>
+  </p:clrMapOvr>
+  <p:timing>
+    <p:tnLst>
+      <p:par>
+        <p:cTn id="1" dur="indefinite" restart="never" nodeType="tmRoot"/>
+      </p:par>
+    </p:tnLst>
+  </p:timing>
+</p:sld>
+</file>
+
+<file path=ppt/slides/slide31.xml><?xml version="1.0" encoding="utf-8"?>
+<p:sld xmlns:a="http://schemas.openxmlformats.org/drawingml/2006/main" xmlns:r="http://schemas.openxmlformats.org/officeDocument/2006/relationships" xmlns:p="http://schemas.openxmlformats.org/presentationml/2006/main">
+  <p:cSld>
+    <p:spTree>
+      <p:nvGrpSpPr>
+        <p:cNvPr id="1" name=""/>
+        <p:cNvGrpSpPr/>
+        <p:nvPr/>
+      </p:nvGrpSpPr>
+      <p:grpSpPr>
+        <a:xfrm>
+          <a:off x="0" y="0"/>
+          <a:ext cx="0" cy="0"/>
+          <a:chOff x="0" y="0"/>
+          <a:chExt cx="0" cy="0"/>
+        </a:xfrm>
+      </p:grpSpPr>
+      <p:sp>
+        <p:nvSpPr>
+          <p:cNvPr id="3" name="Rectangle 4"/>
+          <p:cNvSpPr/>
+          <p:nvPr/>
+        </p:nvSpPr>
+        <p:spPr>
+          <a:xfrm>
+            <a:off x="0" y="2286000"/>
+            <a:ext cx="9144000" cy="2209800"/>
+          </a:xfrm>
+          <a:prstGeom prst="rect">
+            <a:avLst/>
+          </a:prstGeom>
+          <a:solidFill>
+            <a:srgbClr val="002060"/>
+          </a:solidFill>
+        </p:spPr>
+        <p:style>
+          <a:lnRef idx="2">
+            <a:schemeClr val="accent1">
+              <a:shade val="50000"/>
+            </a:schemeClr>
+          </a:lnRef>
+          <a:fillRef idx="1">
+            <a:schemeClr val="accent1"/>
+          </a:fillRef>
+          <a:effectRef idx="0">
+            <a:schemeClr val="accent1"/>
+          </a:effectRef>
+          <a:fontRef idx="minor">
+            <a:schemeClr val="lt1"/>
+          </a:fontRef>
+        </p:style>
+        <p:txBody>
+          <a:bodyPr rtlCol="0" anchor="ctr"/>
+          <a:lstStyle/>
+          <a:p>
+            <a:pPr algn="ctr"/>
+            <a:endParaRPr lang="en-US"/>
+          </a:p>
+        </p:txBody>
+      </p:sp>
+      <p:sp>
+        <p:nvSpPr>
+          <p:cNvPr id="4" name="PPTLabsHighlightTextFragmentsShapef560e986-5733-437e-889b-5a50370d495c"/>
+          <p:cNvSpPr/>
+          <p:nvPr>
+            <p:custDataLst>
+              <p:tags r:id="rId1"/>
+            </p:custDataLst>
+          </p:nvPr>
+        </p:nvSpPr>
+        <p:spPr>
+          <a:xfrm>
+            <a:off x="1139190" y="579120"/>
+            <a:ext cx="5993765" cy="426720"/>
+          </a:xfrm>
+          <a:prstGeom prst="roundRect">
+            <a:avLst>
+              <a:gd name="adj" fmla="val 25000"/>
+            </a:avLst>
+          </a:prstGeom>
+          <a:solidFill>
+            <a:srgbClr val="FFFF00">
+              <a:alpha val="50000"/>
+            </a:srgbClr>
+          </a:solidFill>
+          <a:ln w="25400" cap="flat" cmpd="sng" algn="ctr">
+            <a:noFill/>
+            <a:prstDash val="solid"/>
+          </a:ln>
+          <a:effectLst/>
+          <a:extLst>
+            <a:ext uri="{91240B29-F687-4F45-9708-019B960494DF}">
+              <a14:hiddenLine xmlns:a14="http://schemas.microsoft.com/office/drawing/2010/main" w="25400" cap="flat" cmpd="sng" algn="ctr">
+                <a:solidFill>
+                  <a:schemeClr val="accent1">
+                    <a:shade val="50000"/>
+                  </a:schemeClr>
+                </a:solidFill>
+                <a:prstDash val="solid"/>
+              </a14:hiddenLine>
+            </a:ext>
+          </a:extLst>
+        </p:spPr>
+        <p:style>
+          <a:lnRef idx="2">
+            <a:schemeClr val="accent1">
+              <a:shade val="50000"/>
+            </a:schemeClr>
+          </a:lnRef>
+          <a:fillRef idx="1">
+            <a:schemeClr val="accent1"/>
+          </a:fillRef>
+          <a:effectRef idx="0">
+            <a:schemeClr val="accent1"/>
+          </a:effectRef>
+          <a:fontRef idx="minor">
+            <a:schemeClr val="lt1"/>
+          </a:fontRef>
+        </p:style>
+        <p:txBody>
+          <a:bodyPr rtlCol="0" anchor="ctr"/>
+          <a:lstStyle/>
+          <a:p>
+            <a:pPr algn="ctr"/>
+            <a:endParaRPr lang="en-SG"/>
+          </a:p>
+        </p:txBody>
+      </p:sp>
+      <p:sp>
+        <p:nvSpPr>
+          <p:cNvPr id="5" name="PPTLabsHighlightTextFragmentsShape5dafe8db-bb16-4787-93f5-d40d86237947"/>
+          <p:cNvSpPr/>
+          <p:nvPr>
+            <p:custDataLst>
+              <p:tags r:id="rId2"/>
+            </p:custDataLst>
+          </p:nvPr>
+        </p:nvSpPr>
+        <p:spPr>
+          <a:xfrm>
+            <a:off x="853440" y="1005840"/>
+            <a:ext cx="3080258" cy="426720"/>
+          </a:xfrm>
+          <a:prstGeom prst="roundRect">
+            <a:avLst>
+              <a:gd name="adj" fmla="val 25000"/>
+            </a:avLst>
+          </a:prstGeom>
+          <a:solidFill>
+            <a:srgbClr val="FFFF00">
+              <a:alpha val="50000"/>
+            </a:srgbClr>
+          </a:solidFill>
+          <a:ln w="25400" cap="flat" cmpd="sng" algn="ctr">
+            <a:noFill/>
+            <a:prstDash val="solid"/>
+          </a:ln>
+          <a:effectLst/>
+          <a:extLst>
+            <a:ext uri="{91240B29-F687-4F45-9708-019B960494DF}">
+              <a14:hiddenLine xmlns:a14="http://schemas.microsoft.com/office/drawing/2010/main" w="25400" cap="flat" cmpd="sng" algn="ctr">
+                <a:solidFill>
+                  <a:schemeClr val="accent1">
+                    <a:shade val="50000"/>
+                  </a:schemeClr>
+                </a:solidFill>
+                <a:prstDash val="solid"/>
+              </a14:hiddenLine>
+            </a:ext>
+          </a:extLst>
+        </p:spPr>
+        <p:style>
+          <a:lnRef idx="2">
+            <a:schemeClr val="accent1">
+              <a:shade val="50000"/>
+            </a:schemeClr>
+          </a:lnRef>
+          <a:fillRef idx="1">
+            <a:schemeClr val="accent1"/>
+          </a:fillRef>
+          <a:effectRef idx="0">
+            <a:schemeClr val="accent1"/>
+          </a:effectRef>
+          <a:fontRef idx="minor">
+            <a:schemeClr val="lt1"/>
+          </a:fontRef>
+        </p:style>
+        <p:txBody>
+          <a:bodyPr rtlCol="0" anchor="ctr"/>
+          <a:lstStyle/>
+          <a:p>
+            <a:pPr algn="ctr"/>
+            <a:endParaRPr lang="en-SG"/>
+          </a:p>
+        </p:txBody>
+      </p:sp>
+      <p:sp>
+        <p:nvSpPr>
+          <p:cNvPr id="6" name="PPTLabsHighlightTextFragmentsShapeffca0822-50bb-437f-982a-deb2b4f8c205"/>
+          <p:cNvSpPr/>
+          <p:nvPr>
+            <p:custDataLst>
+              <p:tags r:id="rId3"/>
+            </p:custDataLst>
+          </p:nvPr>
+        </p:nvSpPr>
+        <p:spPr>
+          <a:xfrm>
+            <a:off x="1367790" y="1432560"/>
+            <a:ext cx="3941001" cy="426720"/>
+          </a:xfrm>
+          <a:prstGeom prst="roundRect">
+            <a:avLst>
+              <a:gd name="adj" fmla="val 25000"/>
+            </a:avLst>
+          </a:prstGeom>
+          <a:solidFill>
+            <a:srgbClr val="FFFF00">
+              <a:alpha val="50000"/>
+            </a:srgbClr>
+          </a:solidFill>
+          <a:ln w="25400" cap="flat" cmpd="sng" algn="ctr">
+            <a:noFill/>
+            <a:prstDash val="solid"/>
+          </a:ln>
+          <a:effectLst/>
+          <a:extLst>
+            <a:ext uri="{91240B29-F687-4F45-9708-019B960494DF}">
+              <a14:hiddenLine xmlns:a14="http://schemas.microsoft.com/office/drawing/2010/main" w="25400" cap="flat" cmpd="sng" algn="ctr">
+                <a:solidFill>
+                  <a:schemeClr val="accent1">
+                    <a:shade val="50000"/>
+                  </a:schemeClr>
+                </a:solidFill>
+                <a:prstDash val="solid"/>
+              </a14:hiddenLine>
+            </a:ext>
+          </a:extLst>
+        </p:spPr>
+        <p:style>
+          <a:lnRef idx="2">
+            <a:schemeClr val="accent1">
+              <a:shade val="50000"/>
+            </a:schemeClr>
+          </a:lnRef>
+          <a:fillRef idx="1">
+            <a:schemeClr val="accent1"/>
+          </a:fillRef>
+          <a:effectRef idx="0">
+            <a:schemeClr val="accent1"/>
+          </a:effectRef>
+          <a:fontRef idx="minor">
+            <a:schemeClr val="lt1"/>
+          </a:fontRef>
+        </p:style>
+        <p:txBody>
+          <a:bodyPr rtlCol="0" anchor="ctr"/>
+          <a:lstStyle/>
+          <a:p>
+            <a:pPr algn="ctr"/>
+            <a:endParaRPr lang="en-SG"/>
+          </a:p>
+        </p:txBody>
+      </p:sp>
+      <p:grpSp>
+        <p:nvGrpSpPr>
+          <p:cNvPr id="9" name="PPTLabsHighlightTextFragmentsShape79557f89-d310-491d-a68a-c7f81ef2f210"/>
+          <p:cNvGrpSpPr/>
+          <p:nvPr/>
+        </p:nvGrpSpPr>
+        <p:grpSpPr>
+          <a:xfrm>
+            <a:off x="1139190" y="1859280"/>
+            <a:ext cx="6596888" cy="853440"/>
+            <a:chOff x="1139190" y="1859280"/>
+            <a:chExt cx="6596888" cy="853440"/>
+          </a:xfrm>
+        </p:grpSpPr>
+        <p:sp>
+          <p:nvSpPr>
+            <p:cNvPr id="7" name="PPTLabsHighlightTextFragmentsShape082f0072-7ed0-4862-a311-6b03e9817ba5"/>
+            <p:cNvSpPr/>
+            <p:nvPr>
+              <p:custDataLst>
+                <p:tags r:id="rId11"/>
+              </p:custDataLst>
+            </p:nvPr>
+          </p:nvSpPr>
+          <p:spPr>
+            <a:xfrm>
+              <a:off x="1139190" y="1859280"/>
+              <a:ext cx="6596888" cy="426720"/>
+            </a:xfrm>
+            <a:prstGeom prst="roundRect">
+              <a:avLst>
+                <a:gd name="adj" fmla="val 25000"/>
+              </a:avLst>
+            </a:prstGeom>
+            <a:solidFill>
+              <a:srgbClr val="FFFF00">
+                <a:alpha val="50000"/>
+              </a:srgbClr>
+            </a:solidFill>
+            <a:ln w="25400" cap="flat" cmpd="sng" algn="ctr">
+              <a:noFill/>
+              <a:prstDash val="solid"/>
+            </a:ln>
+            <a:effectLst/>
+            <a:extLst>
+              <a:ext uri="{91240B29-F687-4F45-9708-019B960494DF}">
+                <a14:hiddenLine xmlns:a14="http://schemas.microsoft.com/office/drawing/2010/main" w="25400" cap="flat" cmpd="sng" algn="ctr">
+                  <a:solidFill>
+                    <a:schemeClr val="accent1">
+                      <a:shade val="50000"/>
+                    </a:schemeClr>
+                  </a:solidFill>
+                  <a:prstDash val="solid"/>
+                </a14:hiddenLine>
+              </a:ext>
+            </a:extLst>
+          </p:spPr>
+          <p:style>
+            <a:lnRef idx="2">
+              <a:schemeClr val="accent1">
+                <a:shade val="50000"/>
+              </a:schemeClr>
+            </a:lnRef>
+            <a:fillRef idx="1">
+              <a:schemeClr val="accent1"/>
+            </a:fillRef>
+            <a:effectRef idx="0">
+              <a:schemeClr val="accent1"/>
+            </a:effectRef>
+            <a:fontRef idx="minor">
+              <a:schemeClr val="lt1"/>
+            </a:fontRef>
+          </p:style>
+          <p:txBody>
+            <a:bodyPr rtlCol="0" anchor="ctr"/>
+            <a:lstStyle/>
+            <a:p>
+              <a:pPr algn="ctr"/>
+              <a:endParaRPr lang="en-SG"/>
+            </a:p>
+          </p:txBody>
+        </p:sp>
+        <p:sp>
+          <p:nvSpPr>
+            <p:cNvPr id="8" name="PPTLabsHighlightTextFragmentsShaped9458b93-2132-4807-95c4-7952effabe04"/>
+            <p:cNvSpPr/>
+            <p:nvPr>
+              <p:custDataLst>
+                <p:tags r:id="rId12"/>
+              </p:custDataLst>
+            </p:nvPr>
+          </p:nvSpPr>
+          <p:spPr>
+            <a:xfrm>
+              <a:off x="1139190" y="2286000"/>
+              <a:ext cx="1025589" cy="426720"/>
+            </a:xfrm>
+            <a:prstGeom prst="roundRect">
+              <a:avLst>
+                <a:gd name="adj" fmla="val 25000"/>
+              </a:avLst>
+            </a:prstGeom>
+            <a:solidFill>
+              <a:srgbClr val="FFFF00">
+                <a:alpha val="50000"/>
+              </a:srgbClr>
+            </a:solidFill>
+            <a:ln w="25400" cap="flat" cmpd="sng" algn="ctr">
+              <a:noFill/>
+              <a:prstDash val="solid"/>
+            </a:ln>
+            <a:effectLst/>
+            <a:extLst>
+              <a:ext uri="{91240B29-F687-4F45-9708-019B960494DF}">
+                <a14:hiddenLine xmlns:a14="http://schemas.microsoft.com/office/drawing/2010/main" w="25400" cap="flat" cmpd="sng" algn="ctr">
+                  <a:solidFill>
+                    <a:schemeClr val="accent1">
+                      <a:shade val="50000"/>
+                    </a:schemeClr>
+                  </a:solidFill>
+                  <a:prstDash val="solid"/>
+                </a14:hiddenLine>
+              </a:ext>
+            </a:extLst>
+          </p:spPr>
+          <p:style>
+            <a:lnRef idx="2">
+              <a:schemeClr val="accent1">
+                <a:shade val="50000"/>
+              </a:schemeClr>
+            </a:lnRef>
+            <a:fillRef idx="1">
+              <a:schemeClr val="accent1"/>
+            </a:fillRef>
+            <a:effectRef idx="0">
+              <a:schemeClr val="accent1"/>
+            </a:effectRef>
+            <a:fontRef idx="minor">
+              <a:schemeClr val="lt1"/>
+            </a:fontRef>
+          </p:style>
+          <p:txBody>
+            <a:bodyPr rtlCol="0" anchor="ctr"/>
+            <a:lstStyle/>
+            <a:p>
+              <a:pPr algn="ctr"/>
+              <a:endParaRPr lang="en-SG"/>
+            </a:p>
+          </p:txBody>
+        </p:sp>
+      </p:grpSp>
+      <p:sp>
+        <p:nvSpPr>
+          <p:cNvPr id="10" name="PPTLabsHighlightTextFragmentsShapea8e1a1fe-6afa-4cc1-bd33-8aab284f6778"/>
+          <p:cNvSpPr/>
+          <p:nvPr>
+            <p:custDataLst>
+              <p:tags r:id="rId4"/>
+            </p:custDataLst>
+          </p:nvPr>
+        </p:nvSpPr>
+        <p:spPr>
+          <a:xfrm>
+            <a:off x="1139190" y="2712720"/>
+            <a:ext cx="5135626" cy="152400"/>
+          </a:xfrm>
+          <a:prstGeom prst="roundRect">
+            <a:avLst>
+              <a:gd name="adj" fmla="val 25000"/>
+            </a:avLst>
+          </a:prstGeom>
+          <a:solidFill>
+            <a:srgbClr val="FFFF00">
+              <a:alpha val="50000"/>
+            </a:srgbClr>
+          </a:solidFill>
+          <a:ln w="25400" cap="flat" cmpd="sng" algn="ctr">
+            <a:noFill/>
+            <a:prstDash val="solid"/>
+          </a:ln>
+          <a:effectLst/>
+          <a:extLst>
+            <a:ext uri="{91240B29-F687-4F45-9708-019B960494DF}">
+              <a14:hiddenLine xmlns:a14="http://schemas.microsoft.com/office/drawing/2010/main" w="25400" cap="flat" cmpd="sng" algn="ctr">
+                <a:solidFill>
+                  <a:schemeClr val="accent1">
+                    <a:shade val="50000"/>
+                  </a:schemeClr>
+                </a:solidFill>
+                <a:prstDash val="solid"/>
+              </a14:hiddenLine>
+            </a:ext>
+          </a:extLst>
+        </p:spPr>
+        <p:style>
+          <a:lnRef idx="2">
+            <a:schemeClr val="accent1">
+              <a:shade val="50000"/>
+            </a:schemeClr>
+          </a:lnRef>
+          <a:fillRef idx="1">
+            <a:schemeClr val="accent1"/>
+          </a:fillRef>
+          <a:effectRef idx="0">
+            <a:schemeClr val="accent1"/>
+          </a:effectRef>
+          <a:fontRef idx="minor">
+            <a:schemeClr val="lt1"/>
+          </a:fontRef>
+        </p:style>
+        <p:txBody>
+          <a:bodyPr rtlCol="0" anchor="ctr"/>
+          <a:lstStyle/>
+          <a:p>
+            <a:pPr algn="ctr"/>
+            <a:endParaRPr lang="en-SG"/>
+          </a:p>
+        </p:txBody>
+      </p:sp>
+      <p:sp>
+        <p:nvSpPr>
+          <p:cNvPr id="11" name="PPTLabsHighlightTextFragmentsShapedfbef032-dc4f-4081-8a5a-2a30bf72c5ed"/>
+          <p:cNvSpPr/>
+          <p:nvPr>
+            <p:custDataLst>
+              <p:tags r:id="rId5"/>
+            </p:custDataLst>
+          </p:nvPr>
+        </p:nvSpPr>
+        <p:spPr>
+          <a:xfrm>
+            <a:off x="1147128" y="2865120"/>
+            <a:ext cx="6494970" cy="1005840"/>
+          </a:xfrm>
+          <a:prstGeom prst="roundRect">
+            <a:avLst>
+              <a:gd name="adj" fmla="val 25000"/>
+            </a:avLst>
+          </a:prstGeom>
+          <a:solidFill>
+            <a:srgbClr val="FFFF00">
+              <a:alpha val="50000"/>
+            </a:srgbClr>
+          </a:solidFill>
+          <a:ln w="25400" cap="flat" cmpd="sng" algn="ctr">
+            <a:noFill/>
+            <a:prstDash val="solid"/>
+          </a:ln>
+          <a:effectLst/>
+          <a:extLst>
+            <a:ext uri="{91240B29-F687-4F45-9708-019B960494DF}">
+              <a14:hiddenLine xmlns:a14="http://schemas.microsoft.com/office/drawing/2010/main" w="25400" cap="flat" cmpd="sng" algn="ctr">
+                <a:solidFill>
+                  <a:schemeClr val="accent1">
+                    <a:shade val="50000"/>
+                  </a:schemeClr>
+                </a:solidFill>
+                <a:prstDash val="solid"/>
+              </a14:hiddenLine>
+            </a:ext>
+          </a:extLst>
+        </p:spPr>
+        <p:style>
+          <a:lnRef idx="2">
+            <a:schemeClr val="accent1">
+              <a:shade val="50000"/>
+            </a:schemeClr>
+          </a:lnRef>
+          <a:fillRef idx="1">
+            <a:schemeClr val="accent1"/>
+          </a:fillRef>
+          <a:effectRef idx="0">
+            <a:schemeClr val="accent1"/>
+          </a:effectRef>
+          <a:fontRef idx="minor">
+            <a:schemeClr val="lt1"/>
+          </a:fontRef>
+        </p:style>
+        <p:txBody>
+          <a:bodyPr rtlCol="0" anchor="ctr"/>
+          <a:lstStyle/>
+          <a:p>
+            <a:pPr algn="ctr"/>
+            <a:endParaRPr lang="en-SG"/>
+          </a:p>
+        </p:txBody>
+      </p:sp>
+      <p:grpSp>
+        <p:nvGrpSpPr>
+          <p:cNvPr id="16" name="PPTLabsHighlightTextFragmentsShape6259e336-553d-493c-9c5a-d7f4b1889d4c"/>
+          <p:cNvGrpSpPr/>
+          <p:nvPr/>
+        </p:nvGrpSpPr>
+        <p:grpSpPr>
+          <a:xfrm>
+            <a:off x="1139190" y="3870960"/>
+            <a:ext cx="6974523" cy="2194560"/>
+            <a:chOff x="1139190" y="3870960"/>
+            <a:chExt cx="6974523" cy="2194560"/>
+          </a:xfrm>
+        </p:grpSpPr>
+        <p:sp>
+          <p:nvSpPr>
+            <p:cNvPr id="12" name="PPTLabsHighlightTextFragmentsShape612a547e-b2ed-4186-842e-5e65f105cedf"/>
+            <p:cNvSpPr/>
+            <p:nvPr>
+              <p:custDataLst>
+                <p:tags r:id="rId7"/>
+              </p:custDataLst>
+            </p:nvPr>
+          </p:nvSpPr>
+          <p:spPr>
+            <a:xfrm>
+              <a:off x="1139190" y="3870960"/>
+              <a:ext cx="6974523" cy="548640"/>
+            </a:xfrm>
+            <a:prstGeom prst="roundRect">
+              <a:avLst>
+                <a:gd name="adj" fmla="val 25000"/>
+              </a:avLst>
+            </a:prstGeom>
+            <a:solidFill>
+              <a:srgbClr val="FFFF00">
+                <a:alpha val="50000"/>
+              </a:srgbClr>
+            </a:solidFill>
+            <a:ln w="25400" cap="flat" cmpd="sng" algn="ctr">
+              <a:noFill/>
+              <a:prstDash val="solid"/>
+            </a:ln>
+            <a:effectLst/>
+            <a:extLst>
+              <a:ext uri="{91240B29-F687-4F45-9708-019B960494DF}">
+                <a14:hiddenLine xmlns:a14="http://schemas.microsoft.com/office/drawing/2010/main" w="25400" cap="flat" cmpd="sng" algn="ctr">
+                  <a:solidFill>
+                    <a:schemeClr val="accent1">
+                      <a:shade val="50000"/>
+                    </a:schemeClr>
+                  </a:solidFill>
+                  <a:prstDash val="solid"/>
+                </a14:hiddenLine>
+              </a:ext>
+            </a:extLst>
+          </p:spPr>
+          <p:style>
+            <a:lnRef idx="2">
+              <a:schemeClr val="accent1">
+                <a:shade val="50000"/>
+              </a:schemeClr>
+            </a:lnRef>
+            <a:fillRef idx="1">
+              <a:schemeClr val="accent1"/>
+            </a:fillRef>
+            <a:effectRef idx="0">
+              <a:schemeClr val="accent1"/>
+            </a:effectRef>
+            <a:fontRef idx="minor">
+              <a:schemeClr val="lt1"/>
+            </a:fontRef>
+          </p:style>
+          <p:txBody>
+            <a:bodyPr rtlCol="0" anchor="ctr"/>
+            <a:lstStyle/>
+            <a:p>
+              <a:pPr algn="ctr"/>
+              <a:endParaRPr lang="en-SG"/>
+            </a:p>
+          </p:txBody>
+        </p:sp>
+        <p:sp>
+          <p:nvSpPr>
+            <p:cNvPr id="13" name="PPTLabsHighlightTextFragmentsShapefb9dff23-56a0-4df4-bc80-a2ae39f63636"/>
+            <p:cNvSpPr/>
+            <p:nvPr>
+              <p:custDataLst>
+                <p:tags r:id="rId8"/>
+              </p:custDataLst>
+            </p:nvPr>
+          </p:nvSpPr>
+          <p:spPr>
+            <a:xfrm>
+              <a:off x="1139190" y="4419600"/>
+              <a:ext cx="6578600" cy="548640"/>
+            </a:xfrm>
+            <a:prstGeom prst="roundRect">
+              <a:avLst>
+                <a:gd name="adj" fmla="val 25000"/>
+              </a:avLst>
+            </a:prstGeom>
+            <a:solidFill>
+              <a:srgbClr val="FFFF00">
+                <a:alpha val="50000"/>
+              </a:srgbClr>
+            </a:solidFill>
+            <a:ln w="25400" cap="flat" cmpd="sng" algn="ctr">
+              <a:noFill/>
+              <a:prstDash val="solid"/>
+            </a:ln>
+            <a:effectLst/>
+            <a:extLst>
+              <a:ext uri="{91240B29-F687-4F45-9708-019B960494DF}">
+                <a14:hiddenLine xmlns:a14="http://schemas.microsoft.com/office/drawing/2010/main" w="25400" cap="flat" cmpd="sng" algn="ctr">
+                  <a:solidFill>
+                    <a:schemeClr val="accent1">
+                      <a:shade val="50000"/>
+                    </a:schemeClr>
+                  </a:solidFill>
+                  <a:prstDash val="solid"/>
+                </a14:hiddenLine>
+              </a:ext>
+            </a:extLst>
+          </p:spPr>
+          <p:style>
+            <a:lnRef idx="2">
+              <a:schemeClr val="accent1">
+                <a:shade val="50000"/>
+              </a:schemeClr>
+            </a:lnRef>
+            <a:fillRef idx="1">
+              <a:schemeClr val="accent1"/>
+            </a:fillRef>
+            <a:effectRef idx="0">
+              <a:schemeClr val="accent1"/>
+            </a:effectRef>
+            <a:fontRef idx="minor">
+              <a:schemeClr val="lt1"/>
+            </a:fontRef>
+          </p:style>
+          <p:txBody>
+            <a:bodyPr rtlCol="0" anchor="ctr"/>
+            <a:lstStyle/>
+            <a:p>
+              <a:pPr algn="ctr"/>
+              <a:endParaRPr lang="en-SG"/>
+            </a:p>
+          </p:txBody>
+        </p:sp>
+        <p:sp>
+          <p:nvSpPr>
+            <p:cNvPr id="14" name="PPTLabsHighlightTextFragmentsShaped4609327-c4de-425d-9d68-02d35c05bf3d"/>
+            <p:cNvSpPr/>
+            <p:nvPr>
+              <p:custDataLst>
+                <p:tags r:id="rId9"/>
+              </p:custDataLst>
+            </p:nvPr>
+          </p:nvSpPr>
+          <p:spPr>
+            <a:xfrm>
+              <a:off x="1139190" y="4968240"/>
+              <a:ext cx="6578600" cy="548640"/>
+            </a:xfrm>
+            <a:prstGeom prst="roundRect">
+              <a:avLst>
+                <a:gd name="adj" fmla="val 25000"/>
+              </a:avLst>
+            </a:prstGeom>
+            <a:solidFill>
+              <a:srgbClr val="FFFF00">
+                <a:alpha val="50000"/>
+              </a:srgbClr>
+            </a:solidFill>
+            <a:ln w="25400" cap="flat" cmpd="sng" algn="ctr">
+              <a:noFill/>
+              <a:prstDash val="solid"/>
+            </a:ln>
+            <a:effectLst/>
+            <a:extLst>
+              <a:ext uri="{91240B29-F687-4F45-9708-019B960494DF}">
+                <a14:hiddenLine xmlns:a14="http://schemas.microsoft.com/office/drawing/2010/main" w="25400" cap="flat" cmpd="sng" algn="ctr">
+                  <a:solidFill>
+                    <a:schemeClr val="accent1">
+                      <a:shade val="50000"/>
+                    </a:schemeClr>
+                  </a:solidFill>
+                  <a:prstDash val="solid"/>
+                </a14:hiddenLine>
+              </a:ext>
+            </a:extLst>
+          </p:spPr>
+          <p:style>
+            <a:lnRef idx="2">
+              <a:schemeClr val="accent1">
+                <a:shade val="50000"/>
+              </a:schemeClr>
+            </a:lnRef>
+            <a:fillRef idx="1">
+              <a:schemeClr val="accent1"/>
+            </a:fillRef>
+            <a:effectRef idx="0">
+              <a:schemeClr val="accent1"/>
+            </a:effectRef>
+            <a:fontRef idx="minor">
+              <a:schemeClr val="lt1"/>
+            </a:fontRef>
+          </p:style>
+          <p:txBody>
+            <a:bodyPr rtlCol="0" anchor="ctr"/>
+            <a:lstStyle/>
+            <a:p>
+              <a:pPr algn="ctr"/>
+              <a:endParaRPr lang="en-SG"/>
+            </a:p>
+          </p:txBody>
+        </p:sp>
+        <p:sp>
+          <p:nvSpPr>
+            <p:cNvPr id="15" name="PPTLabsHighlightTextFragmentsShapeca68f108-b76c-4f17-bb50-14898e6f6c37"/>
+            <p:cNvSpPr/>
+            <p:nvPr>
+              <p:custDataLst>
+                <p:tags r:id="rId10"/>
+              </p:custDataLst>
+            </p:nvPr>
+          </p:nvSpPr>
+          <p:spPr>
+            <a:xfrm>
+              <a:off x="1139190" y="5516880"/>
+              <a:ext cx="1541526" cy="548640"/>
+            </a:xfrm>
+            <a:prstGeom prst="roundRect">
+              <a:avLst>
+                <a:gd name="adj" fmla="val 25000"/>
+              </a:avLst>
+            </a:prstGeom>
+            <a:solidFill>
+              <a:srgbClr val="FFFF00">
+                <a:alpha val="50000"/>
+              </a:srgbClr>
+            </a:solidFill>
+            <a:ln w="25400" cap="flat" cmpd="sng" algn="ctr">
+              <a:noFill/>
+              <a:prstDash val="solid"/>
+            </a:ln>
+            <a:effectLst/>
+            <a:extLst>
+              <a:ext uri="{91240B29-F687-4F45-9708-019B960494DF}">
+                <a14:hiddenLine xmlns:a14="http://schemas.microsoft.com/office/drawing/2010/main" w="25400" cap="flat" cmpd="sng" algn="ctr">
+                  <a:solidFill>
+                    <a:schemeClr val="accent1">
+                      <a:shade val="50000"/>
+                    </a:schemeClr>
+                  </a:solidFill>
+                  <a:prstDash val="solid"/>
+                </a14:hiddenLine>
+              </a:ext>
+            </a:extLst>
+          </p:spPr>
+          <p:style>
+            <a:lnRef idx="2">
+              <a:schemeClr val="accent1">
+                <a:shade val="50000"/>
+              </a:schemeClr>
+            </a:lnRef>
+            <a:fillRef idx="1">
+              <a:schemeClr val="accent1"/>
+            </a:fillRef>
+            <a:effectRef idx="0">
+              <a:schemeClr val="accent1"/>
+            </a:effectRef>
+            <a:fontRef idx="minor">
+              <a:schemeClr val="lt1"/>
+            </a:fontRef>
+          </p:style>
+          <p:txBody>
+            <a:bodyPr rtlCol="0" anchor="ctr"/>
+            <a:lstStyle/>
+            <a:p>
+              <a:pPr algn="ctr"/>
+              <a:endParaRPr lang="en-SG"/>
+            </a:p>
+          </p:txBody>
+        </p:sp>
+      </p:grpSp>
+      <p:sp>
+        <p:nvSpPr>
+          <p:cNvPr id="17" name="PPTLabsHighlightTextFragmentsShaped3190702-95da-4afd-8acf-a33bcd3b3049"/>
+          <p:cNvSpPr/>
+          <p:nvPr>
+            <p:custDataLst>
+              <p:tags r:id="rId6"/>
+            </p:custDataLst>
+          </p:nvPr>
+        </p:nvSpPr>
+        <p:spPr>
+          <a:xfrm>
+            <a:off x="1139190" y="6065520"/>
+            <a:ext cx="6587554" cy="274320"/>
+          </a:xfrm>
+          <a:prstGeom prst="roundRect">
+            <a:avLst>
+              <a:gd name="adj" fmla="val 25000"/>
+            </a:avLst>
+          </a:prstGeom>
+          <a:solidFill>
+            <a:srgbClr val="FFFF00">
+              <a:alpha val="50000"/>
+            </a:srgbClr>
+          </a:solidFill>
+          <a:ln w="25400" cap="flat" cmpd="sng" algn="ctr">
+            <a:noFill/>
+            <a:prstDash val="solid"/>
+          </a:ln>
+          <a:effectLst/>
+          <a:extLst>
+            <a:ext uri="{91240B29-F687-4F45-9708-019B960494DF}">
+              <a14:hiddenLine xmlns:a14="http://schemas.microsoft.com/office/drawing/2010/main" w="25400" cap="flat" cmpd="sng" algn="ctr">
+                <a:solidFill>
+                  <a:schemeClr val="accent1">
+                    <a:shade val="50000"/>
+                  </a:schemeClr>
+                </a:solidFill>
+                <a:prstDash val="solid"/>
+              </a14:hiddenLine>
+            </a:ext>
+          </a:extLst>
+        </p:spPr>
+        <p:style>
+          <a:lnRef idx="2">
+            <a:schemeClr val="accent1">
+              <a:shade val="50000"/>
+            </a:schemeClr>
+          </a:lnRef>
+          <a:fillRef idx="1">
+            <a:schemeClr val="accent1"/>
+          </a:fillRef>
+          <a:effectRef idx="0">
+            <a:schemeClr val="accent1"/>
+          </a:effectRef>
+          <a:fontRef idx="minor">
+            <a:schemeClr val="lt1"/>
+          </a:fontRef>
+        </p:style>
+        <p:txBody>
+          <a:bodyPr rtlCol="0" anchor="ctr"/>
+          <a:lstStyle/>
+          <a:p>
+            <a:pPr algn="ctr"/>
+            <a:endParaRPr lang="en-SG"/>
+          </a:p>
+        </p:txBody>
+      </p:sp>
+      <p:sp>
+        <p:nvSpPr>
+          <p:cNvPr id="2" name="HighlightBackgroundShape73075057-96f2-467a-9739-220ecca5ae94"/>
+          <p:cNvSpPr txBox="1"/>
+          <p:nvPr/>
+        </p:nvSpPr>
+        <p:spPr>
+          <a:xfrm>
+            <a:off x="762000" y="533400"/>
+            <a:ext cx="7620000" cy="5909310"/>
+          </a:xfrm>
+          <a:prstGeom prst="rect">
+            <a:avLst/>
+          </a:prstGeom>
+          <a:noFill/>
+        </p:spPr>
+        <p:txBody>
+          <a:bodyPr wrap="square" rtlCol="0">
+            <a:spAutoFit/>
+          </a:bodyPr>
+          <a:lstStyle/>
+          <a:p>
+            <a:pPr marL="285750" indent="-285750">
+              <a:buFont typeface="Arial" panose="020B0604020202020204" pitchFamily="34" charset="0"/>
+              <a:buChar char="•"/>
+            </a:pPr>
+            <a:r>
+              <a:rPr lang="en-US" sz="2800" dirty="0" smtClean="0"/>
+              <a:t>Test - Non-ABC: 1234567890!@#$%^&amp;*()</a:t>
+            </a:r>
+          </a:p>
+          <a:p>
+            <a:r>
+              <a:rPr lang="en-US" sz="2800" dirty="0"/>
+              <a:t>Test </a:t>
+            </a:r>
+            <a:r>
+              <a:rPr lang="en-US" sz="2800" dirty="0" smtClean="0"/>
+              <a:t>– No bullet point</a:t>
+            </a:r>
+            <a:endParaRPr lang="en-US" sz="2800" dirty="0"/>
+          </a:p>
+          <a:p>
+            <a:pPr marL="514350" indent="-514350">
+              <a:buFont typeface="+mj-lt"/>
+              <a:buAutoNum type="arabicPeriod"/>
+            </a:pPr>
+            <a:r>
+              <a:rPr lang="en-US" sz="2800" dirty="0"/>
+              <a:t>Test – </a:t>
+            </a:r>
+            <a:r>
+              <a:rPr lang="en-US" sz="2800" dirty="0" smtClean="0"/>
+              <a:t>Different bullet point</a:t>
+            </a:r>
+          </a:p>
+          <a:p>
+            <a:pPr marL="285750" indent="-285750">
+              <a:buFont typeface="Arial" panose="020B0604020202020204" pitchFamily="34" charset="0"/>
+              <a:buChar char="•"/>
+            </a:pPr>
+            <a:r>
+              <a:rPr lang="en-US" sz="2800" dirty="0" smtClean="0">
+                <a:latin typeface="Times New Roman" panose="02020603050405020304" pitchFamily="18" charset="0"/>
+                <a:cs typeface="Times New Roman" panose="02020603050405020304" pitchFamily="18" charset="0"/>
+              </a:rPr>
+              <a:t>Test - Another Font Family, using Times New Roman</a:t>
+            </a:r>
+          </a:p>
+          <a:p>
+            <a:pPr marL="285750" indent="-285750">
+              <a:buFont typeface="Arial" panose="020B0604020202020204" pitchFamily="34" charset="0"/>
+              <a:buChar char="•"/>
+            </a:pPr>
+            <a:r>
+              <a:rPr lang="en-US" sz="1000" dirty="0" smtClean="0"/>
+              <a:t>Test - very small content. Test: very small content. Test: very small content. Test: very small content</a:t>
+            </a:r>
+          </a:p>
+          <a:p>
+            <a:pPr marL="285750" indent="-285750">
+              <a:buFont typeface="Arial" panose="020B0604020202020204" pitchFamily="34" charset="0"/>
+              <a:buChar char="•"/>
+            </a:pPr>
+            <a:r>
+              <a:rPr lang="en-US" sz="6600" dirty="0" smtClean="0">
+                <a:latin typeface="Arial Black" panose="020B0A04020102020204" pitchFamily="34" charset="0"/>
+              </a:rPr>
+              <a:t>Test - very big</a:t>
+            </a:r>
+          </a:p>
+          <a:p>
+            <a:pPr marL="285750" indent="-285750">
+              <a:buFont typeface="Arial" panose="020B0604020202020204" pitchFamily="34" charset="0"/>
+              <a:buChar char="•"/>
+            </a:pPr>
+            <a:r>
+              <a:rPr lang="en-US" sz="3600" dirty="0" smtClean="0"/>
+              <a:t>Test – Long sentence: </a:t>
+            </a:r>
+            <a:r>
+              <a:rPr lang="en-US" sz="3600" dirty="0" err="1" smtClean="0"/>
+              <a:t>Asdddd</a:t>
+            </a:r>
+            <a:r>
+              <a:rPr lang="en-US" sz="3600" dirty="0" smtClean="0"/>
+              <a:t> </a:t>
+            </a:r>
+            <a:r>
+              <a:rPr lang="en-US" sz="3600" dirty="0" err="1" smtClean="0"/>
+              <a:t>ddd</a:t>
+            </a:r>
+            <a:r>
+              <a:rPr lang="en-US" sz="3600" dirty="0" smtClean="0"/>
+              <a:t> </a:t>
+            </a:r>
+            <a:r>
+              <a:rPr lang="en-US" sz="3600" dirty="0" err="1" smtClean="0"/>
+              <a:t>dd</a:t>
+            </a:r>
+            <a:r>
+              <a:rPr lang="en-US" sz="3600" dirty="0" smtClean="0"/>
+              <a:t> d </a:t>
+            </a:r>
+            <a:r>
+              <a:rPr lang="en-US" sz="3600" dirty="0" err="1" smtClean="0"/>
+              <a:t>ddddd</a:t>
+            </a:r>
+            <a:r>
+              <a:rPr lang="en-US" sz="3600" dirty="0" smtClean="0"/>
+              <a:t> </a:t>
+            </a:r>
+            <a:r>
+              <a:rPr lang="en-US" sz="3600" dirty="0" err="1" smtClean="0"/>
+              <a:t>ddd</a:t>
+            </a:r>
+            <a:r>
+              <a:rPr lang="en-US" sz="3600" dirty="0" smtClean="0"/>
+              <a:t> </a:t>
+            </a:r>
+            <a:r>
+              <a:rPr lang="en-US" sz="3600" dirty="0" err="1" smtClean="0"/>
+              <a:t>ddd</a:t>
+            </a:r>
+            <a:r>
+              <a:rPr lang="en-US" sz="3600" dirty="0" smtClean="0"/>
+              <a:t> </a:t>
+            </a:r>
+            <a:r>
+              <a:rPr lang="en-US" sz="3600" dirty="0" err="1" smtClean="0"/>
+              <a:t>ddd</a:t>
+            </a:r>
+            <a:r>
+              <a:rPr lang="en-US" sz="3600" dirty="0" smtClean="0"/>
+              <a:t> </a:t>
+            </a:r>
+            <a:r>
+              <a:rPr lang="en-US" sz="3600" dirty="0" err="1" smtClean="0"/>
+              <a:t>ddd</a:t>
+            </a:r>
+            <a:r>
+              <a:rPr lang="en-US" sz="3600" dirty="0" smtClean="0"/>
+              <a:t> </a:t>
+            </a:r>
+            <a:r>
+              <a:rPr lang="en-US" sz="3600" dirty="0" err="1" smtClean="0"/>
+              <a:t>ddd</a:t>
+            </a:r>
+            <a:r>
+              <a:rPr lang="en-US" sz="3600" dirty="0" smtClean="0"/>
+              <a:t> </a:t>
+            </a:r>
+            <a:r>
+              <a:rPr lang="en-US" sz="3600" dirty="0" err="1" smtClean="0"/>
+              <a:t>ddd</a:t>
+            </a:r>
+            <a:r>
+              <a:rPr lang="en-US" sz="3600" dirty="0" smtClean="0"/>
+              <a:t> </a:t>
+            </a:r>
+            <a:r>
+              <a:rPr lang="en-US" sz="3600" dirty="0" err="1" smtClean="0"/>
+              <a:t>ddd</a:t>
+            </a:r>
+            <a:r>
+              <a:rPr lang="en-US" sz="3600" dirty="0" smtClean="0"/>
+              <a:t> </a:t>
+            </a:r>
+            <a:r>
+              <a:rPr lang="en-US" sz="3600" dirty="0" err="1" smtClean="0"/>
+              <a:t>dddddd</a:t>
+            </a:r>
+            <a:r>
+              <a:rPr lang="en-US" sz="3600" dirty="0" smtClean="0"/>
+              <a:t> </a:t>
+            </a:r>
+            <a:r>
+              <a:rPr lang="en-US" sz="3600" dirty="0" err="1" smtClean="0"/>
+              <a:t>dd</a:t>
+            </a:r>
+            <a:r>
+              <a:rPr lang="en-US" sz="3600" dirty="0" smtClean="0"/>
+              <a:t> </a:t>
+            </a:r>
+            <a:r>
+              <a:rPr lang="en-US" sz="3600" dirty="0" err="1" smtClean="0"/>
+              <a:t>ddd</a:t>
+            </a:r>
+            <a:r>
+              <a:rPr lang="en-US" sz="3600" dirty="0" smtClean="0"/>
+              <a:t> </a:t>
+            </a:r>
+            <a:r>
+              <a:rPr lang="en-US" sz="3600" dirty="0" err="1" smtClean="0"/>
+              <a:t>ddddd</a:t>
+            </a:r>
+            <a:r>
+              <a:rPr lang="en-US" sz="3600" dirty="0" smtClean="0"/>
+              <a:t> </a:t>
+            </a:r>
+            <a:r>
+              <a:rPr lang="en-US" sz="3600" dirty="0" err="1" smtClean="0"/>
+              <a:t>dd</a:t>
+            </a:r>
+            <a:r>
+              <a:rPr lang="en-US" sz="3600" dirty="0" smtClean="0"/>
+              <a:t> </a:t>
+            </a:r>
+            <a:r>
+              <a:rPr lang="en-US" sz="3600" dirty="0" err="1" smtClean="0"/>
+              <a:t>dd</a:t>
+            </a:r>
+            <a:r>
+              <a:rPr lang="en-US" sz="3600" dirty="0" smtClean="0"/>
+              <a:t> d </a:t>
+            </a:r>
+            <a:r>
+              <a:rPr lang="en-US" sz="3600" dirty="0" err="1" smtClean="0"/>
+              <a:t>ddd</a:t>
+            </a:r>
+            <a:r>
+              <a:rPr lang="en-US" sz="3600" dirty="0" smtClean="0"/>
+              <a:t> </a:t>
+            </a:r>
+            <a:r>
+              <a:rPr lang="en-US" sz="3600" dirty="0" err="1" smtClean="0"/>
+              <a:t>ddd</a:t>
+            </a:r>
+            <a:endParaRPr lang="en-US" sz="3600" dirty="0" smtClean="0"/>
+          </a:p>
+          <a:p>
+            <a:pPr marL="285750" indent="-285750">
+              <a:buFont typeface="Arial" panose="020B0604020202020204" pitchFamily="34" charset="0"/>
+              <a:buChar char="•"/>
+            </a:pPr>
+            <a:r>
+              <a:rPr lang="en-US" altLang="zh-CN" dirty="0" smtClean="0"/>
+              <a:t>Test – Chinese Characters: </a:t>
+            </a:r>
+            <a:r>
+              <a:rPr lang="zh-CN" altLang="en-US" dirty="0" smtClean="0"/>
+              <a:t>阿</a:t>
+            </a:r>
+            <a:r>
+              <a:rPr lang="zh-CN" altLang="en-US" dirty="0"/>
+              <a:t>斯</a:t>
+            </a:r>
+            <a:r>
+              <a:rPr lang="zh-CN" altLang="en-US" dirty="0" smtClean="0"/>
+              <a:t>顿啊盛大速度啊盛大速度啊盛大速度</a:t>
+            </a:r>
+            <a:endParaRPr lang="en-SG" dirty="0"/>
+          </a:p>
+        </p:txBody>
+      </p:sp>
+    </p:spTree>
+    <p:extLst>
+      <p:ext uri="{BB962C8B-B14F-4D97-AF65-F5344CB8AC3E}">
+        <p14:creationId xmlns:p14="http://schemas.microsoft.com/office/powerpoint/2010/main" val="3386973074"/>
+      </p:ext>
+    </p:extLst>
+  </p:cSld>
+  <p:clrMapOvr>
+    <a:masterClrMapping/>
+  </p:clrMapOvr>
+  <p:transition spd="slow">
+    <p:push dir="u"/>
+  </p:transition>
+  <p:timing>
+    <p:tnLst>
+      <p:par>
+        <p:cTn id="1" dur="indefinite" restart="never" nodeType="tmRoot">
+          <p:childTnLst>
+            <p:seq concurrent="1" nextAc="seek">
+              <p:cTn id="2" dur="indefinite" nodeType="mainSeq">
+                <p:childTnLst>
+                  <p:par>
+                    <p:cTn id="3" fill="hold">
+                      <p:stCondLst>
+                        <p:cond delay="indefinite"/>
+                      </p:stCondLst>
+                      <p:childTnLst>
+                        <p:par>
+                          <p:cTn id="4" fill="hold">
+                            <p:stCondLst>
+                              <p:cond delay="0"/>
+                            </p:stCondLst>
+                            <p:childTnLst>
+                              <p:par>
+                                <p:cTn id="5" presetID="10" presetClass="entr" presetSubtype="0" fill="hold" grpId="0" nodeType="clickEffect">
+                                  <p:stCondLst>
+                                    <p:cond delay="0"/>
+                                  </p:stCondLst>
+                                  <p:childTnLst>
+                                    <p:set>
+                                      <p:cBhvr>
+                                        <p:cTn id="6" dur="1" fill="hold">
+                                          <p:stCondLst>
+                                            <p:cond delay="0"/>
+                                          </p:stCondLst>
+                                        </p:cTn>
+                                        <p:tgtEl>
+                                          <p:spTgt spid="5"/>
+                                        </p:tgtEl>
+                                        <p:attrNameLst>
+                                          <p:attrName>style.visibility</p:attrName>
+                                        </p:attrNameLst>
+                                      </p:cBhvr>
+                                      <p:to>
+                                        <p:strVal val="visible"/>
+                                      </p:to>
+                                    </p:set>
+                                    <p:animEffect transition="in" filter="fade">
+                                      <p:cBhvr>
+                                        <p:cTn id="7" dur="500"/>
+                                        <p:tgtEl>
+                                          <p:spTgt spid="5"/>
+                                        </p:tgtEl>
+                                      </p:cBhvr>
+                                    </p:animEffect>
+                                  </p:childTnLst>
+                                </p:cTn>
+                              </p:par>
+                              <p:par>
+                                <p:cTn id="8" presetID="10" presetClass="exit" presetSubtype="0" fill="hold" grpId="0" nodeType="withEffect">
+                                  <p:stCondLst>
+                                    <p:cond delay="0"/>
+                                  </p:stCondLst>
+                                  <p:childTnLst>
+                                    <p:animEffect transition="out" filter="fade">
+                                      <p:cBhvr>
+                                        <p:cTn id="9" dur="500"/>
+                                        <p:tgtEl>
+                                          <p:spTgt spid="4"/>
+                                        </p:tgtEl>
+                                      </p:cBhvr>
+                                    </p:animEffect>
+                                    <p:set>
+                                      <p:cBhvr>
+                                        <p:cTn id="10" dur="1" fill="hold">
+                                          <p:stCondLst>
+                                            <p:cond delay="499"/>
+                                          </p:stCondLst>
+                                        </p:cTn>
+                                        <p:tgtEl>
+                                          <p:spTgt spid="4"/>
+                                        </p:tgtEl>
+                                        <p:attrNameLst>
+                                          <p:attrName>style.visibility</p:attrName>
+                                        </p:attrNameLst>
+                                      </p:cBhvr>
+                                      <p:to>
+                                        <p:strVal val="hidden"/>
+                                      </p:to>
+                                    </p:set>
+                                  </p:childTnLst>
+                                </p:cTn>
+                              </p:par>
+                            </p:childTnLst>
+                          </p:cTn>
+                        </p:par>
+                      </p:childTnLst>
+                    </p:cTn>
+                  </p:par>
+                  <p:par>
+                    <p:cTn id="11" fill="hold">
+                      <p:stCondLst>
+                        <p:cond delay="indefinite"/>
+                      </p:stCondLst>
+                      <p:childTnLst>
+                        <p:par>
+                          <p:cTn id="12" fill="hold">
+                            <p:stCondLst>
+                              <p:cond delay="0"/>
+                            </p:stCondLst>
+                            <p:childTnLst>
+                              <p:par>
+                                <p:cTn id="13" presetID="10" presetClass="entr" presetSubtype="0" fill="hold" grpId="0" nodeType="clickEffect">
+                                  <p:stCondLst>
+                                    <p:cond delay="0"/>
+                                  </p:stCondLst>
+                                  <p:childTnLst>
+                                    <p:set>
+                                      <p:cBhvr>
+                                        <p:cTn id="14" dur="1" fill="hold">
+                                          <p:stCondLst>
+                                            <p:cond delay="0"/>
+                                          </p:stCondLst>
+                                        </p:cTn>
+                                        <p:tgtEl>
+                                          <p:spTgt spid="6"/>
+                                        </p:tgtEl>
+                                        <p:attrNameLst>
+                                          <p:attrName>style.visibility</p:attrName>
+                                        </p:attrNameLst>
+                                      </p:cBhvr>
+                                      <p:to>
+                                        <p:strVal val="visible"/>
+                                      </p:to>
+                                    </p:set>
+                                    <p:animEffect transition="in" filter="fade">
+                                      <p:cBhvr>
+                                        <p:cTn id="15" dur="500"/>
+                                        <p:tgtEl>
+                                          <p:spTgt spid="6"/>
+                                        </p:tgtEl>
+                                      </p:cBhvr>
+                                    </p:animEffect>
+                                  </p:childTnLst>
+                                </p:cTn>
+                              </p:par>
+                              <p:par>
+                                <p:cTn id="16" presetID="10" presetClass="exit" presetSubtype="0" fill="hold" grpId="1" nodeType="withEffect">
+                                  <p:stCondLst>
+                                    <p:cond delay="0"/>
+                                  </p:stCondLst>
+                                  <p:childTnLst>
+                                    <p:animEffect transition="out" filter="fade">
+                                      <p:cBhvr>
+                                        <p:cTn id="17" dur="500"/>
+                                        <p:tgtEl>
+                                          <p:spTgt spid="5"/>
+                                        </p:tgtEl>
+                                      </p:cBhvr>
+                                    </p:animEffect>
+                                    <p:set>
+                                      <p:cBhvr>
+                                        <p:cTn id="18" dur="1" fill="hold">
+                                          <p:stCondLst>
+                                            <p:cond delay="499"/>
+                                          </p:stCondLst>
+                                        </p:cTn>
+                                        <p:tgtEl>
+                                          <p:spTgt spid="5"/>
+                                        </p:tgtEl>
+                                        <p:attrNameLst>
+                                          <p:attrName>style.visibility</p:attrName>
+                                        </p:attrNameLst>
+                                      </p:cBhvr>
+                                      <p:to>
+                                        <p:strVal val="hidden"/>
+                                      </p:to>
+                                    </p:set>
+                                  </p:childTnLst>
+                                </p:cTn>
+                              </p:par>
+                            </p:childTnLst>
+                          </p:cTn>
+                        </p:par>
+                      </p:childTnLst>
+                    </p:cTn>
+                  </p:par>
+                  <p:par>
+                    <p:cTn id="19" fill="hold">
+                      <p:stCondLst>
+                        <p:cond delay="indefinite"/>
+                      </p:stCondLst>
+                      <p:childTnLst>
+                        <p:par>
+                          <p:cTn id="20" fill="hold">
+                            <p:stCondLst>
+                              <p:cond delay="0"/>
+                            </p:stCondLst>
+                            <p:childTnLst>
+                              <p:par>
+                                <p:cTn id="21" presetID="10" presetClass="entr" presetSubtype="0" fill="hold" nodeType="clickEffect">
+                                  <p:stCondLst>
+                                    <p:cond delay="0"/>
+                                  </p:stCondLst>
+                                  <p:childTnLst>
+                                    <p:set>
+                                      <p:cBhvr>
+                                        <p:cTn id="22" dur="1" fill="hold">
+                                          <p:stCondLst>
+                                            <p:cond delay="0"/>
+                                          </p:stCondLst>
+                                        </p:cTn>
+                                        <p:tgtEl>
+                                          <p:spTgt spid="9"/>
+                                        </p:tgtEl>
+                                        <p:attrNameLst>
+                                          <p:attrName>style.visibility</p:attrName>
+                                        </p:attrNameLst>
+                                      </p:cBhvr>
+                                      <p:to>
+                                        <p:strVal val="visible"/>
+                                      </p:to>
+                                    </p:set>
+                                    <p:animEffect transition="in" filter="fade">
+                                      <p:cBhvr>
+                                        <p:cTn id="23" dur="500"/>
+                                        <p:tgtEl>
+                                          <p:spTgt spid="9"/>
+                                        </p:tgtEl>
+                                      </p:cBhvr>
+                                    </p:animEffect>
+                                  </p:childTnLst>
+                                </p:cTn>
+                              </p:par>
+                              <p:par>
+                                <p:cTn id="24" presetID="10" presetClass="exit" presetSubtype="0" fill="hold" grpId="1" nodeType="withEffect">
+                                  <p:stCondLst>
+                                    <p:cond delay="0"/>
+                                  </p:stCondLst>
+                                  <p:childTnLst>
+                                    <p:animEffect transition="out" filter="fade">
+                                      <p:cBhvr>
+                                        <p:cTn id="25" dur="500"/>
+                                        <p:tgtEl>
+                                          <p:spTgt spid="6"/>
+                                        </p:tgtEl>
+                                      </p:cBhvr>
+                                    </p:animEffect>
+                                    <p:set>
+                                      <p:cBhvr>
+                                        <p:cTn id="26" dur="1" fill="hold">
+                                          <p:stCondLst>
+                                            <p:cond delay="499"/>
+                                          </p:stCondLst>
+                                        </p:cTn>
+                                        <p:tgtEl>
+                                          <p:spTgt spid="6"/>
+                                        </p:tgtEl>
+                                        <p:attrNameLst>
+                                          <p:attrName>style.visibility</p:attrName>
+                                        </p:attrNameLst>
+                                      </p:cBhvr>
+                                      <p:to>
+                                        <p:strVal val="hidden"/>
+                                      </p:to>
+                                    </p:set>
+                                  </p:childTnLst>
+                                </p:cTn>
+                              </p:par>
+                            </p:childTnLst>
+                          </p:cTn>
+                        </p:par>
+                      </p:childTnLst>
+                    </p:cTn>
+                  </p:par>
+                  <p:par>
+                    <p:cTn id="27" fill="hold">
+                      <p:stCondLst>
+                        <p:cond delay="indefinite"/>
+                      </p:stCondLst>
+                      <p:childTnLst>
+                        <p:par>
+                          <p:cTn id="28" fill="hold">
+                            <p:stCondLst>
+                              <p:cond delay="0"/>
+                            </p:stCondLst>
+                            <p:childTnLst>
+                              <p:par>
+                                <p:cTn id="29" presetID="10" presetClass="entr" presetSubtype="0" fill="hold" grpId="0" nodeType="clickEffect">
+                                  <p:stCondLst>
+                                    <p:cond delay="0"/>
+                                  </p:stCondLst>
+                                  <p:childTnLst>
+                                    <p:set>
+                                      <p:cBhvr>
+                                        <p:cTn id="30" dur="1" fill="hold">
+                                          <p:stCondLst>
+                                            <p:cond delay="0"/>
+                                          </p:stCondLst>
+                                        </p:cTn>
+                                        <p:tgtEl>
+                                          <p:spTgt spid="10"/>
+                                        </p:tgtEl>
+                                        <p:attrNameLst>
+                                          <p:attrName>style.visibility</p:attrName>
+                                        </p:attrNameLst>
+                                      </p:cBhvr>
+                                      <p:to>
+                                        <p:strVal val="visible"/>
+                                      </p:to>
+                                    </p:set>
+                                    <p:animEffect transition="in" filter="fade">
+                                      <p:cBhvr>
+                                        <p:cTn id="31" dur="500"/>
+                                        <p:tgtEl>
+                                          <p:spTgt spid="10"/>
+                                        </p:tgtEl>
+                                      </p:cBhvr>
+                                    </p:animEffect>
+                                  </p:childTnLst>
+                                </p:cTn>
+                              </p:par>
+                              <p:par>
+                                <p:cTn id="32" presetID="10" presetClass="exit" presetSubtype="0" fill="hold" nodeType="withEffect">
+                                  <p:stCondLst>
+                                    <p:cond delay="0"/>
+                                  </p:stCondLst>
+                                  <p:childTnLst>
+                                    <p:animEffect transition="out" filter="fade">
+                                      <p:cBhvr>
+                                        <p:cTn id="33" dur="500"/>
+                                        <p:tgtEl>
+                                          <p:spTgt spid="9"/>
+                                        </p:tgtEl>
+                                      </p:cBhvr>
+                                    </p:animEffect>
+                                    <p:set>
+                                      <p:cBhvr>
+                                        <p:cTn id="34" dur="1" fill="hold">
+                                          <p:stCondLst>
+                                            <p:cond delay="499"/>
+                                          </p:stCondLst>
+                                        </p:cTn>
+                                        <p:tgtEl>
+                                          <p:spTgt spid="9"/>
+                                        </p:tgtEl>
+                                        <p:attrNameLst>
+                                          <p:attrName>style.visibility</p:attrName>
+                                        </p:attrNameLst>
+                                      </p:cBhvr>
+                                      <p:to>
+                                        <p:strVal val="hidden"/>
+                                      </p:to>
+                                    </p:set>
+                                  </p:childTnLst>
+                                </p:cTn>
+                              </p:par>
+                            </p:childTnLst>
+                          </p:cTn>
+                        </p:par>
+                      </p:childTnLst>
+                    </p:cTn>
+                  </p:par>
+                  <p:par>
+                    <p:cTn id="35" fill="hold">
+                      <p:stCondLst>
+                        <p:cond delay="indefinite"/>
+                      </p:stCondLst>
+                      <p:childTnLst>
+                        <p:par>
+                          <p:cTn id="36" fill="hold">
+                            <p:stCondLst>
+                              <p:cond delay="0"/>
+                            </p:stCondLst>
+                            <p:childTnLst>
+                              <p:par>
+                                <p:cTn id="37" presetID="10" presetClass="entr" presetSubtype="0" fill="hold" grpId="0" nodeType="clickEffect">
+                                  <p:stCondLst>
+                                    <p:cond delay="0"/>
+                                  </p:stCondLst>
+                                  <p:childTnLst>
+                                    <p:set>
+                                      <p:cBhvr>
+                                        <p:cTn id="38" dur="1" fill="hold">
+                                          <p:stCondLst>
+                                            <p:cond delay="0"/>
+                                          </p:stCondLst>
+                                        </p:cTn>
+                                        <p:tgtEl>
+                                          <p:spTgt spid="11"/>
+                                        </p:tgtEl>
+                                        <p:attrNameLst>
+                                          <p:attrName>style.visibility</p:attrName>
+                                        </p:attrNameLst>
+                                      </p:cBhvr>
+                                      <p:to>
+                                        <p:strVal val="visible"/>
+                                      </p:to>
+                                    </p:set>
+                                    <p:animEffect transition="in" filter="fade">
+                                      <p:cBhvr>
+                                        <p:cTn id="39" dur="500"/>
+                                        <p:tgtEl>
+                                          <p:spTgt spid="11"/>
+                                        </p:tgtEl>
+                                      </p:cBhvr>
+                                    </p:animEffect>
+                                  </p:childTnLst>
+                                </p:cTn>
+                              </p:par>
+                              <p:par>
+                                <p:cTn id="40" presetID="10" presetClass="exit" presetSubtype="0" fill="hold" grpId="1" nodeType="withEffect">
+                                  <p:stCondLst>
+                                    <p:cond delay="0"/>
+                                  </p:stCondLst>
+                                  <p:childTnLst>
+                                    <p:animEffect transition="out" filter="fade">
+                                      <p:cBhvr>
+                                        <p:cTn id="41" dur="500"/>
+                                        <p:tgtEl>
+                                          <p:spTgt spid="10"/>
+                                        </p:tgtEl>
+                                      </p:cBhvr>
+                                    </p:animEffect>
+                                    <p:set>
+                                      <p:cBhvr>
+                                        <p:cTn id="42" dur="1" fill="hold">
+                                          <p:stCondLst>
+                                            <p:cond delay="499"/>
+                                          </p:stCondLst>
+                                        </p:cTn>
+                                        <p:tgtEl>
+                                          <p:spTgt spid="10"/>
+                                        </p:tgtEl>
+                                        <p:attrNameLst>
+                                          <p:attrName>style.visibility</p:attrName>
+                                        </p:attrNameLst>
+                                      </p:cBhvr>
+                                      <p:to>
+                                        <p:strVal val="hidden"/>
+                                      </p:to>
+                                    </p:set>
+                                  </p:childTnLst>
+                                </p:cTn>
+                              </p:par>
+                            </p:childTnLst>
+                          </p:cTn>
+                        </p:par>
+                      </p:childTnLst>
+                    </p:cTn>
+                  </p:par>
+                  <p:par>
+                    <p:cTn id="43" fill="hold">
+                      <p:stCondLst>
+                        <p:cond delay="indefinite"/>
+                      </p:stCondLst>
+                      <p:childTnLst>
+                        <p:par>
+                          <p:cTn id="44" fill="hold">
+                            <p:stCondLst>
+                              <p:cond delay="0"/>
+                            </p:stCondLst>
+                            <p:childTnLst>
+                              <p:par>
+                                <p:cTn id="45" presetID="10" presetClass="entr" presetSubtype="0" fill="hold" nodeType="clickEffect">
+                                  <p:stCondLst>
+                                    <p:cond delay="0"/>
+                                  </p:stCondLst>
+                                  <p:childTnLst>
+                                    <p:set>
+                                      <p:cBhvr>
+                                        <p:cTn id="46" dur="1" fill="hold">
+                                          <p:stCondLst>
+                                            <p:cond delay="0"/>
+                                          </p:stCondLst>
+                                        </p:cTn>
+                                        <p:tgtEl>
+                                          <p:spTgt spid="16"/>
+                                        </p:tgtEl>
+                                        <p:attrNameLst>
+                                          <p:attrName>style.visibility</p:attrName>
+                                        </p:attrNameLst>
+                                      </p:cBhvr>
+                                      <p:to>
+                                        <p:strVal val="visible"/>
+                                      </p:to>
+                                    </p:set>
+                                    <p:animEffect transition="in" filter="fade">
+                                      <p:cBhvr>
+                                        <p:cTn id="47" dur="500"/>
+                                        <p:tgtEl>
+                                          <p:spTgt spid="16"/>
+                                        </p:tgtEl>
+                                      </p:cBhvr>
+                                    </p:animEffect>
+                                  </p:childTnLst>
+                                </p:cTn>
+                              </p:par>
+                              <p:par>
+                                <p:cTn id="48" presetID="10" presetClass="exit" presetSubtype="0" fill="hold" grpId="1" nodeType="withEffect">
+                                  <p:stCondLst>
+                                    <p:cond delay="0"/>
+                                  </p:stCondLst>
+                                  <p:childTnLst>
+                                    <p:animEffect transition="out" filter="fade">
+                                      <p:cBhvr>
+                                        <p:cTn id="49" dur="500"/>
+                                        <p:tgtEl>
+                                          <p:spTgt spid="11"/>
+                                        </p:tgtEl>
+                                      </p:cBhvr>
+                                    </p:animEffect>
+                                    <p:set>
+                                      <p:cBhvr>
+                                        <p:cTn id="50" dur="1" fill="hold">
+                                          <p:stCondLst>
+                                            <p:cond delay="499"/>
+                                          </p:stCondLst>
+                                        </p:cTn>
+                                        <p:tgtEl>
+                                          <p:spTgt spid="11"/>
+                                        </p:tgtEl>
+                                        <p:attrNameLst>
+                                          <p:attrName>style.visibility</p:attrName>
+                                        </p:attrNameLst>
+                                      </p:cBhvr>
+                                      <p:to>
+                                        <p:strVal val="hidden"/>
+                                      </p:to>
+                                    </p:set>
+                                  </p:childTnLst>
+                                </p:cTn>
+                              </p:par>
+                            </p:childTnLst>
+                          </p:cTn>
+                        </p:par>
+                      </p:childTnLst>
+                    </p:cTn>
+                  </p:par>
+                  <p:par>
+                    <p:cTn id="51" fill="hold">
+                      <p:stCondLst>
+                        <p:cond delay="indefinite"/>
+                      </p:stCondLst>
+                      <p:childTnLst>
+                        <p:par>
+                          <p:cTn id="52" fill="hold">
+                            <p:stCondLst>
+                              <p:cond delay="0"/>
+                            </p:stCondLst>
+                            <p:childTnLst>
+                              <p:par>
+                                <p:cTn id="53" presetID="10" presetClass="entr" presetSubtype="0" fill="hold" grpId="0" nodeType="clickEffect">
+                                  <p:stCondLst>
+                                    <p:cond delay="0"/>
+                                  </p:stCondLst>
+                                  <p:childTnLst>
+                                    <p:set>
+                                      <p:cBhvr>
+                                        <p:cTn id="54" dur="1" fill="hold">
+                                          <p:stCondLst>
+                                            <p:cond delay="0"/>
+                                          </p:stCondLst>
+                                        </p:cTn>
+                                        <p:tgtEl>
+                                          <p:spTgt spid="17"/>
+                                        </p:tgtEl>
+                                        <p:attrNameLst>
+                                          <p:attrName>style.visibility</p:attrName>
+                                        </p:attrNameLst>
+                                      </p:cBhvr>
+                                      <p:to>
+                                        <p:strVal val="visible"/>
+                                      </p:to>
+                                    </p:set>
+                                    <p:animEffect transition="in" filter="fade">
+                                      <p:cBhvr>
+                                        <p:cTn id="55" dur="500"/>
+                                        <p:tgtEl>
+                                          <p:spTgt spid="17"/>
+                                        </p:tgtEl>
+                                      </p:cBhvr>
+                                    </p:animEffect>
+                                  </p:childTnLst>
+                                </p:cTn>
+                              </p:par>
+                              <p:par>
+                                <p:cTn id="56" presetID="10" presetClass="exit" presetSubtype="0" fill="hold" nodeType="withEffect">
+                                  <p:stCondLst>
+                                    <p:cond delay="0"/>
+                                  </p:stCondLst>
+                                  <p:childTnLst>
+                                    <p:animEffect transition="out" filter="fade">
+                                      <p:cBhvr>
+                                        <p:cTn id="57" dur="500"/>
+                                        <p:tgtEl>
+                                          <p:spTgt spid="16"/>
+                                        </p:tgtEl>
+                                      </p:cBhvr>
+                                    </p:animEffect>
+                                    <p:set>
+                                      <p:cBhvr>
+                                        <p:cTn id="58" dur="1" fill="hold">
+                                          <p:stCondLst>
+                                            <p:cond delay="499"/>
+                                          </p:stCondLst>
+                                        </p:cTn>
+                                        <p:tgtEl>
+                                          <p:spTgt spid="16"/>
+                                        </p:tgtEl>
+                                        <p:attrNameLst>
+                                          <p:attrName>style.visibility</p:attrName>
+                                        </p:attrNameLst>
+                                      </p:cBhvr>
+                                      <p:to>
+                                        <p:strVal val="hidden"/>
+                                      </p:to>
+                                    </p:set>
+                                  </p:childTnLst>
+                                </p:cTn>
+                              </p:par>
+                            </p:childTnLst>
+                          </p:cTn>
+                        </p:par>
+                      </p:childTnLst>
+                    </p:cTn>
+                  </p:par>
+                </p:childTnLst>
+              </p:cTn>
+              <p:prevCondLst>
+                <p:cond evt="onPrev" delay="0">
+                  <p:tgtEl>
+                    <p:sldTgt/>
+                  </p:tgtEl>
+                </p:cond>
+              </p:prevCondLst>
+              <p:nextCondLst>
+                <p:cond evt="onNext" delay="0">
+                  <p:tgtEl>
+                    <p:sldTgt/>
+                  </p:tgtEl>
+                </p:cond>
+              </p:nextCondLst>
+            </p:seq>
+          </p:childTnLst>
+        </p:cTn>
+      </p:par>
+    </p:tnLst>
+    <p:bldLst>
+      <p:bldP spid="4" grpId="0" animBg="1"/>
+      <p:bldP spid="5" grpId="0" animBg="1"/>
+      <p:bldP spid="5" grpId="1" animBg="1"/>
+      <p:bldP spid="6" grpId="0" animBg="1"/>
+      <p:bldP spid="6" grpId="1" animBg="1"/>
+      <p:bldP spid="10" grpId="0" animBg="1"/>
+      <p:bldP spid="10" grpId="1" animBg="1"/>
+      <p:bldP spid="11" grpId="0" animBg="1"/>
+      <p:bldP spid="11" grpId="1" animBg="1"/>
+      <p:bldP spid="17" grpId="0" animBg="1"/>
+    </p:bldLst>
+  </p:timing>
+</p:sld>
+</file>
+
+<file path=ppt/slides/slide32.xml><?xml version="1.0" encoding="utf-8"?>
+<p:sld xmlns:a="http://schemas.openxmlformats.org/drawingml/2006/main" xmlns:r="http://schemas.openxmlformats.org/officeDocument/2006/relationships" xmlns:p="http://schemas.openxmlformats.org/presentationml/2006/main">
+  <p:cSld>
+    <p:spTree>
+      <p:nvGrpSpPr>
+        <p:cNvPr id="1" name=""/>
+        <p:cNvGrpSpPr/>
+        <p:nvPr/>
+      </p:nvGrpSpPr>
+      <p:grpSpPr>
+        <a:xfrm>
+          <a:off x="0" y="0"/>
+          <a:ext cx="0" cy="0"/>
+          <a:chOff x="0" y="0"/>
+          <a:chExt cx="0" cy="0"/>
+        </a:xfrm>
+      </p:grpSpPr>
+      <p:sp>
+        <p:nvSpPr>
+          <p:cNvPr id="3" name="Rectangle 4"/>
+          <p:cNvSpPr/>
+          <p:nvPr/>
+        </p:nvSpPr>
+        <p:spPr>
+          <a:xfrm>
+            <a:off x="0" y="2286000"/>
+            <a:ext cx="9144000" cy="2209800"/>
+          </a:xfrm>
+          <a:prstGeom prst="rect">
+            <a:avLst/>
+          </a:prstGeom>
+          <a:solidFill>
+            <a:srgbClr val="002060"/>
+          </a:solidFill>
+        </p:spPr>
+        <p:style>
+          <a:lnRef idx="2">
+            <a:schemeClr val="accent1">
+              <a:shade val="50000"/>
+            </a:schemeClr>
+          </a:lnRef>
+          <a:fillRef idx="1">
+            <a:schemeClr val="accent1"/>
+          </a:fillRef>
+          <a:effectRef idx="0">
+            <a:schemeClr val="accent1"/>
+          </a:effectRef>
+          <a:fontRef idx="minor">
+            <a:schemeClr val="lt1"/>
+          </a:fontRef>
+        </p:style>
+        <p:txBody>
+          <a:bodyPr rtlCol="0" anchor="ctr"/>
+          <a:lstStyle/>
+          <a:p>
+            <a:pPr algn="ctr"/>
+            <a:endParaRPr lang="en-US"/>
+          </a:p>
+        </p:txBody>
+      </p:sp>
+      <p:sp>
+        <p:nvSpPr>
+          <p:cNvPr id="2" name="HighlightBackgroundShape73075057-96f2-467a-9739-220ecca5ae94"/>
+          <p:cNvSpPr txBox="1"/>
+          <p:nvPr/>
+        </p:nvSpPr>
+        <p:spPr>
+          <a:xfrm>
+            <a:off x="762000" y="533400"/>
+            <a:ext cx="7620000" cy="5909310"/>
+          </a:xfrm>
+          <a:prstGeom prst="rect">
+            <a:avLst/>
+          </a:prstGeom>
+          <a:noFill/>
+        </p:spPr>
+        <p:txBody>
+          <a:bodyPr wrap="square" rtlCol="0">
+            <a:spAutoFit/>
+          </a:bodyPr>
+          <a:lstStyle/>
+          <a:p>
+            <a:pPr marL="285750" indent="-285750">
+              <a:buFont typeface="Arial" panose="020B0604020202020204" pitchFamily="34" charset="0"/>
+              <a:buChar char="•"/>
+            </a:pPr>
+            <a:r>
+              <a:rPr lang="en-US" sz="2800" dirty="0" smtClean="0"/>
+              <a:t>Test - Non-ABC: 1234567890!@#$%^&amp;*()</a:t>
+            </a:r>
+          </a:p>
+          <a:p>
+            <a:r>
+              <a:rPr lang="en-US" sz="2800" dirty="0"/>
+              <a:t>Test </a:t>
+            </a:r>
+            <a:r>
+              <a:rPr lang="en-US" sz="2800" dirty="0" smtClean="0"/>
+              <a:t>– No bullet point</a:t>
+            </a:r>
+            <a:endParaRPr lang="en-US" sz="2800" dirty="0"/>
+          </a:p>
+          <a:p>
+            <a:pPr marL="514350" indent="-514350">
+              <a:buFont typeface="+mj-lt"/>
+              <a:buAutoNum type="arabicPeriod"/>
+            </a:pPr>
+            <a:r>
+              <a:rPr lang="en-US" sz="2800" dirty="0"/>
+              <a:t>Test – </a:t>
+            </a:r>
+            <a:r>
+              <a:rPr lang="en-US" sz="2800" dirty="0" smtClean="0"/>
+              <a:t>Different bullet point</a:t>
+            </a:r>
+          </a:p>
+          <a:p>
+            <a:pPr marL="285750" indent="-285750">
+              <a:buFont typeface="Arial" panose="020B0604020202020204" pitchFamily="34" charset="0"/>
+              <a:buChar char="•"/>
+            </a:pPr>
+            <a:r>
+              <a:rPr lang="en-US" sz="2800" dirty="0" smtClean="0">
+                <a:latin typeface="Times New Roman" panose="02020603050405020304" pitchFamily="18" charset="0"/>
+                <a:cs typeface="Times New Roman" panose="02020603050405020304" pitchFamily="18" charset="0"/>
+              </a:rPr>
+              <a:t>Test - Another Font Family, using Times New Roman</a:t>
+            </a:r>
+          </a:p>
+          <a:p>
+            <a:pPr marL="285750" indent="-285750">
+              <a:buFont typeface="Arial" panose="020B0604020202020204" pitchFamily="34" charset="0"/>
+              <a:buChar char="•"/>
+            </a:pPr>
+            <a:r>
+              <a:rPr lang="en-US" sz="1000" dirty="0" smtClean="0"/>
+              <a:t>Test - very small content. Test: very small content. Test: very small content. Test: very small content</a:t>
+            </a:r>
+          </a:p>
+          <a:p>
+            <a:pPr marL="285750" indent="-285750">
+              <a:buFont typeface="Arial" panose="020B0604020202020204" pitchFamily="34" charset="0"/>
+              <a:buChar char="•"/>
+            </a:pPr>
+            <a:r>
+              <a:rPr lang="en-US" sz="6600" dirty="0" smtClean="0">
+                <a:latin typeface="Arial Black" panose="020B0A04020102020204" pitchFamily="34" charset="0"/>
+              </a:rPr>
+              <a:t>Test - very big</a:t>
+            </a:r>
+          </a:p>
+          <a:p>
+            <a:pPr marL="285750" indent="-285750">
+              <a:buFont typeface="Arial" panose="020B0604020202020204" pitchFamily="34" charset="0"/>
+              <a:buChar char="•"/>
+            </a:pPr>
+            <a:r>
+              <a:rPr lang="en-US" sz="3600" dirty="0" smtClean="0"/>
+              <a:t>Test – Long sentence: </a:t>
+            </a:r>
+            <a:r>
+              <a:rPr lang="en-US" sz="3600" dirty="0" err="1" smtClean="0"/>
+              <a:t>Asdddd</a:t>
+            </a:r>
+            <a:r>
+              <a:rPr lang="en-US" sz="3600" dirty="0" smtClean="0"/>
+              <a:t> </a:t>
+            </a:r>
+            <a:r>
+              <a:rPr lang="en-US" sz="3600" dirty="0" err="1" smtClean="0"/>
+              <a:t>ddd</a:t>
+            </a:r>
+            <a:r>
+              <a:rPr lang="en-US" sz="3600" dirty="0" smtClean="0"/>
+              <a:t> </a:t>
+            </a:r>
+            <a:r>
+              <a:rPr lang="en-US" sz="3600" dirty="0" err="1" smtClean="0"/>
+              <a:t>dd</a:t>
+            </a:r>
+            <a:r>
+              <a:rPr lang="en-US" sz="3600" dirty="0" smtClean="0"/>
+              <a:t> d </a:t>
+            </a:r>
+            <a:r>
+              <a:rPr lang="en-US" sz="3600" dirty="0" err="1" smtClean="0"/>
+              <a:t>ddddd</a:t>
+            </a:r>
+            <a:r>
+              <a:rPr lang="en-US" sz="3600" dirty="0" smtClean="0"/>
+              <a:t> </a:t>
+            </a:r>
+            <a:r>
+              <a:rPr lang="en-US" sz="3600" dirty="0" err="1" smtClean="0"/>
+              <a:t>ddd</a:t>
+            </a:r>
+            <a:r>
+              <a:rPr lang="en-US" sz="3600" dirty="0" smtClean="0"/>
+              <a:t> </a:t>
+            </a:r>
+            <a:r>
+              <a:rPr lang="en-US" sz="3600" dirty="0" err="1" smtClean="0"/>
+              <a:t>ddd</a:t>
+            </a:r>
+            <a:r>
+              <a:rPr lang="en-US" sz="3600" dirty="0" smtClean="0"/>
+              <a:t> </a:t>
+            </a:r>
+            <a:r>
+              <a:rPr lang="en-US" sz="3600" dirty="0" err="1" smtClean="0"/>
+              <a:t>ddd</a:t>
+            </a:r>
+            <a:r>
+              <a:rPr lang="en-US" sz="3600" dirty="0" smtClean="0"/>
+              <a:t> </a:t>
+            </a:r>
+            <a:r>
+              <a:rPr lang="en-US" sz="3600" dirty="0" err="1" smtClean="0"/>
+              <a:t>ddd</a:t>
+            </a:r>
+            <a:r>
+              <a:rPr lang="en-US" sz="3600" dirty="0" smtClean="0"/>
+              <a:t> </a:t>
+            </a:r>
+            <a:r>
+              <a:rPr lang="en-US" sz="3600" dirty="0" err="1" smtClean="0"/>
+              <a:t>ddd</a:t>
+            </a:r>
+            <a:r>
+              <a:rPr lang="en-US" sz="3600" dirty="0" smtClean="0"/>
+              <a:t> </a:t>
+            </a:r>
+            <a:r>
+              <a:rPr lang="en-US" sz="3600" dirty="0" err="1" smtClean="0"/>
+              <a:t>ddd</a:t>
+            </a:r>
+            <a:r>
+              <a:rPr lang="en-US" sz="3600" dirty="0" smtClean="0"/>
+              <a:t> </a:t>
+            </a:r>
+            <a:r>
+              <a:rPr lang="en-US" sz="3600" dirty="0" err="1" smtClean="0"/>
+              <a:t>ddd</a:t>
+            </a:r>
+            <a:r>
+              <a:rPr lang="en-US" sz="3600" dirty="0" smtClean="0"/>
+              <a:t> </a:t>
+            </a:r>
+            <a:r>
+              <a:rPr lang="en-US" sz="3600" dirty="0" err="1" smtClean="0"/>
+              <a:t>dddddd</a:t>
+            </a:r>
+            <a:r>
+              <a:rPr lang="en-US" sz="3600" dirty="0" smtClean="0"/>
+              <a:t> </a:t>
+            </a:r>
+            <a:r>
+              <a:rPr lang="en-US" sz="3600" dirty="0" err="1" smtClean="0"/>
+              <a:t>dd</a:t>
+            </a:r>
+            <a:r>
+              <a:rPr lang="en-US" sz="3600" dirty="0" smtClean="0"/>
+              <a:t> </a:t>
+            </a:r>
+            <a:r>
+              <a:rPr lang="en-US" sz="3600" dirty="0" err="1" smtClean="0"/>
+              <a:t>ddd</a:t>
+            </a:r>
+            <a:r>
+              <a:rPr lang="en-US" sz="3600" dirty="0" smtClean="0"/>
+              <a:t> </a:t>
+            </a:r>
+            <a:r>
+              <a:rPr lang="en-US" sz="3600" dirty="0" err="1" smtClean="0"/>
+              <a:t>ddddd</a:t>
+            </a:r>
+            <a:r>
+              <a:rPr lang="en-US" sz="3600" dirty="0" smtClean="0"/>
+              <a:t> </a:t>
+            </a:r>
+            <a:r>
+              <a:rPr lang="en-US" sz="3600" dirty="0" err="1" smtClean="0"/>
+              <a:t>dd</a:t>
+            </a:r>
+            <a:r>
+              <a:rPr lang="en-US" sz="3600" dirty="0" smtClean="0"/>
+              <a:t> </a:t>
+            </a:r>
+            <a:r>
+              <a:rPr lang="en-US" sz="3600" dirty="0" err="1" smtClean="0"/>
+              <a:t>dd</a:t>
+            </a:r>
+            <a:r>
+              <a:rPr lang="en-US" sz="3600" dirty="0" smtClean="0"/>
+              <a:t> d </a:t>
+            </a:r>
+            <a:r>
+              <a:rPr lang="en-US" sz="3600" dirty="0" err="1" smtClean="0"/>
+              <a:t>ddd</a:t>
+            </a:r>
+            <a:r>
+              <a:rPr lang="en-US" sz="3600" dirty="0" smtClean="0"/>
+              <a:t> </a:t>
+            </a:r>
+            <a:r>
+              <a:rPr lang="en-US" sz="3600" dirty="0" err="1" smtClean="0"/>
+              <a:t>ddd</a:t>
+            </a:r>
+            <a:endParaRPr lang="en-US" sz="3600" dirty="0" smtClean="0"/>
+          </a:p>
+          <a:p>
+            <a:pPr marL="285750" indent="-285750">
+              <a:buFont typeface="Arial" panose="020B0604020202020204" pitchFamily="34" charset="0"/>
+              <a:buChar char="•"/>
+            </a:pPr>
+            <a:r>
+              <a:rPr lang="en-US" altLang="zh-CN" dirty="0" smtClean="0"/>
+              <a:t>Test – Chinese Characters: </a:t>
+            </a:r>
+            <a:r>
+              <a:rPr lang="zh-CN" altLang="en-US" dirty="0" smtClean="0"/>
+              <a:t>阿</a:t>
+            </a:r>
+            <a:r>
+              <a:rPr lang="zh-CN" altLang="en-US" dirty="0"/>
+              <a:t>斯</a:t>
+            </a:r>
+            <a:r>
+              <a:rPr lang="zh-CN" altLang="en-US" dirty="0" smtClean="0"/>
+              <a:t>顿啊盛大速度啊盛大速度啊盛大速度</a:t>
+            </a:r>
+            <a:endParaRPr lang="en-SG" dirty="0"/>
+          </a:p>
+        </p:txBody>
+      </p:sp>
+    </p:spTree>
+    <p:extLst>
+      <p:ext uri="{BB962C8B-B14F-4D97-AF65-F5344CB8AC3E}">
+        <p14:creationId xmlns:p14="http://schemas.microsoft.com/office/powerpoint/2010/main" val="116441609"/>
+      </p:ext>
+    </p:extLst>
+  </p:cSld>
+  <p:clrMapOvr>
+    <a:masterClrMapping/>
+  </p:clrMapOvr>
+  <p:transition spd="slow">
+    <p:push dir="u"/>
+  </p:transition>
+  <p:timing>
+    <p:tnLst>
+      <p:par>
+        <p:cTn id="1" dur="indefinite" restart="never" nodeType="tmRoot"/>
+      </p:par>
+    </p:tnLst>
+  </p:timing>
+</p:sld>
+</file>
+
+<file path=ppt/slides/slide33.xml><?xml version="1.0" encoding="utf-8"?>
 <p:sld xmlns:a="http://schemas.openxmlformats.org/drawingml/2006/main" xmlns:r="http://schemas.openxmlformats.org/officeDocument/2006/relationships" xmlns:p="http://schemas.openxmlformats.org/presentationml/2006/main" show="0">
   <p:cSld name="PPTLabsAcknowledgementSlide">
     <p:spTree>
@@ -19318,94 +25189,6 @@
       <p:transition spd="slow"/>
     </mc:Fallback>
   </mc:AlternateContent>
-  <p:timing>
-    <p:tnLst>
-      <p:par>
-        <p:cTn id="1" dur="indefinite" restart="never" nodeType="tmRoot"/>
-      </p:par>
-    </p:tnLst>
-  </p:timing>
-</p:sld>
-</file>
-
-<file path=ppt/slides/slide3.xml><?xml version="1.0" encoding="utf-8"?>
-<p:sld xmlns:a="http://schemas.openxmlformats.org/drawingml/2006/main" xmlns:r="http://schemas.openxmlformats.org/officeDocument/2006/relationships" xmlns:p="http://schemas.openxmlformats.org/presentationml/2006/main">
-  <p:cSld>
-    <p:spTree>
-      <p:nvGrpSpPr>
-        <p:cNvPr id="1" name=""/>
-        <p:cNvGrpSpPr/>
-        <p:nvPr/>
-      </p:nvGrpSpPr>
-      <p:grpSpPr>
-        <a:xfrm>
-          <a:off x="0" y="0"/>
-          <a:ext cx="0" cy="0"/>
-          <a:chOff x="0" y="0"/>
-          <a:chExt cx="0" cy="0"/>
-        </a:xfrm>
-      </p:grpSpPr>
-      <p:sp>
-        <p:nvSpPr>
-          <p:cNvPr id="2" name="Title 1"/>
-          <p:cNvSpPr>
-            <a:spLocks noGrp="1"/>
-          </p:cNvSpPr>
-          <p:nvPr>
-            <p:ph type="title"/>
-          </p:nvPr>
-        </p:nvSpPr>
-        <p:spPr/>
-        <p:txBody>
-          <a:bodyPr/>
-          <a:lstStyle/>
-          <a:p>
-            <a:r>
-              <a:rPr lang="en-US" dirty="0" smtClean="0"/>
-              <a:t>Highlight Points:: Highlight Text – Select Slide</a:t>
-            </a:r>
-            <a:endParaRPr lang="en-SG" dirty="0"/>
-          </a:p>
-        </p:txBody>
-      </p:sp>
-      <p:sp>
-        <p:nvSpPr>
-          <p:cNvPr id="4" name="Content Placeholder 2"/>
-          <p:cNvSpPr>
-            <a:spLocks noGrp="1"/>
-          </p:cNvSpPr>
-          <p:nvPr>
-            <p:ph idx="1"/>
-          </p:nvPr>
-        </p:nvSpPr>
-        <p:spPr>
-          <a:xfrm>
-            <a:off x="457200" y="3124200"/>
-            <a:ext cx="8229600" cy="3001963"/>
-          </a:xfrm>
-        </p:spPr>
-        <p:txBody>
-          <a:bodyPr/>
-          <a:lstStyle/>
-          <a:p>
-            <a:r>
-              <a:rPr lang="en-US" dirty="0" smtClean="0"/>
-              <a:t>Select the slide and click “Highlight Points”</a:t>
-            </a:r>
-            <a:endParaRPr lang="en-SG" dirty="0"/>
-          </a:p>
-        </p:txBody>
-      </p:sp>
-    </p:spTree>
-    <p:extLst>
-      <p:ext uri="{BB962C8B-B14F-4D97-AF65-F5344CB8AC3E}">
-        <p14:creationId xmlns:p14="http://schemas.microsoft.com/office/powerpoint/2010/main" val="1286891872"/>
-      </p:ext>
-    </p:extLst>
-  </p:cSld>
-  <p:clrMapOvr>
-    <a:masterClrMapping/>
-  </p:clrMapOvr>
   <p:timing>
     <p:tnLst>
       <p:par>
@@ -22541,15 +28324,129 @@
 </p:tagLst>
 </file>
 
+<file path=ppt/tags/tag24.xml><?xml version="1.0" encoding="utf-8"?>
+<p:tagLst xmlns:a="http://schemas.openxmlformats.org/drawingml/2006/main" xmlns:r="http://schemas.openxmlformats.org/officeDocument/2006/relationships" xmlns:p="http://schemas.openxmlformats.org/presentationml/2006/main">
+  <p:tag name="HIGHLIGHTBACKGROUND" val="HighlightBackgroundShape73075057-96f2-467a-9739-220ecca5ae94"/>
+</p:tagLst>
+</file>
+
+<file path=ppt/tags/tag25.xml><?xml version="1.0" encoding="utf-8"?>
+<p:tagLst xmlns:a="http://schemas.openxmlformats.org/drawingml/2006/main" xmlns:r="http://schemas.openxmlformats.org/officeDocument/2006/relationships" xmlns:p="http://schemas.openxmlformats.org/presentationml/2006/main">
+  <p:tag name="HIGHLIGHTBACKGROUND" val="HighlightBackgroundShape73075057-96f2-467a-9739-220ecca5ae94"/>
+</p:tagLst>
+</file>
+
+<file path=ppt/tags/tag26.xml><?xml version="1.0" encoding="utf-8"?>
+<p:tagLst xmlns:a="http://schemas.openxmlformats.org/drawingml/2006/main" xmlns:r="http://schemas.openxmlformats.org/officeDocument/2006/relationships" xmlns:p="http://schemas.openxmlformats.org/presentationml/2006/main">
+  <p:tag name="HIGHLIGHTBACKGROUND" val="HighlightBackgroundShape73075057-96f2-467a-9739-220ecca5ae94"/>
+</p:tagLst>
+</file>
+
+<file path=ppt/tags/tag27.xml><?xml version="1.0" encoding="utf-8"?>
+<p:tagLst xmlns:a="http://schemas.openxmlformats.org/drawingml/2006/main" xmlns:r="http://schemas.openxmlformats.org/officeDocument/2006/relationships" xmlns:p="http://schemas.openxmlformats.org/presentationml/2006/main">
+  <p:tag name="HIGHLIGHTBACKGROUND" val="HighlightBackgroundShape73075057-96f2-467a-9739-220ecca5ae94"/>
+</p:tagLst>
+</file>
+
+<file path=ppt/tags/tag28.xml><?xml version="1.0" encoding="utf-8"?>
+<p:tagLst xmlns:a="http://schemas.openxmlformats.org/drawingml/2006/main" xmlns:r="http://schemas.openxmlformats.org/officeDocument/2006/relationships" xmlns:p="http://schemas.openxmlformats.org/presentationml/2006/main">
+  <p:tag name="HIGHLIGHTBACKGROUND" val="HighlightBackgroundShape73075057-96f2-467a-9739-220ecca5ae94"/>
+</p:tagLst>
+</file>
+
+<file path=ppt/tags/tag29.xml><?xml version="1.0" encoding="utf-8"?>
+<p:tagLst xmlns:a="http://schemas.openxmlformats.org/drawingml/2006/main" xmlns:r="http://schemas.openxmlformats.org/officeDocument/2006/relationships" xmlns:p="http://schemas.openxmlformats.org/presentationml/2006/main">
+  <p:tag name="HIGHLIGHTBACKGROUND" val="HighlightBackgroundShape73075057-96f2-467a-9739-220ecca5ae94"/>
+</p:tagLst>
+</file>
+
 <file path=ppt/tags/tag3.xml><?xml version="1.0" encoding="utf-8"?>
 <p:tagLst xmlns:a="http://schemas.openxmlformats.org/drawingml/2006/main" xmlns:r="http://schemas.openxmlformats.org/officeDocument/2006/relationships" xmlns:p="http://schemas.openxmlformats.org/presentationml/2006/main">
   <p:tag name="HIGHLIGHTBACKGROUND" val="HighlightBackgroundShape961d3f1e-187d-4b94-8f93-1be85193a105"/>
 </p:tagLst>
 </file>
 
+<file path=ppt/tags/tag30.xml><?xml version="1.0" encoding="utf-8"?>
+<p:tagLst xmlns:a="http://schemas.openxmlformats.org/drawingml/2006/main" xmlns:r="http://schemas.openxmlformats.org/officeDocument/2006/relationships" xmlns:p="http://schemas.openxmlformats.org/presentationml/2006/main">
+  <p:tag name="HIGHLIGHTBACKGROUND" val="HighlightBackgroundShape73075057-96f2-467a-9739-220ecca5ae94"/>
+</p:tagLst>
+</file>
+
+<file path=ppt/tags/tag31.xml><?xml version="1.0" encoding="utf-8"?>
+<p:tagLst xmlns:a="http://schemas.openxmlformats.org/drawingml/2006/main" xmlns:r="http://schemas.openxmlformats.org/officeDocument/2006/relationships" xmlns:p="http://schemas.openxmlformats.org/presentationml/2006/main">
+  <p:tag name="HIGHLIGHTTEXTFRAGMENT" val="PPTLabsHighlightTextFragmentsShapef560e986-5733-437e-889b-5a50370d495c"/>
+</p:tagLst>
+</file>
+
+<file path=ppt/tags/tag32.xml><?xml version="1.0" encoding="utf-8"?>
+<p:tagLst xmlns:a="http://schemas.openxmlformats.org/drawingml/2006/main" xmlns:r="http://schemas.openxmlformats.org/officeDocument/2006/relationships" xmlns:p="http://schemas.openxmlformats.org/presentationml/2006/main">
+  <p:tag name="HIGHLIGHTTEXTFRAGMENT" val="PPTLabsHighlightTextFragmentsShape5dafe8db-bb16-4787-93f5-d40d86237947"/>
+</p:tagLst>
+</file>
+
+<file path=ppt/tags/tag33.xml><?xml version="1.0" encoding="utf-8"?>
+<p:tagLst xmlns:a="http://schemas.openxmlformats.org/drawingml/2006/main" xmlns:r="http://schemas.openxmlformats.org/officeDocument/2006/relationships" xmlns:p="http://schemas.openxmlformats.org/presentationml/2006/main">
+  <p:tag name="HIGHLIGHTTEXTFRAGMENT" val="PPTLabsHighlightTextFragmentsShapeffca0822-50bb-437f-982a-deb2b4f8c205"/>
+</p:tagLst>
+</file>
+
+<file path=ppt/tags/tag34.xml><?xml version="1.0" encoding="utf-8"?>
+<p:tagLst xmlns:a="http://schemas.openxmlformats.org/drawingml/2006/main" xmlns:r="http://schemas.openxmlformats.org/officeDocument/2006/relationships" xmlns:p="http://schemas.openxmlformats.org/presentationml/2006/main">
+  <p:tag name="HIGHLIGHTTEXTFRAGMENT" val="PPTLabsHighlightTextFragmentsShapea8e1a1fe-6afa-4cc1-bd33-8aab284f6778"/>
+</p:tagLst>
+</file>
+
+<file path=ppt/tags/tag35.xml><?xml version="1.0" encoding="utf-8"?>
+<p:tagLst xmlns:a="http://schemas.openxmlformats.org/drawingml/2006/main" xmlns:r="http://schemas.openxmlformats.org/officeDocument/2006/relationships" xmlns:p="http://schemas.openxmlformats.org/presentationml/2006/main">
+  <p:tag name="HIGHLIGHTTEXTFRAGMENT" val="PPTLabsHighlightTextFragmentsShapedfbef032-dc4f-4081-8a5a-2a30bf72c5ed"/>
+</p:tagLst>
+</file>
+
+<file path=ppt/tags/tag36.xml><?xml version="1.0" encoding="utf-8"?>
+<p:tagLst xmlns:a="http://schemas.openxmlformats.org/drawingml/2006/main" xmlns:r="http://schemas.openxmlformats.org/officeDocument/2006/relationships" xmlns:p="http://schemas.openxmlformats.org/presentationml/2006/main">
+  <p:tag name="HIGHLIGHTTEXTFRAGMENT" val="PPTLabsHighlightTextFragmentsShaped3190702-95da-4afd-8acf-a33bcd3b3049"/>
+</p:tagLst>
+</file>
+
+<file path=ppt/tags/tag37.xml><?xml version="1.0" encoding="utf-8"?>
+<p:tagLst xmlns:a="http://schemas.openxmlformats.org/drawingml/2006/main" xmlns:r="http://schemas.openxmlformats.org/officeDocument/2006/relationships" xmlns:p="http://schemas.openxmlformats.org/presentationml/2006/main">
+  <p:tag name="HIGHLIGHTTEXTFRAGMENT" val="PPTLabsHighlightTextFragmentsShape612a547e-b2ed-4186-842e-5e65f105cedf"/>
+</p:tagLst>
+</file>
+
+<file path=ppt/tags/tag38.xml><?xml version="1.0" encoding="utf-8"?>
+<p:tagLst xmlns:a="http://schemas.openxmlformats.org/drawingml/2006/main" xmlns:r="http://schemas.openxmlformats.org/officeDocument/2006/relationships" xmlns:p="http://schemas.openxmlformats.org/presentationml/2006/main">
+  <p:tag name="HIGHLIGHTTEXTFRAGMENT" val="PPTLabsHighlightTextFragmentsShapefb9dff23-56a0-4df4-bc80-a2ae39f63636"/>
+</p:tagLst>
+</file>
+
+<file path=ppt/tags/tag39.xml><?xml version="1.0" encoding="utf-8"?>
+<p:tagLst xmlns:a="http://schemas.openxmlformats.org/drawingml/2006/main" xmlns:r="http://schemas.openxmlformats.org/officeDocument/2006/relationships" xmlns:p="http://schemas.openxmlformats.org/presentationml/2006/main">
+  <p:tag name="HIGHLIGHTTEXTFRAGMENT" val="PPTLabsHighlightTextFragmentsShaped4609327-c4de-425d-9d68-02d35c05bf3d"/>
+</p:tagLst>
+</file>
+
 <file path=ppt/tags/tag4.xml><?xml version="1.0" encoding="utf-8"?>
 <p:tagLst xmlns:a="http://schemas.openxmlformats.org/drawingml/2006/main" xmlns:r="http://schemas.openxmlformats.org/officeDocument/2006/relationships" xmlns:p="http://schemas.openxmlformats.org/presentationml/2006/main">
   <p:tag name="HIGHLIGHTBACKGROUND" val="HighlightBackgroundShape961d3f1e-187d-4b94-8f93-1be85193a105"/>
+</p:tagLst>
+</file>
+
+<file path=ppt/tags/tag40.xml><?xml version="1.0" encoding="utf-8"?>
+<p:tagLst xmlns:a="http://schemas.openxmlformats.org/drawingml/2006/main" xmlns:r="http://schemas.openxmlformats.org/officeDocument/2006/relationships" xmlns:p="http://schemas.openxmlformats.org/presentationml/2006/main">
+  <p:tag name="HIGHLIGHTTEXTFRAGMENT" val="PPTLabsHighlightTextFragmentsShapeca68f108-b76c-4f17-bb50-14898e6f6c37"/>
+</p:tagLst>
+</file>
+
+<file path=ppt/tags/tag41.xml><?xml version="1.0" encoding="utf-8"?>
+<p:tagLst xmlns:a="http://schemas.openxmlformats.org/drawingml/2006/main" xmlns:r="http://schemas.openxmlformats.org/officeDocument/2006/relationships" xmlns:p="http://schemas.openxmlformats.org/presentationml/2006/main">
+  <p:tag name="HIGHLIGHTTEXTFRAGMENT" val="PPTLabsHighlightTextFragmentsShape082f0072-7ed0-4862-a311-6b03e9817ba5"/>
+</p:tagLst>
+</file>
+
+<file path=ppt/tags/tag42.xml><?xml version="1.0" encoding="utf-8"?>
+<p:tagLst xmlns:a="http://schemas.openxmlformats.org/drawingml/2006/main" xmlns:r="http://schemas.openxmlformats.org/officeDocument/2006/relationships" xmlns:p="http://schemas.openxmlformats.org/presentationml/2006/main">
+  <p:tag name="HIGHLIGHTTEXTFRAGMENT" val="PPTLabsHighlightTextFragmentsShaped9458b93-2132-4807-95c4-7952effabe04"/>
 </p:tagLst>
 </file>
 

--- a/doc/test/HighlightPoints.pptx
+++ b/doc/test/HighlightPoints.pptx
@@ -7,7 +7,7 @@
     <p:sldMasterId id="2147483672" r:id="rId3"/>
   </p:sldMasterIdLst>
   <p:notesMasterIdLst>
-    <p:notesMasterId r:id="rId25"/>
+    <p:notesMasterId r:id="rId34"/>
   </p:notesMasterIdLst>
   <p:sldIdLst>
     <p:sldId id="287" r:id="rId4"/>
@@ -30,7 +30,16 @@
     <p:sldId id="323" r:id="rId21"/>
     <p:sldId id="324" r:id="rId22"/>
     <p:sldId id="329" r:id="rId23"/>
-    <p:sldId id="305" r:id="rId24"/>
+    <p:sldId id="335" r:id="rId24"/>
+    <p:sldId id="333" r:id="rId25"/>
+    <p:sldId id="336" r:id="rId26"/>
+    <p:sldId id="337" r:id="rId27"/>
+    <p:sldId id="338" r:id="rId28"/>
+    <p:sldId id="339" r:id="rId29"/>
+    <p:sldId id="340" r:id="rId30"/>
+    <p:sldId id="341" r:id="rId31"/>
+    <p:sldId id="342" r:id="rId32"/>
+    <p:sldId id="305" r:id="rId33"/>
   </p:sldIdLst>
   <p:sldSz cx="9144000" cy="6858000" type="screen4x3"/>
   <p:notesSz cx="6858000" cy="9144000"/>
@@ -158,13 +167,22 @@
             <p14:sldId id="323"/>
             <p14:sldId id="324"/>
             <p14:sldId id="329"/>
+            <p14:sldId id="335"/>
+            <p14:sldId id="333"/>
+            <p14:sldId id="336"/>
+            <p14:sldId id="337"/>
+            <p14:sldId id="338"/>
+            <p14:sldId id="339"/>
+            <p14:sldId id="340"/>
+            <p14:sldId id="341"/>
+            <p14:sldId id="342"/>
             <p14:sldId id="305"/>
           </p14:sldIdLst>
         </p14:section>
       </p14:sectionLst>
     </p:ext>
     <p:ext uri="{EFAFB233-063F-42B5-8137-9DF3F51BA10A}">
-      <p15:sldGuideLst xmlns:p15="http://schemas.microsoft.com/office/powerpoint/2012/main" xmlns="">
+      <p15:sldGuideLst xmlns:p15="http://schemas.microsoft.com/office/powerpoint/2012/main">
         <p15:guide id="1" orient="horz" pos="2160">
           <p15:clr>
             <a:srgbClr val="A4A3A4"/>
@@ -263,7 +281,7 @@
           <a:p>
             <a:fld id="{7B6B14F6-3F9A-43ED-BCC2-4547CC5017BD}" type="datetimeFigureOut">
               <a:rPr lang="en-SG" smtClean="0"/>
-              <a:t>19/6/2015</a:t>
+              <a:t>2/5/2017</a:t>
             </a:fld>
             <a:endParaRPr lang="en-SG"/>
           </a:p>
@@ -712,7 +730,7 @@
           <a:p>
             <a:fld id="{699DC775-C286-4358-8C92-D7E584E969B3}" type="datetimeFigureOut">
               <a:rPr lang="en-US" smtClean="0"/>
-              <a:t>19-Jun-15</a:t>
+              <a:t>2/5/2017</a:t>
             </a:fld>
             <a:endParaRPr lang="en-US"/>
           </a:p>
@@ -882,7 +900,7 @@
           <a:p>
             <a:fld id="{699DC775-C286-4358-8C92-D7E584E969B3}" type="datetimeFigureOut">
               <a:rPr lang="en-US" smtClean="0"/>
-              <a:t>19-Jun-15</a:t>
+              <a:t>2/5/2017</a:t>
             </a:fld>
             <a:endParaRPr lang="en-US"/>
           </a:p>
@@ -1062,7 +1080,7 @@
           <a:p>
             <a:fld id="{699DC775-C286-4358-8C92-D7E584E969B3}" type="datetimeFigureOut">
               <a:rPr lang="en-US" smtClean="0"/>
-              <a:t>19-Jun-15</a:t>
+              <a:t>2/5/2017</a:t>
             </a:fld>
             <a:endParaRPr lang="en-US"/>
           </a:p>
@@ -1304,7 +1322,7 @@
           <a:p>
             <a:fld id="{699DC775-C286-4358-8C92-D7E584E969B3}" type="datetimeFigureOut">
               <a:rPr lang="en-US" smtClean="0"/>
-              <a:t>19-Jun-15</a:t>
+              <a:t>2/5/2017</a:t>
             </a:fld>
             <a:endParaRPr lang="en-US"/>
           </a:p>
@@ -1474,7 +1492,7 @@
           <a:p>
             <a:fld id="{699DC775-C286-4358-8C92-D7E584E969B3}" type="datetimeFigureOut">
               <a:rPr lang="en-US" smtClean="0"/>
-              <a:t>19-Jun-15</a:t>
+              <a:t>2/5/2017</a:t>
             </a:fld>
             <a:endParaRPr lang="en-US"/>
           </a:p>
@@ -1720,7 +1738,7 @@
           <a:p>
             <a:fld id="{699DC775-C286-4358-8C92-D7E584E969B3}" type="datetimeFigureOut">
               <a:rPr lang="en-US" smtClean="0"/>
-              <a:t>19-Jun-15</a:t>
+              <a:t>2/5/2017</a:t>
             </a:fld>
             <a:endParaRPr lang="en-US"/>
           </a:p>
@@ -2008,7 +2026,7 @@
           <a:p>
             <a:fld id="{699DC775-C286-4358-8C92-D7E584E969B3}" type="datetimeFigureOut">
               <a:rPr lang="en-US" smtClean="0"/>
-              <a:t>19-Jun-15</a:t>
+              <a:t>2/5/2017</a:t>
             </a:fld>
             <a:endParaRPr lang="en-US"/>
           </a:p>
@@ -2430,7 +2448,7 @@
           <a:p>
             <a:fld id="{699DC775-C286-4358-8C92-D7E584E969B3}" type="datetimeFigureOut">
               <a:rPr lang="en-US" smtClean="0"/>
-              <a:t>19-Jun-15</a:t>
+              <a:t>2/5/2017</a:t>
             </a:fld>
             <a:endParaRPr lang="en-US"/>
           </a:p>
@@ -2548,7 +2566,7 @@
           <a:p>
             <a:fld id="{699DC775-C286-4358-8C92-D7E584E969B3}" type="datetimeFigureOut">
               <a:rPr lang="en-US" smtClean="0"/>
-              <a:t>19-Jun-15</a:t>
+              <a:t>2/5/2017</a:t>
             </a:fld>
             <a:endParaRPr lang="en-US"/>
           </a:p>
@@ -2643,7 +2661,7 @@
           <a:p>
             <a:fld id="{699DC775-C286-4358-8C92-D7E584E969B3}" type="datetimeFigureOut">
               <a:rPr lang="en-US" smtClean="0"/>
-              <a:t>19-Jun-15</a:t>
+              <a:t>2/5/2017</a:t>
             </a:fld>
             <a:endParaRPr lang="en-US"/>
           </a:p>
@@ -2920,7 +2938,7 @@
           <a:p>
             <a:fld id="{699DC775-C286-4358-8C92-D7E584E969B3}" type="datetimeFigureOut">
               <a:rPr lang="en-US" smtClean="0"/>
-              <a:t>19-Jun-15</a:t>
+              <a:t>2/5/2017</a:t>
             </a:fld>
             <a:endParaRPr lang="en-US"/>
           </a:p>
@@ -3090,7 +3108,7 @@
           <a:p>
             <a:fld id="{699DC775-C286-4358-8C92-D7E584E969B3}" type="datetimeFigureOut">
               <a:rPr lang="en-US" smtClean="0"/>
-              <a:t>19-Jun-15</a:t>
+              <a:t>2/5/2017</a:t>
             </a:fld>
             <a:endParaRPr lang="en-US"/>
           </a:p>
@@ -3343,7 +3361,7 @@
           <a:p>
             <a:fld id="{699DC775-C286-4358-8C92-D7E584E969B3}" type="datetimeFigureOut">
               <a:rPr lang="en-US" smtClean="0"/>
-              <a:t>19-Jun-15</a:t>
+              <a:t>2/5/2017</a:t>
             </a:fld>
             <a:endParaRPr lang="en-US"/>
           </a:p>
@@ -3513,7 +3531,7 @@
           <a:p>
             <a:fld id="{699DC775-C286-4358-8C92-D7E584E969B3}" type="datetimeFigureOut">
               <a:rPr lang="en-US" smtClean="0"/>
-              <a:t>19-Jun-15</a:t>
+              <a:t>2/5/2017</a:t>
             </a:fld>
             <a:endParaRPr lang="en-US"/>
           </a:p>
@@ -3693,7 +3711,7 @@
           <a:p>
             <a:fld id="{699DC775-C286-4358-8C92-D7E584E969B3}" type="datetimeFigureOut">
               <a:rPr lang="en-US" smtClean="0"/>
-              <a:t>19-Jun-15</a:t>
+              <a:t>2/5/2017</a:t>
             </a:fld>
             <a:endParaRPr lang="en-US"/>
           </a:p>
@@ -3943,7 +3961,7 @@
           <a:p>
             <a:fld id="{699DC775-C286-4358-8C92-D7E584E969B3}" type="datetimeFigureOut">
               <a:rPr lang="en-US" smtClean="0"/>
-              <a:t>19-Jun-15</a:t>
+              <a:t>2/5/2017</a:t>
             </a:fld>
             <a:endParaRPr lang="en-US"/>
           </a:p>
@@ -4121,7 +4139,7 @@
           <a:p>
             <a:fld id="{699DC775-C286-4358-8C92-D7E584E969B3}" type="datetimeFigureOut">
               <a:rPr lang="en-US" smtClean="0"/>
-              <a:t>19-Jun-15</a:t>
+              <a:t>2/5/2017</a:t>
             </a:fld>
             <a:endParaRPr lang="en-US"/>
           </a:p>
@@ -4375,7 +4393,7 @@
           <a:p>
             <a:fld id="{699DC775-C286-4358-8C92-D7E584E969B3}" type="datetimeFigureOut">
               <a:rPr lang="en-US" smtClean="0"/>
-              <a:t>19-Jun-15</a:t>
+              <a:t>2/5/2017</a:t>
             </a:fld>
             <a:endParaRPr lang="en-US"/>
           </a:p>
@@ -4671,7 +4689,7 @@
           <a:p>
             <a:fld id="{699DC775-C286-4358-8C92-D7E584E969B3}" type="datetimeFigureOut">
               <a:rPr lang="en-US" smtClean="0"/>
-              <a:t>19-Jun-15</a:t>
+              <a:t>2/5/2017</a:t>
             </a:fld>
             <a:endParaRPr lang="en-US"/>
           </a:p>
@@ -5101,7 +5119,7 @@
           <a:p>
             <a:fld id="{699DC775-C286-4358-8C92-D7E584E969B3}" type="datetimeFigureOut">
               <a:rPr lang="en-US" smtClean="0"/>
-              <a:t>19-Jun-15</a:t>
+              <a:t>2/5/2017</a:t>
             </a:fld>
             <a:endParaRPr lang="en-US"/>
           </a:p>
@@ -5227,7 +5245,7 @@
           <a:p>
             <a:fld id="{699DC775-C286-4358-8C92-D7E584E969B3}" type="datetimeFigureOut">
               <a:rPr lang="en-US" smtClean="0"/>
-              <a:t>19-Jun-15</a:t>
+              <a:t>2/5/2017</a:t>
             </a:fld>
             <a:endParaRPr lang="en-US"/>
           </a:p>
@@ -5330,7 +5348,7 @@
           <a:p>
             <a:fld id="{699DC775-C286-4358-8C92-D7E584E969B3}" type="datetimeFigureOut">
               <a:rPr lang="en-US" smtClean="0"/>
-              <a:t>19-Jun-15</a:t>
+              <a:t>2/5/2017</a:t>
             </a:fld>
             <a:endParaRPr lang="en-US"/>
           </a:p>
@@ -5576,7 +5594,7 @@
           <a:p>
             <a:fld id="{699DC775-C286-4358-8C92-D7E584E969B3}" type="datetimeFigureOut">
               <a:rPr lang="en-US" smtClean="0"/>
-              <a:t>19-Jun-15</a:t>
+              <a:t>2/5/2017</a:t>
             </a:fld>
             <a:endParaRPr lang="en-US"/>
           </a:p>
@@ -5861,7 +5879,7 @@
           <a:p>
             <a:fld id="{699DC775-C286-4358-8C92-D7E584E969B3}" type="datetimeFigureOut">
               <a:rPr lang="en-US" smtClean="0"/>
-              <a:t>19-Jun-15</a:t>
+              <a:t>2/5/2017</a:t>
             </a:fld>
             <a:endParaRPr lang="en-US"/>
           </a:p>
@@ -6122,7 +6140,7 @@
           <a:p>
             <a:fld id="{699DC775-C286-4358-8C92-D7E584E969B3}" type="datetimeFigureOut">
               <a:rPr lang="en-US" smtClean="0"/>
-              <a:t>19-Jun-15</a:t>
+              <a:t>2/5/2017</a:t>
             </a:fld>
             <a:endParaRPr lang="en-US"/>
           </a:p>
@@ -6300,7 +6318,7 @@
           <a:p>
             <a:fld id="{699DC775-C286-4358-8C92-D7E584E969B3}" type="datetimeFigureOut">
               <a:rPr lang="en-US" smtClean="0"/>
-              <a:t>19-Jun-15</a:t>
+              <a:t>2/5/2017</a:t>
             </a:fld>
             <a:endParaRPr lang="en-US"/>
           </a:p>
@@ -6488,7 +6506,7 @@
           <a:p>
             <a:fld id="{699DC775-C286-4358-8C92-D7E584E969B3}" type="datetimeFigureOut">
               <a:rPr lang="en-US" smtClean="0"/>
-              <a:t>19-Jun-15</a:t>
+              <a:t>2/5/2017</a:t>
             </a:fld>
             <a:endParaRPr lang="en-US"/>
           </a:p>
@@ -6776,7 +6794,7 @@
           <a:p>
             <a:fld id="{699DC775-C286-4358-8C92-D7E584E969B3}" type="datetimeFigureOut">
               <a:rPr lang="en-US" smtClean="0"/>
-              <a:t>19-Jun-15</a:t>
+              <a:t>2/5/2017</a:t>
             </a:fld>
             <a:endParaRPr lang="en-US"/>
           </a:p>
@@ -7198,7 +7216,7 @@
           <a:p>
             <a:fld id="{699DC775-C286-4358-8C92-D7E584E969B3}" type="datetimeFigureOut">
               <a:rPr lang="en-US" smtClean="0"/>
-              <a:t>19-Jun-15</a:t>
+              <a:t>2/5/2017</a:t>
             </a:fld>
             <a:endParaRPr lang="en-US"/>
           </a:p>
@@ -7316,7 +7334,7 @@
           <a:p>
             <a:fld id="{699DC775-C286-4358-8C92-D7E584E969B3}" type="datetimeFigureOut">
               <a:rPr lang="en-US" smtClean="0"/>
-              <a:t>19-Jun-15</a:t>
+              <a:t>2/5/2017</a:t>
             </a:fld>
             <a:endParaRPr lang="en-US"/>
           </a:p>
@@ -7411,7 +7429,7 @@
           <a:p>
             <a:fld id="{699DC775-C286-4358-8C92-D7E584E969B3}" type="datetimeFigureOut">
               <a:rPr lang="en-US" smtClean="0"/>
-              <a:t>19-Jun-15</a:t>
+              <a:t>2/5/2017</a:t>
             </a:fld>
             <a:endParaRPr lang="en-US"/>
           </a:p>
@@ -7688,7 +7706,7 @@
           <a:p>
             <a:fld id="{699DC775-C286-4358-8C92-D7E584E969B3}" type="datetimeFigureOut">
               <a:rPr lang="en-US" smtClean="0"/>
-              <a:t>19-Jun-15</a:t>
+              <a:t>2/5/2017</a:t>
             </a:fld>
             <a:endParaRPr lang="en-US"/>
           </a:p>
@@ -7941,7 +7959,7 @@
           <a:p>
             <a:fld id="{699DC775-C286-4358-8C92-D7E584E969B3}" type="datetimeFigureOut">
               <a:rPr lang="en-US" smtClean="0"/>
-              <a:t>19-Jun-15</a:t>
+              <a:t>2/5/2017</a:t>
             </a:fld>
             <a:endParaRPr lang="en-US"/>
           </a:p>
@@ -8154,7 +8172,7 @@
           <a:p>
             <a:fld id="{699DC775-C286-4358-8C92-D7E584E969B3}" type="datetimeFigureOut">
               <a:rPr lang="en-US" smtClean="0"/>
-              <a:t>19-Jun-15</a:t>
+              <a:t>2/5/2017</a:t>
             </a:fld>
             <a:endParaRPr lang="en-US"/>
           </a:p>
@@ -8669,7 +8687,7 @@
           <a:p>
             <a:fld id="{699DC775-C286-4358-8C92-D7E584E969B3}" type="datetimeFigureOut">
               <a:rPr lang="en-US" smtClean="0"/>
-              <a:t>19-Jun-15</a:t>
+              <a:t>2/5/2017</a:t>
             </a:fld>
             <a:endParaRPr lang="en-US"/>
           </a:p>
@@ -9182,7 +9200,7 @@
           <a:p>
             <a:fld id="{699DC775-C286-4358-8C92-D7E584E969B3}" type="datetimeFigureOut">
               <a:rPr lang="en-US" smtClean="0"/>
-              <a:t>19-Jun-15</a:t>
+              <a:t>2/5/2017</a:t>
             </a:fld>
             <a:endParaRPr lang="en-US"/>
           </a:p>
@@ -18303,6 +18321,5873 @@
 </file>
 
 <file path=ppt/slides/slide21.xml><?xml version="1.0" encoding="utf-8"?>
+<p:sld xmlns:a="http://schemas.openxmlformats.org/drawingml/2006/main" xmlns:r="http://schemas.openxmlformats.org/officeDocument/2006/relationships" xmlns:p="http://schemas.openxmlformats.org/presentationml/2006/main">
+  <p:cSld>
+    <p:spTree>
+      <p:nvGrpSpPr>
+        <p:cNvPr id="1" name=""/>
+        <p:cNvGrpSpPr/>
+        <p:nvPr/>
+      </p:nvGrpSpPr>
+      <p:grpSpPr>
+        <a:xfrm>
+          <a:off x="0" y="0"/>
+          <a:ext cx="0" cy="0"/>
+          <a:chOff x="0" y="0"/>
+          <a:chExt cx="0" cy="0"/>
+        </a:xfrm>
+      </p:grpSpPr>
+      <p:sp>
+        <p:nvSpPr>
+          <p:cNvPr id="2" name="Title 1"/>
+          <p:cNvSpPr>
+            <a:spLocks noGrp="1"/>
+          </p:cNvSpPr>
+          <p:nvPr>
+            <p:ph type="title"/>
+          </p:nvPr>
+        </p:nvSpPr>
+        <p:spPr/>
+        <p:txBody>
+          <a:bodyPr/>
+          <a:lstStyle/>
+          <a:p>
+            <a:r>
+              <a:rPr lang="en-US" dirty="0" smtClean="0"/>
+              <a:t>Remove Highlighting:: </a:t>
+            </a:r>
+            <a:r>
+              <a:rPr lang="en-US" dirty="0"/>
+              <a:t>Highlight </a:t>
+            </a:r>
+            <a:r>
+              <a:rPr lang="en-US" dirty="0" smtClean="0"/>
+              <a:t>Points</a:t>
+            </a:r>
+            <a:endParaRPr lang="en-SG" dirty="0"/>
+          </a:p>
+        </p:txBody>
+      </p:sp>
+      <p:sp>
+        <p:nvSpPr>
+          <p:cNvPr id="4" name="Content Placeholder 2"/>
+          <p:cNvSpPr>
+            <a:spLocks noGrp="1"/>
+          </p:cNvSpPr>
+          <p:nvPr>
+            <p:ph idx="1"/>
+          </p:nvPr>
+        </p:nvSpPr>
+        <p:spPr>
+          <a:xfrm>
+            <a:off x="457200" y="3124200"/>
+            <a:ext cx="8229600" cy="3001963"/>
+          </a:xfrm>
+        </p:spPr>
+        <p:txBody>
+          <a:bodyPr/>
+          <a:lstStyle/>
+          <a:p>
+            <a:r>
+              <a:rPr lang="en-US" dirty="0" smtClean="0"/>
+              <a:t>Click “Remove Highlighting”</a:t>
+            </a:r>
+            <a:endParaRPr lang="en-SG" dirty="0"/>
+          </a:p>
+        </p:txBody>
+      </p:sp>
+    </p:spTree>
+    <p:extLst>
+      <p:ext uri="{BB962C8B-B14F-4D97-AF65-F5344CB8AC3E}">
+        <p14:creationId xmlns:p14="http://schemas.microsoft.com/office/powerpoint/2010/main" val="3673058263"/>
+      </p:ext>
+    </p:extLst>
+  </p:cSld>
+  <p:clrMapOvr>
+    <a:masterClrMapping/>
+  </p:clrMapOvr>
+  <p:timing>
+    <p:tnLst>
+      <p:par>
+        <p:cTn id="1" dur="indefinite" restart="never" nodeType="tmRoot"/>
+      </p:par>
+    </p:tnLst>
+  </p:timing>
+</p:sld>
+</file>
+
+<file path=ppt/slides/slide22.xml><?xml version="1.0" encoding="utf-8"?>
+<p:sld xmlns:a="http://schemas.openxmlformats.org/drawingml/2006/main" xmlns:r="http://schemas.openxmlformats.org/officeDocument/2006/relationships" xmlns:p="http://schemas.openxmlformats.org/presentationml/2006/main">
+  <p:cSld name="PPTLabsHighlightBulletsSlide201702051845316986">
+    <p:spTree>
+      <p:nvGrpSpPr>
+        <p:cNvPr id="1" name=""/>
+        <p:cNvGrpSpPr/>
+        <p:nvPr/>
+      </p:nvGrpSpPr>
+      <p:grpSpPr>
+        <a:xfrm>
+          <a:off x="0" y="0"/>
+          <a:ext cx="0" cy="0"/>
+          <a:chOff x="0" y="0"/>
+          <a:chExt cx="0" cy="0"/>
+        </a:xfrm>
+      </p:grpSpPr>
+      <p:sp>
+        <p:nvSpPr>
+          <p:cNvPr id="3" name="Rectangle 4"/>
+          <p:cNvSpPr/>
+          <p:nvPr/>
+        </p:nvSpPr>
+        <p:spPr>
+          <a:xfrm>
+            <a:off x="0" y="2286000"/>
+            <a:ext cx="9144000" cy="2209800"/>
+          </a:xfrm>
+          <a:prstGeom prst="rect">
+            <a:avLst/>
+          </a:prstGeom>
+          <a:solidFill>
+            <a:srgbClr val="002060"/>
+          </a:solidFill>
+        </p:spPr>
+        <p:style>
+          <a:lnRef idx="2">
+            <a:schemeClr val="accent1">
+              <a:shade val="50000"/>
+            </a:schemeClr>
+          </a:lnRef>
+          <a:fillRef idx="1">
+            <a:schemeClr val="accent1"/>
+          </a:fillRef>
+          <a:effectRef idx="0">
+            <a:schemeClr val="accent1"/>
+          </a:effectRef>
+          <a:fontRef idx="minor">
+            <a:schemeClr val="lt1"/>
+          </a:fontRef>
+        </p:style>
+        <p:txBody>
+          <a:bodyPr rtlCol="0" anchor="ctr"/>
+          <a:lstStyle/>
+          <a:p>
+            <a:pPr algn="ctr"/>
+            <a:endParaRPr lang="en-US"/>
+          </a:p>
+        </p:txBody>
+      </p:sp>
+      <p:sp>
+        <p:nvSpPr>
+          <p:cNvPr id="2" name="HighlightTextShape201702051845316996"/>
+          <p:cNvSpPr txBox="1"/>
+          <p:nvPr/>
+        </p:nvSpPr>
+        <p:spPr>
+          <a:xfrm>
+            <a:off x="762000" y="533400"/>
+            <a:ext cx="7620000" cy="5909310"/>
+          </a:xfrm>
+          <a:prstGeom prst="rect">
+            <a:avLst/>
+          </a:prstGeom>
+          <a:noFill/>
+        </p:spPr>
+        <p:txBody>
+          <a:bodyPr wrap="square" rtlCol="0">
+            <a:spAutoFit/>
+          </a:bodyPr>
+          <a:lstStyle/>
+          <a:p>
+            <a:pPr marL="285750" indent="-285750">
+              <a:buFont typeface="Arial" panose="020B0604020202020204" pitchFamily="34" charset="0"/>
+              <a:buChar char="•"/>
+            </a:pPr>
+            <a:r>
+              <a:rPr lang="en-US" sz="2800" dirty="0" smtClean="0"/>
+              <a:t>Test - Non-ABC: 1234567890!@#$%^&amp;*()</a:t>
+            </a:r>
+          </a:p>
+          <a:p>
+            <a:r>
+              <a:rPr lang="en-US" sz="2800" dirty="0"/>
+              <a:t>Test </a:t>
+            </a:r>
+            <a:r>
+              <a:rPr lang="en-US" sz="2800" dirty="0" smtClean="0"/>
+              <a:t>– No bullet point</a:t>
+            </a:r>
+            <a:endParaRPr lang="en-US" sz="2800" dirty="0"/>
+          </a:p>
+          <a:p>
+            <a:pPr marL="514350" indent="-514350">
+              <a:buFont typeface="+mj-lt"/>
+              <a:buAutoNum type="arabicPeriod"/>
+            </a:pPr>
+            <a:r>
+              <a:rPr lang="en-US" sz="2800" dirty="0"/>
+              <a:t>Test – </a:t>
+            </a:r>
+            <a:r>
+              <a:rPr lang="en-US" sz="2800" dirty="0" smtClean="0"/>
+              <a:t>Different bullet point</a:t>
+            </a:r>
+          </a:p>
+          <a:p>
+            <a:pPr marL="285750" indent="-285750">
+              <a:buFont typeface="Arial" panose="020B0604020202020204" pitchFamily="34" charset="0"/>
+              <a:buChar char="•"/>
+            </a:pPr>
+            <a:r>
+              <a:rPr lang="en-US" sz="2800" dirty="0" smtClean="0">
+                <a:latin typeface="Times New Roman" panose="02020603050405020304" pitchFamily="18" charset="0"/>
+                <a:cs typeface="Times New Roman" panose="02020603050405020304" pitchFamily="18" charset="0"/>
+              </a:rPr>
+              <a:t>Test - Another Font Family, using Times New Roman</a:t>
+            </a:r>
+          </a:p>
+          <a:p>
+            <a:pPr marL="285750" indent="-285750">
+              <a:buFont typeface="Arial" panose="020B0604020202020204" pitchFamily="34" charset="0"/>
+              <a:buChar char="•"/>
+            </a:pPr>
+            <a:r>
+              <a:rPr lang="en-US" sz="1000" dirty="0" smtClean="0"/>
+              <a:t>Test - very small content. Test: very small content. Test: very small content. Test: very small content</a:t>
+            </a:r>
+          </a:p>
+          <a:p>
+            <a:pPr marL="285750" indent="-285750">
+              <a:buFont typeface="Arial" panose="020B0604020202020204" pitchFamily="34" charset="0"/>
+              <a:buChar char="•"/>
+            </a:pPr>
+            <a:r>
+              <a:rPr lang="en-US" sz="6600" dirty="0" smtClean="0">
+                <a:latin typeface="Arial Black" panose="020B0A04020102020204" pitchFamily="34" charset="0"/>
+              </a:rPr>
+              <a:t>Test - very big</a:t>
+            </a:r>
+          </a:p>
+          <a:p>
+            <a:pPr marL="285750" indent="-285750">
+              <a:buFont typeface="Arial" panose="020B0604020202020204" pitchFamily="34" charset="0"/>
+              <a:buChar char="•"/>
+            </a:pPr>
+            <a:r>
+              <a:rPr lang="en-US" sz="3600" dirty="0" smtClean="0"/>
+              <a:t>Test – Long sentence: </a:t>
+            </a:r>
+            <a:r>
+              <a:rPr lang="en-US" sz="3600" dirty="0" err="1" smtClean="0"/>
+              <a:t>Asdddd</a:t>
+            </a:r>
+            <a:r>
+              <a:rPr lang="en-US" sz="3600" dirty="0" smtClean="0"/>
+              <a:t> </a:t>
+            </a:r>
+            <a:r>
+              <a:rPr lang="en-US" sz="3600" dirty="0" err="1" smtClean="0"/>
+              <a:t>ddd</a:t>
+            </a:r>
+            <a:r>
+              <a:rPr lang="en-US" sz="3600" dirty="0" smtClean="0"/>
+              <a:t> </a:t>
+            </a:r>
+            <a:r>
+              <a:rPr lang="en-US" sz="3600" dirty="0" err="1" smtClean="0"/>
+              <a:t>dd</a:t>
+            </a:r>
+            <a:r>
+              <a:rPr lang="en-US" sz="3600" dirty="0" smtClean="0"/>
+              <a:t> d </a:t>
+            </a:r>
+            <a:r>
+              <a:rPr lang="en-US" sz="3600" dirty="0" err="1" smtClean="0"/>
+              <a:t>ddddd</a:t>
+            </a:r>
+            <a:r>
+              <a:rPr lang="en-US" sz="3600" dirty="0" smtClean="0"/>
+              <a:t> </a:t>
+            </a:r>
+            <a:r>
+              <a:rPr lang="en-US" sz="3600" dirty="0" err="1" smtClean="0"/>
+              <a:t>ddd</a:t>
+            </a:r>
+            <a:r>
+              <a:rPr lang="en-US" sz="3600" dirty="0" smtClean="0"/>
+              <a:t> </a:t>
+            </a:r>
+            <a:r>
+              <a:rPr lang="en-US" sz="3600" dirty="0" err="1" smtClean="0"/>
+              <a:t>ddd</a:t>
+            </a:r>
+            <a:r>
+              <a:rPr lang="en-US" sz="3600" dirty="0" smtClean="0"/>
+              <a:t> </a:t>
+            </a:r>
+            <a:r>
+              <a:rPr lang="en-US" sz="3600" dirty="0" err="1" smtClean="0"/>
+              <a:t>ddd</a:t>
+            </a:r>
+            <a:r>
+              <a:rPr lang="en-US" sz="3600" dirty="0" smtClean="0"/>
+              <a:t> </a:t>
+            </a:r>
+            <a:r>
+              <a:rPr lang="en-US" sz="3600" dirty="0" err="1" smtClean="0"/>
+              <a:t>ddd</a:t>
+            </a:r>
+            <a:r>
+              <a:rPr lang="en-US" sz="3600" dirty="0" smtClean="0"/>
+              <a:t> </a:t>
+            </a:r>
+            <a:r>
+              <a:rPr lang="en-US" sz="3600" dirty="0" err="1" smtClean="0"/>
+              <a:t>ddd</a:t>
+            </a:r>
+            <a:r>
+              <a:rPr lang="en-US" sz="3600" dirty="0" smtClean="0"/>
+              <a:t> </a:t>
+            </a:r>
+            <a:r>
+              <a:rPr lang="en-US" sz="3600" dirty="0" err="1" smtClean="0"/>
+              <a:t>ddd</a:t>
+            </a:r>
+            <a:r>
+              <a:rPr lang="en-US" sz="3600" dirty="0" smtClean="0"/>
+              <a:t> </a:t>
+            </a:r>
+            <a:r>
+              <a:rPr lang="en-US" sz="3600" dirty="0" err="1" smtClean="0"/>
+              <a:t>ddd</a:t>
+            </a:r>
+            <a:r>
+              <a:rPr lang="en-US" sz="3600" dirty="0" smtClean="0"/>
+              <a:t> </a:t>
+            </a:r>
+            <a:r>
+              <a:rPr lang="en-US" sz="3600" dirty="0" err="1" smtClean="0"/>
+              <a:t>dddddd</a:t>
+            </a:r>
+            <a:r>
+              <a:rPr lang="en-US" sz="3600" dirty="0" smtClean="0"/>
+              <a:t> </a:t>
+            </a:r>
+            <a:r>
+              <a:rPr lang="en-US" sz="3600" dirty="0" err="1" smtClean="0"/>
+              <a:t>dd</a:t>
+            </a:r>
+            <a:r>
+              <a:rPr lang="en-US" sz="3600" dirty="0" smtClean="0"/>
+              <a:t> </a:t>
+            </a:r>
+            <a:r>
+              <a:rPr lang="en-US" sz="3600" dirty="0" err="1" smtClean="0"/>
+              <a:t>ddd</a:t>
+            </a:r>
+            <a:r>
+              <a:rPr lang="en-US" sz="3600" dirty="0" smtClean="0"/>
+              <a:t> </a:t>
+            </a:r>
+            <a:r>
+              <a:rPr lang="en-US" sz="3600" dirty="0" err="1" smtClean="0"/>
+              <a:t>ddddd</a:t>
+            </a:r>
+            <a:r>
+              <a:rPr lang="en-US" sz="3600" dirty="0" smtClean="0"/>
+              <a:t> </a:t>
+            </a:r>
+            <a:r>
+              <a:rPr lang="en-US" sz="3600" dirty="0" err="1" smtClean="0"/>
+              <a:t>dd</a:t>
+            </a:r>
+            <a:r>
+              <a:rPr lang="en-US" sz="3600" dirty="0" smtClean="0"/>
+              <a:t> </a:t>
+            </a:r>
+            <a:r>
+              <a:rPr lang="en-US" sz="3600" dirty="0" err="1" smtClean="0"/>
+              <a:t>dd</a:t>
+            </a:r>
+            <a:r>
+              <a:rPr lang="en-US" sz="3600" dirty="0" smtClean="0"/>
+              <a:t> d </a:t>
+            </a:r>
+            <a:r>
+              <a:rPr lang="en-US" sz="3600" dirty="0" err="1" smtClean="0"/>
+              <a:t>ddd</a:t>
+            </a:r>
+            <a:r>
+              <a:rPr lang="en-US" sz="3600" dirty="0" smtClean="0"/>
+              <a:t> </a:t>
+            </a:r>
+            <a:r>
+              <a:rPr lang="en-US" sz="3600" dirty="0" err="1" smtClean="0"/>
+              <a:t>ddd</a:t>
+            </a:r>
+            <a:endParaRPr lang="en-US" sz="3600" dirty="0" smtClean="0"/>
+          </a:p>
+          <a:p>
+            <a:pPr marL="285750" indent="-285750">
+              <a:buFont typeface="Arial" panose="020B0604020202020204" pitchFamily="34" charset="0"/>
+              <a:buChar char="•"/>
+            </a:pPr>
+            <a:r>
+              <a:rPr lang="en-US" altLang="zh-CN" dirty="0" smtClean="0"/>
+              <a:t>Test – Chinese Characters: </a:t>
+            </a:r>
+            <a:r>
+              <a:rPr lang="zh-CN" altLang="en-US" dirty="0" smtClean="0"/>
+              <a:t>阿</a:t>
+            </a:r>
+            <a:r>
+              <a:rPr lang="zh-CN" altLang="en-US" dirty="0"/>
+              <a:t>斯</a:t>
+            </a:r>
+            <a:r>
+              <a:rPr lang="zh-CN" altLang="en-US" dirty="0" smtClean="0"/>
+              <a:t>顿啊盛大速度啊盛大速度啊盛大速度</a:t>
+            </a:r>
+            <a:endParaRPr lang="en-SG" dirty="0"/>
+          </a:p>
+        </p:txBody>
+      </p:sp>
+    </p:spTree>
+    <p:extLst>
+      <p:ext uri="{BB962C8B-B14F-4D97-AF65-F5344CB8AC3E}">
+        <p14:creationId xmlns:p14="http://schemas.microsoft.com/office/powerpoint/2010/main" val="886896728"/>
+      </p:ext>
+    </p:extLst>
+  </p:cSld>
+  <p:clrMapOvr>
+    <a:masterClrMapping/>
+  </p:clrMapOvr>
+  <p:transition spd="slow">
+    <p:push dir="u"/>
+  </p:transition>
+  <p:timing>
+    <p:tnLst>
+      <p:par>
+        <p:cTn id="1" dur="indefinite" restart="never" nodeType="tmRoot">
+          <p:childTnLst>
+            <p:seq concurrent="1" nextAc="seek">
+              <p:cTn id="2" dur="indefinite" nodeType="mainSeq">
+                <p:childTnLst>
+                  <p:par>
+                    <p:cTn id="3" fill="hold">
+                      <p:stCondLst>
+                        <p:cond delay="indefinite"/>
+                      </p:stCondLst>
+                      <p:childTnLst>
+                        <p:par>
+                          <p:cTn id="4" fill="hold">
+                            <p:stCondLst>
+                              <p:cond delay="0"/>
+                            </p:stCondLst>
+                            <p:childTnLst>
+                              <p:par>
+                                <p:cTn id="5" presetID="3" presetClass="emph" presetSubtype="2" fill="hold" grpId="0" nodeType="clickEffect">
+                                  <p:stCondLst>
+                                    <p:cond delay="100"/>
+                                  </p:stCondLst>
+                                  <p:childTnLst>
+                                    <p:animClr clrSpc="rgb" dir="cw">
+                                      <p:cBhvr override="childStyle">
+                                        <p:cTn id="6" dur="100" fill="hold"/>
+                                        <p:tgtEl>
+                                          <p:spTgt spid="2">
+                                            <p:txEl>
+                                              <p:pRg st="0" end="0"/>
+                                            </p:txEl>
+                                          </p:spTgt>
+                                        </p:tgtEl>
+                                        <p:attrNameLst>
+                                          <p:attrName>style.color</p:attrName>
+                                        </p:attrNameLst>
+                                      </p:cBhvr>
+                                      <p:to>
+                                        <a:srgbClr val="F2290A"/>
+                                      </p:to>
+                                    </p:animClr>
+                                  </p:childTnLst>
+                                </p:cTn>
+                              </p:par>
+                            </p:childTnLst>
+                          </p:cTn>
+                        </p:par>
+                      </p:childTnLst>
+                    </p:cTn>
+                  </p:par>
+                  <p:par>
+                    <p:cTn id="7" fill="hold">
+                      <p:stCondLst>
+                        <p:cond delay="indefinite"/>
+                      </p:stCondLst>
+                      <p:childTnLst>
+                        <p:par>
+                          <p:cTn id="8" fill="hold">
+                            <p:stCondLst>
+                              <p:cond delay="0"/>
+                            </p:stCondLst>
+                            <p:childTnLst>
+                              <p:par>
+                                <p:cTn id="9" presetID="3" presetClass="emph" presetSubtype="2" fill="hold" grpId="0" nodeType="clickEffect">
+                                  <p:stCondLst>
+                                    <p:cond delay="100"/>
+                                  </p:stCondLst>
+                                  <p:childTnLst>
+                                    <p:animClr clrSpc="rgb" dir="cw">
+                                      <p:cBhvr override="childStyle">
+                                        <p:cTn id="10" dur="100" fill="hold"/>
+                                        <p:tgtEl>
+                                          <p:spTgt spid="2">
+                                            <p:txEl>
+                                              <p:pRg st="2" end="2"/>
+                                            </p:txEl>
+                                          </p:spTgt>
+                                        </p:tgtEl>
+                                        <p:attrNameLst>
+                                          <p:attrName>style.color</p:attrName>
+                                        </p:attrNameLst>
+                                      </p:cBhvr>
+                                      <p:to>
+                                        <a:srgbClr val="F2290A"/>
+                                      </p:to>
+                                    </p:animClr>
+                                  </p:childTnLst>
+                                </p:cTn>
+                              </p:par>
+                              <p:par>
+                                <p:cTn id="11" presetID="3" presetClass="emph" presetSubtype="2" fill="hold" grpId="1" nodeType="withEffect">
+                                  <p:stCondLst>
+                                    <p:cond delay="100"/>
+                                  </p:stCondLst>
+                                  <p:childTnLst>
+                                    <p:animClr clrSpc="rgb" dir="cw">
+                                      <p:cBhvr override="childStyle">
+                                        <p:cTn id="12" dur="100" fill="hold"/>
+                                        <p:tgtEl>
+                                          <p:spTgt spid="2">
+                                            <p:txEl>
+                                              <p:pRg st="0" end="0"/>
+                                            </p:txEl>
+                                          </p:spTgt>
+                                        </p:tgtEl>
+                                        <p:attrNameLst>
+                                          <p:attrName>style.color</p:attrName>
+                                        </p:attrNameLst>
+                                      </p:cBhvr>
+                                      <p:to>
+                                        <a:srgbClr val="000000"/>
+                                      </p:to>
+                                    </p:animClr>
+                                  </p:childTnLst>
+                                </p:cTn>
+                              </p:par>
+                            </p:childTnLst>
+                          </p:cTn>
+                        </p:par>
+                      </p:childTnLst>
+                    </p:cTn>
+                  </p:par>
+                  <p:par>
+                    <p:cTn id="13" fill="hold">
+                      <p:stCondLst>
+                        <p:cond delay="indefinite"/>
+                      </p:stCondLst>
+                      <p:childTnLst>
+                        <p:par>
+                          <p:cTn id="14" fill="hold">
+                            <p:stCondLst>
+                              <p:cond delay="0"/>
+                            </p:stCondLst>
+                            <p:childTnLst>
+                              <p:par>
+                                <p:cTn id="15" presetID="3" presetClass="emph" presetSubtype="2" fill="hold" grpId="0" nodeType="clickEffect">
+                                  <p:stCondLst>
+                                    <p:cond delay="100"/>
+                                  </p:stCondLst>
+                                  <p:childTnLst>
+                                    <p:animClr clrSpc="rgb" dir="cw">
+                                      <p:cBhvr override="childStyle">
+                                        <p:cTn id="16" dur="100" fill="hold"/>
+                                        <p:tgtEl>
+                                          <p:spTgt spid="2">
+                                            <p:txEl>
+                                              <p:pRg st="3" end="3"/>
+                                            </p:txEl>
+                                          </p:spTgt>
+                                        </p:tgtEl>
+                                        <p:attrNameLst>
+                                          <p:attrName>style.color</p:attrName>
+                                        </p:attrNameLst>
+                                      </p:cBhvr>
+                                      <p:to>
+                                        <a:srgbClr val="F2290A"/>
+                                      </p:to>
+                                    </p:animClr>
+                                  </p:childTnLst>
+                                </p:cTn>
+                              </p:par>
+                              <p:par>
+                                <p:cTn id="17" presetID="3" presetClass="emph" presetSubtype="2" fill="hold" grpId="1" nodeType="withEffect">
+                                  <p:stCondLst>
+                                    <p:cond delay="100"/>
+                                  </p:stCondLst>
+                                  <p:childTnLst>
+                                    <p:animClr clrSpc="rgb" dir="cw">
+                                      <p:cBhvr override="childStyle">
+                                        <p:cTn id="18" dur="100" fill="hold"/>
+                                        <p:tgtEl>
+                                          <p:spTgt spid="2">
+                                            <p:txEl>
+                                              <p:pRg st="2" end="2"/>
+                                            </p:txEl>
+                                          </p:spTgt>
+                                        </p:tgtEl>
+                                        <p:attrNameLst>
+                                          <p:attrName>style.color</p:attrName>
+                                        </p:attrNameLst>
+                                      </p:cBhvr>
+                                      <p:to>
+                                        <a:srgbClr val="000000"/>
+                                      </p:to>
+                                    </p:animClr>
+                                  </p:childTnLst>
+                                </p:cTn>
+                              </p:par>
+                            </p:childTnLst>
+                          </p:cTn>
+                        </p:par>
+                      </p:childTnLst>
+                    </p:cTn>
+                  </p:par>
+                  <p:par>
+                    <p:cTn id="19" fill="hold">
+                      <p:stCondLst>
+                        <p:cond delay="indefinite"/>
+                      </p:stCondLst>
+                      <p:childTnLst>
+                        <p:par>
+                          <p:cTn id="20" fill="hold">
+                            <p:stCondLst>
+                              <p:cond delay="0"/>
+                            </p:stCondLst>
+                            <p:childTnLst>
+                              <p:par>
+                                <p:cTn id="21" presetID="3" presetClass="emph" presetSubtype="2" fill="hold" grpId="0" nodeType="clickEffect">
+                                  <p:stCondLst>
+                                    <p:cond delay="100"/>
+                                  </p:stCondLst>
+                                  <p:childTnLst>
+                                    <p:animClr clrSpc="rgb" dir="cw">
+                                      <p:cBhvr override="childStyle">
+                                        <p:cTn id="22" dur="100" fill="hold"/>
+                                        <p:tgtEl>
+                                          <p:spTgt spid="2">
+                                            <p:txEl>
+                                              <p:pRg st="4" end="4"/>
+                                            </p:txEl>
+                                          </p:spTgt>
+                                        </p:tgtEl>
+                                        <p:attrNameLst>
+                                          <p:attrName>style.color</p:attrName>
+                                        </p:attrNameLst>
+                                      </p:cBhvr>
+                                      <p:to>
+                                        <a:srgbClr val="F2290A"/>
+                                      </p:to>
+                                    </p:animClr>
+                                  </p:childTnLst>
+                                </p:cTn>
+                              </p:par>
+                              <p:par>
+                                <p:cTn id="23" presetID="3" presetClass="emph" presetSubtype="2" fill="hold" grpId="1" nodeType="withEffect">
+                                  <p:stCondLst>
+                                    <p:cond delay="100"/>
+                                  </p:stCondLst>
+                                  <p:childTnLst>
+                                    <p:animClr clrSpc="rgb" dir="cw">
+                                      <p:cBhvr override="childStyle">
+                                        <p:cTn id="24" dur="100" fill="hold"/>
+                                        <p:tgtEl>
+                                          <p:spTgt spid="2">
+                                            <p:txEl>
+                                              <p:pRg st="3" end="3"/>
+                                            </p:txEl>
+                                          </p:spTgt>
+                                        </p:tgtEl>
+                                        <p:attrNameLst>
+                                          <p:attrName>style.color</p:attrName>
+                                        </p:attrNameLst>
+                                      </p:cBhvr>
+                                      <p:to>
+                                        <a:srgbClr val="000000"/>
+                                      </p:to>
+                                    </p:animClr>
+                                  </p:childTnLst>
+                                </p:cTn>
+                              </p:par>
+                            </p:childTnLst>
+                          </p:cTn>
+                        </p:par>
+                      </p:childTnLst>
+                    </p:cTn>
+                  </p:par>
+                  <p:par>
+                    <p:cTn id="25" fill="hold">
+                      <p:stCondLst>
+                        <p:cond delay="indefinite"/>
+                      </p:stCondLst>
+                      <p:childTnLst>
+                        <p:par>
+                          <p:cTn id="26" fill="hold">
+                            <p:stCondLst>
+                              <p:cond delay="0"/>
+                            </p:stCondLst>
+                            <p:childTnLst>
+                              <p:par>
+                                <p:cTn id="27" presetID="3" presetClass="emph" presetSubtype="2" fill="hold" grpId="0" nodeType="clickEffect">
+                                  <p:stCondLst>
+                                    <p:cond delay="100"/>
+                                  </p:stCondLst>
+                                  <p:childTnLst>
+                                    <p:animClr clrSpc="rgb" dir="cw">
+                                      <p:cBhvr override="childStyle">
+                                        <p:cTn id="28" dur="100" fill="hold"/>
+                                        <p:tgtEl>
+                                          <p:spTgt spid="2">
+                                            <p:txEl>
+                                              <p:pRg st="5" end="5"/>
+                                            </p:txEl>
+                                          </p:spTgt>
+                                        </p:tgtEl>
+                                        <p:attrNameLst>
+                                          <p:attrName>style.color</p:attrName>
+                                        </p:attrNameLst>
+                                      </p:cBhvr>
+                                      <p:to>
+                                        <a:srgbClr val="F2290A"/>
+                                      </p:to>
+                                    </p:animClr>
+                                  </p:childTnLst>
+                                </p:cTn>
+                              </p:par>
+                              <p:par>
+                                <p:cTn id="29" presetID="3" presetClass="emph" presetSubtype="2" fill="hold" grpId="1" nodeType="withEffect">
+                                  <p:stCondLst>
+                                    <p:cond delay="100"/>
+                                  </p:stCondLst>
+                                  <p:childTnLst>
+                                    <p:animClr clrSpc="rgb" dir="cw">
+                                      <p:cBhvr override="childStyle">
+                                        <p:cTn id="30" dur="100" fill="hold"/>
+                                        <p:tgtEl>
+                                          <p:spTgt spid="2">
+                                            <p:txEl>
+                                              <p:pRg st="4" end="4"/>
+                                            </p:txEl>
+                                          </p:spTgt>
+                                        </p:tgtEl>
+                                        <p:attrNameLst>
+                                          <p:attrName>style.color</p:attrName>
+                                        </p:attrNameLst>
+                                      </p:cBhvr>
+                                      <p:to>
+                                        <a:srgbClr val="000000"/>
+                                      </p:to>
+                                    </p:animClr>
+                                  </p:childTnLst>
+                                </p:cTn>
+                              </p:par>
+                            </p:childTnLst>
+                          </p:cTn>
+                        </p:par>
+                      </p:childTnLst>
+                    </p:cTn>
+                  </p:par>
+                  <p:par>
+                    <p:cTn id="31" fill="hold">
+                      <p:stCondLst>
+                        <p:cond delay="indefinite"/>
+                      </p:stCondLst>
+                      <p:childTnLst>
+                        <p:par>
+                          <p:cTn id="32" fill="hold">
+                            <p:stCondLst>
+                              <p:cond delay="0"/>
+                            </p:stCondLst>
+                            <p:childTnLst>
+                              <p:par>
+                                <p:cTn id="33" presetID="3" presetClass="emph" presetSubtype="2" fill="hold" grpId="0" nodeType="clickEffect">
+                                  <p:stCondLst>
+                                    <p:cond delay="100"/>
+                                  </p:stCondLst>
+                                  <p:childTnLst>
+                                    <p:animClr clrSpc="rgb" dir="cw">
+                                      <p:cBhvr override="childStyle">
+                                        <p:cTn id="34" dur="100" fill="hold"/>
+                                        <p:tgtEl>
+                                          <p:spTgt spid="2">
+                                            <p:txEl>
+                                              <p:pRg st="6" end="6"/>
+                                            </p:txEl>
+                                          </p:spTgt>
+                                        </p:tgtEl>
+                                        <p:attrNameLst>
+                                          <p:attrName>style.color</p:attrName>
+                                        </p:attrNameLst>
+                                      </p:cBhvr>
+                                      <p:to>
+                                        <a:srgbClr val="F2290A"/>
+                                      </p:to>
+                                    </p:animClr>
+                                  </p:childTnLst>
+                                </p:cTn>
+                              </p:par>
+                              <p:par>
+                                <p:cTn id="35" presetID="3" presetClass="emph" presetSubtype="2" fill="hold" grpId="1" nodeType="withEffect">
+                                  <p:stCondLst>
+                                    <p:cond delay="100"/>
+                                  </p:stCondLst>
+                                  <p:childTnLst>
+                                    <p:animClr clrSpc="rgb" dir="cw">
+                                      <p:cBhvr override="childStyle">
+                                        <p:cTn id="36" dur="100" fill="hold"/>
+                                        <p:tgtEl>
+                                          <p:spTgt spid="2">
+                                            <p:txEl>
+                                              <p:pRg st="5" end="5"/>
+                                            </p:txEl>
+                                          </p:spTgt>
+                                        </p:tgtEl>
+                                        <p:attrNameLst>
+                                          <p:attrName>style.color</p:attrName>
+                                        </p:attrNameLst>
+                                      </p:cBhvr>
+                                      <p:to>
+                                        <a:srgbClr val="000000"/>
+                                      </p:to>
+                                    </p:animClr>
+                                  </p:childTnLst>
+                                </p:cTn>
+                              </p:par>
+                            </p:childTnLst>
+                          </p:cTn>
+                        </p:par>
+                      </p:childTnLst>
+                    </p:cTn>
+                  </p:par>
+                  <p:par>
+                    <p:cTn id="37" fill="hold">
+                      <p:stCondLst>
+                        <p:cond delay="indefinite"/>
+                      </p:stCondLst>
+                      <p:childTnLst>
+                        <p:par>
+                          <p:cTn id="38" fill="hold">
+                            <p:stCondLst>
+                              <p:cond delay="0"/>
+                            </p:stCondLst>
+                            <p:childTnLst>
+                              <p:par>
+                                <p:cTn id="39" presetID="3" presetClass="emph" presetSubtype="2" fill="hold" grpId="0" nodeType="clickEffect">
+                                  <p:stCondLst>
+                                    <p:cond delay="100"/>
+                                  </p:stCondLst>
+                                  <p:childTnLst>
+                                    <p:animClr clrSpc="rgb" dir="cw">
+                                      <p:cBhvr override="childStyle">
+                                        <p:cTn id="40" dur="100" fill="hold"/>
+                                        <p:tgtEl>
+                                          <p:spTgt spid="2">
+                                            <p:txEl>
+                                              <p:pRg st="7" end="7"/>
+                                            </p:txEl>
+                                          </p:spTgt>
+                                        </p:tgtEl>
+                                        <p:attrNameLst>
+                                          <p:attrName>style.color</p:attrName>
+                                        </p:attrNameLst>
+                                      </p:cBhvr>
+                                      <p:to>
+                                        <a:srgbClr val="F2290A"/>
+                                      </p:to>
+                                    </p:animClr>
+                                  </p:childTnLst>
+                                </p:cTn>
+                              </p:par>
+                              <p:par>
+                                <p:cTn id="41" presetID="3" presetClass="emph" presetSubtype="2" fill="hold" grpId="1" nodeType="withEffect">
+                                  <p:stCondLst>
+                                    <p:cond delay="100"/>
+                                  </p:stCondLst>
+                                  <p:childTnLst>
+                                    <p:animClr clrSpc="rgb" dir="cw">
+                                      <p:cBhvr override="childStyle">
+                                        <p:cTn id="42" dur="100" fill="hold"/>
+                                        <p:tgtEl>
+                                          <p:spTgt spid="2">
+                                            <p:txEl>
+                                              <p:pRg st="6" end="6"/>
+                                            </p:txEl>
+                                          </p:spTgt>
+                                        </p:tgtEl>
+                                        <p:attrNameLst>
+                                          <p:attrName>style.color</p:attrName>
+                                        </p:attrNameLst>
+                                      </p:cBhvr>
+                                      <p:to>
+                                        <a:srgbClr val="000000"/>
+                                      </p:to>
+                                    </p:animClr>
+                                  </p:childTnLst>
+                                </p:cTn>
+                              </p:par>
+                            </p:childTnLst>
+                          </p:cTn>
+                        </p:par>
+                      </p:childTnLst>
+                    </p:cTn>
+                  </p:par>
+                  <p:par>
+                    <p:cTn id="43" fill="hold">
+                      <p:stCondLst>
+                        <p:cond delay="indefinite"/>
+                      </p:stCondLst>
+                      <p:childTnLst>
+                        <p:par>
+                          <p:cTn id="44" fill="hold">
+                            <p:stCondLst>
+                              <p:cond delay="0"/>
+                            </p:stCondLst>
+                            <p:childTnLst>
+                              <p:par>
+                                <p:cTn id="45" presetID="3" presetClass="emph" presetSubtype="2" fill="hold" grpId="1" nodeType="clickEffect">
+                                  <p:stCondLst>
+                                    <p:cond delay="100"/>
+                                  </p:stCondLst>
+                                  <p:childTnLst>
+                                    <p:animClr clrSpc="rgb" dir="cw">
+                                      <p:cBhvr override="childStyle">
+                                        <p:cTn id="46" dur="100" fill="hold"/>
+                                        <p:tgtEl>
+                                          <p:spTgt spid="2">
+                                            <p:txEl>
+                                              <p:pRg st="7" end="7"/>
+                                            </p:txEl>
+                                          </p:spTgt>
+                                        </p:tgtEl>
+                                        <p:attrNameLst>
+                                          <p:attrName>style.color</p:attrName>
+                                        </p:attrNameLst>
+                                      </p:cBhvr>
+                                      <p:to>
+                                        <a:srgbClr val="000000"/>
+                                      </p:to>
+                                    </p:animClr>
+                                  </p:childTnLst>
+                                </p:cTn>
+                              </p:par>
+                            </p:childTnLst>
+                          </p:cTn>
+                        </p:par>
+                      </p:childTnLst>
+                    </p:cTn>
+                  </p:par>
+                </p:childTnLst>
+              </p:cTn>
+              <p:prevCondLst>
+                <p:cond evt="onPrev" delay="0">
+                  <p:tgtEl>
+                    <p:sldTgt/>
+                  </p:tgtEl>
+                </p:cond>
+              </p:prevCondLst>
+              <p:nextCondLst>
+                <p:cond evt="onNext" delay="0">
+                  <p:tgtEl>
+                    <p:sldTgt/>
+                  </p:tgtEl>
+                </p:cond>
+              </p:nextCondLst>
+            </p:seq>
+          </p:childTnLst>
+        </p:cTn>
+      </p:par>
+    </p:tnLst>
+    <p:bldLst>
+      <p:bldP spid="2" grpId="0" build="p" bldLvl="5"/>
+      <p:bldP spid="2" grpId="1" build="p" bldLvl="5"/>
+    </p:bldLst>
+  </p:timing>
+</p:sld>
+</file>
+
+<file path=ppt/slides/slide23.xml><?xml version="1.0" encoding="utf-8"?>
+<p:sld xmlns:a="http://schemas.openxmlformats.org/drawingml/2006/main" xmlns:r="http://schemas.openxmlformats.org/officeDocument/2006/relationships" xmlns:p="http://schemas.openxmlformats.org/presentationml/2006/main">
+  <p:cSld>
+    <p:spTree>
+      <p:nvGrpSpPr>
+        <p:cNvPr id="1" name=""/>
+        <p:cNvGrpSpPr/>
+        <p:nvPr/>
+      </p:nvGrpSpPr>
+      <p:grpSpPr>
+        <a:xfrm>
+          <a:off x="0" y="0"/>
+          <a:ext cx="0" cy="0"/>
+          <a:chOff x="0" y="0"/>
+          <a:chExt cx="0" cy="0"/>
+        </a:xfrm>
+      </p:grpSpPr>
+      <p:sp>
+        <p:nvSpPr>
+          <p:cNvPr id="3" name="Rectangle 4"/>
+          <p:cNvSpPr/>
+          <p:nvPr/>
+        </p:nvSpPr>
+        <p:spPr>
+          <a:xfrm>
+            <a:off x="0" y="2286000"/>
+            <a:ext cx="9144000" cy="2209800"/>
+          </a:xfrm>
+          <a:prstGeom prst="rect">
+            <a:avLst/>
+          </a:prstGeom>
+          <a:solidFill>
+            <a:srgbClr val="002060"/>
+          </a:solidFill>
+        </p:spPr>
+        <p:style>
+          <a:lnRef idx="2">
+            <a:schemeClr val="accent1">
+              <a:shade val="50000"/>
+            </a:schemeClr>
+          </a:lnRef>
+          <a:fillRef idx="1">
+            <a:schemeClr val="accent1"/>
+          </a:fillRef>
+          <a:effectRef idx="0">
+            <a:schemeClr val="accent1"/>
+          </a:effectRef>
+          <a:fontRef idx="minor">
+            <a:schemeClr val="lt1"/>
+          </a:fontRef>
+        </p:style>
+        <p:txBody>
+          <a:bodyPr rtlCol="0" anchor="ctr"/>
+          <a:lstStyle/>
+          <a:p>
+            <a:pPr algn="ctr"/>
+            <a:endParaRPr lang="en-US"/>
+          </a:p>
+        </p:txBody>
+      </p:sp>
+      <p:sp>
+        <p:nvSpPr>
+          <p:cNvPr id="2" name="HighlightTextShape201702051845316996"/>
+          <p:cNvSpPr txBox="1"/>
+          <p:nvPr/>
+        </p:nvSpPr>
+        <p:spPr>
+          <a:xfrm>
+            <a:off x="762000" y="533400"/>
+            <a:ext cx="7620000" cy="5909310"/>
+          </a:xfrm>
+          <a:prstGeom prst="rect">
+            <a:avLst/>
+          </a:prstGeom>
+          <a:noFill/>
+        </p:spPr>
+        <p:txBody>
+          <a:bodyPr wrap="square" rtlCol="0">
+            <a:spAutoFit/>
+          </a:bodyPr>
+          <a:lstStyle/>
+          <a:p>
+            <a:pPr marL="285750" indent="-285750">
+              <a:buFont typeface="Arial" panose="020B0604020202020204" pitchFamily="34" charset="0"/>
+              <a:buChar char="•"/>
+            </a:pPr>
+            <a:r>
+              <a:rPr lang="en-US" sz="2800" dirty="0" smtClean="0"/>
+              <a:t>Test - Non-ABC: 1234567890!@#$%^&amp;*()</a:t>
+            </a:r>
+          </a:p>
+          <a:p>
+            <a:r>
+              <a:rPr lang="en-US" sz="2800" dirty="0"/>
+              <a:t>Test </a:t>
+            </a:r>
+            <a:r>
+              <a:rPr lang="en-US" sz="2800" dirty="0" smtClean="0"/>
+              <a:t>– No bullet point</a:t>
+            </a:r>
+            <a:endParaRPr lang="en-US" sz="2800" dirty="0"/>
+          </a:p>
+          <a:p>
+            <a:pPr marL="514350" indent="-514350">
+              <a:buFont typeface="+mj-lt"/>
+              <a:buAutoNum type="arabicPeriod"/>
+            </a:pPr>
+            <a:r>
+              <a:rPr lang="en-US" sz="2800" dirty="0"/>
+              <a:t>Test – </a:t>
+            </a:r>
+            <a:r>
+              <a:rPr lang="en-US" sz="2800" dirty="0" smtClean="0"/>
+              <a:t>Different bullet point</a:t>
+            </a:r>
+          </a:p>
+          <a:p>
+            <a:pPr marL="285750" indent="-285750">
+              <a:buFont typeface="Arial" panose="020B0604020202020204" pitchFamily="34" charset="0"/>
+              <a:buChar char="•"/>
+            </a:pPr>
+            <a:r>
+              <a:rPr lang="en-US" sz="2800" dirty="0" smtClean="0">
+                <a:latin typeface="Times New Roman" panose="02020603050405020304" pitchFamily="18" charset="0"/>
+                <a:cs typeface="Times New Roman" panose="02020603050405020304" pitchFamily="18" charset="0"/>
+              </a:rPr>
+              <a:t>Test - Another Font Family, using Times New Roman</a:t>
+            </a:r>
+          </a:p>
+          <a:p>
+            <a:pPr marL="285750" indent="-285750">
+              <a:buFont typeface="Arial" panose="020B0604020202020204" pitchFamily="34" charset="0"/>
+              <a:buChar char="•"/>
+            </a:pPr>
+            <a:r>
+              <a:rPr lang="en-US" sz="1000" dirty="0" smtClean="0"/>
+              <a:t>Test - very small content. Test: very small content. Test: very small content. Test: very small content</a:t>
+            </a:r>
+          </a:p>
+          <a:p>
+            <a:pPr marL="285750" indent="-285750">
+              <a:buFont typeface="Arial" panose="020B0604020202020204" pitchFamily="34" charset="0"/>
+              <a:buChar char="•"/>
+            </a:pPr>
+            <a:r>
+              <a:rPr lang="en-US" sz="6600" dirty="0" smtClean="0">
+                <a:latin typeface="Arial Black" panose="020B0A04020102020204" pitchFamily="34" charset="0"/>
+              </a:rPr>
+              <a:t>Test - very big</a:t>
+            </a:r>
+          </a:p>
+          <a:p>
+            <a:pPr marL="285750" indent="-285750">
+              <a:buFont typeface="Arial" panose="020B0604020202020204" pitchFamily="34" charset="0"/>
+              <a:buChar char="•"/>
+            </a:pPr>
+            <a:r>
+              <a:rPr lang="en-US" sz="3600" dirty="0" smtClean="0"/>
+              <a:t>Test – Long sentence: </a:t>
+            </a:r>
+            <a:r>
+              <a:rPr lang="en-US" sz="3600" dirty="0" err="1" smtClean="0"/>
+              <a:t>Asdddd</a:t>
+            </a:r>
+            <a:r>
+              <a:rPr lang="en-US" sz="3600" dirty="0" smtClean="0"/>
+              <a:t> </a:t>
+            </a:r>
+            <a:r>
+              <a:rPr lang="en-US" sz="3600" dirty="0" err="1" smtClean="0"/>
+              <a:t>ddd</a:t>
+            </a:r>
+            <a:r>
+              <a:rPr lang="en-US" sz="3600" dirty="0" smtClean="0"/>
+              <a:t> </a:t>
+            </a:r>
+            <a:r>
+              <a:rPr lang="en-US" sz="3600" dirty="0" err="1" smtClean="0"/>
+              <a:t>dd</a:t>
+            </a:r>
+            <a:r>
+              <a:rPr lang="en-US" sz="3600" dirty="0" smtClean="0"/>
+              <a:t> d </a:t>
+            </a:r>
+            <a:r>
+              <a:rPr lang="en-US" sz="3600" dirty="0" err="1" smtClean="0"/>
+              <a:t>ddddd</a:t>
+            </a:r>
+            <a:r>
+              <a:rPr lang="en-US" sz="3600" dirty="0" smtClean="0"/>
+              <a:t> </a:t>
+            </a:r>
+            <a:r>
+              <a:rPr lang="en-US" sz="3600" dirty="0" err="1" smtClean="0"/>
+              <a:t>ddd</a:t>
+            </a:r>
+            <a:r>
+              <a:rPr lang="en-US" sz="3600" dirty="0" smtClean="0"/>
+              <a:t> </a:t>
+            </a:r>
+            <a:r>
+              <a:rPr lang="en-US" sz="3600" dirty="0" err="1" smtClean="0"/>
+              <a:t>ddd</a:t>
+            </a:r>
+            <a:r>
+              <a:rPr lang="en-US" sz="3600" dirty="0" smtClean="0"/>
+              <a:t> </a:t>
+            </a:r>
+            <a:r>
+              <a:rPr lang="en-US" sz="3600" dirty="0" err="1" smtClean="0"/>
+              <a:t>ddd</a:t>
+            </a:r>
+            <a:r>
+              <a:rPr lang="en-US" sz="3600" dirty="0" smtClean="0"/>
+              <a:t> </a:t>
+            </a:r>
+            <a:r>
+              <a:rPr lang="en-US" sz="3600" dirty="0" err="1" smtClean="0"/>
+              <a:t>ddd</a:t>
+            </a:r>
+            <a:r>
+              <a:rPr lang="en-US" sz="3600" dirty="0" smtClean="0"/>
+              <a:t> </a:t>
+            </a:r>
+            <a:r>
+              <a:rPr lang="en-US" sz="3600" dirty="0" err="1" smtClean="0"/>
+              <a:t>ddd</a:t>
+            </a:r>
+            <a:r>
+              <a:rPr lang="en-US" sz="3600" dirty="0" smtClean="0"/>
+              <a:t> </a:t>
+            </a:r>
+            <a:r>
+              <a:rPr lang="en-US" sz="3600" dirty="0" err="1" smtClean="0"/>
+              <a:t>ddd</a:t>
+            </a:r>
+            <a:r>
+              <a:rPr lang="en-US" sz="3600" dirty="0" smtClean="0"/>
+              <a:t> </a:t>
+            </a:r>
+            <a:r>
+              <a:rPr lang="en-US" sz="3600" dirty="0" err="1" smtClean="0"/>
+              <a:t>ddd</a:t>
+            </a:r>
+            <a:r>
+              <a:rPr lang="en-US" sz="3600" dirty="0" smtClean="0"/>
+              <a:t> </a:t>
+            </a:r>
+            <a:r>
+              <a:rPr lang="en-US" sz="3600" dirty="0" err="1" smtClean="0"/>
+              <a:t>dddddd</a:t>
+            </a:r>
+            <a:r>
+              <a:rPr lang="en-US" sz="3600" dirty="0" smtClean="0"/>
+              <a:t> </a:t>
+            </a:r>
+            <a:r>
+              <a:rPr lang="en-US" sz="3600" dirty="0" err="1" smtClean="0"/>
+              <a:t>dd</a:t>
+            </a:r>
+            <a:r>
+              <a:rPr lang="en-US" sz="3600" dirty="0" smtClean="0"/>
+              <a:t> </a:t>
+            </a:r>
+            <a:r>
+              <a:rPr lang="en-US" sz="3600" dirty="0" err="1" smtClean="0"/>
+              <a:t>ddd</a:t>
+            </a:r>
+            <a:r>
+              <a:rPr lang="en-US" sz="3600" dirty="0" smtClean="0"/>
+              <a:t> </a:t>
+            </a:r>
+            <a:r>
+              <a:rPr lang="en-US" sz="3600" dirty="0" err="1" smtClean="0"/>
+              <a:t>ddddd</a:t>
+            </a:r>
+            <a:r>
+              <a:rPr lang="en-US" sz="3600" dirty="0" smtClean="0"/>
+              <a:t> </a:t>
+            </a:r>
+            <a:r>
+              <a:rPr lang="en-US" sz="3600" dirty="0" err="1" smtClean="0"/>
+              <a:t>dd</a:t>
+            </a:r>
+            <a:r>
+              <a:rPr lang="en-US" sz="3600" dirty="0" smtClean="0"/>
+              <a:t> </a:t>
+            </a:r>
+            <a:r>
+              <a:rPr lang="en-US" sz="3600" dirty="0" err="1" smtClean="0"/>
+              <a:t>dd</a:t>
+            </a:r>
+            <a:r>
+              <a:rPr lang="en-US" sz="3600" dirty="0" smtClean="0"/>
+              <a:t> d </a:t>
+            </a:r>
+            <a:r>
+              <a:rPr lang="en-US" sz="3600" dirty="0" err="1" smtClean="0"/>
+              <a:t>ddd</a:t>
+            </a:r>
+            <a:r>
+              <a:rPr lang="en-US" sz="3600" dirty="0" smtClean="0"/>
+              <a:t> </a:t>
+            </a:r>
+            <a:r>
+              <a:rPr lang="en-US" sz="3600" dirty="0" err="1" smtClean="0"/>
+              <a:t>ddd</a:t>
+            </a:r>
+            <a:endParaRPr lang="en-US" sz="3600" dirty="0" smtClean="0"/>
+          </a:p>
+          <a:p>
+            <a:pPr marL="285750" indent="-285750">
+              <a:buFont typeface="Arial" panose="020B0604020202020204" pitchFamily="34" charset="0"/>
+              <a:buChar char="•"/>
+            </a:pPr>
+            <a:r>
+              <a:rPr lang="en-US" altLang="zh-CN" dirty="0" smtClean="0"/>
+              <a:t>Test – Chinese Characters: </a:t>
+            </a:r>
+            <a:r>
+              <a:rPr lang="zh-CN" altLang="en-US" dirty="0" smtClean="0"/>
+              <a:t>阿</a:t>
+            </a:r>
+            <a:r>
+              <a:rPr lang="zh-CN" altLang="en-US" dirty="0"/>
+              <a:t>斯</a:t>
+            </a:r>
+            <a:r>
+              <a:rPr lang="zh-CN" altLang="en-US" dirty="0" smtClean="0"/>
+              <a:t>顿啊盛大速度啊盛大速度啊盛大速度</a:t>
+            </a:r>
+            <a:endParaRPr lang="en-SG" dirty="0"/>
+          </a:p>
+        </p:txBody>
+      </p:sp>
+    </p:spTree>
+    <p:extLst>
+      <p:ext uri="{BB962C8B-B14F-4D97-AF65-F5344CB8AC3E}">
+        <p14:creationId xmlns:p14="http://schemas.microsoft.com/office/powerpoint/2010/main" val="1124458326"/>
+      </p:ext>
+    </p:extLst>
+  </p:cSld>
+  <p:clrMapOvr>
+    <a:masterClrMapping/>
+  </p:clrMapOvr>
+  <p:transition spd="slow">
+    <p:push dir="u"/>
+  </p:transition>
+  <p:timing>
+    <p:tnLst>
+      <p:par>
+        <p:cTn id="1" dur="indefinite" restart="never" nodeType="tmRoot"/>
+      </p:par>
+    </p:tnLst>
+  </p:timing>
+</p:sld>
+</file>
+
+<file path=ppt/slides/slide24.xml><?xml version="1.0" encoding="utf-8"?>
+<p:sld xmlns:a="http://schemas.openxmlformats.org/drawingml/2006/main" xmlns:r="http://schemas.openxmlformats.org/officeDocument/2006/relationships" xmlns:p="http://schemas.openxmlformats.org/presentationml/2006/main">
+  <p:cSld>
+    <p:spTree>
+      <p:nvGrpSpPr>
+        <p:cNvPr id="1" name=""/>
+        <p:cNvGrpSpPr/>
+        <p:nvPr/>
+      </p:nvGrpSpPr>
+      <p:grpSpPr>
+        <a:xfrm>
+          <a:off x="0" y="0"/>
+          <a:ext cx="0" cy="0"/>
+          <a:chOff x="0" y="0"/>
+          <a:chExt cx="0" cy="0"/>
+        </a:xfrm>
+      </p:grpSpPr>
+      <p:sp>
+        <p:nvSpPr>
+          <p:cNvPr id="2" name="Title 1"/>
+          <p:cNvSpPr>
+            <a:spLocks noGrp="1"/>
+          </p:cNvSpPr>
+          <p:nvPr>
+            <p:ph type="title"/>
+          </p:nvPr>
+        </p:nvSpPr>
+        <p:spPr/>
+        <p:txBody>
+          <a:bodyPr/>
+          <a:lstStyle/>
+          <a:p>
+            <a:r>
+              <a:rPr lang="en-US" dirty="0"/>
+              <a:t>Remove Highlighting:: </a:t>
+            </a:r>
+            <a:r>
+              <a:rPr lang="en-US" dirty="0" smtClean="0"/>
+              <a:t>Highlight Background</a:t>
+            </a:r>
+            <a:endParaRPr lang="en-SG" dirty="0"/>
+          </a:p>
+        </p:txBody>
+      </p:sp>
+      <p:sp>
+        <p:nvSpPr>
+          <p:cNvPr id="4" name="Content Placeholder 2"/>
+          <p:cNvSpPr>
+            <a:spLocks noGrp="1"/>
+          </p:cNvSpPr>
+          <p:nvPr>
+            <p:ph idx="1"/>
+          </p:nvPr>
+        </p:nvSpPr>
+        <p:spPr>
+          <a:xfrm>
+            <a:off x="457200" y="3124200"/>
+            <a:ext cx="8229600" cy="3001963"/>
+          </a:xfrm>
+        </p:spPr>
+        <p:txBody>
+          <a:bodyPr/>
+          <a:lstStyle/>
+          <a:p>
+            <a:r>
+              <a:rPr lang="en-US" dirty="0" smtClean="0"/>
+              <a:t>Click “Remove Highlighting”</a:t>
+            </a:r>
+            <a:endParaRPr lang="en-SG" dirty="0"/>
+          </a:p>
+        </p:txBody>
+      </p:sp>
+    </p:spTree>
+    <p:extLst>
+      <p:ext uri="{BB962C8B-B14F-4D97-AF65-F5344CB8AC3E}">
+        <p14:creationId xmlns:p14="http://schemas.microsoft.com/office/powerpoint/2010/main" val="1175327786"/>
+      </p:ext>
+    </p:extLst>
+  </p:cSld>
+  <p:clrMapOvr>
+    <a:masterClrMapping/>
+  </p:clrMapOvr>
+  <p:timing>
+    <p:tnLst>
+      <p:par>
+        <p:cTn id="1" dur="indefinite" restart="never" nodeType="tmRoot"/>
+      </p:par>
+    </p:tnLst>
+  </p:timing>
+</p:sld>
+</file>
+
+<file path=ppt/slides/slide25.xml><?xml version="1.0" encoding="utf-8"?>
+<p:sld xmlns:a="http://schemas.openxmlformats.org/drawingml/2006/main" xmlns:r="http://schemas.openxmlformats.org/officeDocument/2006/relationships" xmlns:p="http://schemas.openxmlformats.org/presentationml/2006/main">
+  <p:cSld name="PPTLabsHighlightBulletsSlide201702051848016775">
+    <p:spTree>
+      <p:nvGrpSpPr>
+        <p:cNvPr id="1" name=""/>
+        <p:cNvGrpSpPr/>
+        <p:nvPr/>
+      </p:nvGrpSpPr>
+      <p:grpSpPr>
+        <a:xfrm>
+          <a:off x="0" y="0"/>
+          <a:ext cx="0" cy="0"/>
+          <a:chOff x="0" y="0"/>
+          <a:chExt cx="0" cy="0"/>
+        </a:xfrm>
+      </p:grpSpPr>
+      <p:sp>
+        <p:nvSpPr>
+          <p:cNvPr id="3" name="Rectangle 4"/>
+          <p:cNvSpPr/>
+          <p:nvPr/>
+        </p:nvSpPr>
+        <p:spPr>
+          <a:xfrm>
+            <a:off x="0" y="2286000"/>
+            <a:ext cx="9144000" cy="2209800"/>
+          </a:xfrm>
+          <a:prstGeom prst="rect">
+            <a:avLst/>
+          </a:prstGeom>
+          <a:solidFill>
+            <a:srgbClr val="002060"/>
+          </a:solidFill>
+        </p:spPr>
+        <p:style>
+          <a:lnRef idx="2">
+            <a:schemeClr val="accent1">
+              <a:shade val="50000"/>
+            </a:schemeClr>
+          </a:lnRef>
+          <a:fillRef idx="1">
+            <a:schemeClr val="accent1"/>
+          </a:fillRef>
+          <a:effectRef idx="0">
+            <a:schemeClr val="accent1"/>
+          </a:effectRef>
+          <a:fontRef idx="minor">
+            <a:schemeClr val="lt1"/>
+          </a:fontRef>
+        </p:style>
+        <p:txBody>
+          <a:bodyPr rtlCol="0" anchor="ctr"/>
+          <a:lstStyle/>
+          <a:p>
+            <a:pPr algn="ctr"/>
+            <a:endParaRPr lang="en-US"/>
+          </a:p>
+        </p:txBody>
+      </p:sp>
+      <p:sp>
+        <p:nvSpPr>
+          <p:cNvPr id="4" name="PPTLabsHighlightBackgroundShape201702051848016870"/>
+          <p:cNvSpPr>
+            <a:spLocks/>
+          </p:cNvSpPr>
+          <p:nvPr>
+            <p:custDataLst>
+              <p:tags r:id="rId1"/>
+            </p:custDataLst>
+          </p:nvPr>
+        </p:nvSpPr>
+        <p:spPr>
+          <a:xfrm>
+            <a:off x="1139190" y="579120"/>
+            <a:ext cx="6074664" cy="426720"/>
+          </a:xfrm>
+          <a:prstGeom prst="roundRect">
+            <a:avLst>
+              <a:gd name="adj" fmla="val 25000"/>
+            </a:avLst>
+          </a:prstGeom>
+          <a:solidFill>
+            <a:srgbClr val="FFFF00">
+              <a:alpha val="50000"/>
+            </a:srgbClr>
+          </a:solidFill>
+          <a:ln w="25400" cap="flat" cmpd="sng" algn="ctr">
+            <a:noFill/>
+            <a:prstDash val="solid"/>
+          </a:ln>
+          <a:effectLst/>
+          <a:extLst>
+            <a:ext uri="{91240B29-F687-4F45-9708-019B960494DF}">
+              <a14:hiddenLine xmlns:a14="http://schemas.microsoft.com/office/drawing/2010/main" w="25400" cap="flat" cmpd="sng" algn="ctr">
+                <a:solidFill>
+                  <a:schemeClr val="accent1">
+                    <a:shade val="50000"/>
+                  </a:schemeClr>
+                </a:solidFill>
+                <a:prstDash val="solid"/>
+              </a14:hiddenLine>
+            </a:ext>
+          </a:extLst>
+        </p:spPr>
+        <p:style>
+          <a:lnRef idx="2">
+            <a:schemeClr val="accent1">
+              <a:shade val="50000"/>
+            </a:schemeClr>
+          </a:lnRef>
+          <a:fillRef idx="1">
+            <a:schemeClr val="accent1"/>
+          </a:fillRef>
+          <a:effectRef idx="0">
+            <a:schemeClr val="accent1"/>
+          </a:effectRef>
+          <a:fontRef idx="minor">
+            <a:schemeClr val="lt1"/>
+          </a:fontRef>
+        </p:style>
+        <p:txBody>
+          <a:bodyPr rtlCol="0" anchor="ctr"/>
+          <a:lstStyle/>
+          <a:p>
+            <a:pPr algn="ctr"/>
+            <a:endParaRPr lang="en-SG"/>
+          </a:p>
+        </p:txBody>
+      </p:sp>
+      <p:sp>
+        <p:nvSpPr>
+          <p:cNvPr id="5" name="PPTLabsHighlightBackgroundShape201702051848016885"/>
+          <p:cNvSpPr>
+            <a:spLocks/>
+          </p:cNvSpPr>
+          <p:nvPr>
+            <p:custDataLst>
+              <p:tags r:id="rId2"/>
+            </p:custDataLst>
+          </p:nvPr>
+        </p:nvSpPr>
+        <p:spPr>
+          <a:xfrm>
+            <a:off x="1367790" y="1432560"/>
+            <a:ext cx="4021900" cy="426720"/>
+          </a:xfrm>
+          <a:prstGeom prst="roundRect">
+            <a:avLst>
+              <a:gd name="adj" fmla="val 25000"/>
+            </a:avLst>
+          </a:prstGeom>
+          <a:solidFill>
+            <a:srgbClr val="FFFF00">
+              <a:alpha val="50000"/>
+            </a:srgbClr>
+          </a:solidFill>
+          <a:ln w="25400" cap="flat" cmpd="sng" algn="ctr">
+            <a:noFill/>
+            <a:prstDash val="solid"/>
+          </a:ln>
+          <a:effectLst/>
+          <a:extLst>
+            <a:ext uri="{91240B29-F687-4F45-9708-019B960494DF}">
+              <a14:hiddenLine xmlns:a14="http://schemas.microsoft.com/office/drawing/2010/main" w="25400" cap="flat" cmpd="sng" algn="ctr">
+                <a:solidFill>
+                  <a:schemeClr val="accent1">
+                    <a:shade val="50000"/>
+                  </a:schemeClr>
+                </a:solidFill>
+                <a:prstDash val="solid"/>
+              </a14:hiddenLine>
+            </a:ext>
+          </a:extLst>
+        </p:spPr>
+        <p:style>
+          <a:lnRef idx="2">
+            <a:schemeClr val="accent1">
+              <a:shade val="50000"/>
+            </a:schemeClr>
+          </a:lnRef>
+          <a:fillRef idx="1">
+            <a:schemeClr val="accent1"/>
+          </a:fillRef>
+          <a:effectRef idx="0">
+            <a:schemeClr val="accent1"/>
+          </a:effectRef>
+          <a:fontRef idx="minor">
+            <a:schemeClr val="lt1"/>
+          </a:fontRef>
+        </p:style>
+        <p:txBody>
+          <a:bodyPr rtlCol="0" anchor="ctr"/>
+          <a:lstStyle/>
+          <a:p>
+            <a:pPr algn="ctr"/>
+            <a:endParaRPr lang="en-SG"/>
+          </a:p>
+        </p:txBody>
+      </p:sp>
+      <p:sp>
+        <p:nvSpPr>
+          <p:cNvPr id="6" name="PPTLabsHighlightBackgroundShape201702051848016895"/>
+          <p:cNvSpPr>
+            <a:spLocks/>
+          </p:cNvSpPr>
+          <p:nvPr>
+            <p:custDataLst>
+              <p:tags r:id="rId3"/>
+            </p:custDataLst>
+          </p:nvPr>
+        </p:nvSpPr>
+        <p:spPr>
+          <a:xfrm>
+            <a:off x="1139190" y="1859280"/>
+            <a:ext cx="6596888" cy="853440"/>
+          </a:xfrm>
+          <a:prstGeom prst="roundRect">
+            <a:avLst>
+              <a:gd name="adj" fmla="val 25000"/>
+            </a:avLst>
+          </a:prstGeom>
+          <a:solidFill>
+            <a:srgbClr val="FFFF00">
+              <a:alpha val="50000"/>
+            </a:srgbClr>
+          </a:solidFill>
+          <a:ln w="25400" cap="flat" cmpd="sng" algn="ctr">
+            <a:noFill/>
+            <a:prstDash val="solid"/>
+          </a:ln>
+          <a:effectLst/>
+          <a:extLst>
+            <a:ext uri="{91240B29-F687-4F45-9708-019B960494DF}">
+              <a14:hiddenLine xmlns:a14="http://schemas.microsoft.com/office/drawing/2010/main" w="25400" cap="flat" cmpd="sng" algn="ctr">
+                <a:solidFill>
+                  <a:schemeClr val="accent1">
+                    <a:shade val="50000"/>
+                  </a:schemeClr>
+                </a:solidFill>
+                <a:prstDash val="solid"/>
+              </a14:hiddenLine>
+            </a:ext>
+          </a:extLst>
+        </p:spPr>
+        <p:style>
+          <a:lnRef idx="2">
+            <a:schemeClr val="accent1">
+              <a:shade val="50000"/>
+            </a:schemeClr>
+          </a:lnRef>
+          <a:fillRef idx="1">
+            <a:schemeClr val="accent1"/>
+          </a:fillRef>
+          <a:effectRef idx="0">
+            <a:schemeClr val="accent1"/>
+          </a:effectRef>
+          <a:fontRef idx="minor">
+            <a:schemeClr val="lt1"/>
+          </a:fontRef>
+        </p:style>
+        <p:txBody>
+          <a:bodyPr rtlCol="0" anchor="ctr"/>
+          <a:lstStyle/>
+          <a:p>
+            <a:pPr algn="ctr"/>
+            <a:endParaRPr lang="en-SG"/>
+          </a:p>
+        </p:txBody>
+      </p:sp>
+      <p:sp>
+        <p:nvSpPr>
+          <p:cNvPr id="7" name="PPTLabsHighlightBackgroundShape201702051848016905"/>
+          <p:cNvSpPr>
+            <a:spLocks/>
+          </p:cNvSpPr>
+          <p:nvPr>
+            <p:custDataLst>
+              <p:tags r:id="rId4"/>
+            </p:custDataLst>
+          </p:nvPr>
+        </p:nvSpPr>
+        <p:spPr>
+          <a:xfrm>
+            <a:off x="1139190" y="2712720"/>
+            <a:ext cx="5164138" cy="152400"/>
+          </a:xfrm>
+          <a:prstGeom prst="roundRect">
+            <a:avLst>
+              <a:gd name="adj" fmla="val 25000"/>
+            </a:avLst>
+          </a:prstGeom>
+          <a:solidFill>
+            <a:srgbClr val="FFFF00">
+              <a:alpha val="50000"/>
+            </a:srgbClr>
+          </a:solidFill>
+          <a:ln w="25400" cap="flat" cmpd="sng" algn="ctr">
+            <a:noFill/>
+            <a:prstDash val="solid"/>
+          </a:ln>
+          <a:effectLst/>
+          <a:extLst>
+            <a:ext uri="{91240B29-F687-4F45-9708-019B960494DF}">
+              <a14:hiddenLine xmlns:a14="http://schemas.microsoft.com/office/drawing/2010/main" w="25400" cap="flat" cmpd="sng" algn="ctr">
+                <a:solidFill>
+                  <a:schemeClr val="accent1">
+                    <a:shade val="50000"/>
+                  </a:schemeClr>
+                </a:solidFill>
+                <a:prstDash val="solid"/>
+              </a14:hiddenLine>
+            </a:ext>
+          </a:extLst>
+        </p:spPr>
+        <p:style>
+          <a:lnRef idx="2">
+            <a:schemeClr val="accent1">
+              <a:shade val="50000"/>
+            </a:schemeClr>
+          </a:lnRef>
+          <a:fillRef idx="1">
+            <a:schemeClr val="accent1"/>
+          </a:fillRef>
+          <a:effectRef idx="0">
+            <a:schemeClr val="accent1"/>
+          </a:effectRef>
+          <a:fontRef idx="minor">
+            <a:schemeClr val="lt1"/>
+          </a:fontRef>
+        </p:style>
+        <p:txBody>
+          <a:bodyPr rtlCol="0" anchor="ctr"/>
+          <a:lstStyle/>
+          <a:p>
+            <a:pPr algn="ctr"/>
+            <a:endParaRPr lang="en-SG"/>
+          </a:p>
+        </p:txBody>
+      </p:sp>
+      <p:sp>
+        <p:nvSpPr>
+          <p:cNvPr id="8" name="PPTLabsHighlightBackgroundShape201702051848016915"/>
+          <p:cNvSpPr>
+            <a:spLocks/>
+          </p:cNvSpPr>
+          <p:nvPr>
+            <p:custDataLst>
+              <p:tags r:id="rId5"/>
+            </p:custDataLst>
+          </p:nvPr>
+        </p:nvSpPr>
+        <p:spPr>
+          <a:xfrm>
+            <a:off x="1147128" y="2865120"/>
+            <a:ext cx="6774306" cy="1005840"/>
+          </a:xfrm>
+          <a:prstGeom prst="roundRect">
+            <a:avLst>
+              <a:gd name="adj" fmla="val 25000"/>
+            </a:avLst>
+          </a:prstGeom>
+          <a:solidFill>
+            <a:srgbClr val="FFFF00">
+              <a:alpha val="50000"/>
+            </a:srgbClr>
+          </a:solidFill>
+          <a:ln w="25400" cap="flat" cmpd="sng" algn="ctr">
+            <a:noFill/>
+            <a:prstDash val="solid"/>
+          </a:ln>
+          <a:effectLst/>
+          <a:extLst>
+            <a:ext uri="{91240B29-F687-4F45-9708-019B960494DF}">
+              <a14:hiddenLine xmlns:a14="http://schemas.microsoft.com/office/drawing/2010/main" w="25400" cap="flat" cmpd="sng" algn="ctr">
+                <a:solidFill>
+                  <a:schemeClr val="accent1">
+                    <a:shade val="50000"/>
+                  </a:schemeClr>
+                </a:solidFill>
+                <a:prstDash val="solid"/>
+              </a14:hiddenLine>
+            </a:ext>
+          </a:extLst>
+        </p:spPr>
+        <p:style>
+          <a:lnRef idx="2">
+            <a:schemeClr val="accent1">
+              <a:shade val="50000"/>
+            </a:schemeClr>
+          </a:lnRef>
+          <a:fillRef idx="1">
+            <a:schemeClr val="accent1"/>
+          </a:fillRef>
+          <a:effectRef idx="0">
+            <a:schemeClr val="accent1"/>
+          </a:effectRef>
+          <a:fontRef idx="minor">
+            <a:schemeClr val="lt1"/>
+          </a:fontRef>
+        </p:style>
+        <p:txBody>
+          <a:bodyPr rtlCol="0" anchor="ctr"/>
+          <a:lstStyle/>
+          <a:p>
+            <a:pPr algn="ctr"/>
+            <a:endParaRPr lang="en-SG"/>
+          </a:p>
+        </p:txBody>
+      </p:sp>
+      <p:sp>
+        <p:nvSpPr>
+          <p:cNvPr id="9" name="PPTLabsHighlightBackgroundShape201702051848016930"/>
+          <p:cNvSpPr>
+            <a:spLocks/>
+          </p:cNvSpPr>
+          <p:nvPr>
+            <p:custDataLst>
+              <p:tags r:id="rId6"/>
+            </p:custDataLst>
+          </p:nvPr>
+        </p:nvSpPr>
+        <p:spPr>
+          <a:xfrm>
+            <a:off x="1139190" y="3870960"/>
+            <a:ext cx="6974523" cy="2194560"/>
+          </a:xfrm>
+          <a:prstGeom prst="roundRect">
+            <a:avLst>
+              <a:gd name="adj" fmla="val 25000"/>
+            </a:avLst>
+          </a:prstGeom>
+          <a:solidFill>
+            <a:srgbClr val="FFFF00">
+              <a:alpha val="50000"/>
+            </a:srgbClr>
+          </a:solidFill>
+          <a:ln w="25400" cap="flat" cmpd="sng" algn="ctr">
+            <a:noFill/>
+            <a:prstDash val="solid"/>
+          </a:ln>
+          <a:effectLst/>
+          <a:extLst>
+            <a:ext uri="{91240B29-F687-4F45-9708-019B960494DF}">
+              <a14:hiddenLine xmlns:a14="http://schemas.microsoft.com/office/drawing/2010/main" w="25400" cap="flat" cmpd="sng" algn="ctr">
+                <a:solidFill>
+                  <a:schemeClr val="accent1">
+                    <a:shade val="50000"/>
+                  </a:schemeClr>
+                </a:solidFill>
+                <a:prstDash val="solid"/>
+              </a14:hiddenLine>
+            </a:ext>
+          </a:extLst>
+        </p:spPr>
+        <p:style>
+          <a:lnRef idx="2">
+            <a:schemeClr val="accent1">
+              <a:shade val="50000"/>
+            </a:schemeClr>
+          </a:lnRef>
+          <a:fillRef idx="1">
+            <a:schemeClr val="accent1"/>
+          </a:fillRef>
+          <a:effectRef idx="0">
+            <a:schemeClr val="accent1"/>
+          </a:effectRef>
+          <a:fontRef idx="minor">
+            <a:schemeClr val="lt1"/>
+          </a:fontRef>
+        </p:style>
+        <p:txBody>
+          <a:bodyPr rtlCol="0" anchor="ctr"/>
+          <a:lstStyle/>
+          <a:p>
+            <a:pPr algn="ctr"/>
+            <a:endParaRPr lang="en-SG"/>
+          </a:p>
+        </p:txBody>
+      </p:sp>
+      <p:sp>
+        <p:nvSpPr>
+          <p:cNvPr id="10" name="PPTLabsHighlightBackgroundShape201702051848016940"/>
+          <p:cNvSpPr/>
+          <p:nvPr>
+            <p:custDataLst>
+              <p:tags r:id="rId7"/>
+            </p:custDataLst>
+          </p:nvPr>
+        </p:nvSpPr>
+        <p:spPr>
+          <a:xfrm>
+            <a:off x="1139190" y="6065520"/>
+            <a:ext cx="6587554" cy="274320"/>
+          </a:xfrm>
+          <a:prstGeom prst="roundRect">
+            <a:avLst>
+              <a:gd name="adj" fmla="val 25000"/>
+            </a:avLst>
+          </a:prstGeom>
+          <a:solidFill>
+            <a:srgbClr val="FFFF00">
+              <a:alpha val="50000"/>
+            </a:srgbClr>
+          </a:solidFill>
+          <a:ln w="25400" cap="flat" cmpd="sng" algn="ctr">
+            <a:noFill/>
+            <a:prstDash val="solid"/>
+          </a:ln>
+          <a:effectLst/>
+          <a:extLst>
+            <a:ext uri="{91240B29-F687-4F45-9708-019B960494DF}">
+              <a14:hiddenLine xmlns:a14="http://schemas.microsoft.com/office/drawing/2010/main" w="25400" cap="flat" cmpd="sng" algn="ctr">
+                <a:solidFill>
+                  <a:schemeClr val="accent1">
+                    <a:shade val="50000"/>
+                  </a:schemeClr>
+                </a:solidFill>
+                <a:prstDash val="solid"/>
+              </a14:hiddenLine>
+            </a:ext>
+          </a:extLst>
+        </p:spPr>
+        <p:style>
+          <a:lnRef idx="2">
+            <a:schemeClr val="accent1">
+              <a:shade val="50000"/>
+            </a:schemeClr>
+          </a:lnRef>
+          <a:fillRef idx="1">
+            <a:schemeClr val="accent1"/>
+          </a:fillRef>
+          <a:effectRef idx="0">
+            <a:schemeClr val="accent1"/>
+          </a:effectRef>
+          <a:fontRef idx="minor">
+            <a:schemeClr val="lt1"/>
+          </a:fontRef>
+        </p:style>
+        <p:txBody>
+          <a:bodyPr rtlCol="0" anchor="ctr"/>
+          <a:lstStyle/>
+          <a:p>
+            <a:pPr algn="ctr"/>
+            <a:endParaRPr lang="en-SG"/>
+          </a:p>
+        </p:txBody>
+      </p:sp>
+      <p:sp>
+        <p:nvSpPr>
+          <p:cNvPr id="2" name="HighlightBackgroundShape73075057-96f2-467a-9739-220ecca5ae94"/>
+          <p:cNvSpPr txBox="1"/>
+          <p:nvPr/>
+        </p:nvSpPr>
+        <p:spPr>
+          <a:xfrm>
+            <a:off x="762000" y="533400"/>
+            <a:ext cx="7620000" cy="5909310"/>
+          </a:xfrm>
+          <a:prstGeom prst="rect">
+            <a:avLst/>
+          </a:prstGeom>
+          <a:noFill/>
+        </p:spPr>
+        <p:txBody>
+          <a:bodyPr wrap="square" rtlCol="0">
+            <a:spAutoFit/>
+          </a:bodyPr>
+          <a:lstStyle/>
+          <a:p>
+            <a:pPr marL="285750" indent="-285750">
+              <a:buFont typeface="Arial" panose="020B0604020202020204" pitchFamily="34" charset="0"/>
+              <a:buChar char="•"/>
+            </a:pPr>
+            <a:r>
+              <a:rPr lang="en-US" sz="2800" dirty="0" smtClean="0"/>
+              <a:t>Test - Non-ABC: 1234567890!@#$%^&amp;*()</a:t>
+            </a:r>
+          </a:p>
+          <a:p>
+            <a:r>
+              <a:rPr lang="en-US" sz="2800" dirty="0"/>
+              <a:t>Test </a:t>
+            </a:r>
+            <a:r>
+              <a:rPr lang="en-US" sz="2800" dirty="0" smtClean="0"/>
+              <a:t>– No bullet point</a:t>
+            </a:r>
+            <a:endParaRPr lang="en-US" sz="2800" dirty="0"/>
+          </a:p>
+          <a:p>
+            <a:pPr marL="514350" indent="-514350">
+              <a:buFont typeface="+mj-lt"/>
+              <a:buAutoNum type="arabicPeriod"/>
+            </a:pPr>
+            <a:r>
+              <a:rPr lang="en-US" sz="2800" dirty="0"/>
+              <a:t>Test – </a:t>
+            </a:r>
+            <a:r>
+              <a:rPr lang="en-US" sz="2800" dirty="0" smtClean="0"/>
+              <a:t>Different bullet point</a:t>
+            </a:r>
+          </a:p>
+          <a:p>
+            <a:pPr marL="285750" indent="-285750">
+              <a:buFont typeface="Arial" panose="020B0604020202020204" pitchFamily="34" charset="0"/>
+              <a:buChar char="•"/>
+            </a:pPr>
+            <a:r>
+              <a:rPr lang="en-US" sz="2800" dirty="0" smtClean="0">
+                <a:latin typeface="Times New Roman" panose="02020603050405020304" pitchFamily="18" charset="0"/>
+                <a:cs typeface="Times New Roman" panose="02020603050405020304" pitchFamily="18" charset="0"/>
+              </a:rPr>
+              <a:t>Test - Another Font Family, using Times New Roman</a:t>
+            </a:r>
+          </a:p>
+          <a:p>
+            <a:pPr marL="285750" indent="-285750">
+              <a:buFont typeface="Arial" panose="020B0604020202020204" pitchFamily="34" charset="0"/>
+              <a:buChar char="•"/>
+            </a:pPr>
+            <a:r>
+              <a:rPr lang="en-US" sz="1000" dirty="0" smtClean="0"/>
+              <a:t>Test - very small content. Test: very small content. Test: very small content. Test: very small content</a:t>
+            </a:r>
+          </a:p>
+          <a:p>
+            <a:pPr marL="285750" indent="-285750">
+              <a:buFont typeface="Arial" panose="020B0604020202020204" pitchFamily="34" charset="0"/>
+              <a:buChar char="•"/>
+            </a:pPr>
+            <a:r>
+              <a:rPr lang="en-US" sz="6600" dirty="0" smtClean="0">
+                <a:latin typeface="Arial Black" panose="020B0A04020102020204" pitchFamily="34" charset="0"/>
+              </a:rPr>
+              <a:t>Test - very big</a:t>
+            </a:r>
+          </a:p>
+          <a:p>
+            <a:pPr marL="285750" indent="-285750">
+              <a:buFont typeface="Arial" panose="020B0604020202020204" pitchFamily="34" charset="0"/>
+              <a:buChar char="•"/>
+            </a:pPr>
+            <a:r>
+              <a:rPr lang="en-US" sz="3600" dirty="0" smtClean="0"/>
+              <a:t>Test – Long sentence: </a:t>
+            </a:r>
+            <a:r>
+              <a:rPr lang="en-US" sz="3600" dirty="0" err="1" smtClean="0"/>
+              <a:t>Asdddd</a:t>
+            </a:r>
+            <a:r>
+              <a:rPr lang="en-US" sz="3600" dirty="0" smtClean="0"/>
+              <a:t> </a:t>
+            </a:r>
+            <a:r>
+              <a:rPr lang="en-US" sz="3600" dirty="0" err="1" smtClean="0"/>
+              <a:t>ddd</a:t>
+            </a:r>
+            <a:r>
+              <a:rPr lang="en-US" sz="3600" dirty="0" smtClean="0"/>
+              <a:t> </a:t>
+            </a:r>
+            <a:r>
+              <a:rPr lang="en-US" sz="3600" dirty="0" err="1" smtClean="0"/>
+              <a:t>dd</a:t>
+            </a:r>
+            <a:r>
+              <a:rPr lang="en-US" sz="3600" dirty="0" smtClean="0"/>
+              <a:t> d </a:t>
+            </a:r>
+            <a:r>
+              <a:rPr lang="en-US" sz="3600" dirty="0" err="1" smtClean="0"/>
+              <a:t>ddddd</a:t>
+            </a:r>
+            <a:r>
+              <a:rPr lang="en-US" sz="3600" dirty="0" smtClean="0"/>
+              <a:t> </a:t>
+            </a:r>
+            <a:r>
+              <a:rPr lang="en-US" sz="3600" dirty="0" err="1" smtClean="0"/>
+              <a:t>ddd</a:t>
+            </a:r>
+            <a:r>
+              <a:rPr lang="en-US" sz="3600" dirty="0" smtClean="0"/>
+              <a:t> </a:t>
+            </a:r>
+            <a:r>
+              <a:rPr lang="en-US" sz="3600" dirty="0" err="1" smtClean="0"/>
+              <a:t>ddd</a:t>
+            </a:r>
+            <a:r>
+              <a:rPr lang="en-US" sz="3600" dirty="0" smtClean="0"/>
+              <a:t> </a:t>
+            </a:r>
+            <a:r>
+              <a:rPr lang="en-US" sz="3600" dirty="0" err="1" smtClean="0"/>
+              <a:t>ddd</a:t>
+            </a:r>
+            <a:r>
+              <a:rPr lang="en-US" sz="3600" dirty="0" smtClean="0"/>
+              <a:t> </a:t>
+            </a:r>
+            <a:r>
+              <a:rPr lang="en-US" sz="3600" dirty="0" err="1" smtClean="0"/>
+              <a:t>ddd</a:t>
+            </a:r>
+            <a:r>
+              <a:rPr lang="en-US" sz="3600" dirty="0" smtClean="0"/>
+              <a:t> </a:t>
+            </a:r>
+            <a:r>
+              <a:rPr lang="en-US" sz="3600" dirty="0" err="1" smtClean="0"/>
+              <a:t>ddd</a:t>
+            </a:r>
+            <a:r>
+              <a:rPr lang="en-US" sz="3600" dirty="0" smtClean="0"/>
+              <a:t> </a:t>
+            </a:r>
+            <a:r>
+              <a:rPr lang="en-US" sz="3600" dirty="0" err="1" smtClean="0"/>
+              <a:t>ddd</a:t>
+            </a:r>
+            <a:r>
+              <a:rPr lang="en-US" sz="3600" dirty="0" smtClean="0"/>
+              <a:t> </a:t>
+            </a:r>
+            <a:r>
+              <a:rPr lang="en-US" sz="3600" dirty="0" err="1" smtClean="0"/>
+              <a:t>ddd</a:t>
+            </a:r>
+            <a:r>
+              <a:rPr lang="en-US" sz="3600" dirty="0" smtClean="0"/>
+              <a:t> </a:t>
+            </a:r>
+            <a:r>
+              <a:rPr lang="en-US" sz="3600" dirty="0" err="1" smtClean="0"/>
+              <a:t>dddddd</a:t>
+            </a:r>
+            <a:r>
+              <a:rPr lang="en-US" sz="3600" dirty="0" smtClean="0"/>
+              <a:t> </a:t>
+            </a:r>
+            <a:r>
+              <a:rPr lang="en-US" sz="3600" dirty="0" err="1" smtClean="0"/>
+              <a:t>dd</a:t>
+            </a:r>
+            <a:r>
+              <a:rPr lang="en-US" sz="3600" dirty="0" smtClean="0"/>
+              <a:t> </a:t>
+            </a:r>
+            <a:r>
+              <a:rPr lang="en-US" sz="3600" dirty="0" err="1" smtClean="0"/>
+              <a:t>ddd</a:t>
+            </a:r>
+            <a:r>
+              <a:rPr lang="en-US" sz="3600" dirty="0" smtClean="0"/>
+              <a:t> </a:t>
+            </a:r>
+            <a:r>
+              <a:rPr lang="en-US" sz="3600" dirty="0" err="1" smtClean="0"/>
+              <a:t>ddddd</a:t>
+            </a:r>
+            <a:r>
+              <a:rPr lang="en-US" sz="3600" dirty="0" smtClean="0"/>
+              <a:t> </a:t>
+            </a:r>
+            <a:r>
+              <a:rPr lang="en-US" sz="3600" dirty="0" err="1" smtClean="0"/>
+              <a:t>dd</a:t>
+            </a:r>
+            <a:r>
+              <a:rPr lang="en-US" sz="3600" dirty="0" smtClean="0"/>
+              <a:t> </a:t>
+            </a:r>
+            <a:r>
+              <a:rPr lang="en-US" sz="3600" dirty="0" err="1" smtClean="0"/>
+              <a:t>dd</a:t>
+            </a:r>
+            <a:r>
+              <a:rPr lang="en-US" sz="3600" dirty="0" smtClean="0"/>
+              <a:t> d </a:t>
+            </a:r>
+            <a:r>
+              <a:rPr lang="en-US" sz="3600" dirty="0" err="1" smtClean="0"/>
+              <a:t>ddd</a:t>
+            </a:r>
+            <a:r>
+              <a:rPr lang="en-US" sz="3600" dirty="0" smtClean="0"/>
+              <a:t> </a:t>
+            </a:r>
+            <a:r>
+              <a:rPr lang="en-US" sz="3600" dirty="0" err="1" smtClean="0"/>
+              <a:t>ddd</a:t>
+            </a:r>
+            <a:endParaRPr lang="en-US" sz="3600" dirty="0" smtClean="0"/>
+          </a:p>
+          <a:p>
+            <a:pPr marL="285750" indent="-285750">
+              <a:buFont typeface="Arial" panose="020B0604020202020204" pitchFamily="34" charset="0"/>
+              <a:buChar char="•"/>
+            </a:pPr>
+            <a:r>
+              <a:rPr lang="en-US" altLang="zh-CN" dirty="0" smtClean="0"/>
+              <a:t>Test – Chinese Characters: </a:t>
+            </a:r>
+            <a:r>
+              <a:rPr lang="zh-CN" altLang="en-US" dirty="0" smtClean="0"/>
+              <a:t>阿</a:t>
+            </a:r>
+            <a:r>
+              <a:rPr lang="zh-CN" altLang="en-US" dirty="0"/>
+              <a:t>斯</a:t>
+            </a:r>
+            <a:r>
+              <a:rPr lang="zh-CN" altLang="en-US" dirty="0" smtClean="0"/>
+              <a:t>顿啊盛大速度啊盛大速度啊盛大速度</a:t>
+            </a:r>
+            <a:endParaRPr lang="en-SG" dirty="0"/>
+          </a:p>
+        </p:txBody>
+      </p:sp>
+    </p:spTree>
+    <p:extLst>
+      <p:ext uri="{BB962C8B-B14F-4D97-AF65-F5344CB8AC3E}">
+        <p14:creationId xmlns:p14="http://schemas.microsoft.com/office/powerpoint/2010/main" val="491753211"/>
+      </p:ext>
+    </p:extLst>
+  </p:cSld>
+  <p:clrMapOvr>
+    <a:masterClrMapping/>
+  </p:clrMapOvr>
+  <p:transition spd="slow">
+    <p:push dir="u"/>
+  </p:transition>
+  <p:timing>
+    <p:tnLst>
+      <p:par>
+        <p:cTn id="1" dur="indefinite" restart="never" nodeType="tmRoot">
+          <p:childTnLst>
+            <p:seq concurrent="1" nextAc="seek">
+              <p:cTn id="2" dur="indefinite" nodeType="mainSeq">
+                <p:childTnLst>
+                  <p:par>
+                    <p:cTn id="3" fill="hold">
+                      <p:stCondLst>
+                        <p:cond delay="indefinite"/>
+                      </p:stCondLst>
+                      <p:childTnLst>
+                        <p:par>
+                          <p:cTn id="4" fill="hold">
+                            <p:stCondLst>
+                              <p:cond delay="0"/>
+                            </p:stCondLst>
+                            <p:childTnLst>
+                              <p:par>
+                                <p:cTn id="5" presetID="42" presetClass="path" presetSubtype="0" fill="hold" grpId="0" nodeType="clickEffect">
+                                  <p:stCondLst>
+                                    <p:cond delay="0"/>
+                                  </p:stCondLst>
+                                  <p:childTnLst>
+                                    <p:animMotion origin="layout" path="M 0 0 C -0.04362325 0.06222223 -0.04362325 0.06222223 -0.08724649 0.1244445 E" pathEditMode="relative" ptsTypes="">
+                                      <p:cBhvr>
+                                        <p:cTn id="6" dur="500" fill="hold"/>
+                                        <p:tgtEl>
+                                          <p:spTgt spid="4"/>
+                                        </p:tgtEl>
+                                        <p:attrNameLst>
+                                          <p:attrName>ppt_x</p:attrName>
+                                          <p:attrName>ppt_y</p:attrName>
+                                        </p:attrNameLst>
+                                      </p:cBhvr>
+                                    </p:animMotion>
+                                  </p:childTnLst>
+                                </p:cTn>
+                              </p:par>
+                              <p:par>
+                                <p:cTn id="7" presetID="6" presetClass="emph" presetSubtype="0" fill="hold" grpId="1" nodeType="withEffect">
+                                  <p:stCondLst>
+                                    <p:cond delay="0"/>
+                                  </p:stCondLst>
+                                  <p:childTnLst>
+                                    <p:animScale>
+                                      <p:cBhvr>
+                                        <p:cTn id="8" dur="500" fill="hold"/>
+                                        <p:tgtEl>
+                                          <p:spTgt spid="4"/>
+                                        </p:tgtEl>
+                                      </p:cBhvr>
+                                      <p:by x="66208" y="100000"/>
+                                    </p:animScale>
+                                  </p:childTnLst>
+                                </p:cTn>
+                              </p:par>
+                            </p:childTnLst>
+                          </p:cTn>
+                        </p:par>
+                        <p:par>
+                          <p:cTn id="9" fill="hold">
+                            <p:stCondLst>
+                              <p:cond delay="500"/>
+                            </p:stCondLst>
+                            <p:childTnLst>
+                              <p:par>
+                                <p:cTn id="10" presetID="1" presetClass="entr" presetSubtype="0" fill="hold" grpId="0" nodeType="afterEffect">
+                                  <p:stCondLst>
+                                    <p:cond delay="0"/>
+                                  </p:stCondLst>
+                                  <p:childTnLst>
+                                    <p:set>
+                                      <p:cBhvr>
+                                        <p:cTn id="11" dur="1" fill="hold">
+                                          <p:stCondLst>
+                                            <p:cond delay="0"/>
+                                          </p:stCondLst>
+                                        </p:cTn>
+                                        <p:tgtEl>
+                                          <p:spTgt spid="5"/>
+                                        </p:tgtEl>
+                                        <p:attrNameLst>
+                                          <p:attrName>style.visibility</p:attrName>
+                                        </p:attrNameLst>
+                                      </p:cBhvr>
+                                      <p:to>
+                                        <p:strVal val="visible"/>
+                                      </p:to>
+                                    </p:set>
+                                  </p:childTnLst>
+                                </p:cTn>
+                              </p:par>
+                              <p:par>
+                                <p:cTn id="12" presetID="10" presetClass="exit" presetSubtype="0" fill="hold" grpId="2" nodeType="withEffect">
+                                  <p:stCondLst>
+                                    <p:cond delay="0"/>
+                                  </p:stCondLst>
+                                  <p:childTnLst>
+                                    <p:animEffect transition="out" filter="fade">
+                                      <p:cBhvr>
+                                        <p:cTn id="13" dur="500"/>
+                                        <p:tgtEl>
+                                          <p:spTgt spid="4"/>
+                                        </p:tgtEl>
+                                      </p:cBhvr>
+                                    </p:animEffect>
+                                    <p:set>
+                                      <p:cBhvr>
+                                        <p:cTn id="14" dur="1" fill="hold">
+                                          <p:stCondLst>
+                                            <p:cond delay="499"/>
+                                          </p:stCondLst>
+                                        </p:cTn>
+                                        <p:tgtEl>
+                                          <p:spTgt spid="4"/>
+                                        </p:tgtEl>
+                                        <p:attrNameLst>
+                                          <p:attrName>style.visibility</p:attrName>
+                                        </p:attrNameLst>
+                                      </p:cBhvr>
+                                      <p:to>
+                                        <p:strVal val="hidden"/>
+                                      </p:to>
+                                    </p:set>
+                                  </p:childTnLst>
+                                </p:cTn>
+                              </p:par>
+                            </p:childTnLst>
+                          </p:cTn>
+                        </p:par>
+                      </p:childTnLst>
+                    </p:cTn>
+                  </p:par>
+                  <p:par>
+                    <p:cTn id="15" fill="hold">
+                      <p:stCondLst>
+                        <p:cond delay="indefinite"/>
+                      </p:stCondLst>
+                      <p:childTnLst>
+                        <p:par>
+                          <p:cTn id="16" fill="hold">
+                            <p:stCondLst>
+                              <p:cond delay="0"/>
+                            </p:stCondLst>
+                            <p:childTnLst>
+                              <p:par>
+                                <p:cTn id="17" presetID="42" presetClass="path" presetSubtype="0" fill="hold" grpId="1" nodeType="clickEffect">
+                                  <p:stCondLst>
+                                    <p:cond delay="0"/>
+                                  </p:stCondLst>
+                                  <p:childTnLst>
+                                    <p:animMotion origin="layout" path="M 0 0 C 0.05790102 0.04666666 0.05790102 0.04666666 0.115802 0.09333332 E" pathEditMode="relative" ptsTypes="">
+                                      <p:cBhvr>
+                                        <p:cTn id="18" dur="500" fill="hold"/>
+                                        <p:tgtEl>
+                                          <p:spTgt spid="5"/>
+                                        </p:tgtEl>
+                                        <p:attrNameLst>
+                                          <p:attrName>ppt_x</p:attrName>
+                                          <p:attrName>ppt_y</p:attrName>
+                                        </p:attrNameLst>
+                                      </p:cBhvr>
+                                    </p:animMotion>
+                                  </p:childTnLst>
+                                </p:cTn>
+                              </p:par>
+                              <p:par>
+                                <p:cTn id="19" presetID="6" presetClass="emph" presetSubtype="0" fill="hold" grpId="2" nodeType="withEffect">
+                                  <p:stCondLst>
+                                    <p:cond delay="0"/>
+                                  </p:stCondLst>
+                                  <p:childTnLst>
+                                    <p:animScale>
+                                      <p:cBhvr>
+                                        <p:cTn id="20" dur="500" fill="hold"/>
+                                        <p:tgtEl>
+                                          <p:spTgt spid="5"/>
+                                        </p:tgtEl>
+                                      </p:cBhvr>
+                                      <p:by x="164024" y="200000"/>
+                                    </p:animScale>
+                                  </p:childTnLst>
+                                </p:cTn>
+                              </p:par>
+                            </p:childTnLst>
+                          </p:cTn>
+                        </p:par>
+                        <p:par>
+                          <p:cTn id="21" fill="hold">
+                            <p:stCondLst>
+                              <p:cond delay="500"/>
+                            </p:stCondLst>
+                            <p:childTnLst>
+                              <p:par>
+                                <p:cTn id="22" presetID="1" presetClass="entr" presetSubtype="0" fill="hold" grpId="0" nodeType="afterEffect">
+                                  <p:stCondLst>
+                                    <p:cond delay="0"/>
+                                  </p:stCondLst>
+                                  <p:childTnLst>
+                                    <p:set>
+                                      <p:cBhvr>
+                                        <p:cTn id="23" dur="1" fill="hold">
+                                          <p:stCondLst>
+                                            <p:cond delay="0"/>
+                                          </p:stCondLst>
+                                        </p:cTn>
+                                        <p:tgtEl>
+                                          <p:spTgt spid="6"/>
+                                        </p:tgtEl>
+                                        <p:attrNameLst>
+                                          <p:attrName>style.visibility</p:attrName>
+                                        </p:attrNameLst>
+                                      </p:cBhvr>
+                                      <p:to>
+                                        <p:strVal val="visible"/>
+                                      </p:to>
+                                    </p:set>
+                                  </p:childTnLst>
+                                </p:cTn>
+                              </p:par>
+                              <p:par>
+                                <p:cTn id="24" presetID="10" presetClass="exit" presetSubtype="0" fill="hold" grpId="3" nodeType="withEffect">
+                                  <p:stCondLst>
+                                    <p:cond delay="0"/>
+                                  </p:stCondLst>
+                                  <p:childTnLst>
+                                    <p:animEffect transition="out" filter="fade">
+                                      <p:cBhvr>
+                                        <p:cTn id="25" dur="500"/>
+                                        <p:tgtEl>
+                                          <p:spTgt spid="5"/>
+                                        </p:tgtEl>
+                                      </p:cBhvr>
+                                    </p:animEffect>
+                                    <p:set>
+                                      <p:cBhvr>
+                                        <p:cTn id="26" dur="1" fill="hold">
+                                          <p:stCondLst>
+                                            <p:cond delay="499"/>
+                                          </p:stCondLst>
+                                        </p:cTn>
+                                        <p:tgtEl>
+                                          <p:spTgt spid="5"/>
+                                        </p:tgtEl>
+                                        <p:attrNameLst>
+                                          <p:attrName>style.visibility</p:attrName>
+                                        </p:attrNameLst>
+                                      </p:cBhvr>
+                                      <p:to>
+                                        <p:strVal val="hidden"/>
+                                      </p:to>
+                                    </p:set>
+                                  </p:childTnLst>
+                                </p:cTn>
+                              </p:par>
+                            </p:childTnLst>
+                          </p:cTn>
+                        </p:par>
+                      </p:childTnLst>
+                    </p:cTn>
+                  </p:par>
+                  <p:par>
+                    <p:cTn id="27" fill="hold">
+                      <p:stCondLst>
+                        <p:cond delay="indefinite"/>
+                      </p:stCondLst>
+                      <p:childTnLst>
+                        <p:par>
+                          <p:cTn id="28" fill="hold">
+                            <p:stCondLst>
+                              <p:cond delay="0"/>
+                            </p:stCondLst>
+                            <p:childTnLst>
+                              <p:par>
+                                <p:cTn id="29" presetID="42" presetClass="path" presetSubtype="0" fill="hold" grpId="1" nodeType="clickEffect">
+                                  <p:stCondLst>
+                                    <p:cond delay="0"/>
+                                  </p:stCondLst>
+                                  <p:childTnLst>
+                                    <p:animMotion origin="layout" path="M 0 0 C -0.03917186 0.03666667 -0.03917186 0.03666667 -0.07834371 0.07333335 E" pathEditMode="relative" ptsTypes="">
+                                      <p:cBhvr>
+                                        <p:cTn id="30" dur="500" fill="hold"/>
+                                        <p:tgtEl>
+                                          <p:spTgt spid="6"/>
+                                        </p:tgtEl>
+                                        <p:attrNameLst>
+                                          <p:attrName>ppt_x</p:attrName>
+                                          <p:attrName>ppt_y</p:attrName>
+                                        </p:attrNameLst>
+                                      </p:cBhvr>
+                                    </p:animMotion>
+                                  </p:childTnLst>
+                                </p:cTn>
+                              </p:par>
+                              <p:par>
+                                <p:cTn id="31" presetID="6" presetClass="emph" presetSubtype="0" fill="hold" grpId="2" nodeType="withEffect">
+                                  <p:stCondLst>
+                                    <p:cond delay="0"/>
+                                  </p:stCondLst>
+                                  <p:childTnLst>
+                                    <p:animScale>
+                                      <p:cBhvr>
+                                        <p:cTn id="32" dur="500" fill="hold"/>
+                                        <p:tgtEl>
+                                          <p:spTgt spid="6"/>
+                                        </p:tgtEl>
+                                      </p:cBhvr>
+                                      <p:by x="78281" y="17857"/>
+                                    </p:animScale>
+                                  </p:childTnLst>
+                                </p:cTn>
+                              </p:par>
+                            </p:childTnLst>
+                          </p:cTn>
+                        </p:par>
+                        <p:par>
+                          <p:cTn id="33" fill="hold">
+                            <p:stCondLst>
+                              <p:cond delay="500"/>
+                            </p:stCondLst>
+                            <p:childTnLst>
+                              <p:par>
+                                <p:cTn id="34" presetID="1" presetClass="entr" presetSubtype="0" fill="hold" grpId="0" nodeType="afterEffect">
+                                  <p:stCondLst>
+                                    <p:cond delay="0"/>
+                                  </p:stCondLst>
+                                  <p:childTnLst>
+                                    <p:set>
+                                      <p:cBhvr>
+                                        <p:cTn id="35" dur="1" fill="hold">
+                                          <p:stCondLst>
+                                            <p:cond delay="0"/>
+                                          </p:stCondLst>
+                                        </p:cTn>
+                                        <p:tgtEl>
+                                          <p:spTgt spid="7"/>
+                                        </p:tgtEl>
+                                        <p:attrNameLst>
+                                          <p:attrName>style.visibility</p:attrName>
+                                        </p:attrNameLst>
+                                      </p:cBhvr>
+                                      <p:to>
+                                        <p:strVal val="visible"/>
+                                      </p:to>
+                                    </p:set>
+                                  </p:childTnLst>
+                                </p:cTn>
+                              </p:par>
+                              <p:par>
+                                <p:cTn id="36" presetID="10" presetClass="exit" presetSubtype="0" fill="hold" grpId="3" nodeType="withEffect">
+                                  <p:stCondLst>
+                                    <p:cond delay="0"/>
+                                  </p:stCondLst>
+                                  <p:childTnLst>
+                                    <p:animEffect transition="out" filter="fade">
+                                      <p:cBhvr>
+                                        <p:cTn id="37" dur="500"/>
+                                        <p:tgtEl>
+                                          <p:spTgt spid="6"/>
+                                        </p:tgtEl>
+                                      </p:cBhvr>
+                                    </p:animEffect>
+                                    <p:set>
+                                      <p:cBhvr>
+                                        <p:cTn id="38" dur="1" fill="hold">
+                                          <p:stCondLst>
+                                            <p:cond delay="499"/>
+                                          </p:stCondLst>
+                                        </p:cTn>
+                                        <p:tgtEl>
+                                          <p:spTgt spid="6"/>
+                                        </p:tgtEl>
+                                        <p:attrNameLst>
+                                          <p:attrName>style.visibility</p:attrName>
+                                        </p:attrNameLst>
+                                      </p:cBhvr>
+                                      <p:to>
+                                        <p:strVal val="hidden"/>
+                                      </p:to>
+                                    </p:set>
+                                  </p:childTnLst>
+                                </p:cTn>
+                              </p:par>
+                            </p:childTnLst>
+                          </p:cTn>
+                        </p:par>
+                      </p:childTnLst>
+                    </p:cTn>
+                  </p:par>
+                  <p:par>
+                    <p:cTn id="39" fill="hold">
+                      <p:stCondLst>
+                        <p:cond delay="indefinite"/>
+                      </p:stCondLst>
+                      <p:childTnLst>
+                        <p:par>
+                          <p:cTn id="40" fill="hold">
+                            <p:stCondLst>
+                              <p:cond delay="0"/>
+                            </p:stCondLst>
+                            <p:childTnLst>
+                              <p:par>
+                                <p:cTn id="41" presetID="42" presetClass="path" presetSubtype="0" fill="hold" grpId="1" nodeType="clickEffect">
+                                  <p:stCondLst>
+                                    <p:cond delay="0"/>
+                                  </p:stCondLst>
+                                  <p:childTnLst>
+                                    <p:animMotion origin="layout" path="M 0 0 C 0.04445659 0.04222223 0.04445659 0.04222223 0.08891317 0.08444446 E" pathEditMode="relative" ptsTypes="">
+                                      <p:cBhvr>
+                                        <p:cTn id="42" dur="500" fill="hold"/>
+                                        <p:tgtEl>
+                                          <p:spTgt spid="7"/>
+                                        </p:tgtEl>
+                                        <p:attrNameLst>
+                                          <p:attrName>ppt_x</p:attrName>
+                                          <p:attrName>ppt_y</p:attrName>
+                                        </p:attrNameLst>
+                                      </p:cBhvr>
+                                    </p:animMotion>
+                                  </p:childTnLst>
+                                </p:cTn>
+                              </p:par>
+                              <p:par>
+                                <p:cTn id="43" presetID="6" presetClass="emph" presetSubtype="0" fill="hold" grpId="2" nodeType="withEffect">
+                                  <p:stCondLst>
+                                    <p:cond delay="0"/>
+                                  </p:stCondLst>
+                                  <p:childTnLst>
+                                    <p:animScale>
+                                      <p:cBhvr>
+                                        <p:cTn id="44" dur="500" fill="hold"/>
+                                        <p:tgtEl>
+                                          <p:spTgt spid="7"/>
+                                        </p:tgtEl>
+                                      </p:cBhvr>
+                                      <p:by x="131180" y="660000"/>
+                                    </p:animScale>
+                                  </p:childTnLst>
+                                </p:cTn>
+                              </p:par>
+                            </p:childTnLst>
+                          </p:cTn>
+                        </p:par>
+                        <p:par>
+                          <p:cTn id="45" fill="hold">
+                            <p:stCondLst>
+                              <p:cond delay="500"/>
+                            </p:stCondLst>
+                            <p:childTnLst>
+                              <p:par>
+                                <p:cTn id="46" presetID="1" presetClass="entr" presetSubtype="0" fill="hold" grpId="0" nodeType="afterEffect">
+                                  <p:stCondLst>
+                                    <p:cond delay="0"/>
+                                  </p:stCondLst>
+                                  <p:childTnLst>
+                                    <p:set>
+                                      <p:cBhvr>
+                                        <p:cTn id="47" dur="1" fill="hold">
+                                          <p:stCondLst>
+                                            <p:cond delay="0"/>
+                                          </p:stCondLst>
+                                        </p:cTn>
+                                        <p:tgtEl>
+                                          <p:spTgt spid="8"/>
+                                        </p:tgtEl>
+                                        <p:attrNameLst>
+                                          <p:attrName>style.visibility</p:attrName>
+                                        </p:attrNameLst>
+                                      </p:cBhvr>
+                                      <p:to>
+                                        <p:strVal val="visible"/>
+                                      </p:to>
+                                    </p:set>
+                                  </p:childTnLst>
+                                </p:cTn>
+                              </p:par>
+                              <p:par>
+                                <p:cTn id="48" presetID="10" presetClass="exit" presetSubtype="0" fill="hold" grpId="3" nodeType="withEffect">
+                                  <p:stCondLst>
+                                    <p:cond delay="0"/>
+                                  </p:stCondLst>
+                                  <p:childTnLst>
+                                    <p:animEffect transition="out" filter="fade">
+                                      <p:cBhvr>
+                                        <p:cTn id="49" dur="500"/>
+                                        <p:tgtEl>
+                                          <p:spTgt spid="7"/>
+                                        </p:tgtEl>
+                                      </p:cBhvr>
+                                    </p:animEffect>
+                                    <p:set>
+                                      <p:cBhvr>
+                                        <p:cTn id="50" dur="1" fill="hold">
+                                          <p:stCondLst>
+                                            <p:cond delay="499"/>
+                                          </p:stCondLst>
+                                        </p:cTn>
+                                        <p:tgtEl>
+                                          <p:spTgt spid="7"/>
+                                        </p:tgtEl>
+                                        <p:attrNameLst>
+                                          <p:attrName>style.visibility</p:attrName>
+                                        </p:attrNameLst>
+                                      </p:cBhvr>
+                                      <p:to>
+                                        <p:strVal val="hidden"/>
+                                      </p:to>
+                                    </p:set>
+                                  </p:childTnLst>
+                                </p:cTn>
+                              </p:par>
+                            </p:childTnLst>
+                          </p:cTn>
+                        </p:par>
+                      </p:childTnLst>
+                    </p:cTn>
+                  </p:par>
+                  <p:par>
+                    <p:cTn id="51" fill="hold">
+                      <p:stCondLst>
+                        <p:cond delay="indefinite"/>
+                      </p:stCondLst>
+                      <p:childTnLst>
+                        <p:par>
+                          <p:cTn id="52" fill="hold">
+                            <p:stCondLst>
+                              <p:cond delay="0"/>
+                            </p:stCondLst>
+                            <p:childTnLst>
+                              <p:par>
+                                <p:cTn id="53" presetID="42" presetClass="path" presetSubtype="0" fill="hold" grpId="1" nodeType="clickEffect">
+                                  <p:stCondLst>
+                                    <p:cond delay="0"/>
+                                  </p:stCondLst>
+                                  <p:childTnLst>
+                                    <p:animMotion origin="layout" path="M 0 0 C 0.005039957 0.1166666 0.005039957 0.1166666 0.01007991 0.2333333 E" pathEditMode="relative" ptsTypes="">
+                                      <p:cBhvr>
+                                        <p:cTn id="54" dur="500" fill="hold"/>
+                                        <p:tgtEl>
+                                          <p:spTgt spid="8"/>
+                                        </p:tgtEl>
+                                        <p:attrNameLst>
+                                          <p:attrName>ppt_x</p:attrName>
+                                          <p:attrName>ppt_y</p:attrName>
+                                        </p:attrNameLst>
+                                      </p:cBhvr>
+                                    </p:animMotion>
+                                  </p:childTnLst>
+                                </p:cTn>
+                              </p:par>
+                              <p:par>
+                                <p:cTn id="55" presetID="6" presetClass="emph" presetSubtype="0" fill="hold" grpId="2" nodeType="withEffect">
+                                  <p:stCondLst>
+                                    <p:cond delay="0"/>
+                                  </p:stCondLst>
+                                  <p:childTnLst>
+                                    <p:animScale>
+                                      <p:cBhvr>
+                                        <p:cTn id="56" dur="500" fill="hold"/>
+                                        <p:tgtEl>
+                                          <p:spTgt spid="8"/>
+                                        </p:tgtEl>
+                                      </p:cBhvr>
+                                      <p:by x="102956" y="218182"/>
+                                    </p:animScale>
+                                  </p:childTnLst>
+                                </p:cTn>
+                              </p:par>
+                            </p:childTnLst>
+                          </p:cTn>
+                        </p:par>
+                        <p:par>
+                          <p:cTn id="57" fill="hold">
+                            <p:stCondLst>
+                              <p:cond delay="500"/>
+                            </p:stCondLst>
+                            <p:childTnLst>
+                              <p:par>
+                                <p:cTn id="58" presetID="1" presetClass="entr" presetSubtype="0" fill="hold" grpId="0" nodeType="afterEffect">
+                                  <p:stCondLst>
+                                    <p:cond delay="0"/>
+                                  </p:stCondLst>
+                                  <p:childTnLst>
+                                    <p:set>
+                                      <p:cBhvr>
+                                        <p:cTn id="59" dur="1" fill="hold">
+                                          <p:stCondLst>
+                                            <p:cond delay="0"/>
+                                          </p:stCondLst>
+                                        </p:cTn>
+                                        <p:tgtEl>
+                                          <p:spTgt spid="9"/>
+                                        </p:tgtEl>
+                                        <p:attrNameLst>
+                                          <p:attrName>style.visibility</p:attrName>
+                                        </p:attrNameLst>
+                                      </p:cBhvr>
+                                      <p:to>
+                                        <p:strVal val="visible"/>
+                                      </p:to>
+                                    </p:set>
+                                  </p:childTnLst>
+                                </p:cTn>
+                              </p:par>
+                              <p:par>
+                                <p:cTn id="60" presetID="10" presetClass="exit" presetSubtype="0" fill="hold" grpId="3" nodeType="withEffect">
+                                  <p:stCondLst>
+                                    <p:cond delay="0"/>
+                                  </p:stCondLst>
+                                  <p:childTnLst>
+                                    <p:animEffect transition="out" filter="fade">
+                                      <p:cBhvr>
+                                        <p:cTn id="61" dur="500"/>
+                                        <p:tgtEl>
+                                          <p:spTgt spid="8"/>
+                                        </p:tgtEl>
+                                      </p:cBhvr>
+                                    </p:animEffect>
+                                    <p:set>
+                                      <p:cBhvr>
+                                        <p:cTn id="62" dur="1" fill="hold">
+                                          <p:stCondLst>
+                                            <p:cond delay="499"/>
+                                          </p:stCondLst>
+                                        </p:cTn>
+                                        <p:tgtEl>
+                                          <p:spTgt spid="8"/>
+                                        </p:tgtEl>
+                                        <p:attrNameLst>
+                                          <p:attrName>style.visibility</p:attrName>
+                                        </p:attrNameLst>
+                                      </p:cBhvr>
+                                      <p:to>
+                                        <p:strVal val="hidden"/>
+                                      </p:to>
+                                    </p:set>
+                                  </p:childTnLst>
+                                </p:cTn>
+                              </p:par>
+                            </p:childTnLst>
+                          </p:cTn>
+                        </p:par>
+                      </p:childTnLst>
+                    </p:cTn>
+                  </p:par>
+                  <p:par>
+                    <p:cTn id="63" fill="hold">
+                      <p:stCondLst>
+                        <p:cond delay="indefinite"/>
+                      </p:stCondLst>
+                      <p:childTnLst>
+                        <p:par>
+                          <p:cTn id="64" fill="hold">
+                            <p:stCondLst>
+                              <p:cond delay="0"/>
+                            </p:stCondLst>
+                            <p:childTnLst>
+                              <p:par>
+                                <p:cTn id="65" presetID="42" presetClass="path" presetSubtype="0" fill="hold" grpId="1" nodeType="clickEffect">
+                                  <p:stCondLst>
+                                    <p:cond delay="0"/>
+                                  </p:stCondLst>
+                                  <p:childTnLst>
+                                    <p:animMotion origin="layout" path="M 0 0 C -0.01057989 0.09000001 -0.01057989 0.09000001 -0.02115979 0.18 E" pathEditMode="relative" ptsTypes="">
+                                      <p:cBhvr>
+                                        <p:cTn id="66" dur="500" fill="hold"/>
+                                        <p:tgtEl>
+                                          <p:spTgt spid="9"/>
+                                        </p:tgtEl>
+                                        <p:attrNameLst>
+                                          <p:attrName>ppt_x</p:attrName>
+                                          <p:attrName>ppt_y</p:attrName>
+                                        </p:attrNameLst>
+                                      </p:cBhvr>
+                                    </p:animMotion>
+                                  </p:childTnLst>
+                                </p:cTn>
+                              </p:par>
+                              <p:par>
+                                <p:cTn id="67" presetID="6" presetClass="emph" presetSubtype="0" fill="hold" grpId="2" nodeType="withEffect">
+                                  <p:stCondLst>
+                                    <p:cond delay="0"/>
+                                  </p:stCondLst>
+                                  <p:childTnLst>
+                                    <p:animScale>
+                                      <p:cBhvr>
+                                        <p:cTn id="68" dur="500" fill="hold"/>
+                                        <p:tgtEl>
+                                          <p:spTgt spid="9"/>
+                                        </p:tgtEl>
+                                      </p:cBhvr>
+                                      <p:by x="94452" y="12500"/>
+                                    </p:animScale>
+                                  </p:childTnLst>
+                                </p:cTn>
+                              </p:par>
+                            </p:childTnLst>
+                          </p:cTn>
+                        </p:par>
+                        <p:par>
+                          <p:cTn id="69" fill="hold">
+                            <p:stCondLst>
+                              <p:cond delay="500"/>
+                            </p:stCondLst>
+                            <p:childTnLst>
+                              <p:par>
+                                <p:cTn id="70" presetID="1" presetClass="entr" presetSubtype="0" fill="hold" grpId="0" nodeType="afterEffect">
+                                  <p:stCondLst>
+                                    <p:cond delay="0"/>
+                                  </p:stCondLst>
+                                  <p:childTnLst>
+                                    <p:set>
+                                      <p:cBhvr>
+                                        <p:cTn id="71" dur="1" fill="hold">
+                                          <p:stCondLst>
+                                            <p:cond delay="0"/>
+                                          </p:stCondLst>
+                                        </p:cTn>
+                                        <p:tgtEl>
+                                          <p:spTgt spid="10"/>
+                                        </p:tgtEl>
+                                        <p:attrNameLst>
+                                          <p:attrName>style.visibility</p:attrName>
+                                        </p:attrNameLst>
+                                      </p:cBhvr>
+                                      <p:to>
+                                        <p:strVal val="visible"/>
+                                      </p:to>
+                                    </p:set>
+                                  </p:childTnLst>
+                                </p:cTn>
+                              </p:par>
+                              <p:par>
+                                <p:cTn id="72" presetID="10" presetClass="exit" presetSubtype="0" fill="hold" grpId="3" nodeType="withEffect">
+                                  <p:stCondLst>
+                                    <p:cond delay="0"/>
+                                  </p:stCondLst>
+                                  <p:childTnLst>
+                                    <p:animEffect transition="out" filter="fade">
+                                      <p:cBhvr>
+                                        <p:cTn id="73" dur="500"/>
+                                        <p:tgtEl>
+                                          <p:spTgt spid="9"/>
+                                        </p:tgtEl>
+                                      </p:cBhvr>
+                                    </p:animEffect>
+                                    <p:set>
+                                      <p:cBhvr>
+                                        <p:cTn id="74" dur="1" fill="hold">
+                                          <p:stCondLst>
+                                            <p:cond delay="499"/>
+                                          </p:stCondLst>
+                                        </p:cTn>
+                                        <p:tgtEl>
+                                          <p:spTgt spid="9"/>
+                                        </p:tgtEl>
+                                        <p:attrNameLst>
+                                          <p:attrName>style.visibility</p:attrName>
+                                        </p:attrNameLst>
+                                      </p:cBhvr>
+                                      <p:to>
+                                        <p:strVal val="hidden"/>
+                                      </p:to>
+                                    </p:set>
+                                  </p:childTnLst>
+                                </p:cTn>
+                              </p:par>
+                            </p:childTnLst>
+                          </p:cTn>
+                        </p:par>
+                      </p:childTnLst>
+                    </p:cTn>
+                  </p:par>
+                </p:childTnLst>
+              </p:cTn>
+              <p:prevCondLst>
+                <p:cond evt="onPrev" delay="0">
+                  <p:tgtEl>
+                    <p:sldTgt/>
+                  </p:tgtEl>
+                </p:cond>
+              </p:prevCondLst>
+              <p:nextCondLst>
+                <p:cond evt="onNext" delay="0">
+                  <p:tgtEl>
+                    <p:sldTgt/>
+                  </p:tgtEl>
+                </p:cond>
+              </p:nextCondLst>
+            </p:seq>
+          </p:childTnLst>
+        </p:cTn>
+      </p:par>
+    </p:tnLst>
+    <p:bldLst>
+      <p:bldP spid="4" grpId="0" animBg="1"/>
+      <p:bldP spid="4" grpId="1" animBg="1"/>
+      <p:bldP spid="4" grpId="2" animBg="1"/>
+      <p:bldP spid="5" grpId="0" animBg="1"/>
+      <p:bldP spid="5" grpId="1" animBg="1"/>
+      <p:bldP spid="5" grpId="2" animBg="1"/>
+      <p:bldP spid="5" grpId="3" animBg="1"/>
+      <p:bldP spid="6" grpId="0" animBg="1"/>
+      <p:bldP spid="6" grpId="1" animBg="1"/>
+      <p:bldP spid="6" grpId="2" animBg="1"/>
+      <p:bldP spid="6" grpId="3" animBg="1"/>
+      <p:bldP spid="7" grpId="0" animBg="1"/>
+      <p:bldP spid="7" grpId="1" animBg="1"/>
+      <p:bldP spid="7" grpId="2" animBg="1"/>
+      <p:bldP spid="7" grpId="3" animBg="1"/>
+      <p:bldP spid="8" grpId="0" animBg="1"/>
+      <p:bldP spid="8" grpId="1" animBg="1"/>
+      <p:bldP spid="8" grpId="2" animBg="1"/>
+      <p:bldP spid="8" grpId="3" animBg="1"/>
+      <p:bldP spid="9" grpId="0" animBg="1"/>
+      <p:bldP spid="9" grpId="1" animBg="1"/>
+      <p:bldP spid="9" grpId="2" animBg="1"/>
+      <p:bldP spid="9" grpId="3" animBg="1"/>
+      <p:bldP spid="10" grpId="0" animBg="1"/>
+    </p:bldLst>
+  </p:timing>
+</p:sld>
+</file>
+
+<file path=ppt/slides/slide26.xml><?xml version="1.0" encoding="utf-8"?>
+<p:sld xmlns:a="http://schemas.openxmlformats.org/drawingml/2006/main" xmlns:r="http://schemas.openxmlformats.org/officeDocument/2006/relationships" xmlns:p="http://schemas.openxmlformats.org/presentationml/2006/main">
+  <p:cSld>
+    <p:spTree>
+      <p:nvGrpSpPr>
+        <p:cNvPr id="1" name=""/>
+        <p:cNvGrpSpPr/>
+        <p:nvPr/>
+      </p:nvGrpSpPr>
+      <p:grpSpPr>
+        <a:xfrm>
+          <a:off x="0" y="0"/>
+          <a:ext cx="0" cy="0"/>
+          <a:chOff x="0" y="0"/>
+          <a:chExt cx="0" cy="0"/>
+        </a:xfrm>
+      </p:grpSpPr>
+      <p:sp>
+        <p:nvSpPr>
+          <p:cNvPr id="3" name="Rectangle 4"/>
+          <p:cNvSpPr/>
+          <p:nvPr/>
+        </p:nvSpPr>
+        <p:spPr>
+          <a:xfrm>
+            <a:off x="0" y="2286000"/>
+            <a:ext cx="9144000" cy="2209800"/>
+          </a:xfrm>
+          <a:prstGeom prst="rect">
+            <a:avLst/>
+          </a:prstGeom>
+          <a:solidFill>
+            <a:srgbClr val="002060"/>
+          </a:solidFill>
+        </p:spPr>
+        <p:style>
+          <a:lnRef idx="2">
+            <a:schemeClr val="accent1">
+              <a:shade val="50000"/>
+            </a:schemeClr>
+          </a:lnRef>
+          <a:fillRef idx="1">
+            <a:schemeClr val="accent1"/>
+          </a:fillRef>
+          <a:effectRef idx="0">
+            <a:schemeClr val="accent1"/>
+          </a:effectRef>
+          <a:fontRef idx="minor">
+            <a:schemeClr val="lt1"/>
+          </a:fontRef>
+        </p:style>
+        <p:txBody>
+          <a:bodyPr rtlCol="0" anchor="ctr"/>
+          <a:lstStyle/>
+          <a:p>
+            <a:pPr algn="ctr"/>
+            <a:endParaRPr lang="en-US"/>
+          </a:p>
+        </p:txBody>
+      </p:sp>
+      <p:sp>
+        <p:nvSpPr>
+          <p:cNvPr id="2" name="HighlightBackgroundShape73075057-96f2-467a-9739-220ecca5ae94"/>
+          <p:cNvSpPr txBox="1"/>
+          <p:nvPr/>
+        </p:nvSpPr>
+        <p:spPr>
+          <a:xfrm>
+            <a:off x="762000" y="533400"/>
+            <a:ext cx="7620000" cy="5909310"/>
+          </a:xfrm>
+          <a:prstGeom prst="rect">
+            <a:avLst/>
+          </a:prstGeom>
+          <a:noFill/>
+        </p:spPr>
+        <p:txBody>
+          <a:bodyPr wrap="square" rtlCol="0">
+            <a:spAutoFit/>
+          </a:bodyPr>
+          <a:lstStyle/>
+          <a:p>
+            <a:pPr marL="285750" indent="-285750">
+              <a:buFont typeface="Arial" panose="020B0604020202020204" pitchFamily="34" charset="0"/>
+              <a:buChar char="•"/>
+            </a:pPr>
+            <a:r>
+              <a:rPr lang="en-US" sz="2800" dirty="0" smtClean="0"/>
+              <a:t>Test - Non-ABC: 1234567890!@#$%^&amp;*()</a:t>
+            </a:r>
+          </a:p>
+          <a:p>
+            <a:r>
+              <a:rPr lang="en-US" sz="2800" dirty="0"/>
+              <a:t>Test </a:t>
+            </a:r>
+            <a:r>
+              <a:rPr lang="en-US" sz="2800" dirty="0" smtClean="0"/>
+              <a:t>– No bullet point</a:t>
+            </a:r>
+            <a:endParaRPr lang="en-US" sz="2800" dirty="0"/>
+          </a:p>
+          <a:p>
+            <a:pPr marL="514350" indent="-514350">
+              <a:buFont typeface="+mj-lt"/>
+              <a:buAutoNum type="arabicPeriod"/>
+            </a:pPr>
+            <a:r>
+              <a:rPr lang="en-US" sz="2800" dirty="0"/>
+              <a:t>Test – </a:t>
+            </a:r>
+            <a:r>
+              <a:rPr lang="en-US" sz="2800" dirty="0" smtClean="0"/>
+              <a:t>Different bullet point</a:t>
+            </a:r>
+          </a:p>
+          <a:p>
+            <a:pPr marL="285750" indent="-285750">
+              <a:buFont typeface="Arial" panose="020B0604020202020204" pitchFamily="34" charset="0"/>
+              <a:buChar char="•"/>
+            </a:pPr>
+            <a:r>
+              <a:rPr lang="en-US" sz="2800" dirty="0" smtClean="0">
+                <a:latin typeface="Times New Roman" panose="02020603050405020304" pitchFamily="18" charset="0"/>
+                <a:cs typeface="Times New Roman" panose="02020603050405020304" pitchFamily="18" charset="0"/>
+              </a:rPr>
+              <a:t>Test - Another Font Family, using Times New Roman</a:t>
+            </a:r>
+          </a:p>
+          <a:p>
+            <a:pPr marL="285750" indent="-285750">
+              <a:buFont typeface="Arial" panose="020B0604020202020204" pitchFamily="34" charset="0"/>
+              <a:buChar char="•"/>
+            </a:pPr>
+            <a:r>
+              <a:rPr lang="en-US" sz="1000" dirty="0" smtClean="0"/>
+              <a:t>Test - very small content. Test: very small content. Test: very small content. Test: very small content</a:t>
+            </a:r>
+          </a:p>
+          <a:p>
+            <a:pPr marL="285750" indent="-285750">
+              <a:buFont typeface="Arial" panose="020B0604020202020204" pitchFamily="34" charset="0"/>
+              <a:buChar char="•"/>
+            </a:pPr>
+            <a:r>
+              <a:rPr lang="en-US" sz="6600" dirty="0" smtClean="0">
+                <a:latin typeface="Arial Black" panose="020B0A04020102020204" pitchFamily="34" charset="0"/>
+              </a:rPr>
+              <a:t>Test - very big</a:t>
+            </a:r>
+          </a:p>
+          <a:p>
+            <a:pPr marL="285750" indent="-285750">
+              <a:buFont typeface="Arial" panose="020B0604020202020204" pitchFamily="34" charset="0"/>
+              <a:buChar char="•"/>
+            </a:pPr>
+            <a:r>
+              <a:rPr lang="en-US" sz="3600" dirty="0" smtClean="0"/>
+              <a:t>Test – Long sentence: </a:t>
+            </a:r>
+            <a:r>
+              <a:rPr lang="en-US" sz="3600" dirty="0" err="1" smtClean="0"/>
+              <a:t>Asdddd</a:t>
+            </a:r>
+            <a:r>
+              <a:rPr lang="en-US" sz="3600" dirty="0" smtClean="0"/>
+              <a:t> </a:t>
+            </a:r>
+            <a:r>
+              <a:rPr lang="en-US" sz="3600" dirty="0" err="1" smtClean="0"/>
+              <a:t>ddd</a:t>
+            </a:r>
+            <a:r>
+              <a:rPr lang="en-US" sz="3600" dirty="0" smtClean="0"/>
+              <a:t> </a:t>
+            </a:r>
+            <a:r>
+              <a:rPr lang="en-US" sz="3600" dirty="0" err="1" smtClean="0"/>
+              <a:t>dd</a:t>
+            </a:r>
+            <a:r>
+              <a:rPr lang="en-US" sz="3600" dirty="0" smtClean="0"/>
+              <a:t> d </a:t>
+            </a:r>
+            <a:r>
+              <a:rPr lang="en-US" sz="3600" dirty="0" err="1" smtClean="0"/>
+              <a:t>ddddd</a:t>
+            </a:r>
+            <a:r>
+              <a:rPr lang="en-US" sz="3600" dirty="0" smtClean="0"/>
+              <a:t> </a:t>
+            </a:r>
+            <a:r>
+              <a:rPr lang="en-US" sz="3600" dirty="0" err="1" smtClean="0"/>
+              <a:t>ddd</a:t>
+            </a:r>
+            <a:r>
+              <a:rPr lang="en-US" sz="3600" dirty="0" smtClean="0"/>
+              <a:t> </a:t>
+            </a:r>
+            <a:r>
+              <a:rPr lang="en-US" sz="3600" dirty="0" err="1" smtClean="0"/>
+              <a:t>ddd</a:t>
+            </a:r>
+            <a:r>
+              <a:rPr lang="en-US" sz="3600" dirty="0" smtClean="0"/>
+              <a:t> </a:t>
+            </a:r>
+            <a:r>
+              <a:rPr lang="en-US" sz="3600" dirty="0" err="1" smtClean="0"/>
+              <a:t>ddd</a:t>
+            </a:r>
+            <a:r>
+              <a:rPr lang="en-US" sz="3600" dirty="0" smtClean="0"/>
+              <a:t> </a:t>
+            </a:r>
+            <a:r>
+              <a:rPr lang="en-US" sz="3600" dirty="0" err="1" smtClean="0"/>
+              <a:t>ddd</a:t>
+            </a:r>
+            <a:r>
+              <a:rPr lang="en-US" sz="3600" dirty="0" smtClean="0"/>
+              <a:t> </a:t>
+            </a:r>
+            <a:r>
+              <a:rPr lang="en-US" sz="3600" dirty="0" err="1" smtClean="0"/>
+              <a:t>ddd</a:t>
+            </a:r>
+            <a:r>
+              <a:rPr lang="en-US" sz="3600" dirty="0" smtClean="0"/>
+              <a:t> </a:t>
+            </a:r>
+            <a:r>
+              <a:rPr lang="en-US" sz="3600" dirty="0" err="1" smtClean="0"/>
+              <a:t>ddd</a:t>
+            </a:r>
+            <a:r>
+              <a:rPr lang="en-US" sz="3600" dirty="0" smtClean="0"/>
+              <a:t> </a:t>
+            </a:r>
+            <a:r>
+              <a:rPr lang="en-US" sz="3600" dirty="0" err="1" smtClean="0"/>
+              <a:t>ddd</a:t>
+            </a:r>
+            <a:r>
+              <a:rPr lang="en-US" sz="3600" dirty="0" smtClean="0"/>
+              <a:t> </a:t>
+            </a:r>
+            <a:r>
+              <a:rPr lang="en-US" sz="3600" dirty="0" err="1" smtClean="0"/>
+              <a:t>dddddd</a:t>
+            </a:r>
+            <a:r>
+              <a:rPr lang="en-US" sz="3600" dirty="0" smtClean="0"/>
+              <a:t> </a:t>
+            </a:r>
+            <a:r>
+              <a:rPr lang="en-US" sz="3600" dirty="0" err="1" smtClean="0"/>
+              <a:t>dd</a:t>
+            </a:r>
+            <a:r>
+              <a:rPr lang="en-US" sz="3600" dirty="0" smtClean="0"/>
+              <a:t> </a:t>
+            </a:r>
+            <a:r>
+              <a:rPr lang="en-US" sz="3600" dirty="0" err="1" smtClean="0"/>
+              <a:t>ddd</a:t>
+            </a:r>
+            <a:r>
+              <a:rPr lang="en-US" sz="3600" dirty="0" smtClean="0"/>
+              <a:t> </a:t>
+            </a:r>
+            <a:r>
+              <a:rPr lang="en-US" sz="3600" dirty="0" err="1" smtClean="0"/>
+              <a:t>ddddd</a:t>
+            </a:r>
+            <a:r>
+              <a:rPr lang="en-US" sz="3600" dirty="0" smtClean="0"/>
+              <a:t> </a:t>
+            </a:r>
+            <a:r>
+              <a:rPr lang="en-US" sz="3600" dirty="0" err="1" smtClean="0"/>
+              <a:t>dd</a:t>
+            </a:r>
+            <a:r>
+              <a:rPr lang="en-US" sz="3600" dirty="0" smtClean="0"/>
+              <a:t> </a:t>
+            </a:r>
+            <a:r>
+              <a:rPr lang="en-US" sz="3600" dirty="0" err="1" smtClean="0"/>
+              <a:t>dd</a:t>
+            </a:r>
+            <a:r>
+              <a:rPr lang="en-US" sz="3600" dirty="0" smtClean="0"/>
+              <a:t> d </a:t>
+            </a:r>
+            <a:r>
+              <a:rPr lang="en-US" sz="3600" dirty="0" err="1" smtClean="0"/>
+              <a:t>ddd</a:t>
+            </a:r>
+            <a:r>
+              <a:rPr lang="en-US" sz="3600" dirty="0" smtClean="0"/>
+              <a:t> </a:t>
+            </a:r>
+            <a:r>
+              <a:rPr lang="en-US" sz="3600" dirty="0" err="1" smtClean="0"/>
+              <a:t>ddd</a:t>
+            </a:r>
+            <a:endParaRPr lang="en-US" sz="3600" dirty="0" smtClean="0"/>
+          </a:p>
+          <a:p>
+            <a:pPr marL="285750" indent="-285750">
+              <a:buFont typeface="Arial" panose="020B0604020202020204" pitchFamily="34" charset="0"/>
+              <a:buChar char="•"/>
+            </a:pPr>
+            <a:r>
+              <a:rPr lang="en-US" altLang="zh-CN" dirty="0" smtClean="0"/>
+              <a:t>Test – Chinese Characters: </a:t>
+            </a:r>
+            <a:r>
+              <a:rPr lang="zh-CN" altLang="en-US" dirty="0" smtClean="0"/>
+              <a:t>阿</a:t>
+            </a:r>
+            <a:r>
+              <a:rPr lang="zh-CN" altLang="en-US" dirty="0"/>
+              <a:t>斯</a:t>
+            </a:r>
+            <a:r>
+              <a:rPr lang="zh-CN" altLang="en-US" dirty="0" smtClean="0"/>
+              <a:t>顿啊盛大速度啊盛大速度啊盛大速度</a:t>
+            </a:r>
+            <a:endParaRPr lang="en-SG" dirty="0"/>
+          </a:p>
+        </p:txBody>
+      </p:sp>
+    </p:spTree>
+    <p:extLst>
+      <p:ext uri="{BB962C8B-B14F-4D97-AF65-F5344CB8AC3E}">
+        <p14:creationId xmlns:p14="http://schemas.microsoft.com/office/powerpoint/2010/main" val="721754391"/>
+      </p:ext>
+    </p:extLst>
+  </p:cSld>
+  <p:clrMapOvr>
+    <a:masterClrMapping/>
+  </p:clrMapOvr>
+  <p:transition spd="slow">
+    <p:push dir="u"/>
+  </p:transition>
+  <p:timing>
+    <p:tnLst>
+      <p:par>
+        <p:cTn id="1" dur="indefinite" restart="never" nodeType="tmRoot"/>
+      </p:par>
+    </p:tnLst>
+  </p:timing>
+</p:sld>
+</file>
+
+<file path=ppt/slides/slide27.xml><?xml version="1.0" encoding="utf-8"?>
+<p:sld xmlns:a="http://schemas.openxmlformats.org/drawingml/2006/main" xmlns:r="http://schemas.openxmlformats.org/officeDocument/2006/relationships" xmlns:p="http://schemas.openxmlformats.org/presentationml/2006/main">
+  <p:cSld>
+    <p:spTree>
+      <p:nvGrpSpPr>
+        <p:cNvPr id="1" name=""/>
+        <p:cNvGrpSpPr/>
+        <p:nvPr/>
+      </p:nvGrpSpPr>
+      <p:grpSpPr>
+        <a:xfrm>
+          <a:off x="0" y="0"/>
+          <a:ext cx="0" cy="0"/>
+          <a:chOff x="0" y="0"/>
+          <a:chExt cx="0" cy="0"/>
+        </a:xfrm>
+      </p:grpSpPr>
+      <p:sp>
+        <p:nvSpPr>
+          <p:cNvPr id="2" name="Title 1"/>
+          <p:cNvSpPr>
+            <a:spLocks noGrp="1"/>
+          </p:cNvSpPr>
+          <p:nvPr>
+            <p:ph type="title"/>
+          </p:nvPr>
+        </p:nvSpPr>
+        <p:spPr/>
+        <p:txBody>
+          <a:bodyPr/>
+          <a:lstStyle/>
+          <a:p>
+            <a:r>
+              <a:rPr lang="en-US" dirty="0"/>
+              <a:t>Remove Highlighting:: </a:t>
+            </a:r>
+            <a:r>
+              <a:rPr lang="en-US" dirty="0" smtClean="0"/>
+              <a:t>Highlight Text</a:t>
+            </a:r>
+            <a:endParaRPr lang="en-SG" dirty="0"/>
+          </a:p>
+        </p:txBody>
+      </p:sp>
+      <p:sp>
+        <p:nvSpPr>
+          <p:cNvPr id="4" name="Content Placeholder 2"/>
+          <p:cNvSpPr>
+            <a:spLocks noGrp="1"/>
+          </p:cNvSpPr>
+          <p:nvPr>
+            <p:ph idx="1"/>
+          </p:nvPr>
+        </p:nvSpPr>
+        <p:spPr>
+          <a:xfrm>
+            <a:off x="457200" y="3124200"/>
+            <a:ext cx="8229600" cy="3001963"/>
+          </a:xfrm>
+        </p:spPr>
+        <p:txBody>
+          <a:bodyPr/>
+          <a:lstStyle/>
+          <a:p>
+            <a:r>
+              <a:rPr lang="en-US" dirty="0" smtClean="0"/>
+              <a:t>Click “Remove Highlighting”</a:t>
+            </a:r>
+            <a:endParaRPr lang="en-SG" dirty="0"/>
+          </a:p>
+        </p:txBody>
+      </p:sp>
+    </p:spTree>
+    <p:extLst>
+      <p:ext uri="{BB962C8B-B14F-4D97-AF65-F5344CB8AC3E}">
+        <p14:creationId xmlns:p14="http://schemas.microsoft.com/office/powerpoint/2010/main" val="38009213"/>
+      </p:ext>
+    </p:extLst>
+  </p:cSld>
+  <p:clrMapOvr>
+    <a:masterClrMapping/>
+  </p:clrMapOvr>
+  <p:timing>
+    <p:tnLst>
+      <p:par>
+        <p:cTn id="1" dur="indefinite" restart="never" nodeType="tmRoot"/>
+      </p:par>
+    </p:tnLst>
+  </p:timing>
+</p:sld>
+</file>
+
+<file path=ppt/slides/slide28.xml><?xml version="1.0" encoding="utf-8"?>
+<p:sld xmlns:a="http://schemas.openxmlformats.org/drawingml/2006/main" xmlns:r="http://schemas.openxmlformats.org/officeDocument/2006/relationships" xmlns:p="http://schemas.openxmlformats.org/presentationml/2006/main">
+  <p:cSld>
+    <p:spTree>
+      <p:nvGrpSpPr>
+        <p:cNvPr id="1" name=""/>
+        <p:cNvGrpSpPr/>
+        <p:nvPr/>
+      </p:nvGrpSpPr>
+      <p:grpSpPr>
+        <a:xfrm>
+          <a:off x="0" y="0"/>
+          <a:ext cx="0" cy="0"/>
+          <a:chOff x="0" y="0"/>
+          <a:chExt cx="0" cy="0"/>
+        </a:xfrm>
+      </p:grpSpPr>
+      <p:sp>
+        <p:nvSpPr>
+          <p:cNvPr id="3" name="Rectangle 4"/>
+          <p:cNvSpPr/>
+          <p:nvPr/>
+        </p:nvSpPr>
+        <p:spPr>
+          <a:xfrm>
+            <a:off x="0" y="2286000"/>
+            <a:ext cx="9144000" cy="2209800"/>
+          </a:xfrm>
+          <a:prstGeom prst="rect">
+            <a:avLst/>
+          </a:prstGeom>
+          <a:solidFill>
+            <a:srgbClr val="002060"/>
+          </a:solidFill>
+        </p:spPr>
+        <p:style>
+          <a:lnRef idx="2">
+            <a:schemeClr val="accent1">
+              <a:shade val="50000"/>
+            </a:schemeClr>
+          </a:lnRef>
+          <a:fillRef idx="1">
+            <a:schemeClr val="accent1"/>
+          </a:fillRef>
+          <a:effectRef idx="0">
+            <a:schemeClr val="accent1"/>
+          </a:effectRef>
+          <a:fontRef idx="minor">
+            <a:schemeClr val="lt1"/>
+          </a:fontRef>
+        </p:style>
+        <p:txBody>
+          <a:bodyPr rtlCol="0" anchor="ctr"/>
+          <a:lstStyle/>
+          <a:p>
+            <a:pPr algn="ctr"/>
+            <a:endParaRPr lang="en-US"/>
+          </a:p>
+        </p:txBody>
+      </p:sp>
+      <p:sp>
+        <p:nvSpPr>
+          <p:cNvPr id="4" name="PPTLabsHighlightTextFragmentsShapef560e986-5733-437e-889b-5a50370d495c"/>
+          <p:cNvSpPr/>
+          <p:nvPr>
+            <p:custDataLst>
+              <p:tags r:id="rId1"/>
+            </p:custDataLst>
+          </p:nvPr>
+        </p:nvSpPr>
+        <p:spPr>
+          <a:xfrm>
+            <a:off x="1139190" y="579120"/>
+            <a:ext cx="5993765" cy="426720"/>
+          </a:xfrm>
+          <a:prstGeom prst="roundRect">
+            <a:avLst>
+              <a:gd name="adj" fmla="val 25000"/>
+            </a:avLst>
+          </a:prstGeom>
+          <a:solidFill>
+            <a:srgbClr val="FFFF00">
+              <a:alpha val="50000"/>
+            </a:srgbClr>
+          </a:solidFill>
+          <a:ln w="25400" cap="flat" cmpd="sng" algn="ctr">
+            <a:noFill/>
+            <a:prstDash val="solid"/>
+          </a:ln>
+          <a:effectLst/>
+          <a:extLst>
+            <a:ext uri="{91240B29-F687-4F45-9708-019B960494DF}">
+              <a14:hiddenLine xmlns:a14="http://schemas.microsoft.com/office/drawing/2010/main" w="25400" cap="flat" cmpd="sng" algn="ctr">
+                <a:solidFill>
+                  <a:schemeClr val="accent1">
+                    <a:shade val="50000"/>
+                  </a:schemeClr>
+                </a:solidFill>
+                <a:prstDash val="solid"/>
+              </a14:hiddenLine>
+            </a:ext>
+          </a:extLst>
+        </p:spPr>
+        <p:style>
+          <a:lnRef idx="2">
+            <a:schemeClr val="accent1">
+              <a:shade val="50000"/>
+            </a:schemeClr>
+          </a:lnRef>
+          <a:fillRef idx="1">
+            <a:schemeClr val="accent1"/>
+          </a:fillRef>
+          <a:effectRef idx="0">
+            <a:schemeClr val="accent1"/>
+          </a:effectRef>
+          <a:fontRef idx="minor">
+            <a:schemeClr val="lt1"/>
+          </a:fontRef>
+        </p:style>
+        <p:txBody>
+          <a:bodyPr rtlCol="0" anchor="ctr"/>
+          <a:lstStyle/>
+          <a:p>
+            <a:pPr algn="ctr"/>
+            <a:endParaRPr lang="en-SG"/>
+          </a:p>
+        </p:txBody>
+      </p:sp>
+      <p:sp>
+        <p:nvSpPr>
+          <p:cNvPr id="5" name="PPTLabsHighlightTextFragmentsShape5dafe8db-bb16-4787-93f5-d40d86237947"/>
+          <p:cNvSpPr/>
+          <p:nvPr>
+            <p:custDataLst>
+              <p:tags r:id="rId2"/>
+            </p:custDataLst>
+          </p:nvPr>
+        </p:nvSpPr>
+        <p:spPr>
+          <a:xfrm>
+            <a:off x="853440" y="1005840"/>
+            <a:ext cx="3080258" cy="426720"/>
+          </a:xfrm>
+          <a:prstGeom prst="roundRect">
+            <a:avLst>
+              <a:gd name="adj" fmla="val 25000"/>
+            </a:avLst>
+          </a:prstGeom>
+          <a:solidFill>
+            <a:srgbClr val="FFFF00">
+              <a:alpha val="50000"/>
+            </a:srgbClr>
+          </a:solidFill>
+          <a:ln w="25400" cap="flat" cmpd="sng" algn="ctr">
+            <a:noFill/>
+            <a:prstDash val="solid"/>
+          </a:ln>
+          <a:effectLst/>
+          <a:extLst>
+            <a:ext uri="{91240B29-F687-4F45-9708-019B960494DF}">
+              <a14:hiddenLine xmlns:a14="http://schemas.microsoft.com/office/drawing/2010/main" w="25400" cap="flat" cmpd="sng" algn="ctr">
+                <a:solidFill>
+                  <a:schemeClr val="accent1">
+                    <a:shade val="50000"/>
+                  </a:schemeClr>
+                </a:solidFill>
+                <a:prstDash val="solid"/>
+              </a14:hiddenLine>
+            </a:ext>
+          </a:extLst>
+        </p:spPr>
+        <p:style>
+          <a:lnRef idx="2">
+            <a:schemeClr val="accent1">
+              <a:shade val="50000"/>
+            </a:schemeClr>
+          </a:lnRef>
+          <a:fillRef idx="1">
+            <a:schemeClr val="accent1"/>
+          </a:fillRef>
+          <a:effectRef idx="0">
+            <a:schemeClr val="accent1"/>
+          </a:effectRef>
+          <a:fontRef idx="minor">
+            <a:schemeClr val="lt1"/>
+          </a:fontRef>
+        </p:style>
+        <p:txBody>
+          <a:bodyPr rtlCol="0" anchor="ctr"/>
+          <a:lstStyle/>
+          <a:p>
+            <a:pPr algn="ctr"/>
+            <a:endParaRPr lang="en-SG"/>
+          </a:p>
+        </p:txBody>
+      </p:sp>
+      <p:sp>
+        <p:nvSpPr>
+          <p:cNvPr id="6" name="PPTLabsHighlightTextFragmentsShapeffca0822-50bb-437f-982a-deb2b4f8c205"/>
+          <p:cNvSpPr/>
+          <p:nvPr>
+            <p:custDataLst>
+              <p:tags r:id="rId3"/>
+            </p:custDataLst>
+          </p:nvPr>
+        </p:nvSpPr>
+        <p:spPr>
+          <a:xfrm>
+            <a:off x="1367790" y="1432560"/>
+            <a:ext cx="3941001" cy="426720"/>
+          </a:xfrm>
+          <a:prstGeom prst="roundRect">
+            <a:avLst>
+              <a:gd name="adj" fmla="val 25000"/>
+            </a:avLst>
+          </a:prstGeom>
+          <a:solidFill>
+            <a:srgbClr val="FFFF00">
+              <a:alpha val="50000"/>
+            </a:srgbClr>
+          </a:solidFill>
+          <a:ln w="25400" cap="flat" cmpd="sng" algn="ctr">
+            <a:noFill/>
+            <a:prstDash val="solid"/>
+          </a:ln>
+          <a:effectLst/>
+          <a:extLst>
+            <a:ext uri="{91240B29-F687-4F45-9708-019B960494DF}">
+              <a14:hiddenLine xmlns:a14="http://schemas.microsoft.com/office/drawing/2010/main" w="25400" cap="flat" cmpd="sng" algn="ctr">
+                <a:solidFill>
+                  <a:schemeClr val="accent1">
+                    <a:shade val="50000"/>
+                  </a:schemeClr>
+                </a:solidFill>
+                <a:prstDash val="solid"/>
+              </a14:hiddenLine>
+            </a:ext>
+          </a:extLst>
+        </p:spPr>
+        <p:style>
+          <a:lnRef idx="2">
+            <a:schemeClr val="accent1">
+              <a:shade val="50000"/>
+            </a:schemeClr>
+          </a:lnRef>
+          <a:fillRef idx="1">
+            <a:schemeClr val="accent1"/>
+          </a:fillRef>
+          <a:effectRef idx="0">
+            <a:schemeClr val="accent1"/>
+          </a:effectRef>
+          <a:fontRef idx="minor">
+            <a:schemeClr val="lt1"/>
+          </a:fontRef>
+        </p:style>
+        <p:txBody>
+          <a:bodyPr rtlCol="0" anchor="ctr"/>
+          <a:lstStyle/>
+          <a:p>
+            <a:pPr algn="ctr"/>
+            <a:endParaRPr lang="en-SG"/>
+          </a:p>
+        </p:txBody>
+      </p:sp>
+      <p:grpSp>
+        <p:nvGrpSpPr>
+          <p:cNvPr id="9" name="PPTLabsHighlightTextFragmentsShape79557f89-d310-491d-a68a-c7f81ef2f210"/>
+          <p:cNvGrpSpPr/>
+          <p:nvPr/>
+        </p:nvGrpSpPr>
+        <p:grpSpPr>
+          <a:xfrm>
+            <a:off x="1139190" y="1859280"/>
+            <a:ext cx="6596888" cy="853440"/>
+            <a:chOff x="1139190" y="1859280"/>
+            <a:chExt cx="6596888" cy="853440"/>
+          </a:xfrm>
+        </p:grpSpPr>
+        <p:sp>
+          <p:nvSpPr>
+            <p:cNvPr id="7" name="PPTLabsHighlightTextFragmentsShape082f0072-7ed0-4862-a311-6b03e9817ba5"/>
+            <p:cNvSpPr/>
+            <p:nvPr>
+              <p:custDataLst>
+                <p:tags r:id="rId11"/>
+              </p:custDataLst>
+            </p:nvPr>
+          </p:nvSpPr>
+          <p:spPr>
+            <a:xfrm>
+              <a:off x="1139190" y="1859280"/>
+              <a:ext cx="6596888" cy="426720"/>
+            </a:xfrm>
+            <a:prstGeom prst="roundRect">
+              <a:avLst>
+                <a:gd name="adj" fmla="val 25000"/>
+              </a:avLst>
+            </a:prstGeom>
+            <a:solidFill>
+              <a:srgbClr val="FFFF00">
+                <a:alpha val="50000"/>
+              </a:srgbClr>
+            </a:solidFill>
+            <a:ln w="25400" cap="flat" cmpd="sng" algn="ctr">
+              <a:noFill/>
+              <a:prstDash val="solid"/>
+            </a:ln>
+            <a:effectLst/>
+            <a:extLst>
+              <a:ext uri="{91240B29-F687-4F45-9708-019B960494DF}">
+                <a14:hiddenLine xmlns:a14="http://schemas.microsoft.com/office/drawing/2010/main" w="25400" cap="flat" cmpd="sng" algn="ctr">
+                  <a:solidFill>
+                    <a:schemeClr val="accent1">
+                      <a:shade val="50000"/>
+                    </a:schemeClr>
+                  </a:solidFill>
+                  <a:prstDash val="solid"/>
+                </a14:hiddenLine>
+              </a:ext>
+            </a:extLst>
+          </p:spPr>
+          <p:style>
+            <a:lnRef idx="2">
+              <a:schemeClr val="accent1">
+                <a:shade val="50000"/>
+              </a:schemeClr>
+            </a:lnRef>
+            <a:fillRef idx="1">
+              <a:schemeClr val="accent1"/>
+            </a:fillRef>
+            <a:effectRef idx="0">
+              <a:schemeClr val="accent1"/>
+            </a:effectRef>
+            <a:fontRef idx="minor">
+              <a:schemeClr val="lt1"/>
+            </a:fontRef>
+          </p:style>
+          <p:txBody>
+            <a:bodyPr rtlCol="0" anchor="ctr"/>
+            <a:lstStyle/>
+            <a:p>
+              <a:pPr algn="ctr"/>
+              <a:endParaRPr lang="en-SG"/>
+            </a:p>
+          </p:txBody>
+        </p:sp>
+        <p:sp>
+          <p:nvSpPr>
+            <p:cNvPr id="8" name="PPTLabsHighlightTextFragmentsShaped9458b93-2132-4807-95c4-7952effabe04"/>
+            <p:cNvSpPr/>
+            <p:nvPr>
+              <p:custDataLst>
+                <p:tags r:id="rId12"/>
+              </p:custDataLst>
+            </p:nvPr>
+          </p:nvSpPr>
+          <p:spPr>
+            <a:xfrm>
+              <a:off x="1139190" y="2286000"/>
+              <a:ext cx="1025589" cy="426720"/>
+            </a:xfrm>
+            <a:prstGeom prst="roundRect">
+              <a:avLst>
+                <a:gd name="adj" fmla="val 25000"/>
+              </a:avLst>
+            </a:prstGeom>
+            <a:solidFill>
+              <a:srgbClr val="FFFF00">
+                <a:alpha val="50000"/>
+              </a:srgbClr>
+            </a:solidFill>
+            <a:ln w="25400" cap="flat" cmpd="sng" algn="ctr">
+              <a:noFill/>
+              <a:prstDash val="solid"/>
+            </a:ln>
+            <a:effectLst/>
+            <a:extLst>
+              <a:ext uri="{91240B29-F687-4F45-9708-019B960494DF}">
+                <a14:hiddenLine xmlns:a14="http://schemas.microsoft.com/office/drawing/2010/main" w="25400" cap="flat" cmpd="sng" algn="ctr">
+                  <a:solidFill>
+                    <a:schemeClr val="accent1">
+                      <a:shade val="50000"/>
+                    </a:schemeClr>
+                  </a:solidFill>
+                  <a:prstDash val="solid"/>
+                </a14:hiddenLine>
+              </a:ext>
+            </a:extLst>
+          </p:spPr>
+          <p:style>
+            <a:lnRef idx="2">
+              <a:schemeClr val="accent1">
+                <a:shade val="50000"/>
+              </a:schemeClr>
+            </a:lnRef>
+            <a:fillRef idx="1">
+              <a:schemeClr val="accent1"/>
+            </a:fillRef>
+            <a:effectRef idx="0">
+              <a:schemeClr val="accent1"/>
+            </a:effectRef>
+            <a:fontRef idx="minor">
+              <a:schemeClr val="lt1"/>
+            </a:fontRef>
+          </p:style>
+          <p:txBody>
+            <a:bodyPr rtlCol="0" anchor="ctr"/>
+            <a:lstStyle/>
+            <a:p>
+              <a:pPr algn="ctr"/>
+              <a:endParaRPr lang="en-SG"/>
+            </a:p>
+          </p:txBody>
+        </p:sp>
+      </p:grpSp>
+      <p:sp>
+        <p:nvSpPr>
+          <p:cNvPr id="10" name="PPTLabsHighlightTextFragmentsShapea8e1a1fe-6afa-4cc1-bd33-8aab284f6778"/>
+          <p:cNvSpPr/>
+          <p:nvPr>
+            <p:custDataLst>
+              <p:tags r:id="rId4"/>
+            </p:custDataLst>
+          </p:nvPr>
+        </p:nvSpPr>
+        <p:spPr>
+          <a:xfrm>
+            <a:off x="1139190" y="2712720"/>
+            <a:ext cx="5135626" cy="152400"/>
+          </a:xfrm>
+          <a:prstGeom prst="roundRect">
+            <a:avLst>
+              <a:gd name="adj" fmla="val 25000"/>
+            </a:avLst>
+          </a:prstGeom>
+          <a:solidFill>
+            <a:srgbClr val="FFFF00">
+              <a:alpha val="50000"/>
+            </a:srgbClr>
+          </a:solidFill>
+          <a:ln w="25400" cap="flat" cmpd="sng" algn="ctr">
+            <a:noFill/>
+            <a:prstDash val="solid"/>
+          </a:ln>
+          <a:effectLst/>
+          <a:extLst>
+            <a:ext uri="{91240B29-F687-4F45-9708-019B960494DF}">
+              <a14:hiddenLine xmlns:a14="http://schemas.microsoft.com/office/drawing/2010/main" w="25400" cap="flat" cmpd="sng" algn="ctr">
+                <a:solidFill>
+                  <a:schemeClr val="accent1">
+                    <a:shade val="50000"/>
+                  </a:schemeClr>
+                </a:solidFill>
+                <a:prstDash val="solid"/>
+              </a14:hiddenLine>
+            </a:ext>
+          </a:extLst>
+        </p:spPr>
+        <p:style>
+          <a:lnRef idx="2">
+            <a:schemeClr val="accent1">
+              <a:shade val="50000"/>
+            </a:schemeClr>
+          </a:lnRef>
+          <a:fillRef idx="1">
+            <a:schemeClr val="accent1"/>
+          </a:fillRef>
+          <a:effectRef idx="0">
+            <a:schemeClr val="accent1"/>
+          </a:effectRef>
+          <a:fontRef idx="minor">
+            <a:schemeClr val="lt1"/>
+          </a:fontRef>
+        </p:style>
+        <p:txBody>
+          <a:bodyPr rtlCol="0" anchor="ctr"/>
+          <a:lstStyle/>
+          <a:p>
+            <a:pPr algn="ctr"/>
+            <a:endParaRPr lang="en-SG"/>
+          </a:p>
+        </p:txBody>
+      </p:sp>
+      <p:sp>
+        <p:nvSpPr>
+          <p:cNvPr id="11" name="PPTLabsHighlightTextFragmentsShapedfbef032-dc4f-4081-8a5a-2a30bf72c5ed"/>
+          <p:cNvSpPr/>
+          <p:nvPr>
+            <p:custDataLst>
+              <p:tags r:id="rId5"/>
+            </p:custDataLst>
+          </p:nvPr>
+        </p:nvSpPr>
+        <p:spPr>
+          <a:xfrm>
+            <a:off x="1147128" y="2865120"/>
+            <a:ext cx="6494970" cy="1005840"/>
+          </a:xfrm>
+          <a:prstGeom prst="roundRect">
+            <a:avLst>
+              <a:gd name="adj" fmla="val 25000"/>
+            </a:avLst>
+          </a:prstGeom>
+          <a:solidFill>
+            <a:srgbClr val="FFFF00">
+              <a:alpha val="50000"/>
+            </a:srgbClr>
+          </a:solidFill>
+          <a:ln w="25400" cap="flat" cmpd="sng" algn="ctr">
+            <a:noFill/>
+            <a:prstDash val="solid"/>
+          </a:ln>
+          <a:effectLst/>
+          <a:extLst>
+            <a:ext uri="{91240B29-F687-4F45-9708-019B960494DF}">
+              <a14:hiddenLine xmlns:a14="http://schemas.microsoft.com/office/drawing/2010/main" w="25400" cap="flat" cmpd="sng" algn="ctr">
+                <a:solidFill>
+                  <a:schemeClr val="accent1">
+                    <a:shade val="50000"/>
+                  </a:schemeClr>
+                </a:solidFill>
+                <a:prstDash val="solid"/>
+              </a14:hiddenLine>
+            </a:ext>
+          </a:extLst>
+        </p:spPr>
+        <p:style>
+          <a:lnRef idx="2">
+            <a:schemeClr val="accent1">
+              <a:shade val="50000"/>
+            </a:schemeClr>
+          </a:lnRef>
+          <a:fillRef idx="1">
+            <a:schemeClr val="accent1"/>
+          </a:fillRef>
+          <a:effectRef idx="0">
+            <a:schemeClr val="accent1"/>
+          </a:effectRef>
+          <a:fontRef idx="minor">
+            <a:schemeClr val="lt1"/>
+          </a:fontRef>
+        </p:style>
+        <p:txBody>
+          <a:bodyPr rtlCol="0" anchor="ctr"/>
+          <a:lstStyle/>
+          <a:p>
+            <a:pPr algn="ctr"/>
+            <a:endParaRPr lang="en-SG"/>
+          </a:p>
+        </p:txBody>
+      </p:sp>
+      <p:grpSp>
+        <p:nvGrpSpPr>
+          <p:cNvPr id="16" name="PPTLabsHighlightTextFragmentsShape6259e336-553d-493c-9c5a-d7f4b1889d4c"/>
+          <p:cNvGrpSpPr/>
+          <p:nvPr/>
+        </p:nvGrpSpPr>
+        <p:grpSpPr>
+          <a:xfrm>
+            <a:off x="1139190" y="3870960"/>
+            <a:ext cx="6974523" cy="2194560"/>
+            <a:chOff x="1139190" y="3870960"/>
+            <a:chExt cx="6974523" cy="2194560"/>
+          </a:xfrm>
+        </p:grpSpPr>
+        <p:sp>
+          <p:nvSpPr>
+            <p:cNvPr id="12" name="PPTLabsHighlightTextFragmentsShape612a547e-b2ed-4186-842e-5e65f105cedf"/>
+            <p:cNvSpPr/>
+            <p:nvPr>
+              <p:custDataLst>
+                <p:tags r:id="rId7"/>
+              </p:custDataLst>
+            </p:nvPr>
+          </p:nvSpPr>
+          <p:spPr>
+            <a:xfrm>
+              <a:off x="1139190" y="3870960"/>
+              <a:ext cx="6974523" cy="548640"/>
+            </a:xfrm>
+            <a:prstGeom prst="roundRect">
+              <a:avLst>
+                <a:gd name="adj" fmla="val 25000"/>
+              </a:avLst>
+            </a:prstGeom>
+            <a:solidFill>
+              <a:srgbClr val="FFFF00">
+                <a:alpha val="50000"/>
+              </a:srgbClr>
+            </a:solidFill>
+            <a:ln w="25400" cap="flat" cmpd="sng" algn="ctr">
+              <a:noFill/>
+              <a:prstDash val="solid"/>
+            </a:ln>
+            <a:effectLst/>
+            <a:extLst>
+              <a:ext uri="{91240B29-F687-4F45-9708-019B960494DF}">
+                <a14:hiddenLine xmlns:a14="http://schemas.microsoft.com/office/drawing/2010/main" w="25400" cap="flat" cmpd="sng" algn="ctr">
+                  <a:solidFill>
+                    <a:schemeClr val="accent1">
+                      <a:shade val="50000"/>
+                    </a:schemeClr>
+                  </a:solidFill>
+                  <a:prstDash val="solid"/>
+                </a14:hiddenLine>
+              </a:ext>
+            </a:extLst>
+          </p:spPr>
+          <p:style>
+            <a:lnRef idx="2">
+              <a:schemeClr val="accent1">
+                <a:shade val="50000"/>
+              </a:schemeClr>
+            </a:lnRef>
+            <a:fillRef idx="1">
+              <a:schemeClr val="accent1"/>
+            </a:fillRef>
+            <a:effectRef idx="0">
+              <a:schemeClr val="accent1"/>
+            </a:effectRef>
+            <a:fontRef idx="minor">
+              <a:schemeClr val="lt1"/>
+            </a:fontRef>
+          </p:style>
+          <p:txBody>
+            <a:bodyPr rtlCol="0" anchor="ctr"/>
+            <a:lstStyle/>
+            <a:p>
+              <a:pPr algn="ctr"/>
+              <a:endParaRPr lang="en-SG"/>
+            </a:p>
+          </p:txBody>
+        </p:sp>
+        <p:sp>
+          <p:nvSpPr>
+            <p:cNvPr id="13" name="PPTLabsHighlightTextFragmentsShapefb9dff23-56a0-4df4-bc80-a2ae39f63636"/>
+            <p:cNvSpPr/>
+            <p:nvPr>
+              <p:custDataLst>
+                <p:tags r:id="rId8"/>
+              </p:custDataLst>
+            </p:nvPr>
+          </p:nvSpPr>
+          <p:spPr>
+            <a:xfrm>
+              <a:off x="1139190" y="4419600"/>
+              <a:ext cx="6578600" cy="548640"/>
+            </a:xfrm>
+            <a:prstGeom prst="roundRect">
+              <a:avLst>
+                <a:gd name="adj" fmla="val 25000"/>
+              </a:avLst>
+            </a:prstGeom>
+            <a:solidFill>
+              <a:srgbClr val="FFFF00">
+                <a:alpha val="50000"/>
+              </a:srgbClr>
+            </a:solidFill>
+            <a:ln w="25400" cap="flat" cmpd="sng" algn="ctr">
+              <a:noFill/>
+              <a:prstDash val="solid"/>
+            </a:ln>
+            <a:effectLst/>
+            <a:extLst>
+              <a:ext uri="{91240B29-F687-4F45-9708-019B960494DF}">
+                <a14:hiddenLine xmlns:a14="http://schemas.microsoft.com/office/drawing/2010/main" w="25400" cap="flat" cmpd="sng" algn="ctr">
+                  <a:solidFill>
+                    <a:schemeClr val="accent1">
+                      <a:shade val="50000"/>
+                    </a:schemeClr>
+                  </a:solidFill>
+                  <a:prstDash val="solid"/>
+                </a14:hiddenLine>
+              </a:ext>
+            </a:extLst>
+          </p:spPr>
+          <p:style>
+            <a:lnRef idx="2">
+              <a:schemeClr val="accent1">
+                <a:shade val="50000"/>
+              </a:schemeClr>
+            </a:lnRef>
+            <a:fillRef idx="1">
+              <a:schemeClr val="accent1"/>
+            </a:fillRef>
+            <a:effectRef idx="0">
+              <a:schemeClr val="accent1"/>
+            </a:effectRef>
+            <a:fontRef idx="minor">
+              <a:schemeClr val="lt1"/>
+            </a:fontRef>
+          </p:style>
+          <p:txBody>
+            <a:bodyPr rtlCol="0" anchor="ctr"/>
+            <a:lstStyle/>
+            <a:p>
+              <a:pPr algn="ctr"/>
+              <a:endParaRPr lang="en-SG"/>
+            </a:p>
+          </p:txBody>
+        </p:sp>
+        <p:sp>
+          <p:nvSpPr>
+            <p:cNvPr id="14" name="PPTLabsHighlightTextFragmentsShaped4609327-c4de-425d-9d68-02d35c05bf3d"/>
+            <p:cNvSpPr/>
+            <p:nvPr>
+              <p:custDataLst>
+                <p:tags r:id="rId9"/>
+              </p:custDataLst>
+            </p:nvPr>
+          </p:nvSpPr>
+          <p:spPr>
+            <a:xfrm>
+              <a:off x="1139190" y="4968240"/>
+              <a:ext cx="6578600" cy="548640"/>
+            </a:xfrm>
+            <a:prstGeom prst="roundRect">
+              <a:avLst>
+                <a:gd name="adj" fmla="val 25000"/>
+              </a:avLst>
+            </a:prstGeom>
+            <a:solidFill>
+              <a:srgbClr val="FFFF00">
+                <a:alpha val="50000"/>
+              </a:srgbClr>
+            </a:solidFill>
+            <a:ln w="25400" cap="flat" cmpd="sng" algn="ctr">
+              <a:noFill/>
+              <a:prstDash val="solid"/>
+            </a:ln>
+            <a:effectLst/>
+            <a:extLst>
+              <a:ext uri="{91240B29-F687-4F45-9708-019B960494DF}">
+                <a14:hiddenLine xmlns:a14="http://schemas.microsoft.com/office/drawing/2010/main" w="25400" cap="flat" cmpd="sng" algn="ctr">
+                  <a:solidFill>
+                    <a:schemeClr val="accent1">
+                      <a:shade val="50000"/>
+                    </a:schemeClr>
+                  </a:solidFill>
+                  <a:prstDash val="solid"/>
+                </a14:hiddenLine>
+              </a:ext>
+            </a:extLst>
+          </p:spPr>
+          <p:style>
+            <a:lnRef idx="2">
+              <a:schemeClr val="accent1">
+                <a:shade val="50000"/>
+              </a:schemeClr>
+            </a:lnRef>
+            <a:fillRef idx="1">
+              <a:schemeClr val="accent1"/>
+            </a:fillRef>
+            <a:effectRef idx="0">
+              <a:schemeClr val="accent1"/>
+            </a:effectRef>
+            <a:fontRef idx="minor">
+              <a:schemeClr val="lt1"/>
+            </a:fontRef>
+          </p:style>
+          <p:txBody>
+            <a:bodyPr rtlCol="0" anchor="ctr"/>
+            <a:lstStyle/>
+            <a:p>
+              <a:pPr algn="ctr"/>
+              <a:endParaRPr lang="en-SG"/>
+            </a:p>
+          </p:txBody>
+        </p:sp>
+        <p:sp>
+          <p:nvSpPr>
+            <p:cNvPr id="15" name="PPTLabsHighlightTextFragmentsShapeca68f108-b76c-4f17-bb50-14898e6f6c37"/>
+            <p:cNvSpPr/>
+            <p:nvPr>
+              <p:custDataLst>
+                <p:tags r:id="rId10"/>
+              </p:custDataLst>
+            </p:nvPr>
+          </p:nvSpPr>
+          <p:spPr>
+            <a:xfrm>
+              <a:off x="1139190" y="5516880"/>
+              <a:ext cx="1541526" cy="548640"/>
+            </a:xfrm>
+            <a:prstGeom prst="roundRect">
+              <a:avLst>
+                <a:gd name="adj" fmla="val 25000"/>
+              </a:avLst>
+            </a:prstGeom>
+            <a:solidFill>
+              <a:srgbClr val="FFFF00">
+                <a:alpha val="50000"/>
+              </a:srgbClr>
+            </a:solidFill>
+            <a:ln w="25400" cap="flat" cmpd="sng" algn="ctr">
+              <a:noFill/>
+              <a:prstDash val="solid"/>
+            </a:ln>
+            <a:effectLst/>
+            <a:extLst>
+              <a:ext uri="{91240B29-F687-4F45-9708-019B960494DF}">
+                <a14:hiddenLine xmlns:a14="http://schemas.microsoft.com/office/drawing/2010/main" w="25400" cap="flat" cmpd="sng" algn="ctr">
+                  <a:solidFill>
+                    <a:schemeClr val="accent1">
+                      <a:shade val="50000"/>
+                    </a:schemeClr>
+                  </a:solidFill>
+                  <a:prstDash val="solid"/>
+                </a14:hiddenLine>
+              </a:ext>
+            </a:extLst>
+          </p:spPr>
+          <p:style>
+            <a:lnRef idx="2">
+              <a:schemeClr val="accent1">
+                <a:shade val="50000"/>
+              </a:schemeClr>
+            </a:lnRef>
+            <a:fillRef idx="1">
+              <a:schemeClr val="accent1"/>
+            </a:fillRef>
+            <a:effectRef idx="0">
+              <a:schemeClr val="accent1"/>
+            </a:effectRef>
+            <a:fontRef idx="minor">
+              <a:schemeClr val="lt1"/>
+            </a:fontRef>
+          </p:style>
+          <p:txBody>
+            <a:bodyPr rtlCol="0" anchor="ctr"/>
+            <a:lstStyle/>
+            <a:p>
+              <a:pPr algn="ctr"/>
+              <a:endParaRPr lang="en-SG"/>
+            </a:p>
+          </p:txBody>
+        </p:sp>
+      </p:grpSp>
+      <p:sp>
+        <p:nvSpPr>
+          <p:cNvPr id="17" name="PPTLabsHighlightTextFragmentsShaped3190702-95da-4afd-8acf-a33bcd3b3049"/>
+          <p:cNvSpPr/>
+          <p:nvPr>
+            <p:custDataLst>
+              <p:tags r:id="rId6"/>
+            </p:custDataLst>
+          </p:nvPr>
+        </p:nvSpPr>
+        <p:spPr>
+          <a:xfrm>
+            <a:off x="1139190" y="6065520"/>
+            <a:ext cx="6587554" cy="274320"/>
+          </a:xfrm>
+          <a:prstGeom prst="roundRect">
+            <a:avLst>
+              <a:gd name="adj" fmla="val 25000"/>
+            </a:avLst>
+          </a:prstGeom>
+          <a:solidFill>
+            <a:srgbClr val="FFFF00">
+              <a:alpha val="50000"/>
+            </a:srgbClr>
+          </a:solidFill>
+          <a:ln w="25400" cap="flat" cmpd="sng" algn="ctr">
+            <a:noFill/>
+            <a:prstDash val="solid"/>
+          </a:ln>
+          <a:effectLst/>
+          <a:extLst>
+            <a:ext uri="{91240B29-F687-4F45-9708-019B960494DF}">
+              <a14:hiddenLine xmlns:a14="http://schemas.microsoft.com/office/drawing/2010/main" w="25400" cap="flat" cmpd="sng" algn="ctr">
+                <a:solidFill>
+                  <a:schemeClr val="accent1">
+                    <a:shade val="50000"/>
+                  </a:schemeClr>
+                </a:solidFill>
+                <a:prstDash val="solid"/>
+              </a14:hiddenLine>
+            </a:ext>
+          </a:extLst>
+        </p:spPr>
+        <p:style>
+          <a:lnRef idx="2">
+            <a:schemeClr val="accent1">
+              <a:shade val="50000"/>
+            </a:schemeClr>
+          </a:lnRef>
+          <a:fillRef idx="1">
+            <a:schemeClr val="accent1"/>
+          </a:fillRef>
+          <a:effectRef idx="0">
+            <a:schemeClr val="accent1"/>
+          </a:effectRef>
+          <a:fontRef idx="minor">
+            <a:schemeClr val="lt1"/>
+          </a:fontRef>
+        </p:style>
+        <p:txBody>
+          <a:bodyPr rtlCol="0" anchor="ctr"/>
+          <a:lstStyle/>
+          <a:p>
+            <a:pPr algn="ctr"/>
+            <a:endParaRPr lang="en-SG"/>
+          </a:p>
+        </p:txBody>
+      </p:sp>
+      <p:sp>
+        <p:nvSpPr>
+          <p:cNvPr id="2" name="HighlightBackgroundShape73075057-96f2-467a-9739-220ecca5ae94"/>
+          <p:cNvSpPr txBox="1"/>
+          <p:nvPr/>
+        </p:nvSpPr>
+        <p:spPr>
+          <a:xfrm>
+            <a:off x="762000" y="533400"/>
+            <a:ext cx="7620000" cy="5909310"/>
+          </a:xfrm>
+          <a:prstGeom prst="rect">
+            <a:avLst/>
+          </a:prstGeom>
+          <a:noFill/>
+        </p:spPr>
+        <p:txBody>
+          <a:bodyPr wrap="square" rtlCol="0">
+            <a:spAutoFit/>
+          </a:bodyPr>
+          <a:lstStyle/>
+          <a:p>
+            <a:pPr marL="285750" indent="-285750">
+              <a:buFont typeface="Arial" panose="020B0604020202020204" pitchFamily="34" charset="0"/>
+              <a:buChar char="•"/>
+            </a:pPr>
+            <a:r>
+              <a:rPr lang="en-US" sz="2800" dirty="0" smtClean="0"/>
+              <a:t>Test - Non-ABC: 1234567890!@#$%^&amp;*()</a:t>
+            </a:r>
+          </a:p>
+          <a:p>
+            <a:r>
+              <a:rPr lang="en-US" sz="2800" dirty="0"/>
+              <a:t>Test </a:t>
+            </a:r>
+            <a:r>
+              <a:rPr lang="en-US" sz="2800" dirty="0" smtClean="0"/>
+              <a:t>– No bullet point</a:t>
+            </a:r>
+            <a:endParaRPr lang="en-US" sz="2800" dirty="0"/>
+          </a:p>
+          <a:p>
+            <a:pPr marL="514350" indent="-514350">
+              <a:buFont typeface="+mj-lt"/>
+              <a:buAutoNum type="arabicPeriod"/>
+            </a:pPr>
+            <a:r>
+              <a:rPr lang="en-US" sz="2800" dirty="0"/>
+              <a:t>Test – </a:t>
+            </a:r>
+            <a:r>
+              <a:rPr lang="en-US" sz="2800" dirty="0" smtClean="0"/>
+              <a:t>Different bullet point</a:t>
+            </a:r>
+          </a:p>
+          <a:p>
+            <a:pPr marL="285750" indent="-285750">
+              <a:buFont typeface="Arial" panose="020B0604020202020204" pitchFamily="34" charset="0"/>
+              <a:buChar char="•"/>
+            </a:pPr>
+            <a:r>
+              <a:rPr lang="en-US" sz="2800" dirty="0" smtClean="0">
+                <a:latin typeface="Times New Roman" panose="02020603050405020304" pitchFamily="18" charset="0"/>
+                <a:cs typeface="Times New Roman" panose="02020603050405020304" pitchFamily="18" charset="0"/>
+              </a:rPr>
+              <a:t>Test - Another Font Family, using Times New Roman</a:t>
+            </a:r>
+          </a:p>
+          <a:p>
+            <a:pPr marL="285750" indent="-285750">
+              <a:buFont typeface="Arial" panose="020B0604020202020204" pitchFamily="34" charset="0"/>
+              <a:buChar char="•"/>
+            </a:pPr>
+            <a:r>
+              <a:rPr lang="en-US" sz="1000" dirty="0" smtClean="0"/>
+              <a:t>Test - very small content. Test: very small content. Test: very small content. Test: very small content</a:t>
+            </a:r>
+          </a:p>
+          <a:p>
+            <a:pPr marL="285750" indent="-285750">
+              <a:buFont typeface="Arial" panose="020B0604020202020204" pitchFamily="34" charset="0"/>
+              <a:buChar char="•"/>
+            </a:pPr>
+            <a:r>
+              <a:rPr lang="en-US" sz="6600" dirty="0" smtClean="0">
+                <a:latin typeface="Arial Black" panose="020B0A04020102020204" pitchFamily="34" charset="0"/>
+              </a:rPr>
+              <a:t>Test - very big</a:t>
+            </a:r>
+          </a:p>
+          <a:p>
+            <a:pPr marL="285750" indent="-285750">
+              <a:buFont typeface="Arial" panose="020B0604020202020204" pitchFamily="34" charset="0"/>
+              <a:buChar char="•"/>
+            </a:pPr>
+            <a:r>
+              <a:rPr lang="en-US" sz="3600" dirty="0" smtClean="0"/>
+              <a:t>Test – Long sentence: </a:t>
+            </a:r>
+            <a:r>
+              <a:rPr lang="en-US" sz="3600" dirty="0" err="1" smtClean="0"/>
+              <a:t>Asdddd</a:t>
+            </a:r>
+            <a:r>
+              <a:rPr lang="en-US" sz="3600" dirty="0" smtClean="0"/>
+              <a:t> </a:t>
+            </a:r>
+            <a:r>
+              <a:rPr lang="en-US" sz="3600" dirty="0" err="1" smtClean="0"/>
+              <a:t>ddd</a:t>
+            </a:r>
+            <a:r>
+              <a:rPr lang="en-US" sz="3600" dirty="0" smtClean="0"/>
+              <a:t> </a:t>
+            </a:r>
+            <a:r>
+              <a:rPr lang="en-US" sz="3600" dirty="0" err="1" smtClean="0"/>
+              <a:t>dd</a:t>
+            </a:r>
+            <a:r>
+              <a:rPr lang="en-US" sz="3600" dirty="0" smtClean="0"/>
+              <a:t> d </a:t>
+            </a:r>
+            <a:r>
+              <a:rPr lang="en-US" sz="3600" dirty="0" err="1" smtClean="0"/>
+              <a:t>ddddd</a:t>
+            </a:r>
+            <a:r>
+              <a:rPr lang="en-US" sz="3600" dirty="0" smtClean="0"/>
+              <a:t> </a:t>
+            </a:r>
+            <a:r>
+              <a:rPr lang="en-US" sz="3600" dirty="0" err="1" smtClean="0"/>
+              <a:t>ddd</a:t>
+            </a:r>
+            <a:r>
+              <a:rPr lang="en-US" sz="3600" dirty="0" smtClean="0"/>
+              <a:t> </a:t>
+            </a:r>
+            <a:r>
+              <a:rPr lang="en-US" sz="3600" dirty="0" err="1" smtClean="0"/>
+              <a:t>ddd</a:t>
+            </a:r>
+            <a:r>
+              <a:rPr lang="en-US" sz="3600" dirty="0" smtClean="0"/>
+              <a:t> </a:t>
+            </a:r>
+            <a:r>
+              <a:rPr lang="en-US" sz="3600" dirty="0" err="1" smtClean="0"/>
+              <a:t>ddd</a:t>
+            </a:r>
+            <a:r>
+              <a:rPr lang="en-US" sz="3600" dirty="0" smtClean="0"/>
+              <a:t> </a:t>
+            </a:r>
+            <a:r>
+              <a:rPr lang="en-US" sz="3600" dirty="0" err="1" smtClean="0"/>
+              <a:t>ddd</a:t>
+            </a:r>
+            <a:r>
+              <a:rPr lang="en-US" sz="3600" dirty="0" smtClean="0"/>
+              <a:t> </a:t>
+            </a:r>
+            <a:r>
+              <a:rPr lang="en-US" sz="3600" dirty="0" err="1" smtClean="0"/>
+              <a:t>ddd</a:t>
+            </a:r>
+            <a:r>
+              <a:rPr lang="en-US" sz="3600" dirty="0" smtClean="0"/>
+              <a:t> </a:t>
+            </a:r>
+            <a:r>
+              <a:rPr lang="en-US" sz="3600" dirty="0" err="1" smtClean="0"/>
+              <a:t>ddd</a:t>
+            </a:r>
+            <a:r>
+              <a:rPr lang="en-US" sz="3600" dirty="0" smtClean="0"/>
+              <a:t> </a:t>
+            </a:r>
+            <a:r>
+              <a:rPr lang="en-US" sz="3600" dirty="0" err="1" smtClean="0"/>
+              <a:t>ddd</a:t>
+            </a:r>
+            <a:r>
+              <a:rPr lang="en-US" sz="3600" dirty="0" smtClean="0"/>
+              <a:t> </a:t>
+            </a:r>
+            <a:r>
+              <a:rPr lang="en-US" sz="3600" dirty="0" err="1" smtClean="0"/>
+              <a:t>dddddd</a:t>
+            </a:r>
+            <a:r>
+              <a:rPr lang="en-US" sz="3600" dirty="0" smtClean="0"/>
+              <a:t> </a:t>
+            </a:r>
+            <a:r>
+              <a:rPr lang="en-US" sz="3600" dirty="0" err="1" smtClean="0"/>
+              <a:t>dd</a:t>
+            </a:r>
+            <a:r>
+              <a:rPr lang="en-US" sz="3600" dirty="0" smtClean="0"/>
+              <a:t> </a:t>
+            </a:r>
+            <a:r>
+              <a:rPr lang="en-US" sz="3600" dirty="0" err="1" smtClean="0"/>
+              <a:t>ddd</a:t>
+            </a:r>
+            <a:r>
+              <a:rPr lang="en-US" sz="3600" dirty="0" smtClean="0"/>
+              <a:t> </a:t>
+            </a:r>
+            <a:r>
+              <a:rPr lang="en-US" sz="3600" dirty="0" err="1" smtClean="0"/>
+              <a:t>ddddd</a:t>
+            </a:r>
+            <a:r>
+              <a:rPr lang="en-US" sz="3600" dirty="0" smtClean="0"/>
+              <a:t> </a:t>
+            </a:r>
+            <a:r>
+              <a:rPr lang="en-US" sz="3600" dirty="0" err="1" smtClean="0"/>
+              <a:t>dd</a:t>
+            </a:r>
+            <a:r>
+              <a:rPr lang="en-US" sz="3600" dirty="0" smtClean="0"/>
+              <a:t> </a:t>
+            </a:r>
+            <a:r>
+              <a:rPr lang="en-US" sz="3600" dirty="0" err="1" smtClean="0"/>
+              <a:t>dd</a:t>
+            </a:r>
+            <a:r>
+              <a:rPr lang="en-US" sz="3600" dirty="0" smtClean="0"/>
+              <a:t> d </a:t>
+            </a:r>
+            <a:r>
+              <a:rPr lang="en-US" sz="3600" dirty="0" err="1" smtClean="0"/>
+              <a:t>ddd</a:t>
+            </a:r>
+            <a:r>
+              <a:rPr lang="en-US" sz="3600" dirty="0" smtClean="0"/>
+              <a:t> </a:t>
+            </a:r>
+            <a:r>
+              <a:rPr lang="en-US" sz="3600" dirty="0" err="1" smtClean="0"/>
+              <a:t>ddd</a:t>
+            </a:r>
+            <a:endParaRPr lang="en-US" sz="3600" dirty="0" smtClean="0"/>
+          </a:p>
+          <a:p>
+            <a:pPr marL="285750" indent="-285750">
+              <a:buFont typeface="Arial" panose="020B0604020202020204" pitchFamily="34" charset="0"/>
+              <a:buChar char="•"/>
+            </a:pPr>
+            <a:r>
+              <a:rPr lang="en-US" altLang="zh-CN" dirty="0" smtClean="0"/>
+              <a:t>Test – Chinese Characters: </a:t>
+            </a:r>
+            <a:r>
+              <a:rPr lang="zh-CN" altLang="en-US" dirty="0" smtClean="0"/>
+              <a:t>阿</a:t>
+            </a:r>
+            <a:r>
+              <a:rPr lang="zh-CN" altLang="en-US" dirty="0"/>
+              <a:t>斯</a:t>
+            </a:r>
+            <a:r>
+              <a:rPr lang="zh-CN" altLang="en-US" dirty="0" smtClean="0"/>
+              <a:t>顿啊盛大速度啊盛大速度啊盛大速度</a:t>
+            </a:r>
+            <a:endParaRPr lang="en-SG" dirty="0"/>
+          </a:p>
+        </p:txBody>
+      </p:sp>
+    </p:spTree>
+    <p:extLst>
+      <p:ext uri="{BB962C8B-B14F-4D97-AF65-F5344CB8AC3E}">
+        <p14:creationId xmlns:p14="http://schemas.microsoft.com/office/powerpoint/2010/main" val="3499631753"/>
+      </p:ext>
+    </p:extLst>
+  </p:cSld>
+  <p:clrMapOvr>
+    <a:masterClrMapping/>
+  </p:clrMapOvr>
+  <p:transition spd="slow">
+    <p:push dir="u"/>
+  </p:transition>
+  <p:timing>
+    <p:tnLst>
+      <p:par>
+        <p:cTn id="1" dur="indefinite" restart="never" nodeType="tmRoot">
+          <p:childTnLst>
+            <p:seq concurrent="1" nextAc="seek">
+              <p:cTn id="2" dur="indefinite" nodeType="mainSeq">
+                <p:childTnLst>
+                  <p:par>
+                    <p:cTn id="3" fill="hold">
+                      <p:stCondLst>
+                        <p:cond delay="indefinite"/>
+                      </p:stCondLst>
+                      <p:childTnLst>
+                        <p:par>
+                          <p:cTn id="4" fill="hold">
+                            <p:stCondLst>
+                              <p:cond delay="0"/>
+                            </p:stCondLst>
+                            <p:childTnLst>
+                              <p:par>
+                                <p:cTn id="5" presetID="10" presetClass="entr" presetSubtype="0" fill="hold" grpId="0" nodeType="clickEffect">
+                                  <p:stCondLst>
+                                    <p:cond delay="0"/>
+                                  </p:stCondLst>
+                                  <p:childTnLst>
+                                    <p:set>
+                                      <p:cBhvr>
+                                        <p:cTn id="6" dur="1" fill="hold">
+                                          <p:stCondLst>
+                                            <p:cond delay="0"/>
+                                          </p:stCondLst>
+                                        </p:cTn>
+                                        <p:tgtEl>
+                                          <p:spTgt spid="5"/>
+                                        </p:tgtEl>
+                                        <p:attrNameLst>
+                                          <p:attrName>style.visibility</p:attrName>
+                                        </p:attrNameLst>
+                                      </p:cBhvr>
+                                      <p:to>
+                                        <p:strVal val="visible"/>
+                                      </p:to>
+                                    </p:set>
+                                    <p:animEffect transition="in" filter="fade">
+                                      <p:cBhvr>
+                                        <p:cTn id="7" dur="500"/>
+                                        <p:tgtEl>
+                                          <p:spTgt spid="5"/>
+                                        </p:tgtEl>
+                                      </p:cBhvr>
+                                    </p:animEffect>
+                                  </p:childTnLst>
+                                </p:cTn>
+                              </p:par>
+                              <p:par>
+                                <p:cTn id="8" presetID="10" presetClass="exit" presetSubtype="0" fill="hold" grpId="0" nodeType="withEffect">
+                                  <p:stCondLst>
+                                    <p:cond delay="0"/>
+                                  </p:stCondLst>
+                                  <p:childTnLst>
+                                    <p:animEffect transition="out" filter="fade">
+                                      <p:cBhvr>
+                                        <p:cTn id="9" dur="500"/>
+                                        <p:tgtEl>
+                                          <p:spTgt spid="4"/>
+                                        </p:tgtEl>
+                                      </p:cBhvr>
+                                    </p:animEffect>
+                                    <p:set>
+                                      <p:cBhvr>
+                                        <p:cTn id="10" dur="1" fill="hold">
+                                          <p:stCondLst>
+                                            <p:cond delay="499"/>
+                                          </p:stCondLst>
+                                        </p:cTn>
+                                        <p:tgtEl>
+                                          <p:spTgt spid="4"/>
+                                        </p:tgtEl>
+                                        <p:attrNameLst>
+                                          <p:attrName>style.visibility</p:attrName>
+                                        </p:attrNameLst>
+                                      </p:cBhvr>
+                                      <p:to>
+                                        <p:strVal val="hidden"/>
+                                      </p:to>
+                                    </p:set>
+                                  </p:childTnLst>
+                                </p:cTn>
+                              </p:par>
+                            </p:childTnLst>
+                          </p:cTn>
+                        </p:par>
+                      </p:childTnLst>
+                    </p:cTn>
+                  </p:par>
+                  <p:par>
+                    <p:cTn id="11" fill="hold">
+                      <p:stCondLst>
+                        <p:cond delay="indefinite"/>
+                      </p:stCondLst>
+                      <p:childTnLst>
+                        <p:par>
+                          <p:cTn id="12" fill="hold">
+                            <p:stCondLst>
+                              <p:cond delay="0"/>
+                            </p:stCondLst>
+                            <p:childTnLst>
+                              <p:par>
+                                <p:cTn id="13" presetID="10" presetClass="entr" presetSubtype="0" fill="hold" grpId="0" nodeType="clickEffect">
+                                  <p:stCondLst>
+                                    <p:cond delay="0"/>
+                                  </p:stCondLst>
+                                  <p:childTnLst>
+                                    <p:set>
+                                      <p:cBhvr>
+                                        <p:cTn id="14" dur="1" fill="hold">
+                                          <p:stCondLst>
+                                            <p:cond delay="0"/>
+                                          </p:stCondLst>
+                                        </p:cTn>
+                                        <p:tgtEl>
+                                          <p:spTgt spid="6"/>
+                                        </p:tgtEl>
+                                        <p:attrNameLst>
+                                          <p:attrName>style.visibility</p:attrName>
+                                        </p:attrNameLst>
+                                      </p:cBhvr>
+                                      <p:to>
+                                        <p:strVal val="visible"/>
+                                      </p:to>
+                                    </p:set>
+                                    <p:animEffect transition="in" filter="fade">
+                                      <p:cBhvr>
+                                        <p:cTn id="15" dur="500"/>
+                                        <p:tgtEl>
+                                          <p:spTgt spid="6"/>
+                                        </p:tgtEl>
+                                      </p:cBhvr>
+                                    </p:animEffect>
+                                  </p:childTnLst>
+                                </p:cTn>
+                              </p:par>
+                              <p:par>
+                                <p:cTn id="16" presetID="10" presetClass="exit" presetSubtype="0" fill="hold" grpId="1" nodeType="withEffect">
+                                  <p:stCondLst>
+                                    <p:cond delay="0"/>
+                                  </p:stCondLst>
+                                  <p:childTnLst>
+                                    <p:animEffect transition="out" filter="fade">
+                                      <p:cBhvr>
+                                        <p:cTn id="17" dur="500"/>
+                                        <p:tgtEl>
+                                          <p:spTgt spid="5"/>
+                                        </p:tgtEl>
+                                      </p:cBhvr>
+                                    </p:animEffect>
+                                    <p:set>
+                                      <p:cBhvr>
+                                        <p:cTn id="18" dur="1" fill="hold">
+                                          <p:stCondLst>
+                                            <p:cond delay="499"/>
+                                          </p:stCondLst>
+                                        </p:cTn>
+                                        <p:tgtEl>
+                                          <p:spTgt spid="5"/>
+                                        </p:tgtEl>
+                                        <p:attrNameLst>
+                                          <p:attrName>style.visibility</p:attrName>
+                                        </p:attrNameLst>
+                                      </p:cBhvr>
+                                      <p:to>
+                                        <p:strVal val="hidden"/>
+                                      </p:to>
+                                    </p:set>
+                                  </p:childTnLst>
+                                </p:cTn>
+                              </p:par>
+                            </p:childTnLst>
+                          </p:cTn>
+                        </p:par>
+                      </p:childTnLst>
+                    </p:cTn>
+                  </p:par>
+                  <p:par>
+                    <p:cTn id="19" fill="hold">
+                      <p:stCondLst>
+                        <p:cond delay="indefinite"/>
+                      </p:stCondLst>
+                      <p:childTnLst>
+                        <p:par>
+                          <p:cTn id="20" fill="hold">
+                            <p:stCondLst>
+                              <p:cond delay="0"/>
+                            </p:stCondLst>
+                            <p:childTnLst>
+                              <p:par>
+                                <p:cTn id="21" presetID="10" presetClass="entr" presetSubtype="0" fill="hold" nodeType="clickEffect">
+                                  <p:stCondLst>
+                                    <p:cond delay="0"/>
+                                  </p:stCondLst>
+                                  <p:childTnLst>
+                                    <p:set>
+                                      <p:cBhvr>
+                                        <p:cTn id="22" dur="1" fill="hold">
+                                          <p:stCondLst>
+                                            <p:cond delay="0"/>
+                                          </p:stCondLst>
+                                        </p:cTn>
+                                        <p:tgtEl>
+                                          <p:spTgt spid="9"/>
+                                        </p:tgtEl>
+                                        <p:attrNameLst>
+                                          <p:attrName>style.visibility</p:attrName>
+                                        </p:attrNameLst>
+                                      </p:cBhvr>
+                                      <p:to>
+                                        <p:strVal val="visible"/>
+                                      </p:to>
+                                    </p:set>
+                                    <p:animEffect transition="in" filter="fade">
+                                      <p:cBhvr>
+                                        <p:cTn id="23" dur="500"/>
+                                        <p:tgtEl>
+                                          <p:spTgt spid="9"/>
+                                        </p:tgtEl>
+                                      </p:cBhvr>
+                                    </p:animEffect>
+                                  </p:childTnLst>
+                                </p:cTn>
+                              </p:par>
+                              <p:par>
+                                <p:cTn id="24" presetID="10" presetClass="exit" presetSubtype="0" fill="hold" grpId="1" nodeType="withEffect">
+                                  <p:stCondLst>
+                                    <p:cond delay="0"/>
+                                  </p:stCondLst>
+                                  <p:childTnLst>
+                                    <p:animEffect transition="out" filter="fade">
+                                      <p:cBhvr>
+                                        <p:cTn id="25" dur="500"/>
+                                        <p:tgtEl>
+                                          <p:spTgt spid="6"/>
+                                        </p:tgtEl>
+                                      </p:cBhvr>
+                                    </p:animEffect>
+                                    <p:set>
+                                      <p:cBhvr>
+                                        <p:cTn id="26" dur="1" fill="hold">
+                                          <p:stCondLst>
+                                            <p:cond delay="499"/>
+                                          </p:stCondLst>
+                                        </p:cTn>
+                                        <p:tgtEl>
+                                          <p:spTgt spid="6"/>
+                                        </p:tgtEl>
+                                        <p:attrNameLst>
+                                          <p:attrName>style.visibility</p:attrName>
+                                        </p:attrNameLst>
+                                      </p:cBhvr>
+                                      <p:to>
+                                        <p:strVal val="hidden"/>
+                                      </p:to>
+                                    </p:set>
+                                  </p:childTnLst>
+                                </p:cTn>
+                              </p:par>
+                            </p:childTnLst>
+                          </p:cTn>
+                        </p:par>
+                      </p:childTnLst>
+                    </p:cTn>
+                  </p:par>
+                  <p:par>
+                    <p:cTn id="27" fill="hold">
+                      <p:stCondLst>
+                        <p:cond delay="indefinite"/>
+                      </p:stCondLst>
+                      <p:childTnLst>
+                        <p:par>
+                          <p:cTn id="28" fill="hold">
+                            <p:stCondLst>
+                              <p:cond delay="0"/>
+                            </p:stCondLst>
+                            <p:childTnLst>
+                              <p:par>
+                                <p:cTn id="29" presetID="10" presetClass="entr" presetSubtype="0" fill="hold" grpId="0" nodeType="clickEffect">
+                                  <p:stCondLst>
+                                    <p:cond delay="0"/>
+                                  </p:stCondLst>
+                                  <p:childTnLst>
+                                    <p:set>
+                                      <p:cBhvr>
+                                        <p:cTn id="30" dur="1" fill="hold">
+                                          <p:stCondLst>
+                                            <p:cond delay="0"/>
+                                          </p:stCondLst>
+                                        </p:cTn>
+                                        <p:tgtEl>
+                                          <p:spTgt spid="10"/>
+                                        </p:tgtEl>
+                                        <p:attrNameLst>
+                                          <p:attrName>style.visibility</p:attrName>
+                                        </p:attrNameLst>
+                                      </p:cBhvr>
+                                      <p:to>
+                                        <p:strVal val="visible"/>
+                                      </p:to>
+                                    </p:set>
+                                    <p:animEffect transition="in" filter="fade">
+                                      <p:cBhvr>
+                                        <p:cTn id="31" dur="500"/>
+                                        <p:tgtEl>
+                                          <p:spTgt spid="10"/>
+                                        </p:tgtEl>
+                                      </p:cBhvr>
+                                    </p:animEffect>
+                                  </p:childTnLst>
+                                </p:cTn>
+                              </p:par>
+                              <p:par>
+                                <p:cTn id="32" presetID="10" presetClass="exit" presetSubtype="0" fill="hold" nodeType="withEffect">
+                                  <p:stCondLst>
+                                    <p:cond delay="0"/>
+                                  </p:stCondLst>
+                                  <p:childTnLst>
+                                    <p:animEffect transition="out" filter="fade">
+                                      <p:cBhvr>
+                                        <p:cTn id="33" dur="500"/>
+                                        <p:tgtEl>
+                                          <p:spTgt spid="9"/>
+                                        </p:tgtEl>
+                                      </p:cBhvr>
+                                    </p:animEffect>
+                                    <p:set>
+                                      <p:cBhvr>
+                                        <p:cTn id="34" dur="1" fill="hold">
+                                          <p:stCondLst>
+                                            <p:cond delay="499"/>
+                                          </p:stCondLst>
+                                        </p:cTn>
+                                        <p:tgtEl>
+                                          <p:spTgt spid="9"/>
+                                        </p:tgtEl>
+                                        <p:attrNameLst>
+                                          <p:attrName>style.visibility</p:attrName>
+                                        </p:attrNameLst>
+                                      </p:cBhvr>
+                                      <p:to>
+                                        <p:strVal val="hidden"/>
+                                      </p:to>
+                                    </p:set>
+                                  </p:childTnLst>
+                                </p:cTn>
+                              </p:par>
+                            </p:childTnLst>
+                          </p:cTn>
+                        </p:par>
+                      </p:childTnLst>
+                    </p:cTn>
+                  </p:par>
+                  <p:par>
+                    <p:cTn id="35" fill="hold">
+                      <p:stCondLst>
+                        <p:cond delay="indefinite"/>
+                      </p:stCondLst>
+                      <p:childTnLst>
+                        <p:par>
+                          <p:cTn id="36" fill="hold">
+                            <p:stCondLst>
+                              <p:cond delay="0"/>
+                            </p:stCondLst>
+                            <p:childTnLst>
+                              <p:par>
+                                <p:cTn id="37" presetID="10" presetClass="entr" presetSubtype="0" fill="hold" grpId="0" nodeType="clickEffect">
+                                  <p:stCondLst>
+                                    <p:cond delay="0"/>
+                                  </p:stCondLst>
+                                  <p:childTnLst>
+                                    <p:set>
+                                      <p:cBhvr>
+                                        <p:cTn id="38" dur="1" fill="hold">
+                                          <p:stCondLst>
+                                            <p:cond delay="0"/>
+                                          </p:stCondLst>
+                                        </p:cTn>
+                                        <p:tgtEl>
+                                          <p:spTgt spid="11"/>
+                                        </p:tgtEl>
+                                        <p:attrNameLst>
+                                          <p:attrName>style.visibility</p:attrName>
+                                        </p:attrNameLst>
+                                      </p:cBhvr>
+                                      <p:to>
+                                        <p:strVal val="visible"/>
+                                      </p:to>
+                                    </p:set>
+                                    <p:animEffect transition="in" filter="fade">
+                                      <p:cBhvr>
+                                        <p:cTn id="39" dur="500"/>
+                                        <p:tgtEl>
+                                          <p:spTgt spid="11"/>
+                                        </p:tgtEl>
+                                      </p:cBhvr>
+                                    </p:animEffect>
+                                  </p:childTnLst>
+                                </p:cTn>
+                              </p:par>
+                              <p:par>
+                                <p:cTn id="40" presetID="10" presetClass="exit" presetSubtype="0" fill="hold" grpId="1" nodeType="withEffect">
+                                  <p:stCondLst>
+                                    <p:cond delay="0"/>
+                                  </p:stCondLst>
+                                  <p:childTnLst>
+                                    <p:animEffect transition="out" filter="fade">
+                                      <p:cBhvr>
+                                        <p:cTn id="41" dur="500"/>
+                                        <p:tgtEl>
+                                          <p:spTgt spid="10"/>
+                                        </p:tgtEl>
+                                      </p:cBhvr>
+                                    </p:animEffect>
+                                    <p:set>
+                                      <p:cBhvr>
+                                        <p:cTn id="42" dur="1" fill="hold">
+                                          <p:stCondLst>
+                                            <p:cond delay="499"/>
+                                          </p:stCondLst>
+                                        </p:cTn>
+                                        <p:tgtEl>
+                                          <p:spTgt spid="10"/>
+                                        </p:tgtEl>
+                                        <p:attrNameLst>
+                                          <p:attrName>style.visibility</p:attrName>
+                                        </p:attrNameLst>
+                                      </p:cBhvr>
+                                      <p:to>
+                                        <p:strVal val="hidden"/>
+                                      </p:to>
+                                    </p:set>
+                                  </p:childTnLst>
+                                </p:cTn>
+                              </p:par>
+                            </p:childTnLst>
+                          </p:cTn>
+                        </p:par>
+                      </p:childTnLst>
+                    </p:cTn>
+                  </p:par>
+                  <p:par>
+                    <p:cTn id="43" fill="hold">
+                      <p:stCondLst>
+                        <p:cond delay="indefinite"/>
+                      </p:stCondLst>
+                      <p:childTnLst>
+                        <p:par>
+                          <p:cTn id="44" fill="hold">
+                            <p:stCondLst>
+                              <p:cond delay="0"/>
+                            </p:stCondLst>
+                            <p:childTnLst>
+                              <p:par>
+                                <p:cTn id="45" presetID="10" presetClass="entr" presetSubtype="0" fill="hold" nodeType="clickEffect">
+                                  <p:stCondLst>
+                                    <p:cond delay="0"/>
+                                  </p:stCondLst>
+                                  <p:childTnLst>
+                                    <p:set>
+                                      <p:cBhvr>
+                                        <p:cTn id="46" dur="1" fill="hold">
+                                          <p:stCondLst>
+                                            <p:cond delay="0"/>
+                                          </p:stCondLst>
+                                        </p:cTn>
+                                        <p:tgtEl>
+                                          <p:spTgt spid="16"/>
+                                        </p:tgtEl>
+                                        <p:attrNameLst>
+                                          <p:attrName>style.visibility</p:attrName>
+                                        </p:attrNameLst>
+                                      </p:cBhvr>
+                                      <p:to>
+                                        <p:strVal val="visible"/>
+                                      </p:to>
+                                    </p:set>
+                                    <p:animEffect transition="in" filter="fade">
+                                      <p:cBhvr>
+                                        <p:cTn id="47" dur="500"/>
+                                        <p:tgtEl>
+                                          <p:spTgt spid="16"/>
+                                        </p:tgtEl>
+                                      </p:cBhvr>
+                                    </p:animEffect>
+                                  </p:childTnLst>
+                                </p:cTn>
+                              </p:par>
+                              <p:par>
+                                <p:cTn id="48" presetID="10" presetClass="exit" presetSubtype="0" fill="hold" grpId="1" nodeType="withEffect">
+                                  <p:stCondLst>
+                                    <p:cond delay="0"/>
+                                  </p:stCondLst>
+                                  <p:childTnLst>
+                                    <p:animEffect transition="out" filter="fade">
+                                      <p:cBhvr>
+                                        <p:cTn id="49" dur="500"/>
+                                        <p:tgtEl>
+                                          <p:spTgt spid="11"/>
+                                        </p:tgtEl>
+                                      </p:cBhvr>
+                                    </p:animEffect>
+                                    <p:set>
+                                      <p:cBhvr>
+                                        <p:cTn id="50" dur="1" fill="hold">
+                                          <p:stCondLst>
+                                            <p:cond delay="499"/>
+                                          </p:stCondLst>
+                                        </p:cTn>
+                                        <p:tgtEl>
+                                          <p:spTgt spid="11"/>
+                                        </p:tgtEl>
+                                        <p:attrNameLst>
+                                          <p:attrName>style.visibility</p:attrName>
+                                        </p:attrNameLst>
+                                      </p:cBhvr>
+                                      <p:to>
+                                        <p:strVal val="hidden"/>
+                                      </p:to>
+                                    </p:set>
+                                  </p:childTnLst>
+                                </p:cTn>
+                              </p:par>
+                            </p:childTnLst>
+                          </p:cTn>
+                        </p:par>
+                      </p:childTnLst>
+                    </p:cTn>
+                  </p:par>
+                  <p:par>
+                    <p:cTn id="51" fill="hold">
+                      <p:stCondLst>
+                        <p:cond delay="indefinite"/>
+                      </p:stCondLst>
+                      <p:childTnLst>
+                        <p:par>
+                          <p:cTn id="52" fill="hold">
+                            <p:stCondLst>
+                              <p:cond delay="0"/>
+                            </p:stCondLst>
+                            <p:childTnLst>
+                              <p:par>
+                                <p:cTn id="53" presetID="10" presetClass="entr" presetSubtype="0" fill="hold" grpId="0" nodeType="clickEffect">
+                                  <p:stCondLst>
+                                    <p:cond delay="0"/>
+                                  </p:stCondLst>
+                                  <p:childTnLst>
+                                    <p:set>
+                                      <p:cBhvr>
+                                        <p:cTn id="54" dur="1" fill="hold">
+                                          <p:stCondLst>
+                                            <p:cond delay="0"/>
+                                          </p:stCondLst>
+                                        </p:cTn>
+                                        <p:tgtEl>
+                                          <p:spTgt spid="17"/>
+                                        </p:tgtEl>
+                                        <p:attrNameLst>
+                                          <p:attrName>style.visibility</p:attrName>
+                                        </p:attrNameLst>
+                                      </p:cBhvr>
+                                      <p:to>
+                                        <p:strVal val="visible"/>
+                                      </p:to>
+                                    </p:set>
+                                    <p:animEffect transition="in" filter="fade">
+                                      <p:cBhvr>
+                                        <p:cTn id="55" dur="500"/>
+                                        <p:tgtEl>
+                                          <p:spTgt spid="17"/>
+                                        </p:tgtEl>
+                                      </p:cBhvr>
+                                    </p:animEffect>
+                                  </p:childTnLst>
+                                </p:cTn>
+                              </p:par>
+                              <p:par>
+                                <p:cTn id="56" presetID="10" presetClass="exit" presetSubtype="0" fill="hold" nodeType="withEffect">
+                                  <p:stCondLst>
+                                    <p:cond delay="0"/>
+                                  </p:stCondLst>
+                                  <p:childTnLst>
+                                    <p:animEffect transition="out" filter="fade">
+                                      <p:cBhvr>
+                                        <p:cTn id="57" dur="500"/>
+                                        <p:tgtEl>
+                                          <p:spTgt spid="16"/>
+                                        </p:tgtEl>
+                                      </p:cBhvr>
+                                    </p:animEffect>
+                                    <p:set>
+                                      <p:cBhvr>
+                                        <p:cTn id="58" dur="1" fill="hold">
+                                          <p:stCondLst>
+                                            <p:cond delay="499"/>
+                                          </p:stCondLst>
+                                        </p:cTn>
+                                        <p:tgtEl>
+                                          <p:spTgt spid="16"/>
+                                        </p:tgtEl>
+                                        <p:attrNameLst>
+                                          <p:attrName>style.visibility</p:attrName>
+                                        </p:attrNameLst>
+                                      </p:cBhvr>
+                                      <p:to>
+                                        <p:strVal val="hidden"/>
+                                      </p:to>
+                                    </p:set>
+                                  </p:childTnLst>
+                                </p:cTn>
+                              </p:par>
+                            </p:childTnLst>
+                          </p:cTn>
+                        </p:par>
+                      </p:childTnLst>
+                    </p:cTn>
+                  </p:par>
+                </p:childTnLst>
+              </p:cTn>
+              <p:prevCondLst>
+                <p:cond evt="onPrev" delay="0">
+                  <p:tgtEl>
+                    <p:sldTgt/>
+                  </p:tgtEl>
+                </p:cond>
+              </p:prevCondLst>
+              <p:nextCondLst>
+                <p:cond evt="onNext" delay="0">
+                  <p:tgtEl>
+                    <p:sldTgt/>
+                  </p:tgtEl>
+                </p:cond>
+              </p:nextCondLst>
+            </p:seq>
+          </p:childTnLst>
+        </p:cTn>
+      </p:par>
+    </p:tnLst>
+    <p:bldLst>
+      <p:bldP spid="4" grpId="0" animBg="1"/>
+      <p:bldP spid="5" grpId="0" animBg="1"/>
+      <p:bldP spid="5" grpId="1" animBg="1"/>
+      <p:bldP spid="6" grpId="0" animBg="1"/>
+      <p:bldP spid="6" grpId="1" animBg="1"/>
+      <p:bldP spid="10" grpId="0" animBg="1"/>
+      <p:bldP spid="10" grpId="1" animBg="1"/>
+      <p:bldP spid="11" grpId="0" animBg="1"/>
+      <p:bldP spid="11" grpId="1" animBg="1"/>
+      <p:bldP spid="17" grpId="0" animBg="1"/>
+    </p:bldLst>
+  </p:timing>
+</p:sld>
+</file>
+
+<file path=ppt/slides/slide29.xml><?xml version="1.0" encoding="utf-8"?>
+<p:sld xmlns:a="http://schemas.openxmlformats.org/drawingml/2006/main" xmlns:r="http://schemas.openxmlformats.org/officeDocument/2006/relationships" xmlns:p="http://schemas.openxmlformats.org/presentationml/2006/main">
+  <p:cSld>
+    <p:spTree>
+      <p:nvGrpSpPr>
+        <p:cNvPr id="1" name=""/>
+        <p:cNvGrpSpPr/>
+        <p:nvPr/>
+      </p:nvGrpSpPr>
+      <p:grpSpPr>
+        <a:xfrm>
+          <a:off x="0" y="0"/>
+          <a:ext cx="0" cy="0"/>
+          <a:chOff x="0" y="0"/>
+          <a:chExt cx="0" cy="0"/>
+        </a:xfrm>
+      </p:grpSpPr>
+      <p:sp>
+        <p:nvSpPr>
+          <p:cNvPr id="3" name="Rectangle 4"/>
+          <p:cNvSpPr/>
+          <p:nvPr/>
+        </p:nvSpPr>
+        <p:spPr>
+          <a:xfrm>
+            <a:off x="0" y="2286000"/>
+            <a:ext cx="9144000" cy="2209800"/>
+          </a:xfrm>
+          <a:prstGeom prst="rect">
+            <a:avLst/>
+          </a:prstGeom>
+          <a:solidFill>
+            <a:srgbClr val="002060"/>
+          </a:solidFill>
+        </p:spPr>
+        <p:style>
+          <a:lnRef idx="2">
+            <a:schemeClr val="accent1">
+              <a:shade val="50000"/>
+            </a:schemeClr>
+          </a:lnRef>
+          <a:fillRef idx="1">
+            <a:schemeClr val="accent1"/>
+          </a:fillRef>
+          <a:effectRef idx="0">
+            <a:schemeClr val="accent1"/>
+          </a:effectRef>
+          <a:fontRef idx="minor">
+            <a:schemeClr val="lt1"/>
+          </a:fontRef>
+        </p:style>
+        <p:txBody>
+          <a:bodyPr rtlCol="0" anchor="ctr"/>
+          <a:lstStyle/>
+          <a:p>
+            <a:pPr algn="ctr"/>
+            <a:endParaRPr lang="en-US"/>
+          </a:p>
+        </p:txBody>
+      </p:sp>
+      <p:sp>
+        <p:nvSpPr>
+          <p:cNvPr id="2" name="HighlightBackgroundShape73075057-96f2-467a-9739-220ecca5ae94"/>
+          <p:cNvSpPr txBox="1"/>
+          <p:nvPr/>
+        </p:nvSpPr>
+        <p:spPr>
+          <a:xfrm>
+            <a:off x="762000" y="533400"/>
+            <a:ext cx="7620000" cy="5909310"/>
+          </a:xfrm>
+          <a:prstGeom prst="rect">
+            <a:avLst/>
+          </a:prstGeom>
+          <a:noFill/>
+        </p:spPr>
+        <p:txBody>
+          <a:bodyPr wrap="square" rtlCol="0">
+            <a:spAutoFit/>
+          </a:bodyPr>
+          <a:lstStyle/>
+          <a:p>
+            <a:pPr marL="285750" indent="-285750">
+              <a:buFont typeface="Arial" panose="020B0604020202020204" pitchFamily="34" charset="0"/>
+              <a:buChar char="•"/>
+            </a:pPr>
+            <a:r>
+              <a:rPr lang="en-US" sz="2800" dirty="0" smtClean="0"/>
+              <a:t>Test - Non-ABC: 1234567890!@#$%^&amp;*()</a:t>
+            </a:r>
+          </a:p>
+          <a:p>
+            <a:r>
+              <a:rPr lang="en-US" sz="2800" dirty="0"/>
+              <a:t>Test </a:t>
+            </a:r>
+            <a:r>
+              <a:rPr lang="en-US" sz="2800" dirty="0" smtClean="0"/>
+              <a:t>– No bullet point</a:t>
+            </a:r>
+            <a:endParaRPr lang="en-US" sz="2800" dirty="0"/>
+          </a:p>
+          <a:p>
+            <a:pPr marL="514350" indent="-514350">
+              <a:buFont typeface="+mj-lt"/>
+              <a:buAutoNum type="arabicPeriod"/>
+            </a:pPr>
+            <a:r>
+              <a:rPr lang="en-US" sz="2800" dirty="0"/>
+              <a:t>Test – </a:t>
+            </a:r>
+            <a:r>
+              <a:rPr lang="en-US" sz="2800" dirty="0" smtClean="0"/>
+              <a:t>Different bullet point</a:t>
+            </a:r>
+          </a:p>
+          <a:p>
+            <a:pPr marL="285750" indent="-285750">
+              <a:buFont typeface="Arial" panose="020B0604020202020204" pitchFamily="34" charset="0"/>
+              <a:buChar char="•"/>
+            </a:pPr>
+            <a:r>
+              <a:rPr lang="en-US" sz="2800" dirty="0" smtClean="0">
+                <a:latin typeface="Times New Roman" panose="02020603050405020304" pitchFamily="18" charset="0"/>
+                <a:cs typeface="Times New Roman" panose="02020603050405020304" pitchFamily="18" charset="0"/>
+              </a:rPr>
+              <a:t>Test - Another Font Family, using Times New Roman</a:t>
+            </a:r>
+          </a:p>
+          <a:p>
+            <a:pPr marL="285750" indent="-285750">
+              <a:buFont typeface="Arial" panose="020B0604020202020204" pitchFamily="34" charset="0"/>
+              <a:buChar char="•"/>
+            </a:pPr>
+            <a:r>
+              <a:rPr lang="en-US" sz="1000" dirty="0" smtClean="0"/>
+              <a:t>Test - very small content. Test: very small content. Test: very small content. Test: very small content</a:t>
+            </a:r>
+          </a:p>
+          <a:p>
+            <a:pPr marL="285750" indent="-285750">
+              <a:buFont typeface="Arial" panose="020B0604020202020204" pitchFamily="34" charset="0"/>
+              <a:buChar char="•"/>
+            </a:pPr>
+            <a:r>
+              <a:rPr lang="en-US" sz="6600" dirty="0" smtClean="0">
+                <a:latin typeface="Arial Black" panose="020B0A04020102020204" pitchFamily="34" charset="0"/>
+              </a:rPr>
+              <a:t>Test - very big</a:t>
+            </a:r>
+          </a:p>
+          <a:p>
+            <a:pPr marL="285750" indent="-285750">
+              <a:buFont typeface="Arial" panose="020B0604020202020204" pitchFamily="34" charset="0"/>
+              <a:buChar char="•"/>
+            </a:pPr>
+            <a:r>
+              <a:rPr lang="en-US" sz="3600" dirty="0" smtClean="0"/>
+              <a:t>Test – Long sentence: </a:t>
+            </a:r>
+            <a:r>
+              <a:rPr lang="en-US" sz="3600" dirty="0" err="1" smtClean="0"/>
+              <a:t>Asdddd</a:t>
+            </a:r>
+            <a:r>
+              <a:rPr lang="en-US" sz="3600" dirty="0" smtClean="0"/>
+              <a:t> </a:t>
+            </a:r>
+            <a:r>
+              <a:rPr lang="en-US" sz="3600" dirty="0" err="1" smtClean="0"/>
+              <a:t>ddd</a:t>
+            </a:r>
+            <a:r>
+              <a:rPr lang="en-US" sz="3600" dirty="0" smtClean="0"/>
+              <a:t> </a:t>
+            </a:r>
+            <a:r>
+              <a:rPr lang="en-US" sz="3600" dirty="0" err="1" smtClean="0"/>
+              <a:t>dd</a:t>
+            </a:r>
+            <a:r>
+              <a:rPr lang="en-US" sz="3600" dirty="0" smtClean="0"/>
+              <a:t> d </a:t>
+            </a:r>
+            <a:r>
+              <a:rPr lang="en-US" sz="3600" dirty="0" err="1" smtClean="0"/>
+              <a:t>ddddd</a:t>
+            </a:r>
+            <a:r>
+              <a:rPr lang="en-US" sz="3600" dirty="0" smtClean="0"/>
+              <a:t> </a:t>
+            </a:r>
+            <a:r>
+              <a:rPr lang="en-US" sz="3600" dirty="0" err="1" smtClean="0"/>
+              <a:t>ddd</a:t>
+            </a:r>
+            <a:r>
+              <a:rPr lang="en-US" sz="3600" dirty="0" smtClean="0"/>
+              <a:t> </a:t>
+            </a:r>
+            <a:r>
+              <a:rPr lang="en-US" sz="3600" dirty="0" err="1" smtClean="0"/>
+              <a:t>ddd</a:t>
+            </a:r>
+            <a:r>
+              <a:rPr lang="en-US" sz="3600" dirty="0" smtClean="0"/>
+              <a:t> </a:t>
+            </a:r>
+            <a:r>
+              <a:rPr lang="en-US" sz="3600" dirty="0" err="1" smtClean="0"/>
+              <a:t>ddd</a:t>
+            </a:r>
+            <a:r>
+              <a:rPr lang="en-US" sz="3600" dirty="0" smtClean="0"/>
+              <a:t> </a:t>
+            </a:r>
+            <a:r>
+              <a:rPr lang="en-US" sz="3600" dirty="0" err="1" smtClean="0"/>
+              <a:t>ddd</a:t>
+            </a:r>
+            <a:r>
+              <a:rPr lang="en-US" sz="3600" dirty="0" smtClean="0"/>
+              <a:t> </a:t>
+            </a:r>
+            <a:r>
+              <a:rPr lang="en-US" sz="3600" dirty="0" err="1" smtClean="0"/>
+              <a:t>ddd</a:t>
+            </a:r>
+            <a:r>
+              <a:rPr lang="en-US" sz="3600" dirty="0" smtClean="0"/>
+              <a:t> </a:t>
+            </a:r>
+            <a:r>
+              <a:rPr lang="en-US" sz="3600" dirty="0" err="1" smtClean="0"/>
+              <a:t>ddd</a:t>
+            </a:r>
+            <a:r>
+              <a:rPr lang="en-US" sz="3600" dirty="0" smtClean="0"/>
+              <a:t> </a:t>
+            </a:r>
+            <a:r>
+              <a:rPr lang="en-US" sz="3600" dirty="0" err="1" smtClean="0"/>
+              <a:t>ddd</a:t>
+            </a:r>
+            <a:r>
+              <a:rPr lang="en-US" sz="3600" dirty="0" smtClean="0"/>
+              <a:t> </a:t>
+            </a:r>
+            <a:r>
+              <a:rPr lang="en-US" sz="3600" dirty="0" err="1" smtClean="0"/>
+              <a:t>dddddd</a:t>
+            </a:r>
+            <a:r>
+              <a:rPr lang="en-US" sz="3600" dirty="0" smtClean="0"/>
+              <a:t> </a:t>
+            </a:r>
+            <a:r>
+              <a:rPr lang="en-US" sz="3600" dirty="0" err="1" smtClean="0"/>
+              <a:t>dd</a:t>
+            </a:r>
+            <a:r>
+              <a:rPr lang="en-US" sz="3600" dirty="0" smtClean="0"/>
+              <a:t> </a:t>
+            </a:r>
+            <a:r>
+              <a:rPr lang="en-US" sz="3600" dirty="0" err="1" smtClean="0"/>
+              <a:t>ddd</a:t>
+            </a:r>
+            <a:r>
+              <a:rPr lang="en-US" sz="3600" dirty="0" smtClean="0"/>
+              <a:t> </a:t>
+            </a:r>
+            <a:r>
+              <a:rPr lang="en-US" sz="3600" dirty="0" err="1" smtClean="0"/>
+              <a:t>ddddd</a:t>
+            </a:r>
+            <a:r>
+              <a:rPr lang="en-US" sz="3600" dirty="0" smtClean="0"/>
+              <a:t> </a:t>
+            </a:r>
+            <a:r>
+              <a:rPr lang="en-US" sz="3600" dirty="0" err="1" smtClean="0"/>
+              <a:t>dd</a:t>
+            </a:r>
+            <a:r>
+              <a:rPr lang="en-US" sz="3600" dirty="0" smtClean="0"/>
+              <a:t> </a:t>
+            </a:r>
+            <a:r>
+              <a:rPr lang="en-US" sz="3600" dirty="0" err="1" smtClean="0"/>
+              <a:t>dd</a:t>
+            </a:r>
+            <a:r>
+              <a:rPr lang="en-US" sz="3600" dirty="0" smtClean="0"/>
+              <a:t> d </a:t>
+            </a:r>
+            <a:r>
+              <a:rPr lang="en-US" sz="3600" dirty="0" err="1" smtClean="0"/>
+              <a:t>ddd</a:t>
+            </a:r>
+            <a:r>
+              <a:rPr lang="en-US" sz="3600" dirty="0" smtClean="0"/>
+              <a:t> </a:t>
+            </a:r>
+            <a:r>
+              <a:rPr lang="en-US" sz="3600" dirty="0" err="1" smtClean="0"/>
+              <a:t>ddd</a:t>
+            </a:r>
+            <a:endParaRPr lang="en-US" sz="3600" dirty="0" smtClean="0"/>
+          </a:p>
+          <a:p>
+            <a:pPr marL="285750" indent="-285750">
+              <a:buFont typeface="Arial" panose="020B0604020202020204" pitchFamily="34" charset="0"/>
+              <a:buChar char="•"/>
+            </a:pPr>
+            <a:r>
+              <a:rPr lang="en-US" altLang="zh-CN" dirty="0" smtClean="0"/>
+              <a:t>Test – Chinese Characters: </a:t>
+            </a:r>
+            <a:r>
+              <a:rPr lang="zh-CN" altLang="en-US" dirty="0" smtClean="0"/>
+              <a:t>阿</a:t>
+            </a:r>
+            <a:r>
+              <a:rPr lang="zh-CN" altLang="en-US" dirty="0"/>
+              <a:t>斯</a:t>
+            </a:r>
+            <a:r>
+              <a:rPr lang="zh-CN" altLang="en-US" dirty="0" smtClean="0"/>
+              <a:t>顿啊盛大速度啊盛大速度啊盛大速度</a:t>
+            </a:r>
+            <a:endParaRPr lang="en-SG" dirty="0"/>
+          </a:p>
+        </p:txBody>
+      </p:sp>
+    </p:spTree>
+    <p:extLst>
+      <p:ext uri="{BB962C8B-B14F-4D97-AF65-F5344CB8AC3E}">
+        <p14:creationId xmlns:p14="http://schemas.microsoft.com/office/powerpoint/2010/main" val="2094649622"/>
+      </p:ext>
+    </p:extLst>
+  </p:cSld>
+  <p:clrMapOvr>
+    <a:masterClrMapping/>
+  </p:clrMapOvr>
+  <p:transition spd="slow">
+    <p:push dir="u"/>
+  </p:transition>
+  <p:timing>
+    <p:tnLst>
+      <p:par>
+        <p:cTn id="1" dur="indefinite" restart="never" nodeType="tmRoot"/>
+      </p:par>
+    </p:tnLst>
+  </p:timing>
+</p:sld>
+</file>
+
+<file path=ppt/slides/slide3.xml><?xml version="1.0" encoding="utf-8"?>
+<p:sld xmlns:a="http://schemas.openxmlformats.org/drawingml/2006/main" xmlns:r="http://schemas.openxmlformats.org/officeDocument/2006/relationships" xmlns:p="http://schemas.openxmlformats.org/presentationml/2006/main">
+  <p:cSld>
+    <p:spTree>
+      <p:nvGrpSpPr>
+        <p:cNvPr id="1" name=""/>
+        <p:cNvGrpSpPr/>
+        <p:nvPr/>
+      </p:nvGrpSpPr>
+      <p:grpSpPr>
+        <a:xfrm>
+          <a:off x="0" y="0"/>
+          <a:ext cx="0" cy="0"/>
+          <a:chOff x="0" y="0"/>
+          <a:chExt cx="0" cy="0"/>
+        </a:xfrm>
+      </p:grpSpPr>
+      <p:sp>
+        <p:nvSpPr>
+          <p:cNvPr id="2" name="Title 1"/>
+          <p:cNvSpPr>
+            <a:spLocks noGrp="1"/>
+          </p:cNvSpPr>
+          <p:nvPr>
+            <p:ph type="title"/>
+          </p:nvPr>
+        </p:nvSpPr>
+        <p:spPr/>
+        <p:txBody>
+          <a:bodyPr/>
+          <a:lstStyle/>
+          <a:p>
+            <a:r>
+              <a:rPr lang="en-US" dirty="0" smtClean="0"/>
+              <a:t>Highlight Points:: Highlight Text – Select Slide</a:t>
+            </a:r>
+            <a:endParaRPr lang="en-SG" dirty="0"/>
+          </a:p>
+        </p:txBody>
+      </p:sp>
+      <p:sp>
+        <p:nvSpPr>
+          <p:cNvPr id="4" name="Content Placeholder 2"/>
+          <p:cNvSpPr>
+            <a:spLocks noGrp="1"/>
+          </p:cNvSpPr>
+          <p:nvPr>
+            <p:ph idx="1"/>
+          </p:nvPr>
+        </p:nvSpPr>
+        <p:spPr>
+          <a:xfrm>
+            <a:off x="457200" y="3124200"/>
+            <a:ext cx="8229600" cy="3001963"/>
+          </a:xfrm>
+        </p:spPr>
+        <p:txBody>
+          <a:bodyPr/>
+          <a:lstStyle/>
+          <a:p>
+            <a:r>
+              <a:rPr lang="en-US" dirty="0" smtClean="0"/>
+              <a:t>Select the slide and click “Highlight Points”</a:t>
+            </a:r>
+            <a:endParaRPr lang="en-SG" dirty="0"/>
+          </a:p>
+        </p:txBody>
+      </p:sp>
+    </p:spTree>
+    <p:extLst>
+      <p:ext uri="{BB962C8B-B14F-4D97-AF65-F5344CB8AC3E}">
+        <p14:creationId xmlns:p14="http://schemas.microsoft.com/office/powerpoint/2010/main" val="1286891872"/>
+      </p:ext>
+    </p:extLst>
+  </p:cSld>
+  <p:clrMapOvr>
+    <a:masterClrMapping/>
+  </p:clrMapOvr>
+  <p:timing>
+    <p:tnLst>
+      <p:par>
+        <p:cTn id="1" dur="indefinite" restart="never" nodeType="tmRoot"/>
+      </p:par>
+    </p:tnLst>
+  </p:timing>
+</p:sld>
+</file>
+
+<file path=ppt/slides/slide30.xml><?xml version="1.0" encoding="utf-8"?>
 <p:sld xmlns:a="http://schemas.openxmlformats.org/drawingml/2006/main" xmlns:r="http://schemas.openxmlformats.org/officeDocument/2006/relationships" xmlns:p="http://schemas.openxmlformats.org/presentationml/2006/main" show="0">
   <p:cSld name="PPTLabsAcknowledgementSlide">
     <p:spTree>
@@ -18367,94 +24252,6 @@
       <p:transition spd="slow"/>
     </mc:Fallback>
   </mc:AlternateContent>
-  <p:timing>
-    <p:tnLst>
-      <p:par>
-        <p:cTn id="1" dur="indefinite" restart="never" nodeType="tmRoot"/>
-      </p:par>
-    </p:tnLst>
-  </p:timing>
-</p:sld>
-</file>
-
-<file path=ppt/slides/slide3.xml><?xml version="1.0" encoding="utf-8"?>
-<p:sld xmlns:a="http://schemas.openxmlformats.org/drawingml/2006/main" xmlns:r="http://schemas.openxmlformats.org/officeDocument/2006/relationships" xmlns:p="http://schemas.openxmlformats.org/presentationml/2006/main">
-  <p:cSld>
-    <p:spTree>
-      <p:nvGrpSpPr>
-        <p:cNvPr id="1" name=""/>
-        <p:cNvGrpSpPr/>
-        <p:nvPr/>
-      </p:nvGrpSpPr>
-      <p:grpSpPr>
-        <a:xfrm>
-          <a:off x="0" y="0"/>
-          <a:ext cx="0" cy="0"/>
-          <a:chOff x="0" y="0"/>
-          <a:chExt cx="0" cy="0"/>
-        </a:xfrm>
-      </p:grpSpPr>
-      <p:sp>
-        <p:nvSpPr>
-          <p:cNvPr id="2" name="Title 1"/>
-          <p:cNvSpPr>
-            <a:spLocks noGrp="1"/>
-          </p:cNvSpPr>
-          <p:nvPr>
-            <p:ph type="title"/>
-          </p:nvPr>
-        </p:nvSpPr>
-        <p:spPr/>
-        <p:txBody>
-          <a:bodyPr/>
-          <a:lstStyle/>
-          <a:p>
-            <a:r>
-              <a:rPr lang="en-US" dirty="0" smtClean="0"/>
-              <a:t>Highlight Points:: Highlight Text – Select Slide</a:t>
-            </a:r>
-            <a:endParaRPr lang="en-SG" dirty="0"/>
-          </a:p>
-        </p:txBody>
-      </p:sp>
-      <p:sp>
-        <p:nvSpPr>
-          <p:cNvPr id="4" name="Content Placeholder 2"/>
-          <p:cNvSpPr>
-            <a:spLocks noGrp="1"/>
-          </p:cNvSpPr>
-          <p:nvPr>
-            <p:ph idx="1"/>
-          </p:nvPr>
-        </p:nvSpPr>
-        <p:spPr>
-          <a:xfrm>
-            <a:off x="457200" y="3124200"/>
-            <a:ext cx="8229600" cy="3001963"/>
-          </a:xfrm>
-        </p:spPr>
-        <p:txBody>
-          <a:bodyPr/>
-          <a:lstStyle/>
-          <a:p>
-            <a:r>
-              <a:rPr lang="en-US" dirty="0" smtClean="0"/>
-              <a:t>Select the slide and click “Highlight Points”</a:t>
-            </a:r>
-            <a:endParaRPr lang="en-SG" dirty="0"/>
-          </a:p>
-        </p:txBody>
-      </p:sp>
-    </p:spTree>
-    <p:extLst>
-      <p:ext uri="{BB962C8B-B14F-4D97-AF65-F5344CB8AC3E}">
-        <p14:creationId xmlns:p14="http://schemas.microsoft.com/office/powerpoint/2010/main" val="1286891872"/>
-      </p:ext>
-    </p:extLst>
-  </p:cSld>
-  <p:clrMapOvr>
-    <a:masterClrMapping/>
-  </p:clrMapOvr>
   <p:timing>
     <p:tnLst>
       <p:par>
@@ -21590,15 +27387,129 @@
 </p:tagLst>
 </file>
 
+<file path=ppt/tags/tag24.xml><?xml version="1.0" encoding="utf-8"?>
+<p:tagLst xmlns:a="http://schemas.openxmlformats.org/drawingml/2006/main" xmlns:r="http://schemas.openxmlformats.org/officeDocument/2006/relationships" xmlns:p="http://schemas.openxmlformats.org/presentationml/2006/main">
+  <p:tag name="HIGHLIGHTBACKGROUND" val="HighlightBackgroundShape73075057-96f2-467a-9739-220ecca5ae94"/>
+</p:tagLst>
+</file>
+
+<file path=ppt/tags/tag25.xml><?xml version="1.0" encoding="utf-8"?>
+<p:tagLst xmlns:a="http://schemas.openxmlformats.org/drawingml/2006/main" xmlns:r="http://schemas.openxmlformats.org/officeDocument/2006/relationships" xmlns:p="http://schemas.openxmlformats.org/presentationml/2006/main">
+  <p:tag name="HIGHLIGHTBACKGROUND" val="HighlightBackgroundShape73075057-96f2-467a-9739-220ecca5ae94"/>
+</p:tagLst>
+</file>
+
+<file path=ppt/tags/tag26.xml><?xml version="1.0" encoding="utf-8"?>
+<p:tagLst xmlns:a="http://schemas.openxmlformats.org/drawingml/2006/main" xmlns:r="http://schemas.openxmlformats.org/officeDocument/2006/relationships" xmlns:p="http://schemas.openxmlformats.org/presentationml/2006/main">
+  <p:tag name="HIGHLIGHTBACKGROUND" val="HighlightBackgroundShape73075057-96f2-467a-9739-220ecca5ae94"/>
+</p:tagLst>
+</file>
+
+<file path=ppt/tags/tag27.xml><?xml version="1.0" encoding="utf-8"?>
+<p:tagLst xmlns:a="http://schemas.openxmlformats.org/drawingml/2006/main" xmlns:r="http://schemas.openxmlformats.org/officeDocument/2006/relationships" xmlns:p="http://schemas.openxmlformats.org/presentationml/2006/main">
+  <p:tag name="HIGHLIGHTBACKGROUND" val="HighlightBackgroundShape73075057-96f2-467a-9739-220ecca5ae94"/>
+</p:tagLst>
+</file>
+
+<file path=ppt/tags/tag28.xml><?xml version="1.0" encoding="utf-8"?>
+<p:tagLst xmlns:a="http://schemas.openxmlformats.org/drawingml/2006/main" xmlns:r="http://schemas.openxmlformats.org/officeDocument/2006/relationships" xmlns:p="http://schemas.openxmlformats.org/presentationml/2006/main">
+  <p:tag name="HIGHLIGHTBACKGROUND" val="HighlightBackgroundShape73075057-96f2-467a-9739-220ecca5ae94"/>
+</p:tagLst>
+</file>
+
+<file path=ppt/tags/tag29.xml><?xml version="1.0" encoding="utf-8"?>
+<p:tagLst xmlns:a="http://schemas.openxmlformats.org/drawingml/2006/main" xmlns:r="http://schemas.openxmlformats.org/officeDocument/2006/relationships" xmlns:p="http://schemas.openxmlformats.org/presentationml/2006/main">
+  <p:tag name="HIGHLIGHTBACKGROUND" val="HighlightBackgroundShape73075057-96f2-467a-9739-220ecca5ae94"/>
+</p:tagLst>
+</file>
+
 <file path=ppt/tags/tag3.xml><?xml version="1.0" encoding="utf-8"?>
 <p:tagLst xmlns:a="http://schemas.openxmlformats.org/drawingml/2006/main" xmlns:r="http://schemas.openxmlformats.org/officeDocument/2006/relationships" xmlns:p="http://schemas.openxmlformats.org/presentationml/2006/main">
   <p:tag name="HIGHLIGHTBACKGROUND" val="HighlightBackgroundShape961d3f1e-187d-4b94-8f93-1be85193a105"/>
 </p:tagLst>
 </file>
 
+<file path=ppt/tags/tag30.xml><?xml version="1.0" encoding="utf-8"?>
+<p:tagLst xmlns:a="http://schemas.openxmlformats.org/drawingml/2006/main" xmlns:r="http://schemas.openxmlformats.org/officeDocument/2006/relationships" xmlns:p="http://schemas.openxmlformats.org/presentationml/2006/main">
+  <p:tag name="HIGHLIGHTBACKGROUND" val="HighlightBackgroundShape73075057-96f2-467a-9739-220ecca5ae94"/>
+</p:tagLst>
+</file>
+
+<file path=ppt/tags/tag31.xml><?xml version="1.0" encoding="utf-8"?>
+<p:tagLst xmlns:a="http://schemas.openxmlformats.org/drawingml/2006/main" xmlns:r="http://schemas.openxmlformats.org/officeDocument/2006/relationships" xmlns:p="http://schemas.openxmlformats.org/presentationml/2006/main">
+  <p:tag name="HIGHLIGHTTEXTFRAGMENT" val="PPTLabsHighlightTextFragmentsShapef560e986-5733-437e-889b-5a50370d495c"/>
+</p:tagLst>
+</file>
+
+<file path=ppt/tags/tag32.xml><?xml version="1.0" encoding="utf-8"?>
+<p:tagLst xmlns:a="http://schemas.openxmlformats.org/drawingml/2006/main" xmlns:r="http://schemas.openxmlformats.org/officeDocument/2006/relationships" xmlns:p="http://schemas.openxmlformats.org/presentationml/2006/main">
+  <p:tag name="HIGHLIGHTTEXTFRAGMENT" val="PPTLabsHighlightTextFragmentsShape5dafe8db-bb16-4787-93f5-d40d86237947"/>
+</p:tagLst>
+</file>
+
+<file path=ppt/tags/tag33.xml><?xml version="1.0" encoding="utf-8"?>
+<p:tagLst xmlns:a="http://schemas.openxmlformats.org/drawingml/2006/main" xmlns:r="http://schemas.openxmlformats.org/officeDocument/2006/relationships" xmlns:p="http://schemas.openxmlformats.org/presentationml/2006/main">
+  <p:tag name="HIGHLIGHTTEXTFRAGMENT" val="PPTLabsHighlightTextFragmentsShapeffca0822-50bb-437f-982a-deb2b4f8c205"/>
+</p:tagLst>
+</file>
+
+<file path=ppt/tags/tag34.xml><?xml version="1.0" encoding="utf-8"?>
+<p:tagLst xmlns:a="http://schemas.openxmlformats.org/drawingml/2006/main" xmlns:r="http://schemas.openxmlformats.org/officeDocument/2006/relationships" xmlns:p="http://schemas.openxmlformats.org/presentationml/2006/main">
+  <p:tag name="HIGHLIGHTTEXTFRAGMENT" val="PPTLabsHighlightTextFragmentsShapea8e1a1fe-6afa-4cc1-bd33-8aab284f6778"/>
+</p:tagLst>
+</file>
+
+<file path=ppt/tags/tag35.xml><?xml version="1.0" encoding="utf-8"?>
+<p:tagLst xmlns:a="http://schemas.openxmlformats.org/drawingml/2006/main" xmlns:r="http://schemas.openxmlformats.org/officeDocument/2006/relationships" xmlns:p="http://schemas.openxmlformats.org/presentationml/2006/main">
+  <p:tag name="HIGHLIGHTTEXTFRAGMENT" val="PPTLabsHighlightTextFragmentsShapedfbef032-dc4f-4081-8a5a-2a30bf72c5ed"/>
+</p:tagLst>
+</file>
+
+<file path=ppt/tags/tag36.xml><?xml version="1.0" encoding="utf-8"?>
+<p:tagLst xmlns:a="http://schemas.openxmlformats.org/drawingml/2006/main" xmlns:r="http://schemas.openxmlformats.org/officeDocument/2006/relationships" xmlns:p="http://schemas.openxmlformats.org/presentationml/2006/main">
+  <p:tag name="HIGHLIGHTTEXTFRAGMENT" val="PPTLabsHighlightTextFragmentsShaped3190702-95da-4afd-8acf-a33bcd3b3049"/>
+</p:tagLst>
+</file>
+
+<file path=ppt/tags/tag37.xml><?xml version="1.0" encoding="utf-8"?>
+<p:tagLst xmlns:a="http://schemas.openxmlformats.org/drawingml/2006/main" xmlns:r="http://schemas.openxmlformats.org/officeDocument/2006/relationships" xmlns:p="http://schemas.openxmlformats.org/presentationml/2006/main">
+  <p:tag name="HIGHLIGHTTEXTFRAGMENT" val="PPTLabsHighlightTextFragmentsShape612a547e-b2ed-4186-842e-5e65f105cedf"/>
+</p:tagLst>
+</file>
+
+<file path=ppt/tags/tag38.xml><?xml version="1.0" encoding="utf-8"?>
+<p:tagLst xmlns:a="http://schemas.openxmlformats.org/drawingml/2006/main" xmlns:r="http://schemas.openxmlformats.org/officeDocument/2006/relationships" xmlns:p="http://schemas.openxmlformats.org/presentationml/2006/main">
+  <p:tag name="HIGHLIGHTTEXTFRAGMENT" val="PPTLabsHighlightTextFragmentsShapefb9dff23-56a0-4df4-bc80-a2ae39f63636"/>
+</p:tagLst>
+</file>
+
+<file path=ppt/tags/tag39.xml><?xml version="1.0" encoding="utf-8"?>
+<p:tagLst xmlns:a="http://schemas.openxmlformats.org/drawingml/2006/main" xmlns:r="http://schemas.openxmlformats.org/officeDocument/2006/relationships" xmlns:p="http://schemas.openxmlformats.org/presentationml/2006/main">
+  <p:tag name="HIGHLIGHTTEXTFRAGMENT" val="PPTLabsHighlightTextFragmentsShaped4609327-c4de-425d-9d68-02d35c05bf3d"/>
+</p:tagLst>
+</file>
+
 <file path=ppt/tags/tag4.xml><?xml version="1.0" encoding="utf-8"?>
 <p:tagLst xmlns:a="http://schemas.openxmlformats.org/drawingml/2006/main" xmlns:r="http://schemas.openxmlformats.org/officeDocument/2006/relationships" xmlns:p="http://schemas.openxmlformats.org/presentationml/2006/main">
   <p:tag name="HIGHLIGHTBACKGROUND" val="HighlightBackgroundShape961d3f1e-187d-4b94-8f93-1be85193a105"/>
+</p:tagLst>
+</file>
+
+<file path=ppt/tags/tag40.xml><?xml version="1.0" encoding="utf-8"?>
+<p:tagLst xmlns:a="http://schemas.openxmlformats.org/drawingml/2006/main" xmlns:r="http://schemas.openxmlformats.org/officeDocument/2006/relationships" xmlns:p="http://schemas.openxmlformats.org/presentationml/2006/main">
+  <p:tag name="HIGHLIGHTTEXTFRAGMENT" val="PPTLabsHighlightTextFragmentsShapeca68f108-b76c-4f17-bb50-14898e6f6c37"/>
+</p:tagLst>
+</file>
+
+<file path=ppt/tags/tag41.xml><?xml version="1.0" encoding="utf-8"?>
+<p:tagLst xmlns:a="http://schemas.openxmlformats.org/drawingml/2006/main" xmlns:r="http://schemas.openxmlformats.org/officeDocument/2006/relationships" xmlns:p="http://schemas.openxmlformats.org/presentationml/2006/main">
+  <p:tag name="HIGHLIGHTTEXTFRAGMENT" val="PPTLabsHighlightTextFragmentsShape082f0072-7ed0-4862-a311-6b03e9817ba5"/>
+</p:tagLst>
+</file>
+
+<file path=ppt/tags/tag42.xml><?xml version="1.0" encoding="utf-8"?>
+<p:tagLst xmlns:a="http://schemas.openxmlformats.org/drawingml/2006/main" xmlns:r="http://schemas.openxmlformats.org/officeDocument/2006/relationships" xmlns:p="http://schemas.openxmlformats.org/presentationml/2006/main">
+  <p:tag name="HIGHLIGHTTEXTFRAGMENT" val="PPTLabsHighlightTextFragmentsShaped9458b93-2132-4807-95c4-7952effabe04"/>
 </p:tagLst>
 </file>
 
@@ -22742,7 +28653,7 @@
   <a:extraClrSchemeLst/>
   <a:extLst>
     <a:ext uri="{05A4C25C-085E-4340-85A3-A5531E510DB2}">
-      <thm15:themeFamily xmlns:thm15="http://schemas.microsoft.com/office/thememl/2012/main" xmlns="" name="Office Theme" id="{62F939B6-93AF-4DB8-9C6B-D6C7DFDC589F}" vid="{4A3C46E8-61CC-4603-A589-7422A47A8E4A}"/>
+      <thm15:themeFamily xmlns:thm15="http://schemas.microsoft.com/office/thememl/2012/main" name="Office Theme" id="{62F939B6-93AF-4DB8-9C6B-D6C7DFDC589F}" vid="{4A3C46E8-61CC-4603-A589-7422A47A8E4A}"/>
     </a:ext>
   </a:extLst>
 </a:theme>

--- a/doc/test/HighlightPoints.pptx
+++ b/doc/test/HighlightPoints.pptx
@@ -7,7 +7,7 @@
     <p:sldMasterId id="2147483672" r:id="rId3"/>
   </p:sldMasterIdLst>
   <p:notesMasterIdLst>
-    <p:notesMasterId r:id="rId25"/>
+    <p:notesMasterId r:id="rId28"/>
   </p:notesMasterIdLst>
   <p:sldIdLst>
     <p:sldId id="287" r:id="rId4"/>
@@ -30,7 +30,10 @@
     <p:sldId id="323" r:id="rId21"/>
     <p:sldId id="324" r:id="rId22"/>
     <p:sldId id="329" r:id="rId23"/>
-    <p:sldId id="305" r:id="rId24"/>
+    <p:sldId id="334" r:id="rId24"/>
+    <p:sldId id="333" r:id="rId25"/>
+    <p:sldId id="335" r:id="rId26"/>
+    <p:sldId id="305" r:id="rId27"/>
   </p:sldIdLst>
   <p:sldSz cx="9144000" cy="6858000" type="screen4x3"/>
   <p:notesSz cx="6858000" cy="9144000"/>
@@ -158,13 +161,16 @@
             <p14:sldId id="323"/>
             <p14:sldId id="324"/>
             <p14:sldId id="329"/>
+            <p14:sldId id="334"/>
+            <p14:sldId id="333"/>
+            <p14:sldId id="335"/>
             <p14:sldId id="305"/>
           </p14:sldIdLst>
         </p14:section>
       </p14:sectionLst>
     </p:ext>
     <p:ext uri="{EFAFB233-063F-42B5-8137-9DF3F51BA10A}">
-      <p15:sldGuideLst xmlns:p15="http://schemas.microsoft.com/office/powerpoint/2012/main" xmlns="">
+      <p15:sldGuideLst xmlns:p15="http://schemas.microsoft.com/office/powerpoint/2012/main">
         <p15:guide id="1" orient="horz" pos="2160">
           <p15:clr>
             <a:srgbClr val="A4A3A4"/>
@@ -263,7 +269,7 @@
           <a:p>
             <a:fld id="{7B6B14F6-3F9A-43ED-BCC2-4547CC5017BD}" type="datetimeFigureOut">
               <a:rPr lang="en-SG" smtClean="0"/>
-              <a:t>19/6/2015</a:t>
+              <a:t>2/7/2017</a:t>
             </a:fld>
             <a:endParaRPr lang="en-SG"/>
           </a:p>
@@ -712,7 +718,7 @@
           <a:p>
             <a:fld id="{699DC775-C286-4358-8C92-D7E584E969B3}" type="datetimeFigureOut">
               <a:rPr lang="en-US" smtClean="0"/>
-              <a:t>19-Jun-15</a:t>
+              <a:t>2/7/2017</a:t>
             </a:fld>
             <a:endParaRPr lang="en-US"/>
           </a:p>
@@ -882,7 +888,7 @@
           <a:p>
             <a:fld id="{699DC775-C286-4358-8C92-D7E584E969B3}" type="datetimeFigureOut">
               <a:rPr lang="en-US" smtClean="0"/>
-              <a:t>19-Jun-15</a:t>
+              <a:t>2/7/2017</a:t>
             </a:fld>
             <a:endParaRPr lang="en-US"/>
           </a:p>
@@ -1062,7 +1068,7 @@
           <a:p>
             <a:fld id="{699DC775-C286-4358-8C92-D7E584E969B3}" type="datetimeFigureOut">
               <a:rPr lang="en-US" smtClean="0"/>
-              <a:t>19-Jun-15</a:t>
+              <a:t>2/7/2017</a:t>
             </a:fld>
             <a:endParaRPr lang="en-US"/>
           </a:p>
@@ -1304,7 +1310,7 @@
           <a:p>
             <a:fld id="{699DC775-C286-4358-8C92-D7E584E969B3}" type="datetimeFigureOut">
               <a:rPr lang="en-US" smtClean="0"/>
-              <a:t>19-Jun-15</a:t>
+              <a:t>2/7/2017</a:t>
             </a:fld>
             <a:endParaRPr lang="en-US"/>
           </a:p>
@@ -1474,7 +1480,7 @@
           <a:p>
             <a:fld id="{699DC775-C286-4358-8C92-D7E584E969B3}" type="datetimeFigureOut">
               <a:rPr lang="en-US" smtClean="0"/>
-              <a:t>19-Jun-15</a:t>
+              <a:t>2/7/2017</a:t>
             </a:fld>
             <a:endParaRPr lang="en-US"/>
           </a:p>
@@ -1720,7 +1726,7 @@
           <a:p>
             <a:fld id="{699DC775-C286-4358-8C92-D7E584E969B3}" type="datetimeFigureOut">
               <a:rPr lang="en-US" smtClean="0"/>
-              <a:t>19-Jun-15</a:t>
+              <a:t>2/7/2017</a:t>
             </a:fld>
             <a:endParaRPr lang="en-US"/>
           </a:p>
@@ -2008,7 +2014,7 @@
           <a:p>
             <a:fld id="{699DC775-C286-4358-8C92-D7E584E969B3}" type="datetimeFigureOut">
               <a:rPr lang="en-US" smtClean="0"/>
-              <a:t>19-Jun-15</a:t>
+              <a:t>2/7/2017</a:t>
             </a:fld>
             <a:endParaRPr lang="en-US"/>
           </a:p>
@@ -2430,7 +2436,7 @@
           <a:p>
             <a:fld id="{699DC775-C286-4358-8C92-D7E584E969B3}" type="datetimeFigureOut">
               <a:rPr lang="en-US" smtClean="0"/>
-              <a:t>19-Jun-15</a:t>
+              <a:t>2/7/2017</a:t>
             </a:fld>
             <a:endParaRPr lang="en-US"/>
           </a:p>
@@ -2548,7 +2554,7 @@
           <a:p>
             <a:fld id="{699DC775-C286-4358-8C92-D7E584E969B3}" type="datetimeFigureOut">
               <a:rPr lang="en-US" smtClean="0"/>
-              <a:t>19-Jun-15</a:t>
+              <a:t>2/7/2017</a:t>
             </a:fld>
             <a:endParaRPr lang="en-US"/>
           </a:p>
@@ -2643,7 +2649,7 @@
           <a:p>
             <a:fld id="{699DC775-C286-4358-8C92-D7E584E969B3}" type="datetimeFigureOut">
               <a:rPr lang="en-US" smtClean="0"/>
-              <a:t>19-Jun-15</a:t>
+              <a:t>2/7/2017</a:t>
             </a:fld>
             <a:endParaRPr lang="en-US"/>
           </a:p>
@@ -2920,7 +2926,7 @@
           <a:p>
             <a:fld id="{699DC775-C286-4358-8C92-D7E584E969B3}" type="datetimeFigureOut">
               <a:rPr lang="en-US" smtClean="0"/>
-              <a:t>19-Jun-15</a:t>
+              <a:t>2/7/2017</a:t>
             </a:fld>
             <a:endParaRPr lang="en-US"/>
           </a:p>
@@ -3090,7 +3096,7 @@
           <a:p>
             <a:fld id="{699DC775-C286-4358-8C92-D7E584E969B3}" type="datetimeFigureOut">
               <a:rPr lang="en-US" smtClean="0"/>
-              <a:t>19-Jun-15</a:t>
+              <a:t>2/7/2017</a:t>
             </a:fld>
             <a:endParaRPr lang="en-US"/>
           </a:p>
@@ -3343,7 +3349,7 @@
           <a:p>
             <a:fld id="{699DC775-C286-4358-8C92-D7E584E969B3}" type="datetimeFigureOut">
               <a:rPr lang="en-US" smtClean="0"/>
-              <a:t>19-Jun-15</a:t>
+              <a:t>2/7/2017</a:t>
             </a:fld>
             <a:endParaRPr lang="en-US"/>
           </a:p>
@@ -3513,7 +3519,7 @@
           <a:p>
             <a:fld id="{699DC775-C286-4358-8C92-D7E584E969B3}" type="datetimeFigureOut">
               <a:rPr lang="en-US" smtClean="0"/>
-              <a:t>19-Jun-15</a:t>
+              <a:t>2/7/2017</a:t>
             </a:fld>
             <a:endParaRPr lang="en-US"/>
           </a:p>
@@ -3693,7 +3699,7 @@
           <a:p>
             <a:fld id="{699DC775-C286-4358-8C92-D7E584E969B3}" type="datetimeFigureOut">
               <a:rPr lang="en-US" smtClean="0"/>
-              <a:t>19-Jun-15</a:t>
+              <a:t>2/7/2017</a:t>
             </a:fld>
             <a:endParaRPr lang="en-US"/>
           </a:p>
@@ -3943,7 +3949,7 @@
           <a:p>
             <a:fld id="{699DC775-C286-4358-8C92-D7E584E969B3}" type="datetimeFigureOut">
               <a:rPr lang="en-US" smtClean="0"/>
-              <a:t>19-Jun-15</a:t>
+              <a:t>2/7/2017</a:t>
             </a:fld>
             <a:endParaRPr lang="en-US"/>
           </a:p>
@@ -4121,7 +4127,7 @@
           <a:p>
             <a:fld id="{699DC775-C286-4358-8C92-D7E584E969B3}" type="datetimeFigureOut">
               <a:rPr lang="en-US" smtClean="0"/>
-              <a:t>19-Jun-15</a:t>
+              <a:t>2/7/2017</a:t>
             </a:fld>
             <a:endParaRPr lang="en-US"/>
           </a:p>
@@ -4375,7 +4381,7 @@
           <a:p>
             <a:fld id="{699DC775-C286-4358-8C92-D7E584E969B3}" type="datetimeFigureOut">
               <a:rPr lang="en-US" smtClean="0"/>
-              <a:t>19-Jun-15</a:t>
+              <a:t>2/7/2017</a:t>
             </a:fld>
             <a:endParaRPr lang="en-US"/>
           </a:p>
@@ -4671,7 +4677,7 @@
           <a:p>
             <a:fld id="{699DC775-C286-4358-8C92-D7E584E969B3}" type="datetimeFigureOut">
               <a:rPr lang="en-US" smtClean="0"/>
-              <a:t>19-Jun-15</a:t>
+              <a:t>2/7/2017</a:t>
             </a:fld>
             <a:endParaRPr lang="en-US"/>
           </a:p>
@@ -5101,7 +5107,7 @@
           <a:p>
             <a:fld id="{699DC775-C286-4358-8C92-D7E584E969B3}" type="datetimeFigureOut">
               <a:rPr lang="en-US" smtClean="0"/>
-              <a:t>19-Jun-15</a:t>
+              <a:t>2/7/2017</a:t>
             </a:fld>
             <a:endParaRPr lang="en-US"/>
           </a:p>
@@ -5227,7 +5233,7 @@
           <a:p>
             <a:fld id="{699DC775-C286-4358-8C92-D7E584E969B3}" type="datetimeFigureOut">
               <a:rPr lang="en-US" smtClean="0"/>
-              <a:t>19-Jun-15</a:t>
+              <a:t>2/7/2017</a:t>
             </a:fld>
             <a:endParaRPr lang="en-US"/>
           </a:p>
@@ -5330,7 +5336,7 @@
           <a:p>
             <a:fld id="{699DC775-C286-4358-8C92-D7E584E969B3}" type="datetimeFigureOut">
               <a:rPr lang="en-US" smtClean="0"/>
-              <a:t>19-Jun-15</a:t>
+              <a:t>2/7/2017</a:t>
             </a:fld>
             <a:endParaRPr lang="en-US"/>
           </a:p>
@@ -5576,7 +5582,7 @@
           <a:p>
             <a:fld id="{699DC775-C286-4358-8C92-D7E584E969B3}" type="datetimeFigureOut">
               <a:rPr lang="en-US" smtClean="0"/>
-              <a:t>19-Jun-15</a:t>
+              <a:t>2/7/2017</a:t>
             </a:fld>
             <a:endParaRPr lang="en-US"/>
           </a:p>
@@ -5861,7 +5867,7 @@
           <a:p>
             <a:fld id="{699DC775-C286-4358-8C92-D7E584E969B3}" type="datetimeFigureOut">
               <a:rPr lang="en-US" smtClean="0"/>
-              <a:t>19-Jun-15</a:t>
+              <a:t>2/7/2017</a:t>
             </a:fld>
             <a:endParaRPr lang="en-US"/>
           </a:p>
@@ -6122,7 +6128,7 @@
           <a:p>
             <a:fld id="{699DC775-C286-4358-8C92-D7E584E969B3}" type="datetimeFigureOut">
               <a:rPr lang="en-US" smtClean="0"/>
-              <a:t>19-Jun-15</a:t>
+              <a:t>2/7/2017</a:t>
             </a:fld>
             <a:endParaRPr lang="en-US"/>
           </a:p>
@@ -6300,7 +6306,7 @@
           <a:p>
             <a:fld id="{699DC775-C286-4358-8C92-D7E584E969B3}" type="datetimeFigureOut">
               <a:rPr lang="en-US" smtClean="0"/>
-              <a:t>19-Jun-15</a:t>
+              <a:t>2/7/2017</a:t>
             </a:fld>
             <a:endParaRPr lang="en-US"/>
           </a:p>
@@ -6488,7 +6494,7 @@
           <a:p>
             <a:fld id="{699DC775-C286-4358-8C92-D7E584E969B3}" type="datetimeFigureOut">
               <a:rPr lang="en-US" smtClean="0"/>
-              <a:t>19-Jun-15</a:t>
+              <a:t>2/7/2017</a:t>
             </a:fld>
             <a:endParaRPr lang="en-US"/>
           </a:p>
@@ -6776,7 +6782,7 @@
           <a:p>
             <a:fld id="{699DC775-C286-4358-8C92-D7E584E969B3}" type="datetimeFigureOut">
               <a:rPr lang="en-US" smtClean="0"/>
-              <a:t>19-Jun-15</a:t>
+              <a:t>2/7/2017</a:t>
             </a:fld>
             <a:endParaRPr lang="en-US"/>
           </a:p>
@@ -7198,7 +7204,7 @@
           <a:p>
             <a:fld id="{699DC775-C286-4358-8C92-D7E584E969B3}" type="datetimeFigureOut">
               <a:rPr lang="en-US" smtClean="0"/>
-              <a:t>19-Jun-15</a:t>
+              <a:t>2/7/2017</a:t>
             </a:fld>
             <a:endParaRPr lang="en-US"/>
           </a:p>
@@ -7316,7 +7322,7 @@
           <a:p>
             <a:fld id="{699DC775-C286-4358-8C92-D7E584E969B3}" type="datetimeFigureOut">
               <a:rPr lang="en-US" smtClean="0"/>
-              <a:t>19-Jun-15</a:t>
+              <a:t>2/7/2017</a:t>
             </a:fld>
             <a:endParaRPr lang="en-US"/>
           </a:p>
@@ -7411,7 +7417,7 @@
           <a:p>
             <a:fld id="{699DC775-C286-4358-8C92-D7E584E969B3}" type="datetimeFigureOut">
               <a:rPr lang="en-US" smtClean="0"/>
-              <a:t>19-Jun-15</a:t>
+              <a:t>2/7/2017</a:t>
             </a:fld>
             <a:endParaRPr lang="en-US"/>
           </a:p>
@@ -7688,7 +7694,7 @@
           <a:p>
             <a:fld id="{699DC775-C286-4358-8C92-D7E584E969B3}" type="datetimeFigureOut">
               <a:rPr lang="en-US" smtClean="0"/>
-              <a:t>19-Jun-15</a:t>
+              <a:t>2/7/2017</a:t>
             </a:fld>
             <a:endParaRPr lang="en-US"/>
           </a:p>
@@ -7941,7 +7947,7 @@
           <a:p>
             <a:fld id="{699DC775-C286-4358-8C92-D7E584E969B3}" type="datetimeFigureOut">
               <a:rPr lang="en-US" smtClean="0"/>
-              <a:t>19-Jun-15</a:t>
+              <a:t>2/7/2017</a:t>
             </a:fld>
             <a:endParaRPr lang="en-US"/>
           </a:p>
@@ -8154,7 +8160,7 @@
           <a:p>
             <a:fld id="{699DC775-C286-4358-8C92-D7E584E969B3}" type="datetimeFigureOut">
               <a:rPr lang="en-US" smtClean="0"/>
-              <a:t>19-Jun-15</a:t>
+              <a:t>2/7/2017</a:t>
             </a:fld>
             <a:endParaRPr lang="en-US"/>
           </a:p>
@@ -8669,7 +8675,7 @@
           <a:p>
             <a:fld id="{699DC775-C286-4358-8C92-D7E584E969B3}" type="datetimeFigureOut">
               <a:rPr lang="en-US" smtClean="0"/>
-              <a:t>19-Jun-15</a:t>
+              <a:t>2/7/2017</a:t>
             </a:fld>
             <a:endParaRPr lang="en-US"/>
           </a:p>
@@ -9182,7 +9188,7 @@
           <a:p>
             <a:fld id="{699DC775-C286-4358-8C92-D7E584E969B3}" type="datetimeFigureOut">
               <a:rPr lang="en-US" smtClean="0"/>
-              <a:t>19-Jun-15</a:t>
+              <a:t>2/7/2017</a:t>
             </a:fld>
             <a:endParaRPr lang="en-US"/>
           </a:p>
@@ -18303,6 +18309,951 @@
 </file>
 
 <file path=ppt/slides/slide21.xml><?xml version="1.0" encoding="utf-8"?>
+<p:sld xmlns:a="http://schemas.openxmlformats.org/drawingml/2006/main" xmlns:r="http://schemas.openxmlformats.org/officeDocument/2006/relationships" xmlns:p="http://schemas.openxmlformats.org/presentationml/2006/main">
+  <p:cSld>
+    <p:spTree>
+      <p:nvGrpSpPr>
+        <p:cNvPr id="1" name=""/>
+        <p:cNvGrpSpPr/>
+        <p:nvPr/>
+      </p:nvGrpSpPr>
+      <p:grpSpPr>
+        <a:xfrm>
+          <a:off x="0" y="0"/>
+          <a:ext cx="0" cy="0"/>
+          <a:chOff x="0" y="0"/>
+          <a:chExt cx="0" cy="0"/>
+        </a:xfrm>
+      </p:grpSpPr>
+      <p:sp>
+        <p:nvSpPr>
+          <p:cNvPr id="2" name="Title 1"/>
+          <p:cNvSpPr>
+            <a:spLocks noGrp="1"/>
+          </p:cNvSpPr>
+          <p:nvPr>
+            <p:ph type="title"/>
+          </p:nvPr>
+        </p:nvSpPr>
+        <p:spPr/>
+        <p:txBody>
+          <a:bodyPr/>
+          <a:lstStyle/>
+          <a:p>
+            <a:r>
+              <a:rPr lang="en-US" dirty="0"/>
+              <a:t>Highlight Points:: Highlight </a:t>
+            </a:r>
+            <a:r>
+              <a:rPr lang="en-US" dirty="0" smtClean="0"/>
+              <a:t>Points </a:t>
+            </a:r>
+            <a:r>
+              <a:rPr lang="en-US" dirty="0" smtClean="0"/>
+              <a:t>– Select </a:t>
+            </a:r>
+            <a:r>
+              <a:rPr lang="en-US" dirty="0" smtClean="0"/>
+              <a:t>End of Text</a:t>
+            </a:r>
+            <a:endParaRPr lang="en-SG" dirty="0"/>
+          </a:p>
+        </p:txBody>
+      </p:sp>
+      <p:sp>
+        <p:nvSpPr>
+          <p:cNvPr id="4" name="Content Placeholder 2"/>
+          <p:cNvSpPr>
+            <a:spLocks noGrp="1"/>
+          </p:cNvSpPr>
+          <p:nvPr>
+            <p:ph idx="1"/>
+          </p:nvPr>
+        </p:nvSpPr>
+        <p:spPr>
+          <a:xfrm>
+            <a:off x="457200" y="3124200"/>
+            <a:ext cx="8229600" cy="3001963"/>
+          </a:xfrm>
+        </p:spPr>
+        <p:txBody>
+          <a:bodyPr/>
+          <a:lstStyle/>
+          <a:p>
+            <a:r>
+              <a:rPr lang="en-US" dirty="0" smtClean="0"/>
+              <a:t>Move the cursor to the end of </a:t>
+            </a:r>
+            <a:r>
+              <a:rPr lang="en-US" dirty="0" smtClean="0"/>
+              <a:t>the </a:t>
+            </a:r>
+            <a:r>
+              <a:rPr lang="en-US" dirty="0" smtClean="0"/>
+              <a:t>text box and click “Highlight </a:t>
+            </a:r>
+            <a:r>
+              <a:rPr lang="en-US" dirty="0" smtClean="0"/>
+              <a:t>Points”</a:t>
+            </a:r>
+            <a:endParaRPr lang="en-SG" dirty="0"/>
+          </a:p>
+        </p:txBody>
+      </p:sp>
+    </p:spTree>
+    <p:extLst>
+      <p:ext uri="{BB962C8B-B14F-4D97-AF65-F5344CB8AC3E}">
+        <p14:creationId xmlns:p14="http://schemas.microsoft.com/office/powerpoint/2010/main" val="1166666162"/>
+      </p:ext>
+    </p:extLst>
+  </p:cSld>
+  <p:clrMapOvr>
+    <a:masterClrMapping/>
+  </p:clrMapOvr>
+  <p:timing>
+    <p:tnLst>
+      <p:par>
+        <p:cTn id="1" dur="indefinite" restart="never" nodeType="tmRoot"/>
+      </p:par>
+    </p:tnLst>
+  </p:timing>
+</p:sld>
+</file>
+
+<file path=ppt/slides/slide22.xml><?xml version="1.0" encoding="utf-8"?>
+<p:sld xmlns:a="http://schemas.openxmlformats.org/drawingml/2006/main" xmlns:r="http://schemas.openxmlformats.org/officeDocument/2006/relationships" xmlns:p="http://schemas.openxmlformats.org/presentationml/2006/main">
+  <p:cSld>
+    <p:spTree>
+      <p:nvGrpSpPr>
+        <p:cNvPr id="1" name=""/>
+        <p:cNvGrpSpPr/>
+        <p:nvPr/>
+      </p:nvGrpSpPr>
+      <p:grpSpPr>
+        <a:xfrm>
+          <a:off x="0" y="0"/>
+          <a:ext cx="0" cy="0"/>
+          <a:chOff x="0" y="0"/>
+          <a:chExt cx="0" cy="0"/>
+        </a:xfrm>
+      </p:grpSpPr>
+      <p:sp>
+        <p:nvSpPr>
+          <p:cNvPr id="3" name="Rectangle 4"/>
+          <p:cNvSpPr/>
+          <p:nvPr/>
+        </p:nvSpPr>
+        <p:spPr>
+          <a:xfrm>
+            <a:off x="0" y="2286000"/>
+            <a:ext cx="9144000" cy="2209800"/>
+          </a:xfrm>
+          <a:prstGeom prst="rect">
+            <a:avLst/>
+          </a:prstGeom>
+          <a:solidFill>
+            <a:srgbClr val="002060"/>
+          </a:solidFill>
+        </p:spPr>
+        <p:style>
+          <a:lnRef idx="2">
+            <a:schemeClr val="accent1">
+              <a:shade val="50000"/>
+            </a:schemeClr>
+          </a:lnRef>
+          <a:fillRef idx="1">
+            <a:schemeClr val="accent1"/>
+          </a:fillRef>
+          <a:effectRef idx="0">
+            <a:schemeClr val="accent1"/>
+          </a:effectRef>
+          <a:fontRef idx="minor">
+            <a:schemeClr val="lt1"/>
+          </a:fontRef>
+        </p:style>
+        <p:txBody>
+          <a:bodyPr rtlCol="0" anchor="ctr"/>
+          <a:lstStyle/>
+          <a:p>
+            <a:pPr algn="ctr"/>
+            <a:endParaRPr lang="en-US"/>
+          </a:p>
+        </p:txBody>
+      </p:sp>
+      <p:sp>
+        <p:nvSpPr>
+          <p:cNvPr id="2" name="First Textbox"/>
+          <p:cNvSpPr txBox="1"/>
+          <p:nvPr/>
+        </p:nvSpPr>
+        <p:spPr>
+          <a:xfrm>
+            <a:off x="762000" y="533400"/>
+            <a:ext cx="7620000" cy="5909310"/>
+          </a:xfrm>
+          <a:prstGeom prst="rect">
+            <a:avLst/>
+          </a:prstGeom>
+          <a:noFill/>
+        </p:spPr>
+        <p:txBody>
+          <a:bodyPr wrap="square" rtlCol="0">
+            <a:spAutoFit/>
+          </a:bodyPr>
+          <a:lstStyle/>
+          <a:p>
+            <a:pPr marL="285750" indent="-285750">
+              <a:buFont typeface="Arial" panose="020B0604020202020204" pitchFamily="34" charset="0"/>
+              <a:buChar char="•"/>
+            </a:pPr>
+            <a:r>
+              <a:rPr lang="en-US" sz="2800" dirty="0" smtClean="0"/>
+              <a:t>Test - Non-ABC: 1234567890!@#$%^&amp;*()</a:t>
+            </a:r>
+          </a:p>
+          <a:p>
+            <a:r>
+              <a:rPr lang="en-US" sz="2800" dirty="0"/>
+              <a:t>Test </a:t>
+            </a:r>
+            <a:r>
+              <a:rPr lang="en-US" sz="2800" dirty="0" smtClean="0"/>
+              <a:t>– No bullet point</a:t>
+            </a:r>
+            <a:endParaRPr lang="en-US" sz="2800" dirty="0"/>
+          </a:p>
+          <a:p>
+            <a:pPr marL="514350" indent="-514350">
+              <a:buFont typeface="+mj-lt"/>
+              <a:buAutoNum type="arabicPeriod"/>
+            </a:pPr>
+            <a:r>
+              <a:rPr lang="en-US" sz="2800" dirty="0"/>
+              <a:t>Test – </a:t>
+            </a:r>
+            <a:r>
+              <a:rPr lang="en-US" sz="2800" dirty="0" smtClean="0"/>
+              <a:t>Different bullet point</a:t>
+            </a:r>
+          </a:p>
+          <a:p>
+            <a:pPr marL="285750" indent="-285750">
+              <a:buFont typeface="Arial" panose="020B0604020202020204" pitchFamily="34" charset="0"/>
+              <a:buChar char="•"/>
+            </a:pPr>
+            <a:r>
+              <a:rPr lang="en-US" sz="2800" dirty="0" smtClean="0">
+                <a:latin typeface="Times New Roman" panose="02020603050405020304" pitchFamily="18" charset="0"/>
+                <a:cs typeface="Times New Roman" panose="02020603050405020304" pitchFamily="18" charset="0"/>
+              </a:rPr>
+              <a:t>Test - Another Font Family, using Times New Roman</a:t>
+            </a:r>
+          </a:p>
+          <a:p>
+            <a:pPr marL="285750" indent="-285750">
+              <a:buFont typeface="Arial" panose="020B0604020202020204" pitchFamily="34" charset="0"/>
+              <a:buChar char="•"/>
+            </a:pPr>
+            <a:r>
+              <a:rPr lang="en-US" sz="1000" dirty="0" smtClean="0"/>
+              <a:t>Test - very small content. Test: very small content. Test: very small content. Test: very small content</a:t>
+            </a:r>
+          </a:p>
+          <a:p>
+            <a:pPr marL="285750" indent="-285750">
+              <a:buFont typeface="Arial" panose="020B0604020202020204" pitchFamily="34" charset="0"/>
+              <a:buChar char="•"/>
+            </a:pPr>
+            <a:r>
+              <a:rPr lang="en-US" sz="6600" dirty="0" smtClean="0">
+                <a:latin typeface="Arial Black" panose="020B0A04020102020204" pitchFamily="34" charset="0"/>
+              </a:rPr>
+              <a:t>Test - very big</a:t>
+            </a:r>
+          </a:p>
+          <a:p>
+            <a:pPr marL="285750" indent="-285750">
+              <a:buFont typeface="Arial" panose="020B0604020202020204" pitchFamily="34" charset="0"/>
+              <a:buChar char="•"/>
+            </a:pPr>
+            <a:r>
+              <a:rPr lang="en-US" sz="3600" dirty="0" smtClean="0"/>
+              <a:t>Test – Long sentence: </a:t>
+            </a:r>
+            <a:r>
+              <a:rPr lang="en-US" sz="3600" dirty="0" err="1" smtClean="0"/>
+              <a:t>Asdddd</a:t>
+            </a:r>
+            <a:r>
+              <a:rPr lang="en-US" sz="3600" dirty="0" smtClean="0"/>
+              <a:t> </a:t>
+            </a:r>
+            <a:r>
+              <a:rPr lang="en-US" sz="3600" dirty="0" err="1" smtClean="0"/>
+              <a:t>ddd</a:t>
+            </a:r>
+            <a:r>
+              <a:rPr lang="en-US" sz="3600" dirty="0" smtClean="0"/>
+              <a:t> </a:t>
+            </a:r>
+            <a:r>
+              <a:rPr lang="en-US" sz="3600" dirty="0" err="1" smtClean="0"/>
+              <a:t>dd</a:t>
+            </a:r>
+            <a:r>
+              <a:rPr lang="en-US" sz="3600" dirty="0" smtClean="0"/>
+              <a:t> d </a:t>
+            </a:r>
+            <a:r>
+              <a:rPr lang="en-US" sz="3600" dirty="0" err="1" smtClean="0"/>
+              <a:t>ddddd</a:t>
+            </a:r>
+            <a:r>
+              <a:rPr lang="en-US" sz="3600" dirty="0" smtClean="0"/>
+              <a:t> </a:t>
+            </a:r>
+            <a:r>
+              <a:rPr lang="en-US" sz="3600" dirty="0" err="1" smtClean="0"/>
+              <a:t>ddd</a:t>
+            </a:r>
+            <a:r>
+              <a:rPr lang="en-US" sz="3600" dirty="0" smtClean="0"/>
+              <a:t> </a:t>
+            </a:r>
+            <a:r>
+              <a:rPr lang="en-US" sz="3600" dirty="0" err="1" smtClean="0"/>
+              <a:t>ddd</a:t>
+            </a:r>
+            <a:r>
+              <a:rPr lang="en-US" sz="3600" dirty="0" smtClean="0"/>
+              <a:t> </a:t>
+            </a:r>
+            <a:r>
+              <a:rPr lang="en-US" sz="3600" dirty="0" err="1" smtClean="0"/>
+              <a:t>ddd</a:t>
+            </a:r>
+            <a:r>
+              <a:rPr lang="en-US" sz="3600" dirty="0" smtClean="0"/>
+              <a:t> </a:t>
+            </a:r>
+            <a:r>
+              <a:rPr lang="en-US" sz="3600" dirty="0" err="1" smtClean="0"/>
+              <a:t>ddd</a:t>
+            </a:r>
+            <a:r>
+              <a:rPr lang="en-US" sz="3600" dirty="0" smtClean="0"/>
+              <a:t> </a:t>
+            </a:r>
+            <a:r>
+              <a:rPr lang="en-US" sz="3600" dirty="0" err="1" smtClean="0"/>
+              <a:t>ddd</a:t>
+            </a:r>
+            <a:r>
+              <a:rPr lang="en-US" sz="3600" dirty="0" smtClean="0"/>
+              <a:t> </a:t>
+            </a:r>
+            <a:r>
+              <a:rPr lang="en-US" sz="3600" dirty="0" err="1" smtClean="0"/>
+              <a:t>ddd</a:t>
+            </a:r>
+            <a:r>
+              <a:rPr lang="en-US" sz="3600" dirty="0" smtClean="0"/>
+              <a:t> </a:t>
+            </a:r>
+            <a:r>
+              <a:rPr lang="en-US" sz="3600" dirty="0" err="1" smtClean="0"/>
+              <a:t>ddd</a:t>
+            </a:r>
+            <a:r>
+              <a:rPr lang="en-US" sz="3600" dirty="0" smtClean="0"/>
+              <a:t> </a:t>
+            </a:r>
+            <a:r>
+              <a:rPr lang="en-US" sz="3600" dirty="0" err="1" smtClean="0"/>
+              <a:t>dddddd</a:t>
+            </a:r>
+            <a:r>
+              <a:rPr lang="en-US" sz="3600" dirty="0" smtClean="0"/>
+              <a:t> </a:t>
+            </a:r>
+            <a:r>
+              <a:rPr lang="en-US" sz="3600" dirty="0" err="1" smtClean="0"/>
+              <a:t>dd</a:t>
+            </a:r>
+            <a:r>
+              <a:rPr lang="en-US" sz="3600" dirty="0" smtClean="0"/>
+              <a:t> </a:t>
+            </a:r>
+            <a:r>
+              <a:rPr lang="en-US" sz="3600" dirty="0" err="1" smtClean="0"/>
+              <a:t>ddd</a:t>
+            </a:r>
+            <a:r>
+              <a:rPr lang="en-US" sz="3600" dirty="0" smtClean="0"/>
+              <a:t> </a:t>
+            </a:r>
+            <a:r>
+              <a:rPr lang="en-US" sz="3600" dirty="0" err="1" smtClean="0"/>
+              <a:t>ddddd</a:t>
+            </a:r>
+            <a:r>
+              <a:rPr lang="en-US" sz="3600" dirty="0" smtClean="0"/>
+              <a:t> </a:t>
+            </a:r>
+            <a:r>
+              <a:rPr lang="en-US" sz="3600" dirty="0" err="1" smtClean="0"/>
+              <a:t>dd</a:t>
+            </a:r>
+            <a:r>
+              <a:rPr lang="en-US" sz="3600" dirty="0" smtClean="0"/>
+              <a:t> </a:t>
+            </a:r>
+            <a:r>
+              <a:rPr lang="en-US" sz="3600" dirty="0" err="1" smtClean="0"/>
+              <a:t>dd</a:t>
+            </a:r>
+            <a:r>
+              <a:rPr lang="en-US" sz="3600" dirty="0" smtClean="0"/>
+              <a:t> d </a:t>
+            </a:r>
+            <a:r>
+              <a:rPr lang="en-US" sz="3600" dirty="0" err="1" smtClean="0"/>
+              <a:t>ddd</a:t>
+            </a:r>
+            <a:r>
+              <a:rPr lang="en-US" sz="3600" dirty="0" smtClean="0"/>
+              <a:t> </a:t>
+            </a:r>
+            <a:r>
+              <a:rPr lang="en-US" sz="3600" dirty="0" err="1" smtClean="0"/>
+              <a:t>ddd</a:t>
+            </a:r>
+            <a:endParaRPr lang="en-US" sz="3600" dirty="0" smtClean="0"/>
+          </a:p>
+          <a:p>
+            <a:pPr marL="285750" indent="-285750">
+              <a:buFont typeface="Arial" panose="020B0604020202020204" pitchFamily="34" charset="0"/>
+              <a:buChar char="•"/>
+            </a:pPr>
+            <a:r>
+              <a:rPr lang="en-US" altLang="zh-CN" dirty="0" smtClean="0"/>
+              <a:t>Test – Chinese Characters: </a:t>
+            </a:r>
+            <a:r>
+              <a:rPr lang="zh-CN" altLang="en-US" dirty="0" smtClean="0"/>
+              <a:t>阿</a:t>
+            </a:r>
+            <a:r>
+              <a:rPr lang="zh-CN" altLang="en-US" dirty="0"/>
+              <a:t>斯</a:t>
+            </a:r>
+            <a:r>
+              <a:rPr lang="zh-CN" altLang="en-US" dirty="0" smtClean="0"/>
+              <a:t>顿啊盛大速度啊盛大速度啊盛大速度</a:t>
+            </a:r>
+            <a:endParaRPr lang="en-SG" dirty="0"/>
+          </a:p>
+        </p:txBody>
+      </p:sp>
+    </p:spTree>
+    <p:extLst>
+      <p:ext uri="{BB962C8B-B14F-4D97-AF65-F5344CB8AC3E}">
+        <p14:creationId xmlns:p14="http://schemas.microsoft.com/office/powerpoint/2010/main" val="2096991230"/>
+      </p:ext>
+    </p:extLst>
+  </p:cSld>
+  <p:clrMapOvr>
+    <a:masterClrMapping/>
+  </p:clrMapOvr>
+  <p:transition spd="slow">
+    <p:push dir="u"/>
+  </p:transition>
+  <p:timing>
+    <p:tnLst>
+      <p:par>
+        <p:cTn id="1" dur="indefinite" restart="never" nodeType="tmRoot"/>
+      </p:par>
+    </p:tnLst>
+  </p:timing>
+</p:sld>
+</file>
+
+<file path=ppt/slides/slide23.xml><?xml version="1.0" encoding="utf-8"?>
+<p:sld xmlns:a="http://schemas.openxmlformats.org/drawingml/2006/main" xmlns:r="http://schemas.openxmlformats.org/officeDocument/2006/relationships" xmlns:p="http://schemas.openxmlformats.org/presentationml/2006/main">
+  <p:cSld name="PPTLabsHighlightBulletsSlide201702070026288891">
+    <p:spTree>
+      <p:nvGrpSpPr>
+        <p:cNvPr id="1" name=""/>
+        <p:cNvGrpSpPr/>
+        <p:nvPr/>
+      </p:nvGrpSpPr>
+      <p:grpSpPr>
+        <a:xfrm>
+          <a:off x="0" y="0"/>
+          <a:ext cx="0" cy="0"/>
+          <a:chOff x="0" y="0"/>
+          <a:chExt cx="0" cy="0"/>
+        </a:xfrm>
+      </p:grpSpPr>
+      <p:sp>
+        <p:nvSpPr>
+          <p:cNvPr id="3" name="Rectangle 4"/>
+          <p:cNvSpPr/>
+          <p:nvPr/>
+        </p:nvSpPr>
+        <p:spPr>
+          <a:xfrm>
+            <a:off x="0" y="2286000"/>
+            <a:ext cx="9144000" cy="2209800"/>
+          </a:xfrm>
+          <a:prstGeom prst="rect">
+            <a:avLst/>
+          </a:prstGeom>
+          <a:solidFill>
+            <a:srgbClr val="002060"/>
+          </a:solidFill>
+        </p:spPr>
+        <p:style>
+          <a:lnRef idx="2">
+            <a:schemeClr val="accent1">
+              <a:shade val="50000"/>
+            </a:schemeClr>
+          </a:lnRef>
+          <a:fillRef idx="1">
+            <a:schemeClr val="accent1"/>
+          </a:fillRef>
+          <a:effectRef idx="0">
+            <a:schemeClr val="accent1"/>
+          </a:effectRef>
+          <a:fontRef idx="minor">
+            <a:schemeClr val="lt1"/>
+          </a:fontRef>
+        </p:style>
+        <p:txBody>
+          <a:bodyPr rtlCol="0" anchor="ctr"/>
+          <a:lstStyle/>
+          <a:p>
+            <a:pPr algn="ctr"/>
+            <a:endParaRPr lang="en-US"/>
+          </a:p>
+        </p:txBody>
+      </p:sp>
+      <p:sp>
+        <p:nvSpPr>
+          <p:cNvPr id="2" name="HighlightTextShape201702070026289237"/>
+          <p:cNvSpPr txBox="1"/>
+          <p:nvPr/>
+        </p:nvSpPr>
+        <p:spPr>
+          <a:xfrm>
+            <a:off x="762000" y="533400"/>
+            <a:ext cx="7620000" cy="5909310"/>
+          </a:xfrm>
+          <a:prstGeom prst="rect">
+            <a:avLst/>
+          </a:prstGeom>
+          <a:noFill/>
+        </p:spPr>
+        <p:txBody>
+          <a:bodyPr wrap="square" rtlCol="0">
+            <a:spAutoFit/>
+          </a:bodyPr>
+          <a:lstStyle/>
+          <a:p>
+            <a:pPr marL="285750" indent="-285750">
+              <a:buFont typeface="Arial" panose="020B0604020202020204" pitchFamily="34" charset="0"/>
+              <a:buChar char="•"/>
+            </a:pPr>
+            <a:r>
+              <a:rPr lang="en-US" sz="2800" dirty="0" smtClean="0"/>
+              <a:t>Test - Non-ABC: 1234567890!@#$%^&amp;*()</a:t>
+            </a:r>
+          </a:p>
+          <a:p>
+            <a:r>
+              <a:rPr lang="en-US" sz="2800" dirty="0"/>
+              <a:t>Test </a:t>
+            </a:r>
+            <a:r>
+              <a:rPr lang="en-US" sz="2800" dirty="0" smtClean="0"/>
+              <a:t>– No bullet point</a:t>
+            </a:r>
+            <a:endParaRPr lang="en-US" sz="2800" dirty="0"/>
+          </a:p>
+          <a:p>
+            <a:pPr marL="514350" indent="-514350">
+              <a:buFont typeface="+mj-lt"/>
+              <a:buAutoNum type="arabicPeriod"/>
+            </a:pPr>
+            <a:r>
+              <a:rPr lang="en-US" sz="2800" dirty="0"/>
+              <a:t>Test – </a:t>
+            </a:r>
+            <a:r>
+              <a:rPr lang="en-US" sz="2800" dirty="0" smtClean="0"/>
+              <a:t>Different bullet point</a:t>
+            </a:r>
+          </a:p>
+          <a:p>
+            <a:pPr marL="285750" indent="-285750">
+              <a:buFont typeface="Arial" panose="020B0604020202020204" pitchFamily="34" charset="0"/>
+              <a:buChar char="•"/>
+            </a:pPr>
+            <a:r>
+              <a:rPr lang="en-US" sz="2800" dirty="0" smtClean="0">
+                <a:latin typeface="Times New Roman" panose="02020603050405020304" pitchFamily="18" charset="0"/>
+                <a:cs typeface="Times New Roman" panose="02020603050405020304" pitchFamily="18" charset="0"/>
+              </a:rPr>
+              <a:t>Test - Another Font Family, using Times New Roman</a:t>
+            </a:r>
+          </a:p>
+          <a:p>
+            <a:pPr marL="285750" indent="-285750">
+              <a:buFont typeface="Arial" panose="020B0604020202020204" pitchFamily="34" charset="0"/>
+              <a:buChar char="•"/>
+            </a:pPr>
+            <a:r>
+              <a:rPr lang="en-US" sz="1000" dirty="0" smtClean="0"/>
+              <a:t>Test - very small content. Test: very small content. Test: very small content. Test: very small content</a:t>
+            </a:r>
+          </a:p>
+          <a:p>
+            <a:pPr marL="285750" indent="-285750">
+              <a:buFont typeface="Arial" panose="020B0604020202020204" pitchFamily="34" charset="0"/>
+              <a:buChar char="•"/>
+            </a:pPr>
+            <a:r>
+              <a:rPr lang="en-US" sz="6600" dirty="0" smtClean="0">
+                <a:latin typeface="Arial Black" panose="020B0A04020102020204" pitchFamily="34" charset="0"/>
+              </a:rPr>
+              <a:t>Test - very big</a:t>
+            </a:r>
+          </a:p>
+          <a:p>
+            <a:pPr marL="285750" indent="-285750">
+              <a:buFont typeface="Arial" panose="020B0604020202020204" pitchFamily="34" charset="0"/>
+              <a:buChar char="•"/>
+            </a:pPr>
+            <a:r>
+              <a:rPr lang="en-US" sz="3600" dirty="0" smtClean="0"/>
+              <a:t>Test – Long sentence: </a:t>
+            </a:r>
+            <a:r>
+              <a:rPr lang="en-US" sz="3600" dirty="0" err="1" smtClean="0"/>
+              <a:t>Asdddd</a:t>
+            </a:r>
+            <a:r>
+              <a:rPr lang="en-US" sz="3600" dirty="0" smtClean="0"/>
+              <a:t> </a:t>
+            </a:r>
+            <a:r>
+              <a:rPr lang="en-US" sz="3600" dirty="0" err="1" smtClean="0"/>
+              <a:t>ddd</a:t>
+            </a:r>
+            <a:r>
+              <a:rPr lang="en-US" sz="3600" dirty="0" smtClean="0"/>
+              <a:t> </a:t>
+            </a:r>
+            <a:r>
+              <a:rPr lang="en-US" sz="3600" dirty="0" err="1" smtClean="0"/>
+              <a:t>dd</a:t>
+            </a:r>
+            <a:r>
+              <a:rPr lang="en-US" sz="3600" dirty="0" smtClean="0"/>
+              <a:t> d </a:t>
+            </a:r>
+            <a:r>
+              <a:rPr lang="en-US" sz="3600" dirty="0" err="1" smtClean="0"/>
+              <a:t>ddddd</a:t>
+            </a:r>
+            <a:r>
+              <a:rPr lang="en-US" sz="3600" dirty="0" smtClean="0"/>
+              <a:t> </a:t>
+            </a:r>
+            <a:r>
+              <a:rPr lang="en-US" sz="3600" dirty="0" err="1" smtClean="0"/>
+              <a:t>ddd</a:t>
+            </a:r>
+            <a:r>
+              <a:rPr lang="en-US" sz="3600" dirty="0" smtClean="0"/>
+              <a:t> </a:t>
+            </a:r>
+            <a:r>
+              <a:rPr lang="en-US" sz="3600" dirty="0" err="1" smtClean="0"/>
+              <a:t>ddd</a:t>
+            </a:r>
+            <a:r>
+              <a:rPr lang="en-US" sz="3600" dirty="0" smtClean="0"/>
+              <a:t> </a:t>
+            </a:r>
+            <a:r>
+              <a:rPr lang="en-US" sz="3600" dirty="0" err="1" smtClean="0"/>
+              <a:t>ddd</a:t>
+            </a:r>
+            <a:r>
+              <a:rPr lang="en-US" sz="3600" dirty="0" smtClean="0"/>
+              <a:t> </a:t>
+            </a:r>
+            <a:r>
+              <a:rPr lang="en-US" sz="3600" dirty="0" err="1" smtClean="0"/>
+              <a:t>ddd</a:t>
+            </a:r>
+            <a:r>
+              <a:rPr lang="en-US" sz="3600" dirty="0" smtClean="0"/>
+              <a:t> </a:t>
+            </a:r>
+            <a:r>
+              <a:rPr lang="en-US" sz="3600" dirty="0" err="1" smtClean="0"/>
+              <a:t>ddd</a:t>
+            </a:r>
+            <a:r>
+              <a:rPr lang="en-US" sz="3600" dirty="0" smtClean="0"/>
+              <a:t> </a:t>
+            </a:r>
+            <a:r>
+              <a:rPr lang="en-US" sz="3600" dirty="0" err="1" smtClean="0"/>
+              <a:t>ddd</a:t>
+            </a:r>
+            <a:r>
+              <a:rPr lang="en-US" sz="3600" dirty="0" smtClean="0"/>
+              <a:t> </a:t>
+            </a:r>
+            <a:r>
+              <a:rPr lang="en-US" sz="3600" dirty="0" err="1" smtClean="0"/>
+              <a:t>ddd</a:t>
+            </a:r>
+            <a:r>
+              <a:rPr lang="en-US" sz="3600" dirty="0" smtClean="0"/>
+              <a:t> </a:t>
+            </a:r>
+            <a:r>
+              <a:rPr lang="en-US" sz="3600" dirty="0" err="1" smtClean="0"/>
+              <a:t>dddddd</a:t>
+            </a:r>
+            <a:r>
+              <a:rPr lang="en-US" sz="3600" dirty="0" smtClean="0"/>
+              <a:t> </a:t>
+            </a:r>
+            <a:r>
+              <a:rPr lang="en-US" sz="3600" dirty="0" err="1" smtClean="0"/>
+              <a:t>dd</a:t>
+            </a:r>
+            <a:r>
+              <a:rPr lang="en-US" sz="3600" dirty="0" smtClean="0"/>
+              <a:t> </a:t>
+            </a:r>
+            <a:r>
+              <a:rPr lang="en-US" sz="3600" dirty="0" err="1" smtClean="0"/>
+              <a:t>ddd</a:t>
+            </a:r>
+            <a:r>
+              <a:rPr lang="en-US" sz="3600" dirty="0" smtClean="0"/>
+              <a:t> </a:t>
+            </a:r>
+            <a:r>
+              <a:rPr lang="en-US" sz="3600" dirty="0" err="1" smtClean="0"/>
+              <a:t>ddddd</a:t>
+            </a:r>
+            <a:r>
+              <a:rPr lang="en-US" sz="3600" dirty="0" smtClean="0"/>
+              <a:t> </a:t>
+            </a:r>
+            <a:r>
+              <a:rPr lang="en-US" sz="3600" dirty="0" err="1" smtClean="0"/>
+              <a:t>dd</a:t>
+            </a:r>
+            <a:r>
+              <a:rPr lang="en-US" sz="3600" dirty="0" smtClean="0"/>
+              <a:t> </a:t>
+            </a:r>
+            <a:r>
+              <a:rPr lang="en-US" sz="3600" dirty="0" err="1" smtClean="0"/>
+              <a:t>dd</a:t>
+            </a:r>
+            <a:r>
+              <a:rPr lang="en-US" sz="3600" dirty="0" smtClean="0"/>
+              <a:t> d </a:t>
+            </a:r>
+            <a:r>
+              <a:rPr lang="en-US" sz="3600" dirty="0" err="1" smtClean="0"/>
+              <a:t>ddd</a:t>
+            </a:r>
+            <a:r>
+              <a:rPr lang="en-US" sz="3600" dirty="0" smtClean="0"/>
+              <a:t> </a:t>
+            </a:r>
+            <a:r>
+              <a:rPr lang="en-US" sz="3600" dirty="0" err="1" smtClean="0"/>
+              <a:t>ddd</a:t>
+            </a:r>
+            <a:endParaRPr lang="en-US" sz="3600" dirty="0" smtClean="0"/>
+          </a:p>
+          <a:p>
+            <a:pPr marL="285750" indent="-285750">
+              <a:buFont typeface="Arial" panose="020B0604020202020204" pitchFamily="34" charset="0"/>
+              <a:buChar char="•"/>
+            </a:pPr>
+            <a:r>
+              <a:rPr lang="en-US" altLang="zh-CN" dirty="0" smtClean="0"/>
+              <a:t>Test – Chinese Characters: </a:t>
+            </a:r>
+            <a:r>
+              <a:rPr lang="zh-CN" altLang="en-US" dirty="0" smtClean="0"/>
+              <a:t>阿</a:t>
+            </a:r>
+            <a:r>
+              <a:rPr lang="zh-CN" altLang="en-US" dirty="0"/>
+              <a:t>斯</a:t>
+            </a:r>
+            <a:r>
+              <a:rPr lang="zh-CN" altLang="en-US" dirty="0" smtClean="0"/>
+              <a:t>顿啊盛大速度啊盛大速度啊盛大速度</a:t>
+            </a:r>
+            <a:endParaRPr lang="en-SG" dirty="0"/>
+          </a:p>
+        </p:txBody>
+      </p:sp>
+    </p:spTree>
+    <p:extLst>
+      <p:ext uri="{BB962C8B-B14F-4D97-AF65-F5344CB8AC3E}">
+        <p14:creationId xmlns:p14="http://schemas.microsoft.com/office/powerpoint/2010/main" val="2521869913"/>
+      </p:ext>
+    </p:extLst>
+  </p:cSld>
+  <p:clrMapOvr>
+    <a:masterClrMapping/>
+  </p:clrMapOvr>
+  <p:transition spd="slow">
+    <p:push dir="u"/>
+  </p:transition>
+  <p:timing>
+    <p:tnLst>
+      <p:par>
+        <p:cTn id="1" dur="indefinite" restart="never" nodeType="tmRoot">
+          <p:childTnLst>
+            <p:seq concurrent="1" nextAc="seek">
+              <p:cTn id="2" dur="indefinite" nodeType="mainSeq">
+                <p:childTnLst>
+                  <p:par>
+                    <p:cTn id="3" fill="hold">
+                      <p:stCondLst>
+                        <p:cond delay="indefinite"/>
+                      </p:stCondLst>
+                      <p:childTnLst>
+                        <p:par>
+                          <p:cTn id="4" fill="hold">
+                            <p:stCondLst>
+                              <p:cond delay="0"/>
+                            </p:stCondLst>
+                            <p:childTnLst>
+                              <p:par>
+                                <p:cTn id="5" presetID="3" presetClass="emph" presetSubtype="2" fill="hold" grpId="0" nodeType="clickEffect">
+                                  <p:stCondLst>
+                                    <p:cond delay="100"/>
+                                  </p:stCondLst>
+                                  <p:childTnLst>
+                                    <p:animClr clrSpc="rgb" dir="cw">
+                                      <p:cBhvr override="childStyle">
+                                        <p:cTn id="6" dur="100" fill="hold"/>
+                                        <p:tgtEl>
+                                          <p:spTgt spid="2">
+                                            <p:txEl>
+                                              <p:pRg st="7" end="7"/>
+                                            </p:txEl>
+                                          </p:spTgt>
+                                        </p:tgtEl>
+                                        <p:attrNameLst>
+                                          <p:attrName>style.color</p:attrName>
+                                        </p:attrNameLst>
+                                      </p:cBhvr>
+                                      <p:to>
+                                        <a:srgbClr val="F2290A"/>
+                                      </p:to>
+                                    </p:animClr>
+                                  </p:childTnLst>
+                                </p:cTn>
+                              </p:par>
+                            </p:childTnLst>
+                          </p:cTn>
+                        </p:par>
+                      </p:childTnLst>
+                    </p:cTn>
+                  </p:par>
+                  <p:par>
+                    <p:cTn id="7" fill="hold">
+                      <p:stCondLst>
+                        <p:cond delay="indefinite"/>
+                      </p:stCondLst>
+                      <p:childTnLst>
+                        <p:par>
+                          <p:cTn id="8" fill="hold">
+                            <p:stCondLst>
+                              <p:cond delay="0"/>
+                            </p:stCondLst>
+                            <p:childTnLst>
+                              <p:par>
+                                <p:cTn id="9" presetID="3" presetClass="emph" presetSubtype="2" fill="hold" grpId="1" nodeType="clickEffect">
+                                  <p:stCondLst>
+                                    <p:cond delay="100"/>
+                                  </p:stCondLst>
+                                  <p:childTnLst>
+                                    <p:animClr clrSpc="rgb" dir="cw">
+                                      <p:cBhvr override="childStyle">
+                                        <p:cTn id="10" dur="100" fill="hold"/>
+                                        <p:tgtEl>
+                                          <p:spTgt spid="2">
+                                            <p:txEl>
+                                              <p:pRg st="7" end="7"/>
+                                            </p:txEl>
+                                          </p:spTgt>
+                                        </p:tgtEl>
+                                        <p:attrNameLst>
+                                          <p:attrName>style.color</p:attrName>
+                                        </p:attrNameLst>
+                                      </p:cBhvr>
+                                      <p:to>
+                                        <a:srgbClr val="000000"/>
+                                      </p:to>
+                                    </p:animClr>
+                                  </p:childTnLst>
+                                </p:cTn>
+                              </p:par>
+                            </p:childTnLst>
+                          </p:cTn>
+                        </p:par>
+                      </p:childTnLst>
+                    </p:cTn>
+                  </p:par>
+                </p:childTnLst>
+              </p:cTn>
+              <p:prevCondLst>
+                <p:cond evt="onPrev" delay="0">
+                  <p:tgtEl>
+                    <p:sldTgt/>
+                  </p:tgtEl>
+                </p:cond>
+              </p:prevCondLst>
+              <p:nextCondLst>
+                <p:cond evt="onNext" delay="0">
+                  <p:tgtEl>
+                    <p:sldTgt/>
+                  </p:tgtEl>
+                </p:cond>
+              </p:nextCondLst>
+            </p:seq>
+          </p:childTnLst>
+        </p:cTn>
+      </p:par>
+    </p:tnLst>
+    <p:bldLst>
+      <p:bldP spid="2" grpId="0" build="p" bldLvl="5"/>
+      <p:bldP spid="2" grpId="1" build="p" bldLvl="5"/>
+    </p:bldLst>
+  </p:timing>
+</p:sld>
+</file>
+
+<file path=ppt/slides/slide24.xml><?xml version="1.0" encoding="utf-8"?>
 <p:sld xmlns:a="http://schemas.openxmlformats.org/drawingml/2006/main" xmlns:r="http://schemas.openxmlformats.org/officeDocument/2006/relationships" xmlns:p="http://schemas.openxmlformats.org/presentationml/2006/main" show="0">
   <p:cSld name="PPTLabsAcknowledgementSlide">
     <p:spTree>
@@ -22742,7 +23693,7 @@
   <a:extraClrSchemeLst/>
   <a:extLst>
     <a:ext uri="{05A4C25C-085E-4340-85A3-A5531E510DB2}">
-      <thm15:themeFamily xmlns:thm15="http://schemas.microsoft.com/office/thememl/2012/main" xmlns="" name="Office Theme" id="{62F939B6-93AF-4DB8-9C6B-D6C7DFDC589F}" vid="{4A3C46E8-61CC-4603-A589-7422A47A8E4A}"/>
+      <thm15:themeFamily xmlns:thm15="http://schemas.microsoft.com/office/thememl/2012/main" name="Office Theme" id="{62F939B6-93AF-4DB8-9C6B-D6C7DFDC589F}" vid="{4A3C46E8-61CC-4603-A589-7422A47A8E4A}"/>
     </a:ext>
   </a:extLst>
 </a:theme>

--- a/doc/test/HighlightPoints.pptx
+++ b/doc/test/HighlightPoints.pptx
@@ -23,10 +23,10 @@
     <p:sldId id="312" r:id="rId14"/>
     <p:sldId id="317" r:id="rId15"/>
     <p:sldId id="318" r:id="rId16"/>
-    <p:sldId id="331" r:id="rId17"/>
+    <p:sldId id="346" r:id="rId17"/>
     <p:sldId id="320" r:id="rId18"/>
     <p:sldId id="321" r:id="rId19"/>
-    <p:sldId id="330" r:id="rId20"/>
+    <p:sldId id="345" r:id="rId20"/>
     <p:sldId id="323" r:id="rId21"/>
     <p:sldId id="324" r:id="rId22"/>
     <p:sldId id="329" r:id="rId23"/>
@@ -163,10 +163,10 @@
             <p14:sldId id="312"/>
             <p14:sldId id="317"/>
             <p14:sldId id="318"/>
-            <p14:sldId id="331"/>
+            <p14:sldId id="346"/>
             <p14:sldId id="320"/>
             <p14:sldId id="321"/>
-            <p14:sldId id="330"/>
+            <p14:sldId id="345"/>
             <p14:sldId id="323"/>
             <p14:sldId id="324"/>
             <p14:sldId id="329"/>
@@ -287,7 +287,7 @@
           <a:p>
             <a:fld id="{7B6B14F6-3F9A-43ED-BCC2-4547CC5017BD}" type="datetimeFigureOut">
               <a:rPr lang="en-SG" smtClean="0"/>
-              <a:t>2/7/2017</a:t>
+              <a:t>11/5/2017</a:t>
             </a:fld>
             <a:endParaRPr lang="en-SG"/>
           </a:p>
@@ -736,7 +736,7 @@
           <a:p>
             <a:fld id="{699DC775-C286-4358-8C92-D7E584E969B3}" type="datetimeFigureOut">
               <a:rPr lang="en-US" smtClean="0"/>
-              <a:t>2/7/2017</a:t>
+              <a:t>5/11/2017</a:t>
             </a:fld>
             <a:endParaRPr lang="en-US"/>
           </a:p>
@@ -906,7 +906,7 @@
           <a:p>
             <a:fld id="{699DC775-C286-4358-8C92-D7E584E969B3}" type="datetimeFigureOut">
               <a:rPr lang="en-US" smtClean="0"/>
-              <a:t>2/7/2017</a:t>
+              <a:t>5/11/2017</a:t>
             </a:fld>
             <a:endParaRPr lang="en-US"/>
           </a:p>
@@ -1086,7 +1086,7 @@
           <a:p>
             <a:fld id="{699DC775-C286-4358-8C92-D7E584E969B3}" type="datetimeFigureOut">
               <a:rPr lang="en-US" smtClean="0"/>
-              <a:t>2/7/2017</a:t>
+              <a:t>5/11/2017</a:t>
             </a:fld>
             <a:endParaRPr lang="en-US"/>
           </a:p>
@@ -1328,7 +1328,7 @@
           <a:p>
             <a:fld id="{699DC775-C286-4358-8C92-D7E584E969B3}" type="datetimeFigureOut">
               <a:rPr lang="en-US" smtClean="0"/>
-              <a:t>2/7/2017</a:t>
+              <a:t>5/11/2017</a:t>
             </a:fld>
             <a:endParaRPr lang="en-US"/>
           </a:p>
@@ -1498,7 +1498,7 @@
           <a:p>
             <a:fld id="{699DC775-C286-4358-8C92-D7E584E969B3}" type="datetimeFigureOut">
               <a:rPr lang="en-US" smtClean="0"/>
-              <a:t>2/7/2017</a:t>
+              <a:t>5/11/2017</a:t>
             </a:fld>
             <a:endParaRPr lang="en-US"/>
           </a:p>
@@ -1744,7 +1744,7 @@
           <a:p>
             <a:fld id="{699DC775-C286-4358-8C92-D7E584E969B3}" type="datetimeFigureOut">
               <a:rPr lang="en-US" smtClean="0"/>
-              <a:t>2/7/2017</a:t>
+              <a:t>5/11/2017</a:t>
             </a:fld>
             <a:endParaRPr lang="en-US"/>
           </a:p>
@@ -2032,7 +2032,7 @@
           <a:p>
             <a:fld id="{699DC775-C286-4358-8C92-D7E584E969B3}" type="datetimeFigureOut">
               <a:rPr lang="en-US" smtClean="0"/>
-              <a:t>2/7/2017</a:t>
+              <a:t>5/11/2017</a:t>
             </a:fld>
             <a:endParaRPr lang="en-US"/>
           </a:p>
@@ -2454,7 +2454,7 @@
           <a:p>
             <a:fld id="{699DC775-C286-4358-8C92-D7E584E969B3}" type="datetimeFigureOut">
               <a:rPr lang="en-US" smtClean="0"/>
-              <a:t>2/7/2017</a:t>
+              <a:t>5/11/2017</a:t>
             </a:fld>
             <a:endParaRPr lang="en-US"/>
           </a:p>
@@ -2572,7 +2572,7 @@
           <a:p>
             <a:fld id="{699DC775-C286-4358-8C92-D7E584E969B3}" type="datetimeFigureOut">
               <a:rPr lang="en-US" smtClean="0"/>
-              <a:t>2/7/2017</a:t>
+              <a:t>5/11/2017</a:t>
             </a:fld>
             <a:endParaRPr lang="en-US"/>
           </a:p>
@@ -2667,7 +2667,7 @@
           <a:p>
             <a:fld id="{699DC775-C286-4358-8C92-D7E584E969B3}" type="datetimeFigureOut">
               <a:rPr lang="en-US" smtClean="0"/>
-              <a:t>2/7/2017</a:t>
+              <a:t>5/11/2017</a:t>
             </a:fld>
             <a:endParaRPr lang="en-US"/>
           </a:p>
@@ -2944,7 +2944,7 @@
           <a:p>
             <a:fld id="{699DC775-C286-4358-8C92-D7E584E969B3}" type="datetimeFigureOut">
               <a:rPr lang="en-US" smtClean="0"/>
-              <a:t>2/7/2017</a:t>
+              <a:t>5/11/2017</a:t>
             </a:fld>
             <a:endParaRPr lang="en-US"/>
           </a:p>
@@ -3114,7 +3114,7 @@
           <a:p>
             <a:fld id="{699DC775-C286-4358-8C92-D7E584E969B3}" type="datetimeFigureOut">
               <a:rPr lang="en-US" smtClean="0"/>
-              <a:t>2/7/2017</a:t>
+              <a:t>5/11/2017</a:t>
             </a:fld>
             <a:endParaRPr lang="en-US"/>
           </a:p>
@@ -3367,7 +3367,7 @@
           <a:p>
             <a:fld id="{699DC775-C286-4358-8C92-D7E584E969B3}" type="datetimeFigureOut">
               <a:rPr lang="en-US" smtClean="0"/>
-              <a:t>2/7/2017</a:t>
+              <a:t>5/11/2017</a:t>
             </a:fld>
             <a:endParaRPr lang="en-US"/>
           </a:p>
@@ -3537,7 +3537,7 @@
           <a:p>
             <a:fld id="{699DC775-C286-4358-8C92-D7E584E969B3}" type="datetimeFigureOut">
               <a:rPr lang="en-US" smtClean="0"/>
-              <a:t>2/7/2017</a:t>
+              <a:t>5/11/2017</a:t>
             </a:fld>
             <a:endParaRPr lang="en-US"/>
           </a:p>
@@ -3717,7 +3717,7 @@
           <a:p>
             <a:fld id="{699DC775-C286-4358-8C92-D7E584E969B3}" type="datetimeFigureOut">
               <a:rPr lang="en-US" smtClean="0"/>
-              <a:t>2/7/2017</a:t>
+              <a:t>5/11/2017</a:t>
             </a:fld>
             <a:endParaRPr lang="en-US"/>
           </a:p>
@@ -3967,7 +3967,7 @@
           <a:p>
             <a:fld id="{699DC775-C286-4358-8C92-D7E584E969B3}" type="datetimeFigureOut">
               <a:rPr lang="en-US" smtClean="0"/>
-              <a:t>2/7/2017</a:t>
+              <a:t>5/11/2017</a:t>
             </a:fld>
             <a:endParaRPr lang="en-US"/>
           </a:p>
@@ -4145,7 +4145,7 @@
           <a:p>
             <a:fld id="{699DC775-C286-4358-8C92-D7E584E969B3}" type="datetimeFigureOut">
               <a:rPr lang="en-US" smtClean="0"/>
-              <a:t>2/7/2017</a:t>
+              <a:t>5/11/2017</a:t>
             </a:fld>
             <a:endParaRPr lang="en-US"/>
           </a:p>
@@ -4399,7 +4399,7 @@
           <a:p>
             <a:fld id="{699DC775-C286-4358-8C92-D7E584E969B3}" type="datetimeFigureOut">
               <a:rPr lang="en-US" smtClean="0"/>
-              <a:t>2/7/2017</a:t>
+              <a:t>5/11/2017</a:t>
             </a:fld>
             <a:endParaRPr lang="en-US"/>
           </a:p>
@@ -4695,7 +4695,7 @@
           <a:p>
             <a:fld id="{699DC775-C286-4358-8C92-D7E584E969B3}" type="datetimeFigureOut">
               <a:rPr lang="en-US" smtClean="0"/>
-              <a:t>2/7/2017</a:t>
+              <a:t>5/11/2017</a:t>
             </a:fld>
             <a:endParaRPr lang="en-US"/>
           </a:p>
@@ -5125,7 +5125,7 @@
           <a:p>
             <a:fld id="{699DC775-C286-4358-8C92-D7E584E969B3}" type="datetimeFigureOut">
               <a:rPr lang="en-US" smtClean="0"/>
-              <a:t>2/7/2017</a:t>
+              <a:t>5/11/2017</a:t>
             </a:fld>
             <a:endParaRPr lang="en-US"/>
           </a:p>
@@ -5251,7 +5251,7 @@
           <a:p>
             <a:fld id="{699DC775-C286-4358-8C92-D7E584E969B3}" type="datetimeFigureOut">
               <a:rPr lang="en-US" smtClean="0"/>
-              <a:t>2/7/2017</a:t>
+              <a:t>5/11/2017</a:t>
             </a:fld>
             <a:endParaRPr lang="en-US"/>
           </a:p>
@@ -5354,7 +5354,7 @@
           <a:p>
             <a:fld id="{699DC775-C286-4358-8C92-D7E584E969B3}" type="datetimeFigureOut">
               <a:rPr lang="en-US" smtClean="0"/>
-              <a:t>2/7/2017</a:t>
+              <a:t>5/11/2017</a:t>
             </a:fld>
             <a:endParaRPr lang="en-US"/>
           </a:p>
@@ -5600,7 +5600,7 @@
           <a:p>
             <a:fld id="{699DC775-C286-4358-8C92-D7E584E969B3}" type="datetimeFigureOut">
               <a:rPr lang="en-US" smtClean="0"/>
-              <a:t>2/7/2017</a:t>
+              <a:t>5/11/2017</a:t>
             </a:fld>
             <a:endParaRPr lang="en-US"/>
           </a:p>
@@ -5885,7 +5885,7 @@
           <a:p>
             <a:fld id="{699DC775-C286-4358-8C92-D7E584E969B3}" type="datetimeFigureOut">
               <a:rPr lang="en-US" smtClean="0"/>
-              <a:t>2/7/2017</a:t>
+              <a:t>5/11/2017</a:t>
             </a:fld>
             <a:endParaRPr lang="en-US"/>
           </a:p>
@@ -6146,7 +6146,7 @@
           <a:p>
             <a:fld id="{699DC775-C286-4358-8C92-D7E584E969B3}" type="datetimeFigureOut">
               <a:rPr lang="en-US" smtClean="0"/>
-              <a:t>2/7/2017</a:t>
+              <a:t>5/11/2017</a:t>
             </a:fld>
             <a:endParaRPr lang="en-US"/>
           </a:p>
@@ -6324,7 +6324,7 @@
           <a:p>
             <a:fld id="{699DC775-C286-4358-8C92-D7E584E969B3}" type="datetimeFigureOut">
               <a:rPr lang="en-US" smtClean="0"/>
-              <a:t>2/7/2017</a:t>
+              <a:t>5/11/2017</a:t>
             </a:fld>
             <a:endParaRPr lang="en-US"/>
           </a:p>
@@ -6512,7 +6512,7 @@
           <a:p>
             <a:fld id="{699DC775-C286-4358-8C92-D7E584E969B3}" type="datetimeFigureOut">
               <a:rPr lang="en-US" smtClean="0"/>
-              <a:t>2/7/2017</a:t>
+              <a:t>5/11/2017</a:t>
             </a:fld>
             <a:endParaRPr lang="en-US"/>
           </a:p>
@@ -6800,7 +6800,7 @@
           <a:p>
             <a:fld id="{699DC775-C286-4358-8C92-D7E584E969B3}" type="datetimeFigureOut">
               <a:rPr lang="en-US" smtClean="0"/>
-              <a:t>2/7/2017</a:t>
+              <a:t>5/11/2017</a:t>
             </a:fld>
             <a:endParaRPr lang="en-US"/>
           </a:p>
@@ -7222,7 +7222,7 @@
           <a:p>
             <a:fld id="{699DC775-C286-4358-8C92-D7E584E969B3}" type="datetimeFigureOut">
               <a:rPr lang="en-US" smtClean="0"/>
-              <a:t>2/7/2017</a:t>
+              <a:t>5/11/2017</a:t>
             </a:fld>
             <a:endParaRPr lang="en-US"/>
           </a:p>
@@ -7340,7 +7340,7 @@
           <a:p>
             <a:fld id="{699DC775-C286-4358-8C92-D7E584E969B3}" type="datetimeFigureOut">
               <a:rPr lang="en-US" smtClean="0"/>
-              <a:t>2/7/2017</a:t>
+              <a:t>5/11/2017</a:t>
             </a:fld>
             <a:endParaRPr lang="en-US"/>
           </a:p>
@@ -7435,7 +7435,7 @@
           <a:p>
             <a:fld id="{699DC775-C286-4358-8C92-D7E584E969B3}" type="datetimeFigureOut">
               <a:rPr lang="en-US" smtClean="0"/>
-              <a:t>2/7/2017</a:t>
+              <a:t>5/11/2017</a:t>
             </a:fld>
             <a:endParaRPr lang="en-US"/>
           </a:p>
@@ -7712,7 +7712,7 @@
           <a:p>
             <a:fld id="{699DC775-C286-4358-8C92-D7E584E969B3}" type="datetimeFigureOut">
               <a:rPr lang="en-US" smtClean="0"/>
-              <a:t>2/7/2017</a:t>
+              <a:t>5/11/2017</a:t>
             </a:fld>
             <a:endParaRPr lang="en-US"/>
           </a:p>
@@ -7965,7 +7965,7 @@
           <a:p>
             <a:fld id="{699DC775-C286-4358-8C92-D7E584E969B3}" type="datetimeFigureOut">
               <a:rPr lang="en-US" smtClean="0"/>
-              <a:t>2/7/2017</a:t>
+              <a:t>5/11/2017</a:t>
             </a:fld>
             <a:endParaRPr lang="en-US"/>
           </a:p>
@@ -8178,7 +8178,7 @@
           <a:p>
             <a:fld id="{699DC775-C286-4358-8C92-D7E584E969B3}" type="datetimeFigureOut">
               <a:rPr lang="en-US" smtClean="0"/>
-              <a:t>2/7/2017</a:t>
+              <a:t>5/11/2017</a:t>
             </a:fld>
             <a:endParaRPr lang="en-US"/>
           </a:p>
@@ -8693,7 +8693,7 @@
           <a:p>
             <a:fld id="{699DC775-C286-4358-8C92-D7E584E969B3}" type="datetimeFigureOut">
               <a:rPr lang="en-US" smtClean="0"/>
-              <a:t>2/7/2017</a:t>
+              <a:t>5/11/2017</a:t>
             </a:fld>
             <a:endParaRPr lang="en-US"/>
           </a:p>
@@ -9206,7 +9206,7 @@
           <a:p>
             <a:fld id="{699DC775-C286-4358-8C92-D7E584E969B3}" type="datetimeFigureOut">
               <a:rPr lang="en-US" smtClean="0"/>
-              <a:t>2/7/2017</a:t>
+              <a:t>5/11/2017</a:t>
             </a:fld>
             <a:endParaRPr lang="en-US"/>
           </a:p>
@@ -11610,7 +11610,7 @@
 
 <file path=ppt/slides/slide14.xml><?xml version="1.0" encoding="utf-8"?>
 <p:sld xmlns:a="http://schemas.openxmlformats.org/drawingml/2006/main" xmlns:r="http://schemas.openxmlformats.org/officeDocument/2006/relationships" xmlns:p="http://schemas.openxmlformats.org/presentationml/2006/main">
-  <p:cSld name="PPTLabsHighlightBulletsSlide201506181734557209">
+  <p:cSld name="PPTLabsHighlightBulletsSlide201705111407463809">
     <p:spTree>
       <p:nvGrpSpPr>
         <p:cNvPr id="1" name=""/>
@@ -11627,7 +11627,7 @@
       </p:grpSpPr>
       <p:sp>
         <p:nvSpPr>
-          <p:cNvPr id="12" name="Rectangle 4"/>
+          <p:cNvPr id="5" name="Rectangle 4"/>
           <p:cNvSpPr/>
           <p:nvPr/>
         </p:nvSpPr>
@@ -11670,7 +11670,7 @@
       </p:sp>
       <p:sp>
         <p:nvSpPr>
-          <p:cNvPr id="5" name="PPTLabsHighlightBackgroundShape201506181734557349"/>
+          <p:cNvPr id="6" name="PPTLabsHighlightBackgroundShape201705111407463859"/>
           <p:cNvSpPr>
             <a:spLocks/>
           </p:cNvSpPr>
@@ -11740,7 +11740,7 @@
       </p:sp>
       <p:sp>
         <p:nvSpPr>
-          <p:cNvPr id="6" name="PPTLabsHighlightBackgroundShape201506181734557439"/>
+          <p:cNvPr id="7" name="PPTLabsHighlightBackgroundShape201705111407463879"/>
           <p:cNvSpPr>
             <a:spLocks/>
           </p:cNvSpPr>
@@ -11810,7 +11810,7 @@
       </p:sp>
       <p:sp>
         <p:nvSpPr>
-          <p:cNvPr id="7" name="PPTLabsHighlightBackgroundShape201506181734557479"/>
+          <p:cNvPr id="8" name="PPTLabsHighlightBackgroundShape201705111407463899"/>
           <p:cNvSpPr>
             <a:spLocks/>
           </p:cNvSpPr>
@@ -11880,7 +11880,7 @@
       </p:sp>
       <p:sp>
         <p:nvSpPr>
-          <p:cNvPr id="8" name="PPTLabsHighlightBackgroundShape201506181734557509"/>
+          <p:cNvPr id="9" name="PPTLabsHighlightBackgroundShape201705111407463929"/>
           <p:cNvSpPr>
             <a:spLocks/>
           </p:cNvSpPr>
@@ -11950,7 +11950,88 @@
       </p:sp>
       <p:sp>
         <p:nvSpPr>
-          <p:cNvPr id="9" name="PPTLabsHighlightBackgroundShape201506181734557529"/>
+          <p:cNvPr id="2" name="HighlightBackgroundShape9ac65b45-57f9-496b-b14a-3366aa98ee7a"/>
+          <p:cNvSpPr txBox="1"/>
+          <p:nvPr/>
+        </p:nvSpPr>
+        <p:spPr>
+          <a:xfrm>
+            <a:off x="304800" y="381000"/>
+            <a:ext cx="7620000" cy="2400657"/>
+          </a:xfrm>
+          <a:prstGeom prst="rect">
+            <a:avLst/>
+          </a:prstGeom>
+          <a:noFill/>
+        </p:spPr>
+        <p:txBody>
+          <a:bodyPr wrap="square" rtlCol="0">
+            <a:spAutoFit/>
+          </a:bodyPr>
+          <a:lstStyle/>
+          <a:p>
+            <a:pPr marL="285750" indent="-285750">
+              <a:buFont typeface="Arial" panose="020B0604020202020204" pitchFamily="34" charset="0"/>
+              <a:buChar char="•"/>
+            </a:pPr>
+            <a:r>
+              <a:rPr lang="en-US" sz="2800" dirty="0" smtClean="0"/>
+              <a:t>Test - Non-ABC: 1234567890!@#$%^&amp;*()</a:t>
+            </a:r>
+          </a:p>
+          <a:p>
+            <a:r>
+              <a:rPr lang="en-US" sz="2800" dirty="0"/>
+              <a:t>Test </a:t>
+            </a:r>
+            <a:r>
+              <a:rPr lang="en-US" sz="2800" dirty="0" smtClean="0"/>
+              <a:t>– No bullet point</a:t>
+            </a:r>
+            <a:endParaRPr lang="en-US" sz="2800" dirty="0"/>
+          </a:p>
+          <a:p>
+            <a:pPr marL="514350" indent="-514350">
+              <a:buFont typeface="+mj-lt"/>
+              <a:buAutoNum type="arabicPeriod"/>
+            </a:pPr>
+            <a:r>
+              <a:rPr lang="en-US" sz="2800" dirty="0"/>
+              <a:t>Test – </a:t>
+            </a:r>
+            <a:r>
+              <a:rPr lang="en-US" sz="2800" dirty="0" smtClean="0"/>
+              <a:t>Different bullet point</a:t>
+            </a:r>
+          </a:p>
+          <a:p>
+            <a:pPr marL="285750" indent="-285750">
+              <a:buFont typeface="Arial" panose="020B0604020202020204" pitchFamily="34" charset="0"/>
+              <a:buChar char="•"/>
+            </a:pPr>
+            <a:r>
+              <a:rPr lang="en-US" sz="2800" dirty="0" smtClean="0">
+                <a:latin typeface="Times New Roman" panose="02020603050405020304" pitchFamily="18" charset="0"/>
+                <a:cs typeface="Times New Roman" panose="02020603050405020304" pitchFamily="18" charset="0"/>
+              </a:rPr>
+              <a:t>Test - Another Font Family, using Times New Roman</a:t>
+            </a:r>
+          </a:p>
+          <a:p>
+            <a:pPr marL="285750" indent="-285750">
+              <a:buFont typeface="Arial" panose="020B0604020202020204" pitchFamily="34" charset="0"/>
+              <a:buChar char="•"/>
+            </a:pPr>
+            <a:r>
+              <a:rPr lang="en-US" sz="1000" dirty="0" smtClean="0"/>
+              <a:t>Test - very small content. Test: very small content. Test: very small content. Test: very small content</a:t>
+            </a:r>
+          </a:p>
+        </p:txBody>
+      </p:sp>
+      <p:sp>
+        <p:nvSpPr>
+          <p:cNvPr id="10" name="PPTLabsHighlightBackgroundShape201705111407463949"/>
           <p:cNvSpPr>
             <a:spLocks/>
           </p:cNvSpPr>
@@ -12020,7 +12101,7 @@
       </p:sp>
       <p:sp>
         <p:nvSpPr>
-          <p:cNvPr id="10" name="PPTLabsHighlightBackgroundShape201506181734557549"/>
+          <p:cNvPr id="11" name="PPTLabsHighlightBackgroundShape201705111407463959"/>
           <p:cNvSpPr>
             <a:spLocks/>
           </p:cNvSpPr>
@@ -12090,7 +12171,7 @@
       </p:sp>
       <p:sp>
         <p:nvSpPr>
-          <p:cNvPr id="11" name="PPTLabsHighlightBackgroundShape201506181734557569"/>
+          <p:cNvPr id="12" name="PPTLabsHighlightBackgroundShape201705111407463979"/>
           <p:cNvSpPr/>
           <p:nvPr>
             <p:custDataLst>
@@ -12158,88 +12239,7 @@
       </p:sp>
       <p:sp>
         <p:nvSpPr>
-          <p:cNvPr id="2" name="HighlightBackgroundShape961d3f1e-187d-4b94-8f93-1be85193a105"/>
-          <p:cNvSpPr txBox="1"/>
-          <p:nvPr/>
-        </p:nvSpPr>
-        <p:spPr>
-          <a:xfrm>
-            <a:off x="304800" y="381000"/>
-            <a:ext cx="7620000" cy="2400657"/>
-          </a:xfrm>
-          <a:prstGeom prst="rect">
-            <a:avLst/>
-          </a:prstGeom>
-          <a:noFill/>
-        </p:spPr>
-        <p:txBody>
-          <a:bodyPr wrap="square" rtlCol="0">
-            <a:spAutoFit/>
-          </a:bodyPr>
-          <a:lstStyle/>
-          <a:p>
-            <a:pPr marL="285750" indent="-285750">
-              <a:buFont typeface="Arial" panose="020B0604020202020204" pitchFamily="34" charset="0"/>
-              <a:buChar char="•"/>
-            </a:pPr>
-            <a:r>
-              <a:rPr lang="en-US" sz="2800" dirty="0" smtClean="0"/>
-              <a:t>Test - Non-ABC: 1234567890!@#$%^&amp;*()</a:t>
-            </a:r>
-          </a:p>
-          <a:p>
-            <a:r>
-              <a:rPr lang="en-US" sz="2800" dirty="0"/>
-              <a:t>Test </a:t>
-            </a:r>
-            <a:r>
-              <a:rPr lang="en-US" sz="2800" dirty="0" smtClean="0"/>
-              <a:t>– No bullet point</a:t>
-            </a:r>
-            <a:endParaRPr lang="en-US" sz="2800" dirty="0"/>
-          </a:p>
-          <a:p>
-            <a:pPr marL="514350" indent="-514350">
-              <a:buFont typeface="+mj-lt"/>
-              <a:buAutoNum type="arabicPeriod"/>
-            </a:pPr>
-            <a:r>
-              <a:rPr lang="en-US" sz="2800" dirty="0"/>
-              <a:t>Test – </a:t>
-            </a:r>
-            <a:r>
-              <a:rPr lang="en-US" sz="2800" dirty="0" smtClean="0"/>
-              <a:t>Different bullet point</a:t>
-            </a:r>
-          </a:p>
-          <a:p>
-            <a:pPr marL="285750" indent="-285750">
-              <a:buFont typeface="Arial" panose="020B0604020202020204" pitchFamily="34" charset="0"/>
-              <a:buChar char="•"/>
-            </a:pPr>
-            <a:r>
-              <a:rPr lang="en-US" sz="2800" dirty="0" smtClean="0">
-                <a:latin typeface="Times New Roman" panose="02020603050405020304" pitchFamily="18" charset="0"/>
-                <a:cs typeface="Times New Roman" panose="02020603050405020304" pitchFamily="18" charset="0"/>
-              </a:rPr>
-              <a:t>Test - Another Font Family, using Times New Roman</a:t>
-            </a:r>
-          </a:p>
-          <a:p>
-            <a:pPr marL="285750" indent="-285750">
-              <a:buFont typeface="Arial" panose="020B0604020202020204" pitchFamily="34" charset="0"/>
-              <a:buChar char="•"/>
-            </a:pPr>
-            <a:r>
-              <a:rPr lang="en-US" sz="1000" dirty="0" smtClean="0"/>
-              <a:t>Test - very small content. Test: very small content. Test: very small content. Test: very small content</a:t>
-            </a:r>
-          </a:p>
-        </p:txBody>
-      </p:sp>
-      <p:sp>
-        <p:nvSpPr>
-          <p:cNvPr id="3" name="HighlightBackgroundShape6a0e245b-6aa0-4f7b-8026-c07e6fed77bf"/>
+          <p:cNvPr id="3" name="HighlightBackgroundShape2d8f1b26-ed61-41e1-9795-250fbd9d3931"/>
           <p:cNvSpPr txBox="1"/>
           <p:nvPr/>
         </p:nvSpPr>
@@ -12487,7 +12487,7 @@
     </p:spTree>
     <p:extLst>
       <p:ext uri="{BB962C8B-B14F-4D97-AF65-F5344CB8AC3E}">
-        <p14:creationId xmlns:p14="http://schemas.microsoft.com/office/powerpoint/2010/main" val="204421223"/>
+        <p14:creationId xmlns:p14="http://schemas.microsoft.com/office/powerpoint/2010/main" val="1878902397"/>
       </p:ext>
     </p:extLst>
   </p:cSld>
@@ -12527,7 +12527,7 @@
                                       <p:cBhvr>
                                         <p:cTn id="6" dur="500" fill="hold"/>
                                         <p:tgtEl>
-                                          <p:spTgt spid="5"/>
+                                          <p:spTgt spid="6"/>
                                         </p:tgtEl>
                                         <p:attrNameLst>
                                           <p:attrName>ppt_x</p:attrName>
@@ -12548,7 +12548,7 @@
                                       <p:cBhvr>
                                         <p:cTn id="8" dur="500" fill="hold"/>
                                         <p:tgtEl>
-                                          <p:spTgt spid="5"/>
+                                          <p:spTgt spid="6"/>
                                         </p:tgtEl>
                                       </p:cBhvr>
                                       <p:by x="66208" y="100000"/>
@@ -12579,7 +12579,7 @@
                                           </p:stCondLst>
                                         </p:cTn>
                                         <p:tgtEl>
-                                          <p:spTgt spid="6"/>
+                                          <p:spTgt spid="7"/>
                                         </p:tgtEl>
                                         <p:attrNameLst>
                                           <p:attrName>style.visibility</p:attrName>
@@ -12602,7 +12602,7 @@
                                       <p:cBhvr>
                                         <p:cTn id="13" dur="500"/>
                                         <p:tgtEl>
-                                          <p:spTgt spid="5"/>
+                                          <p:spTgt spid="6"/>
                                         </p:tgtEl>
                                       </p:cBhvr>
                                     </p:animEffect>
@@ -12614,7 +12614,7 @@
                                           </p:stCondLst>
                                         </p:cTn>
                                         <p:tgtEl>
-                                          <p:spTgt spid="5"/>
+                                          <p:spTgt spid="6"/>
                                         </p:tgtEl>
                                         <p:attrNameLst>
                                           <p:attrName>style.visibility</p:attrName>
@@ -12655,7 +12655,7 @@
                                       <p:cBhvr>
                                         <p:cTn id="18" dur="500" fill="hold"/>
                                         <p:tgtEl>
-                                          <p:spTgt spid="6"/>
+                                          <p:spTgt spid="7"/>
                                         </p:tgtEl>
                                         <p:attrNameLst>
                                           <p:attrName>ppt_x</p:attrName>
@@ -12676,7 +12676,7 @@
                                       <p:cBhvr>
                                         <p:cTn id="20" dur="500" fill="hold"/>
                                         <p:tgtEl>
-                                          <p:spTgt spid="6"/>
+                                          <p:spTgt spid="7"/>
                                         </p:tgtEl>
                                       </p:cBhvr>
                                       <p:by x="164024" y="200000"/>
@@ -12707,7 +12707,7 @@
                                           </p:stCondLst>
                                         </p:cTn>
                                         <p:tgtEl>
-                                          <p:spTgt spid="7"/>
+                                          <p:spTgt spid="8"/>
                                         </p:tgtEl>
                                         <p:attrNameLst>
                                           <p:attrName>style.visibility</p:attrName>
@@ -12730,7 +12730,7 @@
                                       <p:cBhvr>
                                         <p:cTn id="25" dur="500"/>
                                         <p:tgtEl>
-                                          <p:spTgt spid="6"/>
+                                          <p:spTgt spid="7"/>
                                         </p:tgtEl>
                                       </p:cBhvr>
                                     </p:animEffect>
@@ -12742,7 +12742,7 @@
                                           </p:stCondLst>
                                         </p:cTn>
                                         <p:tgtEl>
-                                          <p:spTgt spid="6"/>
+                                          <p:spTgt spid="7"/>
                                         </p:tgtEl>
                                         <p:attrNameLst>
                                           <p:attrName>style.visibility</p:attrName>
@@ -12783,7 +12783,7 @@
                                       <p:cBhvr>
                                         <p:cTn id="30" dur="500" fill="hold"/>
                                         <p:tgtEl>
-                                          <p:spTgt spid="7"/>
+                                          <p:spTgt spid="8"/>
                                         </p:tgtEl>
                                         <p:attrNameLst>
                                           <p:attrName>ppt_x</p:attrName>
@@ -12804,7 +12804,7 @@
                                       <p:cBhvr>
                                         <p:cTn id="32" dur="500" fill="hold"/>
                                         <p:tgtEl>
-                                          <p:spTgt spid="7"/>
+                                          <p:spTgt spid="8"/>
                                         </p:tgtEl>
                                       </p:cBhvr>
                                       <p:by x="77849" y="17857"/>
@@ -12835,7 +12835,7 @@
                                           </p:stCondLst>
                                         </p:cTn>
                                         <p:tgtEl>
-                                          <p:spTgt spid="8"/>
+                                          <p:spTgt spid="9"/>
                                         </p:tgtEl>
                                         <p:attrNameLst>
                                           <p:attrName>style.visibility</p:attrName>
@@ -12858,7 +12858,7 @@
                                       <p:cBhvr>
                                         <p:cTn id="37" dur="500"/>
                                         <p:tgtEl>
-                                          <p:spTgt spid="7"/>
+                                          <p:spTgt spid="8"/>
                                         </p:tgtEl>
                                       </p:cBhvr>
                                     </p:animEffect>
@@ -12870,7 +12870,7 @@
                                           </p:stCondLst>
                                         </p:cTn>
                                         <p:tgtEl>
-                                          <p:spTgt spid="7"/>
+                                          <p:spTgt spid="8"/>
                                         </p:tgtEl>
                                         <p:attrNameLst>
                                           <p:attrName>style.visibility</p:attrName>
@@ -12911,7 +12911,7 @@
                                       <p:cBhvr>
                                         <p:cTn id="42" dur="500" fill="hold"/>
                                         <p:tgtEl>
-                                          <p:spTgt spid="8"/>
+                                          <p:spTgt spid="9"/>
                                         </p:tgtEl>
                                         <p:attrNameLst>
                                           <p:attrName>ppt_x</p:attrName>
@@ -12932,7 +12932,7 @@
                                       <p:cBhvr>
                                         <p:cTn id="44" dur="500" fill="hold"/>
                                         <p:tgtEl>
-                                          <p:spTgt spid="8"/>
+                                          <p:spTgt spid="9"/>
                                         </p:tgtEl>
                                       </p:cBhvr>
                                       <p:by x="131908" y="660000"/>
@@ -12963,7 +12963,7 @@
                                           </p:stCondLst>
                                         </p:cTn>
                                         <p:tgtEl>
-                                          <p:spTgt spid="9"/>
+                                          <p:spTgt spid="10"/>
                                         </p:tgtEl>
                                         <p:attrNameLst>
                                           <p:attrName>style.visibility</p:attrName>
@@ -12986,7 +12986,7 @@
                                       <p:cBhvr>
                                         <p:cTn id="49" dur="500"/>
                                         <p:tgtEl>
-                                          <p:spTgt spid="8"/>
+                                          <p:spTgt spid="9"/>
                                         </p:tgtEl>
                                       </p:cBhvr>
                                     </p:animEffect>
@@ -12998,7 +12998,7 @@
                                           </p:stCondLst>
                                         </p:cTn>
                                         <p:tgtEl>
-                                          <p:spTgt spid="8"/>
+                                          <p:spTgt spid="9"/>
                                         </p:tgtEl>
                                         <p:attrNameLst>
                                           <p:attrName>style.visibility</p:attrName>
@@ -13039,7 +13039,7 @@
                                       <p:cBhvr>
                                         <p:cTn id="54" dur="500" fill="hold"/>
                                         <p:tgtEl>
-                                          <p:spTgt spid="9"/>
+                                          <p:spTgt spid="10"/>
                                         </p:tgtEl>
                                         <p:attrNameLst>
                                           <p:attrName>ppt_x</p:attrName>
@@ -13060,7 +13060,7 @@
                                       <p:cBhvr>
                                         <p:cTn id="56" dur="500" fill="hold"/>
                                         <p:tgtEl>
-                                          <p:spTgt spid="9"/>
+                                          <p:spTgt spid="10"/>
                                         </p:tgtEl>
                                       </p:cBhvr>
                                       <p:by x="102956" y="218182"/>
@@ -13091,7 +13091,7 @@
                                           </p:stCondLst>
                                         </p:cTn>
                                         <p:tgtEl>
-                                          <p:spTgt spid="10"/>
+                                          <p:spTgt spid="11"/>
                                         </p:tgtEl>
                                         <p:attrNameLst>
                                           <p:attrName>style.visibility</p:attrName>
@@ -13114,7 +13114,7 @@
                                       <p:cBhvr>
                                         <p:cTn id="61" dur="500"/>
                                         <p:tgtEl>
-                                          <p:spTgt spid="9"/>
+                                          <p:spTgt spid="10"/>
                                         </p:tgtEl>
                                       </p:cBhvr>
                                     </p:animEffect>
@@ -13126,7 +13126,7 @@
                                           </p:stCondLst>
                                         </p:cTn>
                                         <p:tgtEl>
-                                          <p:spTgt spid="9"/>
+                                          <p:spTgt spid="10"/>
                                         </p:tgtEl>
                                         <p:attrNameLst>
                                           <p:attrName>style.visibility</p:attrName>
@@ -13167,7 +13167,7 @@
                                       <p:cBhvr>
                                         <p:cTn id="66" dur="500" fill="hold"/>
                                         <p:tgtEl>
-                                          <p:spTgt spid="10"/>
+                                          <p:spTgt spid="11"/>
                                         </p:tgtEl>
                                         <p:attrNameLst>
                                           <p:attrName>ppt_x</p:attrName>
@@ -13188,7 +13188,7 @@
                                       <p:cBhvr>
                                         <p:cTn id="68" dur="500" fill="hold"/>
                                         <p:tgtEl>
-                                          <p:spTgt spid="10"/>
+                                          <p:spTgt spid="11"/>
                                         </p:tgtEl>
                                       </p:cBhvr>
                                       <p:by x="94452" y="12500"/>
@@ -13219,7 +13219,7 @@
                                           </p:stCondLst>
                                         </p:cTn>
                                         <p:tgtEl>
-                                          <p:spTgt spid="11"/>
+                                          <p:spTgt spid="12"/>
                                         </p:tgtEl>
                                         <p:attrNameLst>
                                           <p:attrName>style.visibility</p:attrName>
@@ -13242,7 +13242,7 @@
                                       <p:cBhvr>
                                         <p:cTn id="73" dur="500"/>
                                         <p:tgtEl>
-                                          <p:spTgt spid="10"/>
+                                          <p:spTgt spid="11"/>
                                         </p:tgtEl>
                                       </p:cBhvr>
                                     </p:animEffect>
@@ -13254,7 +13254,7 @@
                                           </p:stCondLst>
                                         </p:cTn>
                                         <p:tgtEl>
-                                          <p:spTgt spid="10"/>
+                                          <p:spTgt spid="11"/>
                                         </p:tgtEl>
                                         <p:attrNameLst>
                                           <p:attrName>style.visibility</p:attrName>
@@ -13295,13 +13295,9 @@
       </p:par>
     </p:tnLst>
     <p:bldLst>
-      <p:bldP spid="5" grpId="0" animBg="1"/>
-      <p:bldP spid="5" grpId="1" animBg="1"/>
-      <p:bldP spid="5" grpId="2" animBg="1"/>
       <p:bldP spid="6" grpId="0" animBg="1"/>
       <p:bldP spid="6" grpId="1" animBg="1"/>
       <p:bldP spid="6" grpId="2" animBg="1"/>
-      <p:bldP spid="6" grpId="3" animBg="1"/>
       <p:bldP spid="7" grpId="0" animBg="1"/>
       <p:bldP spid="7" grpId="1" animBg="1"/>
       <p:bldP spid="7" grpId="2" animBg="1"/>
@@ -13319,6 +13315,10 @@
       <p:bldP spid="10" grpId="2" animBg="1"/>
       <p:bldP spid="10" grpId="3" animBg="1"/>
       <p:bldP spid="11" grpId="0" animBg="1"/>
+      <p:bldP spid="11" grpId="1" animBg="1"/>
+      <p:bldP spid="11" grpId="2" animBg="1"/>
+      <p:bldP spid="11" grpId="3" animBg="1"/>
+      <p:bldP spid="12" grpId="0" animBg="1"/>
     </p:bldLst>
   </p:timing>
 </p:sld>
@@ -13835,7 +13835,7 @@
 
 <file path=ppt/slides/slide17.xml><?xml version="1.0" encoding="utf-8"?>
 <p:sld xmlns:a="http://schemas.openxmlformats.org/drawingml/2006/main" xmlns:r="http://schemas.openxmlformats.org/officeDocument/2006/relationships" xmlns:p="http://schemas.openxmlformats.org/presentationml/2006/main">
-  <p:cSld name="PPTLabsHighlightBulletsSlide201506181734443843">
+  <p:cSld name="PPTLabsHighlightBulletsSlide201705111406343381">
     <p:spTree>
       <p:nvGrpSpPr>
         <p:cNvPr id="1" name=""/>
@@ -13852,7 +13852,7 @@
       </p:grpSpPr>
       <p:sp>
         <p:nvSpPr>
-          <p:cNvPr id="13" name="Rectangle 4"/>
+          <p:cNvPr id="5" name="Rectangle 4"/>
           <p:cNvSpPr/>
           <p:nvPr/>
         </p:nvSpPr>
@@ -13895,7 +13895,7 @@
       </p:sp>
       <p:sp>
         <p:nvSpPr>
-          <p:cNvPr id="5" name="PPTLabsHighlightBackgroundShape201506181734443923"/>
+          <p:cNvPr id="6" name="PPTLabsHighlightBackgroundShape201705111406343662"/>
           <p:cNvSpPr>
             <a:spLocks/>
           </p:cNvSpPr>
@@ -13965,7 +13965,7 @@
       </p:sp>
       <p:sp>
         <p:nvSpPr>
-          <p:cNvPr id="6" name="PPTLabsHighlightBackgroundShape201506181734443973"/>
+          <p:cNvPr id="7" name="PPTLabsHighlightBackgroundShape201705111406343702"/>
           <p:cNvSpPr>
             <a:spLocks/>
           </p:cNvSpPr>
@@ -14035,7 +14035,7 @@
       </p:sp>
       <p:sp>
         <p:nvSpPr>
-          <p:cNvPr id="7" name="PPTLabsHighlightBackgroundShape201506181734444013"/>
+          <p:cNvPr id="8" name="PPTLabsHighlightBackgroundShape201705111406343722"/>
           <p:cNvSpPr>
             <a:spLocks/>
           </p:cNvSpPr>
@@ -14105,7 +14105,7 @@
       </p:sp>
       <p:sp>
         <p:nvSpPr>
-          <p:cNvPr id="8" name="PPTLabsHighlightBackgroundShape201506181734444053"/>
+          <p:cNvPr id="9" name="PPTLabsHighlightBackgroundShape201705111406343732"/>
           <p:cNvSpPr>
             <a:spLocks/>
           </p:cNvSpPr>
@@ -14175,7 +14175,88 @@
       </p:sp>
       <p:sp>
         <p:nvSpPr>
-          <p:cNvPr id="10" name="PPTLabsHighlightBackgroundShape201506181734444113"/>
+          <p:cNvPr id="2" name="HighlightBackgroundShaped108a7e5-8eab-4301-8593-c035661b65c0"/>
+          <p:cNvSpPr txBox="1"/>
+          <p:nvPr/>
+        </p:nvSpPr>
+        <p:spPr>
+          <a:xfrm>
+            <a:off x="304800" y="381000"/>
+            <a:ext cx="7620000" cy="2400657"/>
+          </a:xfrm>
+          <a:prstGeom prst="rect">
+            <a:avLst/>
+          </a:prstGeom>
+          <a:noFill/>
+        </p:spPr>
+        <p:txBody>
+          <a:bodyPr wrap="square" rtlCol="0">
+            <a:spAutoFit/>
+          </a:bodyPr>
+          <a:lstStyle/>
+          <a:p>
+            <a:pPr marL="285750" indent="-285750">
+              <a:buFont typeface="Arial" panose="020B0604020202020204" pitchFamily="34" charset="0"/>
+              <a:buChar char="•"/>
+            </a:pPr>
+            <a:r>
+              <a:rPr lang="en-US" sz="2800" dirty="0" smtClean="0"/>
+              <a:t>Test - Non-ABC: 1234567890!@#$%^&amp;*()</a:t>
+            </a:r>
+          </a:p>
+          <a:p>
+            <a:r>
+              <a:rPr lang="en-US" sz="2800" dirty="0"/>
+              <a:t>Test </a:t>
+            </a:r>
+            <a:r>
+              <a:rPr lang="en-US" sz="2800" dirty="0" smtClean="0"/>
+              <a:t>– No bullet point</a:t>
+            </a:r>
+            <a:endParaRPr lang="en-US" sz="2800" dirty="0"/>
+          </a:p>
+          <a:p>
+            <a:pPr marL="514350" indent="-514350">
+              <a:buFont typeface="+mj-lt"/>
+              <a:buAutoNum type="arabicPeriod"/>
+            </a:pPr>
+            <a:r>
+              <a:rPr lang="en-US" sz="2800" dirty="0"/>
+              <a:t>Test – </a:t>
+            </a:r>
+            <a:r>
+              <a:rPr lang="en-US" sz="2800" dirty="0" smtClean="0"/>
+              <a:t>Different bullet point</a:t>
+            </a:r>
+          </a:p>
+          <a:p>
+            <a:pPr marL="285750" indent="-285750">
+              <a:buFont typeface="Arial" panose="020B0604020202020204" pitchFamily="34" charset="0"/>
+              <a:buChar char="•"/>
+            </a:pPr>
+            <a:r>
+              <a:rPr lang="en-US" sz="2800" dirty="0" smtClean="0">
+                <a:latin typeface="Times New Roman" panose="02020603050405020304" pitchFamily="18" charset="0"/>
+                <a:cs typeface="Times New Roman" panose="02020603050405020304" pitchFamily="18" charset="0"/>
+              </a:rPr>
+              <a:t>Test - Another Font Family, using Times New Roman</a:t>
+            </a:r>
+          </a:p>
+          <a:p>
+            <a:pPr marL="285750" indent="-285750">
+              <a:buFont typeface="Arial" panose="020B0604020202020204" pitchFamily="34" charset="0"/>
+              <a:buChar char="•"/>
+            </a:pPr>
+            <a:r>
+              <a:rPr lang="en-US" sz="1000" dirty="0" smtClean="0"/>
+              <a:t>Test - very small content. Test: very small content. Test: very small content. Test: very small content</a:t>
+            </a:r>
+          </a:p>
+        </p:txBody>
+      </p:sp>
+      <p:sp>
+        <p:nvSpPr>
+          <p:cNvPr id="11" name="PPTLabsHighlightBackgroundShape201705111406343762"/>
           <p:cNvSpPr>
             <a:spLocks/>
           </p:cNvSpPr>
@@ -14245,7 +14326,7 @@
       </p:sp>
       <p:sp>
         <p:nvSpPr>
-          <p:cNvPr id="11" name="PPTLabsHighlightBackgroundShape201506181734444143"/>
+          <p:cNvPr id="12" name="PPTLabsHighlightBackgroundShape201705111406343772"/>
           <p:cNvSpPr>
             <a:spLocks/>
           </p:cNvSpPr>
@@ -14315,7 +14396,7 @@
       </p:sp>
       <p:sp>
         <p:nvSpPr>
-          <p:cNvPr id="12" name="PPTLabsHighlightBackgroundShape201506181734444173"/>
+          <p:cNvPr id="13" name="PPTLabsHighlightBackgroundShape201705111406343782"/>
           <p:cNvSpPr/>
           <p:nvPr>
             <p:custDataLst>
@@ -14383,7 +14464,224 @@
       </p:sp>
       <p:sp>
         <p:nvSpPr>
-          <p:cNvPr id="9" name="PPTLabsHighlightBackgroundShape201506181734444083"/>
+          <p:cNvPr id="3" name="HighlightBackgroundShapee876e799-145c-4ac4-a5c9-2f5c4db0dea7"/>
+          <p:cNvSpPr txBox="1"/>
+          <p:nvPr/>
+        </p:nvSpPr>
+        <p:spPr>
+          <a:xfrm>
+            <a:off x="1524000" y="3048000"/>
+            <a:ext cx="7620000" cy="3600986"/>
+          </a:xfrm>
+          <a:prstGeom prst="rect">
+            <a:avLst/>
+          </a:prstGeom>
+          <a:noFill/>
+        </p:spPr>
+        <p:txBody>
+          <a:bodyPr wrap="square" rtlCol="0">
+            <a:spAutoFit/>
+          </a:bodyPr>
+          <a:lstStyle/>
+          <a:p>
+            <a:pPr marL="285750" indent="-285750">
+              <a:buFont typeface="Arial" panose="020B0604020202020204" pitchFamily="34" charset="0"/>
+              <a:buChar char="•"/>
+            </a:pPr>
+            <a:r>
+              <a:rPr lang="en-US" sz="6600" dirty="0" smtClean="0">
+                <a:latin typeface="Arial Black" panose="020B0A04020102020204" pitchFamily="34" charset="0"/>
+              </a:rPr>
+              <a:t>Test - very big</a:t>
+            </a:r>
+          </a:p>
+          <a:p>
+            <a:pPr marL="285750" indent="-285750">
+              <a:buFont typeface="Arial" panose="020B0604020202020204" pitchFamily="34" charset="0"/>
+              <a:buChar char="•"/>
+            </a:pPr>
+            <a:r>
+              <a:rPr lang="en-US" sz="3600" dirty="0" smtClean="0"/>
+              <a:t>Test – Long sentence: </a:t>
+            </a:r>
+            <a:r>
+              <a:rPr lang="en-US" sz="3600" dirty="0" err="1" smtClean="0"/>
+              <a:t>Asdddd</a:t>
+            </a:r>
+            <a:r>
+              <a:rPr lang="en-US" sz="3600" dirty="0" smtClean="0"/>
+              <a:t> </a:t>
+            </a:r>
+            <a:r>
+              <a:rPr lang="en-US" sz="3600" dirty="0" err="1" smtClean="0"/>
+              <a:t>ddd</a:t>
+            </a:r>
+            <a:r>
+              <a:rPr lang="en-US" sz="3600" dirty="0" smtClean="0"/>
+              <a:t> </a:t>
+            </a:r>
+            <a:r>
+              <a:rPr lang="en-US" sz="3600" dirty="0" err="1" smtClean="0"/>
+              <a:t>dd</a:t>
+            </a:r>
+            <a:r>
+              <a:rPr lang="en-US" sz="3600" dirty="0" smtClean="0"/>
+              <a:t> d </a:t>
+            </a:r>
+            <a:r>
+              <a:rPr lang="en-US" sz="3600" dirty="0" err="1" smtClean="0"/>
+              <a:t>ddddd</a:t>
+            </a:r>
+            <a:r>
+              <a:rPr lang="en-US" sz="3600" dirty="0" smtClean="0"/>
+              <a:t> </a:t>
+            </a:r>
+            <a:r>
+              <a:rPr lang="en-US" sz="3600" dirty="0" err="1" smtClean="0"/>
+              <a:t>ddd</a:t>
+            </a:r>
+            <a:r>
+              <a:rPr lang="en-US" sz="3600" dirty="0" smtClean="0"/>
+              <a:t> </a:t>
+            </a:r>
+            <a:r>
+              <a:rPr lang="en-US" sz="3600" dirty="0" err="1" smtClean="0"/>
+              <a:t>ddd</a:t>
+            </a:r>
+            <a:r>
+              <a:rPr lang="en-US" sz="3600" dirty="0" smtClean="0"/>
+              <a:t> </a:t>
+            </a:r>
+            <a:r>
+              <a:rPr lang="en-US" sz="3600" dirty="0" err="1" smtClean="0"/>
+              <a:t>ddd</a:t>
+            </a:r>
+            <a:r>
+              <a:rPr lang="en-US" sz="3600" dirty="0" smtClean="0"/>
+              <a:t> </a:t>
+            </a:r>
+            <a:r>
+              <a:rPr lang="en-US" sz="3600" dirty="0" err="1" smtClean="0"/>
+              <a:t>ddd</a:t>
+            </a:r>
+            <a:r>
+              <a:rPr lang="en-US" sz="3600" dirty="0" smtClean="0"/>
+              <a:t> </a:t>
+            </a:r>
+            <a:r>
+              <a:rPr lang="en-US" sz="3600" dirty="0" err="1" smtClean="0"/>
+              <a:t>ddd</a:t>
+            </a:r>
+            <a:r>
+              <a:rPr lang="en-US" sz="3600" dirty="0" smtClean="0"/>
+              <a:t> </a:t>
+            </a:r>
+            <a:r>
+              <a:rPr lang="en-US" sz="3600" dirty="0" err="1" smtClean="0"/>
+              <a:t>ddd</a:t>
+            </a:r>
+            <a:r>
+              <a:rPr lang="en-US" sz="3600" dirty="0" smtClean="0"/>
+              <a:t> </a:t>
+            </a:r>
+            <a:r>
+              <a:rPr lang="en-US" sz="3600" dirty="0" err="1" smtClean="0"/>
+              <a:t>ddd</a:t>
+            </a:r>
+            <a:r>
+              <a:rPr lang="en-US" sz="3600" dirty="0" smtClean="0"/>
+              <a:t> </a:t>
+            </a:r>
+            <a:r>
+              <a:rPr lang="en-US" sz="3600" dirty="0" err="1" smtClean="0"/>
+              <a:t>dddddd</a:t>
+            </a:r>
+            <a:r>
+              <a:rPr lang="en-US" sz="3600" dirty="0" smtClean="0"/>
+              <a:t> </a:t>
+            </a:r>
+            <a:r>
+              <a:rPr lang="en-US" sz="3600" dirty="0" err="1" smtClean="0"/>
+              <a:t>dd</a:t>
+            </a:r>
+            <a:r>
+              <a:rPr lang="en-US" sz="3600" dirty="0" smtClean="0"/>
+              <a:t> </a:t>
+            </a:r>
+            <a:r>
+              <a:rPr lang="en-US" sz="3600" dirty="0" err="1" smtClean="0"/>
+              <a:t>ddd</a:t>
+            </a:r>
+            <a:r>
+              <a:rPr lang="en-US" sz="3600" dirty="0" smtClean="0"/>
+              <a:t> </a:t>
+            </a:r>
+            <a:r>
+              <a:rPr lang="en-US" sz="3600" dirty="0" err="1" smtClean="0"/>
+              <a:t>ddddd</a:t>
+            </a:r>
+            <a:r>
+              <a:rPr lang="en-US" sz="3600" dirty="0" smtClean="0"/>
+              <a:t> </a:t>
+            </a:r>
+            <a:r>
+              <a:rPr lang="en-US" sz="3600" dirty="0" err="1" smtClean="0"/>
+              <a:t>dd</a:t>
+            </a:r>
+            <a:r>
+              <a:rPr lang="en-US" sz="3600" dirty="0" smtClean="0"/>
+              <a:t> </a:t>
+            </a:r>
+            <a:r>
+              <a:rPr lang="en-US" sz="3600" dirty="0" err="1" smtClean="0"/>
+              <a:t>dd</a:t>
+            </a:r>
+            <a:r>
+              <a:rPr lang="en-US" sz="3600" dirty="0" smtClean="0"/>
+              <a:t> d </a:t>
+            </a:r>
+            <a:r>
+              <a:rPr lang="en-US" sz="3600" dirty="0" err="1" smtClean="0"/>
+              <a:t>ddd</a:t>
+            </a:r>
+            <a:r>
+              <a:rPr lang="en-US" sz="3600" dirty="0" smtClean="0"/>
+              <a:t> </a:t>
+            </a:r>
+            <a:r>
+              <a:rPr lang="en-US" sz="3600" dirty="0" err="1" smtClean="0"/>
+              <a:t>ddd</a:t>
+            </a:r>
+            <a:endParaRPr lang="en-US" sz="3600" dirty="0" smtClean="0"/>
+          </a:p>
+          <a:p>
+            <a:pPr marL="285750" indent="-285750">
+              <a:buFont typeface="Arial" panose="020B0604020202020204" pitchFamily="34" charset="0"/>
+              <a:buChar char="•"/>
+            </a:pPr>
+            <a:r>
+              <a:rPr lang="en-US" altLang="zh-CN" dirty="0" smtClean="0"/>
+              <a:t>Test – Chinese Characters: </a:t>
+            </a:r>
+            <a:r>
+              <a:rPr lang="zh-CN" altLang="en-US" dirty="0" smtClean="0"/>
+              <a:t>阿</a:t>
+            </a:r>
+            <a:r>
+              <a:rPr lang="zh-CN" altLang="en-US" dirty="0"/>
+              <a:t>斯</a:t>
+            </a:r>
+            <a:r>
+              <a:rPr lang="zh-CN" altLang="en-US" dirty="0" smtClean="0"/>
+              <a:t>顿啊盛大速度啊盛大速度啊盛大速度</a:t>
+            </a:r>
+            <a:endParaRPr lang="en-SG" dirty="0"/>
+          </a:p>
+        </p:txBody>
+      </p:sp>
+      <p:sp>
+        <p:nvSpPr>
+          <p:cNvPr id="10" name="PPTLabsHighlightBackgroundShape201705111406343752"/>
           <p:cNvSpPr>
             <a:spLocks/>
           </p:cNvSpPr>
@@ -14453,305 +14751,7 @@
       </p:sp>
       <p:sp>
         <p:nvSpPr>
-          <p:cNvPr id="2" name="HighlightBackgroundShapeea60d9b9-ed30-4da3-a1da-6902e7f48621"/>
-          <p:cNvSpPr txBox="1"/>
-          <p:nvPr/>
-        </p:nvSpPr>
-        <p:spPr>
-          <a:xfrm>
-            <a:off x="304800" y="381000"/>
-            <a:ext cx="7620000" cy="2400657"/>
-          </a:xfrm>
-          <a:prstGeom prst="rect">
-            <a:avLst/>
-          </a:prstGeom>
-          <a:noFill/>
-        </p:spPr>
-        <p:txBody>
-          <a:bodyPr wrap="square" rtlCol="0">
-            <a:spAutoFit/>
-          </a:bodyPr>
-          <a:lstStyle/>
-          <a:p>
-            <a:pPr marL="285750" indent="-285750">
-              <a:buFont typeface="Arial" panose="020B0604020202020204" pitchFamily="34" charset="0"/>
-              <a:buChar char="•"/>
-            </a:pPr>
-            <a:r>
-              <a:rPr lang="en-US" sz="2800" dirty="0" smtClean="0"/>
-              <a:t>Test - Non-ABC: 1234567890!@#$%^&amp;*()</a:t>
-            </a:r>
-          </a:p>
-          <a:p>
-            <a:r>
-              <a:rPr lang="en-US" sz="2800" dirty="0"/>
-              <a:t>Test </a:t>
-            </a:r>
-            <a:r>
-              <a:rPr lang="en-US" sz="2800" dirty="0" smtClean="0"/>
-              <a:t>– No bullet point</a:t>
-            </a:r>
-            <a:endParaRPr lang="en-US" sz="2800" dirty="0"/>
-          </a:p>
-          <a:p>
-            <a:pPr marL="514350" indent="-514350">
-              <a:buFont typeface="+mj-lt"/>
-              <a:buAutoNum type="arabicPeriod"/>
-            </a:pPr>
-            <a:r>
-              <a:rPr lang="en-US" sz="2800" dirty="0"/>
-              <a:t>Test – </a:t>
-            </a:r>
-            <a:r>
-              <a:rPr lang="en-US" sz="2800" dirty="0" smtClean="0"/>
-              <a:t>Different bullet point</a:t>
-            </a:r>
-          </a:p>
-          <a:p>
-            <a:pPr marL="285750" indent="-285750">
-              <a:buFont typeface="Arial" panose="020B0604020202020204" pitchFamily="34" charset="0"/>
-              <a:buChar char="•"/>
-            </a:pPr>
-            <a:r>
-              <a:rPr lang="en-US" sz="2800" dirty="0" smtClean="0">
-                <a:latin typeface="Times New Roman" panose="02020603050405020304" pitchFamily="18" charset="0"/>
-                <a:cs typeface="Times New Roman" panose="02020603050405020304" pitchFamily="18" charset="0"/>
-              </a:rPr>
-              <a:t>Test - Another Font Family, using Times New Roman</a:t>
-            </a:r>
-          </a:p>
-          <a:p>
-            <a:pPr marL="285750" indent="-285750">
-              <a:buFont typeface="Arial" panose="020B0604020202020204" pitchFamily="34" charset="0"/>
-              <a:buChar char="•"/>
-            </a:pPr>
-            <a:r>
-              <a:rPr lang="en-US" sz="1000" dirty="0" smtClean="0"/>
-              <a:t>Test - very small content. Test: very small content. Test: very small content. Test: very small content</a:t>
-            </a:r>
-          </a:p>
-        </p:txBody>
-      </p:sp>
-      <p:sp>
-        <p:nvSpPr>
-          <p:cNvPr id="3" name="HighlightBackgroundShapec485a6a5-1d97-42dc-ab66-ce7355d7009d"/>
-          <p:cNvSpPr txBox="1"/>
-          <p:nvPr/>
-        </p:nvSpPr>
-        <p:spPr>
-          <a:xfrm>
-            <a:off x="1524000" y="3048000"/>
-            <a:ext cx="7620000" cy="3600986"/>
-          </a:xfrm>
-          <a:prstGeom prst="rect">
-            <a:avLst/>
-          </a:prstGeom>
-          <a:noFill/>
-        </p:spPr>
-        <p:txBody>
-          <a:bodyPr wrap="square" rtlCol="0">
-            <a:spAutoFit/>
-          </a:bodyPr>
-          <a:lstStyle/>
-          <a:p>
-            <a:pPr marL="285750" indent="-285750">
-              <a:buFont typeface="Arial" panose="020B0604020202020204" pitchFamily="34" charset="0"/>
-              <a:buChar char="•"/>
-            </a:pPr>
-            <a:r>
-              <a:rPr lang="en-US" sz="6600" dirty="0" smtClean="0">
-                <a:latin typeface="Arial Black" panose="020B0A04020102020204" pitchFamily="34" charset="0"/>
-              </a:rPr>
-              <a:t>Test - very big</a:t>
-            </a:r>
-          </a:p>
-          <a:p>
-            <a:pPr marL="285750" indent="-285750">
-              <a:buFont typeface="Arial" panose="020B0604020202020204" pitchFamily="34" charset="0"/>
-              <a:buChar char="•"/>
-            </a:pPr>
-            <a:r>
-              <a:rPr lang="en-US" sz="3600" dirty="0" smtClean="0"/>
-              <a:t>Test – Long sentence: </a:t>
-            </a:r>
-            <a:r>
-              <a:rPr lang="en-US" sz="3600" dirty="0" err="1" smtClean="0"/>
-              <a:t>Asdddd</a:t>
-            </a:r>
-            <a:r>
-              <a:rPr lang="en-US" sz="3600" dirty="0" smtClean="0"/>
-              <a:t> </a:t>
-            </a:r>
-            <a:r>
-              <a:rPr lang="en-US" sz="3600" dirty="0" err="1" smtClean="0"/>
-              <a:t>ddd</a:t>
-            </a:r>
-            <a:r>
-              <a:rPr lang="en-US" sz="3600" dirty="0" smtClean="0"/>
-              <a:t> </a:t>
-            </a:r>
-            <a:r>
-              <a:rPr lang="en-US" sz="3600" dirty="0" err="1" smtClean="0"/>
-              <a:t>dd</a:t>
-            </a:r>
-            <a:r>
-              <a:rPr lang="en-US" sz="3600" dirty="0" smtClean="0"/>
-              <a:t> d </a:t>
-            </a:r>
-            <a:r>
-              <a:rPr lang="en-US" sz="3600" dirty="0" err="1" smtClean="0"/>
-              <a:t>ddddd</a:t>
-            </a:r>
-            <a:r>
-              <a:rPr lang="en-US" sz="3600" dirty="0" smtClean="0"/>
-              <a:t> </a:t>
-            </a:r>
-            <a:r>
-              <a:rPr lang="en-US" sz="3600" dirty="0" err="1" smtClean="0"/>
-              <a:t>ddd</a:t>
-            </a:r>
-            <a:r>
-              <a:rPr lang="en-US" sz="3600" dirty="0" smtClean="0"/>
-              <a:t> </a:t>
-            </a:r>
-            <a:r>
-              <a:rPr lang="en-US" sz="3600" dirty="0" err="1" smtClean="0"/>
-              <a:t>ddd</a:t>
-            </a:r>
-            <a:r>
-              <a:rPr lang="en-US" sz="3600" dirty="0" smtClean="0"/>
-              <a:t> </a:t>
-            </a:r>
-            <a:r>
-              <a:rPr lang="en-US" sz="3600" dirty="0" err="1" smtClean="0"/>
-              <a:t>ddd</a:t>
-            </a:r>
-            <a:r>
-              <a:rPr lang="en-US" sz="3600" dirty="0" smtClean="0"/>
-              <a:t> </a:t>
-            </a:r>
-            <a:r>
-              <a:rPr lang="en-US" sz="3600" dirty="0" err="1" smtClean="0"/>
-              <a:t>ddd</a:t>
-            </a:r>
-            <a:r>
-              <a:rPr lang="en-US" sz="3600" dirty="0" smtClean="0"/>
-              <a:t> </a:t>
-            </a:r>
-            <a:r>
-              <a:rPr lang="en-US" sz="3600" dirty="0" err="1" smtClean="0"/>
-              <a:t>ddd</a:t>
-            </a:r>
-            <a:r>
-              <a:rPr lang="en-US" sz="3600" dirty="0" smtClean="0"/>
-              <a:t> </a:t>
-            </a:r>
-            <a:r>
-              <a:rPr lang="en-US" sz="3600" dirty="0" err="1" smtClean="0"/>
-              <a:t>ddd</a:t>
-            </a:r>
-            <a:r>
-              <a:rPr lang="en-US" sz="3600" dirty="0" smtClean="0"/>
-              <a:t> </a:t>
-            </a:r>
-            <a:r>
-              <a:rPr lang="en-US" sz="3600" dirty="0" err="1" smtClean="0"/>
-              <a:t>ddd</a:t>
-            </a:r>
-            <a:r>
-              <a:rPr lang="en-US" sz="3600" dirty="0" smtClean="0"/>
-              <a:t> </a:t>
-            </a:r>
-            <a:r>
-              <a:rPr lang="en-US" sz="3600" dirty="0" err="1" smtClean="0"/>
-              <a:t>dddddd</a:t>
-            </a:r>
-            <a:r>
-              <a:rPr lang="en-US" sz="3600" dirty="0" smtClean="0"/>
-              <a:t> </a:t>
-            </a:r>
-            <a:r>
-              <a:rPr lang="en-US" sz="3600" dirty="0" err="1" smtClean="0"/>
-              <a:t>dd</a:t>
-            </a:r>
-            <a:r>
-              <a:rPr lang="en-US" sz="3600" dirty="0" smtClean="0"/>
-              <a:t> </a:t>
-            </a:r>
-            <a:r>
-              <a:rPr lang="en-US" sz="3600" dirty="0" err="1" smtClean="0"/>
-              <a:t>ddd</a:t>
-            </a:r>
-            <a:r>
-              <a:rPr lang="en-US" sz="3600" dirty="0" smtClean="0"/>
-              <a:t> </a:t>
-            </a:r>
-            <a:r>
-              <a:rPr lang="en-US" sz="3600" dirty="0" err="1" smtClean="0"/>
-              <a:t>ddddd</a:t>
-            </a:r>
-            <a:r>
-              <a:rPr lang="en-US" sz="3600" dirty="0" smtClean="0"/>
-              <a:t> </a:t>
-            </a:r>
-            <a:r>
-              <a:rPr lang="en-US" sz="3600" dirty="0" err="1" smtClean="0"/>
-              <a:t>dd</a:t>
-            </a:r>
-            <a:r>
-              <a:rPr lang="en-US" sz="3600" dirty="0" smtClean="0"/>
-              <a:t> </a:t>
-            </a:r>
-            <a:r>
-              <a:rPr lang="en-US" sz="3600" dirty="0" err="1" smtClean="0"/>
-              <a:t>dd</a:t>
-            </a:r>
-            <a:r>
-              <a:rPr lang="en-US" sz="3600" dirty="0" smtClean="0"/>
-              <a:t> d </a:t>
-            </a:r>
-            <a:r>
-              <a:rPr lang="en-US" sz="3600" dirty="0" err="1" smtClean="0"/>
-              <a:t>ddd</a:t>
-            </a:r>
-            <a:r>
-              <a:rPr lang="en-US" sz="3600" dirty="0" smtClean="0"/>
-              <a:t> </a:t>
-            </a:r>
-            <a:r>
-              <a:rPr lang="en-US" sz="3600" dirty="0" err="1" smtClean="0"/>
-              <a:t>ddd</a:t>
-            </a:r>
-            <a:endParaRPr lang="en-US" sz="3600" dirty="0" smtClean="0"/>
-          </a:p>
-          <a:p>
-            <a:pPr marL="285750" indent="-285750">
-              <a:buFont typeface="Arial" panose="020B0604020202020204" pitchFamily="34" charset="0"/>
-              <a:buChar char="•"/>
-            </a:pPr>
-            <a:r>
-              <a:rPr lang="en-US" altLang="zh-CN" dirty="0" smtClean="0"/>
-              <a:t>Test – Chinese Characters: </a:t>
-            </a:r>
-            <a:r>
-              <a:rPr lang="zh-CN" altLang="en-US" dirty="0" smtClean="0"/>
-              <a:t>阿</a:t>
-            </a:r>
-            <a:r>
-              <a:rPr lang="zh-CN" altLang="en-US" dirty="0"/>
-              <a:t>斯</a:t>
-            </a:r>
-            <a:r>
-              <a:rPr lang="zh-CN" altLang="en-US" dirty="0" smtClean="0"/>
-              <a:t>顿啊盛大速度啊盛大速度啊盛大速度</a:t>
-            </a:r>
-            <a:endParaRPr lang="en-SG" dirty="0"/>
-          </a:p>
-        </p:txBody>
-      </p:sp>
-      <p:sp>
-        <p:nvSpPr>
-          <p:cNvPr id="4" name="HighlightBackgroundShape2951bdb7-c805-4481-b1b6-0b041b273aa4"/>
+          <p:cNvPr id="4" name="HighlightBackgroundShape7d893c5c-e123-41e7-9afe-9dfb1db6f258"/>
           <p:cNvSpPr txBox="1"/>
           <p:nvPr/>
         </p:nvSpPr>
@@ -14782,7 +14782,7 @@
     </p:spTree>
     <p:extLst>
       <p:ext uri="{BB962C8B-B14F-4D97-AF65-F5344CB8AC3E}">
-        <p14:creationId xmlns:p14="http://schemas.microsoft.com/office/powerpoint/2010/main" val="3354436929"/>
+        <p14:creationId xmlns:p14="http://schemas.microsoft.com/office/powerpoint/2010/main" val="2583488637"/>
       </p:ext>
     </p:extLst>
   </p:cSld>
@@ -14822,7 +14822,7 @@
                                       <p:cBhvr>
                                         <p:cTn id="6" dur="500" fill="hold"/>
                                         <p:tgtEl>
-                                          <p:spTgt spid="5"/>
+                                          <p:spTgt spid="6"/>
                                         </p:tgtEl>
                                         <p:attrNameLst>
                                           <p:attrName>ppt_x</p:attrName>
@@ -14843,7 +14843,7 @@
                                       <p:cBhvr>
                                         <p:cTn id="8" dur="500" fill="hold"/>
                                         <p:tgtEl>
-                                          <p:spTgt spid="5"/>
+                                          <p:spTgt spid="6"/>
                                         </p:tgtEl>
                                       </p:cBhvr>
                                       <p:by x="66208" y="100000"/>
@@ -14874,7 +14874,7 @@
                                           </p:stCondLst>
                                         </p:cTn>
                                         <p:tgtEl>
-                                          <p:spTgt spid="6"/>
+                                          <p:spTgt spid="7"/>
                                         </p:tgtEl>
                                         <p:attrNameLst>
                                           <p:attrName>style.visibility</p:attrName>
@@ -14897,7 +14897,7 @@
                                       <p:cBhvr>
                                         <p:cTn id="13" dur="500"/>
                                         <p:tgtEl>
-                                          <p:spTgt spid="5"/>
+                                          <p:spTgt spid="6"/>
                                         </p:tgtEl>
                                       </p:cBhvr>
                                     </p:animEffect>
@@ -14909,7 +14909,7 @@
                                           </p:stCondLst>
                                         </p:cTn>
                                         <p:tgtEl>
-                                          <p:spTgt spid="5"/>
+                                          <p:spTgt spid="6"/>
                                         </p:tgtEl>
                                         <p:attrNameLst>
                                           <p:attrName>style.visibility</p:attrName>
@@ -14950,7 +14950,7 @@
                                       <p:cBhvr>
                                         <p:cTn id="18" dur="500" fill="hold"/>
                                         <p:tgtEl>
-                                          <p:spTgt spid="6"/>
+                                          <p:spTgt spid="7"/>
                                         </p:tgtEl>
                                         <p:attrNameLst>
                                           <p:attrName>ppt_x</p:attrName>
@@ -14971,7 +14971,7 @@
                                       <p:cBhvr>
                                         <p:cTn id="20" dur="500" fill="hold"/>
                                         <p:tgtEl>
-                                          <p:spTgt spid="6"/>
+                                          <p:spTgt spid="7"/>
                                         </p:tgtEl>
                                       </p:cBhvr>
                                       <p:by x="164024" y="200000"/>
@@ -15002,7 +15002,7 @@
                                           </p:stCondLst>
                                         </p:cTn>
                                         <p:tgtEl>
-                                          <p:spTgt spid="7"/>
+                                          <p:spTgt spid="8"/>
                                         </p:tgtEl>
                                         <p:attrNameLst>
                                           <p:attrName>style.visibility</p:attrName>
@@ -15025,7 +15025,7 @@
                                       <p:cBhvr>
                                         <p:cTn id="25" dur="500"/>
                                         <p:tgtEl>
-                                          <p:spTgt spid="6"/>
+                                          <p:spTgt spid="7"/>
                                         </p:tgtEl>
                                       </p:cBhvr>
                                     </p:animEffect>
@@ -15037,7 +15037,7 @@
                                           </p:stCondLst>
                                         </p:cTn>
                                         <p:tgtEl>
-                                          <p:spTgt spid="6"/>
+                                          <p:spTgt spid="7"/>
                                         </p:tgtEl>
                                         <p:attrNameLst>
                                           <p:attrName>style.visibility</p:attrName>
@@ -15078,7 +15078,7 @@
                                       <p:cBhvr>
                                         <p:cTn id="30" dur="500" fill="hold"/>
                                         <p:tgtEl>
-                                          <p:spTgt spid="7"/>
+                                          <p:spTgt spid="8"/>
                                         </p:tgtEl>
                                         <p:attrNameLst>
                                           <p:attrName>ppt_x</p:attrName>
@@ -15099,7 +15099,7 @@
                                       <p:cBhvr>
                                         <p:cTn id="32" dur="500" fill="hold"/>
                                         <p:tgtEl>
-                                          <p:spTgt spid="7"/>
+                                          <p:spTgt spid="8"/>
                                         </p:tgtEl>
                                       </p:cBhvr>
                                       <p:by x="77849" y="17857"/>
@@ -15130,7 +15130,7 @@
                                           </p:stCondLst>
                                         </p:cTn>
                                         <p:tgtEl>
-                                          <p:spTgt spid="8"/>
+                                          <p:spTgt spid="9"/>
                                         </p:tgtEl>
                                         <p:attrNameLst>
                                           <p:attrName>style.visibility</p:attrName>
@@ -15153,7 +15153,7 @@
                                       <p:cBhvr>
                                         <p:cTn id="37" dur="500"/>
                                         <p:tgtEl>
-                                          <p:spTgt spid="7"/>
+                                          <p:spTgt spid="8"/>
                                         </p:tgtEl>
                                       </p:cBhvr>
                                     </p:animEffect>
@@ -15165,7 +15165,7 @@
                                           </p:stCondLst>
                                         </p:cTn>
                                         <p:tgtEl>
-                                          <p:spTgt spid="7"/>
+                                          <p:spTgt spid="8"/>
                                         </p:tgtEl>
                                         <p:attrNameLst>
                                           <p:attrName>style.visibility</p:attrName>
@@ -15206,7 +15206,7 @@
                                       <p:cBhvr>
                                         <p:cTn id="42" dur="500" fill="hold"/>
                                         <p:tgtEl>
-                                          <p:spTgt spid="8"/>
+                                          <p:spTgt spid="9"/>
                                         </p:tgtEl>
                                         <p:attrNameLst>
                                           <p:attrName>ppt_x</p:attrName>
@@ -15227,7 +15227,7 @@
                                       <p:cBhvr>
                                         <p:cTn id="44" dur="500" fill="hold"/>
                                         <p:tgtEl>
-                                          <p:spTgt spid="8"/>
+                                          <p:spTgt spid="9"/>
                                         </p:tgtEl>
                                       </p:cBhvr>
                                       <p:by x="19066" y="400000"/>
@@ -15258,7 +15258,7 @@
                                           </p:stCondLst>
                                         </p:cTn>
                                         <p:tgtEl>
-                                          <p:spTgt spid="9"/>
+                                          <p:spTgt spid="10"/>
                                         </p:tgtEl>
                                         <p:attrNameLst>
                                           <p:attrName>style.visibility</p:attrName>
@@ -15281,7 +15281,7 @@
                                       <p:cBhvr>
                                         <p:cTn id="49" dur="500"/>
                                         <p:tgtEl>
-                                          <p:spTgt spid="8"/>
+                                          <p:spTgt spid="9"/>
                                         </p:tgtEl>
                                       </p:cBhvr>
                                     </p:animEffect>
@@ -15293,7 +15293,7 @@
                                           </p:stCondLst>
                                         </p:cTn>
                                         <p:tgtEl>
-                                          <p:spTgt spid="8"/>
+                                          <p:spTgt spid="9"/>
                                         </p:tgtEl>
                                         <p:attrNameLst>
                                           <p:attrName>style.visibility</p:attrName>
@@ -15334,7 +15334,7 @@
                                       <p:cBhvr>
                                         <p:cTn id="54" dur="500" fill="hold"/>
                                         <p:tgtEl>
-                                          <p:spTgt spid="9"/>
+                                          <p:spTgt spid="10"/>
                                         </p:tgtEl>
                                         <p:attrNameLst>
                                           <p:attrName>ppt_x</p:attrName>
@@ -15355,7 +15355,7 @@
                                       <p:cBhvr>
                                         <p:cTn id="56" dur="500" fill="hold"/>
                                         <p:tgtEl>
-                                          <p:spTgt spid="9"/>
+                                          <p:spTgt spid="10"/>
                                         </p:tgtEl>
                                       </p:cBhvr>
                                       <p:by x="691842" y="165000"/>
@@ -15386,7 +15386,7 @@
                                           </p:stCondLst>
                                         </p:cTn>
                                         <p:tgtEl>
-                                          <p:spTgt spid="10"/>
+                                          <p:spTgt spid="11"/>
                                         </p:tgtEl>
                                         <p:attrNameLst>
                                           <p:attrName>style.visibility</p:attrName>
@@ -15409,7 +15409,7 @@
                                       <p:cBhvr>
                                         <p:cTn id="61" dur="500"/>
                                         <p:tgtEl>
-                                          <p:spTgt spid="9"/>
+                                          <p:spTgt spid="10"/>
                                         </p:tgtEl>
                                       </p:cBhvr>
                                     </p:animEffect>
@@ -15421,7 +15421,7 @@
                                           </p:stCondLst>
                                         </p:cTn>
                                         <p:tgtEl>
-                                          <p:spTgt spid="9"/>
+                                          <p:spTgt spid="10"/>
                                         </p:tgtEl>
                                         <p:attrNameLst>
                                           <p:attrName>style.visibility</p:attrName>
@@ -15462,7 +15462,7 @@
                                       <p:cBhvr>
                                         <p:cTn id="66" dur="500" fill="hold"/>
                                         <p:tgtEl>
-                                          <p:spTgt spid="10"/>
+                                          <p:spTgt spid="11"/>
                                         </p:tgtEl>
                                         <p:attrNameLst>
                                           <p:attrName>ppt_x</p:attrName>
@@ -15483,7 +15483,7 @@
                                       <p:cBhvr>
                                         <p:cTn id="68" dur="500" fill="hold"/>
                                         <p:tgtEl>
-                                          <p:spTgt spid="10"/>
+                                          <p:spTgt spid="11"/>
                                         </p:tgtEl>
                                       </p:cBhvr>
                                       <p:by x="102956" y="218182"/>
@@ -15514,7 +15514,7 @@
                                           </p:stCondLst>
                                         </p:cTn>
                                         <p:tgtEl>
-                                          <p:spTgt spid="11"/>
+                                          <p:spTgt spid="12"/>
                                         </p:tgtEl>
                                         <p:attrNameLst>
                                           <p:attrName>style.visibility</p:attrName>
@@ -15537,7 +15537,7 @@
                                       <p:cBhvr>
                                         <p:cTn id="73" dur="500"/>
                                         <p:tgtEl>
-                                          <p:spTgt spid="10"/>
+                                          <p:spTgt spid="11"/>
                                         </p:tgtEl>
                                       </p:cBhvr>
                                     </p:animEffect>
@@ -15549,7 +15549,7 @@
                                           </p:stCondLst>
                                         </p:cTn>
                                         <p:tgtEl>
-                                          <p:spTgt spid="10"/>
+                                          <p:spTgt spid="11"/>
                                         </p:tgtEl>
                                         <p:attrNameLst>
                                           <p:attrName>style.visibility</p:attrName>
@@ -15590,7 +15590,7 @@
                                       <p:cBhvr>
                                         <p:cTn id="78" dur="500" fill="hold"/>
                                         <p:tgtEl>
-                                          <p:spTgt spid="11"/>
+                                          <p:spTgt spid="12"/>
                                         </p:tgtEl>
                                         <p:attrNameLst>
                                           <p:attrName>ppt_x</p:attrName>
@@ -15611,7 +15611,7 @@
                                       <p:cBhvr>
                                         <p:cTn id="80" dur="500" fill="hold"/>
                                         <p:tgtEl>
-                                          <p:spTgt spid="11"/>
+                                          <p:spTgt spid="12"/>
                                         </p:tgtEl>
                                       </p:cBhvr>
                                       <p:by x="94452" y="12500"/>
@@ -15642,7 +15642,7 @@
                                           </p:stCondLst>
                                         </p:cTn>
                                         <p:tgtEl>
-                                          <p:spTgt spid="12"/>
+                                          <p:spTgt spid="13"/>
                                         </p:tgtEl>
                                         <p:attrNameLst>
                                           <p:attrName>style.visibility</p:attrName>
@@ -15665,7 +15665,7 @@
                                       <p:cBhvr>
                                         <p:cTn id="85" dur="500"/>
                                         <p:tgtEl>
-                                          <p:spTgt spid="11"/>
+                                          <p:spTgt spid="12"/>
                                         </p:tgtEl>
                                       </p:cBhvr>
                                     </p:animEffect>
@@ -15677,7 +15677,7 @@
                                           </p:stCondLst>
                                         </p:cTn>
                                         <p:tgtEl>
-                                          <p:spTgt spid="11"/>
+                                          <p:spTgt spid="12"/>
                                         </p:tgtEl>
                                         <p:attrNameLst>
                                           <p:attrName>style.visibility</p:attrName>
@@ -15718,13 +15718,9 @@
       </p:par>
     </p:tnLst>
     <p:bldLst>
-      <p:bldP spid="5" grpId="0" animBg="1"/>
-      <p:bldP spid="5" grpId="1" animBg="1"/>
-      <p:bldP spid="5" grpId="2" animBg="1"/>
       <p:bldP spid="6" grpId="0" animBg="1"/>
       <p:bldP spid="6" grpId="1" animBg="1"/>
       <p:bldP spid="6" grpId="2" animBg="1"/>
-      <p:bldP spid="6" grpId="3" animBg="1"/>
       <p:bldP spid="7" grpId="0" animBg="1"/>
       <p:bldP spid="7" grpId="1" animBg="1"/>
       <p:bldP spid="7" grpId="2" animBg="1"/>
@@ -15733,19 +15729,23 @@
       <p:bldP spid="8" grpId="1" animBg="1"/>
       <p:bldP spid="8" grpId="2" animBg="1"/>
       <p:bldP spid="8" grpId="3" animBg="1"/>
-      <p:bldP spid="10" grpId="0" animBg="1"/>
-      <p:bldP spid="10" grpId="1" animBg="1"/>
-      <p:bldP spid="10" grpId="2" animBg="1"/>
-      <p:bldP spid="10" grpId="3" animBg="1"/>
+      <p:bldP spid="9" grpId="0" animBg="1"/>
+      <p:bldP spid="9" grpId="1" animBg="1"/>
+      <p:bldP spid="9" grpId="2" animBg="1"/>
+      <p:bldP spid="9" grpId="3" animBg="1"/>
       <p:bldP spid="11" grpId="0" animBg="1"/>
       <p:bldP spid="11" grpId="1" animBg="1"/>
       <p:bldP spid="11" grpId="2" animBg="1"/>
       <p:bldP spid="11" grpId="3" animBg="1"/>
       <p:bldP spid="12" grpId="0" animBg="1"/>
-      <p:bldP spid="9" grpId="0" animBg="1"/>
-      <p:bldP spid="9" grpId="1" animBg="1"/>
-      <p:bldP spid="9" grpId="2" animBg="1"/>
-      <p:bldP spid="9" grpId="3" animBg="1"/>
+      <p:bldP spid="12" grpId="1" animBg="1"/>
+      <p:bldP spid="12" grpId="2" animBg="1"/>
+      <p:bldP spid="12" grpId="3" animBg="1"/>
+      <p:bldP spid="13" grpId="0" animBg="1"/>
+      <p:bldP spid="10" grpId="0" animBg="1"/>
+      <p:bldP spid="10" grpId="1" animBg="1"/>
+      <p:bldP spid="10" grpId="2" animBg="1"/>
+      <p:bldP spid="10" grpId="3" animBg="1"/>
     </p:bldLst>
   </p:timing>
 </p:sld>
@@ -28230,43 +28230,43 @@
 
 <file path=ppt/tags/tag1.xml><?xml version="1.0" encoding="utf-8"?>
 <p:tagLst xmlns:a="http://schemas.openxmlformats.org/drawingml/2006/main" xmlns:r="http://schemas.openxmlformats.org/officeDocument/2006/relationships" xmlns:p="http://schemas.openxmlformats.org/presentationml/2006/main">
-  <p:tag name="HIGHLIGHTBACKGROUND" val="HighlightBackgroundShape961d3f1e-187d-4b94-8f93-1be85193a105"/>
+  <p:tag name="HIGHLIGHTBACKGROUND" val="HighlightBackgroundShape9ac65b45-57f9-496b-b14a-3366aa98ee7a"/>
 </p:tagLst>
 </file>
 
 <file path=ppt/tags/tag10.xml><?xml version="1.0" encoding="utf-8"?>
 <p:tagLst xmlns:a="http://schemas.openxmlformats.org/drawingml/2006/main" xmlns:r="http://schemas.openxmlformats.org/officeDocument/2006/relationships" xmlns:p="http://schemas.openxmlformats.org/presentationml/2006/main">
-  <p:tag name="HIGHLIGHTBACKGROUND" val="HighlightBackgroundShapeea60d9b9-ed30-4da3-a1da-6902e7f48621"/>
+  <p:tag name="HIGHLIGHTBACKGROUND" val="HighlightBackgroundShaped108a7e5-8eab-4301-8593-c035661b65c0"/>
 </p:tagLst>
 </file>
 
 <file path=ppt/tags/tag11.xml><?xml version="1.0" encoding="utf-8"?>
 <p:tagLst xmlns:a="http://schemas.openxmlformats.org/drawingml/2006/main" xmlns:r="http://schemas.openxmlformats.org/officeDocument/2006/relationships" xmlns:p="http://schemas.openxmlformats.org/presentationml/2006/main">
-  <p:tag name="HIGHLIGHTBACKGROUND" val="HighlightBackgroundShapeea60d9b9-ed30-4da3-a1da-6902e7f48621"/>
+  <p:tag name="HIGHLIGHTBACKGROUND" val="HighlightBackgroundShaped108a7e5-8eab-4301-8593-c035661b65c0"/>
 </p:tagLst>
 </file>
 
 <file path=ppt/tags/tag12.xml><?xml version="1.0" encoding="utf-8"?>
 <p:tagLst xmlns:a="http://schemas.openxmlformats.org/drawingml/2006/main" xmlns:r="http://schemas.openxmlformats.org/officeDocument/2006/relationships" xmlns:p="http://schemas.openxmlformats.org/presentationml/2006/main">
-  <p:tag name="HIGHLIGHTBACKGROUND" val="HighlightBackgroundShapec485a6a5-1d97-42dc-ab66-ce7355d7009d"/>
+  <p:tag name="HIGHLIGHTBACKGROUND" val="HighlightBackgroundShapee876e799-145c-4ac4-a5c9-2f5c4db0dea7"/>
 </p:tagLst>
 </file>
 
 <file path=ppt/tags/tag13.xml><?xml version="1.0" encoding="utf-8"?>
 <p:tagLst xmlns:a="http://schemas.openxmlformats.org/drawingml/2006/main" xmlns:r="http://schemas.openxmlformats.org/officeDocument/2006/relationships" xmlns:p="http://schemas.openxmlformats.org/presentationml/2006/main">
-  <p:tag name="HIGHLIGHTBACKGROUND" val="HighlightBackgroundShapec485a6a5-1d97-42dc-ab66-ce7355d7009d"/>
+  <p:tag name="HIGHLIGHTBACKGROUND" val="HighlightBackgroundShapee876e799-145c-4ac4-a5c9-2f5c4db0dea7"/>
 </p:tagLst>
 </file>
 
 <file path=ppt/tags/tag14.xml><?xml version="1.0" encoding="utf-8"?>
 <p:tagLst xmlns:a="http://schemas.openxmlformats.org/drawingml/2006/main" xmlns:r="http://schemas.openxmlformats.org/officeDocument/2006/relationships" xmlns:p="http://schemas.openxmlformats.org/presentationml/2006/main">
-  <p:tag name="HIGHLIGHTBACKGROUND" val="HighlightBackgroundShapec485a6a5-1d97-42dc-ab66-ce7355d7009d"/>
+  <p:tag name="HIGHLIGHTBACKGROUND" val="HighlightBackgroundShapee876e799-145c-4ac4-a5c9-2f5c4db0dea7"/>
 </p:tagLst>
 </file>
 
 <file path=ppt/tags/tag15.xml><?xml version="1.0" encoding="utf-8"?>
 <p:tagLst xmlns:a="http://schemas.openxmlformats.org/drawingml/2006/main" xmlns:r="http://schemas.openxmlformats.org/officeDocument/2006/relationships" xmlns:p="http://schemas.openxmlformats.org/presentationml/2006/main">
-  <p:tag name="HIGHLIGHTBACKGROUND" val="HighlightBackgroundShape2951bdb7-c805-4481-b1b6-0b041b273aa4"/>
+  <p:tag name="HIGHLIGHTBACKGROUND" val="HighlightBackgroundShape7d893c5c-e123-41e7-9afe-9dfb1db6f258"/>
 </p:tagLst>
 </file>
 
@@ -28296,7 +28296,7 @@
 
 <file path=ppt/tags/tag2.xml><?xml version="1.0" encoding="utf-8"?>
 <p:tagLst xmlns:a="http://schemas.openxmlformats.org/drawingml/2006/main" xmlns:r="http://schemas.openxmlformats.org/officeDocument/2006/relationships" xmlns:p="http://schemas.openxmlformats.org/presentationml/2006/main">
-  <p:tag name="HIGHLIGHTBACKGROUND" val="HighlightBackgroundShape961d3f1e-187d-4b94-8f93-1be85193a105"/>
+  <p:tag name="HIGHLIGHTBACKGROUND" val="HighlightBackgroundShape9ac65b45-57f9-496b-b14a-3366aa98ee7a"/>
 </p:tagLst>
 </file>
 
@@ -28362,7 +28362,7 @@
 
 <file path=ppt/tags/tag3.xml><?xml version="1.0" encoding="utf-8"?>
 <p:tagLst xmlns:a="http://schemas.openxmlformats.org/drawingml/2006/main" xmlns:r="http://schemas.openxmlformats.org/officeDocument/2006/relationships" xmlns:p="http://schemas.openxmlformats.org/presentationml/2006/main">
-  <p:tag name="HIGHLIGHTBACKGROUND" val="HighlightBackgroundShape961d3f1e-187d-4b94-8f93-1be85193a105"/>
+  <p:tag name="HIGHLIGHTBACKGROUND" val="HighlightBackgroundShape9ac65b45-57f9-496b-b14a-3366aa98ee7a"/>
 </p:tagLst>
 </file>
 
@@ -28428,7 +28428,7 @@
 
 <file path=ppt/tags/tag4.xml><?xml version="1.0" encoding="utf-8"?>
 <p:tagLst xmlns:a="http://schemas.openxmlformats.org/drawingml/2006/main" xmlns:r="http://schemas.openxmlformats.org/officeDocument/2006/relationships" xmlns:p="http://schemas.openxmlformats.org/presentationml/2006/main">
-  <p:tag name="HIGHLIGHTBACKGROUND" val="HighlightBackgroundShape961d3f1e-187d-4b94-8f93-1be85193a105"/>
+  <p:tag name="HIGHLIGHTBACKGROUND" val="HighlightBackgroundShape9ac65b45-57f9-496b-b14a-3366aa98ee7a"/>
 </p:tagLst>
 </file>
 
@@ -28452,31 +28452,31 @@
 
 <file path=ppt/tags/tag5.xml><?xml version="1.0" encoding="utf-8"?>
 <p:tagLst xmlns:a="http://schemas.openxmlformats.org/drawingml/2006/main" xmlns:r="http://schemas.openxmlformats.org/officeDocument/2006/relationships" xmlns:p="http://schemas.openxmlformats.org/presentationml/2006/main">
-  <p:tag name="HIGHLIGHTBACKGROUND" val="HighlightBackgroundShape6a0e245b-6aa0-4f7b-8026-c07e6fed77bf"/>
+  <p:tag name="HIGHLIGHTBACKGROUND" val="HighlightBackgroundShape2d8f1b26-ed61-41e1-9795-250fbd9d3931"/>
 </p:tagLst>
 </file>
 
 <file path=ppt/tags/tag6.xml><?xml version="1.0" encoding="utf-8"?>
 <p:tagLst xmlns:a="http://schemas.openxmlformats.org/drawingml/2006/main" xmlns:r="http://schemas.openxmlformats.org/officeDocument/2006/relationships" xmlns:p="http://schemas.openxmlformats.org/presentationml/2006/main">
-  <p:tag name="HIGHLIGHTBACKGROUND" val="HighlightBackgroundShape6a0e245b-6aa0-4f7b-8026-c07e6fed77bf"/>
+  <p:tag name="HIGHLIGHTBACKGROUND" val="HighlightBackgroundShape2d8f1b26-ed61-41e1-9795-250fbd9d3931"/>
 </p:tagLst>
 </file>
 
 <file path=ppt/tags/tag7.xml><?xml version="1.0" encoding="utf-8"?>
 <p:tagLst xmlns:a="http://schemas.openxmlformats.org/drawingml/2006/main" xmlns:r="http://schemas.openxmlformats.org/officeDocument/2006/relationships" xmlns:p="http://schemas.openxmlformats.org/presentationml/2006/main">
-  <p:tag name="HIGHLIGHTBACKGROUND" val="HighlightBackgroundShape6a0e245b-6aa0-4f7b-8026-c07e6fed77bf"/>
+  <p:tag name="HIGHLIGHTBACKGROUND" val="HighlightBackgroundShape2d8f1b26-ed61-41e1-9795-250fbd9d3931"/>
 </p:tagLst>
 </file>
 
 <file path=ppt/tags/tag8.xml><?xml version="1.0" encoding="utf-8"?>
 <p:tagLst xmlns:a="http://schemas.openxmlformats.org/drawingml/2006/main" xmlns:r="http://schemas.openxmlformats.org/officeDocument/2006/relationships" xmlns:p="http://schemas.openxmlformats.org/presentationml/2006/main">
-  <p:tag name="HIGHLIGHTBACKGROUND" val="HighlightBackgroundShapeea60d9b9-ed30-4da3-a1da-6902e7f48621"/>
+  <p:tag name="HIGHLIGHTBACKGROUND" val="HighlightBackgroundShaped108a7e5-8eab-4301-8593-c035661b65c0"/>
 </p:tagLst>
 </file>
 
 <file path=ppt/tags/tag9.xml><?xml version="1.0" encoding="utf-8"?>
 <p:tagLst xmlns:a="http://schemas.openxmlformats.org/drawingml/2006/main" xmlns:r="http://schemas.openxmlformats.org/officeDocument/2006/relationships" xmlns:p="http://schemas.openxmlformats.org/presentationml/2006/main">
-  <p:tag name="HIGHLIGHTBACKGROUND" val="HighlightBackgroundShapeea60d9b9-ed30-4da3-a1da-6902e7f48621"/>
+  <p:tag name="HIGHLIGHTBACKGROUND" val="HighlightBackgroundShaped108a7e5-8eab-4301-8593-c035661b65c0"/>
 </p:tagLst>
 </file>
 

--- a/doc/test/HighlightPoints.pptx
+++ b/doc/test/HighlightPoints.pptx
@@ -7,7 +7,7 @@
     <p:sldMasterId id="2147483672" r:id="rId3"/>
   </p:sldMasterIdLst>
   <p:notesMasterIdLst>
-    <p:notesMasterId r:id="rId25"/>
+    <p:notesMasterId r:id="rId37"/>
   </p:notesMasterIdLst>
   <p:sldIdLst>
     <p:sldId id="287" r:id="rId4"/>
@@ -23,14 +23,26 @@
     <p:sldId id="312" r:id="rId14"/>
     <p:sldId id="317" r:id="rId15"/>
     <p:sldId id="318" r:id="rId16"/>
-    <p:sldId id="331" r:id="rId17"/>
+    <p:sldId id="346" r:id="rId17"/>
     <p:sldId id="320" r:id="rId18"/>
     <p:sldId id="321" r:id="rId19"/>
-    <p:sldId id="330" r:id="rId20"/>
+    <p:sldId id="345" r:id="rId20"/>
     <p:sldId id="323" r:id="rId21"/>
     <p:sldId id="324" r:id="rId22"/>
     <p:sldId id="329" r:id="rId23"/>
-    <p:sldId id="305" r:id="rId24"/>
+    <p:sldId id="334" r:id="rId24"/>
+    <p:sldId id="333" r:id="rId25"/>
+    <p:sldId id="335" r:id="rId26"/>
+    <p:sldId id="336" r:id="rId27"/>
+    <p:sldId id="337" r:id="rId28"/>
+    <p:sldId id="338" r:id="rId29"/>
+    <p:sldId id="339" r:id="rId30"/>
+    <p:sldId id="340" r:id="rId31"/>
+    <p:sldId id="341" r:id="rId32"/>
+    <p:sldId id="342" r:id="rId33"/>
+    <p:sldId id="343" r:id="rId34"/>
+    <p:sldId id="344" r:id="rId35"/>
+    <p:sldId id="305" r:id="rId36"/>
   </p:sldIdLst>
   <p:sldSz cx="9144000" cy="6858000" type="screen4x3"/>
   <p:notesSz cx="6858000" cy="9144000"/>
@@ -151,20 +163,32 @@
             <p14:sldId id="312"/>
             <p14:sldId id="317"/>
             <p14:sldId id="318"/>
-            <p14:sldId id="331"/>
+            <p14:sldId id="346"/>
             <p14:sldId id="320"/>
             <p14:sldId id="321"/>
-            <p14:sldId id="330"/>
+            <p14:sldId id="345"/>
             <p14:sldId id="323"/>
             <p14:sldId id="324"/>
             <p14:sldId id="329"/>
+            <p14:sldId id="334"/>
+            <p14:sldId id="333"/>
+            <p14:sldId id="335"/>
+            <p14:sldId id="336"/>
+            <p14:sldId id="337"/>
+            <p14:sldId id="338"/>
+            <p14:sldId id="339"/>
+            <p14:sldId id="340"/>
+            <p14:sldId id="341"/>
+            <p14:sldId id="342"/>
+            <p14:sldId id="343"/>
+            <p14:sldId id="344"/>
             <p14:sldId id="305"/>
           </p14:sldIdLst>
         </p14:section>
       </p14:sectionLst>
     </p:ext>
     <p:ext uri="{EFAFB233-063F-42B5-8137-9DF3F51BA10A}">
-      <p15:sldGuideLst xmlns:p15="http://schemas.microsoft.com/office/powerpoint/2012/main" xmlns="">
+      <p15:sldGuideLst xmlns:p15="http://schemas.microsoft.com/office/powerpoint/2012/main">
         <p15:guide id="1" orient="horz" pos="2160">
           <p15:clr>
             <a:srgbClr val="A4A3A4"/>
@@ -263,7 +287,7 @@
           <a:p>
             <a:fld id="{7B6B14F6-3F9A-43ED-BCC2-4547CC5017BD}" type="datetimeFigureOut">
               <a:rPr lang="en-SG" smtClean="0"/>
-              <a:t>19/6/2015</a:t>
+              <a:t>11/5/2017</a:t>
             </a:fld>
             <a:endParaRPr lang="en-SG"/>
           </a:p>
@@ -712,7 +736,7 @@
           <a:p>
             <a:fld id="{699DC775-C286-4358-8C92-D7E584E969B3}" type="datetimeFigureOut">
               <a:rPr lang="en-US" smtClean="0"/>
-              <a:t>19-Jun-15</a:t>
+              <a:t>5/11/2017</a:t>
             </a:fld>
             <a:endParaRPr lang="en-US"/>
           </a:p>
@@ -882,7 +906,7 @@
           <a:p>
             <a:fld id="{699DC775-C286-4358-8C92-D7E584E969B3}" type="datetimeFigureOut">
               <a:rPr lang="en-US" smtClean="0"/>
-              <a:t>19-Jun-15</a:t>
+              <a:t>5/11/2017</a:t>
             </a:fld>
             <a:endParaRPr lang="en-US"/>
           </a:p>
@@ -1062,7 +1086,7 @@
           <a:p>
             <a:fld id="{699DC775-C286-4358-8C92-D7E584E969B3}" type="datetimeFigureOut">
               <a:rPr lang="en-US" smtClean="0"/>
-              <a:t>19-Jun-15</a:t>
+              <a:t>5/11/2017</a:t>
             </a:fld>
             <a:endParaRPr lang="en-US"/>
           </a:p>
@@ -1304,7 +1328,7 @@
           <a:p>
             <a:fld id="{699DC775-C286-4358-8C92-D7E584E969B3}" type="datetimeFigureOut">
               <a:rPr lang="en-US" smtClean="0"/>
-              <a:t>19-Jun-15</a:t>
+              <a:t>5/11/2017</a:t>
             </a:fld>
             <a:endParaRPr lang="en-US"/>
           </a:p>
@@ -1474,7 +1498,7 @@
           <a:p>
             <a:fld id="{699DC775-C286-4358-8C92-D7E584E969B3}" type="datetimeFigureOut">
               <a:rPr lang="en-US" smtClean="0"/>
-              <a:t>19-Jun-15</a:t>
+              <a:t>5/11/2017</a:t>
             </a:fld>
             <a:endParaRPr lang="en-US"/>
           </a:p>
@@ -1720,7 +1744,7 @@
           <a:p>
             <a:fld id="{699DC775-C286-4358-8C92-D7E584E969B3}" type="datetimeFigureOut">
               <a:rPr lang="en-US" smtClean="0"/>
-              <a:t>19-Jun-15</a:t>
+              <a:t>5/11/2017</a:t>
             </a:fld>
             <a:endParaRPr lang="en-US"/>
           </a:p>
@@ -2008,7 +2032,7 @@
           <a:p>
             <a:fld id="{699DC775-C286-4358-8C92-D7E584E969B3}" type="datetimeFigureOut">
               <a:rPr lang="en-US" smtClean="0"/>
-              <a:t>19-Jun-15</a:t>
+              <a:t>5/11/2017</a:t>
             </a:fld>
             <a:endParaRPr lang="en-US"/>
           </a:p>
@@ -2430,7 +2454,7 @@
           <a:p>
             <a:fld id="{699DC775-C286-4358-8C92-D7E584E969B3}" type="datetimeFigureOut">
               <a:rPr lang="en-US" smtClean="0"/>
-              <a:t>19-Jun-15</a:t>
+              <a:t>5/11/2017</a:t>
             </a:fld>
             <a:endParaRPr lang="en-US"/>
           </a:p>
@@ -2548,7 +2572,7 @@
           <a:p>
             <a:fld id="{699DC775-C286-4358-8C92-D7E584E969B3}" type="datetimeFigureOut">
               <a:rPr lang="en-US" smtClean="0"/>
-              <a:t>19-Jun-15</a:t>
+              <a:t>5/11/2017</a:t>
             </a:fld>
             <a:endParaRPr lang="en-US"/>
           </a:p>
@@ -2643,7 +2667,7 @@
           <a:p>
             <a:fld id="{699DC775-C286-4358-8C92-D7E584E969B3}" type="datetimeFigureOut">
               <a:rPr lang="en-US" smtClean="0"/>
-              <a:t>19-Jun-15</a:t>
+              <a:t>5/11/2017</a:t>
             </a:fld>
             <a:endParaRPr lang="en-US"/>
           </a:p>
@@ -2920,7 +2944,7 @@
           <a:p>
             <a:fld id="{699DC775-C286-4358-8C92-D7E584E969B3}" type="datetimeFigureOut">
               <a:rPr lang="en-US" smtClean="0"/>
-              <a:t>19-Jun-15</a:t>
+              <a:t>5/11/2017</a:t>
             </a:fld>
             <a:endParaRPr lang="en-US"/>
           </a:p>
@@ -3090,7 +3114,7 @@
           <a:p>
             <a:fld id="{699DC775-C286-4358-8C92-D7E584E969B3}" type="datetimeFigureOut">
               <a:rPr lang="en-US" smtClean="0"/>
-              <a:t>19-Jun-15</a:t>
+              <a:t>5/11/2017</a:t>
             </a:fld>
             <a:endParaRPr lang="en-US"/>
           </a:p>
@@ -3343,7 +3367,7 @@
           <a:p>
             <a:fld id="{699DC775-C286-4358-8C92-D7E584E969B3}" type="datetimeFigureOut">
               <a:rPr lang="en-US" smtClean="0"/>
-              <a:t>19-Jun-15</a:t>
+              <a:t>5/11/2017</a:t>
             </a:fld>
             <a:endParaRPr lang="en-US"/>
           </a:p>
@@ -3513,7 +3537,7 @@
           <a:p>
             <a:fld id="{699DC775-C286-4358-8C92-D7E584E969B3}" type="datetimeFigureOut">
               <a:rPr lang="en-US" smtClean="0"/>
-              <a:t>19-Jun-15</a:t>
+              <a:t>5/11/2017</a:t>
             </a:fld>
             <a:endParaRPr lang="en-US"/>
           </a:p>
@@ -3693,7 +3717,7 @@
           <a:p>
             <a:fld id="{699DC775-C286-4358-8C92-D7E584E969B3}" type="datetimeFigureOut">
               <a:rPr lang="en-US" smtClean="0"/>
-              <a:t>19-Jun-15</a:t>
+              <a:t>5/11/2017</a:t>
             </a:fld>
             <a:endParaRPr lang="en-US"/>
           </a:p>
@@ -3943,7 +3967,7 @@
           <a:p>
             <a:fld id="{699DC775-C286-4358-8C92-D7E584E969B3}" type="datetimeFigureOut">
               <a:rPr lang="en-US" smtClean="0"/>
-              <a:t>19-Jun-15</a:t>
+              <a:t>5/11/2017</a:t>
             </a:fld>
             <a:endParaRPr lang="en-US"/>
           </a:p>
@@ -4121,7 +4145,7 @@
           <a:p>
             <a:fld id="{699DC775-C286-4358-8C92-D7E584E969B3}" type="datetimeFigureOut">
               <a:rPr lang="en-US" smtClean="0"/>
-              <a:t>19-Jun-15</a:t>
+              <a:t>5/11/2017</a:t>
             </a:fld>
             <a:endParaRPr lang="en-US"/>
           </a:p>
@@ -4375,7 +4399,7 @@
           <a:p>
             <a:fld id="{699DC775-C286-4358-8C92-D7E584E969B3}" type="datetimeFigureOut">
               <a:rPr lang="en-US" smtClean="0"/>
-              <a:t>19-Jun-15</a:t>
+              <a:t>5/11/2017</a:t>
             </a:fld>
             <a:endParaRPr lang="en-US"/>
           </a:p>
@@ -4671,7 +4695,7 @@
           <a:p>
             <a:fld id="{699DC775-C286-4358-8C92-D7E584E969B3}" type="datetimeFigureOut">
               <a:rPr lang="en-US" smtClean="0"/>
-              <a:t>19-Jun-15</a:t>
+              <a:t>5/11/2017</a:t>
             </a:fld>
             <a:endParaRPr lang="en-US"/>
           </a:p>
@@ -5101,7 +5125,7 @@
           <a:p>
             <a:fld id="{699DC775-C286-4358-8C92-D7E584E969B3}" type="datetimeFigureOut">
               <a:rPr lang="en-US" smtClean="0"/>
-              <a:t>19-Jun-15</a:t>
+              <a:t>5/11/2017</a:t>
             </a:fld>
             <a:endParaRPr lang="en-US"/>
           </a:p>
@@ -5227,7 +5251,7 @@
           <a:p>
             <a:fld id="{699DC775-C286-4358-8C92-D7E584E969B3}" type="datetimeFigureOut">
               <a:rPr lang="en-US" smtClean="0"/>
-              <a:t>19-Jun-15</a:t>
+              <a:t>5/11/2017</a:t>
             </a:fld>
             <a:endParaRPr lang="en-US"/>
           </a:p>
@@ -5330,7 +5354,7 @@
           <a:p>
             <a:fld id="{699DC775-C286-4358-8C92-D7E584E969B3}" type="datetimeFigureOut">
               <a:rPr lang="en-US" smtClean="0"/>
-              <a:t>19-Jun-15</a:t>
+              <a:t>5/11/2017</a:t>
             </a:fld>
             <a:endParaRPr lang="en-US"/>
           </a:p>
@@ -5576,7 +5600,7 @@
           <a:p>
             <a:fld id="{699DC775-C286-4358-8C92-D7E584E969B3}" type="datetimeFigureOut">
               <a:rPr lang="en-US" smtClean="0"/>
-              <a:t>19-Jun-15</a:t>
+              <a:t>5/11/2017</a:t>
             </a:fld>
             <a:endParaRPr lang="en-US"/>
           </a:p>
@@ -5861,7 +5885,7 @@
           <a:p>
             <a:fld id="{699DC775-C286-4358-8C92-D7E584E969B3}" type="datetimeFigureOut">
               <a:rPr lang="en-US" smtClean="0"/>
-              <a:t>19-Jun-15</a:t>
+              <a:t>5/11/2017</a:t>
             </a:fld>
             <a:endParaRPr lang="en-US"/>
           </a:p>
@@ -6122,7 +6146,7 @@
           <a:p>
             <a:fld id="{699DC775-C286-4358-8C92-D7E584E969B3}" type="datetimeFigureOut">
               <a:rPr lang="en-US" smtClean="0"/>
-              <a:t>19-Jun-15</a:t>
+              <a:t>5/11/2017</a:t>
             </a:fld>
             <a:endParaRPr lang="en-US"/>
           </a:p>
@@ -6300,7 +6324,7 @@
           <a:p>
             <a:fld id="{699DC775-C286-4358-8C92-D7E584E969B3}" type="datetimeFigureOut">
               <a:rPr lang="en-US" smtClean="0"/>
-              <a:t>19-Jun-15</a:t>
+              <a:t>5/11/2017</a:t>
             </a:fld>
             <a:endParaRPr lang="en-US"/>
           </a:p>
@@ -6488,7 +6512,7 @@
           <a:p>
             <a:fld id="{699DC775-C286-4358-8C92-D7E584E969B3}" type="datetimeFigureOut">
               <a:rPr lang="en-US" smtClean="0"/>
-              <a:t>19-Jun-15</a:t>
+              <a:t>5/11/2017</a:t>
             </a:fld>
             <a:endParaRPr lang="en-US"/>
           </a:p>
@@ -6776,7 +6800,7 @@
           <a:p>
             <a:fld id="{699DC775-C286-4358-8C92-D7E584E969B3}" type="datetimeFigureOut">
               <a:rPr lang="en-US" smtClean="0"/>
-              <a:t>19-Jun-15</a:t>
+              <a:t>5/11/2017</a:t>
             </a:fld>
             <a:endParaRPr lang="en-US"/>
           </a:p>
@@ -7198,7 +7222,7 @@
           <a:p>
             <a:fld id="{699DC775-C286-4358-8C92-D7E584E969B3}" type="datetimeFigureOut">
               <a:rPr lang="en-US" smtClean="0"/>
-              <a:t>19-Jun-15</a:t>
+              <a:t>5/11/2017</a:t>
             </a:fld>
             <a:endParaRPr lang="en-US"/>
           </a:p>
@@ -7316,7 +7340,7 @@
           <a:p>
             <a:fld id="{699DC775-C286-4358-8C92-D7E584E969B3}" type="datetimeFigureOut">
               <a:rPr lang="en-US" smtClean="0"/>
-              <a:t>19-Jun-15</a:t>
+              <a:t>5/11/2017</a:t>
             </a:fld>
             <a:endParaRPr lang="en-US"/>
           </a:p>
@@ -7411,7 +7435,7 @@
           <a:p>
             <a:fld id="{699DC775-C286-4358-8C92-D7E584E969B3}" type="datetimeFigureOut">
               <a:rPr lang="en-US" smtClean="0"/>
-              <a:t>19-Jun-15</a:t>
+              <a:t>5/11/2017</a:t>
             </a:fld>
             <a:endParaRPr lang="en-US"/>
           </a:p>
@@ -7688,7 +7712,7 @@
           <a:p>
             <a:fld id="{699DC775-C286-4358-8C92-D7E584E969B3}" type="datetimeFigureOut">
               <a:rPr lang="en-US" smtClean="0"/>
-              <a:t>19-Jun-15</a:t>
+              <a:t>5/11/2017</a:t>
             </a:fld>
             <a:endParaRPr lang="en-US"/>
           </a:p>
@@ -7941,7 +7965,7 @@
           <a:p>
             <a:fld id="{699DC775-C286-4358-8C92-D7E584E969B3}" type="datetimeFigureOut">
               <a:rPr lang="en-US" smtClean="0"/>
-              <a:t>19-Jun-15</a:t>
+              <a:t>5/11/2017</a:t>
             </a:fld>
             <a:endParaRPr lang="en-US"/>
           </a:p>
@@ -8154,7 +8178,7 @@
           <a:p>
             <a:fld id="{699DC775-C286-4358-8C92-D7E584E969B3}" type="datetimeFigureOut">
               <a:rPr lang="en-US" smtClean="0"/>
-              <a:t>19-Jun-15</a:t>
+              <a:t>5/11/2017</a:t>
             </a:fld>
             <a:endParaRPr lang="en-US"/>
           </a:p>
@@ -8669,7 +8693,7 @@
           <a:p>
             <a:fld id="{699DC775-C286-4358-8C92-D7E584E969B3}" type="datetimeFigureOut">
               <a:rPr lang="en-US" smtClean="0"/>
-              <a:t>19-Jun-15</a:t>
+              <a:t>5/11/2017</a:t>
             </a:fld>
             <a:endParaRPr lang="en-US"/>
           </a:p>
@@ -9182,7 +9206,7 @@
           <a:p>
             <a:fld id="{699DC775-C286-4358-8C92-D7E584E969B3}" type="datetimeFigureOut">
               <a:rPr lang="en-US" smtClean="0"/>
-              <a:t>19-Jun-15</a:t>
+              <a:t>5/11/2017</a:t>
             </a:fld>
             <a:endParaRPr lang="en-US"/>
           </a:p>
@@ -11586,7 +11610,7 @@
 
 <file path=ppt/slides/slide14.xml><?xml version="1.0" encoding="utf-8"?>
 <p:sld xmlns:a="http://schemas.openxmlformats.org/drawingml/2006/main" xmlns:r="http://schemas.openxmlformats.org/officeDocument/2006/relationships" xmlns:p="http://schemas.openxmlformats.org/presentationml/2006/main">
-  <p:cSld name="PPTLabsHighlightBulletsSlide201506181734557209">
+  <p:cSld name="PPTLabsHighlightBulletsSlide201705111407463809">
     <p:spTree>
       <p:nvGrpSpPr>
         <p:cNvPr id="1" name=""/>
@@ -11603,7 +11627,7 @@
       </p:grpSpPr>
       <p:sp>
         <p:nvSpPr>
-          <p:cNvPr id="12" name="Rectangle 4"/>
+          <p:cNvPr id="5" name="Rectangle 4"/>
           <p:cNvSpPr/>
           <p:nvPr/>
         </p:nvSpPr>
@@ -11646,7 +11670,7 @@
       </p:sp>
       <p:sp>
         <p:nvSpPr>
-          <p:cNvPr id="5" name="PPTLabsHighlightBackgroundShape201506181734557349"/>
+          <p:cNvPr id="6" name="PPTLabsHighlightBackgroundShape201705111407463859"/>
           <p:cNvSpPr>
             <a:spLocks/>
           </p:cNvSpPr>
@@ -11716,7 +11740,7 @@
       </p:sp>
       <p:sp>
         <p:nvSpPr>
-          <p:cNvPr id="6" name="PPTLabsHighlightBackgroundShape201506181734557439"/>
+          <p:cNvPr id="7" name="PPTLabsHighlightBackgroundShape201705111407463879"/>
           <p:cNvSpPr>
             <a:spLocks/>
           </p:cNvSpPr>
@@ -11786,7 +11810,7 @@
       </p:sp>
       <p:sp>
         <p:nvSpPr>
-          <p:cNvPr id="7" name="PPTLabsHighlightBackgroundShape201506181734557479"/>
+          <p:cNvPr id="8" name="PPTLabsHighlightBackgroundShape201705111407463899"/>
           <p:cNvSpPr>
             <a:spLocks/>
           </p:cNvSpPr>
@@ -11856,7 +11880,7 @@
       </p:sp>
       <p:sp>
         <p:nvSpPr>
-          <p:cNvPr id="8" name="PPTLabsHighlightBackgroundShape201506181734557509"/>
+          <p:cNvPr id="9" name="PPTLabsHighlightBackgroundShape201705111407463929"/>
           <p:cNvSpPr>
             <a:spLocks/>
           </p:cNvSpPr>
@@ -11926,7 +11950,88 @@
       </p:sp>
       <p:sp>
         <p:nvSpPr>
-          <p:cNvPr id="9" name="PPTLabsHighlightBackgroundShape201506181734557529"/>
+          <p:cNvPr id="2" name="HighlightBackgroundShape9ac65b45-57f9-496b-b14a-3366aa98ee7a"/>
+          <p:cNvSpPr txBox="1"/>
+          <p:nvPr/>
+        </p:nvSpPr>
+        <p:spPr>
+          <a:xfrm>
+            <a:off x="304800" y="381000"/>
+            <a:ext cx="7620000" cy="2400657"/>
+          </a:xfrm>
+          <a:prstGeom prst="rect">
+            <a:avLst/>
+          </a:prstGeom>
+          <a:noFill/>
+        </p:spPr>
+        <p:txBody>
+          <a:bodyPr wrap="square" rtlCol="0">
+            <a:spAutoFit/>
+          </a:bodyPr>
+          <a:lstStyle/>
+          <a:p>
+            <a:pPr marL="285750" indent="-285750">
+              <a:buFont typeface="Arial" panose="020B0604020202020204" pitchFamily="34" charset="0"/>
+              <a:buChar char="•"/>
+            </a:pPr>
+            <a:r>
+              <a:rPr lang="en-US" sz="2800" dirty="0" smtClean="0"/>
+              <a:t>Test - Non-ABC: 1234567890!@#$%^&amp;*()</a:t>
+            </a:r>
+          </a:p>
+          <a:p>
+            <a:r>
+              <a:rPr lang="en-US" sz="2800" dirty="0"/>
+              <a:t>Test </a:t>
+            </a:r>
+            <a:r>
+              <a:rPr lang="en-US" sz="2800" dirty="0" smtClean="0"/>
+              <a:t>– No bullet point</a:t>
+            </a:r>
+            <a:endParaRPr lang="en-US" sz="2800" dirty="0"/>
+          </a:p>
+          <a:p>
+            <a:pPr marL="514350" indent="-514350">
+              <a:buFont typeface="+mj-lt"/>
+              <a:buAutoNum type="arabicPeriod"/>
+            </a:pPr>
+            <a:r>
+              <a:rPr lang="en-US" sz="2800" dirty="0"/>
+              <a:t>Test – </a:t>
+            </a:r>
+            <a:r>
+              <a:rPr lang="en-US" sz="2800" dirty="0" smtClean="0"/>
+              <a:t>Different bullet point</a:t>
+            </a:r>
+          </a:p>
+          <a:p>
+            <a:pPr marL="285750" indent="-285750">
+              <a:buFont typeface="Arial" panose="020B0604020202020204" pitchFamily="34" charset="0"/>
+              <a:buChar char="•"/>
+            </a:pPr>
+            <a:r>
+              <a:rPr lang="en-US" sz="2800" dirty="0" smtClean="0">
+                <a:latin typeface="Times New Roman" panose="02020603050405020304" pitchFamily="18" charset="0"/>
+                <a:cs typeface="Times New Roman" panose="02020603050405020304" pitchFamily="18" charset="0"/>
+              </a:rPr>
+              <a:t>Test - Another Font Family, using Times New Roman</a:t>
+            </a:r>
+          </a:p>
+          <a:p>
+            <a:pPr marL="285750" indent="-285750">
+              <a:buFont typeface="Arial" panose="020B0604020202020204" pitchFamily="34" charset="0"/>
+              <a:buChar char="•"/>
+            </a:pPr>
+            <a:r>
+              <a:rPr lang="en-US" sz="1000" dirty="0" smtClean="0"/>
+              <a:t>Test - very small content. Test: very small content. Test: very small content. Test: very small content</a:t>
+            </a:r>
+          </a:p>
+        </p:txBody>
+      </p:sp>
+      <p:sp>
+        <p:nvSpPr>
+          <p:cNvPr id="10" name="PPTLabsHighlightBackgroundShape201705111407463949"/>
           <p:cNvSpPr>
             <a:spLocks/>
           </p:cNvSpPr>
@@ -11996,7 +12101,7 @@
       </p:sp>
       <p:sp>
         <p:nvSpPr>
-          <p:cNvPr id="10" name="PPTLabsHighlightBackgroundShape201506181734557549"/>
+          <p:cNvPr id="11" name="PPTLabsHighlightBackgroundShape201705111407463959"/>
           <p:cNvSpPr>
             <a:spLocks/>
           </p:cNvSpPr>
@@ -12066,7 +12171,7 @@
       </p:sp>
       <p:sp>
         <p:nvSpPr>
-          <p:cNvPr id="11" name="PPTLabsHighlightBackgroundShape201506181734557569"/>
+          <p:cNvPr id="12" name="PPTLabsHighlightBackgroundShape201705111407463979"/>
           <p:cNvSpPr/>
           <p:nvPr>
             <p:custDataLst>
@@ -12134,88 +12239,7 @@
       </p:sp>
       <p:sp>
         <p:nvSpPr>
-          <p:cNvPr id="2" name="HighlightBackgroundShape961d3f1e-187d-4b94-8f93-1be85193a105"/>
-          <p:cNvSpPr txBox="1"/>
-          <p:nvPr/>
-        </p:nvSpPr>
-        <p:spPr>
-          <a:xfrm>
-            <a:off x="304800" y="381000"/>
-            <a:ext cx="7620000" cy="2400657"/>
-          </a:xfrm>
-          <a:prstGeom prst="rect">
-            <a:avLst/>
-          </a:prstGeom>
-          <a:noFill/>
-        </p:spPr>
-        <p:txBody>
-          <a:bodyPr wrap="square" rtlCol="0">
-            <a:spAutoFit/>
-          </a:bodyPr>
-          <a:lstStyle/>
-          <a:p>
-            <a:pPr marL="285750" indent="-285750">
-              <a:buFont typeface="Arial" panose="020B0604020202020204" pitchFamily="34" charset="0"/>
-              <a:buChar char="•"/>
-            </a:pPr>
-            <a:r>
-              <a:rPr lang="en-US" sz="2800" dirty="0" smtClean="0"/>
-              <a:t>Test - Non-ABC: 1234567890!@#$%^&amp;*()</a:t>
-            </a:r>
-          </a:p>
-          <a:p>
-            <a:r>
-              <a:rPr lang="en-US" sz="2800" dirty="0"/>
-              <a:t>Test </a:t>
-            </a:r>
-            <a:r>
-              <a:rPr lang="en-US" sz="2800" dirty="0" smtClean="0"/>
-              <a:t>– No bullet point</a:t>
-            </a:r>
-            <a:endParaRPr lang="en-US" sz="2800" dirty="0"/>
-          </a:p>
-          <a:p>
-            <a:pPr marL="514350" indent="-514350">
-              <a:buFont typeface="+mj-lt"/>
-              <a:buAutoNum type="arabicPeriod"/>
-            </a:pPr>
-            <a:r>
-              <a:rPr lang="en-US" sz="2800" dirty="0"/>
-              <a:t>Test – </a:t>
-            </a:r>
-            <a:r>
-              <a:rPr lang="en-US" sz="2800" dirty="0" smtClean="0"/>
-              <a:t>Different bullet point</a:t>
-            </a:r>
-          </a:p>
-          <a:p>
-            <a:pPr marL="285750" indent="-285750">
-              <a:buFont typeface="Arial" panose="020B0604020202020204" pitchFamily="34" charset="0"/>
-              <a:buChar char="•"/>
-            </a:pPr>
-            <a:r>
-              <a:rPr lang="en-US" sz="2800" dirty="0" smtClean="0">
-                <a:latin typeface="Times New Roman" panose="02020603050405020304" pitchFamily="18" charset="0"/>
-                <a:cs typeface="Times New Roman" panose="02020603050405020304" pitchFamily="18" charset="0"/>
-              </a:rPr>
-              <a:t>Test - Another Font Family, using Times New Roman</a:t>
-            </a:r>
-          </a:p>
-          <a:p>
-            <a:pPr marL="285750" indent="-285750">
-              <a:buFont typeface="Arial" panose="020B0604020202020204" pitchFamily="34" charset="0"/>
-              <a:buChar char="•"/>
-            </a:pPr>
-            <a:r>
-              <a:rPr lang="en-US" sz="1000" dirty="0" smtClean="0"/>
-              <a:t>Test - very small content. Test: very small content. Test: very small content. Test: very small content</a:t>
-            </a:r>
-          </a:p>
-        </p:txBody>
-      </p:sp>
-      <p:sp>
-        <p:nvSpPr>
-          <p:cNvPr id="3" name="HighlightBackgroundShape6a0e245b-6aa0-4f7b-8026-c07e6fed77bf"/>
+          <p:cNvPr id="3" name="HighlightBackgroundShape2d8f1b26-ed61-41e1-9795-250fbd9d3931"/>
           <p:cNvSpPr txBox="1"/>
           <p:nvPr/>
         </p:nvSpPr>
@@ -12463,7 +12487,7 @@
     </p:spTree>
     <p:extLst>
       <p:ext uri="{BB962C8B-B14F-4D97-AF65-F5344CB8AC3E}">
-        <p14:creationId xmlns:p14="http://schemas.microsoft.com/office/powerpoint/2010/main" val="204421223"/>
+        <p14:creationId xmlns:p14="http://schemas.microsoft.com/office/powerpoint/2010/main" val="1878902397"/>
       </p:ext>
     </p:extLst>
   </p:cSld>
@@ -12503,7 +12527,7 @@
                                       <p:cBhvr>
                                         <p:cTn id="6" dur="500" fill="hold"/>
                                         <p:tgtEl>
-                                          <p:spTgt spid="5"/>
+                                          <p:spTgt spid="6"/>
                                         </p:tgtEl>
                                         <p:attrNameLst>
                                           <p:attrName>ppt_x</p:attrName>
@@ -12524,7 +12548,7 @@
                                       <p:cBhvr>
                                         <p:cTn id="8" dur="500" fill="hold"/>
                                         <p:tgtEl>
-                                          <p:spTgt spid="5"/>
+                                          <p:spTgt spid="6"/>
                                         </p:tgtEl>
                                       </p:cBhvr>
                                       <p:by x="66208" y="100000"/>
@@ -12555,7 +12579,7 @@
                                           </p:stCondLst>
                                         </p:cTn>
                                         <p:tgtEl>
-                                          <p:spTgt spid="6"/>
+                                          <p:spTgt spid="7"/>
                                         </p:tgtEl>
                                         <p:attrNameLst>
                                           <p:attrName>style.visibility</p:attrName>
@@ -12578,7 +12602,7 @@
                                       <p:cBhvr>
                                         <p:cTn id="13" dur="500"/>
                                         <p:tgtEl>
-                                          <p:spTgt spid="5"/>
+                                          <p:spTgt spid="6"/>
                                         </p:tgtEl>
                                       </p:cBhvr>
                                     </p:animEffect>
@@ -12590,7 +12614,7 @@
                                           </p:stCondLst>
                                         </p:cTn>
                                         <p:tgtEl>
-                                          <p:spTgt spid="5"/>
+                                          <p:spTgt spid="6"/>
                                         </p:tgtEl>
                                         <p:attrNameLst>
                                           <p:attrName>style.visibility</p:attrName>
@@ -12631,7 +12655,7 @@
                                       <p:cBhvr>
                                         <p:cTn id="18" dur="500" fill="hold"/>
                                         <p:tgtEl>
-                                          <p:spTgt spid="6"/>
+                                          <p:spTgt spid="7"/>
                                         </p:tgtEl>
                                         <p:attrNameLst>
                                           <p:attrName>ppt_x</p:attrName>
@@ -12652,7 +12676,7 @@
                                       <p:cBhvr>
                                         <p:cTn id="20" dur="500" fill="hold"/>
                                         <p:tgtEl>
-                                          <p:spTgt spid="6"/>
+                                          <p:spTgt spid="7"/>
                                         </p:tgtEl>
                                       </p:cBhvr>
                                       <p:by x="164024" y="200000"/>
@@ -12683,7 +12707,7 @@
                                           </p:stCondLst>
                                         </p:cTn>
                                         <p:tgtEl>
-                                          <p:spTgt spid="7"/>
+                                          <p:spTgt spid="8"/>
                                         </p:tgtEl>
                                         <p:attrNameLst>
                                           <p:attrName>style.visibility</p:attrName>
@@ -12706,7 +12730,7 @@
                                       <p:cBhvr>
                                         <p:cTn id="25" dur="500"/>
                                         <p:tgtEl>
-                                          <p:spTgt spid="6"/>
+                                          <p:spTgt spid="7"/>
                                         </p:tgtEl>
                                       </p:cBhvr>
                                     </p:animEffect>
@@ -12718,7 +12742,7 @@
                                           </p:stCondLst>
                                         </p:cTn>
                                         <p:tgtEl>
-                                          <p:spTgt spid="6"/>
+                                          <p:spTgt spid="7"/>
                                         </p:tgtEl>
                                         <p:attrNameLst>
                                           <p:attrName>style.visibility</p:attrName>
@@ -12759,7 +12783,7 @@
                                       <p:cBhvr>
                                         <p:cTn id="30" dur="500" fill="hold"/>
                                         <p:tgtEl>
-                                          <p:spTgt spid="7"/>
+                                          <p:spTgt spid="8"/>
                                         </p:tgtEl>
                                         <p:attrNameLst>
                                           <p:attrName>ppt_x</p:attrName>
@@ -12780,7 +12804,7 @@
                                       <p:cBhvr>
                                         <p:cTn id="32" dur="500" fill="hold"/>
                                         <p:tgtEl>
-                                          <p:spTgt spid="7"/>
+                                          <p:spTgt spid="8"/>
                                         </p:tgtEl>
                                       </p:cBhvr>
                                       <p:by x="77849" y="17857"/>
@@ -12811,7 +12835,7 @@
                                           </p:stCondLst>
                                         </p:cTn>
                                         <p:tgtEl>
-                                          <p:spTgt spid="8"/>
+                                          <p:spTgt spid="9"/>
                                         </p:tgtEl>
                                         <p:attrNameLst>
                                           <p:attrName>style.visibility</p:attrName>
@@ -12834,7 +12858,7 @@
                                       <p:cBhvr>
                                         <p:cTn id="37" dur="500"/>
                                         <p:tgtEl>
-                                          <p:spTgt spid="7"/>
+                                          <p:spTgt spid="8"/>
                                         </p:tgtEl>
                                       </p:cBhvr>
                                     </p:animEffect>
@@ -12846,7 +12870,7 @@
                                           </p:stCondLst>
                                         </p:cTn>
                                         <p:tgtEl>
-                                          <p:spTgt spid="7"/>
+                                          <p:spTgt spid="8"/>
                                         </p:tgtEl>
                                         <p:attrNameLst>
                                           <p:attrName>style.visibility</p:attrName>
@@ -12887,7 +12911,7 @@
                                       <p:cBhvr>
                                         <p:cTn id="42" dur="500" fill="hold"/>
                                         <p:tgtEl>
-                                          <p:spTgt spid="8"/>
+                                          <p:spTgt spid="9"/>
                                         </p:tgtEl>
                                         <p:attrNameLst>
                                           <p:attrName>ppt_x</p:attrName>
@@ -12908,7 +12932,7 @@
                                       <p:cBhvr>
                                         <p:cTn id="44" dur="500" fill="hold"/>
                                         <p:tgtEl>
-                                          <p:spTgt spid="8"/>
+                                          <p:spTgt spid="9"/>
                                         </p:tgtEl>
                                       </p:cBhvr>
                                       <p:by x="131908" y="660000"/>
@@ -12939,7 +12963,7 @@
                                           </p:stCondLst>
                                         </p:cTn>
                                         <p:tgtEl>
-                                          <p:spTgt spid="9"/>
+                                          <p:spTgt spid="10"/>
                                         </p:tgtEl>
                                         <p:attrNameLst>
                                           <p:attrName>style.visibility</p:attrName>
@@ -12962,7 +12986,7 @@
                                       <p:cBhvr>
                                         <p:cTn id="49" dur="500"/>
                                         <p:tgtEl>
-                                          <p:spTgt spid="8"/>
+                                          <p:spTgt spid="9"/>
                                         </p:tgtEl>
                                       </p:cBhvr>
                                     </p:animEffect>
@@ -12974,7 +12998,7 @@
                                           </p:stCondLst>
                                         </p:cTn>
                                         <p:tgtEl>
-                                          <p:spTgt spid="8"/>
+                                          <p:spTgt spid="9"/>
                                         </p:tgtEl>
                                         <p:attrNameLst>
                                           <p:attrName>style.visibility</p:attrName>
@@ -13015,7 +13039,7 @@
                                       <p:cBhvr>
                                         <p:cTn id="54" dur="500" fill="hold"/>
                                         <p:tgtEl>
-                                          <p:spTgt spid="9"/>
+                                          <p:spTgt spid="10"/>
                                         </p:tgtEl>
                                         <p:attrNameLst>
                                           <p:attrName>ppt_x</p:attrName>
@@ -13036,7 +13060,7 @@
                                       <p:cBhvr>
                                         <p:cTn id="56" dur="500" fill="hold"/>
                                         <p:tgtEl>
-                                          <p:spTgt spid="9"/>
+                                          <p:spTgt spid="10"/>
                                         </p:tgtEl>
                                       </p:cBhvr>
                                       <p:by x="102956" y="218182"/>
@@ -13067,7 +13091,7 @@
                                           </p:stCondLst>
                                         </p:cTn>
                                         <p:tgtEl>
-                                          <p:spTgt spid="10"/>
+                                          <p:spTgt spid="11"/>
                                         </p:tgtEl>
                                         <p:attrNameLst>
                                           <p:attrName>style.visibility</p:attrName>
@@ -13090,7 +13114,7 @@
                                       <p:cBhvr>
                                         <p:cTn id="61" dur="500"/>
                                         <p:tgtEl>
-                                          <p:spTgt spid="9"/>
+                                          <p:spTgt spid="10"/>
                                         </p:tgtEl>
                                       </p:cBhvr>
                                     </p:animEffect>
@@ -13102,7 +13126,7 @@
                                           </p:stCondLst>
                                         </p:cTn>
                                         <p:tgtEl>
-                                          <p:spTgt spid="9"/>
+                                          <p:spTgt spid="10"/>
                                         </p:tgtEl>
                                         <p:attrNameLst>
                                           <p:attrName>style.visibility</p:attrName>
@@ -13143,7 +13167,7 @@
                                       <p:cBhvr>
                                         <p:cTn id="66" dur="500" fill="hold"/>
                                         <p:tgtEl>
-                                          <p:spTgt spid="10"/>
+                                          <p:spTgt spid="11"/>
                                         </p:tgtEl>
                                         <p:attrNameLst>
                                           <p:attrName>ppt_x</p:attrName>
@@ -13164,7 +13188,7 @@
                                       <p:cBhvr>
                                         <p:cTn id="68" dur="500" fill="hold"/>
                                         <p:tgtEl>
-                                          <p:spTgt spid="10"/>
+                                          <p:spTgt spid="11"/>
                                         </p:tgtEl>
                                       </p:cBhvr>
                                       <p:by x="94452" y="12500"/>
@@ -13195,7 +13219,7 @@
                                           </p:stCondLst>
                                         </p:cTn>
                                         <p:tgtEl>
-                                          <p:spTgt spid="11"/>
+                                          <p:spTgt spid="12"/>
                                         </p:tgtEl>
                                         <p:attrNameLst>
                                           <p:attrName>style.visibility</p:attrName>
@@ -13218,7 +13242,7 @@
                                       <p:cBhvr>
                                         <p:cTn id="73" dur="500"/>
                                         <p:tgtEl>
-                                          <p:spTgt spid="10"/>
+                                          <p:spTgt spid="11"/>
                                         </p:tgtEl>
                                       </p:cBhvr>
                                     </p:animEffect>
@@ -13230,7 +13254,7 @@
                                           </p:stCondLst>
                                         </p:cTn>
                                         <p:tgtEl>
-                                          <p:spTgt spid="10"/>
+                                          <p:spTgt spid="11"/>
                                         </p:tgtEl>
                                         <p:attrNameLst>
                                           <p:attrName>style.visibility</p:attrName>
@@ -13271,13 +13295,9 @@
       </p:par>
     </p:tnLst>
     <p:bldLst>
-      <p:bldP spid="5" grpId="0" animBg="1"/>
-      <p:bldP spid="5" grpId="1" animBg="1"/>
-      <p:bldP spid="5" grpId="2" animBg="1"/>
       <p:bldP spid="6" grpId="0" animBg="1"/>
       <p:bldP spid="6" grpId="1" animBg="1"/>
       <p:bldP spid="6" grpId="2" animBg="1"/>
-      <p:bldP spid="6" grpId="3" animBg="1"/>
       <p:bldP spid="7" grpId="0" animBg="1"/>
       <p:bldP spid="7" grpId="1" animBg="1"/>
       <p:bldP spid="7" grpId="2" animBg="1"/>
@@ -13295,6 +13315,10 @@
       <p:bldP spid="10" grpId="2" animBg="1"/>
       <p:bldP spid="10" grpId="3" animBg="1"/>
       <p:bldP spid="11" grpId="0" animBg="1"/>
+      <p:bldP spid="11" grpId="1" animBg="1"/>
+      <p:bldP spid="11" grpId="2" animBg="1"/>
+      <p:bldP spid="11" grpId="3" animBg="1"/>
+      <p:bldP spid="12" grpId="0" animBg="1"/>
     </p:bldLst>
   </p:timing>
 </p:sld>
@@ -13811,7 +13835,7 @@
 
 <file path=ppt/slides/slide17.xml><?xml version="1.0" encoding="utf-8"?>
 <p:sld xmlns:a="http://schemas.openxmlformats.org/drawingml/2006/main" xmlns:r="http://schemas.openxmlformats.org/officeDocument/2006/relationships" xmlns:p="http://schemas.openxmlformats.org/presentationml/2006/main">
-  <p:cSld name="PPTLabsHighlightBulletsSlide201506181734443843">
+  <p:cSld name="PPTLabsHighlightBulletsSlide201705111406343381">
     <p:spTree>
       <p:nvGrpSpPr>
         <p:cNvPr id="1" name=""/>
@@ -13828,7 +13852,7 @@
       </p:grpSpPr>
       <p:sp>
         <p:nvSpPr>
-          <p:cNvPr id="13" name="Rectangle 4"/>
+          <p:cNvPr id="5" name="Rectangle 4"/>
           <p:cNvSpPr/>
           <p:nvPr/>
         </p:nvSpPr>
@@ -13871,7 +13895,7 @@
       </p:sp>
       <p:sp>
         <p:nvSpPr>
-          <p:cNvPr id="5" name="PPTLabsHighlightBackgroundShape201506181734443923"/>
+          <p:cNvPr id="6" name="PPTLabsHighlightBackgroundShape201705111406343662"/>
           <p:cNvSpPr>
             <a:spLocks/>
           </p:cNvSpPr>
@@ -13941,7 +13965,7 @@
       </p:sp>
       <p:sp>
         <p:nvSpPr>
-          <p:cNvPr id="6" name="PPTLabsHighlightBackgroundShape201506181734443973"/>
+          <p:cNvPr id="7" name="PPTLabsHighlightBackgroundShape201705111406343702"/>
           <p:cNvSpPr>
             <a:spLocks/>
           </p:cNvSpPr>
@@ -14011,7 +14035,7 @@
       </p:sp>
       <p:sp>
         <p:nvSpPr>
-          <p:cNvPr id="7" name="PPTLabsHighlightBackgroundShape201506181734444013"/>
+          <p:cNvPr id="8" name="PPTLabsHighlightBackgroundShape201705111406343722"/>
           <p:cNvSpPr>
             <a:spLocks/>
           </p:cNvSpPr>
@@ -14081,7 +14105,7 @@
       </p:sp>
       <p:sp>
         <p:nvSpPr>
-          <p:cNvPr id="8" name="PPTLabsHighlightBackgroundShape201506181734444053"/>
+          <p:cNvPr id="9" name="PPTLabsHighlightBackgroundShape201705111406343732"/>
           <p:cNvSpPr>
             <a:spLocks/>
           </p:cNvSpPr>
@@ -14151,7 +14175,88 @@
       </p:sp>
       <p:sp>
         <p:nvSpPr>
-          <p:cNvPr id="10" name="PPTLabsHighlightBackgroundShape201506181734444113"/>
+          <p:cNvPr id="2" name="HighlightBackgroundShaped108a7e5-8eab-4301-8593-c035661b65c0"/>
+          <p:cNvSpPr txBox="1"/>
+          <p:nvPr/>
+        </p:nvSpPr>
+        <p:spPr>
+          <a:xfrm>
+            <a:off x="304800" y="381000"/>
+            <a:ext cx="7620000" cy="2400657"/>
+          </a:xfrm>
+          <a:prstGeom prst="rect">
+            <a:avLst/>
+          </a:prstGeom>
+          <a:noFill/>
+        </p:spPr>
+        <p:txBody>
+          <a:bodyPr wrap="square" rtlCol="0">
+            <a:spAutoFit/>
+          </a:bodyPr>
+          <a:lstStyle/>
+          <a:p>
+            <a:pPr marL="285750" indent="-285750">
+              <a:buFont typeface="Arial" panose="020B0604020202020204" pitchFamily="34" charset="0"/>
+              <a:buChar char="•"/>
+            </a:pPr>
+            <a:r>
+              <a:rPr lang="en-US" sz="2800" dirty="0" smtClean="0"/>
+              <a:t>Test - Non-ABC: 1234567890!@#$%^&amp;*()</a:t>
+            </a:r>
+          </a:p>
+          <a:p>
+            <a:r>
+              <a:rPr lang="en-US" sz="2800" dirty="0"/>
+              <a:t>Test </a:t>
+            </a:r>
+            <a:r>
+              <a:rPr lang="en-US" sz="2800" dirty="0" smtClean="0"/>
+              <a:t>– No bullet point</a:t>
+            </a:r>
+            <a:endParaRPr lang="en-US" sz="2800" dirty="0"/>
+          </a:p>
+          <a:p>
+            <a:pPr marL="514350" indent="-514350">
+              <a:buFont typeface="+mj-lt"/>
+              <a:buAutoNum type="arabicPeriod"/>
+            </a:pPr>
+            <a:r>
+              <a:rPr lang="en-US" sz="2800" dirty="0"/>
+              <a:t>Test – </a:t>
+            </a:r>
+            <a:r>
+              <a:rPr lang="en-US" sz="2800" dirty="0" smtClean="0"/>
+              <a:t>Different bullet point</a:t>
+            </a:r>
+          </a:p>
+          <a:p>
+            <a:pPr marL="285750" indent="-285750">
+              <a:buFont typeface="Arial" panose="020B0604020202020204" pitchFamily="34" charset="0"/>
+              <a:buChar char="•"/>
+            </a:pPr>
+            <a:r>
+              <a:rPr lang="en-US" sz="2800" dirty="0" smtClean="0">
+                <a:latin typeface="Times New Roman" panose="02020603050405020304" pitchFamily="18" charset="0"/>
+                <a:cs typeface="Times New Roman" panose="02020603050405020304" pitchFamily="18" charset="0"/>
+              </a:rPr>
+              <a:t>Test - Another Font Family, using Times New Roman</a:t>
+            </a:r>
+          </a:p>
+          <a:p>
+            <a:pPr marL="285750" indent="-285750">
+              <a:buFont typeface="Arial" panose="020B0604020202020204" pitchFamily="34" charset="0"/>
+              <a:buChar char="•"/>
+            </a:pPr>
+            <a:r>
+              <a:rPr lang="en-US" sz="1000" dirty="0" smtClean="0"/>
+              <a:t>Test - very small content. Test: very small content. Test: very small content. Test: very small content</a:t>
+            </a:r>
+          </a:p>
+        </p:txBody>
+      </p:sp>
+      <p:sp>
+        <p:nvSpPr>
+          <p:cNvPr id="11" name="PPTLabsHighlightBackgroundShape201705111406343762"/>
           <p:cNvSpPr>
             <a:spLocks/>
           </p:cNvSpPr>
@@ -14221,7 +14326,7 @@
       </p:sp>
       <p:sp>
         <p:nvSpPr>
-          <p:cNvPr id="11" name="PPTLabsHighlightBackgroundShape201506181734444143"/>
+          <p:cNvPr id="12" name="PPTLabsHighlightBackgroundShape201705111406343772"/>
           <p:cNvSpPr>
             <a:spLocks/>
           </p:cNvSpPr>
@@ -14291,7 +14396,7 @@
       </p:sp>
       <p:sp>
         <p:nvSpPr>
-          <p:cNvPr id="12" name="PPTLabsHighlightBackgroundShape201506181734444173"/>
+          <p:cNvPr id="13" name="PPTLabsHighlightBackgroundShape201705111406343782"/>
           <p:cNvSpPr/>
           <p:nvPr>
             <p:custDataLst>
@@ -14359,7 +14464,224 @@
       </p:sp>
       <p:sp>
         <p:nvSpPr>
-          <p:cNvPr id="9" name="PPTLabsHighlightBackgroundShape201506181734444083"/>
+          <p:cNvPr id="3" name="HighlightBackgroundShapee876e799-145c-4ac4-a5c9-2f5c4db0dea7"/>
+          <p:cNvSpPr txBox="1"/>
+          <p:nvPr/>
+        </p:nvSpPr>
+        <p:spPr>
+          <a:xfrm>
+            <a:off x="1524000" y="3048000"/>
+            <a:ext cx="7620000" cy="3600986"/>
+          </a:xfrm>
+          <a:prstGeom prst="rect">
+            <a:avLst/>
+          </a:prstGeom>
+          <a:noFill/>
+        </p:spPr>
+        <p:txBody>
+          <a:bodyPr wrap="square" rtlCol="0">
+            <a:spAutoFit/>
+          </a:bodyPr>
+          <a:lstStyle/>
+          <a:p>
+            <a:pPr marL="285750" indent="-285750">
+              <a:buFont typeface="Arial" panose="020B0604020202020204" pitchFamily="34" charset="0"/>
+              <a:buChar char="•"/>
+            </a:pPr>
+            <a:r>
+              <a:rPr lang="en-US" sz="6600" dirty="0" smtClean="0">
+                <a:latin typeface="Arial Black" panose="020B0A04020102020204" pitchFamily="34" charset="0"/>
+              </a:rPr>
+              <a:t>Test - very big</a:t>
+            </a:r>
+          </a:p>
+          <a:p>
+            <a:pPr marL="285750" indent="-285750">
+              <a:buFont typeface="Arial" panose="020B0604020202020204" pitchFamily="34" charset="0"/>
+              <a:buChar char="•"/>
+            </a:pPr>
+            <a:r>
+              <a:rPr lang="en-US" sz="3600" dirty="0" smtClean="0"/>
+              <a:t>Test – Long sentence: </a:t>
+            </a:r>
+            <a:r>
+              <a:rPr lang="en-US" sz="3600" dirty="0" err="1" smtClean="0"/>
+              <a:t>Asdddd</a:t>
+            </a:r>
+            <a:r>
+              <a:rPr lang="en-US" sz="3600" dirty="0" smtClean="0"/>
+              <a:t> </a:t>
+            </a:r>
+            <a:r>
+              <a:rPr lang="en-US" sz="3600" dirty="0" err="1" smtClean="0"/>
+              <a:t>ddd</a:t>
+            </a:r>
+            <a:r>
+              <a:rPr lang="en-US" sz="3600" dirty="0" smtClean="0"/>
+              <a:t> </a:t>
+            </a:r>
+            <a:r>
+              <a:rPr lang="en-US" sz="3600" dirty="0" err="1" smtClean="0"/>
+              <a:t>dd</a:t>
+            </a:r>
+            <a:r>
+              <a:rPr lang="en-US" sz="3600" dirty="0" smtClean="0"/>
+              <a:t> d </a:t>
+            </a:r>
+            <a:r>
+              <a:rPr lang="en-US" sz="3600" dirty="0" err="1" smtClean="0"/>
+              <a:t>ddddd</a:t>
+            </a:r>
+            <a:r>
+              <a:rPr lang="en-US" sz="3600" dirty="0" smtClean="0"/>
+              <a:t> </a:t>
+            </a:r>
+            <a:r>
+              <a:rPr lang="en-US" sz="3600" dirty="0" err="1" smtClean="0"/>
+              <a:t>ddd</a:t>
+            </a:r>
+            <a:r>
+              <a:rPr lang="en-US" sz="3600" dirty="0" smtClean="0"/>
+              <a:t> </a:t>
+            </a:r>
+            <a:r>
+              <a:rPr lang="en-US" sz="3600" dirty="0" err="1" smtClean="0"/>
+              <a:t>ddd</a:t>
+            </a:r>
+            <a:r>
+              <a:rPr lang="en-US" sz="3600" dirty="0" smtClean="0"/>
+              <a:t> </a:t>
+            </a:r>
+            <a:r>
+              <a:rPr lang="en-US" sz="3600" dirty="0" err="1" smtClean="0"/>
+              <a:t>ddd</a:t>
+            </a:r>
+            <a:r>
+              <a:rPr lang="en-US" sz="3600" dirty="0" smtClean="0"/>
+              <a:t> </a:t>
+            </a:r>
+            <a:r>
+              <a:rPr lang="en-US" sz="3600" dirty="0" err="1" smtClean="0"/>
+              <a:t>ddd</a:t>
+            </a:r>
+            <a:r>
+              <a:rPr lang="en-US" sz="3600" dirty="0" smtClean="0"/>
+              <a:t> </a:t>
+            </a:r>
+            <a:r>
+              <a:rPr lang="en-US" sz="3600" dirty="0" err="1" smtClean="0"/>
+              <a:t>ddd</a:t>
+            </a:r>
+            <a:r>
+              <a:rPr lang="en-US" sz="3600" dirty="0" smtClean="0"/>
+              <a:t> </a:t>
+            </a:r>
+            <a:r>
+              <a:rPr lang="en-US" sz="3600" dirty="0" err="1" smtClean="0"/>
+              <a:t>ddd</a:t>
+            </a:r>
+            <a:r>
+              <a:rPr lang="en-US" sz="3600" dirty="0" smtClean="0"/>
+              <a:t> </a:t>
+            </a:r>
+            <a:r>
+              <a:rPr lang="en-US" sz="3600" dirty="0" err="1" smtClean="0"/>
+              <a:t>ddd</a:t>
+            </a:r>
+            <a:r>
+              <a:rPr lang="en-US" sz="3600" dirty="0" smtClean="0"/>
+              <a:t> </a:t>
+            </a:r>
+            <a:r>
+              <a:rPr lang="en-US" sz="3600" dirty="0" err="1" smtClean="0"/>
+              <a:t>dddddd</a:t>
+            </a:r>
+            <a:r>
+              <a:rPr lang="en-US" sz="3600" dirty="0" smtClean="0"/>
+              <a:t> </a:t>
+            </a:r>
+            <a:r>
+              <a:rPr lang="en-US" sz="3600" dirty="0" err="1" smtClean="0"/>
+              <a:t>dd</a:t>
+            </a:r>
+            <a:r>
+              <a:rPr lang="en-US" sz="3600" dirty="0" smtClean="0"/>
+              <a:t> </a:t>
+            </a:r>
+            <a:r>
+              <a:rPr lang="en-US" sz="3600" dirty="0" err="1" smtClean="0"/>
+              <a:t>ddd</a:t>
+            </a:r>
+            <a:r>
+              <a:rPr lang="en-US" sz="3600" dirty="0" smtClean="0"/>
+              <a:t> </a:t>
+            </a:r>
+            <a:r>
+              <a:rPr lang="en-US" sz="3600" dirty="0" err="1" smtClean="0"/>
+              <a:t>ddddd</a:t>
+            </a:r>
+            <a:r>
+              <a:rPr lang="en-US" sz="3600" dirty="0" smtClean="0"/>
+              <a:t> </a:t>
+            </a:r>
+            <a:r>
+              <a:rPr lang="en-US" sz="3600" dirty="0" err="1" smtClean="0"/>
+              <a:t>dd</a:t>
+            </a:r>
+            <a:r>
+              <a:rPr lang="en-US" sz="3600" dirty="0" smtClean="0"/>
+              <a:t> </a:t>
+            </a:r>
+            <a:r>
+              <a:rPr lang="en-US" sz="3600" dirty="0" err="1" smtClean="0"/>
+              <a:t>dd</a:t>
+            </a:r>
+            <a:r>
+              <a:rPr lang="en-US" sz="3600" dirty="0" smtClean="0"/>
+              <a:t> d </a:t>
+            </a:r>
+            <a:r>
+              <a:rPr lang="en-US" sz="3600" dirty="0" err="1" smtClean="0"/>
+              <a:t>ddd</a:t>
+            </a:r>
+            <a:r>
+              <a:rPr lang="en-US" sz="3600" dirty="0" smtClean="0"/>
+              <a:t> </a:t>
+            </a:r>
+            <a:r>
+              <a:rPr lang="en-US" sz="3600" dirty="0" err="1" smtClean="0"/>
+              <a:t>ddd</a:t>
+            </a:r>
+            <a:endParaRPr lang="en-US" sz="3600" dirty="0" smtClean="0"/>
+          </a:p>
+          <a:p>
+            <a:pPr marL="285750" indent="-285750">
+              <a:buFont typeface="Arial" panose="020B0604020202020204" pitchFamily="34" charset="0"/>
+              <a:buChar char="•"/>
+            </a:pPr>
+            <a:r>
+              <a:rPr lang="en-US" altLang="zh-CN" dirty="0" smtClean="0"/>
+              <a:t>Test – Chinese Characters: </a:t>
+            </a:r>
+            <a:r>
+              <a:rPr lang="zh-CN" altLang="en-US" dirty="0" smtClean="0"/>
+              <a:t>阿</a:t>
+            </a:r>
+            <a:r>
+              <a:rPr lang="zh-CN" altLang="en-US" dirty="0"/>
+              <a:t>斯</a:t>
+            </a:r>
+            <a:r>
+              <a:rPr lang="zh-CN" altLang="en-US" dirty="0" smtClean="0"/>
+              <a:t>顿啊盛大速度啊盛大速度啊盛大速度</a:t>
+            </a:r>
+            <a:endParaRPr lang="en-SG" dirty="0"/>
+          </a:p>
+        </p:txBody>
+      </p:sp>
+      <p:sp>
+        <p:nvSpPr>
+          <p:cNvPr id="10" name="PPTLabsHighlightBackgroundShape201705111406343752"/>
           <p:cNvSpPr>
             <a:spLocks/>
           </p:cNvSpPr>
@@ -14429,305 +14751,7 @@
       </p:sp>
       <p:sp>
         <p:nvSpPr>
-          <p:cNvPr id="2" name="HighlightBackgroundShapeea60d9b9-ed30-4da3-a1da-6902e7f48621"/>
-          <p:cNvSpPr txBox="1"/>
-          <p:nvPr/>
-        </p:nvSpPr>
-        <p:spPr>
-          <a:xfrm>
-            <a:off x="304800" y="381000"/>
-            <a:ext cx="7620000" cy="2400657"/>
-          </a:xfrm>
-          <a:prstGeom prst="rect">
-            <a:avLst/>
-          </a:prstGeom>
-          <a:noFill/>
-        </p:spPr>
-        <p:txBody>
-          <a:bodyPr wrap="square" rtlCol="0">
-            <a:spAutoFit/>
-          </a:bodyPr>
-          <a:lstStyle/>
-          <a:p>
-            <a:pPr marL="285750" indent="-285750">
-              <a:buFont typeface="Arial" panose="020B0604020202020204" pitchFamily="34" charset="0"/>
-              <a:buChar char="•"/>
-            </a:pPr>
-            <a:r>
-              <a:rPr lang="en-US" sz="2800" dirty="0" smtClean="0"/>
-              <a:t>Test - Non-ABC: 1234567890!@#$%^&amp;*()</a:t>
-            </a:r>
-          </a:p>
-          <a:p>
-            <a:r>
-              <a:rPr lang="en-US" sz="2800" dirty="0"/>
-              <a:t>Test </a:t>
-            </a:r>
-            <a:r>
-              <a:rPr lang="en-US" sz="2800" dirty="0" smtClean="0"/>
-              <a:t>– No bullet point</a:t>
-            </a:r>
-            <a:endParaRPr lang="en-US" sz="2800" dirty="0"/>
-          </a:p>
-          <a:p>
-            <a:pPr marL="514350" indent="-514350">
-              <a:buFont typeface="+mj-lt"/>
-              <a:buAutoNum type="arabicPeriod"/>
-            </a:pPr>
-            <a:r>
-              <a:rPr lang="en-US" sz="2800" dirty="0"/>
-              <a:t>Test – </a:t>
-            </a:r>
-            <a:r>
-              <a:rPr lang="en-US" sz="2800" dirty="0" smtClean="0"/>
-              <a:t>Different bullet point</a:t>
-            </a:r>
-          </a:p>
-          <a:p>
-            <a:pPr marL="285750" indent="-285750">
-              <a:buFont typeface="Arial" panose="020B0604020202020204" pitchFamily="34" charset="0"/>
-              <a:buChar char="•"/>
-            </a:pPr>
-            <a:r>
-              <a:rPr lang="en-US" sz="2800" dirty="0" smtClean="0">
-                <a:latin typeface="Times New Roman" panose="02020603050405020304" pitchFamily="18" charset="0"/>
-                <a:cs typeface="Times New Roman" panose="02020603050405020304" pitchFamily="18" charset="0"/>
-              </a:rPr>
-              <a:t>Test - Another Font Family, using Times New Roman</a:t>
-            </a:r>
-          </a:p>
-          <a:p>
-            <a:pPr marL="285750" indent="-285750">
-              <a:buFont typeface="Arial" panose="020B0604020202020204" pitchFamily="34" charset="0"/>
-              <a:buChar char="•"/>
-            </a:pPr>
-            <a:r>
-              <a:rPr lang="en-US" sz="1000" dirty="0" smtClean="0"/>
-              <a:t>Test - very small content. Test: very small content. Test: very small content. Test: very small content</a:t>
-            </a:r>
-          </a:p>
-        </p:txBody>
-      </p:sp>
-      <p:sp>
-        <p:nvSpPr>
-          <p:cNvPr id="3" name="HighlightBackgroundShapec485a6a5-1d97-42dc-ab66-ce7355d7009d"/>
-          <p:cNvSpPr txBox="1"/>
-          <p:nvPr/>
-        </p:nvSpPr>
-        <p:spPr>
-          <a:xfrm>
-            <a:off x="1524000" y="3048000"/>
-            <a:ext cx="7620000" cy="3600986"/>
-          </a:xfrm>
-          <a:prstGeom prst="rect">
-            <a:avLst/>
-          </a:prstGeom>
-          <a:noFill/>
-        </p:spPr>
-        <p:txBody>
-          <a:bodyPr wrap="square" rtlCol="0">
-            <a:spAutoFit/>
-          </a:bodyPr>
-          <a:lstStyle/>
-          <a:p>
-            <a:pPr marL="285750" indent="-285750">
-              <a:buFont typeface="Arial" panose="020B0604020202020204" pitchFamily="34" charset="0"/>
-              <a:buChar char="•"/>
-            </a:pPr>
-            <a:r>
-              <a:rPr lang="en-US" sz="6600" dirty="0" smtClean="0">
-                <a:latin typeface="Arial Black" panose="020B0A04020102020204" pitchFamily="34" charset="0"/>
-              </a:rPr>
-              <a:t>Test - very big</a:t>
-            </a:r>
-          </a:p>
-          <a:p>
-            <a:pPr marL="285750" indent="-285750">
-              <a:buFont typeface="Arial" panose="020B0604020202020204" pitchFamily="34" charset="0"/>
-              <a:buChar char="•"/>
-            </a:pPr>
-            <a:r>
-              <a:rPr lang="en-US" sz="3600" dirty="0" smtClean="0"/>
-              <a:t>Test – Long sentence: </a:t>
-            </a:r>
-            <a:r>
-              <a:rPr lang="en-US" sz="3600" dirty="0" err="1" smtClean="0"/>
-              <a:t>Asdddd</a:t>
-            </a:r>
-            <a:r>
-              <a:rPr lang="en-US" sz="3600" dirty="0" smtClean="0"/>
-              <a:t> </a:t>
-            </a:r>
-            <a:r>
-              <a:rPr lang="en-US" sz="3600" dirty="0" err="1" smtClean="0"/>
-              <a:t>ddd</a:t>
-            </a:r>
-            <a:r>
-              <a:rPr lang="en-US" sz="3600" dirty="0" smtClean="0"/>
-              <a:t> </a:t>
-            </a:r>
-            <a:r>
-              <a:rPr lang="en-US" sz="3600" dirty="0" err="1" smtClean="0"/>
-              <a:t>dd</a:t>
-            </a:r>
-            <a:r>
-              <a:rPr lang="en-US" sz="3600" dirty="0" smtClean="0"/>
-              <a:t> d </a:t>
-            </a:r>
-            <a:r>
-              <a:rPr lang="en-US" sz="3600" dirty="0" err="1" smtClean="0"/>
-              <a:t>ddddd</a:t>
-            </a:r>
-            <a:r>
-              <a:rPr lang="en-US" sz="3600" dirty="0" smtClean="0"/>
-              <a:t> </a:t>
-            </a:r>
-            <a:r>
-              <a:rPr lang="en-US" sz="3600" dirty="0" err="1" smtClean="0"/>
-              <a:t>ddd</a:t>
-            </a:r>
-            <a:r>
-              <a:rPr lang="en-US" sz="3600" dirty="0" smtClean="0"/>
-              <a:t> </a:t>
-            </a:r>
-            <a:r>
-              <a:rPr lang="en-US" sz="3600" dirty="0" err="1" smtClean="0"/>
-              <a:t>ddd</a:t>
-            </a:r>
-            <a:r>
-              <a:rPr lang="en-US" sz="3600" dirty="0" smtClean="0"/>
-              <a:t> </a:t>
-            </a:r>
-            <a:r>
-              <a:rPr lang="en-US" sz="3600" dirty="0" err="1" smtClean="0"/>
-              <a:t>ddd</a:t>
-            </a:r>
-            <a:r>
-              <a:rPr lang="en-US" sz="3600" dirty="0" smtClean="0"/>
-              <a:t> </a:t>
-            </a:r>
-            <a:r>
-              <a:rPr lang="en-US" sz="3600" dirty="0" err="1" smtClean="0"/>
-              <a:t>ddd</a:t>
-            </a:r>
-            <a:r>
-              <a:rPr lang="en-US" sz="3600" dirty="0" smtClean="0"/>
-              <a:t> </a:t>
-            </a:r>
-            <a:r>
-              <a:rPr lang="en-US" sz="3600" dirty="0" err="1" smtClean="0"/>
-              <a:t>ddd</a:t>
-            </a:r>
-            <a:r>
-              <a:rPr lang="en-US" sz="3600" dirty="0" smtClean="0"/>
-              <a:t> </a:t>
-            </a:r>
-            <a:r>
-              <a:rPr lang="en-US" sz="3600" dirty="0" err="1" smtClean="0"/>
-              <a:t>ddd</a:t>
-            </a:r>
-            <a:r>
-              <a:rPr lang="en-US" sz="3600" dirty="0" smtClean="0"/>
-              <a:t> </a:t>
-            </a:r>
-            <a:r>
-              <a:rPr lang="en-US" sz="3600" dirty="0" err="1" smtClean="0"/>
-              <a:t>ddd</a:t>
-            </a:r>
-            <a:r>
-              <a:rPr lang="en-US" sz="3600" dirty="0" smtClean="0"/>
-              <a:t> </a:t>
-            </a:r>
-            <a:r>
-              <a:rPr lang="en-US" sz="3600" dirty="0" err="1" smtClean="0"/>
-              <a:t>dddddd</a:t>
-            </a:r>
-            <a:r>
-              <a:rPr lang="en-US" sz="3600" dirty="0" smtClean="0"/>
-              <a:t> </a:t>
-            </a:r>
-            <a:r>
-              <a:rPr lang="en-US" sz="3600" dirty="0" err="1" smtClean="0"/>
-              <a:t>dd</a:t>
-            </a:r>
-            <a:r>
-              <a:rPr lang="en-US" sz="3600" dirty="0" smtClean="0"/>
-              <a:t> </a:t>
-            </a:r>
-            <a:r>
-              <a:rPr lang="en-US" sz="3600" dirty="0" err="1" smtClean="0"/>
-              <a:t>ddd</a:t>
-            </a:r>
-            <a:r>
-              <a:rPr lang="en-US" sz="3600" dirty="0" smtClean="0"/>
-              <a:t> </a:t>
-            </a:r>
-            <a:r>
-              <a:rPr lang="en-US" sz="3600" dirty="0" err="1" smtClean="0"/>
-              <a:t>ddddd</a:t>
-            </a:r>
-            <a:r>
-              <a:rPr lang="en-US" sz="3600" dirty="0" smtClean="0"/>
-              <a:t> </a:t>
-            </a:r>
-            <a:r>
-              <a:rPr lang="en-US" sz="3600" dirty="0" err="1" smtClean="0"/>
-              <a:t>dd</a:t>
-            </a:r>
-            <a:r>
-              <a:rPr lang="en-US" sz="3600" dirty="0" smtClean="0"/>
-              <a:t> </a:t>
-            </a:r>
-            <a:r>
-              <a:rPr lang="en-US" sz="3600" dirty="0" err="1" smtClean="0"/>
-              <a:t>dd</a:t>
-            </a:r>
-            <a:r>
-              <a:rPr lang="en-US" sz="3600" dirty="0" smtClean="0"/>
-              <a:t> d </a:t>
-            </a:r>
-            <a:r>
-              <a:rPr lang="en-US" sz="3600" dirty="0" err="1" smtClean="0"/>
-              <a:t>ddd</a:t>
-            </a:r>
-            <a:r>
-              <a:rPr lang="en-US" sz="3600" dirty="0" smtClean="0"/>
-              <a:t> </a:t>
-            </a:r>
-            <a:r>
-              <a:rPr lang="en-US" sz="3600" dirty="0" err="1" smtClean="0"/>
-              <a:t>ddd</a:t>
-            </a:r>
-            <a:endParaRPr lang="en-US" sz="3600" dirty="0" smtClean="0"/>
-          </a:p>
-          <a:p>
-            <a:pPr marL="285750" indent="-285750">
-              <a:buFont typeface="Arial" panose="020B0604020202020204" pitchFamily="34" charset="0"/>
-              <a:buChar char="•"/>
-            </a:pPr>
-            <a:r>
-              <a:rPr lang="en-US" altLang="zh-CN" dirty="0" smtClean="0"/>
-              <a:t>Test – Chinese Characters: </a:t>
-            </a:r>
-            <a:r>
-              <a:rPr lang="zh-CN" altLang="en-US" dirty="0" smtClean="0"/>
-              <a:t>阿</a:t>
-            </a:r>
-            <a:r>
-              <a:rPr lang="zh-CN" altLang="en-US" dirty="0"/>
-              <a:t>斯</a:t>
-            </a:r>
-            <a:r>
-              <a:rPr lang="zh-CN" altLang="en-US" dirty="0" smtClean="0"/>
-              <a:t>顿啊盛大速度啊盛大速度啊盛大速度</a:t>
-            </a:r>
-            <a:endParaRPr lang="en-SG" dirty="0"/>
-          </a:p>
-        </p:txBody>
-      </p:sp>
-      <p:sp>
-        <p:nvSpPr>
-          <p:cNvPr id="4" name="HighlightBackgroundShape2951bdb7-c805-4481-b1b6-0b041b273aa4"/>
+          <p:cNvPr id="4" name="HighlightBackgroundShape7d893c5c-e123-41e7-9afe-9dfb1db6f258"/>
           <p:cNvSpPr txBox="1"/>
           <p:nvPr/>
         </p:nvSpPr>
@@ -14758,7 +14782,7 @@
     </p:spTree>
     <p:extLst>
       <p:ext uri="{BB962C8B-B14F-4D97-AF65-F5344CB8AC3E}">
-        <p14:creationId xmlns:p14="http://schemas.microsoft.com/office/powerpoint/2010/main" val="3354436929"/>
+        <p14:creationId xmlns:p14="http://schemas.microsoft.com/office/powerpoint/2010/main" val="2583488637"/>
       </p:ext>
     </p:extLst>
   </p:cSld>
@@ -14798,7 +14822,7 @@
                                       <p:cBhvr>
                                         <p:cTn id="6" dur="500" fill="hold"/>
                                         <p:tgtEl>
-                                          <p:spTgt spid="5"/>
+                                          <p:spTgt spid="6"/>
                                         </p:tgtEl>
                                         <p:attrNameLst>
                                           <p:attrName>ppt_x</p:attrName>
@@ -14819,7 +14843,7 @@
                                       <p:cBhvr>
                                         <p:cTn id="8" dur="500" fill="hold"/>
                                         <p:tgtEl>
-                                          <p:spTgt spid="5"/>
+                                          <p:spTgt spid="6"/>
                                         </p:tgtEl>
                                       </p:cBhvr>
                                       <p:by x="66208" y="100000"/>
@@ -14850,7 +14874,7 @@
                                           </p:stCondLst>
                                         </p:cTn>
                                         <p:tgtEl>
-                                          <p:spTgt spid="6"/>
+                                          <p:spTgt spid="7"/>
                                         </p:tgtEl>
                                         <p:attrNameLst>
                                           <p:attrName>style.visibility</p:attrName>
@@ -14873,7 +14897,7 @@
                                       <p:cBhvr>
                                         <p:cTn id="13" dur="500"/>
                                         <p:tgtEl>
-                                          <p:spTgt spid="5"/>
+                                          <p:spTgt spid="6"/>
                                         </p:tgtEl>
                                       </p:cBhvr>
                                     </p:animEffect>
@@ -14885,7 +14909,7 @@
                                           </p:stCondLst>
                                         </p:cTn>
                                         <p:tgtEl>
-                                          <p:spTgt spid="5"/>
+                                          <p:spTgt spid="6"/>
                                         </p:tgtEl>
                                         <p:attrNameLst>
                                           <p:attrName>style.visibility</p:attrName>
@@ -14926,7 +14950,7 @@
                                       <p:cBhvr>
                                         <p:cTn id="18" dur="500" fill="hold"/>
                                         <p:tgtEl>
-                                          <p:spTgt spid="6"/>
+                                          <p:spTgt spid="7"/>
                                         </p:tgtEl>
                                         <p:attrNameLst>
                                           <p:attrName>ppt_x</p:attrName>
@@ -14947,7 +14971,7 @@
                                       <p:cBhvr>
                                         <p:cTn id="20" dur="500" fill="hold"/>
                                         <p:tgtEl>
-                                          <p:spTgt spid="6"/>
+                                          <p:spTgt spid="7"/>
                                         </p:tgtEl>
                                       </p:cBhvr>
                                       <p:by x="164024" y="200000"/>
@@ -14978,7 +15002,7 @@
                                           </p:stCondLst>
                                         </p:cTn>
                                         <p:tgtEl>
-                                          <p:spTgt spid="7"/>
+                                          <p:spTgt spid="8"/>
                                         </p:tgtEl>
                                         <p:attrNameLst>
                                           <p:attrName>style.visibility</p:attrName>
@@ -15001,7 +15025,7 @@
                                       <p:cBhvr>
                                         <p:cTn id="25" dur="500"/>
                                         <p:tgtEl>
-                                          <p:spTgt spid="6"/>
+                                          <p:spTgt spid="7"/>
                                         </p:tgtEl>
                                       </p:cBhvr>
                                     </p:animEffect>
@@ -15013,7 +15037,7 @@
                                           </p:stCondLst>
                                         </p:cTn>
                                         <p:tgtEl>
-                                          <p:spTgt spid="6"/>
+                                          <p:spTgt spid="7"/>
                                         </p:tgtEl>
                                         <p:attrNameLst>
                                           <p:attrName>style.visibility</p:attrName>
@@ -15054,7 +15078,7 @@
                                       <p:cBhvr>
                                         <p:cTn id="30" dur="500" fill="hold"/>
                                         <p:tgtEl>
-                                          <p:spTgt spid="7"/>
+                                          <p:spTgt spid="8"/>
                                         </p:tgtEl>
                                         <p:attrNameLst>
                                           <p:attrName>ppt_x</p:attrName>
@@ -15075,7 +15099,7 @@
                                       <p:cBhvr>
                                         <p:cTn id="32" dur="500" fill="hold"/>
                                         <p:tgtEl>
-                                          <p:spTgt spid="7"/>
+                                          <p:spTgt spid="8"/>
                                         </p:tgtEl>
                                       </p:cBhvr>
                                       <p:by x="77849" y="17857"/>
@@ -15106,7 +15130,7 @@
                                           </p:stCondLst>
                                         </p:cTn>
                                         <p:tgtEl>
-                                          <p:spTgt spid="8"/>
+                                          <p:spTgt spid="9"/>
                                         </p:tgtEl>
                                         <p:attrNameLst>
                                           <p:attrName>style.visibility</p:attrName>
@@ -15129,7 +15153,7 @@
                                       <p:cBhvr>
                                         <p:cTn id="37" dur="500"/>
                                         <p:tgtEl>
-                                          <p:spTgt spid="7"/>
+                                          <p:spTgt spid="8"/>
                                         </p:tgtEl>
                                       </p:cBhvr>
                                     </p:animEffect>
@@ -15141,7 +15165,7 @@
                                           </p:stCondLst>
                                         </p:cTn>
                                         <p:tgtEl>
-                                          <p:spTgt spid="7"/>
+                                          <p:spTgt spid="8"/>
                                         </p:tgtEl>
                                         <p:attrNameLst>
                                           <p:attrName>style.visibility</p:attrName>
@@ -15182,7 +15206,7 @@
                                       <p:cBhvr>
                                         <p:cTn id="42" dur="500" fill="hold"/>
                                         <p:tgtEl>
-                                          <p:spTgt spid="8"/>
+                                          <p:spTgt spid="9"/>
                                         </p:tgtEl>
                                         <p:attrNameLst>
                                           <p:attrName>ppt_x</p:attrName>
@@ -15203,7 +15227,7 @@
                                       <p:cBhvr>
                                         <p:cTn id="44" dur="500" fill="hold"/>
                                         <p:tgtEl>
-                                          <p:spTgt spid="8"/>
+                                          <p:spTgt spid="9"/>
                                         </p:tgtEl>
                                       </p:cBhvr>
                                       <p:by x="19066" y="400000"/>
@@ -15234,7 +15258,7 @@
                                           </p:stCondLst>
                                         </p:cTn>
                                         <p:tgtEl>
-                                          <p:spTgt spid="9"/>
+                                          <p:spTgt spid="10"/>
                                         </p:tgtEl>
                                         <p:attrNameLst>
                                           <p:attrName>style.visibility</p:attrName>
@@ -15257,7 +15281,7 @@
                                       <p:cBhvr>
                                         <p:cTn id="49" dur="500"/>
                                         <p:tgtEl>
-                                          <p:spTgt spid="8"/>
+                                          <p:spTgt spid="9"/>
                                         </p:tgtEl>
                                       </p:cBhvr>
                                     </p:animEffect>
@@ -15269,7 +15293,7 @@
                                           </p:stCondLst>
                                         </p:cTn>
                                         <p:tgtEl>
-                                          <p:spTgt spid="8"/>
+                                          <p:spTgt spid="9"/>
                                         </p:tgtEl>
                                         <p:attrNameLst>
                                           <p:attrName>style.visibility</p:attrName>
@@ -15310,7 +15334,7 @@
                                       <p:cBhvr>
                                         <p:cTn id="54" dur="500" fill="hold"/>
                                         <p:tgtEl>
-                                          <p:spTgt spid="9"/>
+                                          <p:spTgt spid="10"/>
                                         </p:tgtEl>
                                         <p:attrNameLst>
                                           <p:attrName>ppt_x</p:attrName>
@@ -15331,7 +15355,7 @@
                                       <p:cBhvr>
                                         <p:cTn id="56" dur="500" fill="hold"/>
                                         <p:tgtEl>
-                                          <p:spTgt spid="9"/>
+                                          <p:spTgt spid="10"/>
                                         </p:tgtEl>
                                       </p:cBhvr>
                                       <p:by x="691842" y="165000"/>
@@ -15362,7 +15386,7 @@
                                           </p:stCondLst>
                                         </p:cTn>
                                         <p:tgtEl>
-                                          <p:spTgt spid="10"/>
+                                          <p:spTgt spid="11"/>
                                         </p:tgtEl>
                                         <p:attrNameLst>
                                           <p:attrName>style.visibility</p:attrName>
@@ -15385,7 +15409,7 @@
                                       <p:cBhvr>
                                         <p:cTn id="61" dur="500"/>
                                         <p:tgtEl>
-                                          <p:spTgt spid="9"/>
+                                          <p:spTgt spid="10"/>
                                         </p:tgtEl>
                                       </p:cBhvr>
                                     </p:animEffect>
@@ -15397,7 +15421,7 @@
                                           </p:stCondLst>
                                         </p:cTn>
                                         <p:tgtEl>
-                                          <p:spTgt spid="9"/>
+                                          <p:spTgt spid="10"/>
                                         </p:tgtEl>
                                         <p:attrNameLst>
                                           <p:attrName>style.visibility</p:attrName>
@@ -15438,7 +15462,7 @@
                                       <p:cBhvr>
                                         <p:cTn id="66" dur="500" fill="hold"/>
                                         <p:tgtEl>
-                                          <p:spTgt spid="10"/>
+                                          <p:spTgt spid="11"/>
                                         </p:tgtEl>
                                         <p:attrNameLst>
                                           <p:attrName>ppt_x</p:attrName>
@@ -15459,7 +15483,7 @@
                                       <p:cBhvr>
                                         <p:cTn id="68" dur="500" fill="hold"/>
                                         <p:tgtEl>
-                                          <p:spTgt spid="10"/>
+                                          <p:spTgt spid="11"/>
                                         </p:tgtEl>
                                       </p:cBhvr>
                                       <p:by x="102956" y="218182"/>
@@ -15490,7 +15514,7 @@
                                           </p:stCondLst>
                                         </p:cTn>
                                         <p:tgtEl>
-                                          <p:spTgt spid="11"/>
+                                          <p:spTgt spid="12"/>
                                         </p:tgtEl>
                                         <p:attrNameLst>
                                           <p:attrName>style.visibility</p:attrName>
@@ -15513,7 +15537,7 @@
                                       <p:cBhvr>
                                         <p:cTn id="73" dur="500"/>
                                         <p:tgtEl>
-                                          <p:spTgt spid="10"/>
+                                          <p:spTgt spid="11"/>
                                         </p:tgtEl>
                                       </p:cBhvr>
                                     </p:animEffect>
@@ -15525,7 +15549,7 @@
                                           </p:stCondLst>
                                         </p:cTn>
                                         <p:tgtEl>
-                                          <p:spTgt spid="10"/>
+                                          <p:spTgt spid="11"/>
                                         </p:tgtEl>
                                         <p:attrNameLst>
                                           <p:attrName>style.visibility</p:attrName>
@@ -15566,7 +15590,7 @@
                                       <p:cBhvr>
                                         <p:cTn id="78" dur="500" fill="hold"/>
                                         <p:tgtEl>
-                                          <p:spTgt spid="11"/>
+                                          <p:spTgt spid="12"/>
                                         </p:tgtEl>
                                         <p:attrNameLst>
                                           <p:attrName>ppt_x</p:attrName>
@@ -15587,7 +15611,7 @@
                                       <p:cBhvr>
                                         <p:cTn id="80" dur="500" fill="hold"/>
                                         <p:tgtEl>
-                                          <p:spTgt spid="11"/>
+                                          <p:spTgt spid="12"/>
                                         </p:tgtEl>
                                       </p:cBhvr>
                                       <p:by x="94452" y="12500"/>
@@ -15618,7 +15642,7 @@
                                           </p:stCondLst>
                                         </p:cTn>
                                         <p:tgtEl>
-                                          <p:spTgt spid="12"/>
+                                          <p:spTgt spid="13"/>
                                         </p:tgtEl>
                                         <p:attrNameLst>
                                           <p:attrName>style.visibility</p:attrName>
@@ -15641,7 +15665,7 @@
                                       <p:cBhvr>
                                         <p:cTn id="85" dur="500"/>
                                         <p:tgtEl>
-                                          <p:spTgt spid="11"/>
+                                          <p:spTgt spid="12"/>
                                         </p:tgtEl>
                                       </p:cBhvr>
                                     </p:animEffect>
@@ -15653,7 +15677,7 @@
                                           </p:stCondLst>
                                         </p:cTn>
                                         <p:tgtEl>
-                                          <p:spTgt spid="11"/>
+                                          <p:spTgt spid="12"/>
                                         </p:tgtEl>
                                         <p:attrNameLst>
                                           <p:attrName>style.visibility</p:attrName>
@@ -15694,13 +15718,9 @@
       </p:par>
     </p:tnLst>
     <p:bldLst>
-      <p:bldP spid="5" grpId="0" animBg="1"/>
-      <p:bldP spid="5" grpId="1" animBg="1"/>
-      <p:bldP spid="5" grpId="2" animBg="1"/>
       <p:bldP spid="6" grpId="0" animBg="1"/>
       <p:bldP spid="6" grpId="1" animBg="1"/>
       <p:bldP spid="6" grpId="2" animBg="1"/>
-      <p:bldP spid="6" grpId="3" animBg="1"/>
       <p:bldP spid="7" grpId="0" animBg="1"/>
       <p:bldP spid="7" grpId="1" animBg="1"/>
       <p:bldP spid="7" grpId="2" animBg="1"/>
@@ -15709,19 +15729,23 @@
       <p:bldP spid="8" grpId="1" animBg="1"/>
       <p:bldP spid="8" grpId="2" animBg="1"/>
       <p:bldP spid="8" grpId="3" animBg="1"/>
-      <p:bldP spid="10" grpId="0" animBg="1"/>
-      <p:bldP spid="10" grpId="1" animBg="1"/>
-      <p:bldP spid="10" grpId="2" animBg="1"/>
-      <p:bldP spid="10" grpId="3" animBg="1"/>
+      <p:bldP spid="9" grpId="0" animBg="1"/>
+      <p:bldP spid="9" grpId="1" animBg="1"/>
+      <p:bldP spid="9" grpId="2" animBg="1"/>
+      <p:bldP spid="9" grpId="3" animBg="1"/>
       <p:bldP spid="11" grpId="0" animBg="1"/>
       <p:bldP spid="11" grpId="1" animBg="1"/>
       <p:bldP spid="11" grpId="2" animBg="1"/>
       <p:bldP spid="11" grpId="3" animBg="1"/>
       <p:bldP spid="12" grpId="0" animBg="1"/>
-      <p:bldP spid="9" grpId="0" animBg="1"/>
-      <p:bldP spid="9" grpId="1" animBg="1"/>
-      <p:bldP spid="9" grpId="2" animBg="1"/>
-      <p:bldP spid="9" grpId="3" animBg="1"/>
+      <p:bldP spid="12" grpId="1" animBg="1"/>
+      <p:bldP spid="12" grpId="2" animBg="1"/>
+      <p:bldP spid="12" grpId="3" animBg="1"/>
+      <p:bldP spid="13" grpId="0" animBg="1"/>
+      <p:bldP spid="10" grpId="0" animBg="1"/>
+      <p:bldP spid="10" grpId="1" animBg="1"/>
+      <p:bldP spid="10" grpId="2" animBg="1"/>
+      <p:bldP spid="10" grpId="3" animBg="1"/>
     </p:bldLst>
   </p:timing>
 </p:sld>
@@ -18303,6 +18327,6804 @@
 </file>
 
 <file path=ppt/slides/slide21.xml><?xml version="1.0" encoding="utf-8"?>
+<p:sld xmlns:a="http://schemas.openxmlformats.org/drawingml/2006/main" xmlns:r="http://schemas.openxmlformats.org/officeDocument/2006/relationships" xmlns:p="http://schemas.openxmlformats.org/presentationml/2006/main">
+  <p:cSld>
+    <p:spTree>
+      <p:nvGrpSpPr>
+        <p:cNvPr id="1" name=""/>
+        <p:cNvGrpSpPr/>
+        <p:nvPr/>
+      </p:nvGrpSpPr>
+      <p:grpSpPr>
+        <a:xfrm>
+          <a:off x="0" y="0"/>
+          <a:ext cx="0" cy="0"/>
+          <a:chOff x="0" y="0"/>
+          <a:chExt cx="0" cy="0"/>
+        </a:xfrm>
+      </p:grpSpPr>
+      <p:sp>
+        <p:nvSpPr>
+          <p:cNvPr id="2" name="Title 1"/>
+          <p:cNvSpPr>
+            <a:spLocks noGrp="1"/>
+          </p:cNvSpPr>
+          <p:nvPr>
+            <p:ph type="title"/>
+          </p:nvPr>
+        </p:nvSpPr>
+        <p:spPr/>
+        <p:txBody>
+          <a:bodyPr/>
+          <a:lstStyle/>
+          <a:p>
+            <a:r>
+              <a:rPr lang="en-US" dirty="0"/>
+              <a:t>Highlight Points:: Highlight </a:t>
+            </a:r>
+            <a:r>
+              <a:rPr lang="en-US" dirty="0" smtClean="0"/>
+              <a:t>Points – Select End of Text</a:t>
+            </a:r>
+            <a:endParaRPr lang="en-SG" dirty="0"/>
+          </a:p>
+        </p:txBody>
+      </p:sp>
+      <p:sp>
+        <p:nvSpPr>
+          <p:cNvPr id="4" name="Content Placeholder 2"/>
+          <p:cNvSpPr>
+            <a:spLocks noGrp="1"/>
+          </p:cNvSpPr>
+          <p:nvPr>
+            <p:ph idx="1"/>
+          </p:nvPr>
+        </p:nvSpPr>
+        <p:spPr>
+          <a:xfrm>
+            <a:off x="457200" y="3124200"/>
+            <a:ext cx="8229600" cy="3001963"/>
+          </a:xfrm>
+        </p:spPr>
+        <p:txBody>
+          <a:bodyPr/>
+          <a:lstStyle/>
+          <a:p>
+            <a:r>
+              <a:rPr lang="en-US" dirty="0" smtClean="0"/>
+              <a:t>Move the cursor to the end of the text box and click “Highlight Points”</a:t>
+            </a:r>
+            <a:endParaRPr lang="en-SG" dirty="0"/>
+          </a:p>
+        </p:txBody>
+      </p:sp>
+    </p:spTree>
+    <p:extLst>
+      <p:ext uri="{BB962C8B-B14F-4D97-AF65-F5344CB8AC3E}">
+        <p14:creationId xmlns:p14="http://schemas.microsoft.com/office/powerpoint/2010/main" val="1166666162"/>
+      </p:ext>
+    </p:extLst>
+  </p:cSld>
+  <p:clrMapOvr>
+    <a:masterClrMapping/>
+  </p:clrMapOvr>
+  <p:timing>
+    <p:tnLst>
+      <p:par>
+        <p:cTn id="1" dur="indefinite" restart="never" nodeType="tmRoot"/>
+      </p:par>
+    </p:tnLst>
+  </p:timing>
+</p:sld>
+</file>
+
+<file path=ppt/slides/slide22.xml><?xml version="1.0" encoding="utf-8"?>
+<p:sld xmlns:a="http://schemas.openxmlformats.org/drawingml/2006/main" xmlns:r="http://schemas.openxmlformats.org/officeDocument/2006/relationships" xmlns:p="http://schemas.openxmlformats.org/presentationml/2006/main">
+  <p:cSld>
+    <p:spTree>
+      <p:nvGrpSpPr>
+        <p:cNvPr id="1" name=""/>
+        <p:cNvGrpSpPr/>
+        <p:nvPr/>
+      </p:nvGrpSpPr>
+      <p:grpSpPr>
+        <a:xfrm>
+          <a:off x="0" y="0"/>
+          <a:ext cx="0" cy="0"/>
+          <a:chOff x="0" y="0"/>
+          <a:chExt cx="0" cy="0"/>
+        </a:xfrm>
+      </p:grpSpPr>
+      <p:sp>
+        <p:nvSpPr>
+          <p:cNvPr id="3" name="Rectangle 4"/>
+          <p:cNvSpPr/>
+          <p:nvPr/>
+        </p:nvSpPr>
+        <p:spPr>
+          <a:xfrm>
+            <a:off x="0" y="2286000"/>
+            <a:ext cx="9144000" cy="2209800"/>
+          </a:xfrm>
+          <a:prstGeom prst="rect">
+            <a:avLst/>
+          </a:prstGeom>
+          <a:solidFill>
+            <a:srgbClr val="002060"/>
+          </a:solidFill>
+        </p:spPr>
+        <p:style>
+          <a:lnRef idx="2">
+            <a:schemeClr val="accent1">
+              <a:shade val="50000"/>
+            </a:schemeClr>
+          </a:lnRef>
+          <a:fillRef idx="1">
+            <a:schemeClr val="accent1"/>
+          </a:fillRef>
+          <a:effectRef idx="0">
+            <a:schemeClr val="accent1"/>
+          </a:effectRef>
+          <a:fontRef idx="minor">
+            <a:schemeClr val="lt1"/>
+          </a:fontRef>
+        </p:style>
+        <p:txBody>
+          <a:bodyPr rtlCol="0" anchor="ctr"/>
+          <a:lstStyle/>
+          <a:p>
+            <a:pPr algn="ctr"/>
+            <a:endParaRPr lang="en-US"/>
+          </a:p>
+        </p:txBody>
+      </p:sp>
+      <p:sp>
+        <p:nvSpPr>
+          <p:cNvPr id="2" name="First Textbox"/>
+          <p:cNvSpPr txBox="1"/>
+          <p:nvPr/>
+        </p:nvSpPr>
+        <p:spPr>
+          <a:xfrm>
+            <a:off x="762000" y="533400"/>
+            <a:ext cx="7620000" cy="5909310"/>
+          </a:xfrm>
+          <a:prstGeom prst="rect">
+            <a:avLst/>
+          </a:prstGeom>
+          <a:noFill/>
+        </p:spPr>
+        <p:txBody>
+          <a:bodyPr wrap="square" rtlCol="0">
+            <a:spAutoFit/>
+          </a:bodyPr>
+          <a:lstStyle/>
+          <a:p>
+            <a:pPr marL="285750" indent="-285750">
+              <a:buFont typeface="Arial" panose="020B0604020202020204" pitchFamily="34" charset="0"/>
+              <a:buChar char="•"/>
+            </a:pPr>
+            <a:r>
+              <a:rPr lang="en-US" sz="2800" dirty="0" smtClean="0"/>
+              <a:t>Test - Non-ABC: 1234567890!@#$%^&amp;*()</a:t>
+            </a:r>
+          </a:p>
+          <a:p>
+            <a:r>
+              <a:rPr lang="en-US" sz="2800" dirty="0"/>
+              <a:t>Test </a:t>
+            </a:r>
+            <a:r>
+              <a:rPr lang="en-US" sz="2800" dirty="0" smtClean="0"/>
+              <a:t>– No bullet point</a:t>
+            </a:r>
+            <a:endParaRPr lang="en-US" sz="2800" dirty="0"/>
+          </a:p>
+          <a:p>
+            <a:pPr marL="514350" indent="-514350">
+              <a:buFont typeface="+mj-lt"/>
+              <a:buAutoNum type="arabicPeriod"/>
+            </a:pPr>
+            <a:r>
+              <a:rPr lang="en-US" sz="2800" dirty="0"/>
+              <a:t>Test – </a:t>
+            </a:r>
+            <a:r>
+              <a:rPr lang="en-US" sz="2800" dirty="0" smtClean="0"/>
+              <a:t>Different bullet point</a:t>
+            </a:r>
+          </a:p>
+          <a:p>
+            <a:pPr marL="285750" indent="-285750">
+              <a:buFont typeface="Arial" panose="020B0604020202020204" pitchFamily="34" charset="0"/>
+              <a:buChar char="•"/>
+            </a:pPr>
+            <a:r>
+              <a:rPr lang="en-US" sz="2800" dirty="0" smtClean="0">
+                <a:latin typeface="Times New Roman" panose="02020603050405020304" pitchFamily="18" charset="0"/>
+                <a:cs typeface="Times New Roman" panose="02020603050405020304" pitchFamily="18" charset="0"/>
+              </a:rPr>
+              <a:t>Test - Another Font Family, using Times New Roman</a:t>
+            </a:r>
+          </a:p>
+          <a:p>
+            <a:pPr marL="285750" indent="-285750">
+              <a:buFont typeface="Arial" panose="020B0604020202020204" pitchFamily="34" charset="0"/>
+              <a:buChar char="•"/>
+            </a:pPr>
+            <a:r>
+              <a:rPr lang="en-US" sz="1000" dirty="0" smtClean="0"/>
+              <a:t>Test - very small content. Test: very small content. Test: very small content. Test: very small content</a:t>
+            </a:r>
+          </a:p>
+          <a:p>
+            <a:pPr marL="285750" indent="-285750">
+              <a:buFont typeface="Arial" panose="020B0604020202020204" pitchFamily="34" charset="0"/>
+              <a:buChar char="•"/>
+            </a:pPr>
+            <a:r>
+              <a:rPr lang="en-US" sz="6600" dirty="0" smtClean="0">
+                <a:latin typeface="Arial Black" panose="020B0A04020102020204" pitchFamily="34" charset="0"/>
+              </a:rPr>
+              <a:t>Test - very big</a:t>
+            </a:r>
+          </a:p>
+          <a:p>
+            <a:pPr marL="285750" indent="-285750">
+              <a:buFont typeface="Arial" panose="020B0604020202020204" pitchFamily="34" charset="0"/>
+              <a:buChar char="•"/>
+            </a:pPr>
+            <a:r>
+              <a:rPr lang="en-US" sz="3600" dirty="0" smtClean="0"/>
+              <a:t>Test – Long sentence: </a:t>
+            </a:r>
+            <a:r>
+              <a:rPr lang="en-US" sz="3600" dirty="0" err="1" smtClean="0"/>
+              <a:t>Asdddd</a:t>
+            </a:r>
+            <a:r>
+              <a:rPr lang="en-US" sz="3600" dirty="0" smtClean="0"/>
+              <a:t> </a:t>
+            </a:r>
+            <a:r>
+              <a:rPr lang="en-US" sz="3600" dirty="0" err="1" smtClean="0"/>
+              <a:t>ddd</a:t>
+            </a:r>
+            <a:r>
+              <a:rPr lang="en-US" sz="3600" dirty="0" smtClean="0"/>
+              <a:t> </a:t>
+            </a:r>
+            <a:r>
+              <a:rPr lang="en-US" sz="3600" dirty="0" err="1" smtClean="0"/>
+              <a:t>dd</a:t>
+            </a:r>
+            <a:r>
+              <a:rPr lang="en-US" sz="3600" dirty="0" smtClean="0"/>
+              <a:t> d </a:t>
+            </a:r>
+            <a:r>
+              <a:rPr lang="en-US" sz="3600" dirty="0" err="1" smtClean="0"/>
+              <a:t>ddddd</a:t>
+            </a:r>
+            <a:r>
+              <a:rPr lang="en-US" sz="3600" dirty="0" smtClean="0"/>
+              <a:t> </a:t>
+            </a:r>
+            <a:r>
+              <a:rPr lang="en-US" sz="3600" dirty="0" err="1" smtClean="0"/>
+              <a:t>ddd</a:t>
+            </a:r>
+            <a:r>
+              <a:rPr lang="en-US" sz="3600" dirty="0" smtClean="0"/>
+              <a:t> </a:t>
+            </a:r>
+            <a:r>
+              <a:rPr lang="en-US" sz="3600" dirty="0" err="1" smtClean="0"/>
+              <a:t>ddd</a:t>
+            </a:r>
+            <a:r>
+              <a:rPr lang="en-US" sz="3600" dirty="0" smtClean="0"/>
+              <a:t> </a:t>
+            </a:r>
+            <a:r>
+              <a:rPr lang="en-US" sz="3600" dirty="0" err="1" smtClean="0"/>
+              <a:t>ddd</a:t>
+            </a:r>
+            <a:r>
+              <a:rPr lang="en-US" sz="3600" dirty="0" smtClean="0"/>
+              <a:t> </a:t>
+            </a:r>
+            <a:r>
+              <a:rPr lang="en-US" sz="3600" dirty="0" err="1" smtClean="0"/>
+              <a:t>ddd</a:t>
+            </a:r>
+            <a:r>
+              <a:rPr lang="en-US" sz="3600" dirty="0" smtClean="0"/>
+              <a:t> </a:t>
+            </a:r>
+            <a:r>
+              <a:rPr lang="en-US" sz="3600" dirty="0" err="1" smtClean="0"/>
+              <a:t>ddd</a:t>
+            </a:r>
+            <a:r>
+              <a:rPr lang="en-US" sz="3600" dirty="0" smtClean="0"/>
+              <a:t> </a:t>
+            </a:r>
+            <a:r>
+              <a:rPr lang="en-US" sz="3600" dirty="0" err="1" smtClean="0"/>
+              <a:t>ddd</a:t>
+            </a:r>
+            <a:r>
+              <a:rPr lang="en-US" sz="3600" dirty="0" smtClean="0"/>
+              <a:t> </a:t>
+            </a:r>
+            <a:r>
+              <a:rPr lang="en-US" sz="3600" dirty="0" err="1" smtClean="0"/>
+              <a:t>ddd</a:t>
+            </a:r>
+            <a:r>
+              <a:rPr lang="en-US" sz="3600" dirty="0" smtClean="0"/>
+              <a:t> </a:t>
+            </a:r>
+            <a:r>
+              <a:rPr lang="en-US" sz="3600" dirty="0" err="1" smtClean="0"/>
+              <a:t>dddddd</a:t>
+            </a:r>
+            <a:r>
+              <a:rPr lang="en-US" sz="3600" dirty="0" smtClean="0"/>
+              <a:t> </a:t>
+            </a:r>
+            <a:r>
+              <a:rPr lang="en-US" sz="3600" dirty="0" err="1" smtClean="0"/>
+              <a:t>dd</a:t>
+            </a:r>
+            <a:r>
+              <a:rPr lang="en-US" sz="3600" dirty="0" smtClean="0"/>
+              <a:t> </a:t>
+            </a:r>
+            <a:r>
+              <a:rPr lang="en-US" sz="3600" dirty="0" err="1" smtClean="0"/>
+              <a:t>ddd</a:t>
+            </a:r>
+            <a:r>
+              <a:rPr lang="en-US" sz="3600" dirty="0" smtClean="0"/>
+              <a:t> </a:t>
+            </a:r>
+            <a:r>
+              <a:rPr lang="en-US" sz="3600" dirty="0" err="1" smtClean="0"/>
+              <a:t>ddddd</a:t>
+            </a:r>
+            <a:r>
+              <a:rPr lang="en-US" sz="3600" dirty="0" smtClean="0"/>
+              <a:t> </a:t>
+            </a:r>
+            <a:r>
+              <a:rPr lang="en-US" sz="3600" dirty="0" err="1" smtClean="0"/>
+              <a:t>dd</a:t>
+            </a:r>
+            <a:r>
+              <a:rPr lang="en-US" sz="3600" dirty="0" smtClean="0"/>
+              <a:t> </a:t>
+            </a:r>
+            <a:r>
+              <a:rPr lang="en-US" sz="3600" dirty="0" err="1" smtClean="0"/>
+              <a:t>dd</a:t>
+            </a:r>
+            <a:r>
+              <a:rPr lang="en-US" sz="3600" dirty="0" smtClean="0"/>
+              <a:t> d </a:t>
+            </a:r>
+            <a:r>
+              <a:rPr lang="en-US" sz="3600" dirty="0" err="1" smtClean="0"/>
+              <a:t>ddd</a:t>
+            </a:r>
+            <a:r>
+              <a:rPr lang="en-US" sz="3600" dirty="0" smtClean="0"/>
+              <a:t> </a:t>
+            </a:r>
+            <a:r>
+              <a:rPr lang="en-US" sz="3600" dirty="0" err="1" smtClean="0"/>
+              <a:t>ddd</a:t>
+            </a:r>
+            <a:endParaRPr lang="en-US" sz="3600" dirty="0" smtClean="0"/>
+          </a:p>
+          <a:p>
+            <a:pPr marL="285750" indent="-285750">
+              <a:buFont typeface="Arial" panose="020B0604020202020204" pitchFamily="34" charset="0"/>
+              <a:buChar char="•"/>
+            </a:pPr>
+            <a:r>
+              <a:rPr lang="en-US" altLang="zh-CN" dirty="0" smtClean="0"/>
+              <a:t>Test – Chinese Characters: </a:t>
+            </a:r>
+            <a:r>
+              <a:rPr lang="zh-CN" altLang="en-US" dirty="0" smtClean="0"/>
+              <a:t>阿</a:t>
+            </a:r>
+            <a:r>
+              <a:rPr lang="zh-CN" altLang="en-US" dirty="0"/>
+              <a:t>斯</a:t>
+            </a:r>
+            <a:r>
+              <a:rPr lang="zh-CN" altLang="en-US" dirty="0" smtClean="0"/>
+              <a:t>顿啊盛大速度啊盛大速度啊盛大速度</a:t>
+            </a:r>
+            <a:endParaRPr lang="en-SG" dirty="0"/>
+          </a:p>
+        </p:txBody>
+      </p:sp>
+    </p:spTree>
+    <p:extLst>
+      <p:ext uri="{BB962C8B-B14F-4D97-AF65-F5344CB8AC3E}">
+        <p14:creationId xmlns:p14="http://schemas.microsoft.com/office/powerpoint/2010/main" val="2096991230"/>
+      </p:ext>
+    </p:extLst>
+  </p:cSld>
+  <p:clrMapOvr>
+    <a:masterClrMapping/>
+  </p:clrMapOvr>
+  <p:transition spd="slow">
+    <p:push dir="u"/>
+  </p:transition>
+  <p:timing>
+    <p:tnLst>
+      <p:par>
+        <p:cTn id="1" dur="indefinite" restart="never" nodeType="tmRoot"/>
+      </p:par>
+    </p:tnLst>
+  </p:timing>
+</p:sld>
+</file>
+
+<file path=ppt/slides/slide23.xml><?xml version="1.0" encoding="utf-8"?>
+<p:sld xmlns:a="http://schemas.openxmlformats.org/drawingml/2006/main" xmlns:r="http://schemas.openxmlformats.org/officeDocument/2006/relationships" xmlns:p="http://schemas.openxmlformats.org/presentationml/2006/main">
+  <p:cSld name="PPTLabsHighlightBulletsSlide201702070026288891">
+    <p:spTree>
+      <p:nvGrpSpPr>
+        <p:cNvPr id="1" name=""/>
+        <p:cNvGrpSpPr/>
+        <p:nvPr/>
+      </p:nvGrpSpPr>
+      <p:grpSpPr>
+        <a:xfrm>
+          <a:off x="0" y="0"/>
+          <a:ext cx="0" cy="0"/>
+          <a:chOff x="0" y="0"/>
+          <a:chExt cx="0" cy="0"/>
+        </a:xfrm>
+      </p:grpSpPr>
+      <p:sp>
+        <p:nvSpPr>
+          <p:cNvPr id="3" name="Rectangle 4"/>
+          <p:cNvSpPr/>
+          <p:nvPr/>
+        </p:nvSpPr>
+        <p:spPr>
+          <a:xfrm>
+            <a:off x="0" y="2286000"/>
+            <a:ext cx="9144000" cy="2209800"/>
+          </a:xfrm>
+          <a:prstGeom prst="rect">
+            <a:avLst/>
+          </a:prstGeom>
+          <a:solidFill>
+            <a:srgbClr val="002060"/>
+          </a:solidFill>
+        </p:spPr>
+        <p:style>
+          <a:lnRef idx="2">
+            <a:schemeClr val="accent1">
+              <a:shade val="50000"/>
+            </a:schemeClr>
+          </a:lnRef>
+          <a:fillRef idx="1">
+            <a:schemeClr val="accent1"/>
+          </a:fillRef>
+          <a:effectRef idx="0">
+            <a:schemeClr val="accent1"/>
+          </a:effectRef>
+          <a:fontRef idx="minor">
+            <a:schemeClr val="lt1"/>
+          </a:fontRef>
+        </p:style>
+        <p:txBody>
+          <a:bodyPr rtlCol="0" anchor="ctr"/>
+          <a:lstStyle/>
+          <a:p>
+            <a:pPr algn="ctr"/>
+            <a:endParaRPr lang="en-US"/>
+          </a:p>
+        </p:txBody>
+      </p:sp>
+      <p:sp>
+        <p:nvSpPr>
+          <p:cNvPr id="2" name="HighlightTextShape201702070026289237"/>
+          <p:cNvSpPr txBox="1"/>
+          <p:nvPr/>
+        </p:nvSpPr>
+        <p:spPr>
+          <a:xfrm>
+            <a:off x="762000" y="533400"/>
+            <a:ext cx="7620000" cy="5909310"/>
+          </a:xfrm>
+          <a:prstGeom prst="rect">
+            <a:avLst/>
+          </a:prstGeom>
+          <a:noFill/>
+        </p:spPr>
+        <p:txBody>
+          <a:bodyPr wrap="square" rtlCol="0">
+            <a:spAutoFit/>
+          </a:bodyPr>
+          <a:lstStyle/>
+          <a:p>
+            <a:pPr marL="285750" indent="-285750">
+              <a:buFont typeface="Arial" panose="020B0604020202020204" pitchFamily="34" charset="0"/>
+              <a:buChar char="•"/>
+            </a:pPr>
+            <a:r>
+              <a:rPr lang="en-US" sz="2800" dirty="0" smtClean="0"/>
+              <a:t>Test - Non-ABC: 1234567890!@#$%^&amp;*()</a:t>
+            </a:r>
+          </a:p>
+          <a:p>
+            <a:r>
+              <a:rPr lang="en-US" sz="2800" dirty="0"/>
+              <a:t>Test </a:t>
+            </a:r>
+            <a:r>
+              <a:rPr lang="en-US" sz="2800" dirty="0" smtClean="0"/>
+              <a:t>– No bullet point</a:t>
+            </a:r>
+            <a:endParaRPr lang="en-US" sz="2800" dirty="0"/>
+          </a:p>
+          <a:p>
+            <a:pPr marL="514350" indent="-514350">
+              <a:buFont typeface="+mj-lt"/>
+              <a:buAutoNum type="arabicPeriod"/>
+            </a:pPr>
+            <a:r>
+              <a:rPr lang="en-US" sz="2800" dirty="0"/>
+              <a:t>Test – </a:t>
+            </a:r>
+            <a:r>
+              <a:rPr lang="en-US" sz="2800" dirty="0" smtClean="0"/>
+              <a:t>Different bullet point</a:t>
+            </a:r>
+          </a:p>
+          <a:p>
+            <a:pPr marL="285750" indent="-285750">
+              <a:buFont typeface="Arial" panose="020B0604020202020204" pitchFamily="34" charset="0"/>
+              <a:buChar char="•"/>
+            </a:pPr>
+            <a:r>
+              <a:rPr lang="en-US" sz="2800" dirty="0" smtClean="0">
+                <a:latin typeface="Times New Roman" panose="02020603050405020304" pitchFamily="18" charset="0"/>
+                <a:cs typeface="Times New Roman" panose="02020603050405020304" pitchFamily="18" charset="0"/>
+              </a:rPr>
+              <a:t>Test - Another Font Family, using Times New Roman</a:t>
+            </a:r>
+          </a:p>
+          <a:p>
+            <a:pPr marL="285750" indent="-285750">
+              <a:buFont typeface="Arial" panose="020B0604020202020204" pitchFamily="34" charset="0"/>
+              <a:buChar char="•"/>
+            </a:pPr>
+            <a:r>
+              <a:rPr lang="en-US" sz="1000" dirty="0" smtClean="0"/>
+              <a:t>Test - very small content. Test: very small content. Test: very small content. Test: very small content</a:t>
+            </a:r>
+          </a:p>
+          <a:p>
+            <a:pPr marL="285750" indent="-285750">
+              <a:buFont typeface="Arial" panose="020B0604020202020204" pitchFamily="34" charset="0"/>
+              <a:buChar char="•"/>
+            </a:pPr>
+            <a:r>
+              <a:rPr lang="en-US" sz="6600" dirty="0" smtClean="0">
+                <a:latin typeface="Arial Black" panose="020B0A04020102020204" pitchFamily="34" charset="0"/>
+              </a:rPr>
+              <a:t>Test - very big</a:t>
+            </a:r>
+          </a:p>
+          <a:p>
+            <a:pPr marL="285750" indent="-285750">
+              <a:buFont typeface="Arial" panose="020B0604020202020204" pitchFamily="34" charset="0"/>
+              <a:buChar char="•"/>
+            </a:pPr>
+            <a:r>
+              <a:rPr lang="en-US" sz="3600" dirty="0" smtClean="0"/>
+              <a:t>Test – Long sentence: </a:t>
+            </a:r>
+            <a:r>
+              <a:rPr lang="en-US" sz="3600" dirty="0" err="1" smtClean="0"/>
+              <a:t>Asdddd</a:t>
+            </a:r>
+            <a:r>
+              <a:rPr lang="en-US" sz="3600" dirty="0" smtClean="0"/>
+              <a:t> </a:t>
+            </a:r>
+            <a:r>
+              <a:rPr lang="en-US" sz="3600" dirty="0" err="1" smtClean="0"/>
+              <a:t>ddd</a:t>
+            </a:r>
+            <a:r>
+              <a:rPr lang="en-US" sz="3600" dirty="0" smtClean="0"/>
+              <a:t> </a:t>
+            </a:r>
+            <a:r>
+              <a:rPr lang="en-US" sz="3600" dirty="0" err="1" smtClean="0"/>
+              <a:t>dd</a:t>
+            </a:r>
+            <a:r>
+              <a:rPr lang="en-US" sz="3600" dirty="0" smtClean="0"/>
+              <a:t> d </a:t>
+            </a:r>
+            <a:r>
+              <a:rPr lang="en-US" sz="3600" dirty="0" err="1" smtClean="0"/>
+              <a:t>ddddd</a:t>
+            </a:r>
+            <a:r>
+              <a:rPr lang="en-US" sz="3600" dirty="0" smtClean="0"/>
+              <a:t> </a:t>
+            </a:r>
+            <a:r>
+              <a:rPr lang="en-US" sz="3600" dirty="0" err="1" smtClean="0"/>
+              <a:t>ddd</a:t>
+            </a:r>
+            <a:r>
+              <a:rPr lang="en-US" sz="3600" dirty="0" smtClean="0"/>
+              <a:t> </a:t>
+            </a:r>
+            <a:r>
+              <a:rPr lang="en-US" sz="3600" dirty="0" err="1" smtClean="0"/>
+              <a:t>ddd</a:t>
+            </a:r>
+            <a:r>
+              <a:rPr lang="en-US" sz="3600" dirty="0" smtClean="0"/>
+              <a:t> </a:t>
+            </a:r>
+            <a:r>
+              <a:rPr lang="en-US" sz="3600" dirty="0" err="1" smtClean="0"/>
+              <a:t>ddd</a:t>
+            </a:r>
+            <a:r>
+              <a:rPr lang="en-US" sz="3600" dirty="0" smtClean="0"/>
+              <a:t> </a:t>
+            </a:r>
+            <a:r>
+              <a:rPr lang="en-US" sz="3600" dirty="0" err="1" smtClean="0"/>
+              <a:t>ddd</a:t>
+            </a:r>
+            <a:r>
+              <a:rPr lang="en-US" sz="3600" dirty="0" smtClean="0"/>
+              <a:t> </a:t>
+            </a:r>
+            <a:r>
+              <a:rPr lang="en-US" sz="3600" dirty="0" err="1" smtClean="0"/>
+              <a:t>ddd</a:t>
+            </a:r>
+            <a:r>
+              <a:rPr lang="en-US" sz="3600" dirty="0" smtClean="0"/>
+              <a:t> </a:t>
+            </a:r>
+            <a:r>
+              <a:rPr lang="en-US" sz="3600" dirty="0" err="1" smtClean="0"/>
+              <a:t>ddd</a:t>
+            </a:r>
+            <a:r>
+              <a:rPr lang="en-US" sz="3600" dirty="0" smtClean="0"/>
+              <a:t> </a:t>
+            </a:r>
+            <a:r>
+              <a:rPr lang="en-US" sz="3600" dirty="0" err="1" smtClean="0"/>
+              <a:t>ddd</a:t>
+            </a:r>
+            <a:r>
+              <a:rPr lang="en-US" sz="3600" dirty="0" smtClean="0"/>
+              <a:t> </a:t>
+            </a:r>
+            <a:r>
+              <a:rPr lang="en-US" sz="3600" dirty="0" err="1" smtClean="0"/>
+              <a:t>dddddd</a:t>
+            </a:r>
+            <a:r>
+              <a:rPr lang="en-US" sz="3600" dirty="0" smtClean="0"/>
+              <a:t> </a:t>
+            </a:r>
+            <a:r>
+              <a:rPr lang="en-US" sz="3600" dirty="0" err="1" smtClean="0"/>
+              <a:t>dd</a:t>
+            </a:r>
+            <a:r>
+              <a:rPr lang="en-US" sz="3600" dirty="0" smtClean="0"/>
+              <a:t> </a:t>
+            </a:r>
+            <a:r>
+              <a:rPr lang="en-US" sz="3600" dirty="0" err="1" smtClean="0"/>
+              <a:t>ddd</a:t>
+            </a:r>
+            <a:r>
+              <a:rPr lang="en-US" sz="3600" dirty="0" smtClean="0"/>
+              <a:t> </a:t>
+            </a:r>
+            <a:r>
+              <a:rPr lang="en-US" sz="3600" dirty="0" err="1" smtClean="0"/>
+              <a:t>ddddd</a:t>
+            </a:r>
+            <a:r>
+              <a:rPr lang="en-US" sz="3600" dirty="0" smtClean="0"/>
+              <a:t> </a:t>
+            </a:r>
+            <a:r>
+              <a:rPr lang="en-US" sz="3600" dirty="0" err="1" smtClean="0"/>
+              <a:t>dd</a:t>
+            </a:r>
+            <a:r>
+              <a:rPr lang="en-US" sz="3600" dirty="0" smtClean="0"/>
+              <a:t> </a:t>
+            </a:r>
+            <a:r>
+              <a:rPr lang="en-US" sz="3600" dirty="0" err="1" smtClean="0"/>
+              <a:t>dd</a:t>
+            </a:r>
+            <a:r>
+              <a:rPr lang="en-US" sz="3600" dirty="0" smtClean="0"/>
+              <a:t> d </a:t>
+            </a:r>
+            <a:r>
+              <a:rPr lang="en-US" sz="3600" dirty="0" err="1" smtClean="0"/>
+              <a:t>ddd</a:t>
+            </a:r>
+            <a:r>
+              <a:rPr lang="en-US" sz="3600" dirty="0" smtClean="0"/>
+              <a:t> </a:t>
+            </a:r>
+            <a:r>
+              <a:rPr lang="en-US" sz="3600" dirty="0" err="1" smtClean="0"/>
+              <a:t>ddd</a:t>
+            </a:r>
+            <a:endParaRPr lang="en-US" sz="3600" dirty="0" smtClean="0"/>
+          </a:p>
+          <a:p>
+            <a:pPr marL="285750" indent="-285750">
+              <a:buFont typeface="Arial" panose="020B0604020202020204" pitchFamily="34" charset="0"/>
+              <a:buChar char="•"/>
+            </a:pPr>
+            <a:r>
+              <a:rPr lang="en-US" altLang="zh-CN" dirty="0" smtClean="0"/>
+              <a:t>Test – Chinese Characters: </a:t>
+            </a:r>
+            <a:r>
+              <a:rPr lang="zh-CN" altLang="en-US" dirty="0" smtClean="0"/>
+              <a:t>阿</a:t>
+            </a:r>
+            <a:r>
+              <a:rPr lang="zh-CN" altLang="en-US" dirty="0"/>
+              <a:t>斯</a:t>
+            </a:r>
+            <a:r>
+              <a:rPr lang="zh-CN" altLang="en-US" dirty="0" smtClean="0"/>
+              <a:t>顿啊盛大速度啊盛大速度啊盛大速度</a:t>
+            </a:r>
+            <a:endParaRPr lang="en-SG" dirty="0"/>
+          </a:p>
+        </p:txBody>
+      </p:sp>
+    </p:spTree>
+    <p:extLst>
+      <p:ext uri="{BB962C8B-B14F-4D97-AF65-F5344CB8AC3E}">
+        <p14:creationId xmlns:p14="http://schemas.microsoft.com/office/powerpoint/2010/main" val="2521869913"/>
+      </p:ext>
+    </p:extLst>
+  </p:cSld>
+  <p:clrMapOvr>
+    <a:masterClrMapping/>
+  </p:clrMapOvr>
+  <p:transition spd="slow">
+    <p:push dir="u"/>
+  </p:transition>
+  <p:timing>
+    <p:tnLst>
+      <p:par>
+        <p:cTn id="1" dur="indefinite" restart="never" nodeType="tmRoot">
+          <p:childTnLst>
+            <p:seq concurrent="1" nextAc="seek">
+              <p:cTn id="2" dur="indefinite" nodeType="mainSeq">
+                <p:childTnLst>
+                  <p:par>
+                    <p:cTn id="3" fill="hold">
+                      <p:stCondLst>
+                        <p:cond delay="indefinite"/>
+                      </p:stCondLst>
+                      <p:childTnLst>
+                        <p:par>
+                          <p:cTn id="4" fill="hold">
+                            <p:stCondLst>
+                              <p:cond delay="0"/>
+                            </p:stCondLst>
+                            <p:childTnLst>
+                              <p:par>
+                                <p:cTn id="5" presetID="3" presetClass="emph" presetSubtype="2" fill="hold" grpId="0" nodeType="clickEffect">
+                                  <p:stCondLst>
+                                    <p:cond delay="100"/>
+                                  </p:stCondLst>
+                                  <p:childTnLst>
+                                    <p:animClr clrSpc="rgb" dir="cw">
+                                      <p:cBhvr override="childStyle">
+                                        <p:cTn id="6" dur="100" fill="hold"/>
+                                        <p:tgtEl>
+                                          <p:spTgt spid="2">
+                                            <p:txEl>
+                                              <p:pRg st="7" end="7"/>
+                                            </p:txEl>
+                                          </p:spTgt>
+                                        </p:tgtEl>
+                                        <p:attrNameLst>
+                                          <p:attrName>style.color</p:attrName>
+                                        </p:attrNameLst>
+                                      </p:cBhvr>
+                                      <p:to>
+                                        <a:srgbClr val="F2290A"/>
+                                      </p:to>
+                                    </p:animClr>
+                                  </p:childTnLst>
+                                </p:cTn>
+                              </p:par>
+                            </p:childTnLst>
+                          </p:cTn>
+                        </p:par>
+                      </p:childTnLst>
+                    </p:cTn>
+                  </p:par>
+                  <p:par>
+                    <p:cTn id="7" fill="hold">
+                      <p:stCondLst>
+                        <p:cond delay="indefinite"/>
+                      </p:stCondLst>
+                      <p:childTnLst>
+                        <p:par>
+                          <p:cTn id="8" fill="hold">
+                            <p:stCondLst>
+                              <p:cond delay="0"/>
+                            </p:stCondLst>
+                            <p:childTnLst>
+                              <p:par>
+                                <p:cTn id="9" presetID="3" presetClass="emph" presetSubtype="2" fill="hold" grpId="1" nodeType="clickEffect">
+                                  <p:stCondLst>
+                                    <p:cond delay="100"/>
+                                  </p:stCondLst>
+                                  <p:childTnLst>
+                                    <p:animClr clrSpc="rgb" dir="cw">
+                                      <p:cBhvr override="childStyle">
+                                        <p:cTn id="10" dur="100" fill="hold"/>
+                                        <p:tgtEl>
+                                          <p:spTgt spid="2">
+                                            <p:txEl>
+                                              <p:pRg st="7" end="7"/>
+                                            </p:txEl>
+                                          </p:spTgt>
+                                        </p:tgtEl>
+                                        <p:attrNameLst>
+                                          <p:attrName>style.color</p:attrName>
+                                        </p:attrNameLst>
+                                      </p:cBhvr>
+                                      <p:to>
+                                        <a:srgbClr val="000000"/>
+                                      </p:to>
+                                    </p:animClr>
+                                  </p:childTnLst>
+                                </p:cTn>
+                              </p:par>
+                            </p:childTnLst>
+                          </p:cTn>
+                        </p:par>
+                      </p:childTnLst>
+                    </p:cTn>
+                  </p:par>
+                </p:childTnLst>
+              </p:cTn>
+              <p:prevCondLst>
+                <p:cond evt="onPrev" delay="0">
+                  <p:tgtEl>
+                    <p:sldTgt/>
+                  </p:tgtEl>
+                </p:cond>
+              </p:prevCondLst>
+              <p:nextCondLst>
+                <p:cond evt="onNext" delay="0">
+                  <p:tgtEl>
+                    <p:sldTgt/>
+                  </p:tgtEl>
+                </p:cond>
+              </p:nextCondLst>
+            </p:seq>
+          </p:childTnLst>
+        </p:cTn>
+      </p:par>
+    </p:tnLst>
+    <p:bldLst>
+      <p:bldP spid="2" grpId="0" build="p" bldLvl="5"/>
+      <p:bldP spid="2" grpId="1" build="p" bldLvl="5"/>
+    </p:bldLst>
+  </p:timing>
+</p:sld>
+</file>
+
+<file path=ppt/slides/slide24.xml><?xml version="1.0" encoding="utf-8"?>
+<p:sld xmlns:a="http://schemas.openxmlformats.org/drawingml/2006/main" xmlns:r="http://schemas.openxmlformats.org/officeDocument/2006/relationships" xmlns:p="http://schemas.openxmlformats.org/presentationml/2006/main">
+  <p:cSld>
+    <p:spTree>
+      <p:nvGrpSpPr>
+        <p:cNvPr id="1" name=""/>
+        <p:cNvGrpSpPr/>
+        <p:nvPr/>
+      </p:nvGrpSpPr>
+      <p:grpSpPr>
+        <a:xfrm>
+          <a:off x="0" y="0"/>
+          <a:ext cx="0" cy="0"/>
+          <a:chOff x="0" y="0"/>
+          <a:chExt cx="0" cy="0"/>
+        </a:xfrm>
+      </p:grpSpPr>
+      <p:sp>
+        <p:nvSpPr>
+          <p:cNvPr id="2" name="Title 1"/>
+          <p:cNvSpPr>
+            <a:spLocks noGrp="1"/>
+          </p:cNvSpPr>
+          <p:nvPr>
+            <p:ph type="title"/>
+          </p:nvPr>
+        </p:nvSpPr>
+        <p:spPr/>
+        <p:txBody>
+          <a:bodyPr>
+            <a:normAutofit/>
+          </a:bodyPr>
+          <a:lstStyle/>
+          <a:p>
+            <a:r>
+              <a:rPr lang="en-US" dirty="0" smtClean="0"/>
+              <a:t>Remove Highlighting:: </a:t>
+            </a:r>
+            <a:r>
+              <a:rPr lang="en-US" dirty="0"/>
+              <a:t>Highlight </a:t>
+            </a:r>
+            <a:r>
+              <a:rPr lang="en-US" dirty="0" smtClean="0"/>
+              <a:t>Points</a:t>
+            </a:r>
+            <a:endParaRPr lang="en-SG" dirty="0"/>
+          </a:p>
+        </p:txBody>
+      </p:sp>
+      <p:sp>
+        <p:nvSpPr>
+          <p:cNvPr id="4" name="Content Placeholder 2"/>
+          <p:cNvSpPr>
+            <a:spLocks noGrp="1"/>
+          </p:cNvSpPr>
+          <p:nvPr>
+            <p:ph idx="1"/>
+          </p:nvPr>
+        </p:nvSpPr>
+        <p:spPr>
+          <a:xfrm>
+            <a:off x="457200" y="3124200"/>
+            <a:ext cx="8229600" cy="3001963"/>
+          </a:xfrm>
+        </p:spPr>
+        <p:txBody>
+          <a:bodyPr/>
+          <a:lstStyle/>
+          <a:p>
+            <a:r>
+              <a:rPr lang="en-US" dirty="0" smtClean="0"/>
+              <a:t>Click “Remove Highlighting”</a:t>
+            </a:r>
+            <a:endParaRPr lang="en-SG" dirty="0"/>
+          </a:p>
+        </p:txBody>
+      </p:sp>
+    </p:spTree>
+    <p:extLst>
+      <p:ext uri="{BB962C8B-B14F-4D97-AF65-F5344CB8AC3E}">
+        <p14:creationId xmlns:p14="http://schemas.microsoft.com/office/powerpoint/2010/main" val="4077675005"/>
+      </p:ext>
+    </p:extLst>
+  </p:cSld>
+  <p:clrMapOvr>
+    <a:masterClrMapping/>
+  </p:clrMapOvr>
+  <p:timing>
+    <p:tnLst>
+      <p:par>
+        <p:cTn id="1" dur="indefinite" restart="never" nodeType="tmRoot"/>
+      </p:par>
+    </p:tnLst>
+  </p:timing>
+</p:sld>
+</file>
+
+<file path=ppt/slides/slide25.xml><?xml version="1.0" encoding="utf-8"?>
+<p:sld xmlns:a="http://schemas.openxmlformats.org/drawingml/2006/main" xmlns:r="http://schemas.openxmlformats.org/officeDocument/2006/relationships" xmlns:p="http://schemas.openxmlformats.org/presentationml/2006/main">
+  <p:cSld>
+    <p:spTree>
+      <p:nvGrpSpPr>
+        <p:cNvPr id="1" name=""/>
+        <p:cNvGrpSpPr/>
+        <p:nvPr/>
+      </p:nvGrpSpPr>
+      <p:grpSpPr>
+        <a:xfrm>
+          <a:off x="0" y="0"/>
+          <a:ext cx="0" cy="0"/>
+          <a:chOff x="0" y="0"/>
+          <a:chExt cx="0" cy="0"/>
+        </a:xfrm>
+      </p:grpSpPr>
+      <p:sp>
+        <p:nvSpPr>
+          <p:cNvPr id="3" name="Rectangle 4"/>
+          <p:cNvSpPr/>
+          <p:nvPr/>
+        </p:nvSpPr>
+        <p:spPr>
+          <a:xfrm>
+            <a:off x="0" y="2286000"/>
+            <a:ext cx="9144000" cy="2209800"/>
+          </a:xfrm>
+          <a:prstGeom prst="rect">
+            <a:avLst/>
+          </a:prstGeom>
+          <a:solidFill>
+            <a:srgbClr val="002060"/>
+          </a:solidFill>
+        </p:spPr>
+        <p:style>
+          <a:lnRef idx="2">
+            <a:schemeClr val="accent1">
+              <a:shade val="50000"/>
+            </a:schemeClr>
+          </a:lnRef>
+          <a:fillRef idx="1">
+            <a:schemeClr val="accent1"/>
+          </a:fillRef>
+          <a:effectRef idx="0">
+            <a:schemeClr val="accent1"/>
+          </a:effectRef>
+          <a:fontRef idx="minor">
+            <a:schemeClr val="lt1"/>
+          </a:fontRef>
+        </p:style>
+        <p:txBody>
+          <a:bodyPr rtlCol="0" anchor="ctr"/>
+          <a:lstStyle/>
+          <a:p>
+            <a:pPr algn="ctr"/>
+            <a:endParaRPr lang="en-US"/>
+          </a:p>
+        </p:txBody>
+      </p:sp>
+      <p:sp>
+        <p:nvSpPr>
+          <p:cNvPr id="2" name="HighlightTextShape201702051845316996"/>
+          <p:cNvSpPr txBox="1"/>
+          <p:nvPr/>
+        </p:nvSpPr>
+        <p:spPr>
+          <a:xfrm>
+            <a:off x="762000" y="533400"/>
+            <a:ext cx="7620000" cy="5909310"/>
+          </a:xfrm>
+          <a:prstGeom prst="rect">
+            <a:avLst/>
+          </a:prstGeom>
+          <a:noFill/>
+        </p:spPr>
+        <p:txBody>
+          <a:bodyPr wrap="square" rtlCol="0">
+            <a:spAutoFit/>
+          </a:bodyPr>
+          <a:lstStyle/>
+          <a:p>
+            <a:pPr marL="285750" indent="-285750">
+              <a:buFont typeface="Arial" panose="020B0604020202020204" pitchFamily="34" charset="0"/>
+              <a:buChar char="•"/>
+            </a:pPr>
+            <a:r>
+              <a:rPr lang="en-US" sz="2800" dirty="0" smtClean="0"/>
+              <a:t>Test - Non-ABC: 1234567890!@#$%^&amp;*()</a:t>
+            </a:r>
+          </a:p>
+          <a:p>
+            <a:r>
+              <a:rPr lang="en-US" sz="2800" dirty="0"/>
+              <a:t>Test </a:t>
+            </a:r>
+            <a:r>
+              <a:rPr lang="en-US" sz="2800" dirty="0" smtClean="0"/>
+              <a:t>– No bullet point</a:t>
+            </a:r>
+            <a:endParaRPr lang="en-US" sz="2800" dirty="0"/>
+          </a:p>
+          <a:p>
+            <a:pPr marL="514350" indent="-514350">
+              <a:buFont typeface="+mj-lt"/>
+              <a:buAutoNum type="arabicPeriod"/>
+            </a:pPr>
+            <a:r>
+              <a:rPr lang="en-US" sz="2800" dirty="0"/>
+              <a:t>Test – </a:t>
+            </a:r>
+            <a:r>
+              <a:rPr lang="en-US" sz="2800" dirty="0" smtClean="0"/>
+              <a:t>Different bullet point</a:t>
+            </a:r>
+          </a:p>
+          <a:p>
+            <a:pPr marL="285750" indent="-285750">
+              <a:buFont typeface="Arial" panose="020B0604020202020204" pitchFamily="34" charset="0"/>
+              <a:buChar char="•"/>
+            </a:pPr>
+            <a:r>
+              <a:rPr lang="en-US" sz="2800" dirty="0" smtClean="0">
+                <a:latin typeface="Times New Roman" panose="02020603050405020304" pitchFamily="18" charset="0"/>
+                <a:cs typeface="Times New Roman" panose="02020603050405020304" pitchFamily="18" charset="0"/>
+              </a:rPr>
+              <a:t>Test - Another Font Family, using Times New Roman</a:t>
+            </a:r>
+          </a:p>
+          <a:p>
+            <a:pPr marL="285750" indent="-285750">
+              <a:buFont typeface="Arial" panose="020B0604020202020204" pitchFamily="34" charset="0"/>
+              <a:buChar char="•"/>
+            </a:pPr>
+            <a:r>
+              <a:rPr lang="en-US" sz="1000" dirty="0" smtClean="0"/>
+              <a:t>Test - very small content. Test: very small content. Test: very small content. Test: very small content</a:t>
+            </a:r>
+          </a:p>
+          <a:p>
+            <a:pPr marL="285750" indent="-285750">
+              <a:buFont typeface="Arial" panose="020B0604020202020204" pitchFamily="34" charset="0"/>
+              <a:buChar char="•"/>
+            </a:pPr>
+            <a:r>
+              <a:rPr lang="en-US" sz="6600" dirty="0" smtClean="0">
+                <a:latin typeface="Arial Black" panose="020B0A04020102020204" pitchFamily="34" charset="0"/>
+              </a:rPr>
+              <a:t>Test - very big</a:t>
+            </a:r>
+          </a:p>
+          <a:p>
+            <a:pPr marL="285750" indent="-285750">
+              <a:buFont typeface="Arial" panose="020B0604020202020204" pitchFamily="34" charset="0"/>
+              <a:buChar char="•"/>
+            </a:pPr>
+            <a:r>
+              <a:rPr lang="en-US" sz="3600" dirty="0" smtClean="0"/>
+              <a:t>Test – Long sentence: </a:t>
+            </a:r>
+            <a:r>
+              <a:rPr lang="en-US" sz="3600" dirty="0" err="1" smtClean="0"/>
+              <a:t>Asdddd</a:t>
+            </a:r>
+            <a:r>
+              <a:rPr lang="en-US" sz="3600" dirty="0" smtClean="0"/>
+              <a:t> </a:t>
+            </a:r>
+            <a:r>
+              <a:rPr lang="en-US" sz="3600" dirty="0" err="1" smtClean="0"/>
+              <a:t>ddd</a:t>
+            </a:r>
+            <a:r>
+              <a:rPr lang="en-US" sz="3600" dirty="0" smtClean="0"/>
+              <a:t> </a:t>
+            </a:r>
+            <a:r>
+              <a:rPr lang="en-US" sz="3600" dirty="0" err="1" smtClean="0"/>
+              <a:t>dd</a:t>
+            </a:r>
+            <a:r>
+              <a:rPr lang="en-US" sz="3600" dirty="0" smtClean="0"/>
+              <a:t> d </a:t>
+            </a:r>
+            <a:r>
+              <a:rPr lang="en-US" sz="3600" dirty="0" err="1" smtClean="0"/>
+              <a:t>ddddd</a:t>
+            </a:r>
+            <a:r>
+              <a:rPr lang="en-US" sz="3600" dirty="0" smtClean="0"/>
+              <a:t> </a:t>
+            </a:r>
+            <a:r>
+              <a:rPr lang="en-US" sz="3600" dirty="0" err="1" smtClean="0"/>
+              <a:t>ddd</a:t>
+            </a:r>
+            <a:r>
+              <a:rPr lang="en-US" sz="3600" dirty="0" smtClean="0"/>
+              <a:t> </a:t>
+            </a:r>
+            <a:r>
+              <a:rPr lang="en-US" sz="3600" dirty="0" err="1" smtClean="0"/>
+              <a:t>ddd</a:t>
+            </a:r>
+            <a:r>
+              <a:rPr lang="en-US" sz="3600" dirty="0" smtClean="0"/>
+              <a:t> </a:t>
+            </a:r>
+            <a:r>
+              <a:rPr lang="en-US" sz="3600" dirty="0" err="1" smtClean="0"/>
+              <a:t>ddd</a:t>
+            </a:r>
+            <a:r>
+              <a:rPr lang="en-US" sz="3600" dirty="0" smtClean="0"/>
+              <a:t> </a:t>
+            </a:r>
+            <a:r>
+              <a:rPr lang="en-US" sz="3600" dirty="0" err="1" smtClean="0"/>
+              <a:t>ddd</a:t>
+            </a:r>
+            <a:r>
+              <a:rPr lang="en-US" sz="3600" dirty="0" smtClean="0"/>
+              <a:t> </a:t>
+            </a:r>
+            <a:r>
+              <a:rPr lang="en-US" sz="3600" dirty="0" err="1" smtClean="0"/>
+              <a:t>ddd</a:t>
+            </a:r>
+            <a:r>
+              <a:rPr lang="en-US" sz="3600" dirty="0" smtClean="0"/>
+              <a:t> </a:t>
+            </a:r>
+            <a:r>
+              <a:rPr lang="en-US" sz="3600" dirty="0" err="1" smtClean="0"/>
+              <a:t>ddd</a:t>
+            </a:r>
+            <a:r>
+              <a:rPr lang="en-US" sz="3600" dirty="0" smtClean="0"/>
+              <a:t> </a:t>
+            </a:r>
+            <a:r>
+              <a:rPr lang="en-US" sz="3600" dirty="0" err="1" smtClean="0"/>
+              <a:t>ddd</a:t>
+            </a:r>
+            <a:r>
+              <a:rPr lang="en-US" sz="3600" dirty="0" smtClean="0"/>
+              <a:t> </a:t>
+            </a:r>
+            <a:r>
+              <a:rPr lang="en-US" sz="3600" dirty="0" err="1" smtClean="0"/>
+              <a:t>dddddd</a:t>
+            </a:r>
+            <a:r>
+              <a:rPr lang="en-US" sz="3600" dirty="0" smtClean="0"/>
+              <a:t> </a:t>
+            </a:r>
+            <a:r>
+              <a:rPr lang="en-US" sz="3600" dirty="0" err="1" smtClean="0"/>
+              <a:t>dd</a:t>
+            </a:r>
+            <a:r>
+              <a:rPr lang="en-US" sz="3600" dirty="0" smtClean="0"/>
+              <a:t> </a:t>
+            </a:r>
+            <a:r>
+              <a:rPr lang="en-US" sz="3600" dirty="0" err="1" smtClean="0"/>
+              <a:t>ddd</a:t>
+            </a:r>
+            <a:r>
+              <a:rPr lang="en-US" sz="3600" dirty="0" smtClean="0"/>
+              <a:t> </a:t>
+            </a:r>
+            <a:r>
+              <a:rPr lang="en-US" sz="3600" dirty="0" err="1" smtClean="0"/>
+              <a:t>ddddd</a:t>
+            </a:r>
+            <a:r>
+              <a:rPr lang="en-US" sz="3600" dirty="0" smtClean="0"/>
+              <a:t> </a:t>
+            </a:r>
+            <a:r>
+              <a:rPr lang="en-US" sz="3600" dirty="0" err="1" smtClean="0"/>
+              <a:t>dd</a:t>
+            </a:r>
+            <a:r>
+              <a:rPr lang="en-US" sz="3600" dirty="0" smtClean="0"/>
+              <a:t> </a:t>
+            </a:r>
+            <a:r>
+              <a:rPr lang="en-US" sz="3600" dirty="0" err="1" smtClean="0"/>
+              <a:t>dd</a:t>
+            </a:r>
+            <a:r>
+              <a:rPr lang="en-US" sz="3600" dirty="0" smtClean="0"/>
+              <a:t> d </a:t>
+            </a:r>
+            <a:r>
+              <a:rPr lang="en-US" sz="3600" dirty="0" err="1" smtClean="0"/>
+              <a:t>ddd</a:t>
+            </a:r>
+            <a:r>
+              <a:rPr lang="en-US" sz="3600" dirty="0" smtClean="0"/>
+              <a:t> </a:t>
+            </a:r>
+            <a:r>
+              <a:rPr lang="en-US" sz="3600" dirty="0" err="1" smtClean="0"/>
+              <a:t>ddd</a:t>
+            </a:r>
+            <a:endParaRPr lang="en-US" sz="3600" dirty="0" smtClean="0"/>
+          </a:p>
+          <a:p>
+            <a:pPr marL="285750" indent="-285750">
+              <a:buFont typeface="Arial" panose="020B0604020202020204" pitchFamily="34" charset="0"/>
+              <a:buChar char="•"/>
+            </a:pPr>
+            <a:r>
+              <a:rPr lang="en-US" altLang="zh-CN" dirty="0" smtClean="0"/>
+              <a:t>Test – Chinese Characters: </a:t>
+            </a:r>
+            <a:r>
+              <a:rPr lang="zh-CN" altLang="en-US" dirty="0" smtClean="0"/>
+              <a:t>阿</a:t>
+            </a:r>
+            <a:r>
+              <a:rPr lang="zh-CN" altLang="en-US" dirty="0"/>
+              <a:t>斯</a:t>
+            </a:r>
+            <a:r>
+              <a:rPr lang="zh-CN" altLang="en-US" dirty="0" smtClean="0"/>
+              <a:t>顿啊盛大速度啊盛大速度啊盛大速度</a:t>
+            </a:r>
+            <a:endParaRPr lang="en-SG" dirty="0"/>
+          </a:p>
+        </p:txBody>
+      </p:sp>
+    </p:spTree>
+    <p:extLst>
+      <p:ext uri="{BB962C8B-B14F-4D97-AF65-F5344CB8AC3E}">
+        <p14:creationId xmlns:p14="http://schemas.microsoft.com/office/powerpoint/2010/main" val="271173202"/>
+      </p:ext>
+    </p:extLst>
+  </p:cSld>
+  <p:clrMapOvr>
+    <a:masterClrMapping/>
+  </p:clrMapOvr>
+  <p:transition spd="slow">
+    <p:push dir="u"/>
+  </p:transition>
+  <p:timing>
+    <p:tnLst>
+      <p:par>
+        <p:cTn id="1" dur="indefinite" restart="never" nodeType="tmRoot">
+          <p:childTnLst>
+            <p:seq concurrent="1" nextAc="seek">
+              <p:cTn id="2" dur="indefinite" nodeType="mainSeq">
+                <p:childTnLst>
+                  <p:par>
+                    <p:cTn id="3" fill="hold">
+                      <p:stCondLst>
+                        <p:cond delay="indefinite"/>
+                      </p:stCondLst>
+                      <p:childTnLst>
+                        <p:par>
+                          <p:cTn id="4" fill="hold">
+                            <p:stCondLst>
+                              <p:cond delay="0"/>
+                            </p:stCondLst>
+                            <p:childTnLst>
+                              <p:par>
+                                <p:cTn id="5" presetID="3" presetClass="emph" presetSubtype="2" fill="hold" grpId="0" nodeType="clickEffect">
+                                  <p:stCondLst>
+                                    <p:cond delay="100"/>
+                                  </p:stCondLst>
+                                  <p:childTnLst>
+                                    <p:animClr clrSpc="rgb" dir="cw">
+                                      <p:cBhvr override="childStyle">
+                                        <p:cTn id="6" dur="100" fill="hold"/>
+                                        <p:tgtEl>
+                                          <p:spTgt spid="2">
+                                            <p:txEl>
+                                              <p:pRg st="0" end="0"/>
+                                            </p:txEl>
+                                          </p:spTgt>
+                                        </p:tgtEl>
+                                        <p:attrNameLst>
+                                          <p:attrName>style.color</p:attrName>
+                                        </p:attrNameLst>
+                                      </p:cBhvr>
+                                      <p:to>
+                                        <a:srgbClr val="F2290A"/>
+                                      </p:to>
+                                    </p:animClr>
+                                  </p:childTnLst>
+                                </p:cTn>
+                              </p:par>
+                            </p:childTnLst>
+                          </p:cTn>
+                        </p:par>
+                      </p:childTnLst>
+                    </p:cTn>
+                  </p:par>
+                  <p:par>
+                    <p:cTn id="7" fill="hold">
+                      <p:stCondLst>
+                        <p:cond delay="indefinite"/>
+                      </p:stCondLst>
+                      <p:childTnLst>
+                        <p:par>
+                          <p:cTn id="8" fill="hold">
+                            <p:stCondLst>
+                              <p:cond delay="0"/>
+                            </p:stCondLst>
+                            <p:childTnLst>
+                              <p:par>
+                                <p:cTn id="9" presetID="3" presetClass="emph" presetSubtype="2" fill="hold" grpId="0" nodeType="clickEffect">
+                                  <p:stCondLst>
+                                    <p:cond delay="100"/>
+                                  </p:stCondLst>
+                                  <p:childTnLst>
+                                    <p:animClr clrSpc="rgb" dir="cw">
+                                      <p:cBhvr override="childStyle">
+                                        <p:cTn id="10" dur="100" fill="hold"/>
+                                        <p:tgtEl>
+                                          <p:spTgt spid="2">
+                                            <p:txEl>
+                                              <p:pRg st="2" end="2"/>
+                                            </p:txEl>
+                                          </p:spTgt>
+                                        </p:tgtEl>
+                                        <p:attrNameLst>
+                                          <p:attrName>style.color</p:attrName>
+                                        </p:attrNameLst>
+                                      </p:cBhvr>
+                                      <p:to>
+                                        <a:srgbClr val="F2290A"/>
+                                      </p:to>
+                                    </p:animClr>
+                                  </p:childTnLst>
+                                </p:cTn>
+                              </p:par>
+                              <p:par>
+                                <p:cTn id="11" presetID="3" presetClass="emph" presetSubtype="2" fill="hold" grpId="1" nodeType="withEffect">
+                                  <p:stCondLst>
+                                    <p:cond delay="100"/>
+                                  </p:stCondLst>
+                                  <p:childTnLst>
+                                    <p:animClr clrSpc="rgb" dir="cw">
+                                      <p:cBhvr override="childStyle">
+                                        <p:cTn id="12" dur="100" fill="hold"/>
+                                        <p:tgtEl>
+                                          <p:spTgt spid="2">
+                                            <p:txEl>
+                                              <p:pRg st="0" end="0"/>
+                                            </p:txEl>
+                                          </p:spTgt>
+                                        </p:tgtEl>
+                                        <p:attrNameLst>
+                                          <p:attrName>style.color</p:attrName>
+                                        </p:attrNameLst>
+                                      </p:cBhvr>
+                                      <p:to>
+                                        <a:srgbClr val="000000"/>
+                                      </p:to>
+                                    </p:animClr>
+                                  </p:childTnLst>
+                                </p:cTn>
+                              </p:par>
+                            </p:childTnLst>
+                          </p:cTn>
+                        </p:par>
+                      </p:childTnLst>
+                    </p:cTn>
+                  </p:par>
+                  <p:par>
+                    <p:cTn id="13" fill="hold">
+                      <p:stCondLst>
+                        <p:cond delay="indefinite"/>
+                      </p:stCondLst>
+                      <p:childTnLst>
+                        <p:par>
+                          <p:cTn id="14" fill="hold">
+                            <p:stCondLst>
+                              <p:cond delay="0"/>
+                            </p:stCondLst>
+                            <p:childTnLst>
+                              <p:par>
+                                <p:cTn id="15" presetID="3" presetClass="emph" presetSubtype="2" fill="hold" grpId="0" nodeType="clickEffect">
+                                  <p:stCondLst>
+                                    <p:cond delay="100"/>
+                                  </p:stCondLst>
+                                  <p:childTnLst>
+                                    <p:animClr clrSpc="rgb" dir="cw">
+                                      <p:cBhvr override="childStyle">
+                                        <p:cTn id="16" dur="100" fill="hold"/>
+                                        <p:tgtEl>
+                                          <p:spTgt spid="2">
+                                            <p:txEl>
+                                              <p:pRg st="3" end="3"/>
+                                            </p:txEl>
+                                          </p:spTgt>
+                                        </p:tgtEl>
+                                        <p:attrNameLst>
+                                          <p:attrName>style.color</p:attrName>
+                                        </p:attrNameLst>
+                                      </p:cBhvr>
+                                      <p:to>
+                                        <a:srgbClr val="F2290A"/>
+                                      </p:to>
+                                    </p:animClr>
+                                  </p:childTnLst>
+                                </p:cTn>
+                              </p:par>
+                              <p:par>
+                                <p:cTn id="17" presetID="3" presetClass="emph" presetSubtype="2" fill="hold" grpId="1" nodeType="withEffect">
+                                  <p:stCondLst>
+                                    <p:cond delay="100"/>
+                                  </p:stCondLst>
+                                  <p:childTnLst>
+                                    <p:animClr clrSpc="rgb" dir="cw">
+                                      <p:cBhvr override="childStyle">
+                                        <p:cTn id="18" dur="100" fill="hold"/>
+                                        <p:tgtEl>
+                                          <p:spTgt spid="2">
+                                            <p:txEl>
+                                              <p:pRg st="2" end="2"/>
+                                            </p:txEl>
+                                          </p:spTgt>
+                                        </p:tgtEl>
+                                        <p:attrNameLst>
+                                          <p:attrName>style.color</p:attrName>
+                                        </p:attrNameLst>
+                                      </p:cBhvr>
+                                      <p:to>
+                                        <a:srgbClr val="000000"/>
+                                      </p:to>
+                                    </p:animClr>
+                                  </p:childTnLst>
+                                </p:cTn>
+                              </p:par>
+                            </p:childTnLst>
+                          </p:cTn>
+                        </p:par>
+                      </p:childTnLst>
+                    </p:cTn>
+                  </p:par>
+                  <p:par>
+                    <p:cTn id="19" fill="hold">
+                      <p:stCondLst>
+                        <p:cond delay="indefinite"/>
+                      </p:stCondLst>
+                      <p:childTnLst>
+                        <p:par>
+                          <p:cTn id="20" fill="hold">
+                            <p:stCondLst>
+                              <p:cond delay="0"/>
+                            </p:stCondLst>
+                            <p:childTnLst>
+                              <p:par>
+                                <p:cTn id="21" presetID="3" presetClass="emph" presetSubtype="2" fill="hold" grpId="0" nodeType="clickEffect">
+                                  <p:stCondLst>
+                                    <p:cond delay="100"/>
+                                  </p:stCondLst>
+                                  <p:childTnLst>
+                                    <p:animClr clrSpc="rgb" dir="cw">
+                                      <p:cBhvr override="childStyle">
+                                        <p:cTn id="22" dur="100" fill="hold"/>
+                                        <p:tgtEl>
+                                          <p:spTgt spid="2">
+                                            <p:txEl>
+                                              <p:pRg st="4" end="4"/>
+                                            </p:txEl>
+                                          </p:spTgt>
+                                        </p:tgtEl>
+                                        <p:attrNameLst>
+                                          <p:attrName>style.color</p:attrName>
+                                        </p:attrNameLst>
+                                      </p:cBhvr>
+                                      <p:to>
+                                        <a:srgbClr val="F2290A"/>
+                                      </p:to>
+                                    </p:animClr>
+                                  </p:childTnLst>
+                                </p:cTn>
+                              </p:par>
+                              <p:par>
+                                <p:cTn id="23" presetID="3" presetClass="emph" presetSubtype="2" fill="hold" grpId="1" nodeType="withEffect">
+                                  <p:stCondLst>
+                                    <p:cond delay="100"/>
+                                  </p:stCondLst>
+                                  <p:childTnLst>
+                                    <p:animClr clrSpc="rgb" dir="cw">
+                                      <p:cBhvr override="childStyle">
+                                        <p:cTn id="24" dur="100" fill="hold"/>
+                                        <p:tgtEl>
+                                          <p:spTgt spid="2">
+                                            <p:txEl>
+                                              <p:pRg st="3" end="3"/>
+                                            </p:txEl>
+                                          </p:spTgt>
+                                        </p:tgtEl>
+                                        <p:attrNameLst>
+                                          <p:attrName>style.color</p:attrName>
+                                        </p:attrNameLst>
+                                      </p:cBhvr>
+                                      <p:to>
+                                        <a:srgbClr val="000000"/>
+                                      </p:to>
+                                    </p:animClr>
+                                  </p:childTnLst>
+                                </p:cTn>
+                              </p:par>
+                            </p:childTnLst>
+                          </p:cTn>
+                        </p:par>
+                      </p:childTnLst>
+                    </p:cTn>
+                  </p:par>
+                  <p:par>
+                    <p:cTn id="25" fill="hold">
+                      <p:stCondLst>
+                        <p:cond delay="indefinite"/>
+                      </p:stCondLst>
+                      <p:childTnLst>
+                        <p:par>
+                          <p:cTn id="26" fill="hold">
+                            <p:stCondLst>
+                              <p:cond delay="0"/>
+                            </p:stCondLst>
+                            <p:childTnLst>
+                              <p:par>
+                                <p:cTn id="27" presetID="3" presetClass="emph" presetSubtype="2" fill="hold" grpId="0" nodeType="clickEffect">
+                                  <p:stCondLst>
+                                    <p:cond delay="100"/>
+                                  </p:stCondLst>
+                                  <p:childTnLst>
+                                    <p:animClr clrSpc="rgb" dir="cw">
+                                      <p:cBhvr override="childStyle">
+                                        <p:cTn id="28" dur="100" fill="hold"/>
+                                        <p:tgtEl>
+                                          <p:spTgt spid="2">
+                                            <p:txEl>
+                                              <p:pRg st="5" end="5"/>
+                                            </p:txEl>
+                                          </p:spTgt>
+                                        </p:tgtEl>
+                                        <p:attrNameLst>
+                                          <p:attrName>style.color</p:attrName>
+                                        </p:attrNameLst>
+                                      </p:cBhvr>
+                                      <p:to>
+                                        <a:srgbClr val="F2290A"/>
+                                      </p:to>
+                                    </p:animClr>
+                                  </p:childTnLst>
+                                </p:cTn>
+                              </p:par>
+                              <p:par>
+                                <p:cTn id="29" presetID="3" presetClass="emph" presetSubtype="2" fill="hold" grpId="1" nodeType="withEffect">
+                                  <p:stCondLst>
+                                    <p:cond delay="100"/>
+                                  </p:stCondLst>
+                                  <p:childTnLst>
+                                    <p:animClr clrSpc="rgb" dir="cw">
+                                      <p:cBhvr override="childStyle">
+                                        <p:cTn id="30" dur="100" fill="hold"/>
+                                        <p:tgtEl>
+                                          <p:spTgt spid="2">
+                                            <p:txEl>
+                                              <p:pRg st="4" end="4"/>
+                                            </p:txEl>
+                                          </p:spTgt>
+                                        </p:tgtEl>
+                                        <p:attrNameLst>
+                                          <p:attrName>style.color</p:attrName>
+                                        </p:attrNameLst>
+                                      </p:cBhvr>
+                                      <p:to>
+                                        <a:srgbClr val="000000"/>
+                                      </p:to>
+                                    </p:animClr>
+                                  </p:childTnLst>
+                                </p:cTn>
+                              </p:par>
+                            </p:childTnLst>
+                          </p:cTn>
+                        </p:par>
+                      </p:childTnLst>
+                    </p:cTn>
+                  </p:par>
+                  <p:par>
+                    <p:cTn id="31" fill="hold">
+                      <p:stCondLst>
+                        <p:cond delay="indefinite"/>
+                      </p:stCondLst>
+                      <p:childTnLst>
+                        <p:par>
+                          <p:cTn id="32" fill="hold">
+                            <p:stCondLst>
+                              <p:cond delay="0"/>
+                            </p:stCondLst>
+                            <p:childTnLst>
+                              <p:par>
+                                <p:cTn id="33" presetID="3" presetClass="emph" presetSubtype="2" fill="hold" grpId="0" nodeType="clickEffect">
+                                  <p:stCondLst>
+                                    <p:cond delay="100"/>
+                                  </p:stCondLst>
+                                  <p:childTnLst>
+                                    <p:animClr clrSpc="rgb" dir="cw">
+                                      <p:cBhvr override="childStyle">
+                                        <p:cTn id="34" dur="100" fill="hold"/>
+                                        <p:tgtEl>
+                                          <p:spTgt spid="2">
+                                            <p:txEl>
+                                              <p:pRg st="6" end="6"/>
+                                            </p:txEl>
+                                          </p:spTgt>
+                                        </p:tgtEl>
+                                        <p:attrNameLst>
+                                          <p:attrName>style.color</p:attrName>
+                                        </p:attrNameLst>
+                                      </p:cBhvr>
+                                      <p:to>
+                                        <a:srgbClr val="F2290A"/>
+                                      </p:to>
+                                    </p:animClr>
+                                  </p:childTnLst>
+                                </p:cTn>
+                              </p:par>
+                              <p:par>
+                                <p:cTn id="35" presetID="3" presetClass="emph" presetSubtype="2" fill="hold" grpId="1" nodeType="withEffect">
+                                  <p:stCondLst>
+                                    <p:cond delay="100"/>
+                                  </p:stCondLst>
+                                  <p:childTnLst>
+                                    <p:animClr clrSpc="rgb" dir="cw">
+                                      <p:cBhvr override="childStyle">
+                                        <p:cTn id="36" dur="100" fill="hold"/>
+                                        <p:tgtEl>
+                                          <p:spTgt spid="2">
+                                            <p:txEl>
+                                              <p:pRg st="5" end="5"/>
+                                            </p:txEl>
+                                          </p:spTgt>
+                                        </p:tgtEl>
+                                        <p:attrNameLst>
+                                          <p:attrName>style.color</p:attrName>
+                                        </p:attrNameLst>
+                                      </p:cBhvr>
+                                      <p:to>
+                                        <a:srgbClr val="000000"/>
+                                      </p:to>
+                                    </p:animClr>
+                                  </p:childTnLst>
+                                </p:cTn>
+                              </p:par>
+                            </p:childTnLst>
+                          </p:cTn>
+                        </p:par>
+                      </p:childTnLst>
+                    </p:cTn>
+                  </p:par>
+                  <p:par>
+                    <p:cTn id="37" fill="hold">
+                      <p:stCondLst>
+                        <p:cond delay="indefinite"/>
+                      </p:stCondLst>
+                      <p:childTnLst>
+                        <p:par>
+                          <p:cTn id="38" fill="hold">
+                            <p:stCondLst>
+                              <p:cond delay="0"/>
+                            </p:stCondLst>
+                            <p:childTnLst>
+                              <p:par>
+                                <p:cTn id="39" presetID="3" presetClass="emph" presetSubtype="2" fill="hold" grpId="0" nodeType="clickEffect">
+                                  <p:stCondLst>
+                                    <p:cond delay="100"/>
+                                  </p:stCondLst>
+                                  <p:childTnLst>
+                                    <p:animClr clrSpc="rgb" dir="cw">
+                                      <p:cBhvr override="childStyle">
+                                        <p:cTn id="40" dur="100" fill="hold"/>
+                                        <p:tgtEl>
+                                          <p:spTgt spid="2">
+                                            <p:txEl>
+                                              <p:pRg st="7" end="7"/>
+                                            </p:txEl>
+                                          </p:spTgt>
+                                        </p:tgtEl>
+                                        <p:attrNameLst>
+                                          <p:attrName>style.color</p:attrName>
+                                        </p:attrNameLst>
+                                      </p:cBhvr>
+                                      <p:to>
+                                        <a:srgbClr val="F2290A"/>
+                                      </p:to>
+                                    </p:animClr>
+                                  </p:childTnLst>
+                                </p:cTn>
+                              </p:par>
+                              <p:par>
+                                <p:cTn id="41" presetID="3" presetClass="emph" presetSubtype="2" fill="hold" grpId="1" nodeType="withEffect">
+                                  <p:stCondLst>
+                                    <p:cond delay="100"/>
+                                  </p:stCondLst>
+                                  <p:childTnLst>
+                                    <p:animClr clrSpc="rgb" dir="cw">
+                                      <p:cBhvr override="childStyle">
+                                        <p:cTn id="42" dur="100" fill="hold"/>
+                                        <p:tgtEl>
+                                          <p:spTgt spid="2">
+                                            <p:txEl>
+                                              <p:pRg st="6" end="6"/>
+                                            </p:txEl>
+                                          </p:spTgt>
+                                        </p:tgtEl>
+                                        <p:attrNameLst>
+                                          <p:attrName>style.color</p:attrName>
+                                        </p:attrNameLst>
+                                      </p:cBhvr>
+                                      <p:to>
+                                        <a:srgbClr val="000000"/>
+                                      </p:to>
+                                    </p:animClr>
+                                  </p:childTnLst>
+                                </p:cTn>
+                              </p:par>
+                            </p:childTnLst>
+                          </p:cTn>
+                        </p:par>
+                      </p:childTnLst>
+                    </p:cTn>
+                  </p:par>
+                  <p:par>
+                    <p:cTn id="43" fill="hold">
+                      <p:stCondLst>
+                        <p:cond delay="indefinite"/>
+                      </p:stCondLst>
+                      <p:childTnLst>
+                        <p:par>
+                          <p:cTn id="44" fill="hold">
+                            <p:stCondLst>
+                              <p:cond delay="0"/>
+                            </p:stCondLst>
+                            <p:childTnLst>
+                              <p:par>
+                                <p:cTn id="45" presetID="3" presetClass="emph" presetSubtype="2" fill="hold" grpId="1" nodeType="clickEffect">
+                                  <p:stCondLst>
+                                    <p:cond delay="100"/>
+                                  </p:stCondLst>
+                                  <p:childTnLst>
+                                    <p:animClr clrSpc="rgb" dir="cw">
+                                      <p:cBhvr override="childStyle">
+                                        <p:cTn id="46" dur="100" fill="hold"/>
+                                        <p:tgtEl>
+                                          <p:spTgt spid="2">
+                                            <p:txEl>
+                                              <p:pRg st="7" end="7"/>
+                                            </p:txEl>
+                                          </p:spTgt>
+                                        </p:tgtEl>
+                                        <p:attrNameLst>
+                                          <p:attrName>style.color</p:attrName>
+                                        </p:attrNameLst>
+                                      </p:cBhvr>
+                                      <p:to>
+                                        <a:srgbClr val="000000"/>
+                                      </p:to>
+                                    </p:animClr>
+                                  </p:childTnLst>
+                                </p:cTn>
+                              </p:par>
+                            </p:childTnLst>
+                          </p:cTn>
+                        </p:par>
+                      </p:childTnLst>
+                    </p:cTn>
+                  </p:par>
+                </p:childTnLst>
+              </p:cTn>
+              <p:prevCondLst>
+                <p:cond evt="onPrev" delay="0">
+                  <p:tgtEl>
+                    <p:sldTgt/>
+                  </p:tgtEl>
+                </p:cond>
+              </p:prevCondLst>
+              <p:nextCondLst>
+                <p:cond evt="onNext" delay="0">
+                  <p:tgtEl>
+                    <p:sldTgt/>
+                  </p:tgtEl>
+                </p:cond>
+              </p:nextCondLst>
+            </p:seq>
+          </p:childTnLst>
+        </p:cTn>
+      </p:par>
+    </p:tnLst>
+    <p:bldLst>
+      <p:bldP spid="2" grpId="0" build="p" bldLvl="5"/>
+      <p:bldP spid="2" grpId="1" build="p" bldLvl="5"/>
+    </p:bldLst>
+  </p:timing>
+</p:sld>
+</file>
+
+<file path=ppt/slides/slide26.xml><?xml version="1.0" encoding="utf-8"?>
+<p:sld xmlns:a="http://schemas.openxmlformats.org/drawingml/2006/main" xmlns:r="http://schemas.openxmlformats.org/officeDocument/2006/relationships" xmlns:p="http://schemas.openxmlformats.org/presentationml/2006/main">
+  <p:cSld>
+    <p:spTree>
+      <p:nvGrpSpPr>
+        <p:cNvPr id="1" name=""/>
+        <p:cNvGrpSpPr/>
+        <p:nvPr/>
+      </p:nvGrpSpPr>
+      <p:grpSpPr>
+        <a:xfrm>
+          <a:off x="0" y="0"/>
+          <a:ext cx="0" cy="0"/>
+          <a:chOff x="0" y="0"/>
+          <a:chExt cx="0" cy="0"/>
+        </a:xfrm>
+      </p:grpSpPr>
+      <p:sp>
+        <p:nvSpPr>
+          <p:cNvPr id="3" name="Rectangle 4"/>
+          <p:cNvSpPr/>
+          <p:nvPr/>
+        </p:nvSpPr>
+        <p:spPr>
+          <a:xfrm>
+            <a:off x="0" y="2286000"/>
+            <a:ext cx="9144000" cy="2209800"/>
+          </a:xfrm>
+          <a:prstGeom prst="rect">
+            <a:avLst/>
+          </a:prstGeom>
+          <a:solidFill>
+            <a:srgbClr val="002060"/>
+          </a:solidFill>
+        </p:spPr>
+        <p:style>
+          <a:lnRef idx="2">
+            <a:schemeClr val="accent1">
+              <a:shade val="50000"/>
+            </a:schemeClr>
+          </a:lnRef>
+          <a:fillRef idx="1">
+            <a:schemeClr val="accent1"/>
+          </a:fillRef>
+          <a:effectRef idx="0">
+            <a:schemeClr val="accent1"/>
+          </a:effectRef>
+          <a:fontRef idx="minor">
+            <a:schemeClr val="lt1"/>
+          </a:fontRef>
+        </p:style>
+        <p:txBody>
+          <a:bodyPr rtlCol="0" anchor="ctr"/>
+          <a:lstStyle/>
+          <a:p>
+            <a:pPr algn="ctr"/>
+            <a:endParaRPr lang="en-US"/>
+          </a:p>
+        </p:txBody>
+      </p:sp>
+      <p:sp>
+        <p:nvSpPr>
+          <p:cNvPr id="2" name="HighlightTextShape201702051845316996"/>
+          <p:cNvSpPr txBox="1"/>
+          <p:nvPr/>
+        </p:nvSpPr>
+        <p:spPr>
+          <a:xfrm>
+            <a:off x="762000" y="533400"/>
+            <a:ext cx="7620000" cy="5909310"/>
+          </a:xfrm>
+          <a:prstGeom prst="rect">
+            <a:avLst/>
+          </a:prstGeom>
+          <a:noFill/>
+        </p:spPr>
+        <p:txBody>
+          <a:bodyPr wrap="square" rtlCol="0">
+            <a:spAutoFit/>
+          </a:bodyPr>
+          <a:lstStyle/>
+          <a:p>
+            <a:pPr marL="285750" indent="-285750">
+              <a:buFont typeface="Arial" panose="020B0604020202020204" pitchFamily="34" charset="0"/>
+              <a:buChar char="•"/>
+            </a:pPr>
+            <a:r>
+              <a:rPr lang="en-US" sz="2800" dirty="0" smtClean="0"/>
+              <a:t>Test - Non-ABC: 1234567890!@#$%^&amp;*()</a:t>
+            </a:r>
+          </a:p>
+          <a:p>
+            <a:r>
+              <a:rPr lang="en-US" sz="2800" dirty="0"/>
+              <a:t>Test </a:t>
+            </a:r>
+            <a:r>
+              <a:rPr lang="en-US" sz="2800" dirty="0" smtClean="0"/>
+              <a:t>– No bullet point</a:t>
+            </a:r>
+            <a:endParaRPr lang="en-US" sz="2800" dirty="0"/>
+          </a:p>
+          <a:p>
+            <a:pPr marL="514350" indent="-514350">
+              <a:buFont typeface="+mj-lt"/>
+              <a:buAutoNum type="arabicPeriod"/>
+            </a:pPr>
+            <a:r>
+              <a:rPr lang="en-US" sz="2800" dirty="0"/>
+              <a:t>Test – </a:t>
+            </a:r>
+            <a:r>
+              <a:rPr lang="en-US" sz="2800" dirty="0" smtClean="0"/>
+              <a:t>Different bullet point</a:t>
+            </a:r>
+          </a:p>
+          <a:p>
+            <a:pPr marL="285750" indent="-285750">
+              <a:buFont typeface="Arial" panose="020B0604020202020204" pitchFamily="34" charset="0"/>
+              <a:buChar char="•"/>
+            </a:pPr>
+            <a:r>
+              <a:rPr lang="en-US" sz="2800" dirty="0" smtClean="0">
+                <a:latin typeface="Times New Roman" panose="02020603050405020304" pitchFamily="18" charset="0"/>
+                <a:cs typeface="Times New Roman" panose="02020603050405020304" pitchFamily="18" charset="0"/>
+              </a:rPr>
+              <a:t>Test - Another Font Family, using Times New Roman</a:t>
+            </a:r>
+          </a:p>
+          <a:p>
+            <a:pPr marL="285750" indent="-285750">
+              <a:buFont typeface="Arial" panose="020B0604020202020204" pitchFamily="34" charset="0"/>
+              <a:buChar char="•"/>
+            </a:pPr>
+            <a:r>
+              <a:rPr lang="en-US" sz="1000" dirty="0" smtClean="0"/>
+              <a:t>Test - very small content. Test: very small content. Test: very small content. Test: very small content</a:t>
+            </a:r>
+          </a:p>
+          <a:p>
+            <a:pPr marL="285750" indent="-285750">
+              <a:buFont typeface="Arial" panose="020B0604020202020204" pitchFamily="34" charset="0"/>
+              <a:buChar char="•"/>
+            </a:pPr>
+            <a:r>
+              <a:rPr lang="en-US" sz="6600" dirty="0" smtClean="0">
+                <a:latin typeface="Arial Black" panose="020B0A04020102020204" pitchFamily="34" charset="0"/>
+              </a:rPr>
+              <a:t>Test - very big</a:t>
+            </a:r>
+          </a:p>
+          <a:p>
+            <a:pPr marL="285750" indent="-285750">
+              <a:buFont typeface="Arial" panose="020B0604020202020204" pitchFamily="34" charset="0"/>
+              <a:buChar char="•"/>
+            </a:pPr>
+            <a:r>
+              <a:rPr lang="en-US" sz="3600" dirty="0" smtClean="0"/>
+              <a:t>Test – Long sentence: </a:t>
+            </a:r>
+            <a:r>
+              <a:rPr lang="en-US" sz="3600" dirty="0" err="1" smtClean="0"/>
+              <a:t>Asdddd</a:t>
+            </a:r>
+            <a:r>
+              <a:rPr lang="en-US" sz="3600" dirty="0" smtClean="0"/>
+              <a:t> </a:t>
+            </a:r>
+            <a:r>
+              <a:rPr lang="en-US" sz="3600" dirty="0" err="1" smtClean="0"/>
+              <a:t>ddd</a:t>
+            </a:r>
+            <a:r>
+              <a:rPr lang="en-US" sz="3600" dirty="0" smtClean="0"/>
+              <a:t> </a:t>
+            </a:r>
+            <a:r>
+              <a:rPr lang="en-US" sz="3600" dirty="0" err="1" smtClean="0"/>
+              <a:t>dd</a:t>
+            </a:r>
+            <a:r>
+              <a:rPr lang="en-US" sz="3600" dirty="0" smtClean="0"/>
+              <a:t> d </a:t>
+            </a:r>
+            <a:r>
+              <a:rPr lang="en-US" sz="3600" dirty="0" err="1" smtClean="0"/>
+              <a:t>ddddd</a:t>
+            </a:r>
+            <a:r>
+              <a:rPr lang="en-US" sz="3600" dirty="0" smtClean="0"/>
+              <a:t> </a:t>
+            </a:r>
+            <a:r>
+              <a:rPr lang="en-US" sz="3600" dirty="0" err="1" smtClean="0"/>
+              <a:t>ddd</a:t>
+            </a:r>
+            <a:r>
+              <a:rPr lang="en-US" sz="3600" dirty="0" smtClean="0"/>
+              <a:t> </a:t>
+            </a:r>
+            <a:r>
+              <a:rPr lang="en-US" sz="3600" dirty="0" err="1" smtClean="0"/>
+              <a:t>ddd</a:t>
+            </a:r>
+            <a:r>
+              <a:rPr lang="en-US" sz="3600" dirty="0" smtClean="0"/>
+              <a:t> </a:t>
+            </a:r>
+            <a:r>
+              <a:rPr lang="en-US" sz="3600" dirty="0" err="1" smtClean="0"/>
+              <a:t>ddd</a:t>
+            </a:r>
+            <a:r>
+              <a:rPr lang="en-US" sz="3600" dirty="0" smtClean="0"/>
+              <a:t> </a:t>
+            </a:r>
+            <a:r>
+              <a:rPr lang="en-US" sz="3600" dirty="0" err="1" smtClean="0"/>
+              <a:t>ddd</a:t>
+            </a:r>
+            <a:r>
+              <a:rPr lang="en-US" sz="3600" dirty="0" smtClean="0"/>
+              <a:t> </a:t>
+            </a:r>
+            <a:r>
+              <a:rPr lang="en-US" sz="3600" dirty="0" err="1" smtClean="0"/>
+              <a:t>ddd</a:t>
+            </a:r>
+            <a:r>
+              <a:rPr lang="en-US" sz="3600" dirty="0" smtClean="0"/>
+              <a:t> </a:t>
+            </a:r>
+            <a:r>
+              <a:rPr lang="en-US" sz="3600" dirty="0" err="1" smtClean="0"/>
+              <a:t>ddd</a:t>
+            </a:r>
+            <a:r>
+              <a:rPr lang="en-US" sz="3600" dirty="0" smtClean="0"/>
+              <a:t> </a:t>
+            </a:r>
+            <a:r>
+              <a:rPr lang="en-US" sz="3600" dirty="0" err="1" smtClean="0"/>
+              <a:t>ddd</a:t>
+            </a:r>
+            <a:r>
+              <a:rPr lang="en-US" sz="3600" dirty="0" smtClean="0"/>
+              <a:t> </a:t>
+            </a:r>
+            <a:r>
+              <a:rPr lang="en-US" sz="3600" dirty="0" err="1" smtClean="0"/>
+              <a:t>dddddd</a:t>
+            </a:r>
+            <a:r>
+              <a:rPr lang="en-US" sz="3600" dirty="0" smtClean="0"/>
+              <a:t> </a:t>
+            </a:r>
+            <a:r>
+              <a:rPr lang="en-US" sz="3600" dirty="0" err="1" smtClean="0"/>
+              <a:t>dd</a:t>
+            </a:r>
+            <a:r>
+              <a:rPr lang="en-US" sz="3600" dirty="0" smtClean="0"/>
+              <a:t> </a:t>
+            </a:r>
+            <a:r>
+              <a:rPr lang="en-US" sz="3600" dirty="0" err="1" smtClean="0"/>
+              <a:t>ddd</a:t>
+            </a:r>
+            <a:r>
+              <a:rPr lang="en-US" sz="3600" dirty="0" smtClean="0"/>
+              <a:t> </a:t>
+            </a:r>
+            <a:r>
+              <a:rPr lang="en-US" sz="3600" dirty="0" err="1" smtClean="0"/>
+              <a:t>ddddd</a:t>
+            </a:r>
+            <a:r>
+              <a:rPr lang="en-US" sz="3600" dirty="0" smtClean="0"/>
+              <a:t> </a:t>
+            </a:r>
+            <a:r>
+              <a:rPr lang="en-US" sz="3600" dirty="0" err="1" smtClean="0"/>
+              <a:t>dd</a:t>
+            </a:r>
+            <a:r>
+              <a:rPr lang="en-US" sz="3600" dirty="0" smtClean="0"/>
+              <a:t> </a:t>
+            </a:r>
+            <a:r>
+              <a:rPr lang="en-US" sz="3600" dirty="0" err="1" smtClean="0"/>
+              <a:t>dd</a:t>
+            </a:r>
+            <a:r>
+              <a:rPr lang="en-US" sz="3600" dirty="0" smtClean="0"/>
+              <a:t> d </a:t>
+            </a:r>
+            <a:r>
+              <a:rPr lang="en-US" sz="3600" dirty="0" err="1" smtClean="0"/>
+              <a:t>ddd</a:t>
+            </a:r>
+            <a:r>
+              <a:rPr lang="en-US" sz="3600" dirty="0" smtClean="0"/>
+              <a:t> </a:t>
+            </a:r>
+            <a:r>
+              <a:rPr lang="en-US" sz="3600" dirty="0" err="1" smtClean="0"/>
+              <a:t>ddd</a:t>
+            </a:r>
+            <a:endParaRPr lang="en-US" sz="3600" dirty="0" smtClean="0"/>
+          </a:p>
+          <a:p>
+            <a:pPr marL="285750" indent="-285750">
+              <a:buFont typeface="Arial" panose="020B0604020202020204" pitchFamily="34" charset="0"/>
+              <a:buChar char="•"/>
+            </a:pPr>
+            <a:r>
+              <a:rPr lang="en-US" altLang="zh-CN" dirty="0" smtClean="0"/>
+              <a:t>Test – Chinese Characters: </a:t>
+            </a:r>
+            <a:r>
+              <a:rPr lang="zh-CN" altLang="en-US" dirty="0" smtClean="0"/>
+              <a:t>阿</a:t>
+            </a:r>
+            <a:r>
+              <a:rPr lang="zh-CN" altLang="en-US" dirty="0"/>
+              <a:t>斯</a:t>
+            </a:r>
+            <a:r>
+              <a:rPr lang="zh-CN" altLang="en-US" dirty="0" smtClean="0"/>
+              <a:t>顿啊盛大速度啊盛大速度啊盛大速度</a:t>
+            </a:r>
+            <a:endParaRPr lang="en-SG" dirty="0"/>
+          </a:p>
+        </p:txBody>
+      </p:sp>
+    </p:spTree>
+    <p:extLst>
+      <p:ext uri="{BB962C8B-B14F-4D97-AF65-F5344CB8AC3E}">
+        <p14:creationId xmlns:p14="http://schemas.microsoft.com/office/powerpoint/2010/main" val="2925312092"/>
+      </p:ext>
+    </p:extLst>
+  </p:cSld>
+  <p:clrMapOvr>
+    <a:masterClrMapping/>
+  </p:clrMapOvr>
+  <p:transition spd="slow">
+    <p:push dir="u"/>
+  </p:transition>
+  <p:timing>
+    <p:tnLst>
+      <p:par>
+        <p:cTn id="1" dur="indefinite" restart="never" nodeType="tmRoot"/>
+      </p:par>
+    </p:tnLst>
+  </p:timing>
+</p:sld>
+</file>
+
+<file path=ppt/slides/slide27.xml><?xml version="1.0" encoding="utf-8"?>
+<p:sld xmlns:a="http://schemas.openxmlformats.org/drawingml/2006/main" xmlns:r="http://schemas.openxmlformats.org/officeDocument/2006/relationships" xmlns:p="http://schemas.openxmlformats.org/presentationml/2006/main">
+  <p:cSld>
+    <p:spTree>
+      <p:nvGrpSpPr>
+        <p:cNvPr id="1" name=""/>
+        <p:cNvGrpSpPr/>
+        <p:nvPr/>
+      </p:nvGrpSpPr>
+      <p:grpSpPr>
+        <a:xfrm>
+          <a:off x="0" y="0"/>
+          <a:ext cx="0" cy="0"/>
+          <a:chOff x="0" y="0"/>
+          <a:chExt cx="0" cy="0"/>
+        </a:xfrm>
+      </p:grpSpPr>
+      <p:sp>
+        <p:nvSpPr>
+          <p:cNvPr id="2" name="Title 1"/>
+          <p:cNvSpPr>
+            <a:spLocks noGrp="1"/>
+          </p:cNvSpPr>
+          <p:nvPr>
+            <p:ph type="title"/>
+          </p:nvPr>
+        </p:nvSpPr>
+        <p:spPr/>
+        <p:txBody>
+          <a:bodyPr>
+            <a:normAutofit/>
+          </a:bodyPr>
+          <a:lstStyle/>
+          <a:p>
+            <a:r>
+              <a:rPr lang="en-US" dirty="0"/>
+              <a:t>Remove Highlighting:: </a:t>
+            </a:r>
+            <a:r>
+              <a:rPr lang="en-US" dirty="0" smtClean="0"/>
+              <a:t>Highlight Background</a:t>
+            </a:r>
+            <a:endParaRPr lang="en-SG" dirty="0"/>
+          </a:p>
+        </p:txBody>
+      </p:sp>
+      <p:sp>
+        <p:nvSpPr>
+          <p:cNvPr id="4" name="Content Placeholder 2"/>
+          <p:cNvSpPr>
+            <a:spLocks noGrp="1"/>
+          </p:cNvSpPr>
+          <p:nvPr>
+            <p:ph idx="1"/>
+          </p:nvPr>
+        </p:nvSpPr>
+        <p:spPr>
+          <a:xfrm>
+            <a:off x="457200" y="3124200"/>
+            <a:ext cx="8229600" cy="3001963"/>
+          </a:xfrm>
+        </p:spPr>
+        <p:txBody>
+          <a:bodyPr/>
+          <a:lstStyle/>
+          <a:p>
+            <a:r>
+              <a:rPr lang="en-US" dirty="0" smtClean="0"/>
+              <a:t>Click “Remove Highlighting”</a:t>
+            </a:r>
+            <a:endParaRPr lang="en-SG" dirty="0"/>
+          </a:p>
+        </p:txBody>
+      </p:sp>
+    </p:spTree>
+    <p:extLst>
+      <p:ext uri="{BB962C8B-B14F-4D97-AF65-F5344CB8AC3E}">
+        <p14:creationId xmlns:p14="http://schemas.microsoft.com/office/powerpoint/2010/main" val="1733837879"/>
+      </p:ext>
+    </p:extLst>
+  </p:cSld>
+  <p:clrMapOvr>
+    <a:masterClrMapping/>
+  </p:clrMapOvr>
+  <p:timing>
+    <p:tnLst>
+      <p:par>
+        <p:cTn id="1" dur="indefinite" restart="never" nodeType="tmRoot"/>
+      </p:par>
+    </p:tnLst>
+  </p:timing>
+</p:sld>
+</file>
+
+<file path=ppt/slides/slide28.xml><?xml version="1.0" encoding="utf-8"?>
+<p:sld xmlns:a="http://schemas.openxmlformats.org/drawingml/2006/main" xmlns:r="http://schemas.openxmlformats.org/officeDocument/2006/relationships" xmlns:p="http://schemas.openxmlformats.org/presentationml/2006/main">
+  <p:cSld>
+    <p:spTree>
+      <p:nvGrpSpPr>
+        <p:cNvPr id="1" name=""/>
+        <p:cNvGrpSpPr/>
+        <p:nvPr/>
+      </p:nvGrpSpPr>
+      <p:grpSpPr>
+        <a:xfrm>
+          <a:off x="0" y="0"/>
+          <a:ext cx="0" cy="0"/>
+          <a:chOff x="0" y="0"/>
+          <a:chExt cx="0" cy="0"/>
+        </a:xfrm>
+      </p:grpSpPr>
+      <p:sp>
+        <p:nvSpPr>
+          <p:cNvPr id="3" name="Rectangle 4"/>
+          <p:cNvSpPr/>
+          <p:nvPr/>
+        </p:nvSpPr>
+        <p:spPr>
+          <a:xfrm>
+            <a:off x="0" y="2286000"/>
+            <a:ext cx="9144000" cy="2209800"/>
+          </a:xfrm>
+          <a:prstGeom prst="rect">
+            <a:avLst/>
+          </a:prstGeom>
+          <a:solidFill>
+            <a:srgbClr val="002060"/>
+          </a:solidFill>
+        </p:spPr>
+        <p:style>
+          <a:lnRef idx="2">
+            <a:schemeClr val="accent1">
+              <a:shade val="50000"/>
+            </a:schemeClr>
+          </a:lnRef>
+          <a:fillRef idx="1">
+            <a:schemeClr val="accent1"/>
+          </a:fillRef>
+          <a:effectRef idx="0">
+            <a:schemeClr val="accent1"/>
+          </a:effectRef>
+          <a:fontRef idx="minor">
+            <a:schemeClr val="lt1"/>
+          </a:fontRef>
+        </p:style>
+        <p:txBody>
+          <a:bodyPr rtlCol="0" anchor="ctr"/>
+          <a:lstStyle/>
+          <a:p>
+            <a:pPr algn="ctr"/>
+            <a:endParaRPr lang="en-US"/>
+          </a:p>
+        </p:txBody>
+      </p:sp>
+      <p:sp>
+        <p:nvSpPr>
+          <p:cNvPr id="4" name="PPTLabsHighlightBackgroundShape201702051848016870"/>
+          <p:cNvSpPr>
+            <a:spLocks/>
+          </p:cNvSpPr>
+          <p:nvPr>
+            <p:custDataLst>
+              <p:tags r:id="rId1"/>
+            </p:custDataLst>
+          </p:nvPr>
+        </p:nvSpPr>
+        <p:spPr>
+          <a:xfrm>
+            <a:off x="1139190" y="579120"/>
+            <a:ext cx="6074664" cy="426720"/>
+          </a:xfrm>
+          <a:prstGeom prst="roundRect">
+            <a:avLst>
+              <a:gd name="adj" fmla="val 25000"/>
+            </a:avLst>
+          </a:prstGeom>
+          <a:solidFill>
+            <a:srgbClr val="FFFF00">
+              <a:alpha val="50000"/>
+            </a:srgbClr>
+          </a:solidFill>
+          <a:ln w="25400" cap="flat" cmpd="sng" algn="ctr">
+            <a:noFill/>
+            <a:prstDash val="solid"/>
+          </a:ln>
+          <a:effectLst/>
+          <a:extLst>
+            <a:ext uri="{91240B29-F687-4F45-9708-019B960494DF}">
+              <a14:hiddenLine xmlns:a14="http://schemas.microsoft.com/office/drawing/2010/main" w="25400" cap="flat" cmpd="sng" algn="ctr">
+                <a:solidFill>
+                  <a:schemeClr val="accent1">
+                    <a:shade val="50000"/>
+                  </a:schemeClr>
+                </a:solidFill>
+                <a:prstDash val="solid"/>
+              </a14:hiddenLine>
+            </a:ext>
+          </a:extLst>
+        </p:spPr>
+        <p:style>
+          <a:lnRef idx="2">
+            <a:schemeClr val="accent1">
+              <a:shade val="50000"/>
+            </a:schemeClr>
+          </a:lnRef>
+          <a:fillRef idx="1">
+            <a:schemeClr val="accent1"/>
+          </a:fillRef>
+          <a:effectRef idx="0">
+            <a:schemeClr val="accent1"/>
+          </a:effectRef>
+          <a:fontRef idx="minor">
+            <a:schemeClr val="lt1"/>
+          </a:fontRef>
+        </p:style>
+        <p:txBody>
+          <a:bodyPr rtlCol="0" anchor="ctr"/>
+          <a:lstStyle/>
+          <a:p>
+            <a:pPr algn="ctr"/>
+            <a:endParaRPr lang="en-SG"/>
+          </a:p>
+        </p:txBody>
+      </p:sp>
+      <p:sp>
+        <p:nvSpPr>
+          <p:cNvPr id="5" name="PPTLabsHighlightBackgroundShape201702051848016885"/>
+          <p:cNvSpPr>
+            <a:spLocks/>
+          </p:cNvSpPr>
+          <p:nvPr>
+            <p:custDataLst>
+              <p:tags r:id="rId2"/>
+            </p:custDataLst>
+          </p:nvPr>
+        </p:nvSpPr>
+        <p:spPr>
+          <a:xfrm>
+            <a:off x="1367790" y="1432560"/>
+            <a:ext cx="4021900" cy="426720"/>
+          </a:xfrm>
+          <a:prstGeom prst="roundRect">
+            <a:avLst>
+              <a:gd name="adj" fmla="val 25000"/>
+            </a:avLst>
+          </a:prstGeom>
+          <a:solidFill>
+            <a:srgbClr val="FFFF00">
+              <a:alpha val="50000"/>
+            </a:srgbClr>
+          </a:solidFill>
+          <a:ln w="25400" cap="flat" cmpd="sng" algn="ctr">
+            <a:noFill/>
+            <a:prstDash val="solid"/>
+          </a:ln>
+          <a:effectLst/>
+          <a:extLst>
+            <a:ext uri="{91240B29-F687-4F45-9708-019B960494DF}">
+              <a14:hiddenLine xmlns:a14="http://schemas.microsoft.com/office/drawing/2010/main" w="25400" cap="flat" cmpd="sng" algn="ctr">
+                <a:solidFill>
+                  <a:schemeClr val="accent1">
+                    <a:shade val="50000"/>
+                  </a:schemeClr>
+                </a:solidFill>
+                <a:prstDash val="solid"/>
+              </a14:hiddenLine>
+            </a:ext>
+          </a:extLst>
+        </p:spPr>
+        <p:style>
+          <a:lnRef idx="2">
+            <a:schemeClr val="accent1">
+              <a:shade val="50000"/>
+            </a:schemeClr>
+          </a:lnRef>
+          <a:fillRef idx="1">
+            <a:schemeClr val="accent1"/>
+          </a:fillRef>
+          <a:effectRef idx="0">
+            <a:schemeClr val="accent1"/>
+          </a:effectRef>
+          <a:fontRef idx="minor">
+            <a:schemeClr val="lt1"/>
+          </a:fontRef>
+        </p:style>
+        <p:txBody>
+          <a:bodyPr rtlCol="0" anchor="ctr"/>
+          <a:lstStyle/>
+          <a:p>
+            <a:pPr algn="ctr"/>
+            <a:endParaRPr lang="en-SG"/>
+          </a:p>
+        </p:txBody>
+      </p:sp>
+      <p:sp>
+        <p:nvSpPr>
+          <p:cNvPr id="6" name="PPTLabsHighlightBackgroundShape201702051848016895"/>
+          <p:cNvSpPr>
+            <a:spLocks/>
+          </p:cNvSpPr>
+          <p:nvPr>
+            <p:custDataLst>
+              <p:tags r:id="rId3"/>
+            </p:custDataLst>
+          </p:nvPr>
+        </p:nvSpPr>
+        <p:spPr>
+          <a:xfrm>
+            <a:off x="1139190" y="1859280"/>
+            <a:ext cx="6596888" cy="853440"/>
+          </a:xfrm>
+          <a:prstGeom prst="roundRect">
+            <a:avLst>
+              <a:gd name="adj" fmla="val 25000"/>
+            </a:avLst>
+          </a:prstGeom>
+          <a:solidFill>
+            <a:srgbClr val="FFFF00">
+              <a:alpha val="50000"/>
+            </a:srgbClr>
+          </a:solidFill>
+          <a:ln w="25400" cap="flat" cmpd="sng" algn="ctr">
+            <a:noFill/>
+            <a:prstDash val="solid"/>
+          </a:ln>
+          <a:effectLst/>
+          <a:extLst>
+            <a:ext uri="{91240B29-F687-4F45-9708-019B960494DF}">
+              <a14:hiddenLine xmlns:a14="http://schemas.microsoft.com/office/drawing/2010/main" w="25400" cap="flat" cmpd="sng" algn="ctr">
+                <a:solidFill>
+                  <a:schemeClr val="accent1">
+                    <a:shade val="50000"/>
+                  </a:schemeClr>
+                </a:solidFill>
+                <a:prstDash val="solid"/>
+              </a14:hiddenLine>
+            </a:ext>
+          </a:extLst>
+        </p:spPr>
+        <p:style>
+          <a:lnRef idx="2">
+            <a:schemeClr val="accent1">
+              <a:shade val="50000"/>
+            </a:schemeClr>
+          </a:lnRef>
+          <a:fillRef idx="1">
+            <a:schemeClr val="accent1"/>
+          </a:fillRef>
+          <a:effectRef idx="0">
+            <a:schemeClr val="accent1"/>
+          </a:effectRef>
+          <a:fontRef idx="minor">
+            <a:schemeClr val="lt1"/>
+          </a:fontRef>
+        </p:style>
+        <p:txBody>
+          <a:bodyPr rtlCol="0" anchor="ctr"/>
+          <a:lstStyle/>
+          <a:p>
+            <a:pPr algn="ctr"/>
+            <a:endParaRPr lang="en-SG"/>
+          </a:p>
+        </p:txBody>
+      </p:sp>
+      <p:sp>
+        <p:nvSpPr>
+          <p:cNvPr id="7" name="PPTLabsHighlightBackgroundShape201702051848016905"/>
+          <p:cNvSpPr>
+            <a:spLocks/>
+          </p:cNvSpPr>
+          <p:nvPr>
+            <p:custDataLst>
+              <p:tags r:id="rId4"/>
+            </p:custDataLst>
+          </p:nvPr>
+        </p:nvSpPr>
+        <p:spPr>
+          <a:xfrm>
+            <a:off x="1139190" y="2712720"/>
+            <a:ext cx="5164138" cy="152400"/>
+          </a:xfrm>
+          <a:prstGeom prst="roundRect">
+            <a:avLst>
+              <a:gd name="adj" fmla="val 25000"/>
+            </a:avLst>
+          </a:prstGeom>
+          <a:solidFill>
+            <a:srgbClr val="FFFF00">
+              <a:alpha val="50000"/>
+            </a:srgbClr>
+          </a:solidFill>
+          <a:ln w="25400" cap="flat" cmpd="sng" algn="ctr">
+            <a:noFill/>
+            <a:prstDash val="solid"/>
+          </a:ln>
+          <a:effectLst/>
+          <a:extLst>
+            <a:ext uri="{91240B29-F687-4F45-9708-019B960494DF}">
+              <a14:hiddenLine xmlns:a14="http://schemas.microsoft.com/office/drawing/2010/main" w="25400" cap="flat" cmpd="sng" algn="ctr">
+                <a:solidFill>
+                  <a:schemeClr val="accent1">
+                    <a:shade val="50000"/>
+                  </a:schemeClr>
+                </a:solidFill>
+                <a:prstDash val="solid"/>
+              </a14:hiddenLine>
+            </a:ext>
+          </a:extLst>
+        </p:spPr>
+        <p:style>
+          <a:lnRef idx="2">
+            <a:schemeClr val="accent1">
+              <a:shade val="50000"/>
+            </a:schemeClr>
+          </a:lnRef>
+          <a:fillRef idx="1">
+            <a:schemeClr val="accent1"/>
+          </a:fillRef>
+          <a:effectRef idx="0">
+            <a:schemeClr val="accent1"/>
+          </a:effectRef>
+          <a:fontRef idx="minor">
+            <a:schemeClr val="lt1"/>
+          </a:fontRef>
+        </p:style>
+        <p:txBody>
+          <a:bodyPr rtlCol="0" anchor="ctr"/>
+          <a:lstStyle/>
+          <a:p>
+            <a:pPr algn="ctr"/>
+            <a:endParaRPr lang="en-SG"/>
+          </a:p>
+        </p:txBody>
+      </p:sp>
+      <p:sp>
+        <p:nvSpPr>
+          <p:cNvPr id="8" name="PPTLabsHighlightBackgroundShape201702051848016915"/>
+          <p:cNvSpPr>
+            <a:spLocks/>
+          </p:cNvSpPr>
+          <p:nvPr>
+            <p:custDataLst>
+              <p:tags r:id="rId5"/>
+            </p:custDataLst>
+          </p:nvPr>
+        </p:nvSpPr>
+        <p:spPr>
+          <a:xfrm>
+            <a:off x="1147128" y="2865120"/>
+            <a:ext cx="6774306" cy="1005840"/>
+          </a:xfrm>
+          <a:prstGeom prst="roundRect">
+            <a:avLst>
+              <a:gd name="adj" fmla="val 25000"/>
+            </a:avLst>
+          </a:prstGeom>
+          <a:solidFill>
+            <a:srgbClr val="FFFF00">
+              <a:alpha val="50000"/>
+            </a:srgbClr>
+          </a:solidFill>
+          <a:ln w="25400" cap="flat" cmpd="sng" algn="ctr">
+            <a:noFill/>
+            <a:prstDash val="solid"/>
+          </a:ln>
+          <a:effectLst/>
+          <a:extLst>
+            <a:ext uri="{91240B29-F687-4F45-9708-019B960494DF}">
+              <a14:hiddenLine xmlns:a14="http://schemas.microsoft.com/office/drawing/2010/main" w="25400" cap="flat" cmpd="sng" algn="ctr">
+                <a:solidFill>
+                  <a:schemeClr val="accent1">
+                    <a:shade val="50000"/>
+                  </a:schemeClr>
+                </a:solidFill>
+                <a:prstDash val="solid"/>
+              </a14:hiddenLine>
+            </a:ext>
+          </a:extLst>
+        </p:spPr>
+        <p:style>
+          <a:lnRef idx="2">
+            <a:schemeClr val="accent1">
+              <a:shade val="50000"/>
+            </a:schemeClr>
+          </a:lnRef>
+          <a:fillRef idx="1">
+            <a:schemeClr val="accent1"/>
+          </a:fillRef>
+          <a:effectRef idx="0">
+            <a:schemeClr val="accent1"/>
+          </a:effectRef>
+          <a:fontRef idx="minor">
+            <a:schemeClr val="lt1"/>
+          </a:fontRef>
+        </p:style>
+        <p:txBody>
+          <a:bodyPr rtlCol="0" anchor="ctr"/>
+          <a:lstStyle/>
+          <a:p>
+            <a:pPr algn="ctr"/>
+            <a:endParaRPr lang="en-SG"/>
+          </a:p>
+        </p:txBody>
+      </p:sp>
+      <p:sp>
+        <p:nvSpPr>
+          <p:cNvPr id="9" name="PPTLabsHighlightBackgroundShape201702051848016930"/>
+          <p:cNvSpPr>
+            <a:spLocks/>
+          </p:cNvSpPr>
+          <p:nvPr>
+            <p:custDataLst>
+              <p:tags r:id="rId6"/>
+            </p:custDataLst>
+          </p:nvPr>
+        </p:nvSpPr>
+        <p:spPr>
+          <a:xfrm>
+            <a:off x="1139190" y="3870960"/>
+            <a:ext cx="6974523" cy="2194560"/>
+          </a:xfrm>
+          <a:prstGeom prst="roundRect">
+            <a:avLst>
+              <a:gd name="adj" fmla="val 25000"/>
+            </a:avLst>
+          </a:prstGeom>
+          <a:solidFill>
+            <a:srgbClr val="FFFF00">
+              <a:alpha val="50000"/>
+            </a:srgbClr>
+          </a:solidFill>
+          <a:ln w="25400" cap="flat" cmpd="sng" algn="ctr">
+            <a:noFill/>
+            <a:prstDash val="solid"/>
+          </a:ln>
+          <a:effectLst/>
+          <a:extLst>
+            <a:ext uri="{91240B29-F687-4F45-9708-019B960494DF}">
+              <a14:hiddenLine xmlns:a14="http://schemas.microsoft.com/office/drawing/2010/main" w="25400" cap="flat" cmpd="sng" algn="ctr">
+                <a:solidFill>
+                  <a:schemeClr val="accent1">
+                    <a:shade val="50000"/>
+                  </a:schemeClr>
+                </a:solidFill>
+                <a:prstDash val="solid"/>
+              </a14:hiddenLine>
+            </a:ext>
+          </a:extLst>
+        </p:spPr>
+        <p:style>
+          <a:lnRef idx="2">
+            <a:schemeClr val="accent1">
+              <a:shade val="50000"/>
+            </a:schemeClr>
+          </a:lnRef>
+          <a:fillRef idx="1">
+            <a:schemeClr val="accent1"/>
+          </a:fillRef>
+          <a:effectRef idx="0">
+            <a:schemeClr val="accent1"/>
+          </a:effectRef>
+          <a:fontRef idx="minor">
+            <a:schemeClr val="lt1"/>
+          </a:fontRef>
+        </p:style>
+        <p:txBody>
+          <a:bodyPr rtlCol="0" anchor="ctr"/>
+          <a:lstStyle/>
+          <a:p>
+            <a:pPr algn="ctr"/>
+            <a:endParaRPr lang="en-SG"/>
+          </a:p>
+        </p:txBody>
+      </p:sp>
+      <p:sp>
+        <p:nvSpPr>
+          <p:cNvPr id="10" name="PPTLabsHighlightBackgroundShape201702051848016940"/>
+          <p:cNvSpPr/>
+          <p:nvPr>
+            <p:custDataLst>
+              <p:tags r:id="rId7"/>
+            </p:custDataLst>
+          </p:nvPr>
+        </p:nvSpPr>
+        <p:spPr>
+          <a:xfrm>
+            <a:off x="1139190" y="6065520"/>
+            <a:ext cx="6587554" cy="274320"/>
+          </a:xfrm>
+          <a:prstGeom prst="roundRect">
+            <a:avLst>
+              <a:gd name="adj" fmla="val 25000"/>
+            </a:avLst>
+          </a:prstGeom>
+          <a:solidFill>
+            <a:srgbClr val="FFFF00">
+              <a:alpha val="50000"/>
+            </a:srgbClr>
+          </a:solidFill>
+          <a:ln w="25400" cap="flat" cmpd="sng" algn="ctr">
+            <a:noFill/>
+            <a:prstDash val="solid"/>
+          </a:ln>
+          <a:effectLst/>
+          <a:extLst>
+            <a:ext uri="{91240B29-F687-4F45-9708-019B960494DF}">
+              <a14:hiddenLine xmlns:a14="http://schemas.microsoft.com/office/drawing/2010/main" w="25400" cap="flat" cmpd="sng" algn="ctr">
+                <a:solidFill>
+                  <a:schemeClr val="accent1">
+                    <a:shade val="50000"/>
+                  </a:schemeClr>
+                </a:solidFill>
+                <a:prstDash val="solid"/>
+              </a14:hiddenLine>
+            </a:ext>
+          </a:extLst>
+        </p:spPr>
+        <p:style>
+          <a:lnRef idx="2">
+            <a:schemeClr val="accent1">
+              <a:shade val="50000"/>
+            </a:schemeClr>
+          </a:lnRef>
+          <a:fillRef idx="1">
+            <a:schemeClr val="accent1"/>
+          </a:fillRef>
+          <a:effectRef idx="0">
+            <a:schemeClr val="accent1"/>
+          </a:effectRef>
+          <a:fontRef idx="minor">
+            <a:schemeClr val="lt1"/>
+          </a:fontRef>
+        </p:style>
+        <p:txBody>
+          <a:bodyPr rtlCol="0" anchor="ctr"/>
+          <a:lstStyle/>
+          <a:p>
+            <a:pPr algn="ctr"/>
+            <a:endParaRPr lang="en-SG"/>
+          </a:p>
+        </p:txBody>
+      </p:sp>
+      <p:sp>
+        <p:nvSpPr>
+          <p:cNvPr id="2" name="HighlightBackgroundShape73075057-96f2-467a-9739-220ecca5ae94"/>
+          <p:cNvSpPr txBox="1"/>
+          <p:nvPr/>
+        </p:nvSpPr>
+        <p:spPr>
+          <a:xfrm>
+            <a:off x="762000" y="533400"/>
+            <a:ext cx="7620000" cy="5909310"/>
+          </a:xfrm>
+          <a:prstGeom prst="rect">
+            <a:avLst/>
+          </a:prstGeom>
+          <a:noFill/>
+        </p:spPr>
+        <p:txBody>
+          <a:bodyPr wrap="square" rtlCol="0">
+            <a:spAutoFit/>
+          </a:bodyPr>
+          <a:lstStyle/>
+          <a:p>
+            <a:pPr marL="285750" indent="-285750">
+              <a:buFont typeface="Arial" panose="020B0604020202020204" pitchFamily="34" charset="0"/>
+              <a:buChar char="•"/>
+            </a:pPr>
+            <a:r>
+              <a:rPr lang="en-US" sz="2800" dirty="0" smtClean="0"/>
+              <a:t>Test - Non-ABC: 1234567890!@#$%^&amp;*()</a:t>
+            </a:r>
+          </a:p>
+          <a:p>
+            <a:r>
+              <a:rPr lang="en-US" sz="2800" dirty="0"/>
+              <a:t>Test </a:t>
+            </a:r>
+            <a:r>
+              <a:rPr lang="en-US" sz="2800" dirty="0" smtClean="0"/>
+              <a:t>– No bullet point</a:t>
+            </a:r>
+            <a:endParaRPr lang="en-US" sz="2800" dirty="0"/>
+          </a:p>
+          <a:p>
+            <a:pPr marL="514350" indent="-514350">
+              <a:buFont typeface="+mj-lt"/>
+              <a:buAutoNum type="arabicPeriod"/>
+            </a:pPr>
+            <a:r>
+              <a:rPr lang="en-US" sz="2800" dirty="0"/>
+              <a:t>Test – </a:t>
+            </a:r>
+            <a:r>
+              <a:rPr lang="en-US" sz="2800" dirty="0" smtClean="0"/>
+              <a:t>Different bullet point</a:t>
+            </a:r>
+          </a:p>
+          <a:p>
+            <a:pPr marL="285750" indent="-285750">
+              <a:buFont typeface="Arial" panose="020B0604020202020204" pitchFamily="34" charset="0"/>
+              <a:buChar char="•"/>
+            </a:pPr>
+            <a:r>
+              <a:rPr lang="en-US" sz="2800" dirty="0" smtClean="0">
+                <a:latin typeface="Times New Roman" panose="02020603050405020304" pitchFamily="18" charset="0"/>
+                <a:cs typeface="Times New Roman" panose="02020603050405020304" pitchFamily="18" charset="0"/>
+              </a:rPr>
+              <a:t>Test - Another Font Family, using Times New Roman</a:t>
+            </a:r>
+          </a:p>
+          <a:p>
+            <a:pPr marL="285750" indent="-285750">
+              <a:buFont typeface="Arial" panose="020B0604020202020204" pitchFamily="34" charset="0"/>
+              <a:buChar char="•"/>
+            </a:pPr>
+            <a:r>
+              <a:rPr lang="en-US" sz="1000" dirty="0" smtClean="0"/>
+              <a:t>Test - very small content. Test: very small content. Test: very small content. Test: very small content</a:t>
+            </a:r>
+          </a:p>
+          <a:p>
+            <a:pPr marL="285750" indent="-285750">
+              <a:buFont typeface="Arial" panose="020B0604020202020204" pitchFamily="34" charset="0"/>
+              <a:buChar char="•"/>
+            </a:pPr>
+            <a:r>
+              <a:rPr lang="en-US" sz="6600" dirty="0" smtClean="0">
+                <a:latin typeface="Arial Black" panose="020B0A04020102020204" pitchFamily="34" charset="0"/>
+              </a:rPr>
+              <a:t>Test - very big</a:t>
+            </a:r>
+          </a:p>
+          <a:p>
+            <a:pPr marL="285750" indent="-285750">
+              <a:buFont typeface="Arial" panose="020B0604020202020204" pitchFamily="34" charset="0"/>
+              <a:buChar char="•"/>
+            </a:pPr>
+            <a:r>
+              <a:rPr lang="en-US" sz="3600" dirty="0" smtClean="0"/>
+              <a:t>Test – Long sentence: </a:t>
+            </a:r>
+            <a:r>
+              <a:rPr lang="en-US" sz="3600" dirty="0" err="1" smtClean="0"/>
+              <a:t>Asdddd</a:t>
+            </a:r>
+            <a:r>
+              <a:rPr lang="en-US" sz="3600" dirty="0" smtClean="0"/>
+              <a:t> </a:t>
+            </a:r>
+            <a:r>
+              <a:rPr lang="en-US" sz="3600" dirty="0" err="1" smtClean="0"/>
+              <a:t>ddd</a:t>
+            </a:r>
+            <a:r>
+              <a:rPr lang="en-US" sz="3600" dirty="0" smtClean="0"/>
+              <a:t> </a:t>
+            </a:r>
+            <a:r>
+              <a:rPr lang="en-US" sz="3600" dirty="0" err="1" smtClean="0"/>
+              <a:t>dd</a:t>
+            </a:r>
+            <a:r>
+              <a:rPr lang="en-US" sz="3600" dirty="0" smtClean="0"/>
+              <a:t> d </a:t>
+            </a:r>
+            <a:r>
+              <a:rPr lang="en-US" sz="3600" dirty="0" err="1" smtClean="0"/>
+              <a:t>ddddd</a:t>
+            </a:r>
+            <a:r>
+              <a:rPr lang="en-US" sz="3600" dirty="0" smtClean="0"/>
+              <a:t> </a:t>
+            </a:r>
+            <a:r>
+              <a:rPr lang="en-US" sz="3600" dirty="0" err="1" smtClean="0"/>
+              <a:t>ddd</a:t>
+            </a:r>
+            <a:r>
+              <a:rPr lang="en-US" sz="3600" dirty="0" smtClean="0"/>
+              <a:t> </a:t>
+            </a:r>
+            <a:r>
+              <a:rPr lang="en-US" sz="3600" dirty="0" err="1" smtClean="0"/>
+              <a:t>ddd</a:t>
+            </a:r>
+            <a:r>
+              <a:rPr lang="en-US" sz="3600" dirty="0" smtClean="0"/>
+              <a:t> </a:t>
+            </a:r>
+            <a:r>
+              <a:rPr lang="en-US" sz="3600" dirty="0" err="1" smtClean="0"/>
+              <a:t>ddd</a:t>
+            </a:r>
+            <a:r>
+              <a:rPr lang="en-US" sz="3600" dirty="0" smtClean="0"/>
+              <a:t> </a:t>
+            </a:r>
+            <a:r>
+              <a:rPr lang="en-US" sz="3600" dirty="0" err="1" smtClean="0"/>
+              <a:t>ddd</a:t>
+            </a:r>
+            <a:r>
+              <a:rPr lang="en-US" sz="3600" dirty="0" smtClean="0"/>
+              <a:t> </a:t>
+            </a:r>
+            <a:r>
+              <a:rPr lang="en-US" sz="3600" dirty="0" err="1" smtClean="0"/>
+              <a:t>ddd</a:t>
+            </a:r>
+            <a:r>
+              <a:rPr lang="en-US" sz="3600" dirty="0" smtClean="0"/>
+              <a:t> </a:t>
+            </a:r>
+            <a:r>
+              <a:rPr lang="en-US" sz="3600" dirty="0" err="1" smtClean="0"/>
+              <a:t>ddd</a:t>
+            </a:r>
+            <a:r>
+              <a:rPr lang="en-US" sz="3600" dirty="0" smtClean="0"/>
+              <a:t> </a:t>
+            </a:r>
+            <a:r>
+              <a:rPr lang="en-US" sz="3600" dirty="0" err="1" smtClean="0"/>
+              <a:t>ddd</a:t>
+            </a:r>
+            <a:r>
+              <a:rPr lang="en-US" sz="3600" dirty="0" smtClean="0"/>
+              <a:t> </a:t>
+            </a:r>
+            <a:r>
+              <a:rPr lang="en-US" sz="3600" dirty="0" err="1" smtClean="0"/>
+              <a:t>dddddd</a:t>
+            </a:r>
+            <a:r>
+              <a:rPr lang="en-US" sz="3600" dirty="0" smtClean="0"/>
+              <a:t> </a:t>
+            </a:r>
+            <a:r>
+              <a:rPr lang="en-US" sz="3600" dirty="0" err="1" smtClean="0"/>
+              <a:t>dd</a:t>
+            </a:r>
+            <a:r>
+              <a:rPr lang="en-US" sz="3600" dirty="0" smtClean="0"/>
+              <a:t> </a:t>
+            </a:r>
+            <a:r>
+              <a:rPr lang="en-US" sz="3600" dirty="0" err="1" smtClean="0"/>
+              <a:t>ddd</a:t>
+            </a:r>
+            <a:r>
+              <a:rPr lang="en-US" sz="3600" dirty="0" smtClean="0"/>
+              <a:t> </a:t>
+            </a:r>
+            <a:r>
+              <a:rPr lang="en-US" sz="3600" dirty="0" err="1" smtClean="0"/>
+              <a:t>ddddd</a:t>
+            </a:r>
+            <a:r>
+              <a:rPr lang="en-US" sz="3600" dirty="0" smtClean="0"/>
+              <a:t> </a:t>
+            </a:r>
+            <a:r>
+              <a:rPr lang="en-US" sz="3600" dirty="0" err="1" smtClean="0"/>
+              <a:t>dd</a:t>
+            </a:r>
+            <a:r>
+              <a:rPr lang="en-US" sz="3600" dirty="0" smtClean="0"/>
+              <a:t> </a:t>
+            </a:r>
+            <a:r>
+              <a:rPr lang="en-US" sz="3600" dirty="0" err="1" smtClean="0"/>
+              <a:t>dd</a:t>
+            </a:r>
+            <a:r>
+              <a:rPr lang="en-US" sz="3600" dirty="0" smtClean="0"/>
+              <a:t> d </a:t>
+            </a:r>
+            <a:r>
+              <a:rPr lang="en-US" sz="3600" dirty="0" err="1" smtClean="0"/>
+              <a:t>ddd</a:t>
+            </a:r>
+            <a:r>
+              <a:rPr lang="en-US" sz="3600" dirty="0" smtClean="0"/>
+              <a:t> </a:t>
+            </a:r>
+            <a:r>
+              <a:rPr lang="en-US" sz="3600" dirty="0" err="1" smtClean="0"/>
+              <a:t>ddd</a:t>
+            </a:r>
+            <a:endParaRPr lang="en-US" sz="3600" dirty="0" smtClean="0"/>
+          </a:p>
+          <a:p>
+            <a:pPr marL="285750" indent="-285750">
+              <a:buFont typeface="Arial" panose="020B0604020202020204" pitchFamily="34" charset="0"/>
+              <a:buChar char="•"/>
+            </a:pPr>
+            <a:r>
+              <a:rPr lang="en-US" altLang="zh-CN" dirty="0" smtClean="0"/>
+              <a:t>Test – Chinese Characters: </a:t>
+            </a:r>
+            <a:r>
+              <a:rPr lang="zh-CN" altLang="en-US" dirty="0" smtClean="0"/>
+              <a:t>阿</a:t>
+            </a:r>
+            <a:r>
+              <a:rPr lang="zh-CN" altLang="en-US" dirty="0"/>
+              <a:t>斯</a:t>
+            </a:r>
+            <a:r>
+              <a:rPr lang="zh-CN" altLang="en-US" dirty="0" smtClean="0"/>
+              <a:t>顿啊盛大速度啊盛大速度啊盛大速度</a:t>
+            </a:r>
+            <a:endParaRPr lang="en-SG" dirty="0"/>
+          </a:p>
+        </p:txBody>
+      </p:sp>
+    </p:spTree>
+    <p:extLst>
+      <p:ext uri="{BB962C8B-B14F-4D97-AF65-F5344CB8AC3E}">
+        <p14:creationId xmlns:p14="http://schemas.microsoft.com/office/powerpoint/2010/main" val="4279108534"/>
+      </p:ext>
+    </p:extLst>
+  </p:cSld>
+  <p:clrMapOvr>
+    <a:masterClrMapping/>
+  </p:clrMapOvr>
+  <p:transition spd="slow">
+    <p:push dir="u"/>
+  </p:transition>
+  <p:timing>
+    <p:tnLst>
+      <p:par>
+        <p:cTn id="1" dur="indefinite" restart="never" nodeType="tmRoot">
+          <p:childTnLst>
+            <p:seq concurrent="1" nextAc="seek">
+              <p:cTn id="2" dur="indefinite" nodeType="mainSeq">
+                <p:childTnLst>
+                  <p:par>
+                    <p:cTn id="3" fill="hold">
+                      <p:stCondLst>
+                        <p:cond delay="indefinite"/>
+                      </p:stCondLst>
+                      <p:childTnLst>
+                        <p:par>
+                          <p:cTn id="4" fill="hold">
+                            <p:stCondLst>
+                              <p:cond delay="0"/>
+                            </p:stCondLst>
+                            <p:childTnLst>
+                              <p:par>
+                                <p:cTn id="5" presetID="42" presetClass="path" presetSubtype="0" fill="hold" grpId="0" nodeType="clickEffect">
+                                  <p:stCondLst>
+                                    <p:cond delay="0"/>
+                                  </p:stCondLst>
+                                  <p:childTnLst>
+                                    <p:animMotion origin="layout" path="M 0 0 C -0.04362325 0.06222223 -0.04362325 0.06222223 -0.08724649 0.1244445 E" pathEditMode="relative" ptsTypes="">
+                                      <p:cBhvr>
+                                        <p:cTn id="6" dur="500" fill="hold"/>
+                                        <p:tgtEl>
+                                          <p:spTgt spid="4"/>
+                                        </p:tgtEl>
+                                        <p:attrNameLst>
+                                          <p:attrName>ppt_x</p:attrName>
+                                          <p:attrName>ppt_y</p:attrName>
+                                        </p:attrNameLst>
+                                      </p:cBhvr>
+                                    </p:animMotion>
+                                  </p:childTnLst>
+                                </p:cTn>
+                              </p:par>
+                              <p:par>
+                                <p:cTn id="7" presetID="6" presetClass="emph" presetSubtype="0" fill="hold" grpId="1" nodeType="withEffect">
+                                  <p:stCondLst>
+                                    <p:cond delay="0"/>
+                                  </p:stCondLst>
+                                  <p:childTnLst>
+                                    <p:animScale>
+                                      <p:cBhvr>
+                                        <p:cTn id="8" dur="500" fill="hold"/>
+                                        <p:tgtEl>
+                                          <p:spTgt spid="4"/>
+                                        </p:tgtEl>
+                                      </p:cBhvr>
+                                      <p:by x="66208" y="100000"/>
+                                    </p:animScale>
+                                  </p:childTnLst>
+                                </p:cTn>
+                              </p:par>
+                            </p:childTnLst>
+                          </p:cTn>
+                        </p:par>
+                        <p:par>
+                          <p:cTn id="9" fill="hold">
+                            <p:stCondLst>
+                              <p:cond delay="500"/>
+                            </p:stCondLst>
+                            <p:childTnLst>
+                              <p:par>
+                                <p:cTn id="10" presetID="1" presetClass="entr" presetSubtype="0" fill="hold" grpId="0" nodeType="afterEffect">
+                                  <p:stCondLst>
+                                    <p:cond delay="0"/>
+                                  </p:stCondLst>
+                                  <p:childTnLst>
+                                    <p:set>
+                                      <p:cBhvr>
+                                        <p:cTn id="11" dur="1" fill="hold">
+                                          <p:stCondLst>
+                                            <p:cond delay="0"/>
+                                          </p:stCondLst>
+                                        </p:cTn>
+                                        <p:tgtEl>
+                                          <p:spTgt spid="5"/>
+                                        </p:tgtEl>
+                                        <p:attrNameLst>
+                                          <p:attrName>style.visibility</p:attrName>
+                                        </p:attrNameLst>
+                                      </p:cBhvr>
+                                      <p:to>
+                                        <p:strVal val="visible"/>
+                                      </p:to>
+                                    </p:set>
+                                  </p:childTnLst>
+                                </p:cTn>
+                              </p:par>
+                              <p:par>
+                                <p:cTn id="12" presetID="10" presetClass="exit" presetSubtype="0" fill="hold" grpId="2" nodeType="withEffect">
+                                  <p:stCondLst>
+                                    <p:cond delay="0"/>
+                                  </p:stCondLst>
+                                  <p:childTnLst>
+                                    <p:animEffect transition="out" filter="fade">
+                                      <p:cBhvr>
+                                        <p:cTn id="13" dur="500"/>
+                                        <p:tgtEl>
+                                          <p:spTgt spid="4"/>
+                                        </p:tgtEl>
+                                      </p:cBhvr>
+                                    </p:animEffect>
+                                    <p:set>
+                                      <p:cBhvr>
+                                        <p:cTn id="14" dur="1" fill="hold">
+                                          <p:stCondLst>
+                                            <p:cond delay="499"/>
+                                          </p:stCondLst>
+                                        </p:cTn>
+                                        <p:tgtEl>
+                                          <p:spTgt spid="4"/>
+                                        </p:tgtEl>
+                                        <p:attrNameLst>
+                                          <p:attrName>style.visibility</p:attrName>
+                                        </p:attrNameLst>
+                                      </p:cBhvr>
+                                      <p:to>
+                                        <p:strVal val="hidden"/>
+                                      </p:to>
+                                    </p:set>
+                                  </p:childTnLst>
+                                </p:cTn>
+                              </p:par>
+                            </p:childTnLst>
+                          </p:cTn>
+                        </p:par>
+                      </p:childTnLst>
+                    </p:cTn>
+                  </p:par>
+                  <p:par>
+                    <p:cTn id="15" fill="hold">
+                      <p:stCondLst>
+                        <p:cond delay="indefinite"/>
+                      </p:stCondLst>
+                      <p:childTnLst>
+                        <p:par>
+                          <p:cTn id="16" fill="hold">
+                            <p:stCondLst>
+                              <p:cond delay="0"/>
+                            </p:stCondLst>
+                            <p:childTnLst>
+                              <p:par>
+                                <p:cTn id="17" presetID="42" presetClass="path" presetSubtype="0" fill="hold" grpId="1" nodeType="clickEffect">
+                                  <p:stCondLst>
+                                    <p:cond delay="0"/>
+                                  </p:stCondLst>
+                                  <p:childTnLst>
+                                    <p:animMotion origin="layout" path="M 0 0 C 0.05790102 0.04666666 0.05790102 0.04666666 0.115802 0.09333332 E" pathEditMode="relative" ptsTypes="">
+                                      <p:cBhvr>
+                                        <p:cTn id="18" dur="500" fill="hold"/>
+                                        <p:tgtEl>
+                                          <p:spTgt spid="5"/>
+                                        </p:tgtEl>
+                                        <p:attrNameLst>
+                                          <p:attrName>ppt_x</p:attrName>
+                                          <p:attrName>ppt_y</p:attrName>
+                                        </p:attrNameLst>
+                                      </p:cBhvr>
+                                    </p:animMotion>
+                                  </p:childTnLst>
+                                </p:cTn>
+                              </p:par>
+                              <p:par>
+                                <p:cTn id="19" presetID="6" presetClass="emph" presetSubtype="0" fill="hold" grpId="2" nodeType="withEffect">
+                                  <p:stCondLst>
+                                    <p:cond delay="0"/>
+                                  </p:stCondLst>
+                                  <p:childTnLst>
+                                    <p:animScale>
+                                      <p:cBhvr>
+                                        <p:cTn id="20" dur="500" fill="hold"/>
+                                        <p:tgtEl>
+                                          <p:spTgt spid="5"/>
+                                        </p:tgtEl>
+                                      </p:cBhvr>
+                                      <p:by x="164024" y="200000"/>
+                                    </p:animScale>
+                                  </p:childTnLst>
+                                </p:cTn>
+                              </p:par>
+                            </p:childTnLst>
+                          </p:cTn>
+                        </p:par>
+                        <p:par>
+                          <p:cTn id="21" fill="hold">
+                            <p:stCondLst>
+                              <p:cond delay="500"/>
+                            </p:stCondLst>
+                            <p:childTnLst>
+                              <p:par>
+                                <p:cTn id="22" presetID="1" presetClass="entr" presetSubtype="0" fill="hold" grpId="0" nodeType="afterEffect">
+                                  <p:stCondLst>
+                                    <p:cond delay="0"/>
+                                  </p:stCondLst>
+                                  <p:childTnLst>
+                                    <p:set>
+                                      <p:cBhvr>
+                                        <p:cTn id="23" dur="1" fill="hold">
+                                          <p:stCondLst>
+                                            <p:cond delay="0"/>
+                                          </p:stCondLst>
+                                        </p:cTn>
+                                        <p:tgtEl>
+                                          <p:spTgt spid="6"/>
+                                        </p:tgtEl>
+                                        <p:attrNameLst>
+                                          <p:attrName>style.visibility</p:attrName>
+                                        </p:attrNameLst>
+                                      </p:cBhvr>
+                                      <p:to>
+                                        <p:strVal val="visible"/>
+                                      </p:to>
+                                    </p:set>
+                                  </p:childTnLst>
+                                </p:cTn>
+                              </p:par>
+                              <p:par>
+                                <p:cTn id="24" presetID="10" presetClass="exit" presetSubtype="0" fill="hold" grpId="3" nodeType="withEffect">
+                                  <p:stCondLst>
+                                    <p:cond delay="0"/>
+                                  </p:stCondLst>
+                                  <p:childTnLst>
+                                    <p:animEffect transition="out" filter="fade">
+                                      <p:cBhvr>
+                                        <p:cTn id="25" dur="500"/>
+                                        <p:tgtEl>
+                                          <p:spTgt spid="5"/>
+                                        </p:tgtEl>
+                                      </p:cBhvr>
+                                    </p:animEffect>
+                                    <p:set>
+                                      <p:cBhvr>
+                                        <p:cTn id="26" dur="1" fill="hold">
+                                          <p:stCondLst>
+                                            <p:cond delay="499"/>
+                                          </p:stCondLst>
+                                        </p:cTn>
+                                        <p:tgtEl>
+                                          <p:spTgt spid="5"/>
+                                        </p:tgtEl>
+                                        <p:attrNameLst>
+                                          <p:attrName>style.visibility</p:attrName>
+                                        </p:attrNameLst>
+                                      </p:cBhvr>
+                                      <p:to>
+                                        <p:strVal val="hidden"/>
+                                      </p:to>
+                                    </p:set>
+                                  </p:childTnLst>
+                                </p:cTn>
+                              </p:par>
+                            </p:childTnLst>
+                          </p:cTn>
+                        </p:par>
+                      </p:childTnLst>
+                    </p:cTn>
+                  </p:par>
+                  <p:par>
+                    <p:cTn id="27" fill="hold">
+                      <p:stCondLst>
+                        <p:cond delay="indefinite"/>
+                      </p:stCondLst>
+                      <p:childTnLst>
+                        <p:par>
+                          <p:cTn id="28" fill="hold">
+                            <p:stCondLst>
+                              <p:cond delay="0"/>
+                            </p:stCondLst>
+                            <p:childTnLst>
+                              <p:par>
+                                <p:cTn id="29" presetID="42" presetClass="path" presetSubtype="0" fill="hold" grpId="1" nodeType="clickEffect">
+                                  <p:stCondLst>
+                                    <p:cond delay="0"/>
+                                  </p:stCondLst>
+                                  <p:childTnLst>
+                                    <p:animMotion origin="layout" path="M 0 0 C -0.03917186 0.03666667 -0.03917186 0.03666667 -0.07834371 0.07333335 E" pathEditMode="relative" ptsTypes="">
+                                      <p:cBhvr>
+                                        <p:cTn id="30" dur="500" fill="hold"/>
+                                        <p:tgtEl>
+                                          <p:spTgt spid="6"/>
+                                        </p:tgtEl>
+                                        <p:attrNameLst>
+                                          <p:attrName>ppt_x</p:attrName>
+                                          <p:attrName>ppt_y</p:attrName>
+                                        </p:attrNameLst>
+                                      </p:cBhvr>
+                                    </p:animMotion>
+                                  </p:childTnLst>
+                                </p:cTn>
+                              </p:par>
+                              <p:par>
+                                <p:cTn id="31" presetID="6" presetClass="emph" presetSubtype="0" fill="hold" grpId="2" nodeType="withEffect">
+                                  <p:stCondLst>
+                                    <p:cond delay="0"/>
+                                  </p:stCondLst>
+                                  <p:childTnLst>
+                                    <p:animScale>
+                                      <p:cBhvr>
+                                        <p:cTn id="32" dur="500" fill="hold"/>
+                                        <p:tgtEl>
+                                          <p:spTgt spid="6"/>
+                                        </p:tgtEl>
+                                      </p:cBhvr>
+                                      <p:by x="78281" y="17857"/>
+                                    </p:animScale>
+                                  </p:childTnLst>
+                                </p:cTn>
+                              </p:par>
+                            </p:childTnLst>
+                          </p:cTn>
+                        </p:par>
+                        <p:par>
+                          <p:cTn id="33" fill="hold">
+                            <p:stCondLst>
+                              <p:cond delay="500"/>
+                            </p:stCondLst>
+                            <p:childTnLst>
+                              <p:par>
+                                <p:cTn id="34" presetID="1" presetClass="entr" presetSubtype="0" fill="hold" grpId="0" nodeType="afterEffect">
+                                  <p:stCondLst>
+                                    <p:cond delay="0"/>
+                                  </p:stCondLst>
+                                  <p:childTnLst>
+                                    <p:set>
+                                      <p:cBhvr>
+                                        <p:cTn id="35" dur="1" fill="hold">
+                                          <p:stCondLst>
+                                            <p:cond delay="0"/>
+                                          </p:stCondLst>
+                                        </p:cTn>
+                                        <p:tgtEl>
+                                          <p:spTgt spid="7"/>
+                                        </p:tgtEl>
+                                        <p:attrNameLst>
+                                          <p:attrName>style.visibility</p:attrName>
+                                        </p:attrNameLst>
+                                      </p:cBhvr>
+                                      <p:to>
+                                        <p:strVal val="visible"/>
+                                      </p:to>
+                                    </p:set>
+                                  </p:childTnLst>
+                                </p:cTn>
+                              </p:par>
+                              <p:par>
+                                <p:cTn id="36" presetID="10" presetClass="exit" presetSubtype="0" fill="hold" grpId="3" nodeType="withEffect">
+                                  <p:stCondLst>
+                                    <p:cond delay="0"/>
+                                  </p:stCondLst>
+                                  <p:childTnLst>
+                                    <p:animEffect transition="out" filter="fade">
+                                      <p:cBhvr>
+                                        <p:cTn id="37" dur="500"/>
+                                        <p:tgtEl>
+                                          <p:spTgt spid="6"/>
+                                        </p:tgtEl>
+                                      </p:cBhvr>
+                                    </p:animEffect>
+                                    <p:set>
+                                      <p:cBhvr>
+                                        <p:cTn id="38" dur="1" fill="hold">
+                                          <p:stCondLst>
+                                            <p:cond delay="499"/>
+                                          </p:stCondLst>
+                                        </p:cTn>
+                                        <p:tgtEl>
+                                          <p:spTgt spid="6"/>
+                                        </p:tgtEl>
+                                        <p:attrNameLst>
+                                          <p:attrName>style.visibility</p:attrName>
+                                        </p:attrNameLst>
+                                      </p:cBhvr>
+                                      <p:to>
+                                        <p:strVal val="hidden"/>
+                                      </p:to>
+                                    </p:set>
+                                  </p:childTnLst>
+                                </p:cTn>
+                              </p:par>
+                            </p:childTnLst>
+                          </p:cTn>
+                        </p:par>
+                      </p:childTnLst>
+                    </p:cTn>
+                  </p:par>
+                  <p:par>
+                    <p:cTn id="39" fill="hold">
+                      <p:stCondLst>
+                        <p:cond delay="indefinite"/>
+                      </p:stCondLst>
+                      <p:childTnLst>
+                        <p:par>
+                          <p:cTn id="40" fill="hold">
+                            <p:stCondLst>
+                              <p:cond delay="0"/>
+                            </p:stCondLst>
+                            <p:childTnLst>
+                              <p:par>
+                                <p:cTn id="41" presetID="42" presetClass="path" presetSubtype="0" fill="hold" grpId="1" nodeType="clickEffect">
+                                  <p:stCondLst>
+                                    <p:cond delay="0"/>
+                                  </p:stCondLst>
+                                  <p:childTnLst>
+                                    <p:animMotion origin="layout" path="M 0 0 C 0.04445659 0.04222223 0.04445659 0.04222223 0.08891317 0.08444446 E" pathEditMode="relative" ptsTypes="">
+                                      <p:cBhvr>
+                                        <p:cTn id="42" dur="500" fill="hold"/>
+                                        <p:tgtEl>
+                                          <p:spTgt spid="7"/>
+                                        </p:tgtEl>
+                                        <p:attrNameLst>
+                                          <p:attrName>ppt_x</p:attrName>
+                                          <p:attrName>ppt_y</p:attrName>
+                                        </p:attrNameLst>
+                                      </p:cBhvr>
+                                    </p:animMotion>
+                                  </p:childTnLst>
+                                </p:cTn>
+                              </p:par>
+                              <p:par>
+                                <p:cTn id="43" presetID="6" presetClass="emph" presetSubtype="0" fill="hold" grpId="2" nodeType="withEffect">
+                                  <p:stCondLst>
+                                    <p:cond delay="0"/>
+                                  </p:stCondLst>
+                                  <p:childTnLst>
+                                    <p:animScale>
+                                      <p:cBhvr>
+                                        <p:cTn id="44" dur="500" fill="hold"/>
+                                        <p:tgtEl>
+                                          <p:spTgt spid="7"/>
+                                        </p:tgtEl>
+                                      </p:cBhvr>
+                                      <p:by x="131180" y="660000"/>
+                                    </p:animScale>
+                                  </p:childTnLst>
+                                </p:cTn>
+                              </p:par>
+                            </p:childTnLst>
+                          </p:cTn>
+                        </p:par>
+                        <p:par>
+                          <p:cTn id="45" fill="hold">
+                            <p:stCondLst>
+                              <p:cond delay="500"/>
+                            </p:stCondLst>
+                            <p:childTnLst>
+                              <p:par>
+                                <p:cTn id="46" presetID="1" presetClass="entr" presetSubtype="0" fill="hold" grpId="0" nodeType="afterEffect">
+                                  <p:stCondLst>
+                                    <p:cond delay="0"/>
+                                  </p:stCondLst>
+                                  <p:childTnLst>
+                                    <p:set>
+                                      <p:cBhvr>
+                                        <p:cTn id="47" dur="1" fill="hold">
+                                          <p:stCondLst>
+                                            <p:cond delay="0"/>
+                                          </p:stCondLst>
+                                        </p:cTn>
+                                        <p:tgtEl>
+                                          <p:spTgt spid="8"/>
+                                        </p:tgtEl>
+                                        <p:attrNameLst>
+                                          <p:attrName>style.visibility</p:attrName>
+                                        </p:attrNameLst>
+                                      </p:cBhvr>
+                                      <p:to>
+                                        <p:strVal val="visible"/>
+                                      </p:to>
+                                    </p:set>
+                                  </p:childTnLst>
+                                </p:cTn>
+                              </p:par>
+                              <p:par>
+                                <p:cTn id="48" presetID="10" presetClass="exit" presetSubtype="0" fill="hold" grpId="3" nodeType="withEffect">
+                                  <p:stCondLst>
+                                    <p:cond delay="0"/>
+                                  </p:stCondLst>
+                                  <p:childTnLst>
+                                    <p:animEffect transition="out" filter="fade">
+                                      <p:cBhvr>
+                                        <p:cTn id="49" dur="500"/>
+                                        <p:tgtEl>
+                                          <p:spTgt spid="7"/>
+                                        </p:tgtEl>
+                                      </p:cBhvr>
+                                    </p:animEffect>
+                                    <p:set>
+                                      <p:cBhvr>
+                                        <p:cTn id="50" dur="1" fill="hold">
+                                          <p:stCondLst>
+                                            <p:cond delay="499"/>
+                                          </p:stCondLst>
+                                        </p:cTn>
+                                        <p:tgtEl>
+                                          <p:spTgt spid="7"/>
+                                        </p:tgtEl>
+                                        <p:attrNameLst>
+                                          <p:attrName>style.visibility</p:attrName>
+                                        </p:attrNameLst>
+                                      </p:cBhvr>
+                                      <p:to>
+                                        <p:strVal val="hidden"/>
+                                      </p:to>
+                                    </p:set>
+                                  </p:childTnLst>
+                                </p:cTn>
+                              </p:par>
+                            </p:childTnLst>
+                          </p:cTn>
+                        </p:par>
+                      </p:childTnLst>
+                    </p:cTn>
+                  </p:par>
+                  <p:par>
+                    <p:cTn id="51" fill="hold">
+                      <p:stCondLst>
+                        <p:cond delay="indefinite"/>
+                      </p:stCondLst>
+                      <p:childTnLst>
+                        <p:par>
+                          <p:cTn id="52" fill="hold">
+                            <p:stCondLst>
+                              <p:cond delay="0"/>
+                            </p:stCondLst>
+                            <p:childTnLst>
+                              <p:par>
+                                <p:cTn id="53" presetID="42" presetClass="path" presetSubtype="0" fill="hold" grpId="1" nodeType="clickEffect">
+                                  <p:stCondLst>
+                                    <p:cond delay="0"/>
+                                  </p:stCondLst>
+                                  <p:childTnLst>
+                                    <p:animMotion origin="layout" path="M 0 0 C 0.005039957 0.1166666 0.005039957 0.1166666 0.01007991 0.2333333 E" pathEditMode="relative" ptsTypes="">
+                                      <p:cBhvr>
+                                        <p:cTn id="54" dur="500" fill="hold"/>
+                                        <p:tgtEl>
+                                          <p:spTgt spid="8"/>
+                                        </p:tgtEl>
+                                        <p:attrNameLst>
+                                          <p:attrName>ppt_x</p:attrName>
+                                          <p:attrName>ppt_y</p:attrName>
+                                        </p:attrNameLst>
+                                      </p:cBhvr>
+                                    </p:animMotion>
+                                  </p:childTnLst>
+                                </p:cTn>
+                              </p:par>
+                              <p:par>
+                                <p:cTn id="55" presetID="6" presetClass="emph" presetSubtype="0" fill="hold" grpId="2" nodeType="withEffect">
+                                  <p:stCondLst>
+                                    <p:cond delay="0"/>
+                                  </p:stCondLst>
+                                  <p:childTnLst>
+                                    <p:animScale>
+                                      <p:cBhvr>
+                                        <p:cTn id="56" dur="500" fill="hold"/>
+                                        <p:tgtEl>
+                                          <p:spTgt spid="8"/>
+                                        </p:tgtEl>
+                                      </p:cBhvr>
+                                      <p:by x="102956" y="218182"/>
+                                    </p:animScale>
+                                  </p:childTnLst>
+                                </p:cTn>
+                              </p:par>
+                            </p:childTnLst>
+                          </p:cTn>
+                        </p:par>
+                        <p:par>
+                          <p:cTn id="57" fill="hold">
+                            <p:stCondLst>
+                              <p:cond delay="500"/>
+                            </p:stCondLst>
+                            <p:childTnLst>
+                              <p:par>
+                                <p:cTn id="58" presetID="1" presetClass="entr" presetSubtype="0" fill="hold" grpId="0" nodeType="afterEffect">
+                                  <p:stCondLst>
+                                    <p:cond delay="0"/>
+                                  </p:stCondLst>
+                                  <p:childTnLst>
+                                    <p:set>
+                                      <p:cBhvr>
+                                        <p:cTn id="59" dur="1" fill="hold">
+                                          <p:stCondLst>
+                                            <p:cond delay="0"/>
+                                          </p:stCondLst>
+                                        </p:cTn>
+                                        <p:tgtEl>
+                                          <p:spTgt spid="9"/>
+                                        </p:tgtEl>
+                                        <p:attrNameLst>
+                                          <p:attrName>style.visibility</p:attrName>
+                                        </p:attrNameLst>
+                                      </p:cBhvr>
+                                      <p:to>
+                                        <p:strVal val="visible"/>
+                                      </p:to>
+                                    </p:set>
+                                  </p:childTnLst>
+                                </p:cTn>
+                              </p:par>
+                              <p:par>
+                                <p:cTn id="60" presetID="10" presetClass="exit" presetSubtype="0" fill="hold" grpId="3" nodeType="withEffect">
+                                  <p:stCondLst>
+                                    <p:cond delay="0"/>
+                                  </p:stCondLst>
+                                  <p:childTnLst>
+                                    <p:animEffect transition="out" filter="fade">
+                                      <p:cBhvr>
+                                        <p:cTn id="61" dur="500"/>
+                                        <p:tgtEl>
+                                          <p:spTgt spid="8"/>
+                                        </p:tgtEl>
+                                      </p:cBhvr>
+                                    </p:animEffect>
+                                    <p:set>
+                                      <p:cBhvr>
+                                        <p:cTn id="62" dur="1" fill="hold">
+                                          <p:stCondLst>
+                                            <p:cond delay="499"/>
+                                          </p:stCondLst>
+                                        </p:cTn>
+                                        <p:tgtEl>
+                                          <p:spTgt spid="8"/>
+                                        </p:tgtEl>
+                                        <p:attrNameLst>
+                                          <p:attrName>style.visibility</p:attrName>
+                                        </p:attrNameLst>
+                                      </p:cBhvr>
+                                      <p:to>
+                                        <p:strVal val="hidden"/>
+                                      </p:to>
+                                    </p:set>
+                                  </p:childTnLst>
+                                </p:cTn>
+                              </p:par>
+                            </p:childTnLst>
+                          </p:cTn>
+                        </p:par>
+                      </p:childTnLst>
+                    </p:cTn>
+                  </p:par>
+                  <p:par>
+                    <p:cTn id="63" fill="hold">
+                      <p:stCondLst>
+                        <p:cond delay="indefinite"/>
+                      </p:stCondLst>
+                      <p:childTnLst>
+                        <p:par>
+                          <p:cTn id="64" fill="hold">
+                            <p:stCondLst>
+                              <p:cond delay="0"/>
+                            </p:stCondLst>
+                            <p:childTnLst>
+                              <p:par>
+                                <p:cTn id="65" presetID="42" presetClass="path" presetSubtype="0" fill="hold" grpId="1" nodeType="clickEffect">
+                                  <p:stCondLst>
+                                    <p:cond delay="0"/>
+                                  </p:stCondLst>
+                                  <p:childTnLst>
+                                    <p:animMotion origin="layout" path="M 0 0 C -0.01057989 0.09000001 -0.01057989 0.09000001 -0.02115979 0.18 E" pathEditMode="relative" ptsTypes="">
+                                      <p:cBhvr>
+                                        <p:cTn id="66" dur="500" fill="hold"/>
+                                        <p:tgtEl>
+                                          <p:spTgt spid="9"/>
+                                        </p:tgtEl>
+                                        <p:attrNameLst>
+                                          <p:attrName>ppt_x</p:attrName>
+                                          <p:attrName>ppt_y</p:attrName>
+                                        </p:attrNameLst>
+                                      </p:cBhvr>
+                                    </p:animMotion>
+                                  </p:childTnLst>
+                                </p:cTn>
+                              </p:par>
+                              <p:par>
+                                <p:cTn id="67" presetID="6" presetClass="emph" presetSubtype="0" fill="hold" grpId="2" nodeType="withEffect">
+                                  <p:stCondLst>
+                                    <p:cond delay="0"/>
+                                  </p:stCondLst>
+                                  <p:childTnLst>
+                                    <p:animScale>
+                                      <p:cBhvr>
+                                        <p:cTn id="68" dur="500" fill="hold"/>
+                                        <p:tgtEl>
+                                          <p:spTgt spid="9"/>
+                                        </p:tgtEl>
+                                      </p:cBhvr>
+                                      <p:by x="94452" y="12500"/>
+                                    </p:animScale>
+                                  </p:childTnLst>
+                                </p:cTn>
+                              </p:par>
+                            </p:childTnLst>
+                          </p:cTn>
+                        </p:par>
+                        <p:par>
+                          <p:cTn id="69" fill="hold">
+                            <p:stCondLst>
+                              <p:cond delay="500"/>
+                            </p:stCondLst>
+                            <p:childTnLst>
+                              <p:par>
+                                <p:cTn id="70" presetID="1" presetClass="entr" presetSubtype="0" fill="hold" grpId="0" nodeType="afterEffect">
+                                  <p:stCondLst>
+                                    <p:cond delay="0"/>
+                                  </p:stCondLst>
+                                  <p:childTnLst>
+                                    <p:set>
+                                      <p:cBhvr>
+                                        <p:cTn id="71" dur="1" fill="hold">
+                                          <p:stCondLst>
+                                            <p:cond delay="0"/>
+                                          </p:stCondLst>
+                                        </p:cTn>
+                                        <p:tgtEl>
+                                          <p:spTgt spid="10"/>
+                                        </p:tgtEl>
+                                        <p:attrNameLst>
+                                          <p:attrName>style.visibility</p:attrName>
+                                        </p:attrNameLst>
+                                      </p:cBhvr>
+                                      <p:to>
+                                        <p:strVal val="visible"/>
+                                      </p:to>
+                                    </p:set>
+                                  </p:childTnLst>
+                                </p:cTn>
+                              </p:par>
+                              <p:par>
+                                <p:cTn id="72" presetID="10" presetClass="exit" presetSubtype="0" fill="hold" grpId="3" nodeType="withEffect">
+                                  <p:stCondLst>
+                                    <p:cond delay="0"/>
+                                  </p:stCondLst>
+                                  <p:childTnLst>
+                                    <p:animEffect transition="out" filter="fade">
+                                      <p:cBhvr>
+                                        <p:cTn id="73" dur="500"/>
+                                        <p:tgtEl>
+                                          <p:spTgt spid="9"/>
+                                        </p:tgtEl>
+                                      </p:cBhvr>
+                                    </p:animEffect>
+                                    <p:set>
+                                      <p:cBhvr>
+                                        <p:cTn id="74" dur="1" fill="hold">
+                                          <p:stCondLst>
+                                            <p:cond delay="499"/>
+                                          </p:stCondLst>
+                                        </p:cTn>
+                                        <p:tgtEl>
+                                          <p:spTgt spid="9"/>
+                                        </p:tgtEl>
+                                        <p:attrNameLst>
+                                          <p:attrName>style.visibility</p:attrName>
+                                        </p:attrNameLst>
+                                      </p:cBhvr>
+                                      <p:to>
+                                        <p:strVal val="hidden"/>
+                                      </p:to>
+                                    </p:set>
+                                  </p:childTnLst>
+                                </p:cTn>
+                              </p:par>
+                            </p:childTnLst>
+                          </p:cTn>
+                        </p:par>
+                      </p:childTnLst>
+                    </p:cTn>
+                  </p:par>
+                </p:childTnLst>
+              </p:cTn>
+              <p:prevCondLst>
+                <p:cond evt="onPrev" delay="0">
+                  <p:tgtEl>
+                    <p:sldTgt/>
+                  </p:tgtEl>
+                </p:cond>
+              </p:prevCondLst>
+              <p:nextCondLst>
+                <p:cond evt="onNext" delay="0">
+                  <p:tgtEl>
+                    <p:sldTgt/>
+                  </p:tgtEl>
+                </p:cond>
+              </p:nextCondLst>
+            </p:seq>
+          </p:childTnLst>
+        </p:cTn>
+      </p:par>
+    </p:tnLst>
+    <p:bldLst>
+      <p:bldP spid="4" grpId="0" animBg="1"/>
+      <p:bldP spid="4" grpId="1" animBg="1"/>
+      <p:bldP spid="4" grpId="2" animBg="1"/>
+      <p:bldP spid="5" grpId="0" animBg="1"/>
+      <p:bldP spid="5" grpId="1" animBg="1"/>
+      <p:bldP spid="5" grpId="2" animBg="1"/>
+      <p:bldP spid="5" grpId="3" animBg="1"/>
+      <p:bldP spid="6" grpId="0" animBg="1"/>
+      <p:bldP spid="6" grpId="1" animBg="1"/>
+      <p:bldP spid="6" grpId="2" animBg="1"/>
+      <p:bldP spid="6" grpId="3" animBg="1"/>
+      <p:bldP spid="7" grpId="0" animBg="1"/>
+      <p:bldP spid="7" grpId="1" animBg="1"/>
+      <p:bldP spid="7" grpId="2" animBg="1"/>
+      <p:bldP spid="7" grpId="3" animBg="1"/>
+      <p:bldP spid="8" grpId="0" animBg="1"/>
+      <p:bldP spid="8" grpId="1" animBg="1"/>
+      <p:bldP spid="8" grpId="2" animBg="1"/>
+      <p:bldP spid="8" grpId="3" animBg="1"/>
+      <p:bldP spid="9" grpId="0" animBg="1"/>
+      <p:bldP spid="9" grpId="1" animBg="1"/>
+      <p:bldP spid="9" grpId="2" animBg="1"/>
+      <p:bldP spid="9" grpId="3" animBg="1"/>
+      <p:bldP spid="10" grpId="0" animBg="1"/>
+    </p:bldLst>
+  </p:timing>
+</p:sld>
+</file>
+
+<file path=ppt/slides/slide29.xml><?xml version="1.0" encoding="utf-8"?>
+<p:sld xmlns:a="http://schemas.openxmlformats.org/drawingml/2006/main" xmlns:r="http://schemas.openxmlformats.org/officeDocument/2006/relationships" xmlns:p="http://schemas.openxmlformats.org/presentationml/2006/main">
+  <p:cSld>
+    <p:spTree>
+      <p:nvGrpSpPr>
+        <p:cNvPr id="1" name=""/>
+        <p:cNvGrpSpPr/>
+        <p:nvPr/>
+      </p:nvGrpSpPr>
+      <p:grpSpPr>
+        <a:xfrm>
+          <a:off x="0" y="0"/>
+          <a:ext cx="0" cy="0"/>
+          <a:chOff x="0" y="0"/>
+          <a:chExt cx="0" cy="0"/>
+        </a:xfrm>
+      </p:grpSpPr>
+      <p:sp>
+        <p:nvSpPr>
+          <p:cNvPr id="3" name="Rectangle 4"/>
+          <p:cNvSpPr/>
+          <p:nvPr/>
+        </p:nvSpPr>
+        <p:spPr>
+          <a:xfrm>
+            <a:off x="0" y="2286000"/>
+            <a:ext cx="9144000" cy="2209800"/>
+          </a:xfrm>
+          <a:prstGeom prst="rect">
+            <a:avLst/>
+          </a:prstGeom>
+          <a:solidFill>
+            <a:srgbClr val="002060"/>
+          </a:solidFill>
+        </p:spPr>
+        <p:style>
+          <a:lnRef idx="2">
+            <a:schemeClr val="accent1">
+              <a:shade val="50000"/>
+            </a:schemeClr>
+          </a:lnRef>
+          <a:fillRef idx="1">
+            <a:schemeClr val="accent1"/>
+          </a:fillRef>
+          <a:effectRef idx="0">
+            <a:schemeClr val="accent1"/>
+          </a:effectRef>
+          <a:fontRef idx="minor">
+            <a:schemeClr val="lt1"/>
+          </a:fontRef>
+        </p:style>
+        <p:txBody>
+          <a:bodyPr rtlCol="0" anchor="ctr"/>
+          <a:lstStyle/>
+          <a:p>
+            <a:pPr algn="ctr"/>
+            <a:endParaRPr lang="en-US"/>
+          </a:p>
+        </p:txBody>
+      </p:sp>
+      <p:sp>
+        <p:nvSpPr>
+          <p:cNvPr id="2" name="HighlightBackgroundShape73075057-96f2-467a-9739-220ecca5ae94"/>
+          <p:cNvSpPr txBox="1"/>
+          <p:nvPr/>
+        </p:nvSpPr>
+        <p:spPr>
+          <a:xfrm>
+            <a:off x="762000" y="533400"/>
+            <a:ext cx="7620000" cy="5909310"/>
+          </a:xfrm>
+          <a:prstGeom prst="rect">
+            <a:avLst/>
+          </a:prstGeom>
+          <a:noFill/>
+        </p:spPr>
+        <p:txBody>
+          <a:bodyPr wrap="square" rtlCol="0">
+            <a:spAutoFit/>
+          </a:bodyPr>
+          <a:lstStyle/>
+          <a:p>
+            <a:pPr marL="285750" indent="-285750">
+              <a:buFont typeface="Arial" panose="020B0604020202020204" pitchFamily="34" charset="0"/>
+              <a:buChar char="•"/>
+            </a:pPr>
+            <a:r>
+              <a:rPr lang="en-US" sz="2800" dirty="0" smtClean="0"/>
+              <a:t>Test - Non-ABC: 1234567890!@#$%^&amp;*()</a:t>
+            </a:r>
+          </a:p>
+          <a:p>
+            <a:r>
+              <a:rPr lang="en-US" sz="2800" dirty="0"/>
+              <a:t>Test </a:t>
+            </a:r>
+            <a:r>
+              <a:rPr lang="en-US" sz="2800" dirty="0" smtClean="0"/>
+              <a:t>– No bullet point</a:t>
+            </a:r>
+            <a:endParaRPr lang="en-US" sz="2800" dirty="0"/>
+          </a:p>
+          <a:p>
+            <a:pPr marL="514350" indent="-514350">
+              <a:buFont typeface="+mj-lt"/>
+              <a:buAutoNum type="arabicPeriod"/>
+            </a:pPr>
+            <a:r>
+              <a:rPr lang="en-US" sz="2800" dirty="0"/>
+              <a:t>Test – </a:t>
+            </a:r>
+            <a:r>
+              <a:rPr lang="en-US" sz="2800" dirty="0" smtClean="0"/>
+              <a:t>Different bullet point</a:t>
+            </a:r>
+          </a:p>
+          <a:p>
+            <a:pPr marL="285750" indent="-285750">
+              <a:buFont typeface="Arial" panose="020B0604020202020204" pitchFamily="34" charset="0"/>
+              <a:buChar char="•"/>
+            </a:pPr>
+            <a:r>
+              <a:rPr lang="en-US" sz="2800" dirty="0" smtClean="0">
+                <a:latin typeface="Times New Roman" panose="02020603050405020304" pitchFamily="18" charset="0"/>
+                <a:cs typeface="Times New Roman" panose="02020603050405020304" pitchFamily="18" charset="0"/>
+              </a:rPr>
+              <a:t>Test - Another Font Family, using Times New Roman</a:t>
+            </a:r>
+          </a:p>
+          <a:p>
+            <a:pPr marL="285750" indent="-285750">
+              <a:buFont typeface="Arial" panose="020B0604020202020204" pitchFamily="34" charset="0"/>
+              <a:buChar char="•"/>
+            </a:pPr>
+            <a:r>
+              <a:rPr lang="en-US" sz="1000" dirty="0" smtClean="0"/>
+              <a:t>Test - very small content. Test: very small content. Test: very small content. Test: very small content</a:t>
+            </a:r>
+          </a:p>
+          <a:p>
+            <a:pPr marL="285750" indent="-285750">
+              <a:buFont typeface="Arial" panose="020B0604020202020204" pitchFamily="34" charset="0"/>
+              <a:buChar char="•"/>
+            </a:pPr>
+            <a:r>
+              <a:rPr lang="en-US" sz="6600" dirty="0" smtClean="0">
+                <a:latin typeface="Arial Black" panose="020B0A04020102020204" pitchFamily="34" charset="0"/>
+              </a:rPr>
+              <a:t>Test - very big</a:t>
+            </a:r>
+          </a:p>
+          <a:p>
+            <a:pPr marL="285750" indent="-285750">
+              <a:buFont typeface="Arial" panose="020B0604020202020204" pitchFamily="34" charset="0"/>
+              <a:buChar char="•"/>
+            </a:pPr>
+            <a:r>
+              <a:rPr lang="en-US" sz="3600" dirty="0" smtClean="0"/>
+              <a:t>Test – Long sentence: </a:t>
+            </a:r>
+            <a:r>
+              <a:rPr lang="en-US" sz="3600" dirty="0" err="1" smtClean="0"/>
+              <a:t>Asdddd</a:t>
+            </a:r>
+            <a:r>
+              <a:rPr lang="en-US" sz="3600" dirty="0" smtClean="0"/>
+              <a:t> </a:t>
+            </a:r>
+            <a:r>
+              <a:rPr lang="en-US" sz="3600" dirty="0" err="1" smtClean="0"/>
+              <a:t>ddd</a:t>
+            </a:r>
+            <a:r>
+              <a:rPr lang="en-US" sz="3600" dirty="0" smtClean="0"/>
+              <a:t> </a:t>
+            </a:r>
+            <a:r>
+              <a:rPr lang="en-US" sz="3600" dirty="0" err="1" smtClean="0"/>
+              <a:t>dd</a:t>
+            </a:r>
+            <a:r>
+              <a:rPr lang="en-US" sz="3600" dirty="0" smtClean="0"/>
+              <a:t> d </a:t>
+            </a:r>
+            <a:r>
+              <a:rPr lang="en-US" sz="3600" dirty="0" err="1" smtClean="0"/>
+              <a:t>ddddd</a:t>
+            </a:r>
+            <a:r>
+              <a:rPr lang="en-US" sz="3600" dirty="0" smtClean="0"/>
+              <a:t> </a:t>
+            </a:r>
+            <a:r>
+              <a:rPr lang="en-US" sz="3600" dirty="0" err="1" smtClean="0"/>
+              <a:t>ddd</a:t>
+            </a:r>
+            <a:r>
+              <a:rPr lang="en-US" sz="3600" dirty="0" smtClean="0"/>
+              <a:t> </a:t>
+            </a:r>
+            <a:r>
+              <a:rPr lang="en-US" sz="3600" dirty="0" err="1" smtClean="0"/>
+              <a:t>ddd</a:t>
+            </a:r>
+            <a:r>
+              <a:rPr lang="en-US" sz="3600" dirty="0" smtClean="0"/>
+              <a:t> </a:t>
+            </a:r>
+            <a:r>
+              <a:rPr lang="en-US" sz="3600" dirty="0" err="1" smtClean="0"/>
+              <a:t>ddd</a:t>
+            </a:r>
+            <a:r>
+              <a:rPr lang="en-US" sz="3600" dirty="0" smtClean="0"/>
+              <a:t> </a:t>
+            </a:r>
+            <a:r>
+              <a:rPr lang="en-US" sz="3600" dirty="0" err="1" smtClean="0"/>
+              <a:t>ddd</a:t>
+            </a:r>
+            <a:r>
+              <a:rPr lang="en-US" sz="3600" dirty="0" smtClean="0"/>
+              <a:t> </a:t>
+            </a:r>
+            <a:r>
+              <a:rPr lang="en-US" sz="3600" dirty="0" err="1" smtClean="0"/>
+              <a:t>ddd</a:t>
+            </a:r>
+            <a:r>
+              <a:rPr lang="en-US" sz="3600" dirty="0" smtClean="0"/>
+              <a:t> </a:t>
+            </a:r>
+            <a:r>
+              <a:rPr lang="en-US" sz="3600" dirty="0" err="1" smtClean="0"/>
+              <a:t>ddd</a:t>
+            </a:r>
+            <a:r>
+              <a:rPr lang="en-US" sz="3600" dirty="0" smtClean="0"/>
+              <a:t> </a:t>
+            </a:r>
+            <a:r>
+              <a:rPr lang="en-US" sz="3600" dirty="0" err="1" smtClean="0"/>
+              <a:t>ddd</a:t>
+            </a:r>
+            <a:r>
+              <a:rPr lang="en-US" sz="3600" dirty="0" smtClean="0"/>
+              <a:t> </a:t>
+            </a:r>
+            <a:r>
+              <a:rPr lang="en-US" sz="3600" dirty="0" err="1" smtClean="0"/>
+              <a:t>dddddd</a:t>
+            </a:r>
+            <a:r>
+              <a:rPr lang="en-US" sz="3600" dirty="0" smtClean="0"/>
+              <a:t> </a:t>
+            </a:r>
+            <a:r>
+              <a:rPr lang="en-US" sz="3600" dirty="0" err="1" smtClean="0"/>
+              <a:t>dd</a:t>
+            </a:r>
+            <a:r>
+              <a:rPr lang="en-US" sz="3600" dirty="0" smtClean="0"/>
+              <a:t> </a:t>
+            </a:r>
+            <a:r>
+              <a:rPr lang="en-US" sz="3600" dirty="0" err="1" smtClean="0"/>
+              <a:t>ddd</a:t>
+            </a:r>
+            <a:r>
+              <a:rPr lang="en-US" sz="3600" dirty="0" smtClean="0"/>
+              <a:t> </a:t>
+            </a:r>
+            <a:r>
+              <a:rPr lang="en-US" sz="3600" dirty="0" err="1" smtClean="0"/>
+              <a:t>ddddd</a:t>
+            </a:r>
+            <a:r>
+              <a:rPr lang="en-US" sz="3600" dirty="0" smtClean="0"/>
+              <a:t> </a:t>
+            </a:r>
+            <a:r>
+              <a:rPr lang="en-US" sz="3600" dirty="0" err="1" smtClean="0"/>
+              <a:t>dd</a:t>
+            </a:r>
+            <a:r>
+              <a:rPr lang="en-US" sz="3600" dirty="0" smtClean="0"/>
+              <a:t> </a:t>
+            </a:r>
+            <a:r>
+              <a:rPr lang="en-US" sz="3600" dirty="0" err="1" smtClean="0"/>
+              <a:t>dd</a:t>
+            </a:r>
+            <a:r>
+              <a:rPr lang="en-US" sz="3600" dirty="0" smtClean="0"/>
+              <a:t> d </a:t>
+            </a:r>
+            <a:r>
+              <a:rPr lang="en-US" sz="3600" dirty="0" err="1" smtClean="0"/>
+              <a:t>ddd</a:t>
+            </a:r>
+            <a:r>
+              <a:rPr lang="en-US" sz="3600" dirty="0" smtClean="0"/>
+              <a:t> </a:t>
+            </a:r>
+            <a:r>
+              <a:rPr lang="en-US" sz="3600" dirty="0" err="1" smtClean="0"/>
+              <a:t>ddd</a:t>
+            </a:r>
+            <a:endParaRPr lang="en-US" sz="3600" dirty="0" smtClean="0"/>
+          </a:p>
+          <a:p>
+            <a:pPr marL="285750" indent="-285750">
+              <a:buFont typeface="Arial" panose="020B0604020202020204" pitchFamily="34" charset="0"/>
+              <a:buChar char="•"/>
+            </a:pPr>
+            <a:r>
+              <a:rPr lang="en-US" altLang="zh-CN" dirty="0" smtClean="0"/>
+              <a:t>Test – Chinese Characters: </a:t>
+            </a:r>
+            <a:r>
+              <a:rPr lang="zh-CN" altLang="en-US" dirty="0" smtClean="0"/>
+              <a:t>阿</a:t>
+            </a:r>
+            <a:r>
+              <a:rPr lang="zh-CN" altLang="en-US" dirty="0"/>
+              <a:t>斯</a:t>
+            </a:r>
+            <a:r>
+              <a:rPr lang="zh-CN" altLang="en-US" dirty="0" smtClean="0"/>
+              <a:t>顿啊盛大速度啊盛大速度啊盛大速度</a:t>
+            </a:r>
+            <a:endParaRPr lang="en-SG" dirty="0"/>
+          </a:p>
+        </p:txBody>
+      </p:sp>
+    </p:spTree>
+    <p:extLst>
+      <p:ext uri="{BB962C8B-B14F-4D97-AF65-F5344CB8AC3E}">
+        <p14:creationId xmlns:p14="http://schemas.microsoft.com/office/powerpoint/2010/main" val="3141045913"/>
+      </p:ext>
+    </p:extLst>
+  </p:cSld>
+  <p:clrMapOvr>
+    <a:masterClrMapping/>
+  </p:clrMapOvr>
+  <p:transition spd="slow">
+    <p:push dir="u"/>
+  </p:transition>
+  <p:timing>
+    <p:tnLst>
+      <p:par>
+        <p:cTn id="1" dur="indefinite" restart="never" nodeType="tmRoot"/>
+      </p:par>
+    </p:tnLst>
+  </p:timing>
+</p:sld>
+</file>
+
+<file path=ppt/slides/slide3.xml><?xml version="1.0" encoding="utf-8"?>
+<p:sld xmlns:a="http://schemas.openxmlformats.org/drawingml/2006/main" xmlns:r="http://schemas.openxmlformats.org/officeDocument/2006/relationships" xmlns:p="http://schemas.openxmlformats.org/presentationml/2006/main">
+  <p:cSld>
+    <p:spTree>
+      <p:nvGrpSpPr>
+        <p:cNvPr id="1" name=""/>
+        <p:cNvGrpSpPr/>
+        <p:nvPr/>
+      </p:nvGrpSpPr>
+      <p:grpSpPr>
+        <a:xfrm>
+          <a:off x="0" y="0"/>
+          <a:ext cx="0" cy="0"/>
+          <a:chOff x="0" y="0"/>
+          <a:chExt cx="0" cy="0"/>
+        </a:xfrm>
+      </p:grpSpPr>
+      <p:sp>
+        <p:nvSpPr>
+          <p:cNvPr id="2" name="Title 1"/>
+          <p:cNvSpPr>
+            <a:spLocks noGrp="1"/>
+          </p:cNvSpPr>
+          <p:nvPr>
+            <p:ph type="title"/>
+          </p:nvPr>
+        </p:nvSpPr>
+        <p:spPr/>
+        <p:txBody>
+          <a:bodyPr/>
+          <a:lstStyle/>
+          <a:p>
+            <a:r>
+              <a:rPr lang="en-US" dirty="0" smtClean="0"/>
+              <a:t>Highlight Points:: Highlight Text – Select Slide</a:t>
+            </a:r>
+            <a:endParaRPr lang="en-SG" dirty="0"/>
+          </a:p>
+        </p:txBody>
+      </p:sp>
+      <p:sp>
+        <p:nvSpPr>
+          <p:cNvPr id="4" name="Content Placeholder 2"/>
+          <p:cNvSpPr>
+            <a:spLocks noGrp="1"/>
+          </p:cNvSpPr>
+          <p:nvPr>
+            <p:ph idx="1"/>
+          </p:nvPr>
+        </p:nvSpPr>
+        <p:spPr>
+          <a:xfrm>
+            <a:off x="457200" y="3124200"/>
+            <a:ext cx="8229600" cy="3001963"/>
+          </a:xfrm>
+        </p:spPr>
+        <p:txBody>
+          <a:bodyPr/>
+          <a:lstStyle/>
+          <a:p>
+            <a:r>
+              <a:rPr lang="en-US" dirty="0" smtClean="0"/>
+              <a:t>Select the slide and click “Highlight Points”</a:t>
+            </a:r>
+            <a:endParaRPr lang="en-SG" dirty="0"/>
+          </a:p>
+        </p:txBody>
+      </p:sp>
+    </p:spTree>
+    <p:extLst>
+      <p:ext uri="{BB962C8B-B14F-4D97-AF65-F5344CB8AC3E}">
+        <p14:creationId xmlns:p14="http://schemas.microsoft.com/office/powerpoint/2010/main" val="1286891872"/>
+      </p:ext>
+    </p:extLst>
+  </p:cSld>
+  <p:clrMapOvr>
+    <a:masterClrMapping/>
+  </p:clrMapOvr>
+  <p:timing>
+    <p:tnLst>
+      <p:par>
+        <p:cTn id="1" dur="indefinite" restart="never" nodeType="tmRoot"/>
+      </p:par>
+    </p:tnLst>
+  </p:timing>
+</p:sld>
+</file>
+
+<file path=ppt/slides/slide30.xml><?xml version="1.0" encoding="utf-8"?>
+<p:sld xmlns:a="http://schemas.openxmlformats.org/drawingml/2006/main" xmlns:r="http://schemas.openxmlformats.org/officeDocument/2006/relationships" xmlns:p="http://schemas.openxmlformats.org/presentationml/2006/main">
+  <p:cSld>
+    <p:spTree>
+      <p:nvGrpSpPr>
+        <p:cNvPr id="1" name=""/>
+        <p:cNvGrpSpPr/>
+        <p:nvPr/>
+      </p:nvGrpSpPr>
+      <p:grpSpPr>
+        <a:xfrm>
+          <a:off x="0" y="0"/>
+          <a:ext cx="0" cy="0"/>
+          <a:chOff x="0" y="0"/>
+          <a:chExt cx="0" cy="0"/>
+        </a:xfrm>
+      </p:grpSpPr>
+      <p:sp>
+        <p:nvSpPr>
+          <p:cNvPr id="2" name="Title 1"/>
+          <p:cNvSpPr>
+            <a:spLocks noGrp="1"/>
+          </p:cNvSpPr>
+          <p:nvPr>
+            <p:ph type="title"/>
+          </p:nvPr>
+        </p:nvSpPr>
+        <p:spPr/>
+        <p:txBody>
+          <a:bodyPr>
+            <a:normAutofit/>
+          </a:bodyPr>
+          <a:lstStyle/>
+          <a:p>
+            <a:r>
+              <a:rPr lang="en-US" dirty="0"/>
+              <a:t>Remove Highlighting:: </a:t>
+            </a:r>
+            <a:r>
+              <a:rPr lang="en-US" dirty="0" smtClean="0"/>
+              <a:t>Highlight Text</a:t>
+            </a:r>
+            <a:endParaRPr lang="en-SG" dirty="0"/>
+          </a:p>
+        </p:txBody>
+      </p:sp>
+      <p:sp>
+        <p:nvSpPr>
+          <p:cNvPr id="4" name="Content Placeholder 2"/>
+          <p:cNvSpPr>
+            <a:spLocks noGrp="1"/>
+          </p:cNvSpPr>
+          <p:nvPr>
+            <p:ph idx="1"/>
+          </p:nvPr>
+        </p:nvSpPr>
+        <p:spPr>
+          <a:xfrm>
+            <a:off x="457200" y="3124200"/>
+            <a:ext cx="8229600" cy="3001963"/>
+          </a:xfrm>
+        </p:spPr>
+        <p:txBody>
+          <a:bodyPr/>
+          <a:lstStyle/>
+          <a:p>
+            <a:r>
+              <a:rPr lang="en-US" dirty="0" smtClean="0"/>
+              <a:t>Click “Remove Highlighting”</a:t>
+            </a:r>
+            <a:endParaRPr lang="en-SG" dirty="0"/>
+          </a:p>
+        </p:txBody>
+      </p:sp>
+    </p:spTree>
+    <p:extLst>
+      <p:ext uri="{BB962C8B-B14F-4D97-AF65-F5344CB8AC3E}">
+        <p14:creationId xmlns:p14="http://schemas.microsoft.com/office/powerpoint/2010/main" val="2109830146"/>
+      </p:ext>
+    </p:extLst>
+  </p:cSld>
+  <p:clrMapOvr>
+    <a:masterClrMapping/>
+  </p:clrMapOvr>
+  <p:timing>
+    <p:tnLst>
+      <p:par>
+        <p:cTn id="1" dur="indefinite" restart="never" nodeType="tmRoot"/>
+      </p:par>
+    </p:tnLst>
+  </p:timing>
+</p:sld>
+</file>
+
+<file path=ppt/slides/slide31.xml><?xml version="1.0" encoding="utf-8"?>
+<p:sld xmlns:a="http://schemas.openxmlformats.org/drawingml/2006/main" xmlns:r="http://schemas.openxmlformats.org/officeDocument/2006/relationships" xmlns:p="http://schemas.openxmlformats.org/presentationml/2006/main">
+  <p:cSld>
+    <p:spTree>
+      <p:nvGrpSpPr>
+        <p:cNvPr id="1" name=""/>
+        <p:cNvGrpSpPr/>
+        <p:nvPr/>
+      </p:nvGrpSpPr>
+      <p:grpSpPr>
+        <a:xfrm>
+          <a:off x="0" y="0"/>
+          <a:ext cx="0" cy="0"/>
+          <a:chOff x="0" y="0"/>
+          <a:chExt cx="0" cy="0"/>
+        </a:xfrm>
+      </p:grpSpPr>
+      <p:sp>
+        <p:nvSpPr>
+          <p:cNvPr id="3" name="Rectangle 4"/>
+          <p:cNvSpPr/>
+          <p:nvPr/>
+        </p:nvSpPr>
+        <p:spPr>
+          <a:xfrm>
+            <a:off x="0" y="2286000"/>
+            <a:ext cx="9144000" cy="2209800"/>
+          </a:xfrm>
+          <a:prstGeom prst="rect">
+            <a:avLst/>
+          </a:prstGeom>
+          <a:solidFill>
+            <a:srgbClr val="002060"/>
+          </a:solidFill>
+        </p:spPr>
+        <p:style>
+          <a:lnRef idx="2">
+            <a:schemeClr val="accent1">
+              <a:shade val="50000"/>
+            </a:schemeClr>
+          </a:lnRef>
+          <a:fillRef idx="1">
+            <a:schemeClr val="accent1"/>
+          </a:fillRef>
+          <a:effectRef idx="0">
+            <a:schemeClr val="accent1"/>
+          </a:effectRef>
+          <a:fontRef idx="minor">
+            <a:schemeClr val="lt1"/>
+          </a:fontRef>
+        </p:style>
+        <p:txBody>
+          <a:bodyPr rtlCol="0" anchor="ctr"/>
+          <a:lstStyle/>
+          <a:p>
+            <a:pPr algn="ctr"/>
+            <a:endParaRPr lang="en-US"/>
+          </a:p>
+        </p:txBody>
+      </p:sp>
+      <p:sp>
+        <p:nvSpPr>
+          <p:cNvPr id="4" name="PPTLabsHighlightTextFragmentsShapef560e986-5733-437e-889b-5a50370d495c"/>
+          <p:cNvSpPr/>
+          <p:nvPr>
+            <p:custDataLst>
+              <p:tags r:id="rId1"/>
+            </p:custDataLst>
+          </p:nvPr>
+        </p:nvSpPr>
+        <p:spPr>
+          <a:xfrm>
+            <a:off x="1139190" y="579120"/>
+            <a:ext cx="5993765" cy="426720"/>
+          </a:xfrm>
+          <a:prstGeom prst="roundRect">
+            <a:avLst>
+              <a:gd name="adj" fmla="val 25000"/>
+            </a:avLst>
+          </a:prstGeom>
+          <a:solidFill>
+            <a:srgbClr val="FFFF00">
+              <a:alpha val="50000"/>
+            </a:srgbClr>
+          </a:solidFill>
+          <a:ln w="25400" cap="flat" cmpd="sng" algn="ctr">
+            <a:noFill/>
+            <a:prstDash val="solid"/>
+          </a:ln>
+          <a:effectLst/>
+          <a:extLst>
+            <a:ext uri="{91240B29-F687-4F45-9708-019B960494DF}">
+              <a14:hiddenLine xmlns:a14="http://schemas.microsoft.com/office/drawing/2010/main" w="25400" cap="flat" cmpd="sng" algn="ctr">
+                <a:solidFill>
+                  <a:schemeClr val="accent1">
+                    <a:shade val="50000"/>
+                  </a:schemeClr>
+                </a:solidFill>
+                <a:prstDash val="solid"/>
+              </a14:hiddenLine>
+            </a:ext>
+          </a:extLst>
+        </p:spPr>
+        <p:style>
+          <a:lnRef idx="2">
+            <a:schemeClr val="accent1">
+              <a:shade val="50000"/>
+            </a:schemeClr>
+          </a:lnRef>
+          <a:fillRef idx="1">
+            <a:schemeClr val="accent1"/>
+          </a:fillRef>
+          <a:effectRef idx="0">
+            <a:schemeClr val="accent1"/>
+          </a:effectRef>
+          <a:fontRef idx="minor">
+            <a:schemeClr val="lt1"/>
+          </a:fontRef>
+        </p:style>
+        <p:txBody>
+          <a:bodyPr rtlCol="0" anchor="ctr"/>
+          <a:lstStyle/>
+          <a:p>
+            <a:pPr algn="ctr"/>
+            <a:endParaRPr lang="en-SG"/>
+          </a:p>
+        </p:txBody>
+      </p:sp>
+      <p:sp>
+        <p:nvSpPr>
+          <p:cNvPr id="5" name="PPTLabsHighlightTextFragmentsShape5dafe8db-bb16-4787-93f5-d40d86237947"/>
+          <p:cNvSpPr/>
+          <p:nvPr>
+            <p:custDataLst>
+              <p:tags r:id="rId2"/>
+            </p:custDataLst>
+          </p:nvPr>
+        </p:nvSpPr>
+        <p:spPr>
+          <a:xfrm>
+            <a:off x="853440" y="1005840"/>
+            <a:ext cx="3080258" cy="426720"/>
+          </a:xfrm>
+          <a:prstGeom prst="roundRect">
+            <a:avLst>
+              <a:gd name="adj" fmla="val 25000"/>
+            </a:avLst>
+          </a:prstGeom>
+          <a:solidFill>
+            <a:srgbClr val="FFFF00">
+              <a:alpha val="50000"/>
+            </a:srgbClr>
+          </a:solidFill>
+          <a:ln w="25400" cap="flat" cmpd="sng" algn="ctr">
+            <a:noFill/>
+            <a:prstDash val="solid"/>
+          </a:ln>
+          <a:effectLst/>
+          <a:extLst>
+            <a:ext uri="{91240B29-F687-4F45-9708-019B960494DF}">
+              <a14:hiddenLine xmlns:a14="http://schemas.microsoft.com/office/drawing/2010/main" w="25400" cap="flat" cmpd="sng" algn="ctr">
+                <a:solidFill>
+                  <a:schemeClr val="accent1">
+                    <a:shade val="50000"/>
+                  </a:schemeClr>
+                </a:solidFill>
+                <a:prstDash val="solid"/>
+              </a14:hiddenLine>
+            </a:ext>
+          </a:extLst>
+        </p:spPr>
+        <p:style>
+          <a:lnRef idx="2">
+            <a:schemeClr val="accent1">
+              <a:shade val="50000"/>
+            </a:schemeClr>
+          </a:lnRef>
+          <a:fillRef idx="1">
+            <a:schemeClr val="accent1"/>
+          </a:fillRef>
+          <a:effectRef idx="0">
+            <a:schemeClr val="accent1"/>
+          </a:effectRef>
+          <a:fontRef idx="minor">
+            <a:schemeClr val="lt1"/>
+          </a:fontRef>
+        </p:style>
+        <p:txBody>
+          <a:bodyPr rtlCol="0" anchor="ctr"/>
+          <a:lstStyle/>
+          <a:p>
+            <a:pPr algn="ctr"/>
+            <a:endParaRPr lang="en-SG"/>
+          </a:p>
+        </p:txBody>
+      </p:sp>
+      <p:sp>
+        <p:nvSpPr>
+          <p:cNvPr id="6" name="PPTLabsHighlightTextFragmentsShapeffca0822-50bb-437f-982a-deb2b4f8c205"/>
+          <p:cNvSpPr/>
+          <p:nvPr>
+            <p:custDataLst>
+              <p:tags r:id="rId3"/>
+            </p:custDataLst>
+          </p:nvPr>
+        </p:nvSpPr>
+        <p:spPr>
+          <a:xfrm>
+            <a:off x="1367790" y="1432560"/>
+            <a:ext cx="3941001" cy="426720"/>
+          </a:xfrm>
+          <a:prstGeom prst="roundRect">
+            <a:avLst>
+              <a:gd name="adj" fmla="val 25000"/>
+            </a:avLst>
+          </a:prstGeom>
+          <a:solidFill>
+            <a:srgbClr val="FFFF00">
+              <a:alpha val="50000"/>
+            </a:srgbClr>
+          </a:solidFill>
+          <a:ln w="25400" cap="flat" cmpd="sng" algn="ctr">
+            <a:noFill/>
+            <a:prstDash val="solid"/>
+          </a:ln>
+          <a:effectLst/>
+          <a:extLst>
+            <a:ext uri="{91240B29-F687-4F45-9708-019B960494DF}">
+              <a14:hiddenLine xmlns:a14="http://schemas.microsoft.com/office/drawing/2010/main" w="25400" cap="flat" cmpd="sng" algn="ctr">
+                <a:solidFill>
+                  <a:schemeClr val="accent1">
+                    <a:shade val="50000"/>
+                  </a:schemeClr>
+                </a:solidFill>
+                <a:prstDash val="solid"/>
+              </a14:hiddenLine>
+            </a:ext>
+          </a:extLst>
+        </p:spPr>
+        <p:style>
+          <a:lnRef idx="2">
+            <a:schemeClr val="accent1">
+              <a:shade val="50000"/>
+            </a:schemeClr>
+          </a:lnRef>
+          <a:fillRef idx="1">
+            <a:schemeClr val="accent1"/>
+          </a:fillRef>
+          <a:effectRef idx="0">
+            <a:schemeClr val="accent1"/>
+          </a:effectRef>
+          <a:fontRef idx="minor">
+            <a:schemeClr val="lt1"/>
+          </a:fontRef>
+        </p:style>
+        <p:txBody>
+          <a:bodyPr rtlCol="0" anchor="ctr"/>
+          <a:lstStyle/>
+          <a:p>
+            <a:pPr algn="ctr"/>
+            <a:endParaRPr lang="en-SG"/>
+          </a:p>
+        </p:txBody>
+      </p:sp>
+      <p:grpSp>
+        <p:nvGrpSpPr>
+          <p:cNvPr id="9" name="PPTLabsHighlightTextFragmentsShape79557f89-d310-491d-a68a-c7f81ef2f210"/>
+          <p:cNvGrpSpPr/>
+          <p:nvPr/>
+        </p:nvGrpSpPr>
+        <p:grpSpPr>
+          <a:xfrm>
+            <a:off x="1139190" y="1859280"/>
+            <a:ext cx="6596888" cy="853440"/>
+            <a:chOff x="1139190" y="1859280"/>
+            <a:chExt cx="6596888" cy="853440"/>
+          </a:xfrm>
+        </p:grpSpPr>
+        <p:sp>
+          <p:nvSpPr>
+            <p:cNvPr id="7" name="PPTLabsHighlightTextFragmentsShape082f0072-7ed0-4862-a311-6b03e9817ba5"/>
+            <p:cNvSpPr/>
+            <p:nvPr>
+              <p:custDataLst>
+                <p:tags r:id="rId11"/>
+              </p:custDataLst>
+            </p:nvPr>
+          </p:nvSpPr>
+          <p:spPr>
+            <a:xfrm>
+              <a:off x="1139190" y="1859280"/>
+              <a:ext cx="6596888" cy="426720"/>
+            </a:xfrm>
+            <a:prstGeom prst="roundRect">
+              <a:avLst>
+                <a:gd name="adj" fmla="val 25000"/>
+              </a:avLst>
+            </a:prstGeom>
+            <a:solidFill>
+              <a:srgbClr val="FFFF00">
+                <a:alpha val="50000"/>
+              </a:srgbClr>
+            </a:solidFill>
+            <a:ln w="25400" cap="flat" cmpd="sng" algn="ctr">
+              <a:noFill/>
+              <a:prstDash val="solid"/>
+            </a:ln>
+            <a:effectLst/>
+            <a:extLst>
+              <a:ext uri="{91240B29-F687-4F45-9708-019B960494DF}">
+                <a14:hiddenLine xmlns:a14="http://schemas.microsoft.com/office/drawing/2010/main" w="25400" cap="flat" cmpd="sng" algn="ctr">
+                  <a:solidFill>
+                    <a:schemeClr val="accent1">
+                      <a:shade val="50000"/>
+                    </a:schemeClr>
+                  </a:solidFill>
+                  <a:prstDash val="solid"/>
+                </a14:hiddenLine>
+              </a:ext>
+            </a:extLst>
+          </p:spPr>
+          <p:style>
+            <a:lnRef idx="2">
+              <a:schemeClr val="accent1">
+                <a:shade val="50000"/>
+              </a:schemeClr>
+            </a:lnRef>
+            <a:fillRef idx="1">
+              <a:schemeClr val="accent1"/>
+            </a:fillRef>
+            <a:effectRef idx="0">
+              <a:schemeClr val="accent1"/>
+            </a:effectRef>
+            <a:fontRef idx="minor">
+              <a:schemeClr val="lt1"/>
+            </a:fontRef>
+          </p:style>
+          <p:txBody>
+            <a:bodyPr rtlCol="0" anchor="ctr"/>
+            <a:lstStyle/>
+            <a:p>
+              <a:pPr algn="ctr"/>
+              <a:endParaRPr lang="en-SG"/>
+            </a:p>
+          </p:txBody>
+        </p:sp>
+        <p:sp>
+          <p:nvSpPr>
+            <p:cNvPr id="8" name="PPTLabsHighlightTextFragmentsShaped9458b93-2132-4807-95c4-7952effabe04"/>
+            <p:cNvSpPr/>
+            <p:nvPr>
+              <p:custDataLst>
+                <p:tags r:id="rId12"/>
+              </p:custDataLst>
+            </p:nvPr>
+          </p:nvSpPr>
+          <p:spPr>
+            <a:xfrm>
+              <a:off x="1139190" y="2286000"/>
+              <a:ext cx="1025589" cy="426720"/>
+            </a:xfrm>
+            <a:prstGeom prst="roundRect">
+              <a:avLst>
+                <a:gd name="adj" fmla="val 25000"/>
+              </a:avLst>
+            </a:prstGeom>
+            <a:solidFill>
+              <a:srgbClr val="FFFF00">
+                <a:alpha val="50000"/>
+              </a:srgbClr>
+            </a:solidFill>
+            <a:ln w="25400" cap="flat" cmpd="sng" algn="ctr">
+              <a:noFill/>
+              <a:prstDash val="solid"/>
+            </a:ln>
+            <a:effectLst/>
+            <a:extLst>
+              <a:ext uri="{91240B29-F687-4F45-9708-019B960494DF}">
+                <a14:hiddenLine xmlns:a14="http://schemas.microsoft.com/office/drawing/2010/main" w="25400" cap="flat" cmpd="sng" algn="ctr">
+                  <a:solidFill>
+                    <a:schemeClr val="accent1">
+                      <a:shade val="50000"/>
+                    </a:schemeClr>
+                  </a:solidFill>
+                  <a:prstDash val="solid"/>
+                </a14:hiddenLine>
+              </a:ext>
+            </a:extLst>
+          </p:spPr>
+          <p:style>
+            <a:lnRef idx="2">
+              <a:schemeClr val="accent1">
+                <a:shade val="50000"/>
+              </a:schemeClr>
+            </a:lnRef>
+            <a:fillRef idx="1">
+              <a:schemeClr val="accent1"/>
+            </a:fillRef>
+            <a:effectRef idx="0">
+              <a:schemeClr val="accent1"/>
+            </a:effectRef>
+            <a:fontRef idx="minor">
+              <a:schemeClr val="lt1"/>
+            </a:fontRef>
+          </p:style>
+          <p:txBody>
+            <a:bodyPr rtlCol="0" anchor="ctr"/>
+            <a:lstStyle/>
+            <a:p>
+              <a:pPr algn="ctr"/>
+              <a:endParaRPr lang="en-SG"/>
+            </a:p>
+          </p:txBody>
+        </p:sp>
+      </p:grpSp>
+      <p:sp>
+        <p:nvSpPr>
+          <p:cNvPr id="10" name="PPTLabsHighlightTextFragmentsShapea8e1a1fe-6afa-4cc1-bd33-8aab284f6778"/>
+          <p:cNvSpPr/>
+          <p:nvPr>
+            <p:custDataLst>
+              <p:tags r:id="rId4"/>
+            </p:custDataLst>
+          </p:nvPr>
+        </p:nvSpPr>
+        <p:spPr>
+          <a:xfrm>
+            <a:off x="1139190" y="2712720"/>
+            <a:ext cx="5135626" cy="152400"/>
+          </a:xfrm>
+          <a:prstGeom prst="roundRect">
+            <a:avLst>
+              <a:gd name="adj" fmla="val 25000"/>
+            </a:avLst>
+          </a:prstGeom>
+          <a:solidFill>
+            <a:srgbClr val="FFFF00">
+              <a:alpha val="50000"/>
+            </a:srgbClr>
+          </a:solidFill>
+          <a:ln w="25400" cap="flat" cmpd="sng" algn="ctr">
+            <a:noFill/>
+            <a:prstDash val="solid"/>
+          </a:ln>
+          <a:effectLst/>
+          <a:extLst>
+            <a:ext uri="{91240B29-F687-4F45-9708-019B960494DF}">
+              <a14:hiddenLine xmlns:a14="http://schemas.microsoft.com/office/drawing/2010/main" w="25400" cap="flat" cmpd="sng" algn="ctr">
+                <a:solidFill>
+                  <a:schemeClr val="accent1">
+                    <a:shade val="50000"/>
+                  </a:schemeClr>
+                </a:solidFill>
+                <a:prstDash val="solid"/>
+              </a14:hiddenLine>
+            </a:ext>
+          </a:extLst>
+        </p:spPr>
+        <p:style>
+          <a:lnRef idx="2">
+            <a:schemeClr val="accent1">
+              <a:shade val="50000"/>
+            </a:schemeClr>
+          </a:lnRef>
+          <a:fillRef idx="1">
+            <a:schemeClr val="accent1"/>
+          </a:fillRef>
+          <a:effectRef idx="0">
+            <a:schemeClr val="accent1"/>
+          </a:effectRef>
+          <a:fontRef idx="minor">
+            <a:schemeClr val="lt1"/>
+          </a:fontRef>
+        </p:style>
+        <p:txBody>
+          <a:bodyPr rtlCol="0" anchor="ctr"/>
+          <a:lstStyle/>
+          <a:p>
+            <a:pPr algn="ctr"/>
+            <a:endParaRPr lang="en-SG"/>
+          </a:p>
+        </p:txBody>
+      </p:sp>
+      <p:sp>
+        <p:nvSpPr>
+          <p:cNvPr id="11" name="PPTLabsHighlightTextFragmentsShapedfbef032-dc4f-4081-8a5a-2a30bf72c5ed"/>
+          <p:cNvSpPr/>
+          <p:nvPr>
+            <p:custDataLst>
+              <p:tags r:id="rId5"/>
+            </p:custDataLst>
+          </p:nvPr>
+        </p:nvSpPr>
+        <p:spPr>
+          <a:xfrm>
+            <a:off x="1147128" y="2865120"/>
+            <a:ext cx="6494970" cy="1005840"/>
+          </a:xfrm>
+          <a:prstGeom prst="roundRect">
+            <a:avLst>
+              <a:gd name="adj" fmla="val 25000"/>
+            </a:avLst>
+          </a:prstGeom>
+          <a:solidFill>
+            <a:srgbClr val="FFFF00">
+              <a:alpha val="50000"/>
+            </a:srgbClr>
+          </a:solidFill>
+          <a:ln w="25400" cap="flat" cmpd="sng" algn="ctr">
+            <a:noFill/>
+            <a:prstDash val="solid"/>
+          </a:ln>
+          <a:effectLst/>
+          <a:extLst>
+            <a:ext uri="{91240B29-F687-4F45-9708-019B960494DF}">
+              <a14:hiddenLine xmlns:a14="http://schemas.microsoft.com/office/drawing/2010/main" w="25400" cap="flat" cmpd="sng" algn="ctr">
+                <a:solidFill>
+                  <a:schemeClr val="accent1">
+                    <a:shade val="50000"/>
+                  </a:schemeClr>
+                </a:solidFill>
+                <a:prstDash val="solid"/>
+              </a14:hiddenLine>
+            </a:ext>
+          </a:extLst>
+        </p:spPr>
+        <p:style>
+          <a:lnRef idx="2">
+            <a:schemeClr val="accent1">
+              <a:shade val="50000"/>
+            </a:schemeClr>
+          </a:lnRef>
+          <a:fillRef idx="1">
+            <a:schemeClr val="accent1"/>
+          </a:fillRef>
+          <a:effectRef idx="0">
+            <a:schemeClr val="accent1"/>
+          </a:effectRef>
+          <a:fontRef idx="minor">
+            <a:schemeClr val="lt1"/>
+          </a:fontRef>
+        </p:style>
+        <p:txBody>
+          <a:bodyPr rtlCol="0" anchor="ctr"/>
+          <a:lstStyle/>
+          <a:p>
+            <a:pPr algn="ctr"/>
+            <a:endParaRPr lang="en-SG"/>
+          </a:p>
+        </p:txBody>
+      </p:sp>
+      <p:grpSp>
+        <p:nvGrpSpPr>
+          <p:cNvPr id="16" name="PPTLabsHighlightTextFragmentsShape6259e336-553d-493c-9c5a-d7f4b1889d4c"/>
+          <p:cNvGrpSpPr/>
+          <p:nvPr/>
+        </p:nvGrpSpPr>
+        <p:grpSpPr>
+          <a:xfrm>
+            <a:off x="1139190" y="3870960"/>
+            <a:ext cx="6974523" cy="2194560"/>
+            <a:chOff x="1139190" y="3870960"/>
+            <a:chExt cx="6974523" cy="2194560"/>
+          </a:xfrm>
+        </p:grpSpPr>
+        <p:sp>
+          <p:nvSpPr>
+            <p:cNvPr id="12" name="PPTLabsHighlightTextFragmentsShape612a547e-b2ed-4186-842e-5e65f105cedf"/>
+            <p:cNvSpPr/>
+            <p:nvPr>
+              <p:custDataLst>
+                <p:tags r:id="rId7"/>
+              </p:custDataLst>
+            </p:nvPr>
+          </p:nvSpPr>
+          <p:spPr>
+            <a:xfrm>
+              <a:off x="1139190" y="3870960"/>
+              <a:ext cx="6974523" cy="548640"/>
+            </a:xfrm>
+            <a:prstGeom prst="roundRect">
+              <a:avLst>
+                <a:gd name="adj" fmla="val 25000"/>
+              </a:avLst>
+            </a:prstGeom>
+            <a:solidFill>
+              <a:srgbClr val="FFFF00">
+                <a:alpha val="50000"/>
+              </a:srgbClr>
+            </a:solidFill>
+            <a:ln w="25400" cap="flat" cmpd="sng" algn="ctr">
+              <a:noFill/>
+              <a:prstDash val="solid"/>
+            </a:ln>
+            <a:effectLst/>
+            <a:extLst>
+              <a:ext uri="{91240B29-F687-4F45-9708-019B960494DF}">
+                <a14:hiddenLine xmlns:a14="http://schemas.microsoft.com/office/drawing/2010/main" w="25400" cap="flat" cmpd="sng" algn="ctr">
+                  <a:solidFill>
+                    <a:schemeClr val="accent1">
+                      <a:shade val="50000"/>
+                    </a:schemeClr>
+                  </a:solidFill>
+                  <a:prstDash val="solid"/>
+                </a14:hiddenLine>
+              </a:ext>
+            </a:extLst>
+          </p:spPr>
+          <p:style>
+            <a:lnRef idx="2">
+              <a:schemeClr val="accent1">
+                <a:shade val="50000"/>
+              </a:schemeClr>
+            </a:lnRef>
+            <a:fillRef idx="1">
+              <a:schemeClr val="accent1"/>
+            </a:fillRef>
+            <a:effectRef idx="0">
+              <a:schemeClr val="accent1"/>
+            </a:effectRef>
+            <a:fontRef idx="minor">
+              <a:schemeClr val="lt1"/>
+            </a:fontRef>
+          </p:style>
+          <p:txBody>
+            <a:bodyPr rtlCol="0" anchor="ctr"/>
+            <a:lstStyle/>
+            <a:p>
+              <a:pPr algn="ctr"/>
+              <a:endParaRPr lang="en-SG"/>
+            </a:p>
+          </p:txBody>
+        </p:sp>
+        <p:sp>
+          <p:nvSpPr>
+            <p:cNvPr id="13" name="PPTLabsHighlightTextFragmentsShapefb9dff23-56a0-4df4-bc80-a2ae39f63636"/>
+            <p:cNvSpPr/>
+            <p:nvPr>
+              <p:custDataLst>
+                <p:tags r:id="rId8"/>
+              </p:custDataLst>
+            </p:nvPr>
+          </p:nvSpPr>
+          <p:spPr>
+            <a:xfrm>
+              <a:off x="1139190" y="4419600"/>
+              <a:ext cx="6578600" cy="548640"/>
+            </a:xfrm>
+            <a:prstGeom prst="roundRect">
+              <a:avLst>
+                <a:gd name="adj" fmla="val 25000"/>
+              </a:avLst>
+            </a:prstGeom>
+            <a:solidFill>
+              <a:srgbClr val="FFFF00">
+                <a:alpha val="50000"/>
+              </a:srgbClr>
+            </a:solidFill>
+            <a:ln w="25400" cap="flat" cmpd="sng" algn="ctr">
+              <a:noFill/>
+              <a:prstDash val="solid"/>
+            </a:ln>
+            <a:effectLst/>
+            <a:extLst>
+              <a:ext uri="{91240B29-F687-4F45-9708-019B960494DF}">
+                <a14:hiddenLine xmlns:a14="http://schemas.microsoft.com/office/drawing/2010/main" w="25400" cap="flat" cmpd="sng" algn="ctr">
+                  <a:solidFill>
+                    <a:schemeClr val="accent1">
+                      <a:shade val="50000"/>
+                    </a:schemeClr>
+                  </a:solidFill>
+                  <a:prstDash val="solid"/>
+                </a14:hiddenLine>
+              </a:ext>
+            </a:extLst>
+          </p:spPr>
+          <p:style>
+            <a:lnRef idx="2">
+              <a:schemeClr val="accent1">
+                <a:shade val="50000"/>
+              </a:schemeClr>
+            </a:lnRef>
+            <a:fillRef idx="1">
+              <a:schemeClr val="accent1"/>
+            </a:fillRef>
+            <a:effectRef idx="0">
+              <a:schemeClr val="accent1"/>
+            </a:effectRef>
+            <a:fontRef idx="minor">
+              <a:schemeClr val="lt1"/>
+            </a:fontRef>
+          </p:style>
+          <p:txBody>
+            <a:bodyPr rtlCol="0" anchor="ctr"/>
+            <a:lstStyle/>
+            <a:p>
+              <a:pPr algn="ctr"/>
+              <a:endParaRPr lang="en-SG"/>
+            </a:p>
+          </p:txBody>
+        </p:sp>
+        <p:sp>
+          <p:nvSpPr>
+            <p:cNvPr id="14" name="PPTLabsHighlightTextFragmentsShaped4609327-c4de-425d-9d68-02d35c05bf3d"/>
+            <p:cNvSpPr/>
+            <p:nvPr>
+              <p:custDataLst>
+                <p:tags r:id="rId9"/>
+              </p:custDataLst>
+            </p:nvPr>
+          </p:nvSpPr>
+          <p:spPr>
+            <a:xfrm>
+              <a:off x="1139190" y="4968240"/>
+              <a:ext cx="6578600" cy="548640"/>
+            </a:xfrm>
+            <a:prstGeom prst="roundRect">
+              <a:avLst>
+                <a:gd name="adj" fmla="val 25000"/>
+              </a:avLst>
+            </a:prstGeom>
+            <a:solidFill>
+              <a:srgbClr val="FFFF00">
+                <a:alpha val="50000"/>
+              </a:srgbClr>
+            </a:solidFill>
+            <a:ln w="25400" cap="flat" cmpd="sng" algn="ctr">
+              <a:noFill/>
+              <a:prstDash val="solid"/>
+            </a:ln>
+            <a:effectLst/>
+            <a:extLst>
+              <a:ext uri="{91240B29-F687-4F45-9708-019B960494DF}">
+                <a14:hiddenLine xmlns:a14="http://schemas.microsoft.com/office/drawing/2010/main" w="25400" cap="flat" cmpd="sng" algn="ctr">
+                  <a:solidFill>
+                    <a:schemeClr val="accent1">
+                      <a:shade val="50000"/>
+                    </a:schemeClr>
+                  </a:solidFill>
+                  <a:prstDash val="solid"/>
+                </a14:hiddenLine>
+              </a:ext>
+            </a:extLst>
+          </p:spPr>
+          <p:style>
+            <a:lnRef idx="2">
+              <a:schemeClr val="accent1">
+                <a:shade val="50000"/>
+              </a:schemeClr>
+            </a:lnRef>
+            <a:fillRef idx="1">
+              <a:schemeClr val="accent1"/>
+            </a:fillRef>
+            <a:effectRef idx="0">
+              <a:schemeClr val="accent1"/>
+            </a:effectRef>
+            <a:fontRef idx="minor">
+              <a:schemeClr val="lt1"/>
+            </a:fontRef>
+          </p:style>
+          <p:txBody>
+            <a:bodyPr rtlCol="0" anchor="ctr"/>
+            <a:lstStyle/>
+            <a:p>
+              <a:pPr algn="ctr"/>
+              <a:endParaRPr lang="en-SG"/>
+            </a:p>
+          </p:txBody>
+        </p:sp>
+        <p:sp>
+          <p:nvSpPr>
+            <p:cNvPr id="15" name="PPTLabsHighlightTextFragmentsShapeca68f108-b76c-4f17-bb50-14898e6f6c37"/>
+            <p:cNvSpPr/>
+            <p:nvPr>
+              <p:custDataLst>
+                <p:tags r:id="rId10"/>
+              </p:custDataLst>
+            </p:nvPr>
+          </p:nvSpPr>
+          <p:spPr>
+            <a:xfrm>
+              <a:off x="1139190" y="5516880"/>
+              <a:ext cx="1541526" cy="548640"/>
+            </a:xfrm>
+            <a:prstGeom prst="roundRect">
+              <a:avLst>
+                <a:gd name="adj" fmla="val 25000"/>
+              </a:avLst>
+            </a:prstGeom>
+            <a:solidFill>
+              <a:srgbClr val="FFFF00">
+                <a:alpha val="50000"/>
+              </a:srgbClr>
+            </a:solidFill>
+            <a:ln w="25400" cap="flat" cmpd="sng" algn="ctr">
+              <a:noFill/>
+              <a:prstDash val="solid"/>
+            </a:ln>
+            <a:effectLst/>
+            <a:extLst>
+              <a:ext uri="{91240B29-F687-4F45-9708-019B960494DF}">
+                <a14:hiddenLine xmlns:a14="http://schemas.microsoft.com/office/drawing/2010/main" w="25400" cap="flat" cmpd="sng" algn="ctr">
+                  <a:solidFill>
+                    <a:schemeClr val="accent1">
+                      <a:shade val="50000"/>
+                    </a:schemeClr>
+                  </a:solidFill>
+                  <a:prstDash val="solid"/>
+                </a14:hiddenLine>
+              </a:ext>
+            </a:extLst>
+          </p:spPr>
+          <p:style>
+            <a:lnRef idx="2">
+              <a:schemeClr val="accent1">
+                <a:shade val="50000"/>
+              </a:schemeClr>
+            </a:lnRef>
+            <a:fillRef idx="1">
+              <a:schemeClr val="accent1"/>
+            </a:fillRef>
+            <a:effectRef idx="0">
+              <a:schemeClr val="accent1"/>
+            </a:effectRef>
+            <a:fontRef idx="minor">
+              <a:schemeClr val="lt1"/>
+            </a:fontRef>
+          </p:style>
+          <p:txBody>
+            <a:bodyPr rtlCol="0" anchor="ctr"/>
+            <a:lstStyle/>
+            <a:p>
+              <a:pPr algn="ctr"/>
+              <a:endParaRPr lang="en-SG"/>
+            </a:p>
+          </p:txBody>
+        </p:sp>
+      </p:grpSp>
+      <p:sp>
+        <p:nvSpPr>
+          <p:cNvPr id="17" name="PPTLabsHighlightTextFragmentsShaped3190702-95da-4afd-8acf-a33bcd3b3049"/>
+          <p:cNvSpPr/>
+          <p:nvPr>
+            <p:custDataLst>
+              <p:tags r:id="rId6"/>
+            </p:custDataLst>
+          </p:nvPr>
+        </p:nvSpPr>
+        <p:spPr>
+          <a:xfrm>
+            <a:off x="1139190" y="6065520"/>
+            <a:ext cx="6587554" cy="274320"/>
+          </a:xfrm>
+          <a:prstGeom prst="roundRect">
+            <a:avLst>
+              <a:gd name="adj" fmla="val 25000"/>
+            </a:avLst>
+          </a:prstGeom>
+          <a:solidFill>
+            <a:srgbClr val="FFFF00">
+              <a:alpha val="50000"/>
+            </a:srgbClr>
+          </a:solidFill>
+          <a:ln w="25400" cap="flat" cmpd="sng" algn="ctr">
+            <a:noFill/>
+            <a:prstDash val="solid"/>
+          </a:ln>
+          <a:effectLst/>
+          <a:extLst>
+            <a:ext uri="{91240B29-F687-4F45-9708-019B960494DF}">
+              <a14:hiddenLine xmlns:a14="http://schemas.microsoft.com/office/drawing/2010/main" w="25400" cap="flat" cmpd="sng" algn="ctr">
+                <a:solidFill>
+                  <a:schemeClr val="accent1">
+                    <a:shade val="50000"/>
+                  </a:schemeClr>
+                </a:solidFill>
+                <a:prstDash val="solid"/>
+              </a14:hiddenLine>
+            </a:ext>
+          </a:extLst>
+        </p:spPr>
+        <p:style>
+          <a:lnRef idx="2">
+            <a:schemeClr val="accent1">
+              <a:shade val="50000"/>
+            </a:schemeClr>
+          </a:lnRef>
+          <a:fillRef idx="1">
+            <a:schemeClr val="accent1"/>
+          </a:fillRef>
+          <a:effectRef idx="0">
+            <a:schemeClr val="accent1"/>
+          </a:effectRef>
+          <a:fontRef idx="minor">
+            <a:schemeClr val="lt1"/>
+          </a:fontRef>
+        </p:style>
+        <p:txBody>
+          <a:bodyPr rtlCol="0" anchor="ctr"/>
+          <a:lstStyle/>
+          <a:p>
+            <a:pPr algn="ctr"/>
+            <a:endParaRPr lang="en-SG"/>
+          </a:p>
+        </p:txBody>
+      </p:sp>
+      <p:sp>
+        <p:nvSpPr>
+          <p:cNvPr id="2" name="HighlightBackgroundShape73075057-96f2-467a-9739-220ecca5ae94"/>
+          <p:cNvSpPr txBox="1"/>
+          <p:nvPr/>
+        </p:nvSpPr>
+        <p:spPr>
+          <a:xfrm>
+            <a:off x="762000" y="533400"/>
+            <a:ext cx="7620000" cy="5909310"/>
+          </a:xfrm>
+          <a:prstGeom prst="rect">
+            <a:avLst/>
+          </a:prstGeom>
+          <a:noFill/>
+        </p:spPr>
+        <p:txBody>
+          <a:bodyPr wrap="square" rtlCol="0">
+            <a:spAutoFit/>
+          </a:bodyPr>
+          <a:lstStyle/>
+          <a:p>
+            <a:pPr marL="285750" indent="-285750">
+              <a:buFont typeface="Arial" panose="020B0604020202020204" pitchFamily="34" charset="0"/>
+              <a:buChar char="•"/>
+            </a:pPr>
+            <a:r>
+              <a:rPr lang="en-US" sz="2800" dirty="0" smtClean="0"/>
+              <a:t>Test - Non-ABC: 1234567890!@#$%^&amp;*()</a:t>
+            </a:r>
+          </a:p>
+          <a:p>
+            <a:r>
+              <a:rPr lang="en-US" sz="2800" dirty="0"/>
+              <a:t>Test </a:t>
+            </a:r>
+            <a:r>
+              <a:rPr lang="en-US" sz="2800" dirty="0" smtClean="0"/>
+              <a:t>– No bullet point</a:t>
+            </a:r>
+            <a:endParaRPr lang="en-US" sz="2800" dirty="0"/>
+          </a:p>
+          <a:p>
+            <a:pPr marL="514350" indent="-514350">
+              <a:buFont typeface="+mj-lt"/>
+              <a:buAutoNum type="arabicPeriod"/>
+            </a:pPr>
+            <a:r>
+              <a:rPr lang="en-US" sz="2800" dirty="0"/>
+              <a:t>Test – </a:t>
+            </a:r>
+            <a:r>
+              <a:rPr lang="en-US" sz="2800" dirty="0" smtClean="0"/>
+              <a:t>Different bullet point</a:t>
+            </a:r>
+          </a:p>
+          <a:p>
+            <a:pPr marL="285750" indent="-285750">
+              <a:buFont typeface="Arial" panose="020B0604020202020204" pitchFamily="34" charset="0"/>
+              <a:buChar char="•"/>
+            </a:pPr>
+            <a:r>
+              <a:rPr lang="en-US" sz="2800" dirty="0" smtClean="0">
+                <a:latin typeface="Times New Roman" panose="02020603050405020304" pitchFamily="18" charset="0"/>
+                <a:cs typeface="Times New Roman" panose="02020603050405020304" pitchFamily="18" charset="0"/>
+              </a:rPr>
+              <a:t>Test - Another Font Family, using Times New Roman</a:t>
+            </a:r>
+          </a:p>
+          <a:p>
+            <a:pPr marL="285750" indent="-285750">
+              <a:buFont typeface="Arial" panose="020B0604020202020204" pitchFamily="34" charset="0"/>
+              <a:buChar char="•"/>
+            </a:pPr>
+            <a:r>
+              <a:rPr lang="en-US" sz="1000" dirty="0" smtClean="0"/>
+              <a:t>Test - very small content. Test: very small content. Test: very small content. Test: very small content</a:t>
+            </a:r>
+          </a:p>
+          <a:p>
+            <a:pPr marL="285750" indent="-285750">
+              <a:buFont typeface="Arial" panose="020B0604020202020204" pitchFamily="34" charset="0"/>
+              <a:buChar char="•"/>
+            </a:pPr>
+            <a:r>
+              <a:rPr lang="en-US" sz="6600" dirty="0" smtClean="0">
+                <a:latin typeface="Arial Black" panose="020B0A04020102020204" pitchFamily="34" charset="0"/>
+              </a:rPr>
+              <a:t>Test - very big</a:t>
+            </a:r>
+          </a:p>
+          <a:p>
+            <a:pPr marL="285750" indent="-285750">
+              <a:buFont typeface="Arial" panose="020B0604020202020204" pitchFamily="34" charset="0"/>
+              <a:buChar char="•"/>
+            </a:pPr>
+            <a:r>
+              <a:rPr lang="en-US" sz="3600" dirty="0" smtClean="0"/>
+              <a:t>Test – Long sentence: </a:t>
+            </a:r>
+            <a:r>
+              <a:rPr lang="en-US" sz="3600" dirty="0" err="1" smtClean="0"/>
+              <a:t>Asdddd</a:t>
+            </a:r>
+            <a:r>
+              <a:rPr lang="en-US" sz="3600" dirty="0" smtClean="0"/>
+              <a:t> </a:t>
+            </a:r>
+            <a:r>
+              <a:rPr lang="en-US" sz="3600" dirty="0" err="1" smtClean="0"/>
+              <a:t>ddd</a:t>
+            </a:r>
+            <a:r>
+              <a:rPr lang="en-US" sz="3600" dirty="0" smtClean="0"/>
+              <a:t> </a:t>
+            </a:r>
+            <a:r>
+              <a:rPr lang="en-US" sz="3600" dirty="0" err="1" smtClean="0"/>
+              <a:t>dd</a:t>
+            </a:r>
+            <a:r>
+              <a:rPr lang="en-US" sz="3600" dirty="0" smtClean="0"/>
+              <a:t> d </a:t>
+            </a:r>
+            <a:r>
+              <a:rPr lang="en-US" sz="3600" dirty="0" err="1" smtClean="0"/>
+              <a:t>ddddd</a:t>
+            </a:r>
+            <a:r>
+              <a:rPr lang="en-US" sz="3600" dirty="0" smtClean="0"/>
+              <a:t> </a:t>
+            </a:r>
+            <a:r>
+              <a:rPr lang="en-US" sz="3600" dirty="0" err="1" smtClean="0"/>
+              <a:t>ddd</a:t>
+            </a:r>
+            <a:r>
+              <a:rPr lang="en-US" sz="3600" dirty="0" smtClean="0"/>
+              <a:t> </a:t>
+            </a:r>
+            <a:r>
+              <a:rPr lang="en-US" sz="3600" dirty="0" err="1" smtClean="0"/>
+              <a:t>ddd</a:t>
+            </a:r>
+            <a:r>
+              <a:rPr lang="en-US" sz="3600" dirty="0" smtClean="0"/>
+              <a:t> </a:t>
+            </a:r>
+            <a:r>
+              <a:rPr lang="en-US" sz="3600" dirty="0" err="1" smtClean="0"/>
+              <a:t>ddd</a:t>
+            </a:r>
+            <a:r>
+              <a:rPr lang="en-US" sz="3600" dirty="0" smtClean="0"/>
+              <a:t> </a:t>
+            </a:r>
+            <a:r>
+              <a:rPr lang="en-US" sz="3600" dirty="0" err="1" smtClean="0"/>
+              <a:t>ddd</a:t>
+            </a:r>
+            <a:r>
+              <a:rPr lang="en-US" sz="3600" dirty="0" smtClean="0"/>
+              <a:t> </a:t>
+            </a:r>
+            <a:r>
+              <a:rPr lang="en-US" sz="3600" dirty="0" err="1" smtClean="0"/>
+              <a:t>ddd</a:t>
+            </a:r>
+            <a:r>
+              <a:rPr lang="en-US" sz="3600" dirty="0" smtClean="0"/>
+              <a:t> </a:t>
+            </a:r>
+            <a:r>
+              <a:rPr lang="en-US" sz="3600" dirty="0" err="1" smtClean="0"/>
+              <a:t>ddd</a:t>
+            </a:r>
+            <a:r>
+              <a:rPr lang="en-US" sz="3600" dirty="0" smtClean="0"/>
+              <a:t> </a:t>
+            </a:r>
+            <a:r>
+              <a:rPr lang="en-US" sz="3600" dirty="0" err="1" smtClean="0"/>
+              <a:t>ddd</a:t>
+            </a:r>
+            <a:r>
+              <a:rPr lang="en-US" sz="3600" dirty="0" smtClean="0"/>
+              <a:t> </a:t>
+            </a:r>
+            <a:r>
+              <a:rPr lang="en-US" sz="3600" dirty="0" err="1" smtClean="0"/>
+              <a:t>dddddd</a:t>
+            </a:r>
+            <a:r>
+              <a:rPr lang="en-US" sz="3600" dirty="0" smtClean="0"/>
+              <a:t> </a:t>
+            </a:r>
+            <a:r>
+              <a:rPr lang="en-US" sz="3600" dirty="0" err="1" smtClean="0"/>
+              <a:t>dd</a:t>
+            </a:r>
+            <a:r>
+              <a:rPr lang="en-US" sz="3600" dirty="0" smtClean="0"/>
+              <a:t> </a:t>
+            </a:r>
+            <a:r>
+              <a:rPr lang="en-US" sz="3600" dirty="0" err="1" smtClean="0"/>
+              <a:t>ddd</a:t>
+            </a:r>
+            <a:r>
+              <a:rPr lang="en-US" sz="3600" dirty="0" smtClean="0"/>
+              <a:t> </a:t>
+            </a:r>
+            <a:r>
+              <a:rPr lang="en-US" sz="3600" dirty="0" err="1" smtClean="0"/>
+              <a:t>ddddd</a:t>
+            </a:r>
+            <a:r>
+              <a:rPr lang="en-US" sz="3600" dirty="0" smtClean="0"/>
+              <a:t> </a:t>
+            </a:r>
+            <a:r>
+              <a:rPr lang="en-US" sz="3600" dirty="0" err="1" smtClean="0"/>
+              <a:t>dd</a:t>
+            </a:r>
+            <a:r>
+              <a:rPr lang="en-US" sz="3600" dirty="0" smtClean="0"/>
+              <a:t> </a:t>
+            </a:r>
+            <a:r>
+              <a:rPr lang="en-US" sz="3600" dirty="0" err="1" smtClean="0"/>
+              <a:t>dd</a:t>
+            </a:r>
+            <a:r>
+              <a:rPr lang="en-US" sz="3600" dirty="0" smtClean="0"/>
+              <a:t> d </a:t>
+            </a:r>
+            <a:r>
+              <a:rPr lang="en-US" sz="3600" dirty="0" err="1" smtClean="0"/>
+              <a:t>ddd</a:t>
+            </a:r>
+            <a:r>
+              <a:rPr lang="en-US" sz="3600" dirty="0" smtClean="0"/>
+              <a:t> </a:t>
+            </a:r>
+            <a:r>
+              <a:rPr lang="en-US" sz="3600" dirty="0" err="1" smtClean="0"/>
+              <a:t>ddd</a:t>
+            </a:r>
+            <a:endParaRPr lang="en-US" sz="3600" dirty="0" smtClean="0"/>
+          </a:p>
+          <a:p>
+            <a:pPr marL="285750" indent="-285750">
+              <a:buFont typeface="Arial" panose="020B0604020202020204" pitchFamily="34" charset="0"/>
+              <a:buChar char="•"/>
+            </a:pPr>
+            <a:r>
+              <a:rPr lang="en-US" altLang="zh-CN" dirty="0" smtClean="0"/>
+              <a:t>Test – Chinese Characters: </a:t>
+            </a:r>
+            <a:r>
+              <a:rPr lang="zh-CN" altLang="en-US" dirty="0" smtClean="0"/>
+              <a:t>阿</a:t>
+            </a:r>
+            <a:r>
+              <a:rPr lang="zh-CN" altLang="en-US" dirty="0"/>
+              <a:t>斯</a:t>
+            </a:r>
+            <a:r>
+              <a:rPr lang="zh-CN" altLang="en-US" dirty="0" smtClean="0"/>
+              <a:t>顿啊盛大速度啊盛大速度啊盛大速度</a:t>
+            </a:r>
+            <a:endParaRPr lang="en-SG" dirty="0"/>
+          </a:p>
+        </p:txBody>
+      </p:sp>
+    </p:spTree>
+    <p:extLst>
+      <p:ext uri="{BB962C8B-B14F-4D97-AF65-F5344CB8AC3E}">
+        <p14:creationId xmlns:p14="http://schemas.microsoft.com/office/powerpoint/2010/main" val="3386973074"/>
+      </p:ext>
+    </p:extLst>
+  </p:cSld>
+  <p:clrMapOvr>
+    <a:masterClrMapping/>
+  </p:clrMapOvr>
+  <p:transition spd="slow">
+    <p:push dir="u"/>
+  </p:transition>
+  <p:timing>
+    <p:tnLst>
+      <p:par>
+        <p:cTn id="1" dur="indefinite" restart="never" nodeType="tmRoot">
+          <p:childTnLst>
+            <p:seq concurrent="1" nextAc="seek">
+              <p:cTn id="2" dur="indefinite" nodeType="mainSeq">
+                <p:childTnLst>
+                  <p:par>
+                    <p:cTn id="3" fill="hold">
+                      <p:stCondLst>
+                        <p:cond delay="indefinite"/>
+                      </p:stCondLst>
+                      <p:childTnLst>
+                        <p:par>
+                          <p:cTn id="4" fill="hold">
+                            <p:stCondLst>
+                              <p:cond delay="0"/>
+                            </p:stCondLst>
+                            <p:childTnLst>
+                              <p:par>
+                                <p:cTn id="5" presetID="10" presetClass="entr" presetSubtype="0" fill="hold" grpId="0" nodeType="clickEffect">
+                                  <p:stCondLst>
+                                    <p:cond delay="0"/>
+                                  </p:stCondLst>
+                                  <p:childTnLst>
+                                    <p:set>
+                                      <p:cBhvr>
+                                        <p:cTn id="6" dur="1" fill="hold">
+                                          <p:stCondLst>
+                                            <p:cond delay="0"/>
+                                          </p:stCondLst>
+                                        </p:cTn>
+                                        <p:tgtEl>
+                                          <p:spTgt spid="5"/>
+                                        </p:tgtEl>
+                                        <p:attrNameLst>
+                                          <p:attrName>style.visibility</p:attrName>
+                                        </p:attrNameLst>
+                                      </p:cBhvr>
+                                      <p:to>
+                                        <p:strVal val="visible"/>
+                                      </p:to>
+                                    </p:set>
+                                    <p:animEffect transition="in" filter="fade">
+                                      <p:cBhvr>
+                                        <p:cTn id="7" dur="500"/>
+                                        <p:tgtEl>
+                                          <p:spTgt spid="5"/>
+                                        </p:tgtEl>
+                                      </p:cBhvr>
+                                    </p:animEffect>
+                                  </p:childTnLst>
+                                </p:cTn>
+                              </p:par>
+                              <p:par>
+                                <p:cTn id="8" presetID="10" presetClass="exit" presetSubtype="0" fill="hold" grpId="0" nodeType="withEffect">
+                                  <p:stCondLst>
+                                    <p:cond delay="0"/>
+                                  </p:stCondLst>
+                                  <p:childTnLst>
+                                    <p:animEffect transition="out" filter="fade">
+                                      <p:cBhvr>
+                                        <p:cTn id="9" dur="500"/>
+                                        <p:tgtEl>
+                                          <p:spTgt spid="4"/>
+                                        </p:tgtEl>
+                                      </p:cBhvr>
+                                    </p:animEffect>
+                                    <p:set>
+                                      <p:cBhvr>
+                                        <p:cTn id="10" dur="1" fill="hold">
+                                          <p:stCondLst>
+                                            <p:cond delay="499"/>
+                                          </p:stCondLst>
+                                        </p:cTn>
+                                        <p:tgtEl>
+                                          <p:spTgt spid="4"/>
+                                        </p:tgtEl>
+                                        <p:attrNameLst>
+                                          <p:attrName>style.visibility</p:attrName>
+                                        </p:attrNameLst>
+                                      </p:cBhvr>
+                                      <p:to>
+                                        <p:strVal val="hidden"/>
+                                      </p:to>
+                                    </p:set>
+                                  </p:childTnLst>
+                                </p:cTn>
+                              </p:par>
+                            </p:childTnLst>
+                          </p:cTn>
+                        </p:par>
+                      </p:childTnLst>
+                    </p:cTn>
+                  </p:par>
+                  <p:par>
+                    <p:cTn id="11" fill="hold">
+                      <p:stCondLst>
+                        <p:cond delay="indefinite"/>
+                      </p:stCondLst>
+                      <p:childTnLst>
+                        <p:par>
+                          <p:cTn id="12" fill="hold">
+                            <p:stCondLst>
+                              <p:cond delay="0"/>
+                            </p:stCondLst>
+                            <p:childTnLst>
+                              <p:par>
+                                <p:cTn id="13" presetID="10" presetClass="entr" presetSubtype="0" fill="hold" grpId="0" nodeType="clickEffect">
+                                  <p:stCondLst>
+                                    <p:cond delay="0"/>
+                                  </p:stCondLst>
+                                  <p:childTnLst>
+                                    <p:set>
+                                      <p:cBhvr>
+                                        <p:cTn id="14" dur="1" fill="hold">
+                                          <p:stCondLst>
+                                            <p:cond delay="0"/>
+                                          </p:stCondLst>
+                                        </p:cTn>
+                                        <p:tgtEl>
+                                          <p:spTgt spid="6"/>
+                                        </p:tgtEl>
+                                        <p:attrNameLst>
+                                          <p:attrName>style.visibility</p:attrName>
+                                        </p:attrNameLst>
+                                      </p:cBhvr>
+                                      <p:to>
+                                        <p:strVal val="visible"/>
+                                      </p:to>
+                                    </p:set>
+                                    <p:animEffect transition="in" filter="fade">
+                                      <p:cBhvr>
+                                        <p:cTn id="15" dur="500"/>
+                                        <p:tgtEl>
+                                          <p:spTgt spid="6"/>
+                                        </p:tgtEl>
+                                      </p:cBhvr>
+                                    </p:animEffect>
+                                  </p:childTnLst>
+                                </p:cTn>
+                              </p:par>
+                              <p:par>
+                                <p:cTn id="16" presetID="10" presetClass="exit" presetSubtype="0" fill="hold" grpId="1" nodeType="withEffect">
+                                  <p:stCondLst>
+                                    <p:cond delay="0"/>
+                                  </p:stCondLst>
+                                  <p:childTnLst>
+                                    <p:animEffect transition="out" filter="fade">
+                                      <p:cBhvr>
+                                        <p:cTn id="17" dur="500"/>
+                                        <p:tgtEl>
+                                          <p:spTgt spid="5"/>
+                                        </p:tgtEl>
+                                      </p:cBhvr>
+                                    </p:animEffect>
+                                    <p:set>
+                                      <p:cBhvr>
+                                        <p:cTn id="18" dur="1" fill="hold">
+                                          <p:stCondLst>
+                                            <p:cond delay="499"/>
+                                          </p:stCondLst>
+                                        </p:cTn>
+                                        <p:tgtEl>
+                                          <p:spTgt spid="5"/>
+                                        </p:tgtEl>
+                                        <p:attrNameLst>
+                                          <p:attrName>style.visibility</p:attrName>
+                                        </p:attrNameLst>
+                                      </p:cBhvr>
+                                      <p:to>
+                                        <p:strVal val="hidden"/>
+                                      </p:to>
+                                    </p:set>
+                                  </p:childTnLst>
+                                </p:cTn>
+                              </p:par>
+                            </p:childTnLst>
+                          </p:cTn>
+                        </p:par>
+                      </p:childTnLst>
+                    </p:cTn>
+                  </p:par>
+                  <p:par>
+                    <p:cTn id="19" fill="hold">
+                      <p:stCondLst>
+                        <p:cond delay="indefinite"/>
+                      </p:stCondLst>
+                      <p:childTnLst>
+                        <p:par>
+                          <p:cTn id="20" fill="hold">
+                            <p:stCondLst>
+                              <p:cond delay="0"/>
+                            </p:stCondLst>
+                            <p:childTnLst>
+                              <p:par>
+                                <p:cTn id="21" presetID="10" presetClass="entr" presetSubtype="0" fill="hold" nodeType="clickEffect">
+                                  <p:stCondLst>
+                                    <p:cond delay="0"/>
+                                  </p:stCondLst>
+                                  <p:childTnLst>
+                                    <p:set>
+                                      <p:cBhvr>
+                                        <p:cTn id="22" dur="1" fill="hold">
+                                          <p:stCondLst>
+                                            <p:cond delay="0"/>
+                                          </p:stCondLst>
+                                        </p:cTn>
+                                        <p:tgtEl>
+                                          <p:spTgt spid="9"/>
+                                        </p:tgtEl>
+                                        <p:attrNameLst>
+                                          <p:attrName>style.visibility</p:attrName>
+                                        </p:attrNameLst>
+                                      </p:cBhvr>
+                                      <p:to>
+                                        <p:strVal val="visible"/>
+                                      </p:to>
+                                    </p:set>
+                                    <p:animEffect transition="in" filter="fade">
+                                      <p:cBhvr>
+                                        <p:cTn id="23" dur="500"/>
+                                        <p:tgtEl>
+                                          <p:spTgt spid="9"/>
+                                        </p:tgtEl>
+                                      </p:cBhvr>
+                                    </p:animEffect>
+                                  </p:childTnLst>
+                                </p:cTn>
+                              </p:par>
+                              <p:par>
+                                <p:cTn id="24" presetID="10" presetClass="exit" presetSubtype="0" fill="hold" grpId="1" nodeType="withEffect">
+                                  <p:stCondLst>
+                                    <p:cond delay="0"/>
+                                  </p:stCondLst>
+                                  <p:childTnLst>
+                                    <p:animEffect transition="out" filter="fade">
+                                      <p:cBhvr>
+                                        <p:cTn id="25" dur="500"/>
+                                        <p:tgtEl>
+                                          <p:spTgt spid="6"/>
+                                        </p:tgtEl>
+                                      </p:cBhvr>
+                                    </p:animEffect>
+                                    <p:set>
+                                      <p:cBhvr>
+                                        <p:cTn id="26" dur="1" fill="hold">
+                                          <p:stCondLst>
+                                            <p:cond delay="499"/>
+                                          </p:stCondLst>
+                                        </p:cTn>
+                                        <p:tgtEl>
+                                          <p:spTgt spid="6"/>
+                                        </p:tgtEl>
+                                        <p:attrNameLst>
+                                          <p:attrName>style.visibility</p:attrName>
+                                        </p:attrNameLst>
+                                      </p:cBhvr>
+                                      <p:to>
+                                        <p:strVal val="hidden"/>
+                                      </p:to>
+                                    </p:set>
+                                  </p:childTnLst>
+                                </p:cTn>
+                              </p:par>
+                            </p:childTnLst>
+                          </p:cTn>
+                        </p:par>
+                      </p:childTnLst>
+                    </p:cTn>
+                  </p:par>
+                  <p:par>
+                    <p:cTn id="27" fill="hold">
+                      <p:stCondLst>
+                        <p:cond delay="indefinite"/>
+                      </p:stCondLst>
+                      <p:childTnLst>
+                        <p:par>
+                          <p:cTn id="28" fill="hold">
+                            <p:stCondLst>
+                              <p:cond delay="0"/>
+                            </p:stCondLst>
+                            <p:childTnLst>
+                              <p:par>
+                                <p:cTn id="29" presetID="10" presetClass="entr" presetSubtype="0" fill="hold" grpId="0" nodeType="clickEffect">
+                                  <p:stCondLst>
+                                    <p:cond delay="0"/>
+                                  </p:stCondLst>
+                                  <p:childTnLst>
+                                    <p:set>
+                                      <p:cBhvr>
+                                        <p:cTn id="30" dur="1" fill="hold">
+                                          <p:stCondLst>
+                                            <p:cond delay="0"/>
+                                          </p:stCondLst>
+                                        </p:cTn>
+                                        <p:tgtEl>
+                                          <p:spTgt spid="10"/>
+                                        </p:tgtEl>
+                                        <p:attrNameLst>
+                                          <p:attrName>style.visibility</p:attrName>
+                                        </p:attrNameLst>
+                                      </p:cBhvr>
+                                      <p:to>
+                                        <p:strVal val="visible"/>
+                                      </p:to>
+                                    </p:set>
+                                    <p:animEffect transition="in" filter="fade">
+                                      <p:cBhvr>
+                                        <p:cTn id="31" dur="500"/>
+                                        <p:tgtEl>
+                                          <p:spTgt spid="10"/>
+                                        </p:tgtEl>
+                                      </p:cBhvr>
+                                    </p:animEffect>
+                                  </p:childTnLst>
+                                </p:cTn>
+                              </p:par>
+                              <p:par>
+                                <p:cTn id="32" presetID="10" presetClass="exit" presetSubtype="0" fill="hold" nodeType="withEffect">
+                                  <p:stCondLst>
+                                    <p:cond delay="0"/>
+                                  </p:stCondLst>
+                                  <p:childTnLst>
+                                    <p:animEffect transition="out" filter="fade">
+                                      <p:cBhvr>
+                                        <p:cTn id="33" dur="500"/>
+                                        <p:tgtEl>
+                                          <p:spTgt spid="9"/>
+                                        </p:tgtEl>
+                                      </p:cBhvr>
+                                    </p:animEffect>
+                                    <p:set>
+                                      <p:cBhvr>
+                                        <p:cTn id="34" dur="1" fill="hold">
+                                          <p:stCondLst>
+                                            <p:cond delay="499"/>
+                                          </p:stCondLst>
+                                        </p:cTn>
+                                        <p:tgtEl>
+                                          <p:spTgt spid="9"/>
+                                        </p:tgtEl>
+                                        <p:attrNameLst>
+                                          <p:attrName>style.visibility</p:attrName>
+                                        </p:attrNameLst>
+                                      </p:cBhvr>
+                                      <p:to>
+                                        <p:strVal val="hidden"/>
+                                      </p:to>
+                                    </p:set>
+                                  </p:childTnLst>
+                                </p:cTn>
+                              </p:par>
+                            </p:childTnLst>
+                          </p:cTn>
+                        </p:par>
+                      </p:childTnLst>
+                    </p:cTn>
+                  </p:par>
+                  <p:par>
+                    <p:cTn id="35" fill="hold">
+                      <p:stCondLst>
+                        <p:cond delay="indefinite"/>
+                      </p:stCondLst>
+                      <p:childTnLst>
+                        <p:par>
+                          <p:cTn id="36" fill="hold">
+                            <p:stCondLst>
+                              <p:cond delay="0"/>
+                            </p:stCondLst>
+                            <p:childTnLst>
+                              <p:par>
+                                <p:cTn id="37" presetID="10" presetClass="entr" presetSubtype="0" fill="hold" grpId="0" nodeType="clickEffect">
+                                  <p:stCondLst>
+                                    <p:cond delay="0"/>
+                                  </p:stCondLst>
+                                  <p:childTnLst>
+                                    <p:set>
+                                      <p:cBhvr>
+                                        <p:cTn id="38" dur="1" fill="hold">
+                                          <p:stCondLst>
+                                            <p:cond delay="0"/>
+                                          </p:stCondLst>
+                                        </p:cTn>
+                                        <p:tgtEl>
+                                          <p:spTgt spid="11"/>
+                                        </p:tgtEl>
+                                        <p:attrNameLst>
+                                          <p:attrName>style.visibility</p:attrName>
+                                        </p:attrNameLst>
+                                      </p:cBhvr>
+                                      <p:to>
+                                        <p:strVal val="visible"/>
+                                      </p:to>
+                                    </p:set>
+                                    <p:animEffect transition="in" filter="fade">
+                                      <p:cBhvr>
+                                        <p:cTn id="39" dur="500"/>
+                                        <p:tgtEl>
+                                          <p:spTgt spid="11"/>
+                                        </p:tgtEl>
+                                      </p:cBhvr>
+                                    </p:animEffect>
+                                  </p:childTnLst>
+                                </p:cTn>
+                              </p:par>
+                              <p:par>
+                                <p:cTn id="40" presetID="10" presetClass="exit" presetSubtype="0" fill="hold" grpId="1" nodeType="withEffect">
+                                  <p:stCondLst>
+                                    <p:cond delay="0"/>
+                                  </p:stCondLst>
+                                  <p:childTnLst>
+                                    <p:animEffect transition="out" filter="fade">
+                                      <p:cBhvr>
+                                        <p:cTn id="41" dur="500"/>
+                                        <p:tgtEl>
+                                          <p:spTgt spid="10"/>
+                                        </p:tgtEl>
+                                      </p:cBhvr>
+                                    </p:animEffect>
+                                    <p:set>
+                                      <p:cBhvr>
+                                        <p:cTn id="42" dur="1" fill="hold">
+                                          <p:stCondLst>
+                                            <p:cond delay="499"/>
+                                          </p:stCondLst>
+                                        </p:cTn>
+                                        <p:tgtEl>
+                                          <p:spTgt spid="10"/>
+                                        </p:tgtEl>
+                                        <p:attrNameLst>
+                                          <p:attrName>style.visibility</p:attrName>
+                                        </p:attrNameLst>
+                                      </p:cBhvr>
+                                      <p:to>
+                                        <p:strVal val="hidden"/>
+                                      </p:to>
+                                    </p:set>
+                                  </p:childTnLst>
+                                </p:cTn>
+                              </p:par>
+                            </p:childTnLst>
+                          </p:cTn>
+                        </p:par>
+                      </p:childTnLst>
+                    </p:cTn>
+                  </p:par>
+                  <p:par>
+                    <p:cTn id="43" fill="hold">
+                      <p:stCondLst>
+                        <p:cond delay="indefinite"/>
+                      </p:stCondLst>
+                      <p:childTnLst>
+                        <p:par>
+                          <p:cTn id="44" fill="hold">
+                            <p:stCondLst>
+                              <p:cond delay="0"/>
+                            </p:stCondLst>
+                            <p:childTnLst>
+                              <p:par>
+                                <p:cTn id="45" presetID="10" presetClass="entr" presetSubtype="0" fill="hold" nodeType="clickEffect">
+                                  <p:stCondLst>
+                                    <p:cond delay="0"/>
+                                  </p:stCondLst>
+                                  <p:childTnLst>
+                                    <p:set>
+                                      <p:cBhvr>
+                                        <p:cTn id="46" dur="1" fill="hold">
+                                          <p:stCondLst>
+                                            <p:cond delay="0"/>
+                                          </p:stCondLst>
+                                        </p:cTn>
+                                        <p:tgtEl>
+                                          <p:spTgt spid="16"/>
+                                        </p:tgtEl>
+                                        <p:attrNameLst>
+                                          <p:attrName>style.visibility</p:attrName>
+                                        </p:attrNameLst>
+                                      </p:cBhvr>
+                                      <p:to>
+                                        <p:strVal val="visible"/>
+                                      </p:to>
+                                    </p:set>
+                                    <p:animEffect transition="in" filter="fade">
+                                      <p:cBhvr>
+                                        <p:cTn id="47" dur="500"/>
+                                        <p:tgtEl>
+                                          <p:spTgt spid="16"/>
+                                        </p:tgtEl>
+                                      </p:cBhvr>
+                                    </p:animEffect>
+                                  </p:childTnLst>
+                                </p:cTn>
+                              </p:par>
+                              <p:par>
+                                <p:cTn id="48" presetID="10" presetClass="exit" presetSubtype="0" fill="hold" grpId="1" nodeType="withEffect">
+                                  <p:stCondLst>
+                                    <p:cond delay="0"/>
+                                  </p:stCondLst>
+                                  <p:childTnLst>
+                                    <p:animEffect transition="out" filter="fade">
+                                      <p:cBhvr>
+                                        <p:cTn id="49" dur="500"/>
+                                        <p:tgtEl>
+                                          <p:spTgt spid="11"/>
+                                        </p:tgtEl>
+                                      </p:cBhvr>
+                                    </p:animEffect>
+                                    <p:set>
+                                      <p:cBhvr>
+                                        <p:cTn id="50" dur="1" fill="hold">
+                                          <p:stCondLst>
+                                            <p:cond delay="499"/>
+                                          </p:stCondLst>
+                                        </p:cTn>
+                                        <p:tgtEl>
+                                          <p:spTgt spid="11"/>
+                                        </p:tgtEl>
+                                        <p:attrNameLst>
+                                          <p:attrName>style.visibility</p:attrName>
+                                        </p:attrNameLst>
+                                      </p:cBhvr>
+                                      <p:to>
+                                        <p:strVal val="hidden"/>
+                                      </p:to>
+                                    </p:set>
+                                  </p:childTnLst>
+                                </p:cTn>
+                              </p:par>
+                            </p:childTnLst>
+                          </p:cTn>
+                        </p:par>
+                      </p:childTnLst>
+                    </p:cTn>
+                  </p:par>
+                  <p:par>
+                    <p:cTn id="51" fill="hold">
+                      <p:stCondLst>
+                        <p:cond delay="indefinite"/>
+                      </p:stCondLst>
+                      <p:childTnLst>
+                        <p:par>
+                          <p:cTn id="52" fill="hold">
+                            <p:stCondLst>
+                              <p:cond delay="0"/>
+                            </p:stCondLst>
+                            <p:childTnLst>
+                              <p:par>
+                                <p:cTn id="53" presetID="10" presetClass="entr" presetSubtype="0" fill="hold" grpId="0" nodeType="clickEffect">
+                                  <p:stCondLst>
+                                    <p:cond delay="0"/>
+                                  </p:stCondLst>
+                                  <p:childTnLst>
+                                    <p:set>
+                                      <p:cBhvr>
+                                        <p:cTn id="54" dur="1" fill="hold">
+                                          <p:stCondLst>
+                                            <p:cond delay="0"/>
+                                          </p:stCondLst>
+                                        </p:cTn>
+                                        <p:tgtEl>
+                                          <p:spTgt spid="17"/>
+                                        </p:tgtEl>
+                                        <p:attrNameLst>
+                                          <p:attrName>style.visibility</p:attrName>
+                                        </p:attrNameLst>
+                                      </p:cBhvr>
+                                      <p:to>
+                                        <p:strVal val="visible"/>
+                                      </p:to>
+                                    </p:set>
+                                    <p:animEffect transition="in" filter="fade">
+                                      <p:cBhvr>
+                                        <p:cTn id="55" dur="500"/>
+                                        <p:tgtEl>
+                                          <p:spTgt spid="17"/>
+                                        </p:tgtEl>
+                                      </p:cBhvr>
+                                    </p:animEffect>
+                                  </p:childTnLst>
+                                </p:cTn>
+                              </p:par>
+                              <p:par>
+                                <p:cTn id="56" presetID="10" presetClass="exit" presetSubtype="0" fill="hold" nodeType="withEffect">
+                                  <p:stCondLst>
+                                    <p:cond delay="0"/>
+                                  </p:stCondLst>
+                                  <p:childTnLst>
+                                    <p:animEffect transition="out" filter="fade">
+                                      <p:cBhvr>
+                                        <p:cTn id="57" dur="500"/>
+                                        <p:tgtEl>
+                                          <p:spTgt spid="16"/>
+                                        </p:tgtEl>
+                                      </p:cBhvr>
+                                    </p:animEffect>
+                                    <p:set>
+                                      <p:cBhvr>
+                                        <p:cTn id="58" dur="1" fill="hold">
+                                          <p:stCondLst>
+                                            <p:cond delay="499"/>
+                                          </p:stCondLst>
+                                        </p:cTn>
+                                        <p:tgtEl>
+                                          <p:spTgt spid="16"/>
+                                        </p:tgtEl>
+                                        <p:attrNameLst>
+                                          <p:attrName>style.visibility</p:attrName>
+                                        </p:attrNameLst>
+                                      </p:cBhvr>
+                                      <p:to>
+                                        <p:strVal val="hidden"/>
+                                      </p:to>
+                                    </p:set>
+                                  </p:childTnLst>
+                                </p:cTn>
+                              </p:par>
+                            </p:childTnLst>
+                          </p:cTn>
+                        </p:par>
+                      </p:childTnLst>
+                    </p:cTn>
+                  </p:par>
+                </p:childTnLst>
+              </p:cTn>
+              <p:prevCondLst>
+                <p:cond evt="onPrev" delay="0">
+                  <p:tgtEl>
+                    <p:sldTgt/>
+                  </p:tgtEl>
+                </p:cond>
+              </p:prevCondLst>
+              <p:nextCondLst>
+                <p:cond evt="onNext" delay="0">
+                  <p:tgtEl>
+                    <p:sldTgt/>
+                  </p:tgtEl>
+                </p:cond>
+              </p:nextCondLst>
+            </p:seq>
+          </p:childTnLst>
+        </p:cTn>
+      </p:par>
+    </p:tnLst>
+    <p:bldLst>
+      <p:bldP spid="4" grpId="0" animBg="1"/>
+      <p:bldP spid="5" grpId="0" animBg="1"/>
+      <p:bldP spid="5" grpId="1" animBg="1"/>
+      <p:bldP spid="6" grpId="0" animBg="1"/>
+      <p:bldP spid="6" grpId="1" animBg="1"/>
+      <p:bldP spid="10" grpId="0" animBg="1"/>
+      <p:bldP spid="10" grpId="1" animBg="1"/>
+      <p:bldP spid="11" grpId="0" animBg="1"/>
+      <p:bldP spid="11" grpId="1" animBg="1"/>
+      <p:bldP spid="17" grpId="0" animBg="1"/>
+    </p:bldLst>
+  </p:timing>
+</p:sld>
+</file>
+
+<file path=ppt/slides/slide32.xml><?xml version="1.0" encoding="utf-8"?>
+<p:sld xmlns:a="http://schemas.openxmlformats.org/drawingml/2006/main" xmlns:r="http://schemas.openxmlformats.org/officeDocument/2006/relationships" xmlns:p="http://schemas.openxmlformats.org/presentationml/2006/main">
+  <p:cSld>
+    <p:spTree>
+      <p:nvGrpSpPr>
+        <p:cNvPr id="1" name=""/>
+        <p:cNvGrpSpPr/>
+        <p:nvPr/>
+      </p:nvGrpSpPr>
+      <p:grpSpPr>
+        <a:xfrm>
+          <a:off x="0" y="0"/>
+          <a:ext cx="0" cy="0"/>
+          <a:chOff x="0" y="0"/>
+          <a:chExt cx="0" cy="0"/>
+        </a:xfrm>
+      </p:grpSpPr>
+      <p:sp>
+        <p:nvSpPr>
+          <p:cNvPr id="3" name="Rectangle 4"/>
+          <p:cNvSpPr/>
+          <p:nvPr/>
+        </p:nvSpPr>
+        <p:spPr>
+          <a:xfrm>
+            <a:off x="0" y="2286000"/>
+            <a:ext cx="9144000" cy="2209800"/>
+          </a:xfrm>
+          <a:prstGeom prst="rect">
+            <a:avLst/>
+          </a:prstGeom>
+          <a:solidFill>
+            <a:srgbClr val="002060"/>
+          </a:solidFill>
+        </p:spPr>
+        <p:style>
+          <a:lnRef idx="2">
+            <a:schemeClr val="accent1">
+              <a:shade val="50000"/>
+            </a:schemeClr>
+          </a:lnRef>
+          <a:fillRef idx="1">
+            <a:schemeClr val="accent1"/>
+          </a:fillRef>
+          <a:effectRef idx="0">
+            <a:schemeClr val="accent1"/>
+          </a:effectRef>
+          <a:fontRef idx="minor">
+            <a:schemeClr val="lt1"/>
+          </a:fontRef>
+        </p:style>
+        <p:txBody>
+          <a:bodyPr rtlCol="0" anchor="ctr"/>
+          <a:lstStyle/>
+          <a:p>
+            <a:pPr algn="ctr"/>
+            <a:endParaRPr lang="en-US"/>
+          </a:p>
+        </p:txBody>
+      </p:sp>
+      <p:sp>
+        <p:nvSpPr>
+          <p:cNvPr id="2" name="HighlightBackgroundShape73075057-96f2-467a-9739-220ecca5ae94"/>
+          <p:cNvSpPr txBox="1"/>
+          <p:nvPr/>
+        </p:nvSpPr>
+        <p:spPr>
+          <a:xfrm>
+            <a:off x="762000" y="533400"/>
+            <a:ext cx="7620000" cy="5909310"/>
+          </a:xfrm>
+          <a:prstGeom prst="rect">
+            <a:avLst/>
+          </a:prstGeom>
+          <a:noFill/>
+        </p:spPr>
+        <p:txBody>
+          <a:bodyPr wrap="square" rtlCol="0">
+            <a:spAutoFit/>
+          </a:bodyPr>
+          <a:lstStyle/>
+          <a:p>
+            <a:pPr marL="285750" indent="-285750">
+              <a:buFont typeface="Arial" panose="020B0604020202020204" pitchFamily="34" charset="0"/>
+              <a:buChar char="•"/>
+            </a:pPr>
+            <a:r>
+              <a:rPr lang="en-US" sz="2800" dirty="0" smtClean="0"/>
+              <a:t>Test - Non-ABC: 1234567890!@#$%^&amp;*()</a:t>
+            </a:r>
+          </a:p>
+          <a:p>
+            <a:r>
+              <a:rPr lang="en-US" sz="2800" dirty="0"/>
+              <a:t>Test </a:t>
+            </a:r>
+            <a:r>
+              <a:rPr lang="en-US" sz="2800" dirty="0" smtClean="0"/>
+              <a:t>– No bullet point</a:t>
+            </a:r>
+            <a:endParaRPr lang="en-US" sz="2800" dirty="0"/>
+          </a:p>
+          <a:p>
+            <a:pPr marL="514350" indent="-514350">
+              <a:buFont typeface="+mj-lt"/>
+              <a:buAutoNum type="arabicPeriod"/>
+            </a:pPr>
+            <a:r>
+              <a:rPr lang="en-US" sz="2800" dirty="0"/>
+              <a:t>Test – </a:t>
+            </a:r>
+            <a:r>
+              <a:rPr lang="en-US" sz="2800" dirty="0" smtClean="0"/>
+              <a:t>Different bullet point</a:t>
+            </a:r>
+          </a:p>
+          <a:p>
+            <a:pPr marL="285750" indent="-285750">
+              <a:buFont typeface="Arial" panose="020B0604020202020204" pitchFamily="34" charset="0"/>
+              <a:buChar char="•"/>
+            </a:pPr>
+            <a:r>
+              <a:rPr lang="en-US" sz="2800" dirty="0" smtClean="0">
+                <a:latin typeface="Times New Roman" panose="02020603050405020304" pitchFamily="18" charset="0"/>
+                <a:cs typeface="Times New Roman" panose="02020603050405020304" pitchFamily="18" charset="0"/>
+              </a:rPr>
+              <a:t>Test - Another Font Family, using Times New Roman</a:t>
+            </a:r>
+          </a:p>
+          <a:p>
+            <a:pPr marL="285750" indent="-285750">
+              <a:buFont typeface="Arial" panose="020B0604020202020204" pitchFamily="34" charset="0"/>
+              <a:buChar char="•"/>
+            </a:pPr>
+            <a:r>
+              <a:rPr lang="en-US" sz="1000" dirty="0" smtClean="0"/>
+              <a:t>Test - very small content. Test: very small content. Test: very small content. Test: very small content</a:t>
+            </a:r>
+          </a:p>
+          <a:p>
+            <a:pPr marL="285750" indent="-285750">
+              <a:buFont typeface="Arial" panose="020B0604020202020204" pitchFamily="34" charset="0"/>
+              <a:buChar char="•"/>
+            </a:pPr>
+            <a:r>
+              <a:rPr lang="en-US" sz="6600" dirty="0" smtClean="0">
+                <a:latin typeface="Arial Black" panose="020B0A04020102020204" pitchFamily="34" charset="0"/>
+              </a:rPr>
+              <a:t>Test - very big</a:t>
+            </a:r>
+          </a:p>
+          <a:p>
+            <a:pPr marL="285750" indent="-285750">
+              <a:buFont typeface="Arial" panose="020B0604020202020204" pitchFamily="34" charset="0"/>
+              <a:buChar char="•"/>
+            </a:pPr>
+            <a:r>
+              <a:rPr lang="en-US" sz="3600" dirty="0" smtClean="0"/>
+              <a:t>Test – Long sentence: </a:t>
+            </a:r>
+            <a:r>
+              <a:rPr lang="en-US" sz="3600" dirty="0" err="1" smtClean="0"/>
+              <a:t>Asdddd</a:t>
+            </a:r>
+            <a:r>
+              <a:rPr lang="en-US" sz="3600" dirty="0" smtClean="0"/>
+              <a:t> </a:t>
+            </a:r>
+            <a:r>
+              <a:rPr lang="en-US" sz="3600" dirty="0" err="1" smtClean="0"/>
+              <a:t>ddd</a:t>
+            </a:r>
+            <a:r>
+              <a:rPr lang="en-US" sz="3600" dirty="0" smtClean="0"/>
+              <a:t> </a:t>
+            </a:r>
+            <a:r>
+              <a:rPr lang="en-US" sz="3600" dirty="0" err="1" smtClean="0"/>
+              <a:t>dd</a:t>
+            </a:r>
+            <a:r>
+              <a:rPr lang="en-US" sz="3600" dirty="0" smtClean="0"/>
+              <a:t> d </a:t>
+            </a:r>
+            <a:r>
+              <a:rPr lang="en-US" sz="3600" dirty="0" err="1" smtClean="0"/>
+              <a:t>ddddd</a:t>
+            </a:r>
+            <a:r>
+              <a:rPr lang="en-US" sz="3600" dirty="0" smtClean="0"/>
+              <a:t> </a:t>
+            </a:r>
+            <a:r>
+              <a:rPr lang="en-US" sz="3600" dirty="0" err="1" smtClean="0"/>
+              <a:t>ddd</a:t>
+            </a:r>
+            <a:r>
+              <a:rPr lang="en-US" sz="3600" dirty="0" smtClean="0"/>
+              <a:t> </a:t>
+            </a:r>
+            <a:r>
+              <a:rPr lang="en-US" sz="3600" dirty="0" err="1" smtClean="0"/>
+              <a:t>ddd</a:t>
+            </a:r>
+            <a:r>
+              <a:rPr lang="en-US" sz="3600" dirty="0" smtClean="0"/>
+              <a:t> </a:t>
+            </a:r>
+            <a:r>
+              <a:rPr lang="en-US" sz="3600" dirty="0" err="1" smtClean="0"/>
+              <a:t>ddd</a:t>
+            </a:r>
+            <a:r>
+              <a:rPr lang="en-US" sz="3600" dirty="0" smtClean="0"/>
+              <a:t> </a:t>
+            </a:r>
+            <a:r>
+              <a:rPr lang="en-US" sz="3600" dirty="0" err="1" smtClean="0"/>
+              <a:t>ddd</a:t>
+            </a:r>
+            <a:r>
+              <a:rPr lang="en-US" sz="3600" dirty="0" smtClean="0"/>
+              <a:t> </a:t>
+            </a:r>
+            <a:r>
+              <a:rPr lang="en-US" sz="3600" dirty="0" err="1" smtClean="0"/>
+              <a:t>ddd</a:t>
+            </a:r>
+            <a:r>
+              <a:rPr lang="en-US" sz="3600" dirty="0" smtClean="0"/>
+              <a:t> </a:t>
+            </a:r>
+            <a:r>
+              <a:rPr lang="en-US" sz="3600" dirty="0" err="1" smtClean="0"/>
+              <a:t>ddd</a:t>
+            </a:r>
+            <a:r>
+              <a:rPr lang="en-US" sz="3600" dirty="0" smtClean="0"/>
+              <a:t> </a:t>
+            </a:r>
+            <a:r>
+              <a:rPr lang="en-US" sz="3600" dirty="0" err="1" smtClean="0"/>
+              <a:t>ddd</a:t>
+            </a:r>
+            <a:r>
+              <a:rPr lang="en-US" sz="3600" dirty="0" smtClean="0"/>
+              <a:t> </a:t>
+            </a:r>
+            <a:r>
+              <a:rPr lang="en-US" sz="3600" dirty="0" err="1" smtClean="0"/>
+              <a:t>dddddd</a:t>
+            </a:r>
+            <a:r>
+              <a:rPr lang="en-US" sz="3600" dirty="0" smtClean="0"/>
+              <a:t> </a:t>
+            </a:r>
+            <a:r>
+              <a:rPr lang="en-US" sz="3600" dirty="0" err="1" smtClean="0"/>
+              <a:t>dd</a:t>
+            </a:r>
+            <a:r>
+              <a:rPr lang="en-US" sz="3600" dirty="0" smtClean="0"/>
+              <a:t> </a:t>
+            </a:r>
+            <a:r>
+              <a:rPr lang="en-US" sz="3600" dirty="0" err="1" smtClean="0"/>
+              <a:t>ddd</a:t>
+            </a:r>
+            <a:r>
+              <a:rPr lang="en-US" sz="3600" dirty="0" smtClean="0"/>
+              <a:t> </a:t>
+            </a:r>
+            <a:r>
+              <a:rPr lang="en-US" sz="3600" dirty="0" err="1" smtClean="0"/>
+              <a:t>ddddd</a:t>
+            </a:r>
+            <a:r>
+              <a:rPr lang="en-US" sz="3600" dirty="0" smtClean="0"/>
+              <a:t> </a:t>
+            </a:r>
+            <a:r>
+              <a:rPr lang="en-US" sz="3600" dirty="0" err="1" smtClean="0"/>
+              <a:t>dd</a:t>
+            </a:r>
+            <a:r>
+              <a:rPr lang="en-US" sz="3600" dirty="0" smtClean="0"/>
+              <a:t> </a:t>
+            </a:r>
+            <a:r>
+              <a:rPr lang="en-US" sz="3600" dirty="0" err="1" smtClean="0"/>
+              <a:t>dd</a:t>
+            </a:r>
+            <a:r>
+              <a:rPr lang="en-US" sz="3600" dirty="0" smtClean="0"/>
+              <a:t> d </a:t>
+            </a:r>
+            <a:r>
+              <a:rPr lang="en-US" sz="3600" dirty="0" err="1" smtClean="0"/>
+              <a:t>ddd</a:t>
+            </a:r>
+            <a:r>
+              <a:rPr lang="en-US" sz="3600" dirty="0" smtClean="0"/>
+              <a:t> </a:t>
+            </a:r>
+            <a:r>
+              <a:rPr lang="en-US" sz="3600" dirty="0" err="1" smtClean="0"/>
+              <a:t>ddd</a:t>
+            </a:r>
+            <a:endParaRPr lang="en-US" sz="3600" dirty="0" smtClean="0"/>
+          </a:p>
+          <a:p>
+            <a:pPr marL="285750" indent="-285750">
+              <a:buFont typeface="Arial" panose="020B0604020202020204" pitchFamily="34" charset="0"/>
+              <a:buChar char="•"/>
+            </a:pPr>
+            <a:r>
+              <a:rPr lang="en-US" altLang="zh-CN" dirty="0" smtClean="0"/>
+              <a:t>Test – Chinese Characters: </a:t>
+            </a:r>
+            <a:r>
+              <a:rPr lang="zh-CN" altLang="en-US" dirty="0" smtClean="0"/>
+              <a:t>阿</a:t>
+            </a:r>
+            <a:r>
+              <a:rPr lang="zh-CN" altLang="en-US" dirty="0"/>
+              <a:t>斯</a:t>
+            </a:r>
+            <a:r>
+              <a:rPr lang="zh-CN" altLang="en-US" dirty="0" smtClean="0"/>
+              <a:t>顿啊盛大速度啊盛大速度啊盛大速度</a:t>
+            </a:r>
+            <a:endParaRPr lang="en-SG" dirty="0"/>
+          </a:p>
+        </p:txBody>
+      </p:sp>
+    </p:spTree>
+    <p:extLst>
+      <p:ext uri="{BB962C8B-B14F-4D97-AF65-F5344CB8AC3E}">
+        <p14:creationId xmlns:p14="http://schemas.microsoft.com/office/powerpoint/2010/main" val="116441609"/>
+      </p:ext>
+    </p:extLst>
+  </p:cSld>
+  <p:clrMapOvr>
+    <a:masterClrMapping/>
+  </p:clrMapOvr>
+  <p:transition spd="slow">
+    <p:push dir="u"/>
+  </p:transition>
+  <p:timing>
+    <p:tnLst>
+      <p:par>
+        <p:cTn id="1" dur="indefinite" restart="never" nodeType="tmRoot"/>
+      </p:par>
+    </p:tnLst>
+  </p:timing>
+</p:sld>
+</file>
+
+<file path=ppt/slides/slide33.xml><?xml version="1.0" encoding="utf-8"?>
 <p:sld xmlns:a="http://schemas.openxmlformats.org/drawingml/2006/main" xmlns:r="http://schemas.openxmlformats.org/officeDocument/2006/relationships" xmlns:p="http://schemas.openxmlformats.org/presentationml/2006/main" show="0">
   <p:cSld name="PPTLabsAcknowledgementSlide">
     <p:spTree>
@@ -18367,94 +25189,6 @@
       <p:transition spd="slow"/>
     </mc:Fallback>
   </mc:AlternateContent>
-  <p:timing>
-    <p:tnLst>
-      <p:par>
-        <p:cTn id="1" dur="indefinite" restart="never" nodeType="tmRoot"/>
-      </p:par>
-    </p:tnLst>
-  </p:timing>
-</p:sld>
-</file>
-
-<file path=ppt/slides/slide3.xml><?xml version="1.0" encoding="utf-8"?>
-<p:sld xmlns:a="http://schemas.openxmlformats.org/drawingml/2006/main" xmlns:r="http://schemas.openxmlformats.org/officeDocument/2006/relationships" xmlns:p="http://schemas.openxmlformats.org/presentationml/2006/main">
-  <p:cSld>
-    <p:spTree>
-      <p:nvGrpSpPr>
-        <p:cNvPr id="1" name=""/>
-        <p:cNvGrpSpPr/>
-        <p:nvPr/>
-      </p:nvGrpSpPr>
-      <p:grpSpPr>
-        <a:xfrm>
-          <a:off x="0" y="0"/>
-          <a:ext cx="0" cy="0"/>
-          <a:chOff x="0" y="0"/>
-          <a:chExt cx="0" cy="0"/>
-        </a:xfrm>
-      </p:grpSpPr>
-      <p:sp>
-        <p:nvSpPr>
-          <p:cNvPr id="2" name="Title 1"/>
-          <p:cNvSpPr>
-            <a:spLocks noGrp="1"/>
-          </p:cNvSpPr>
-          <p:nvPr>
-            <p:ph type="title"/>
-          </p:nvPr>
-        </p:nvSpPr>
-        <p:spPr/>
-        <p:txBody>
-          <a:bodyPr/>
-          <a:lstStyle/>
-          <a:p>
-            <a:r>
-              <a:rPr lang="en-US" dirty="0" smtClean="0"/>
-              <a:t>Highlight Points:: Highlight Text – Select Slide</a:t>
-            </a:r>
-            <a:endParaRPr lang="en-SG" dirty="0"/>
-          </a:p>
-        </p:txBody>
-      </p:sp>
-      <p:sp>
-        <p:nvSpPr>
-          <p:cNvPr id="4" name="Content Placeholder 2"/>
-          <p:cNvSpPr>
-            <a:spLocks noGrp="1"/>
-          </p:cNvSpPr>
-          <p:nvPr>
-            <p:ph idx="1"/>
-          </p:nvPr>
-        </p:nvSpPr>
-        <p:spPr>
-          <a:xfrm>
-            <a:off x="457200" y="3124200"/>
-            <a:ext cx="8229600" cy="3001963"/>
-          </a:xfrm>
-        </p:spPr>
-        <p:txBody>
-          <a:bodyPr/>
-          <a:lstStyle/>
-          <a:p>
-            <a:r>
-              <a:rPr lang="en-US" dirty="0" smtClean="0"/>
-              <a:t>Select the slide and click “Highlight Points”</a:t>
-            </a:r>
-            <a:endParaRPr lang="en-SG" dirty="0"/>
-          </a:p>
-        </p:txBody>
-      </p:sp>
-    </p:spTree>
-    <p:extLst>
-      <p:ext uri="{BB962C8B-B14F-4D97-AF65-F5344CB8AC3E}">
-        <p14:creationId xmlns:p14="http://schemas.microsoft.com/office/powerpoint/2010/main" val="1286891872"/>
-      </p:ext>
-    </p:extLst>
-  </p:cSld>
-  <p:clrMapOvr>
-    <a:masterClrMapping/>
-  </p:clrMapOvr>
   <p:timing>
     <p:tnLst>
       <p:par>
@@ -21496,43 +28230,43 @@
 
 <file path=ppt/tags/tag1.xml><?xml version="1.0" encoding="utf-8"?>
 <p:tagLst xmlns:a="http://schemas.openxmlformats.org/drawingml/2006/main" xmlns:r="http://schemas.openxmlformats.org/officeDocument/2006/relationships" xmlns:p="http://schemas.openxmlformats.org/presentationml/2006/main">
-  <p:tag name="HIGHLIGHTBACKGROUND" val="HighlightBackgroundShape961d3f1e-187d-4b94-8f93-1be85193a105"/>
+  <p:tag name="HIGHLIGHTBACKGROUND" val="HighlightBackgroundShape9ac65b45-57f9-496b-b14a-3366aa98ee7a"/>
 </p:tagLst>
 </file>
 
 <file path=ppt/tags/tag10.xml><?xml version="1.0" encoding="utf-8"?>
 <p:tagLst xmlns:a="http://schemas.openxmlformats.org/drawingml/2006/main" xmlns:r="http://schemas.openxmlformats.org/officeDocument/2006/relationships" xmlns:p="http://schemas.openxmlformats.org/presentationml/2006/main">
-  <p:tag name="HIGHLIGHTBACKGROUND" val="HighlightBackgroundShapeea60d9b9-ed30-4da3-a1da-6902e7f48621"/>
+  <p:tag name="HIGHLIGHTBACKGROUND" val="HighlightBackgroundShaped108a7e5-8eab-4301-8593-c035661b65c0"/>
 </p:tagLst>
 </file>
 
 <file path=ppt/tags/tag11.xml><?xml version="1.0" encoding="utf-8"?>
 <p:tagLst xmlns:a="http://schemas.openxmlformats.org/drawingml/2006/main" xmlns:r="http://schemas.openxmlformats.org/officeDocument/2006/relationships" xmlns:p="http://schemas.openxmlformats.org/presentationml/2006/main">
-  <p:tag name="HIGHLIGHTBACKGROUND" val="HighlightBackgroundShapeea60d9b9-ed30-4da3-a1da-6902e7f48621"/>
+  <p:tag name="HIGHLIGHTBACKGROUND" val="HighlightBackgroundShaped108a7e5-8eab-4301-8593-c035661b65c0"/>
 </p:tagLst>
 </file>
 
 <file path=ppt/tags/tag12.xml><?xml version="1.0" encoding="utf-8"?>
 <p:tagLst xmlns:a="http://schemas.openxmlformats.org/drawingml/2006/main" xmlns:r="http://schemas.openxmlformats.org/officeDocument/2006/relationships" xmlns:p="http://schemas.openxmlformats.org/presentationml/2006/main">
-  <p:tag name="HIGHLIGHTBACKGROUND" val="HighlightBackgroundShapec485a6a5-1d97-42dc-ab66-ce7355d7009d"/>
+  <p:tag name="HIGHLIGHTBACKGROUND" val="HighlightBackgroundShapee876e799-145c-4ac4-a5c9-2f5c4db0dea7"/>
 </p:tagLst>
 </file>
 
 <file path=ppt/tags/tag13.xml><?xml version="1.0" encoding="utf-8"?>
 <p:tagLst xmlns:a="http://schemas.openxmlformats.org/drawingml/2006/main" xmlns:r="http://schemas.openxmlformats.org/officeDocument/2006/relationships" xmlns:p="http://schemas.openxmlformats.org/presentationml/2006/main">
-  <p:tag name="HIGHLIGHTBACKGROUND" val="HighlightBackgroundShapec485a6a5-1d97-42dc-ab66-ce7355d7009d"/>
+  <p:tag name="HIGHLIGHTBACKGROUND" val="HighlightBackgroundShapee876e799-145c-4ac4-a5c9-2f5c4db0dea7"/>
 </p:tagLst>
 </file>
 
 <file path=ppt/tags/tag14.xml><?xml version="1.0" encoding="utf-8"?>
 <p:tagLst xmlns:a="http://schemas.openxmlformats.org/drawingml/2006/main" xmlns:r="http://schemas.openxmlformats.org/officeDocument/2006/relationships" xmlns:p="http://schemas.openxmlformats.org/presentationml/2006/main">
-  <p:tag name="HIGHLIGHTBACKGROUND" val="HighlightBackgroundShapec485a6a5-1d97-42dc-ab66-ce7355d7009d"/>
+  <p:tag name="HIGHLIGHTBACKGROUND" val="HighlightBackgroundShapee876e799-145c-4ac4-a5c9-2f5c4db0dea7"/>
 </p:tagLst>
 </file>
 
 <file path=ppt/tags/tag15.xml><?xml version="1.0" encoding="utf-8"?>
 <p:tagLst xmlns:a="http://schemas.openxmlformats.org/drawingml/2006/main" xmlns:r="http://schemas.openxmlformats.org/officeDocument/2006/relationships" xmlns:p="http://schemas.openxmlformats.org/presentationml/2006/main">
-  <p:tag name="HIGHLIGHTBACKGROUND" val="HighlightBackgroundShape2951bdb7-c805-4481-b1b6-0b041b273aa4"/>
+  <p:tag name="HIGHLIGHTBACKGROUND" val="HighlightBackgroundShape7d893c5c-e123-41e7-9afe-9dfb1db6f258"/>
 </p:tagLst>
 </file>
 
@@ -21562,7 +28296,7 @@
 
 <file path=ppt/tags/tag2.xml><?xml version="1.0" encoding="utf-8"?>
 <p:tagLst xmlns:a="http://schemas.openxmlformats.org/drawingml/2006/main" xmlns:r="http://schemas.openxmlformats.org/officeDocument/2006/relationships" xmlns:p="http://schemas.openxmlformats.org/presentationml/2006/main">
-  <p:tag name="HIGHLIGHTBACKGROUND" val="HighlightBackgroundShape961d3f1e-187d-4b94-8f93-1be85193a105"/>
+  <p:tag name="HIGHLIGHTBACKGROUND" val="HighlightBackgroundShape9ac65b45-57f9-496b-b14a-3366aa98ee7a"/>
 </p:tagLst>
 </file>
 
@@ -21590,45 +28324,159 @@
 </p:tagLst>
 </file>
 
+<file path=ppt/tags/tag24.xml><?xml version="1.0" encoding="utf-8"?>
+<p:tagLst xmlns:a="http://schemas.openxmlformats.org/drawingml/2006/main" xmlns:r="http://schemas.openxmlformats.org/officeDocument/2006/relationships" xmlns:p="http://schemas.openxmlformats.org/presentationml/2006/main">
+  <p:tag name="HIGHLIGHTBACKGROUND" val="HighlightBackgroundShape73075057-96f2-467a-9739-220ecca5ae94"/>
+</p:tagLst>
+</file>
+
+<file path=ppt/tags/tag25.xml><?xml version="1.0" encoding="utf-8"?>
+<p:tagLst xmlns:a="http://schemas.openxmlformats.org/drawingml/2006/main" xmlns:r="http://schemas.openxmlformats.org/officeDocument/2006/relationships" xmlns:p="http://schemas.openxmlformats.org/presentationml/2006/main">
+  <p:tag name="HIGHLIGHTBACKGROUND" val="HighlightBackgroundShape73075057-96f2-467a-9739-220ecca5ae94"/>
+</p:tagLst>
+</file>
+
+<file path=ppt/tags/tag26.xml><?xml version="1.0" encoding="utf-8"?>
+<p:tagLst xmlns:a="http://schemas.openxmlformats.org/drawingml/2006/main" xmlns:r="http://schemas.openxmlformats.org/officeDocument/2006/relationships" xmlns:p="http://schemas.openxmlformats.org/presentationml/2006/main">
+  <p:tag name="HIGHLIGHTBACKGROUND" val="HighlightBackgroundShape73075057-96f2-467a-9739-220ecca5ae94"/>
+</p:tagLst>
+</file>
+
+<file path=ppt/tags/tag27.xml><?xml version="1.0" encoding="utf-8"?>
+<p:tagLst xmlns:a="http://schemas.openxmlformats.org/drawingml/2006/main" xmlns:r="http://schemas.openxmlformats.org/officeDocument/2006/relationships" xmlns:p="http://schemas.openxmlformats.org/presentationml/2006/main">
+  <p:tag name="HIGHLIGHTBACKGROUND" val="HighlightBackgroundShape73075057-96f2-467a-9739-220ecca5ae94"/>
+</p:tagLst>
+</file>
+
+<file path=ppt/tags/tag28.xml><?xml version="1.0" encoding="utf-8"?>
+<p:tagLst xmlns:a="http://schemas.openxmlformats.org/drawingml/2006/main" xmlns:r="http://schemas.openxmlformats.org/officeDocument/2006/relationships" xmlns:p="http://schemas.openxmlformats.org/presentationml/2006/main">
+  <p:tag name="HIGHLIGHTBACKGROUND" val="HighlightBackgroundShape73075057-96f2-467a-9739-220ecca5ae94"/>
+</p:tagLst>
+</file>
+
+<file path=ppt/tags/tag29.xml><?xml version="1.0" encoding="utf-8"?>
+<p:tagLst xmlns:a="http://schemas.openxmlformats.org/drawingml/2006/main" xmlns:r="http://schemas.openxmlformats.org/officeDocument/2006/relationships" xmlns:p="http://schemas.openxmlformats.org/presentationml/2006/main">
+  <p:tag name="HIGHLIGHTBACKGROUND" val="HighlightBackgroundShape73075057-96f2-467a-9739-220ecca5ae94"/>
+</p:tagLst>
+</file>
+
 <file path=ppt/tags/tag3.xml><?xml version="1.0" encoding="utf-8"?>
 <p:tagLst xmlns:a="http://schemas.openxmlformats.org/drawingml/2006/main" xmlns:r="http://schemas.openxmlformats.org/officeDocument/2006/relationships" xmlns:p="http://schemas.openxmlformats.org/presentationml/2006/main">
-  <p:tag name="HIGHLIGHTBACKGROUND" val="HighlightBackgroundShape961d3f1e-187d-4b94-8f93-1be85193a105"/>
+  <p:tag name="HIGHLIGHTBACKGROUND" val="HighlightBackgroundShape9ac65b45-57f9-496b-b14a-3366aa98ee7a"/>
+</p:tagLst>
+</file>
+
+<file path=ppt/tags/tag30.xml><?xml version="1.0" encoding="utf-8"?>
+<p:tagLst xmlns:a="http://schemas.openxmlformats.org/drawingml/2006/main" xmlns:r="http://schemas.openxmlformats.org/officeDocument/2006/relationships" xmlns:p="http://schemas.openxmlformats.org/presentationml/2006/main">
+  <p:tag name="HIGHLIGHTBACKGROUND" val="HighlightBackgroundShape73075057-96f2-467a-9739-220ecca5ae94"/>
+</p:tagLst>
+</file>
+
+<file path=ppt/tags/tag31.xml><?xml version="1.0" encoding="utf-8"?>
+<p:tagLst xmlns:a="http://schemas.openxmlformats.org/drawingml/2006/main" xmlns:r="http://schemas.openxmlformats.org/officeDocument/2006/relationships" xmlns:p="http://schemas.openxmlformats.org/presentationml/2006/main">
+  <p:tag name="HIGHLIGHTTEXTFRAGMENT" val="PPTLabsHighlightTextFragmentsShapef560e986-5733-437e-889b-5a50370d495c"/>
+</p:tagLst>
+</file>
+
+<file path=ppt/tags/tag32.xml><?xml version="1.0" encoding="utf-8"?>
+<p:tagLst xmlns:a="http://schemas.openxmlformats.org/drawingml/2006/main" xmlns:r="http://schemas.openxmlformats.org/officeDocument/2006/relationships" xmlns:p="http://schemas.openxmlformats.org/presentationml/2006/main">
+  <p:tag name="HIGHLIGHTTEXTFRAGMENT" val="PPTLabsHighlightTextFragmentsShape5dafe8db-bb16-4787-93f5-d40d86237947"/>
+</p:tagLst>
+</file>
+
+<file path=ppt/tags/tag33.xml><?xml version="1.0" encoding="utf-8"?>
+<p:tagLst xmlns:a="http://schemas.openxmlformats.org/drawingml/2006/main" xmlns:r="http://schemas.openxmlformats.org/officeDocument/2006/relationships" xmlns:p="http://schemas.openxmlformats.org/presentationml/2006/main">
+  <p:tag name="HIGHLIGHTTEXTFRAGMENT" val="PPTLabsHighlightTextFragmentsShapeffca0822-50bb-437f-982a-deb2b4f8c205"/>
+</p:tagLst>
+</file>
+
+<file path=ppt/tags/tag34.xml><?xml version="1.0" encoding="utf-8"?>
+<p:tagLst xmlns:a="http://schemas.openxmlformats.org/drawingml/2006/main" xmlns:r="http://schemas.openxmlformats.org/officeDocument/2006/relationships" xmlns:p="http://schemas.openxmlformats.org/presentationml/2006/main">
+  <p:tag name="HIGHLIGHTTEXTFRAGMENT" val="PPTLabsHighlightTextFragmentsShapea8e1a1fe-6afa-4cc1-bd33-8aab284f6778"/>
+</p:tagLst>
+</file>
+
+<file path=ppt/tags/tag35.xml><?xml version="1.0" encoding="utf-8"?>
+<p:tagLst xmlns:a="http://schemas.openxmlformats.org/drawingml/2006/main" xmlns:r="http://schemas.openxmlformats.org/officeDocument/2006/relationships" xmlns:p="http://schemas.openxmlformats.org/presentationml/2006/main">
+  <p:tag name="HIGHLIGHTTEXTFRAGMENT" val="PPTLabsHighlightTextFragmentsShapedfbef032-dc4f-4081-8a5a-2a30bf72c5ed"/>
+</p:tagLst>
+</file>
+
+<file path=ppt/tags/tag36.xml><?xml version="1.0" encoding="utf-8"?>
+<p:tagLst xmlns:a="http://schemas.openxmlformats.org/drawingml/2006/main" xmlns:r="http://schemas.openxmlformats.org/officeDocument/2006/relationships" xmlns:p="http://schemas.openxmlformats.org/presentationml/2006/main">
+  <p:tag name="HIGHLIGHTTEXTFRAGMENT" val="PPTLabsHighlightTextFragmentsShaped3190702-95da-4afd-8acf-a33bcd3b3049"/>
+</p:tagLst>
+</file>
+
+<file path=ppt/tags/tag37.xml><?xml version="1.0" encoding="utf-8"?>
+<p:tagLst xmlns:a="http://schemas.openxmlformats.org/drawingml/2006/main" xmlns:r="http://schemas.openxmlformats.org/officeDocument/2006/relationships" xmlns:p="http://schemas.openxmlformats.org/presentationml/2006/main">
+  <p:tag name="HIGHLIGHTTEXTFRAGMENT" val="PPTLabsHighlightTextFragmentsShape612a547e-b2ed-4186-842e-5e65f105cedf"/>
+</p:tagLst>
+</file>
+
+<file path=ppt/tags/tag38.xml><?xml version="1.0" encoding="utf-8"?>
+<p:tagLst xmlns:a="http://schemas.openxmlformats.org/drawingml/2006/main" xmlns:r="http://schemas.openxmlformats.org/officeDocument/2006/relationships" xmlns:p="http://schemas.openxmlformats.org/presentationml/2006/main">
+  <p:tag name="HIGHLIGHTTEXTFRAGMENT" val="PPTLabsHighlightTextFragmentsShapefb9dff23-56a0-4df4-bc80-a2ae39f63636"/>
+</p:tagLst>
+</file>
+
+<file path=ppt/tags/tag39.xml><?xml version="1.0" encoding="utf-8"?>
+<p:tagLst xmlns:a="http://schemas.openxmlformats.org/drawingml/2006/main" xmlns:r="http://schemas.openxmlformats.org/officeDocument/2006/relationships" xmlns:p="http://schemas.openxmlformats.org/presentationml/2006/main">
+  <p:tag name="HIGHLIGHTTEXTFRAGMENT" val="PPTLabsHighlightTextFragmentsShaped4609327-c4de-425d-9d68-02d35c05bf3d"/>
 </p:tagLst>
 </file>
 
 <file path=ppt/tags/tag4.xml><?xml version="1.0" encoding="utf-8"?>
 <p:tagLst xmlns:a="http://schemas.openxmlformats.org/drawingml/2006/main" xmlns:r="http://schemas.openxmlformats.org/officeDocument/2006/relationships" xmlns:p="http://schemas.openxmlformats.org/presentationml/2006/main">
-  <p:tag name="HIGHLIGHTBACKGROUND" val="HighlightBackgroundShape961d3f1e-187d-4b94-8f93-1be85193a105"/>
+  <p:tag name="HIGHLIGHTBACKGROUND" val="HighlightBackgroundShape9ac65b45-57f9-496b-b14a-3366aa98ee7a"/>
+</p:tagLst>
+</file>
+
+<file path=ppt/tags/tag40.xml><?xml version="1.0" encoding="utf-8"?>
+<p:tagLst xmlns:a="http://schemas.openxmlformats.org/drawingml/2006/main" xmlns:r="http://schemas.openxmlformats.org/officeDocument/2006/relationships" xmlns:p="http://schemas.openxmlformats.org/presentationml/2006/main">
+  <p:tag name="HIGHLIGHTTEXTFRAGMENT" val="PPTLabsHighlightTextFragmentsShapeca68f108-b76c-4f17-bb50-14898e6f6c37"/>
+</p:tagLst>
+</file>
+
+<file path=ppt/tags/tag41.xml><?xml version="1.0" encoding="utf-8"?>
+<p:tagLst xmlns:a="http://schemas.openxmlformats.org/drawingml/2006/main" xmlns:r="http://schemas.openxmlformats.org/officeDocument/2006/relationships" xmlns:p="http://schemas.openxmlformats.org/presentationml/2006/main">
+  <p:tag name="HIGHLIGHTTEXTFRAGMENT" val="PPTLabsHighlightTextFragmentsShape082f0072-7ed0-4862-a311-6b03e9817ba5"/>
+</p:tagLst>
+</file>
+
+<file path=ppt/tags/tag42.xml><?xml version="1.0" encoding="utf-8"?>
+<p:tagLst xmlns:a="http://schemas.openxmlformats.org/drawingml/2006/main" xmlns:r="http://schemas.openxmlformats.org/officeDocument/2006/relationships" xmlns:p="http://schemas.openxmlformats.org/presentationml/2006/main">
+  <p:tag name="HIGHLIGHTTEXTFRAGMENT" val="PPTLabsHighlightTextFragmentsShaped9458b93-2132-4807-95c4-7952effabe04"/>
 </p:tagLst>
 </file>
 
 <file path=ppt/tags/tag5.xml><?xml version="1.0" encoding="utf-8"?>
 <p:tagLst xmlns:a="http://schemas.openxmlformats.org/drawingml/2006/main" xmlns:r="http://schemas.openxmlformats.org/officeDocument/2006/relationships" xmlns:p="http://schemas.openxmlformats.org/presentationml/2006/main">
-  <p:tag name="HIGHLIGHTBACKGROUND" val="HighlightBackgroundShape6a0e245b-6aa0-4f7b-8026-c07e6fed77bf"/>
+  <p:tag name="HIGHLIGHTBACKGROUND" val="HighlightBackgroundShape2d8f1b26-ed61-41e1-9795-250fbd9d3931"/>
 </p:tagLst>
 </file>
 
 <file path=ppt/tags/tag6.xml><?xml version="1.0" encoding="utf-8"?>
 <p:tagLst xmlns:a="http://schemas.openxmlformats.org/drawingml/2006/main" xmlns:r="http://schemas.openxmlformats.org/officeDocument/2006/relationships" xmlns:p="http://schemas.openxmlformats.org/presentationml/2006/main">
-  <p:tag name="HIGHLIGHTBACKGROUND" val="HighlightBackgroundShape6a0e245b-6aa0-4f7b-8026-c07e6fed77bf"/>
+  <p:tag name="HIGHLIGHTBACKGROUND" val="HighlightBackgroundShape2d8f1b26-ed61-41e1-9795-250fbd9d3931"/>
 </p:tagLst>
 </file>
 
 <file path=ppt/tags/tag7.xml><?xml version="1.0" encoding="utf-8"?>
 <p:tagLst xmlns:a="http://schemas.openxmlformats.org/drawingml/2006/main" xmlns:r="http://schemas.openxmlformats.org/officeDocument/2006/relationships" xmlns:p="http://schemas.openxmlformats.org/presentationml/2006/main">
-  <p:tag name="HIGHLIGHTBACKGROUND" val="HighlightBackgroundShape6a0e245b-6aa0-4f7b-8026-c07e6fed77bf"/>
+  <p:tag name="HIGHLIGHTBACKGROUND" val="HighlightBackgroundShape2d8f1b26-ed61-41e1-9795-250fbd9d3931"/>
 </p:tagLst>
 </file>
 
 <file path=ppt/tags/tag8.xml><?xml version="1.0" encoding="utf-8"?>
 <p:tagLst xmlns:a="http://schemas.openxmlformats.org/drawingml/2006/main" xmlns:r="http://schemas.openxmlformats.org/officeDocument/2006/relationships" xmlns:p="http://schemas.openxmlformats.org/presentationml/2006/main">
-  <p:tag name="HIGHLIGHTBACKGROUND" val="HighlightBackgroundShapeea60d9b9-ed30-4da3-a1da-6902e7f48621"/>
+  <p:tag name="HIGHLIGHTBACKGROUND" val="HighlightBackgroundShaped108a7e5-8eab-4301-8593-c035661b65c0"/>
 </p:tagLst>
 </file>
 
 <file path=ppt/tags/tag9.xml><?xml version="1.0" encoding="utf-8"?>
 <p:tagLst xmlns:a="http://schemas.openxmlformats.org/drawingml/2006/main" xmlns:r="http://schemas.openxmlformats.org/officeDocument/2006/relationships" xmlns:p="http://schemas.openxmlformats.org/presentationml/2006/main">
-  <p:tag name="HIGHLIGHTBACKGROUND" val="HighlightBackgroundShapeea60d9b9-ed30-4da3-a1da-6902e7f48621"/>
+  <p:tag name="HIGHLIGHTBACKGROUND" val="HighlightBackgroundShaped108a7e5-8eab-4301-8593-c035661b65c0"/>
 </p:tagLst>
 </file>
 
@@ -22742,7 +29590,7 @@
   <a:extraClrSchemeLst/>
   <a:extLst>
     <a:ext uri="{05A4C25C-085E-4340-85A3-A5531E510DB2}">
-      <thm15:themeFamily xmlns:thm15="http://schemas.microsoft.com/office/thememl/2012/main" xmlns="" name="Office Theme" id="{62F939B6-93AF-4DB8-9C6B-D6C7DFDC589F}" vid="{4A3C46E8-61CC-4603-A589-7422A47A8E4A}"/>
+      <thm15:themeFamily xmlns:thm15="http://schemas.microsoft.com/office/thememl/2012/main" name="Office Theme" id="{62F939B6-93AF-4DB8-9C6B-D6C7DFDC589F}" vid="{4A3C46E8-61CC-4603-A589-7422A47A8E4A}"/>
     </a:ext>
   </a:extLst>
 </a:theme>

--- a/doc/test/HighlightPoints.pptx
+++ b/doc/test/HighlightPoints.pptx
@@ -7,7 +7,7 @@
     <p:sldMasterId id="2147483672" r:id="rId3"/>
   </p:sldMasterIdLst>
   <p:notesMasterIdLst>
-    <p:notesMasterId r:id="rId37"/>
+    <p:notesMasterId r:id="rId25"/>
   </p:notesMasterIdLst>
   <p:sldIdLst>
     <p:sldId id="287" r:id="rId4"/>
@@ -23,26 +23,14 @@
     <p:sldId id="312" r:id="rId14"/>
     <p:sldId id="317" r:id="rId15"/>
     <p:sldId id="318" r:id="rId16"/>
-    <p:sldId id="346" r:id="rId17"/>
+    <p:sldId id="331" r:id="rId17"/>
     <p:sldId id="320" r:id="rId18"/>
     <p:sldId id="321" r:id="rId19"/>
-    <p:sldId id="345" r:id="rId20"/>
+    <p:sldId id="330" r:id="rId20"/>
     <p:sldId id="323" r:id="rId21"/>
     <p:sldId id="324" r:id="rId22"/>
     <p:sldId id="329" r:id="rId23"/>
-    <p:sldId id="334" r:id="rId24"/>
-    <p:sldId id="333" r:id="rId25"/>
-    <p:sldId id="335" r:id="rId26"/>
-    <p:sldId id="336" r:id="rId27"/>
-    <p:sldId id="337" r:id="rId28"/>
-    <p:sldId id="338" r:id="rId29"/>
-    <p:sldId id="339" r:id="rId30"/>
-    <p:sldId id="340" r:id="rId31"/>
-    <p:sldId id="341" r:id="rId32"/>
-    <p:sldId id="342" r:id="rId33"/>
-    <p:sldId id="343" r:id="rId34"/>
-    <p:sldId id="344" r:id="rId35"/>
-    <p:sldId id="305" r:id="rId36"/>
+    <p:sldId id="305" r:id="rId24"/>
   </p:sldIdLst>
   <p:sldSz cx="9144000" cy="6858000" type="screen4x3"/>
   <p:notesSz cx="6858000" cy="9144000"/>
@@ -163,32 +151,20 @@
             <p14:sldId id="312"/>
             <p14:sldId id="317"/>
             <p14:sldId id="318"/>
-            <p14:sldId id="346"/>
+            <p14:sldId id="331"/>
             <p14:sldId id="320"/>
             <p14:sldId id="321"/>
-            <p14:sldId id="345"/>
+            <p14:sldId id="330"/>
             <p14:sldId id="323"/>
             <p14:sldId id="324"/>
             <p14:sldId id="329"/>
-            <p14:sldId id="334"/>
-            <p14:sldId id="333"/>
-            <p14:sldId id="335"/>
-            <p14:sldId id="336"/>
-            <p14:sldId id="337"/>
-            <p14:sldId id="338"/>
-            <p14:sldId id="339"/>
-            <p14:sldId id="340"/>
-            <p14:sldId id="341"/>
-            <p14:sldId id="342"/>
-            <p14:sldId id="343"/>
-            <p14:sldId id="344"/>
             <p14:sldId id="305"/>
           </p14:sldIdLst>
         </p14:section>
       </p14:sectionLst>
     </p:ext>
     <p:ext uri="{EFAFB233-063F-42B5-8137-9DF3F51BA10A}">
-      <p15:sldGuideLst xmlns:p15="http://schemas.microsoft.com/office/powerpoint/2012/main">
+      <p15:sldGuideLst xmlns:p15="http://schemas.microsoft.com/office/powerpoint/2012/main" xmlns="">
         <p15:guide id="1" orient="horz" pos="2160">
           <p15:clr>
             <a:srgbClr val="A4A3A4"/>
@@ -287,7 +263,7 @@
           <a:p>
             <a:fld id="{7B6B14F6-3F9A-43ED-BCC2-4547CC5017BD}" type="datetimeFigureOut">
               <a:rPr lang="en-SG" smtClean="0"/>
-              <a:t>11/5/2017</a:t>
+              <a:t>19/6/2015</a:t>
             </a:fld>
             <a:endParaRPr lang="en-SG"/>
           </a:p>
@@ -736,7 +712,7 @@
           <a:p>
             <a:fld id="{699DC775-C286-4358-8C92-D7E584E969B3}" type="datetimeFigureOut">
               <a:rPr lang="en-US" smtClean="0"/>
-              <a:t>5/11/2017</a:t>
+              <a:t>19-Jun-15</a:t>
             </a:fld>
             <a:endParaRPr lang="en-US"/>
           </a:p>
@@ -906,7 +882,7 @@
           <a:p>
             <a:fld id="{699DC775-C286-4358-8C92-D7E584E969B3}" type="datetimeFigureOut">
               <a:rPr lang="en-US" smtClean="0"/>
-              <a:t>5/11/2017</a:t>
+              <a:t>19-Jun-15</a:t>
             </a:fld>
             <a:endParaRPr lang="en-US"/>
           </a:p>
@@ -1086,7 +1062,7 @@
           <a:p>
             <a:fld id="{699DC775-C286-4358-8C92-D7E584E969B3}" type="datetimeFigureOut">
               <a:rPr lang="en-US" smtClean="0"/>
-              <a:t>5/11/2017</a:t>
+              <a:t>19-Jun-15</a:t>
             </a:fld>
             <a:endParaRPr lang="en-US"/>
           </a:p>
@@ -1328,7 +1304,7 @@
           <a:p>
             <a:fld id="{699DC775-C286-4358-8C92-D7E584E969B3}" type="datetimeFigureOut">
               <a:rPr lang="en-US" smtClean="0"/>
-              <a:t>5/11/2017</a:t>
+              <a:t>19-Jun-15</a:t>
             </a:fld>
             <a:endParaRPr lang="en-US"/>
           </a:p>
@@ -1498,7 +1474,7 @@
           <a:p>
             <a:fld id="{699DC775-C286-4358-8C92-D7E584E969B3}" type="datetimeFigureOut">
               <a:rPr lang="en-US" smtClean="0"/>
-              <a:t>5/11/2017</a:t>
+              <a:t>19-Jun-15</a:t>
             </a:fld>
             <a:endParaRPr lang="en-US"/>
           </a:p>
@@ -1744,7 +1720,7 @@
           <a:p>
             <a:fld id="{699DC775-C286-4358-8C92-D7E584E969B3}" type="datetimeFigureOut">
               <a:rPr lang="en-US" smtClean="0"/>
-              <a:t>5/11/2017</a:t>
+              <a:t>19-Jun-15</a:t>
             </a:fld>
             <a:endParaRPr lang="en-US"/>
           </a:p>
@@ -2032,7 +2008,7 @@
           <a:p>
             <a:fld id="{699DC775-C286-4358-8C92-D7E584E969B3}" type="datetimeFigureOut">
               <a:rPr lang="en-US" smtClean="0"/>
-              <a:t>5/11/2017</a:t>
+              <a:t>19-Jun-15</a:t>
             </a:fld>
             <a:endParaRPr lang="en-US"/>
           </a:p>
@@ -2454,7 +2430,7 @@
           <a:p>
             <a:fld id="{699DC775-C286-4358-8C92-D7E584E969B3}" type="datetimeFigureOut">
               <a:rPr lang="en-US" smtClean="0"/>
-              <a:t>5/11/2017</a:t>
+              <a:t>19-Jun-15</a:t>
             </a:fld>
             <a:endParaRPr lang="en-US"/>
           </a:p>
@@ -2572,7 +2548,7 @@
           <a:p>
             <a:fld id="{699DC775-C286-4358-8C92-D7E584E969B3}" type="datetimeFigureOut">
               <a:rPr lang="en-US" smtClean="0"/>
-              <a:t>5/11/2017</a:t>
+              <a:t>19-Jun-15</a:t>
             </a:fld>
             <a:endParaRPr lang="en-US"/>
           </a:p>
@@ -2667,7 +2643,7 @@
           <a:p>
             <a:fld id="{699DC775-C286-4358-8C92-D7E584E969B3}" type="datetimeFigureOut">
               <a:rPr lang="en-US" smtClean="0"/>
-              <a:t>5/11/2017</a:t>
+              <a:t>19-Jun-15</a:t>
             </a:fld>
             <a:endParaRPr lang="en-US"/>
           </a:p>
@@ -2944,7 +2920,7 @@
           <a:p>
             <a:fld id="{699DC775-C286-4358-8C92-D7E584E969B3}" type="datetimeFigureOut">
               <a:rPr lang="en-US" smtClean="0"/>
-              <a:t>5/11/2017</a:t>
+              <a:t>19-Jun-15</a:t>
             </a:fld>
             <a:endParaRPr lang="en-US"/>
           </a:p>
@@ -3114,7 +3090,7 @@
           <a:p>
             <a:fld id="{699DC775-C286-4358-8C92-D7E584E969B3}" type="datetimeFigureOut">
               <a:rPr lang="en-US" smtClean="0"/>
-              <a:t>5/11/2017</a:t>
+              <a:t>19-Jun-15</a:t>
             </a:fld>
             <a:endParaRPr lang="en-US"/>
           </a:p>
@@ -3367,7 +3343,7 @@
           <a:p>
             <a:fld id="{699DC775-C286-4358-8C92-D7E584E969B3}" type="datetimeFigureOut">
               <a:rPr lang="en-US" smtClean="0"/>
-              <a:t>5/11/2017</a:t>
+              <a:t>19-Jun-15</a:t>
             </a:fld>
             <a:endParaRPr lang="en-US"/>
           </a:p>
@@ -3537,7 +3513,7 @@
           <a:p>
             <a:fld id="{699DC775-C286-4358-8C92-D7E584E969B3}" type="datetimeFigureOut">
               <a:rPr lang="en-US" smtClean="0"/>
-              <a:t>5/11/2017</a:t>
+              <a:t>19-Jun-15</a:t>
             </a:fld>
             <a:endParaRPr lang="en-US"/>
           </a:p>
@@ -3717,7 +3693,7 @@
           <a:p>
             <a:fld id="{699DC775-C286-4358-8C92-D7E584E969B3}" type="datetimeFigureOut">
               <a:rPr lang="en-US" smtClean="0"/>
-              <a:t>5/11/2017</a:t>
+              <a:t>19-Jun-15</a:t>
             </a:fld>
             <a:endParaRPr lang="en-US"/>
           </a:p>
@@ -3967,7 +3943,7 @@
           <a:p>
             <a:fld id="{699DC775-C286-4358-8C92-D7E584E969B3}" type="datetimeFigureOut">
               <a:rPr lang="en-US" smtClean="0"/>
-              <a:t>5/11/2017</a:t>
+              <a:t>19-Jun-15</a:t>
             </a:fld>
             <a:endParaRPr lang="en-US"/>
           </a:p>
@@ -4145,7 +4121,7 @@
           <a:p>
             <a:fld id="{699DC775-C286-4358-8C92-D7E584E969B3}" type="datetimeFigureOut">
               <a:rPr lang="en-US" smtClean="0"/>
-              <a:t>5/11/2017</a:t>
+              <a:t>19-Jun-15</a:t>
             </a:fld>
             <a:endParaRPr lang="en-US"/>
           </a:p>
@@ -4399,7 +4375,7 @@
           <a:p>
             <a:fld id="{699DC775-C286-4358-8C92-D7E584E969B3}" type="datetimeFigureOut">
               <a:rPr lang="en-US" smtClean="0"/>
-              <a:t>5/11/2017</a:t>
+              <a:t>19-Jun-15</a:t>
             </a:fld>
             <a:endParaRPr lang="en-US"/>
           </a:p>
@@ -4695,7 +4671,7 @@
           <a:p>
             <a:fld id="{699DC775-C286-4358-8C92-D7E584E969B3}" type="datetimeFigureOut">
               <a:rPr lang="en-US" smtClean="0"/>
-              <a:t>5/11/2017</a:t>
+              <a:t>19-Jun-15</a:t>
             </a:fld>
             <a:endParaRPr lang="en-US"/>
           </a:p>
@@ -5125,7 +5101,7 @@
           <a:p>
             <a:fld id="{699DC775-C286-4358-8C92-D7E584E969B3}" type="datetimeFigureOut">
               <a:rPr lang="en-US" smtClean="0"/>
-              <a:t>5/11/2017</a:t>
+              <a:t>19-Jun-15</a:t>
             </a:fld>
             <a:endParaRPr lang="en-US"/>
           </a:p>
@@ -5251,7 +5227,7 @@
           <a:p>
             <a:fld id="{699DC775-C286-4358-8C92-D7E584E969B3}" type="datetimeFigureOut">
               <a:rPr lang="en-US" smtClean="0"/>
-              <a:t>5/11/2017</a:t>
+              <a:t>19-Jun-15</a:t>
             </a:fld>
             <a:endParaRPr lang="en-US"/>
           </a:p>
@@ -5354,7 +5330,7 @@
           <a:p>
             <a:fld id="{699DC775-C286-4358-8C92-D7E584E969B3}" type="datetimeFigureOut">
               <a:rPr lang="en-US" smtClean="0"/>
-              <a:t>5/11/2017</a:t>
+              <a:t>19-Jun-15</a:t>
             </a:fld>
             <a:endParaRPr lang="en-US"/>
           </a:p>
@@ -5600,7 +5576,7 @@
           <a:p>
             <a:fld id="{699DC775-C286-4358-8C92-D7E584E969B3}" type="datetimeFigureOut">
               <a:rPr lang="en-US" smtClean="0"/>
-              <a:t>5/11/2017</a:t>
+              <a:t>19-Jun-15</a:t>
             </a:fld>
             <a:endParaRPr lang="en-US"/>
           </a:p>
@@ -5885,7 +5861,7 @@
           <a:p>
             <a:fld id="{699DC775-C286-4358-8C92-D7E584E969B3}" type="datetimeFigureOut">
               <a:rPr lang="en-US" smtClean="0"/>
-              <a:t>5/11/2017</a:t>
+              <a:t>19-Jun-15</a:t>
             </a:fld>
             <a:endParaRPr lang="en-US"/>
           </a:p>
@@ -6146,7 +6122,7 @@
           <a:p>
             <a:fld id="{699DC775-C286-4358-8C92-D7E584E969B3}" type="datetimeFigureOut">
               <a:rPr lang="en-US" smtClean="0"/>
-              <a:t>5/11/2017</a:t>
+              <a:t>19-Jun-15</a:t>
             </a:fld>
             <a:endParaRPr lang="en-US"/>
           </a:p>
@@ -6324,7 +6300,7 @@
           <a:p>
             <a:fld id="{699DC775-C286-4358-8C92-D7E584E969B3}" type="datetimeFigureOut">
               <a:rPr lang="en-US" smtClean="0"/>
-              <a:t>5/11/2017</a:t>
+              <a:t>19-Jun-15</a:t>
             </a:fld>
             <a:endParaRPr lang="en-US"/>
           </a:p>
@@ -6512,7 +6488,7 @@
           <a:p>
             <a:fld id="{699DC775-C286-4358-8C92-D7E584E969B3}" type="datetimeFigureOut">
               <a:rPr lang="en-US" smtClean="0"/>
-              <a:t>5/11/2017</a:t>
+              <a:t>19-Jun-15</a:t>
             </a:fld>
             <a:endParaRPr lang="en-US"/>
           </a:p>
@@ -6800,7 +6776,7 @@
           <a:p>
             <a:fld id="{699DC775-C286-4358-8C92-D7E584E969B3}" type="datetimeFigureOut">
               <a:rPr lang="en-US" smtClean="0"/>
-              <a:t>5/11/2017</a:t>
+              <a:t>19-Jun-15</a:t>
             </a:fld>
             <a:endParaRPr lang="en-US"/>
           </a:p>
@@ -7222,7 +7198,7 @@
           <a:p>
             <a:fld id="{699DC775-C286-4358-8C92-D7E584E969B3}" type="datetimeFigureOut">
               <a:rPr lang="en-US" smtClean="0"/>
-              <a:t>5/11/2017</a:t>
+              <a:t>19-Jun-15</a:t>
             </a:fld>
             <a:endParaRPr lang="en-US"/>
           </a:p>
@@ -7340,7 +7316,7 @@
           <a:p>
             <a:fld id="{699DC775-C286-4358-8C92-D7E584E969B3}" type="datetimeFigureOut">
               <a:rPr lang="en-US" smtClean="0"/>
-              <a:t>5/11/2017</a:t>
+              <a:t>19-Jun-15</a:t>
             </a:fld>
             <a:endParaRPr lang="en-US"/>
           </a:p>
@@ -7435,7 +7411,7 @@
           <a:p>
             <a:fld id="{699DC775-C286-4358-8C92-D7E584E969B3}" type="datetimeFigureOut">
               <a:rPr lang="en-US" smtClean="0"/>
-              <a:t>5/11/2017</a:t>
+              <a:t>19-Jun-15</a:t>
             </a:fld>
             <a:endParaRPr lang="en-US"/>
           </a:p>
@@ -7712,7 +7688,7 @@
           <a:p>
             <a:fld id="{699DC775-C286-4358-8C92-D7E584E969B3}" type="datetimeFigureOut">
               <a:rPr lang="en-US" smtClean="0"/>
-              <a:t>5/11/2017</a:t>
+              <a:t>19-Jun-15</a:t>
             </a:fld>
             <a:endParaRPr lang="en-US"/>
           </a:p>
@@ -7965,7 +7941,7 @@
           <a:p>
             <a:fld id="{699DC775-C286-4358-8C92-D7E584E969B3}" type="datetimeFigureOut">
               <a:rPr lang="en-US" smtClean="0"/>
-              <a:t>5/11/2017</a:t>
+              <a:t>19-Jun-15</a:t>
             </a:fld>
             <a:endParaRPr lang="en-US"/>
           </a:p>
@@ -8178,7 +8154,7 @@
           <a:p>
             <a:fld id="{699DC775-C286-4358-8C92-D7E584E969B3}" type="datetimeFigureOut">
               <a:rPr lang="en-US" smtClean="0"/>
-              <a:t>5/11/2017</a:t>
+              <a:t>19-Jun-15</a:t>
             </a:fld>
             <a:endParaRPr lang="en-US"/>
           </a:p>
@@ -8693,7 +8669,7 @@
           <a:p>
             <a:fld id="{699DC775-C286-4358-8C92-D7E584E969B3}" type="datetimeFigureOut">
               <a:rPr lang="en-US" smtClean="0"/>
-              <a:t>5/11/2017</a:t>
+              <a:t>19-Jun-15</a:t>
             </a:fld>
             <a:endParaRPr lang="en-US"/>
           </a:p>
@@ -9206,7 +9182,7 @@
           <a:p>
             <a:fld id="{699DC775-C286-4358-8C92-D7E584E969B3}" type="datetimeFigureOut">
               <a:rPr lang="en-US" smtClean="0"/>
-              <a:t>5/11/2017</a:t>
+              <a:t>19-Jun-15</a:t>
             </a:fld>
             <a:endParaRPr lang="en-US"/>
           </a:p>
@@ -11610,7 +11586,7 @@
 
 <file path=ppt/slides/slide14.xml><?xml version="1.0" encoding="utf-8"?>
 <p:sld xmlns:a="http://schemas.openxmlformats.org/drawingml/2006/main" xmlns:r="http://schemas.openxmlformats.org/officeDocument/2006/relationships" xmlns:p="http://schemas.openxmlformats.org/presentationml/2006/main">
-  <p:cSld name="PPTLabsHighlightBulletsSlide201705111407463809">
+  <p:cSld name="PPTLabsHighlightBulletsSlide201506181734557209">
     <p:spTree>
       <p:nvGrpSpPr>
         <p:cNvPr id="1" name=""/>
@@ -11627,7 +11603,7 @@
       </p:grpSpPr>
       <p:sp>
         <p:nvSpPr>
-          <p:cNvPr id="5" name="Rectangle 4"/>
+          <p:cNvPr id="12" name="Rectangle 4"/>
           <p:cNvSpPr/>
           <p:nvPr/>
         </p:nvSpPr>
@@ -11670,7 +11646,7 @@
       </p:sp>
       <p:sp>
         <p:nvSpPr>
-          <p:cNvPr id="6" name="PPTLabsHighlightBackgroundShape201705111407463859"/>
+          <p:cNvPr id="5" name="PPTLabsHighlightBackgroundShape201506181734557349"/>
           <p:cNvSpPr>
             <a:spLocks/>
           </p:cNvSpPr>
@@ -11740,7 +11716,7 @@
       </p:sp>
       <p:sp>
         <p:nvSpPr>
-          <p:cNvPr id="7" name="PPTLabsHighlightBackgroundShape201705111407463879"/>
+          <p:cNvPr id="6" name="PPTLabsHighlightBackgroundShape201506181734557439"/>
           <p:cNvSpPr>
             <a:spLocks/>
           </p:cNvSpPr>
@@ -11810,7 +11786,7 @@
       </p:sp>
       <p:sp>
         <p:nvSpPr>
-          <p:cNvPr id="8" name="PPTLabsHighlightBackgroundShape201705111407463899"/>
+          <p:cNvPr id="7" name="PPTLabsHighlightBackgroundShape201506181734557479"/>
           <p:cNvSpPr>
             <a:spLocks/>
           </p:cNvSpPr>
@@ -11880,7 +11856,7 @@
       </p:sp>
       <p:sp>
         <p:nvSpPr>
-          <p:cNvPr id="9" name="PPTLabsHighlightBackgroundShape201705111407463929"/>
+          <p:cNvPr id="8" name="PPTLabsHighlightBackgroundShape201506181734557509"/>
           <p:cNvSpPr>
             <a:spLocks/>
           </p:cNvSpPr>
@@ -11950,88 +11926,7 @@
       </p:sp>
       <p:sp>
         <p:nvSpPr>
-          <p:cNvPr id="2" name="HighlightBackgroundShape9ac65b45-57f9-496b-b14a-3366aa98ee7a"/>
-          <p:cNvSpPr txBox="1"/>
-          <p:nvPr/>
-        </p:nvSpPr>
-        <p:spPr>
-          <a:xfrm>
-            <a:off x="304800" y="381000"/>
-            <a:ext cx="7620000" cy="2400657"/>
-          </a:xfrm>
-          <a:prstGeom prst="rect">
-            <a:avLst/>
-          </a:prstGeom>
-          <a:noFill/>
-        </p:spPr>
-        <p:txBody>
-          <a:bodyPr wrap="square" rtlCol="0">
-            <a:spAutoFit/>
-          </a:bodyPr>
-          <a:lstStyle/>
-          <a:p>
-            <a:pPr marL="285750" indent="-285750">
-              <a:buFont typeface="Arial" panose="020B0604020202020204" pitchFamily="34" charset="0"/>
-              <a:buChar char="•"/>
-            </a:pPr>
-            <a:r>
-              <a:rPr lang="en-US" sz="2800" dirty="0" smtClean="0"/>
-              <a:t>Test - Non-ABC: 1234567890!@#$%^&amp;*()</a:t>
-            </a:r>
-          </a:p>
-          <a:p>
-            <a:r>
-              <a:rPr lang="en-US" sz="2800" dirty="0"/>
-              <a:t>Test </a:t>
-            </a:r>
-            <a:r>
-              <a:rPr lang="en-US" sz="2800" dirty="0" smtClean="0"/>
-              <a:t>– No bullet point</a:t>
-            </a:r>
-            <a:endParaRPr lang="en-US" sz="2800" dirty="0"/>
-          </a:p>
-          <a:p>
-            <a:pPr marL="514350" indent="-514350">
-              <a:buFont typeface="+mj-lt"/>
-              <a:buAutoNum type="arabicPeriod"/>
-            </a:pPr>
-            <a:r>
-              <a:rPr lang="en-US" sz="2800" dirty="0"/>
-              <a:t>Test – </a:t>
-            </a:r>
-            <a:r>
-              <a:rPr lang="en-US" sz="2800" dirty="0" smtClean="0"/>
-              <a:t>Different bullet point</a:t>
-            </a:r>
-          </a:p>
-          <a:p>
-            <a:pPr marL="285750" indent="-285750">
-              <a:buFont typeface="Arial" panose="020B0604020202020204" pitchFamily="34" charset="0"/>
-              <a:buChar char="•"/>
-            </a:pPr>
-            <a:r>
-              <a:rPr lang="en-US" sz="2800" dirty="0" smtClean="0">
-                <a:latin typeface="Times New Roman" panose="02020603050405020304" pitchFamily="18" charset="0"/>
-                <a:cs typeface="Times New Roman" panose="02020603050405020304" pitchFamily="18" charset="0"/>
-              </a:rPr>
-              <a:t>Test - Another Font Family, using Times New Roman</a:t>
-            </a:r>
-          </a:p>
-          <a:p>
-            <a:pPr marL="285750" indent="-285750">
-              <a:buFont typeface="Arial" panose="020B0604020202020204" pitchFamily="34" charset="0"/>
-              <a:buChar char="•"/>
-            </a:pPr>
-            <a:r>
-              <a:rPr lang="en-US" sz="1000" dirty="0" smtClean="0"/>
-              <a:t>Test - very small content. Test: very small content. Test: very small content. Test: very small content</a:t>
-            </a:r>
-          </a:p>
-        </p:txBody>
-      </p:sp>
-      <p:sp>
-        <p:nvSpPr>
-          <p:cNvPr id="10" name="PPTLabsHighlightBackgroundShape201705111407463949"/>
+          <p:cNvPr id="9" name="PPTLabsHighlightBackgroundShape201506181734557529"/>
           <p:cNvSpPr>
             <a:spLocks/>
           </p:cNvSpPr>
@@ -12101,7 +11996,7 @@
       </p:sp>
       <p:sp>
         <p:nvSpPr>
-          <p:cNvPr id="11" name="PPTLabsHighlightBackgroundShape201705111407463959"/>
+          <p:cNvPr id="10" name="PPTLabsHighlightBackgroundShape201506181734557549"/>
           <p:cNvSpPr>
             <a:spLocks/>
           </p:cNvSpPr>
@@ -12171,7 +12066,7 @@
       </p:sp>
       <p:sp>
         <p:nvSpPr>
-          <p:cNvPr id="12" name="PPTLabsHighlightBackgroundShape201705111407463979"/>
+          <p:cNvPr id="11" name="PPTLabsHighlightBackgroundShape201506181734557569"/>
           <p:cNvSpPr/>
           <p:nvPr>
             <p:custDataLst>
@@ -12239,7 +12134,88 @@
       </p:sp>
       <p:sp>
         <p:nvSpPr>
-          <p:cNvPr id="3" name="HighlightBackgroundShape2d8f1b26-ed61-41e1-9795-250fbd9d3931"/>
+          <p:cNvPr id="2" name="HighlightBackgroundShape961d3f1e-187d-4b94-8f93-1be85193a105"/>
+          <p:cNvSpPr txBox="1"/>
+          <p:nvPr/>
+        </p:nvSpPr>
+        <p:spPr>
+          <a:xfrm>
+            <a:off x="304800" y="381000"/>
+            <a:ext cx="7620000" cy="2400657"/>
+          </a:xfrm>
+          <a:prstGeom prst="rect">
+            <a:avLst/>
+          </a:prstGeom>
+          <a:noFill/>
+        </p:spPr>
+        <p:txBody>
+          <a:bodyPr wrap="square" rtlCol="0">
+            <a:spAutoFit/>
+          </a:bodyPr>
+          <a:lstStyle/>
+          <a:p>
+            <a:pPr marL="285750" indent="-285750">
+              <a:buFont typeface="Arial" panose="020B0604020202020204" pitchFamily="34" charset="0"/>
+              <a:buChar char="•"/>
+            </a:pPr>
+            <a:r>
+              <a:rPr lang="en-US" sz="2800" dirty="0" smtClean="0"/>
+              <a:t>Test - Non-ABC: 1234567890!@#$%^&amp;*()</a:t>
+            </a:r>
+          </a:p>
+          <a:p>
+            <a:r>
+              <a:rPr lang="en-US" sz="2800" dirty="0"/>
+              <a:t>Test </a:t>
+            </a:r>
+            <a:r>
+              <a:rPr lang="en-US" sz="2800" dirty="0" smtClean="0"/>
+              <a:t>– No bullet point</a:t>
+            </a:r>
+            <a:endParaRPr lang="en-US" sz="2800" dirty="0"/>
+          </a:p>
+          <a:p>
+            <a:pPr marL="514350" indent="-514350">
+              <a:buFont typeface="+mj-lt"/>
+              <a:buAutoNum type="arabicPeriod"/>
+            </a:pPr>
+            <a:r>
+              <a:rPr lang="en-US" sz="2800" dirty="0"/>
+              <a:t>Test – </a:t>
+            </a:r>
+            <a:r>
+              <a:rPr lang="en-US" sz="2800" dirty="0" smtClean="0"/>
+              <a:t>Different bullet point</a:t>
+            </a:r>
+          </a:p>
+          <a:p>
+            <a:pPr marL="285750" indent="-285750">
+              <a:buFont typeface="Arial" panose="020B0604020202020204" pitchFamily="34" charset="0"/>
+              <a:buChar char="•"/>
+            </a:pPr>
+            <a:r>
+              <a:rPr lang="en-US" sz="2800" dirty="0" smtClean="0">
+                <a:latin typeface="Times New Roman" panose="02020603050405020304" pitchFamily="18" charset="0"/>
+                <a:cs typeface="Times New Roman" panose="02020603050405020304" pitchFamily="18" charset="0"/>
+              </a:rPr>
+              <a:t>Test - Another Font Family, using Times New Roman</a:t>
+            </a:r>
+          </a:p>
+          <a:p>
+            <a:pPr marL="285750" indent="-285750">
+              <a:buFont typeface="Arial" panose="020B0604020202020204" pitchFamily="34" charset="0"/>
+              <a:buChar char="•"/>
+            </a:pPr>
+            <a:r>
+              <a:rPr lang="en-US" sz="1000" dirty="0" smtClean="0"/>
+              <a:t>Test - very small content. Test: very small content. Test: very small content. Test: very small content</a:t>
+            </a:r>
+          </a:p>
+        </p:txBody>
+      </p:sp>
+      <p:sp>
+        <p:nvSpPr>
+          <p:cNvPr id="3" name="HighlightBackgroundShape6a0e245b-6aa0-4f7b-8026-c07e6fed77bf"/>
           <p:cNvSpPr txBox="1"/>
           <p:nvPr/>
         </p:nvSpPr>
@@ -12487,7 +12463,7 @@
     </p:spTree>
     <p:extLst>
       <p:ext uri="{BB962C8B-B14F-4D97-AF65-F5344CB8AC3E}">
-        <p14:creationId xmlns:p14="http://schemas.microsoft.com/office/powerpoint/2010/main" val="1878902397"/>
+        <p14:creationId xmlns:p14="http://schemas.microsoft.com/office/powerpoint/2010/main" val="204421223"/>
       </p:ext>
     </p:extLst>
   </p:cSld>
@@ -12527,7 +12503,7 @@
                                       <p:cBhvr>
                                         <p:cTn id="6" dur="500" fill="hold"/>
                                         <p:tgtEl>
-                                          <p:spTgt spid="6"/>
+                                          <p:spTgt spid="5"/>
                                         </p:tgtEl>
                                         <p:attrNameLst>
                                           <p:attrName>ppt_x</p:attrName>
@@ -12548,7 +12524,7 @@
                                       <p:cBhvr>
                                         <p:cTn id="8" dur="500" fill="hold"/>
                                         <p:tgtEl>
-                                          <p:spTgt spid="6"/>
+                                          <p:spTgt spid="5"/>
                                         </p:tgtEl>
                                       </p:cBhvr>
                                       <p:by x="66208" y="100000"/>
@@ -12579,7 +12555,7 @@
                                           </p:stCondLst>
                                         </p:cTn>
                                         <p:tgtEl>
-                                          <p:spTgt spid="7"/>
+                                          <p:spTgt spid="6"/>
                                         </p:tgtEl>
                                         <p:attrNameLst>
                                           <p:attrName>style.visibility</p:attrName>
@@ -12602,7 +12578,7 @@
                                       <p:cBhvr>
                                         <p:cTn id="13" dur="500"/>
                                         <p:tgtEl>
-                                          <p:spTgt spid="6"/>
+                                          <p:spTgt spid="5"/>
                                         </p:tgtEl>
                                       </p:cBhvr>
                                     </p:animEffect>
@@ -12614,7 +12590,7 @@
                                           </p:stCondLst>
                                         </p:cTn>
                                         <p:tgtEl>
-                                          <p:spTgt spid="6"/>
+                                          <p:spTgt spid="5"/>
                                         </p:tgtEl>
                                         <p:attrNameLst>
                                           <p:attrName>style.visibility</p:attrName>
@@ -12655,7 +12631,7 @@
                                       <p:cBhvr>
                                         <p:cTn id="18" dur="500" fill="hold"/>
                                         <p:tgtEl>
-                                          <p:spTgt spid="7"/>
+                                          <p:spTgt spid="6"/>
                                         </p:tgtEl>
                                         <p:attrNameLst>
                                           <p:attrName>ppt_x</p:attrName>
@@ -12676,7 +12652,7 @@
                                       <p:cBhvr>
                                         <p:cTn id="20" dur="500" fill="hold"/>
                                         <p:tgtEl>
-                                          <p:spTgt spid="7"/>
+                                          <p:spTgt spid="6"/>
                                         </p:tgtEl>
                                       </p:cBhvr>
                                       <p:by x="164024" y="200000"/>
@@ -12707,7 +12683,7 @@
                                           </p:stCondLst>
                                         </p:cTn>
                                         <p:tgtEl>
-                                          <p:spTgt spid="8"/>
+                                          <p:spTgt spid="7"/>
                                         </p:tgtEl>
                                         <p:attrNameLst>
                                           <p:attrName>style.visibility</p:attrName>
@@ -12730,7 +12706,7 @@
                                       <p:cBhvr>
                                         <p:cTn id="25" dur="500"/>
                                         <p:tgtEl>
-                                          <p:spTgt spid="7"/>
+                                          <p:spTgt spid="6"/>
                                         </p:tgtEl>
                                       </p:cBhvr>
                                     </p:animEffect>
@@ -12742,7 +12718,7 @@
                                           </p:stCondLst>
                                         </p:cTn>
                                         <p:tgtEl>
-                                          <p:spTgt spid="7"/>
+                                          <p:spTgt spid="6"/>
                                         </p:tgtEl>
                                         <p:attrNameLst>
                                           <p:attrName>style.visibility</p:attrName>
@@ -12783,7 +12759,7 @@
                                       <p:cBhvr>
                                         <p:cTn id="30" dur="500" fill="hold"/>
                                         <p:tgtEl>
-                                          <p:spTgt spid="8"/>
+                                          <p:spTgt spid="7"/>
                                         </p:tgtEl>
                                         <p:attrNameLst>
                                           <p:attrName>ppt_x</p:attrName>
@@ -12804,7 +12780,7 @@
                                       <p:cBhvr>
                                         <p:cTn id="32" dur="500" fill="hold"/>
                                         <p:tgtEl>
-                                          <p:spTgt spid="8"/>
+                                          <p:spTgt spid="7"/>
                                         </p:tgtEl>
                                       </p:cBhvr>
                                       <p:by x="77849" y="17857"/>
@@ -12835,7 +12811,7 @@
                                           </p:stCondLst>
                                         </p:cTn>
                                         <p:tgtEl>
-                                          <p:spTgt spid="9"/>
+                                          <p:spTgt spid="8"/>
                                         </p:tgtEl>
                                         <p:attrNameLst>
                                           <p:attrName>style.visibility</p:attrName>
@@ -12858,7 +12834,7 @@
                                       <p:cBhvr>
                                         <p:cTn id="37" dur="500"/>
                                         <p:tgtEl>
-                                          <p:spTgt spid="8"/>
+                                          <p:spTgt spid="7"/>
                                         </p:tgtEl>
                                       </p:cBhvr>
                                     </p:animEffect>
@@ -12870,7 +12846,7 @@
                                           </p:stCondLst>
                                         </p:cTn>
                                         <p:tgtEl>
-                                          <p:spTgt spid="8"/>
+                                          <p:spTgt spid="7"/>
                                         </p:tgtEl>
                                         <p:attrNameLst>
                                           <p:attrName>style.visibility</p:attrName>
@@ -12911,7 +12887,7 @@
                                       <p:cBhvr>
                                         <p:cTn id="42" dur="500" fill="hold"/>
                                         <p:tgtEl>
-                                          <p:spTgt spid="9"/>
+                                          <p:spTgt spid="8"/>
                                         </p:tgtEl>
                                         <p:attrNameLst>
                                           <p:attrName>ppt_x</p:attrName>
@@ -12932,7 +12908,7 @@
                                       <p:cBhvr>
                                         <p:cTn id="44" dur="500" fill="hold"/>
                                         <p:tgtEl>
-                                          <p:spTgt spid="9"/>
+                                          <p:spTgt spid="8"/>
                                         </p:tgtEl>
                                       </p:cBhvr>
                                       <p:by x="131908" y="660000"/>
@@ -12963,7 +12939,7 @@
                                           </p:stCondLst>
                                         </p:cTn>
                                         <p:tgtEl>
-                                          <p:spTgt spid="10"/>
+                                          <p:spTgt spid="9"/>
                                         </p:tgtEl>
                                         <p:attrNameLst>
                                           <p:attrName>style.visibility</p:attrName>
@@ -12986,7 +12962,7 @@
                                       <p:cBhvr>
                                         <p:cTn id="49" dur="500"/>
                                         <p:tgtEl>
-                                          <p:spTgt spid="9"/>
+                                          <p:spTgt spid="8"/>
                                         </p:tgtEl>
                                       </p:cBhvr>
                                     </p:animEffect>
@@ -12998,7 +12974,7 @@
                                           </p:stCondLst>
                                         </p:cTn>
                                         <p:tgtEl>
-                                          <p:spTgt spid="9"/>
+                                          <p:spTgt spid="8"/>
                                         </p:tgtEl>
                                         <p:attrNameLst>
                                           <p:attrName>style.visibility</p:attrName>
@@ -13039,7 +13015,7 @@
                                       <p:cBhvr>
                                         <p:cTn id="54" dur="500" fill="hold"/>
                                         <p:tgtEl>
-                                          <p:spTgt spid="10"/>
+                                          <p:spTgt spid="9"/>
                                         </p:tgtEl>
                                         <p:attrNameLst>
                                           <p:attrName>ppt_x</p:attrName>
@@ -13060,7 +13036,7 @@
                                       <p:cBhvr>
                                         <p:cTn id="56" dur="500" fill="hold"/>
                                         <p:tgtEl>
-                                          <p:spTgt spid="10"/>
+                                          <p:spTgt spid="9"/>
                                         </p:tgtEl>
                                       </p:cBhvr>
                                       <p:by x="102956" y="218182"/>
@@ -13091,7 +13067,7 @@
                                           </p:stCondLst>
                                         </p:cTn>
                                         <p:tgtEl>
-                                          <p:spTgt spid="11"/>
+                                          <p:spTgt spid="10"/>
                                         </p:tgtEl>
                                         <p:attrNameLst>
                                           <p:attrName>style.visibility</p:attrName>
@@ -13114,7 +13090,7 @@
                                       <p:cBhvr>
                                         <p:cTn id="61" dur="500"/>
                                         <p:tgtEl>
-                                          <p:spTgt spid="10"/>
+                                          <p:spTgt spid="9"/>
                                         </p:tgtEl>
                                       </p:cBhvr>
                                     </p:animEffect>
@@ -13126,7 +13102,7 @@
                                           </p:stCondLst>
                                         </p:cTn>
                                         <p:tgtEl>
-                                          <p:spTgt spid="10"/>
+                                          <p:spTgt spid="9"/>
                                         </p:tgtEl>
                                         <p:attrNameLst>
                                           <p:attrName>style.visibility</p:attrName>
@@ -13167,7 +13143,7 @@
                                       <p:cBhvr>
                                         <p:cTn id="66" dur="500" fill="hold"/>
                                         <p:tgtEl>
-                                          <p:spTgt spid="11"/>
+                                          <p:spTgt spid="10"/>
                                         </p:tgtEl>
                                         <p:attrNameLst>
                                           <p:attrName>ppt_x</p:attrName>
@@ -13188,7 +13164,7 @@
                                       <p:cBhvr>
                                         <p:cTn id="68" dur="500" fill="hold"/>
                                         <p:tgtEl>
-                                          <p:spTgt spid="11"/>
+                                          <p:spTgt spid="10"/>
                                         </p:tgtEl>
                                       </p:cBhvr>
                                       <p:by x="94452" y="12500"/>
@@ -13219,7 +13195,7 @@
                                           </p:stCondLst>
                                         </p:cTn>
                                         <p:tgtEl>
-                                          <p:spTgt spid="12"/>
+                                          <p:spTgt spid="11"/>
                                         </p:tgtEl>
                                         <p:attrNameLst>
                                           <p:attrName>style.visibility</p:attrName>
@@ -13242,7 +13218,7 @@
                                       <p:cBhvr>
                                         <p:cTn id="73" dur="500"/>
                                         <p:tgtEl>
-                                          <p:spTgt spid="11"/>
+                                          <p:spTgt spid="10"/>
                                         </p:tgtEl>
                                       </p:cBhvr>
                                     </p:animEffect>
@@ -13254,7 +13230,7 @@
                                           </p:stCondLst>
                                         </p:cTn>
                                         <p:tgtEl>
-                                          <p:spTgt spid="11"/>
+                                          <p:spTgt spid="10"/>
                                         </p:tgtEl>
                                         <p:attrNameLst>
                                           <p:attrName>style.visibility</p:attrName>
@@ -13295,9 +13271,13 @@
       </p:par>
     </p:tnLst>
     <p:bldLst>
+      <p:bldP spid="5" grpId="0" animBg="1"/>
+      <p:bldP spid="5" grpId="1" animBg="1"/>
+      <p:bldP spid="5" grpId="2" animBg="1"/>
       <p:bldP spid="6" grpId="0" animBg="1"/>
       <p:bldP spid="6" grpId="1" animBg="1"/>
       <p:bldP spid="6" grpId="2" animBg="1"/>
+      <p:bldP spid="6" grpId="3" animBg="1"/>
       <p:bldP spid="7" grpId="0" animBg="1"/>
       <p:bldP spid="7" grpId="1" animBg="1"/>
       <p:bldP spid="7" grpId="2" animBg="1"/>
@@ -13315,10 +13295,6 @@
       <p:bldP spid="10" grpId="2" animBg="1"/>
       <p:bldP spid="10" grpId="3" animBg="1"/>
       <p:bldP spid="11" grpId="0" animBg="1"/>
-      <p:bldP spid="11" grpId="1" animBg="1"/>
-      <p:bldP spid="11" grpId="2" animBg="1"/>
-      <p:bldP spid="11" grpId="3" animBg="1"/>
-      <p:bldP spid="12" grpId="0" animBg="1"/>
     </p:bldLst>
   </p:timing>
 </p:sld>
@@ -13835,7 +13811,7 @@
 
 <file path=ppt/slides/slide17.xml><?xml version="1.0" encoding="utf-8"?>
 <p:sld xmlns:a="http://schemas.openxmlformats.org/drawingml/2006/main" xmlns:r="http://schemas.openxmlformats.org/officeDocument/2006/relationships" xmlns:p="http://schemas.openxmlformats.org/presentationml/2006/main">
-  <p:cSld name="PPTLabsHighlightBulletsSlide201705111406343381">
+  <p:cSld name="PPTLabsHighlightBulletsSlide201506181734443843">
     <p:spTree>
       <p:nvGrpSpPr>
         <p:cNvPr id="1" name=""/>
@@ -13852,7 +13828,7 @@
       </p:grpSpPr>
       <p:sp>
         <p:nvSpPr>
-          <p:cNvPr id="5" name="Rectangle 4"/>
+          <p:cNvPr id="13" name="Rectangle 4"/>
           <p:cNvSpPr/>
           <p:nvPr/>
         </p:nvSpPr>
@@ -13895,7 +13871,7 @@
       </p:sp>
       <p:sp>
         <p:nvSpPr>
-          <p:cNvPr id="6" name="PPTLabsHighlightBackgroundShape201705111406343662"/>
+          <p:cNvPr id="5" name="PPTLabsHighlightBackgroundShape201506181734443923"/>
           <p:cNvSpPr>
             <a:spLocks/>
           </p:cNvSpPr>
@@ -13965,7 +13941,7 @@
       </p:sp>
       <p:sp>
         <p:nvSpPr>
-          <p:cNvPr id="7" name="PPTLabsHighlightBackgroundShape201705111406343702"/>
+          <p:cNvPr id="6" name="PPTLabsHighlightBackgroundShape201506181734443973"/>
           <p:cNvSpPr>
             <a:spLocks/>
           </p:cNvSpPr>
@@ -14035,7 +14011,7 @@
       </p:sp>
       <p:sp>
         <p:nvSpPr>
-          <p:cNvPr id="8" name="PPTLabsHighlightBackgroundShape201705111406343722"/>
+          <p:cNvPr id="7" name="PPTLabsHighlightBackgroundShape201506181734444013"/>
           <p:cNvSpPr>
             <a:spLocks/>
           </p:cNvSpPr>
@@ -14105,7 +14081,7 @@
       </p:sp>
       <p:sp>
         <p:nvSpPr>
-          <p:cNvPr id="9" name="PPTLabsHighlightBackgroundShape201705111406343732"/>
+          <p:cNvPr id="8" name="PPTLabsHighlightBackgroundShape201506181734444053"/>
           <p:cNvSpPr>
             <a:spLocks/>
           </p:cNvSpPr>
@@ -14175,88 +14151,7 @@
       </p:sp>
       <p:sp>
         <p:nvSpPr>
-          <p:cNvPr id="2" name="HighlightBackgroundShaped108a7e5-8eab-4301-8593-c035661b65c0"/>
-          <p:cNvSpPr txBox="1"/>
-          <p:nvPr/>
-        </p:nvSpPr>
-        <p:spPr>
-          <a:xfrm>
-            <a:off x="304800" y="381000"/>
-            <a:ext cx="7620000" cy="2400657"/>
-          </a:xfrm>
-          <a:prstGeom prst="rect">
-            <a:avLst/>
-          </a:prstGeom>
-          <a:noFill/>
-        </p:spPr>
-        <p:txBody>
-          <a:bodyPr wrap="square" rtlCol="0">
-            <a:spAutoFit/>
-          </a:bodyPr>
-          <a:lstStyle/>
-          <a:p>
-            <a:pPr marL="285750" indent="-285750">
-              <a:buFont typeface="Arial" panose="020B0604020202020204" pitchFamily="34" charset="0"/>
-              <a:buChar char="•"/>
-            </a:pPr>
-            <a:r>
-              <a:rPr lang="en-US" sz="2800" dirty="0" smtClean="0"/>
-              <a:t>Test - Non-ABC: 1234567890!@#$%^&amp;*()</a:t>
-            </a:r>
-          </a:p>
-          <a:p>
-            <a:r>
-              <a:rPr lang="en-US" sz="2800" dirty="0"/>
-              <a:t>Test </a:t>
-            </a:r>
-            <a:r>
-              <a:rPr lang="en-US" sz="2800" dirty="0" smtClean="0"/>
-              <a:t>– No bullet point</a:t>
-            </a:r>
-            <a:endParaRPr lang="en-US" sz="2800" dirty="0"/>
-          </a:p>
-          <a:p>
-            <a:pPr marL="514350" indent="-514350">
-              <a:buFont typeface="+mj-lt"/>
-              <a:buAutoNum type="arabicPeriod"/>
-            </a:pPr>
-            <a:r>
-              <a:rPr lang="en-US" sz="2800" dirty="0"/>
-              <a:t>Test – </a:t>
-            </a:r>
-            <a:r>
-              <a:rPr lang="en-US" sz="2800" dirty="0" smtClean="0"/>
-              <a:t>Different bullet point</a:t>
-            </a:r>
-          </a:p>
-          <a:p>
-            <a:pPr marL="285750" indent="-285750">
-              <a:buFont typeface="Arial" panose="020B0604020202020204" pitchFamily="34" charset="0"/>
-              <a:buChar char="•"/>
-            </a:pPr>
-            <a:r>
-              <a:rPr lang="en-US" sz="2800" dirty="0" smtClean="0">
-                <a:latin typeface="Times New Roman" panose="02020603050405020304" pitchFamily="18" charset="0"/>
-                <a:cs typeface="Times New Roman" panose="02020603050405020304" pitchFamily="18" charset="0"/>
-              </a:rPr>
-              <a:t>Test - Another Font Family, using Times New Roman</a:t>
-            </a:r>
-          </a:p>
-          <a:p>
-            <a:pPr marL="285750" indent="-285750">
-              <a:buFont typeface="Arial" panose="020B0604020202020204" pitchFamily="34" charset="0"/>
-              <a:buChar char="•"/>
-            </a:pPr>
-            <a:r>
-              <a:rPr lang="en-US" sz="1000" dirty="0" smtClean="0"/>
-              <a:t>Test - very small content. Test: very small content. Test: very small content. Test: very small content</a:t>
-            </a:r>
-          </a:p>
-        </p:txBody>
-      </p:sp>
-      <p:sp>
-        <p:nvSpPr>
-          <p:cNvPr id="11" name="PPTLabsHighlightBackgroundShape201705111406343762"/>
+          <p:cNvPr id="10" name="PPTLabsHighlightBackgroundShape201506181734444113"/>
           <p:cNvSpPr>
             <a:spLocks/>
           </p:cNvSpPr>
@@ -14326,7 +14221,7 @@
       </p:sp>
       <p:sp>
         <p:nvSpPr>
-          <p:cNvPr id="12" name="PPTLabsHighlightBackgroundShape201705111406343772"/>
+          <p:cNvPr id="11" name="PPTLabsHighlightBackgroundShape201506181734444143"/>
           <p:cNvSpPr>
             <a:spLocks/>
           </p:cNvSpPr>
@@ -14396,7 +14291,7 @@
       </p:sp>
       <p:sp>
         <p:nvSpPr>
-          <p:cNvPr id="13" name="PPTLabsHighlightBackgroundShape201705111406343782"/>
+          <p:cNvPr id="12" name="PPTLabsHighlightBackgroundShape201506181734444173"/>
           <p:cNvSpPr/>
           <p:nvPr>
             <p:custDataLst>
@@ -14464,224 +14359,7 @@
       </p:sp>
       <p:sp>
         <p:nvSpPr>
-          <p:cNvPr id="3" name="HighlightBackgroundShapee876e799-145c-4ac4-a5c9-2f5c4db0dea7"/>
-          <p:cNvSpPr txBox="1"/>
-          <p:nvPr/>
-        </p:nvSpPr>
-        <p:spPr>
-          <a:xfrm>
-            <a:off x="1524000" y="3048000"/>
-            <a:ext cx="7620000" cy="3600986"/>
-          </a:xfrm>
-          <a:prstGeom prst="rect">
-            <a:avLst/>
-          </a:prstGeom>
-          <a:noFill/>
-        </p:spPr>
-        <p:txBody>
-          <a:bodyPr wrap="square" rtlCol="0">
-            <a:spAutoFit/>
-          </a:bodyPr>
-          <a:lstStyle/>
-          <a:p>
-            <a:pPr marL="285750" indent="-285750">
-              <a:buFont typeface="Arial" panose="020B0604020202020204" pitchFamily="34" charset="0"/>
-              <a:buChar char="•"/>
-            </a:pPr>
-            <a:r>
-              <a:rPr lang="en-US" sz="6600" dirty="0" smtClean="0">
-                <a:latin typeface="Arial Black" panose="020B0A04020102020204" pitchFamily="34" charset="0"/>
-              </a:rPr>
-              <a:t>Test - very big</a:t>
-            </a:r>
-          </a:p>
-          <a:p>
-            <a:pPr marL="285750" indent="-285750">
-              <a:buFont typeface="Arial" panose="020B0604020202020204" pitchFamily="34" charset="0"/>
-              <a:buChar char="•"/>
-            </a:pPr>
-            <a:r>
-              <a:rPr lang="en-US" sz="3600" dirty="0" smtClean="0"/>
-              <a:t>Test – Long sentence: </a:t>
-            </a:r>
-            <a:r>
-              <a:rPr lang="en-US" sz="3600" dirty="0" err="1" smtClean="0"/>
-              <a:t>Asdddd</a:t>
-            </a:r>
-            <a:r>
-              <a:rPr lang="en-US" sz="3600" dirty="0" smtClean="0"/>
-              <a:t> </a:t>
-            </a:r>
-            <a:r>
-              <a:rPr lang="en-US" sz="3600" dirty="0" err="1" smtClean="0"/>
-              <a:t>ddd</a:t>
-            </a:r>
-            <a:r>
-              <a:rPr lang="en-US" sz="3600" dirty="0" smtClean="0"/>
-              <a:t> </a:t>
-            </a:r>
-            <a:r>
-              <a:rPr lang="en-US" sz="3600" dirty="0" err="1" smtClean="0"/>
-              <a:t>dd</a:t>
-            </a:r>
-            <a:r>
-              <a:rPr lang="en-US" sz="3600" dirty="0" smtClean="0"/>
-              <a:t> d </a:t>
-            </a:r>
-            <a:r>
-              <a:rPr lang="en-US" sz="3600" dirty="0" err="1" smtClean="0"/>
-              <a:t>ddddd</a:t>
-            </a:r>
-            <a:r>
-              <a:rPr lang="en-US" sz="3600" dirty="0" smtClean="0"/>
-              <a:t> </a:t>
-            </a:r>
-            <a:r>
-              <a:rPr lang="en-US" sz="3600" dirty="0" err="1" smtClean="0"/>
-              <a:t>ddd</a:t>
-            </a:r>
-            <a:r>
-              <a:rPr lang="en-US" sz="3600" dirty="0" smtClean="0"/>
-              <a:t> </a:t>
-            </a:r>
-            <a:r>
-              <a:rPr lang="en-US" sz="3600" dirty="0" err="1" smtClean="0"/>
-              <a:t>ddd</a:t>
-            </a:r>
-            <a:r>
-              <a:rPr lang="en-US" sz="3600" dirty="0" smtClean="0"/>
-              <a:t> </a:t>
-            </a:r>
-            <a:r>
-              <a:rPr lang="en-US" sz="3600" dirty="0" err="1" smtClean="0"/>
-              <a:t>ddd</a:t>
-            </a:r>
-            <a:r>
-              <a:rPr lang="en-US" sz="3600" dirty="0" smtClean="0"/>
-              <a:t> </a:t>
-            </a:r>
-            <a:r>
-              <a:rPr lang="en-US" sz="3600" dirty="0" err="1" smtClean="0"/>
-              <a:t>ddd</a:t>
-            </a:r>
-            <a:r>
-              <a:rPr lang="en-US" sz="3600" dirty="0" smtClean="0"/>
-              <a:t> </a:t>
-            </a:r>
-            <a:r>
-              <a:rPr lang="en-US" sz="3600" dirty="0" err="1" smtClean="0"/>
-              <a:t>ddd</a:t>
-            </a:r>
-            <a:r>
-              <a:rPr lang="en-US" sz="3600" dirty="0" smtClean="0"/>
-              <a:t> </a:t>
-            </a:r>
-            <a:r>
-              <a:rPr lang="en-US" sz="3600" dirty="0" err="1" smtClean="0"/>
-              <a:t>ddd</a:t>
-            </a:r>
-            <a:r>
-              <a:rPr lang="en-US" sz="3600" dirty="0" smtClean="0"/>
-              <a:t> </a:t>
-            </a:r>
-            <a:r>
-              <a:rPr lang="en-US" sz="3600" dirty="0" err="1" smtClean="0"/>
-              <a:t>ddd</a:t>
-            </a:r>
-            <a:r>
-              <a:rPr lang="en-US" sz="3600" dirty="0" smtClean="0"/>
-              <a:t> </a:t>
-            </a:r>
-            <a:r>
-              <a:rPr lang="en-US" sz="3600" dirty="0" err="1" smtClean="0"/>
-              <a:t>dddddd</a:t>
-            </a:r>
-            <a:r>
-              <a:rPr lang="en-US" sz="3600" dirty="0" smtClean="0"/>
-              <a:t> </a:t>
-            </a:r>
-            <a:r>
-              <a:rPr lang="en-US" sz="3600" dirty="0" err="1" smtClean="0"/>
-              <a:t>dd</a:t>
-            </a:r>
-            <a:r>
-              <a:rPr lang="en-US" sz="3600" dirty="0" smtClean="0"/>
-              <a:t> </a:t>
-            </a:r>
-            <a:r>
-              <a:rPr lang="en-US" sz="3600" dirty="0" err="1" smtClean="0"/>
-              <a:t>ddd</a:t>
-            </a:r>
-            <a:r>
-              <a:rPr lang="en-US" sz="3600" dirty="0" smtClean="0"/>
-              <a:t> </a:t>
-            </a:r>
-            <a:r>
-              <a:rPr lang="en-US" sz="3600" dirty="0" err="1" smtClean="0"/>
-              <a:t>ddddd</a:t>
-            </a:r>
-            <a:r>
-              <a:rPr lang="en-US" sz="3600" dirty="0" smtClean="0"/>
-              <a:t> </a:t>
-            </a:r>
-            <a:r>
-              <a:rPr lang="en-US" sz="3600" dirty="0" err="1" smtClean="0"/>
-              <a:t>dd</a:t>
-            </a:r>
-            <a:r>
-              <a:rPr lang="en-US" sz="3600" dirty="0" smtClean="0"/>
-              <a:t> </a:t>
-            </a:r>
-            <a:r>
-              <a:rPr lang="en-US" sz="3600" dirty="0" err="1" smtClean="0"/>
-              <a:t>dd</a:t>
-            </a:r>
-            <a:r>
-              <a:rPr lang="en-US" sz="3600" dirty="0" smtClean="0"/>
-              <a:t> d </a:t>
-            </a:r>
-            <a:r>
-              <a:rPr lang="en-US" sz="3600" dirty="0" err="1" smtClean="0"/>
-              <a:t>ddd</a:t>
-            </a:r>
-            <a:r>
-              <a:rPr lang="en-US" sz="3600" dirty="0" smtClean="0"/>
-              <a:t> </a:t>
-            </a:r>
-            <a:r>
-              <a:rPr lang="en-US" sz="3600" dirty="0" err="1" smtClean="0"/>
-              <a:t>ddd</a:t>
-            </a:r>
-            <a:endParaRPr lang="en-US" sz="3600" dirty="0" smtClean="0"/>
-          </a:p>
-          <a:p>
-            <a:pPr marL="285750" indent="-285750">
-              <a:buFont typeface="Arial" panose="020B0604020202020204" pitchFamily="34" charset="0"/>
-              <a:buChar char="•"/>
-            </a:pPr>
-            <a:r>
-              <a:rPr lang="en-US" altLang="zh-CN" dirty="0" smtClean="0"/>
-              <a:t>Test – Chinese Characters: </a:t>
-            </a:r>
-            <a:r>
-              <a:rPr lang="zh-CN" altLang="en-US" dirty="0" smtClean="0"/>
-              <a:t>阿</a:t>
-            </a:r>
-            <a:r>
-              <a:rPr lang="zh-CN" altLang="en-US" dirty="0"/>
-              <a:t>斯</a:t>
-            </a:r>
-            <a:r>
-              <a:rPr lang="zh-CN" altLang="en-US" dirty="0" smtClean="0"/>
-              <a:t>顿啊盛大速度啊盛大速度啊盛大速度</a:t>
-            </a:r>
-            <a:endParaRPr lang="en-SG" dirty="0"/>
-          </a:p>
-        </p:txBody>
-      </p:sp>
-      <p:sp>
-        <p:nvSpPr>
-          <p:cNvPr id="10" name="PPTLabsHighlightBackgroundShape201705111406343752"/>
+          <p:cNvPr id="9" name="PPTLabsHighlightBackgroundShape201506181734444083"/>
           <p:cNvSpPr>
             <a:spLocks/>
           </p:cNvSpPr>
@@ -14751,7 +14429,305 @@
       </p:sp>
       <p:sp>
         <p:nvSpPr>
-          <p:cNvPr id="4" name="HighlightBackgroundShape7d893c5c-e123-41e7-9afe-9dfb1db6f258"/>
+          <p:cNvPr id="2" name="HighlightBackgroundShapeea60d9b9-ed30-4da3-a1da-6902e7f48621"/>
+          <p:cNvSpPr txBox="1"/>
+          <p:nvPr/>
+        </p:nvSpPr>
+        <p:spPr>
+          <a:xfrm>
+            <a:off x="304800" y="381000"/>
+            <a:ext cx="7620000" cy="2400657"/>
+          </a:xfrm>
+          <a:prstGeom prst="rect">
+            <a:avLst/>
+          </a:prstGeom>
+          <a:noFill/>
+        </p:spPr>
+        <p:txBody>
+          <a:bodyPr wrap="square" rtlCol="0">
+            <a:spAutoFit/>
+          </a:bodyPr>
+          <a:lstStyle/>
+          <a:p>
+            <a:pPr marL="285750" indent="-285750">
+              <a:buFont typeface="Arial" panose="020B0604020202020204" pitchFamily="34" charset="0"/>
+              <a:buChar char="•"/>
+            </a:pPr>
+            <a:r>
+              <a:rPr lang="en-US" sz="2800" dirty="0" smtClean="0"/>
+              <a:t>Test - Non-ABC: 1234567890!@#$%^&amp;*()</a:t>
+            </a:r>
+          </a:p>
+          <a:p>
+            <a:r>
+              <a:rPr lang="en-US" sz="2800" dirty="0"/>
+              <a:t>Test </a:t>
+            </a:r>
+            <a:r>
+              <a:rPr lang="en-US" sz="2800" dirty="0" smtClean="0"/>
+              <a:t>– No bullet point</a:t>
+            </a:r>
+            <a:endParaRPr lang="en-US" sz="2800" dirty="0"/>
+          </a:p>
+          <a:p>
+            <a:pPr marL="514350" indent="-514350">
+              <a:buFont typeface="+mj-lt"/>
+              <a:buAutoNum type="arabicPeriod"/>
+            </a:pPr>
+            <a:r>
+              <a:rPr lang="en-US" sz="2800" dirty="0"/>
+              <a:t>Test – </a:t>
+            </a:r>
+            <a:r>
+              <a:rPr lang="en-US" sz="2800" dirty="0" smtClean="0"/>
+              <a:t>Different bullet point</a:t>
+            </a:r>
+          </a:p>
+          <a:p>
+            <a:pPr marL="285750" indent="-285750">
+              <a:buFont typeface="Arial" panose="020B0604020202020204" pitchFamily="34" charset="0"/>
+              <a:buChar char="•"/>
+            </a:pPr>
+            <a:r>
+              <a:rPr lang="en-US" sz="2800" dirty="0" smtClean="0">
+                <a:latin typeface="Times New Roman" panose="02020603050405020304" pitchFamily="18" charset="0"/>
+                <a:cs typeface="Times New Roman" panose="02020603050405020304" pitchFamily="18" charset="0"/>
+              </a:rPr>
+              <a:t>Test - Another Font Family, using Times New Roman</a:t>
+            </a:r>
+          </a:p>
+          <a:p>
+            <a:pPr marL="285750" indent="-285750">
+              <a:buFont typeface="Arial" panose="020B0604020202020204" pitchFamily="34" charset="0"/>
+              <a:buChar char="•"/>
+            </a:pPr>
+            <a:r>
+              <a:rPr lang="en-US" sz="1000" dirty="0" smtClean="0"/>
+              <a:t>Test - very small content. Test: very small content. Test: very small content. Test: very small content</a:t>
+            </a:r>
+          </a:p>
+        </p:txBody>
+      </p:sp>
+      <p:sp>
+        <p:nvSpPr>
+          <p:cNvPr id="3" name="HighlightBackgroundShapec485a6a5-1d97-42dc-ab66-ce7355d7009d"/>
+          <p:cNvSpPr txBox="1"/>
+          <p:nvPr/>
+        </p:nvSpPr>
+        <p:spPr>
+          <a:xfrm>
+            <a:off x="1524000" y="3048000"/>
+            <a:ext cx="7620000" cy="3600986"/>
+          </a:xfrm>
+          <a:prstGeom prst="rect">
+            <a:avLst/>
+          </a:prstGeom>
+          <a:noFill/>
+        </p:spPr>
+        <p:txBody>
+          <a:bodyPr wrap="square" rtlCol="0">
+            <a:spAutoFit/>
+          </a:bodyPr>
+          <a:lstStyle/>
+          <a:p>
+            <a:pPr marL="285750" indent="-285750">
+              <a:buFont typeface="Arial" panose="020B0604020202020204" pitchFamily="34" charset="0"/>
+              <a:buChar char="•"/>
+            </a:pPr>
+            <a:r>
+              <a:rPr lang="en-US" sz="6600" dirty="0" smtClean="0">
+                <a:latin typeface="Arial Black" panose="020B0A04020102020204" pitchFamily="34" charset="0"/>
+              </a:rPr>
+              <a:t>Test - very big</a:t>
+            </a:r>
+          </a:p>
+          <a:p>
+            <a:pPr marL="285750" indent="-285750">
+              <a:buFont typeface="Arial" panose="020B0604020202020204" pitchFamily="34" charset="0"/>
+              <a:buChar char="•"/>
+            </a:pPr>
+            <a:r>
+              <a:rPr lang="en-US" sz="3600" dirty="0" smtClean="0"/>
+              <a:t>Test – Long sentence: </a:t>
+            </a:r>
+            <a:r>
+              <a:rPr lang="en-US" sz="3600" dirty="0" err="1" smtClean="0"/>
+              <a:t>Asdddd</a:t>
+            </a:r>
+            <a:r>
+              <a:rPr lang="en-US" sz="3600" dirty="0" smtClean="0"/>
+              <a:t> </a:t>
+            </a:r>
+            <a:r>
+              <a:rPr lang="en-US" sz="3600" dirty="0" err="1" smtClean="0"/>
+              <a:t>ddd</a:t>
+            </a:r>
+            <a:r>
+              <a:rPr lang="en-US" sz="3600" dirty="0" smtClean="0"/>
+              <a:t> </a:t>
+            </a:r>
+            <a:r>
+              <a:rPr lang="en-US" sz="3600" dirty="0" err="1" smtClean="0"/>
+              <a:t>dd</a:t>
+            </a:r>
+            <a:r>
+              <a:rPr lang="en-US" sz="3600" dirty="0" smtClean="0"/>
+              <a:t> d </a:t>
+            </a:r>
+            <a:r>
+              <a:rPr lang="en-US" sz="3600" dirty="0" err="1" smtClean="0"/>
+              <a:t>ddddd</a:t>
+            </a:r>
+            <a:r>
+              <a:rPr lang="en-US" sz="3600" dirty="0" smtClean="0"/>
+              <a:t> </a:t>
+            </a:r>
+            <a:r>
+              <a:rPr lang="en-US" sz="3600" dirty="0" err="1" smtClean="0"/>
+              <a:t>ddd</a:t>
+            </a:r>
+            <a:r>
+              <a:rPr lang="en-US" sz="3600" dirty="0" smtClean="0"/>
+              <a:t> </a:t>
+            </a:r>
+            <a:r>
+              <a:rPr lang="en-US" sz="3600" dirty="0" err="1" smtClean="0"/>
+              <a:t>ddd</a:t>
+            </a:r>
+            <a:r>
+              <a:rPr lang="en-US" sz="3600" dirty="0" smtClean="0"/>
+              <a:t> </a:t>
+            </a:r>
+            <a:r>
+              <a:rPr lang="en-US" sz="3600" dirty="0" err="1" smtClean="0"/>
+              <a:t>ddd</a:t>
+            </a:r>
+            <a:r>
+              <a:rPr lang="en-US" sz="3600" dirty="0" smtClean="0"/>
+              <a:t> </a:t>
+            </a:r>
+            <a:r>
+              <a:rPr lang="en-US" sz="3600" dirty="0" err="1" smtClean="0"/>
+              <a:t>ddd</a:t>
+            </a:r>
+            <a:r>
+              <a:rPr lang="en-US" sz="3600" dirty="0" smtClean="0"/>
+              <a:t> </a:t>
+            </a:r>
+            <a:r>
+              <a:rPr lang="en-US" sz="3600" dirty="0" err="1" smtClean="0"/>
+              <a:t>ddd</a:t>
+            </a:r>
+            <a:r>
+              <a:rPr lang="en-US" sz="3600" dirty="0" smtClean="0"/>
+              <a:t> </a:t>
+            </a:r>
+            <a:r>
+              <a:rPr lang="en-US" sz="3600" dirty="0" err="1" smtClean="0"/>
+              <a:t>ddd</a:t>
+            </a:r>
+            <a:r>
+              <a:rPr lang="en-US" sz="3600" dirty="0" smtClean="0"/>
+              <a:t> </a:t>
+            </a:r>
+            <a:r>
+              <a:rPr lang="en-US" sz="3600" dirty="0" err="1" smtClean="0"/>
+              <a:t>ddd</a:t>
+            </a:r>
+            <a:r>
+              <a:rPr lang="en-US" sz="3600" dirty="0" smtClean="0"/>
+              <a:t> </a:t>
+            </a:r>
+            <a:r>
+              <a:rPr lang="en-US" sz="3600" dirty="0" err="1" smtClean="0"/>
+              <a:t>dddddd</a:t>
+            </a:r>
+            <a:r>
+              <a:rPr lang="en-US" sz="3600" dirty="0" smtClean="0"/>
+              <a:t> </a:t>
+            </a:r>
+            <a:r>
+              <a:rPr lang="en-US" sz="3600" dirty="0" err="1" smtClean="0"/>
+              <a:t>dd</a:t>
+            </a:r>
+            <a:r>
+              <a:rPr lang="en-US" sz="3600" dirty="0" smtClean="0"/>
+              <a:t> </a:t>
+            </a:r>
+            <a:r>
+              <a:rPr lang="en-US" sz="3600" dirty="0" err="1" smtClean="0"/>
+              <a:t>ddd</a:t>
+            </a:r>
+            <a:r>
+              <a:rPr lang="en-US" sz="3600" dirty="0" smtClean="0"/>
+              <a:t> </a:t>
+            </a:r>
+            <a:r>
+              <a:rPr lang="en-US" sz="3600" dirty="0" err="1" smtClean="0"/>
+              <a:t>ddddd</a:t>
+            </a:r>
+            <a:r>
+              <a:rPr lang="en-US" sz="3600" dirty="0" smtClean="0"/>
+              <a:t> </a:t>
+            </a:r>
+            <a:r>
+              <a:rPr lang="en-US" sz="3600" dirty="0" err="1" smtClean="0"/>
+              <a:t>dd</a:t>
+            </a:r>
+            <a:r>
+              <a:rPr lang="en-US" sz="3600" dirty="0" smtClean="0"/>
+              <a:t> </a:t>
+            </a:r>
+            <a:r>
+              <a:rPr lang="en-US" sz="3600" dirty="0" err="1" smtClean="0"/>
+              <a:t>dd</a:t>
+            </a:r>
+            <a:r>
+              <a:rPr lang="en-US" sz="3600" dirty="0" smtClean="0"/>
+              <a:t> d </a:t>
+            </a:r>
+            <a:r>
+              <a:rPr lang="en-US" sz="3600" dirty="0" err="1" smtClean="0"/>
+              <a:t>ddd</a:t>
+            </a:r>
+            <a:r>
+              <a:rPr lang="en-US" sz="3600" dirty="0" smtClean="0"/>
+              <a:t> </a:t>
+            </a:r>
+            <a:r>
+              <a:rPr lang="en-US" sz="3600" dirty="0" err="1" smtClean="0"/>
+              <a:t>ddd</a:t>
+            </a:r>
+            <a:endParaRPr lang="en-US" sz="3600" dirty="0" smtClean="0"/>
+          </a:p>
+          <a:p>
+            <a:pPr marL="285750" indent="-285750">
+              <a:buFont typeface="Arial" panose="020B0604020202020204" pitchFamily="34" charset="0"/>
+              <a:buChar char="•"/>
+            </a:pPr>
+            <a:r>
+              <a:rPr lang="en-US" altLang="zh-CN" dirty="0" smtClean="0"/>
+              <a:t>Test – Chinese Characters: </a:t>
+            </a:r>
+            <a:r>
+              <a:rPr lang="zh-CN" altLang="en-US" dirty="0" smtClean="0"/>
+              <a:t>阿</a:t>
+            </a:r>
+            <a:r>
+              <a:rPr lang="zh-CN" altLang="en-US" dirty="0"/>
+              <a:t>斯</a:t>
+            </a:r>
+            <a:r>
+              <a:rPr lang="zh-CN" altLang="en-US" dirty="0" smtClean="0"/>
+              <a:t>顿啊盛大速度啊盛大速度啊盛大速度</a:t>
+            </a:r>
+            <a:endParaRPr lang="en-SG" dirty="0"/>
+          </a:p>
+        </p:txBody>
+      </p:sp>
+      <p:sp>
+        <p:nvSpPr>
+          <p:cNvPr id="4" name="HighlightBackgroundShape2951bdb7-c805-4481-b1b6-0b041b273aa4"/>
           <p:cNvSpPr txBox="1"/>
           <p:nvPr/>
         </p:nvSpPr>
@@ -14782,7 +14758,7 @@
     </p:spTree>
     <p:extLst>
       <p:ext uri="{BB962C8B-B14F-4D97-AF65-F5344CB8AC3E}">
-        <p14:creationId xmlns:p14="http://schemas.microsoft.com/office/powerpoint/2010/main" val="2583488637"/>
+        <p14:creationId xmlns:p14="http://schemas.microsoft.com/office/powerpoint/2010/main" val="3354436929"/>
       </p:ext>
     </p:extLst>
   </p:cSld>
@@ -14822,7 +14798,7 @@
                                       <p:cBhvr>
                                         <p:cTn id="6" dur="500" fill="hold"/>
                                         <p:tgtEl>
-                                          <p:spTgt spid="6"/>
+                                          <p:spTgt spid="5"/>
                                         </p:tgtEl>
                                         <p:attrNameLst>
                                           <p:attrName>ppt_x</p:attrName>
@@ -14843,7 +14819,7 @@
                                       <p:cBhvr>
                                         <p:cTn id="8" dur="500" fill="hold"/>
                                         <p:tgtEl>
-                                          <p:spTgt spid="6"/>
+                                          <p:spTgt spid="5"/>
                                         </p:tgtEl>
                                       </p:cBhvr>
                                       <p:by x="66208" y="100000"/>
@@ -14874,7 +14850,7 @@
                                           </p:stCondLst>
                                         </p:cTn>
                                         <p:tgtEl>
-                                          <p:spTgt spid="7"/>
+                                          <p:spTgt spid="6"/>
                                         </p:tgtEl>
                                         <p:attrNameLst>
                                           <p:attrName>style.visibility</p:attrName>
@@ -14897,7 +14873,7 @@
                                       <p:cBhvr>
                                         <p:cTn id="13" dur="500"/>
                                         <p:tgtEl>
-                                          <p:spTgt spid="6"/>
+                                          <p:spTgt spid="5"/>
                                         </p:tgtEl>
                                       </p:cBhvr>
                                     </p:animEffect>
@@ -14909,7 +14885,7 @@
                                           </p:stCondLst>
                                         </p:cTn>
                                         <p:tgtEl>
-                                          <p:spTgt spid="6"/>
+                                          <p:spTgt spid="5"/>
                                         </p:tgtEl>
                                         <p:attrNameLst>
                                           <p:attrName>style.visibility</p:attrName>
@@ -14950,7 +14926,7 @@
                                       <p:cBhvr>
                                         <p:cTn id="18" dur="500" fill="hold"/>
                                         <p:tgtEl>
-                                          <p:spTgt spid="7"/>
+                                          <p:spTgt spid="6"/>
                                         </p:tgtEl>
                                         <p:attrNameLst>
                                           <p:attrName>ppt_x</p:attrName>
@@ -14971,7 +14947,7 @@
                                       <p:cBhvr>
                                         <p:cTn id="20" dur="500" fill="hold"/>
                                         <p:tgtEl>
-                                          <p:spTgt spid="7"/>
+                                          <p:spTgt spid="6"/>
                                         </p:tgtEl>
                                       </p:cBhvr>
                                       <p:by x="164024" y="200000"/>
@@ -15002,7 +14978,7 @@
                                           </p:stCondLst>
                                         </p:cTn>
                                         <p:tgtEl>
-                                          <p:spTgt spid="8"/>
+                                          <p:spTgt spid="7"/>
                                         </p:tgtEl>
                                         <p:attrNameLst>
                                           <p:attrName>style.visibility</p:attrName>
@@ -15025,7 +15001,7 @@
                                       <p:cBhvr>
                                         <p:cTn id="25" dur="500"/>
                                         <p:tgtEl>
-                                          <p:spTgt spid="7"/>
+                                          <p:spTgt spid="6"/>
                                         </p:tgtEl>
                                       </p:cBhvr>
                                     </p:animEffect>
@@ -15037,7 +15013,7 @@
                                           </p:stCondLst>
                                         </p:cTn>
                                         <p:tgtEl>
-                                          <p:spTgt spid="7"/>
+                                          <p:spTgt spid="6"/>
                                         </p:tgtEl>
                                         <p:attrNameLst>
                                           <p:attrName>style.visibility</p:attrName>
@@ -15078,7 +15054,7 @@
                                       <p:cBhvr>
                                         <p:cTn id="30" dur="500" fill="hold"/>
                                         <p:tgtEl>
-                                          <p:spTgt spid="8"/>
+                                          <p:spTgt spid="7"/>
                                         </p:tgtEl>
                                         <p:attrNameLst>
                                           <p:attrName>ppt_x</p:attrName>
@@ -15099,7 +15075,7 @@
                                       <p:cBhvr>
                                         <p:cTn id="32" dur="500" fill="hold"/>
                                         <p:tgtEl>
-                                          <p:spTgt spid="8"/>
+                                          <p:spTgt spid="7"/>
                                         </p:tgtEl>
                                       </p:cBhvr>
                                       <p:by x="77849" y="17857"/>
@@ -15130,7 +15106,7 @@
                                           </p:stCondLst>
                                         </p:cTn>
                                         <p:tgtEl>
-                                          <p:spTgt spid="9"/>
+                                          <p:spTgt spid="8"/>
                                         </p:tgtEl>
                                         <p:attrNameLst>
                                           <p:attrName>style.visibility</p:attrName>
@@ -15153,7 +15129,7 @@
                                       <p:cBhvr>
                                         <p:cTn id="37" dur="500"/>
                                         <p:tgtEl>
-                                          <p:spTgt spid="8"/>
+                                          <p:spTgt spid="7"/>
                                         </p:tgtEl>
                                       </p:cBhvr>
                                     </p:animEffect>
@@ -15165,7 +15141,7 @@
                                           </p:stCondLst>
                                         </p:cTn>
                                         <p:tgtEl>
-                                          <p:spTgt spid="8"/>
+                                          <p:spTgt spid="7"/>
                                         </p:tgtEl>
                                         <p:attrNameLst>
                                           <p:attrName>style.visibility</p:attrName>
@@ -15206,7 +15182,7 @@
                                       <p:cBhvr>
                                         <p:cTn id="42" dur="500" fill="hold"/>
                                         <p:tgtEl>
-                                          <p:spTgt spid="9"/>
+                                          <p:spTgt spid="8"/>
                                         </p:tgtEl>
                                         <p:attrNameLst>
                                           <p:attrName>ppt_x</p:attrName>
@@ -15227,7 +15203,7 @@
                                       <p:cBhvr>
                                         <p:cTn id="44" dur="500" fill="hold"/>
                                         <p:tgtEl>
-                                          <p:spTgt spid="9"/>
+                                          <p:spTgt spid="8"/>
                                         </p:tgtEl>
                                       </p:cBhvr>
                                       <p:by x="19066" y="400000"/>
@@ -15258,7 +15234,7 @@
                                           </p:stCondLst>
                                         </p:cTn>
                                         <p:tgtEl>
-                                          <p:spTgt spid="10"/>
+                                          <p:spTgt spid="9"/>
                                         </p:tgtEl>
                                         <p:attrNameLst>
                                           <p:attrName>style.visibility</p:attrName>
@@ -15281,7 +15257,7 @@
                                       <p:cBhvr>
                                         <p:cTn id="49" dur="500"/>
                                         <p:tgtEl>
-                                          <p:spTgt spid="9"/>
+                                          <p:spTgt spid="8"/>
                                         </p:tgtEl>
                                       </p:cBhvr>
                                     </p:animEffect>
@@ -15293,7 +15269,7 @@
                                           </p:stCondLst>
                                         </p:cTn>
                                         <p:tgtEl>
-                                          <p:spTgt spid="9"/>
+                                          <p:spTgt spid="8"/>
                                         </p:tgtEl>
                                         <p:attrNameLst>
                                           <p:attrName>style.visibility</p:attrName>
@@ -15334,7 +15310,7 @@
                                       <p:cBhvr>
                                         <p:cTn id="54" dur="500" fill="hold"/>
                                         <p:tgtEl>
-                                          <p:spTgt spid="10"/>
+                                          <p:spTgt spid="9"/>
                                         </p:tgtEl>
                                         <p:attrNameLst>
                                           <p:attrName>ppt_x</p:attrName>
@@ -15355,7 +15331,7 @@
                                       <p:cBhvr>
                                         <p:cTn id="56" dur="500" fill="hold"/>
                                         <p:tgtEl>
-                                          <p:spTgt spid="10"/>
+                                          <p:spTgt spid="9"/>
                                         </p:tgtEl>
                                       </p:cBhvr>
                                       <p:by x="691842" y="165000"/>
@@ -15386,7 +15362,7 @@
                                           </p:stCondLst>
                                         </p:cTn>
                                         <p:tgtEl>
-                                          <p:spTgt spid="11"/>
+                                          <p:spTgt spid="10"/>
                                         </p:tgtEl>
                                         <p:attrNameLst>
                                           <p:attrName>style.visibility</p:attrName>
@@ -15409,7 +15385,7 @@
                                       <p:cBhvr>
                                         <p:cTn id="61" dur="500"/>
                                         <p:tgtEl>
-                                          <p:spTgt spid="10"/>
+                                          <p:spTgt spid="9"/>
                                         </p:tgtEl>
                                       </p:cBhvr>
                                     </p:animEffect>
@@ -15421,7 +15397,7 @@
                                           </p:stCondLst>
                                         </p:cTn>
                                         <p:tgtEl>
-                                          <p:spTgt spid="10"/>
+                                          <p:spTgt spid="9"/>
                                         </p:tgtEl>
                                         <p:attrNameLst>
                                           <p:attrName>style.visibility</p:attrName>
@@ -15462,7 +15438,7 @@
                                       <p:cBhvr>
                                         <p:cTn id="66" dur="500" fill="hold"/>
                                         <p:tgtEl>
-                                          <p:spTgt spid="11"/>
+                                          <p:spTgt spid="10"/>
                                         </p:tgtEl>
                                         <p:attrNameLst>
                                           <p:attrName>ppt_x</p:attrName>
@@ -15483,7 +15459,7 @@
                                       <p:cBhvr>
                                         <p:cTn id="68" dur="500" fill="hold"/>
                                         <p:tgtEl>
-                                          <p:spTgt spid="11"/>
+                                          <p:spTgt spid="10"/>
                                         </p:tgtEl>
                                       </p:cBhvr>
                                       <p:by x="102956" y="218182"/>
@@ -15514,7 +15490,7 @@
                                           </p:stCondLst>
                                         </p:cTn>
                                         <p:tgtEl>
-                                          <p:spTgt spid="12"/>
+                                          <p:spTgt spid="11"/>
                                         </p:tgtEl>
                                         <p:attrNameLst>
                                           <p:attrName>style.visibility</p:attrName>
@@ -15537,7 +15513,7 @@
                                       <p:cBhvr>
                                         <p:cTn id="73" dur="500"/>
                                         <p:tgtEl>
-                                          <p:spTgt spid="11"/>
+                                          <p:spTgt spid="10"/>
                                         </p:tgtEl>
                                       </p:cBhvr>
                                     </p:animEffect>
@@ -15549,7 +15525,7 @@
                                           </p:stCondLst>
                                         </p:cTn>
                                         <p:tgtEl>
-                                          <p:spTgt spid="11"/>
+                                          <p:spTgt spid="10"/>
                                         </p:tgtEl>
                                         <p:attrNameLst>
                                           <p:attrName>style.visibility</p:attrName>
@@ -15590,7 +15566,7 @@
                                       <p:cBhvr>
                                         <p:cTn id="78" dur="500" fill="hold"/>
                                         <p:tgtEl>
-                                          <p:spTgt spid="12"/>
+                                          <p:spTgt spid="11"/>
                                         </p:tgtEl>
                                         <p:attrNameLst>
                                           <p:attrName>ppt_x</p:attrName>
@@ -15611,7 +15587,7 @@
                                       <p:cBhvr>
                                         <p:cTn id="80" dur="500" fill="hold"/>
                                         <p:tgtEl>
-                                          <p:spTgt spid="12"/>
+                                          <p:spTgt spid="11"/>
                                         </p:tgtEl>
                                       </p:cBhvr>
                                       <p:by x="94452" y="12500"/>
@@ -15642,7 +15618,7 @@
                                           </p:stCondLst>
                                         </p:cTn>
                                         <p:tgtEl>
-                                          <p:spTgt spid="13"/>
+                                          <p:spTgt spid="12"/>
                                         </p:tgtEl>
                                         <p:attrNameLst>
                                           <p:attrName>style.visibility</p:attrName>
@@ -15665,7 +15641,7 @@
                                       <p:cBhvr>
                                         <p:cTn id="85" dur="500"/>
                                         <p:tgtEl>
-                                          <p:spTgt spid="12"/>
+                                          <p:spTgt spid="11"/>
                                         </p:tgtEl>
                                       </p:cBhvr>
                                     </p:animEffect>
@@ -15677,7 +15653,7 @@
                                           </p:stCondLst>
                                         </p:cTn>
                                         <p:tgtEl>
-                                          <p:spTgt spid="12"/>
+                                          <p:spTgt spid="11"/>
                                         </p:tgtEl>
                                         <p:attrNameLst>
                                           <p:attrName>style.visibility</p:attrName>
@@ -15718,9 +15694,13 @@
       </p:par>
     </p:tnLst>
     <p:bldLst>
+      <p:bldP spid="5" grpId="0" animBg="1"/>
+      <p:bldP spid="5" grpId="1" animBg="1"/>
+      <p:bldP spid="5" grpId="2" animBg="1"/>
       <p:bldP spid="6" grpId="0" animBg="1"/>
       <p:bldP spid="6" grpId="1" animBg="1"/>
       <p:bldP spid="6" grpId="2" animBg="1"/>
+      <p:bldP spid="6" grpId="3" animBg="1"/>
       <p:bldP spid="7" grpId="0" animBg="1"/>
       <p:bldP spid="7" grpId="1" animBg="1"/>
       <p:bldP spid="7" grpId="2" animBg="1"/>
@@ -15729,23 +15709,19 @@
       <p:bldP spid="8" grpId="1" animBg="1"/>
       <p:bldP spid="8" grpId="2" animBg="1"/>
       <p:bldP spid="8" grpId="3" animBg="1"/>
-      <p:bldP spid="9" grpId="0" animBg="1"/>
-      <p:bldP spid="9" grpId="1" animBg="1"/>
-      <p:bldP spid="9" grpId="2" animBg="1"/>
-      <p:bldP spid="9" grpId="3" animBg="1"/>
+      <p:bldP spid="10" grpId="0" animBg="1"/>
+      <p:bldP spid="10" grpId="1" animBg="1"/>
+      <p:bldP spid="10" grpId="2" animBg="1"/>
+      <p:bldP spid="10" grpId="3" animBg="1"/>
       <p:bldP spid="11" grpId="0" animBg="1"/>
       <p:bldP spid="11" grpId="1" animBg="1"/>
       <p:bldP spid="11" grpId="2" animBg="1"/>
       <p:bldP spid="11" grpId="3" animBg="1"/>
       <p:bldP spid="12" grpId="0" animBg="1"/>
-      <p:bldP spid="12" grpId="1" animBg="1"/>
-      <p:bldP spid="12" grpId="2" animBg="1"/>
-      <p:bldP spid="12" grpId="3" animBg="1"/>
-      <p:bldP spid="13" grpId="0" animBg="1"/>
-      <p:bldP spid="10" grpId="0" animBg="1"/>
-      <p:bldP spid="10" grpId="1" animBg="1"/>
-      <p:bldP spid="10" grpId="2" animBg="1"/>
-      <p:bldP spid="10" grpId="3" animBg="1"/>
+      <p:bldP spid="9" grpId="0" animBg="1"/>
+      <p:bldP spid="9" grpId="1" animBg="1"/>
+      <p:bldP spid="9" grpId="2" animBg="1"/>
+      <p:bldP spid="9" grpId="3" animBg="1"/>
     </p:bldLst>
   </p:timing>
 </p:sld>
@@ -18327,6804 +18303,6 @@
 </file>
 
 <file path=ppt/slides/slide21.xml><?xml version="1.0" encoding="utf-8"?>
-<p:sld xmlns:a="http://schemas.openxmlformats.org/drawingml/2006/main" xmlns:r="http://schemas.openxmlformats.org/officeDocument/2006/relationships" xmlns:p="http://schemas.openxmlformats.org/presentationml/2006/main">
-  <p:cSld>
-    <p:spTree>
-      <p:nvGrpSpPr>
-        <p:cNvPr id="1" name=""/>
-        <p:cNvGrpSpPr/>
-        <p:nvPr/>
-      </p:nvGrpSpPr>
-      <p:grpSpPr>
-        <a:xfrm>
-          <a:off x="0" y="0"/>
-          <a:ext cx="0" cy="0"/>
-          <a:chOff x="0" y="0"/>
-          <a:chExt cx="0" cy="0"/>
-        </a:xfrm>
-      </p:grpSpPr>
-      <p:sp>
-        <p:nvSpPr>
-          <p:cNvPr id="2" name="Title 1"/>
-          <p:cNvSpPr>
-            <a:spLocks noGrp="1"/>
-          </p:cNvSpPr>
-          <p:nvPr>
-            <p:ph type="title"/>
-          </p:nvPr>
-        </p:nvSpPr>
-        <p:spPr/>
-        <p:txBody>
-          <a:bodyPr/>
-          <a:lstStyle/>
-          <a:p>
-            <a:r>
-              <a:rPr lang="en-US" dirty="0"/>
-              <a:t>Highlight Points:: Highlight </a:t>
-            </a:r>
-            <a:r>
-              <a:rPr lang="en-US" dirty="0" smtClean="0"/>
-              <a:t>Points – Select End of Text</a:t>
-            </a:r>
-            <a:endParaRPr lang="en-SG" dirty="0"/>
-          </a:p>
-        </p:txBody>
-      </p:sp>
-      <p:sp>
-        <p:nvSpPr>
-          <p:cNvPr id="4" name="Content Placeholder 2"/>
-          <p:cNvSpPr>
-            <a:spLocks noGrp="1"/>
-          </p:cNvSpPr>
-          <p:nvPr>
-            <p:ph idx="1"/>
-          </p:nvPr>
-        </p:nvSpPr>
-        <p:spPr>
-          <a:xfrm>
-            <a:off x="457200" y="3124200"/>
-            <a:ext cx="8229600" cy="3001963"/>
-          </a:xfrm>
-        </p:spPr>
-        <p:txBody>
-          <a:bodyPr/>
-          <a:lstStyle/>
-          <a:p>
-            <a:r>
-              <a:rPr lang="en-US" dirty="0" smtClean="0"/>
-              <a:t>Move the cursor to the end of the text box and click “Highlight Points”</a:t>
-            </a:r>
-            <a:endParaRPr lang="en-SG" dirty="0"/>
-          </a:p>
-        </p:txBody>
-      </p:sp>
-    </p:spTree>
-    <p:extLst>
-      <p:ext uri="{BB962C8B-B14F-4D97-AF65-F5344CB8AC3E}">
-        <p14:creationId xmlns:p14="http://schemas.microsoft.com/office/powerpoint/2010/main" val="1166666162"/>
-      </p:ext>
-    </p:extLst>
-  </p:cSld>
-  <p:clrMapOvr>
-    <a:masterClrMapping/>
-  </p:clrMapOvr>
-  <p:timing>
-    <p:tnLst>
-      <p:par>
-        <p:cTn id="1" dur="indefinite" restart="never" nodeType="tmRoot"/>
-      </p:par>
-    </p:tnLst>
-  </p:timing>
-</p:sld>
-</file>
-
-<file path=ppt/slides/slide22.xml><?xml version="1.0" encoding="utf-8"?>
-<p:sld xmlns:a="http://schemas.openxmlformats.org/drawingml/2006/main" xmlns:r="http://schemas.openxmlformats.org/officeDocument/2006/relationships" xmlns:p="http://schemas.openxmlformats.org/presentationml/2006/main">
-  <p:cSld>
-    <p:spTree>
-      <p:nvGrpSpPr>
-        <p:cNvPr id="1" name=""/>
-        <p:cNvGrpSpPr/>
-        <p:nvPr/>
-      </p:nvGrpSpPr>
-      <p:grpSpPr>
-        <a:xfrm>
-          <a:off x="0" y="0"/>
-          <a:ext cx="0" cy="0"/>
-          <a:chOff x="0" y="0"/>
-          <a:chExt cx="0" cy="0"/>
-        </a:xfrm>
-      </p:grpSpPr>
-      <p:sp>
-        <p:nvSpPr>
-          <p:cNvPr id="3" name="Rectangle 4"/>
-          <p:cNvSpPr/>
-          <p:nvPr/>
-        </p:nvSpPr>
-        <p:spPr>
-          <a:xfrm>
-            <a:off x="0" y="2286000"/>
-            <a:ext cx="9144000" cy="2209800"/>
-          </a:xfrm>
-          <a:prstGeom prst="rect">
-            <a:avLst/>
-          </a:prstGeom>
-          <a:solidFill>
-            <a:srgbClr val="002060"/>
-          </a:solidFill>
-        </p:spPr>
-        <p:style>
-          <a:lnRef idx="2">
-            <a:schemeClr val="accent1">
-              <a:shade val="50000"/>
-            </a:schemeClr>
-          </a:lnRef>
-          <a:fillRef idx="1">
-            <a:schemeClr val="accent1"/>
-          </a:fillRef>
-          <a:effectRef idx="0">
-            <a:schemeClr val="accent1"/>
-          </a:effectRef>
-          <a:fontRef idx="minor">
-            <a:schemeClr val="lt1"/>
-          </a:fontRef>
-        </p:style>
-        <p:txBody>
-          <a:bodyPr rtlCol="0" anchor="ctr"/>
-          <a:lstStyle/>
-          <a:p>
-            <a:pPr algn="ctr"/>
-            <a:endParaRPr lang="en-US"/>
-          </a:p>
-        </p:txBody>
-      </p:sp>
-      <p:sp>
-        <p:nvSpPr>
-          <p:cNvPr id="2" name="First Textbox"/>
-          <p:cNvSpPr txBox="1"/>
-          <p:nvPr/>
-        </p:nvSpPr>
-        <p:spPr>
-          <a:xfrm>
-            <a:off x="762000" y="533400"/>
-            <a:ext cx="7620000" cy="5909310"/>
-          </a:xfrm>
-          <a:prstGeom prst="rect">
-            <a:avLst/>
-          </a:prstGeom>
-          <a:noFill/>
-        </p:spPr>
-        <p:txBody>
-          <a:bodyPr wrap="square" rtlCol="0">
-            <a:spAutoFit/>
-          </a:bodyPr>
-          <a:lstStyle/>
-          <a:p>
-            <a:pPr marL="285750" indent="-285750">
-              <a:buFont typeface="Arial" panose="020B0604020202020204" pitchFamily="34" charset="0"/>
-              <a:buChar char="•"/>
-            </a:pPr>
-            <a:r>
-              <a:rPr lang="en-US" sz="2800" dirty="0" smtClean="0"/>
-              <a:t>Test - Non-ABC: 1234567890!@#$%^&amp;*()</a:t>
-            </a:r>
-          </a:p>
-          <a:p>
-            <a:r>
-              <a:rPr lang="en-US" sz="2800" dirty="0"/>
-              <a:t>Test </a:t>
-            </a:r>
-            <a:r>
-              <a:rPr lang="en-US" sz="2800" dirty="0" smtClean="0"/>
-              <a:t>– No bullet point</a:t>
-            </a:r>
-            <a:endParaRPr lang="en-US" sz="2800" dirty="0"/>
-          </a:p>
-          <a:p>
-            <a:pPr marL="514350" indent="-514350">
-              <a:buFont typeface="+mj-lt"/>
-              <a:buAutoNum type="arabicPeriod"/>
-            </a:pPr>
-            <a:r>
-              <a:rPr lang="en-US" sz="2800" dirty="0"/>
-              <a:t>Test – </a:t>
-            </a:r>
-            <a:r>
-              <a:rPr lang="en-US" sz="2800" dirty="0" smtClean="0"/>
-              <a:t>Different bullet point</a:t>
-            </a:r>
-          </a:p>
-          <a:p>
-            <a:pPr marL="285750" indent="-285750">
-              <a:buFont typeface="Arial" panose="020B0604020202020204" pitchFamily="34" charset="0"/>
-              <a:buChar char="•"/>
-            </a:pPr>
-            <a:r>
-              <a:rPr lang="en-US" sz="2800" dirty="0" smtClean="0">
-                <a:latin typeface="Times New Roman" panose="02020603050405020304" pitchFamily="18" charset="0"/>
-                <a:cs typeface="Times New Roman" panose="02020603050405020304" pitchFamily="18" charset="0"/>
-              </a:rPr>
-              <a:t>Test - Another Font Family, using Times New Roman</a:t>
-            </a:r>
-          </a:p>
-          <a:p>
-            <a:pPr marL="285750" indent="-285750">
-              <a:buFont typeface="Arial" panose="020B0604020202020204" pitchFamily="34" charset="0"/>
-              <a:buChar char="•"/>
-            </a:pPr>
-            <a:r>
-              <a:rPr lang="en-US" sz="1000" dirty="0" smtClean="0"/>
-              <a:t>Test - very small content. Test: very small content. Test: very small content. Test: very small content</a:t>
-            </a:r>
-          </a:p>
-          <a:p>
-            <a:pPr marL="285750" indent="-285750">
-              <a:buFont typeface="Arial" panose="020B0604020202020204" pitchFamily="34" charset="0"/>
-              <a:buChar char="•"/>
-            </a:pPr>
-            <a:r>
-              <a:rPr lang="en-US" sz="6600" dirty="0" smtClean="0">
-                <a:latin typeface="Arial Black" panose="020B0A04020102020204" pitchFamily="34" charset="0"/>
-              </a:rPr>
-              <a:t>Test - very big</a:t>
-            </a:r>
-          </a:p>
-          <a:p>
-            <a:pPr marL="285750" indent="-285750">
-              <a:buFont typeface="Arial" panose="020B0604020202020204" pitchFamily="34" charset="0"/>
-              <a:buChar char="•"/>
-            </a:pPr>
-            <a:r>
-              <a:rPr lang="en-US" sz="3600" dirty="0" smtClean="0"/>
-              <a:t>Test – Long sentence: </a:t>
-            </a:r>
-            <a:r>
-              <a:rPr lang="en-US" sz="3600" dirty="0" err="1" smtClean="0"/>
-              <a:t>Asdddd</a:t>
-            </a:r>
-            <a:r>
-              <a:rPr lang="en-US" sz="3600" dirty="0" smtClean="0"/>
-              <a:t> </a:t>
-            </a:r>
-            <a:r>
-              <a:rPr lang="en-US" sz="3600" dirty="0" err="1" smtClean="0"/>
-              <a:t>ddd</a:t>
-            </a:r>
-            <a:r>
-              <a:rPr lang="en-US" sz="3600" dirty="0" smtClean="0"/>
-              <a:t> </a:t>
-            </a:r>
-            <a:r>
-              <a:rPr lang="en-US" sz="3600" dirty="0" err="1" smtClean="0"/>
-              <a:t>dd</a:t>
-            </a:r>
-            <a:r>
-              <a:rPr lang="en-US" sz="3600" dirty="0" smtClean="0"/>
-              <a:t> d </a:t>
-            </a:r>
-            <a:r>
-              <a:rPr lang="en-US" sz="3600" dirty="0" err="1" smtClean="0"/>
-              <a:t>ddddd</a:t>
-            </a:r>
-            <a:r>
-              <a:rPr lang="en-US" sz="3600" dirty="0" smtClean="0"/>
-              <a:t> </a:t>
-            </a:r>
-            <a:r>
-              <a:rPr lang="en-US" sz="3600" dirty="0" err="1" smtClean="0"/>
-              <a:t>ddd</a:t>
-            </a:r>
-            <a:r>
-              <a:rPr lang="en-US" sz="3600" dirty="0" smtClean="0"/>
-              <a:t> </a:t>
-            </a:r>
-            <a:r>
-              <a:rPr lang="en-US" sz="3600" dirty="0" err="1" smtClean="0"/>
-              <a:t>ddd</a:t>
-            </a:r>
-            <a:r>
-              <a:rPr lang="en-US" sz="3600" dirty="0" smtClean="0"/>
-              <a:t> </a:t>
-            </a:r>
-            <a:r>
-              <a:rPr lang="en-US" sz="3600" dirty="0" err="1" smtClean="0"/>
-              <a:t>ddd</a:t>
-            </a:r>
-            <a:r>
-              <a:rPr lang="en-US" sz="3600" dirty="0" smtClean="0"/>
-              <a:t> </a:t>
-            </a:r>
-            <a:r>
-              <a:rPr lang="en-US" sz="3600" dirty="0" err="1" smtClean="0"/>
-              <a:t>ddd</a:t>
-            </a:r>
-            <a:r>
-              <a:rPr lang="en-US" sz="3600" dirty="0" smtClean="0"/>
-              <a:t> </a:t>
-            </a:r>
-            <a:r>
-              <a:rPr lang="en-US" sz="3600" dirty="0" err="1" smtClean="0"/>
-              <a:t>ddd</a:t>
-            </a:r>
-            <a:r>
-              <a:rPr lang="en-US" sz="3600" dirty="0" smtClean="0"/>
-              <a:t> </a:t>
-            </a:r>
-            <a:r>
-              <a:rPr lang="en-US" sz="3600" dirty="0" err="1" smtClean="0"/>
-              <a:t>ddd</a:t>
-            </a:r>
-            <a:r>
-              <a:rPr lang="en-US" sz="3600" dirty="0" smtClean="0"/>
-              <a:t> </a:t>
-            </a:r>
-            <a:r>
-              <a:rPr lang="en-US" sz="3600" dirty="0" err="1" smtClean="0"/>
-              <a:t>ddd</a:t>
-            </a:r>
-            <a:r>
-              <a:rPr lang="en-US" sz="3600" dirty="0" smtClean="0"/>
-              <a:t> </a:t>
-            </a:r>
-            <a:r>
-              <a:rPr lang="en-US" sz="3600" dirty="0" err="1" smtClean="0"/>
-              <a:t>dddddd</a:t>
-            </a:r>
-            <a:r>
-              <a:rPr lang="en-US" sz="3600" dirty="0" smtClean="0"/>
-              <a:t> </a:t>
-            </a:r>
-            <a:r>
-              <a:rPr lang="en-US" sz="3600" dirty="0" err="1" smtClean="0"/>
-              <a:t>dd</a:t>
-            </a:r>
-            <a:r>
-              <a:rPr lang="en-US" sz="3600" dirty="0" smtClean="0"/>
-              <a:t> </a:t>
-            </a:r>
-            <a:r>
-              <a:rPr lang="en-US" sz="3600" dirty="0" err="1" smtClean="0"/>
-              <a:t>ddd</a:t>
-            </a:r>
-            <a:r>
-              <a:rPr lang="en-US" sz="3600" dirty="0" smtClean="0"/>
-              <a:t> </a:t>
-            </a:r>
-            <a:r>
-              <a:rPr lang="en-US" sz="3600" dirty="0" err="1" smtClean="0"/>
-              <a:t>ddddd</a:t>
-            </a:r>
-            <a:r>
-              <a:rPr lang="en-US" sz="3600" dirty="0" smtClean="0"/>
-              <a:t> </a:t>
-            </a:r>
-            <a:r>
-              <a:rPr lang="en-US" sz="3600" dirty="0" err="1" smtClean="0"/>
-              <a:t>dd</a:t>
-            </a:r>
-            <a:r>
-              <a:rPr lang="en-US" sz="3600" dirty="0" smtClean="0"/>
-              <a:t> </a:t>
-            </a:r>
-            <a:r>
-              <a:rPr lang="en-US" sz="3600" dirty="0" err="1" smtClean="0"/>
-              <a:t>dd</a:t>
-            </a:r>
-            <a:r>
-              <a:rPr lang="en-US" sz="3600" dirty="0" smtClean="0"/>
-              <a:t> d </a:t>
-            </a:r>
-            <a:r>
-              <a:rPr lang="en-US" sz="3600" dirty="0" err="1" smtClean="0"/>
-              <a:t>ddd</a:t>
-            </a:r>
-            <a:r>
-              <a:rPr lang="en-US" sz="3600" dirty="0" smtClean="0"/>
-              <a:t> </a:t>
-            </a:r>
-            <a:r>
-              <a:rPr lang="en-US" sz="3600" dirty="0" err="1" smtClean="0"/>
-              <a:t>ddd</a:t>
-            </a:r>
-            <a:endParaRPr lang="en-US" sz="3600" dirty="0" smtClean="0"/>
-          </a:p>
-          <a:p>
-            <a:pPr marL="285750" indent="-285750">
-              <a:buFont typeface="Arial" panose="020B0604020202020204" pitchFamily="34" charset="0"/>
-              <a:buChar char="•"/>
-            </a:pPr>
-            <a:r>
-              <a:rPr lang="en-US" altLang="zh-CN" dirty="0" smtClean="0"/>
-              <a:t>Test – Chinese Characters: </a:t>
-            </a:r>
-            <a:r>
-              <a:rPr lang="zh-CN" altLang="en-US" dirty="0" smtClean="0"/>
-              <a:t>阿</a:t>
-            </a:r>
-            <a:r>
-              <a:rPr lang="zh-CN" altLang="en-US" dirty="0"/>
-              <a:t>斯</a:t>
-            </a:r>
-            <a:r>
-              <a:rPr lang="zh-CN" altLang="en-US" dirty="0" smtClean="0"/>
-              <a:t>顿啊盛大速度啊盛大速度啊盛大速度</a:t>
-            </a:r>
-            <a:endParaRPr lang="en-SG" dirty="0"/>
-          </a:p>
-        </p:txBody>
-      </p:sp>
-    </p:spTree>
-    <p:extLst>
-      <p:ext uri="{BB962C8B-B14F-4D97-AF65-F5344CB8AC3E}">
-        <p14:creationId xmlns:p14="http://schemas.microsoft.com/office/powerpoint/2010/main" val="2096991230"/>
-      </p:ext>
-    </p:extLst>
-  </p:cSld>
-  <p:clrMapOvr>
-    <a:masterClrMapping/>
-  </p:clrMapOvr>
-  <p:transition spd="slow">
-    <p:push dir="u"/>
-  </p:transition>
-  <p:timing>
-    <p:tnLst>
-      <p:par>
-        <p:cTn id="1" dur="indefinite" restart="never" nodeType="tmRoot"/>
-      </p:par>
-    </p:tnLst>
-  </p:timing>
-</p:sld>
-</file>
-
-<file path=ppt/slides/slide23.xml><?xml version="1.0" encoding="utf-8"?>
-<p:sld xmlns:a="http://schemas.openxmlformats.org/drawingml/2006/main" xmlns:r="http://schemas.openxmlformats.org/officeDocument/2006/relationships" xmlns:p="http://schemas.openxmlformats.org/presentationml/2006/main">
-  <p:cSld name="PPTLabsHighlightBulletsSlide201702070026288891">
-    <p:spTree>
-      <p:nvGrpSpPr>
-        <p:cNvPr id="1" name=""/>
-        <p:cNvGrpSpPr/>
-        <p:nvPr/>
-      </p:nvGrpSpPr>
-      <p:grpSpPr>
-        <a:xfrm>
-          <a:off x="0" y="0"/>
-          <a:ext cx="0" cy="0"/>
-          <a:chOff x="0" y="0"/>
-          <a:chExt cx="0" cy="0"/>
-        </a:xfrm>
-      </p:grpSpPr>
-      <p:sp>
-        <p:nvSpPr>
-          <p:cNvPr id="3" name="Rectangle 4"/>
-          <p:cNvSpPr/>
-          <p:nvPr/>
-        </p:nvSpPr>
-        <p:spPr>
-          <a:xfrm>
-            <a:off x="0" y="2286000"/>
-            <a:ext cx="9144000" cy="2209800"/>
-          </a:xfrm>
-          <a:prstGeom prst="rect">
-            <a:avLst/>
-          </a:prstGeom>
-          <a:solidFill>
-            <a:srgbClr val="002060"/>
-          </a:solidFill>
-        </p:spPr>
-        <p:style>
-          <a:lnRef idx="2">
-            <a:schemeClr val="accent1">
-              <a:shade val="50000"/>
-            </a:schemeClr>
-          </a:lnRef>
-          <a:fillRef idx="1">
-            <a:schemeClr val="accent1"/>
-          </a:fillRef>
-          <a:effectRef idx="0">
-            <a:schemeClr val="accent1"/>
-          </a:effectRef>
-          <a:fontRef idx="minor">
-            <a:schemeClr val="lt1"/>
-          </a:fontRef>
-        </p:style>
-        <p:txBody>
-          <a:bodyPr rtlCol="0" anchor="ctr"/>
-          <a:lstStyle/>
-          <a:p>
-            <a:pPr algn="ctr"/>
-            <a:endParaRPr lang="en-US"/>
-          </a:p>
-        </p:txBody>
-      </p:sp>
-      <p:sp>
-        <p:nvSpPr>
-          <p:cNvPr id="2" name="HighlightTextShape201702070026289237"/>
-          <p:cNvSpPr txBox="1"/>
-          <p:nvPr/>
-        </p:nvSpPr>
-        <p:spPr>
-          <a:xfrm>
-            <a:off x="762000" y="533400"/>
-            <a:ext cx="7620000" cy="5909310"/>
-          </a:xfrm>
-          <a:prstGeom prst="rect">
-            <a:avLst/>
-          </a:prstGeom>
-          <a:noFill/>
-        </p:spPr>
-        <p:txBody>
-          <a:bodyPr wrap="square" rtlCol="0">
-            <a:spAutoFit/>
-          </a:bodyPr>
-          <a:lstStyle/>
-          <a:p>
-            <a:pPr marL="285750" indent="-285750">
-              <a:buFont typeface="Arial" panose="020B0604020202020204" pitchFamily="34" charset="0"/>
-              <a:buChar char="•"/>
-            </a:pPr>
-            <a:r>
-              <a:rPr lang="en-US" sz="2800" dirty="0" smtClean="0"/>
-              <a:t>Test - Non-ABC: 1234567890!@#$%^&amp;*()</a:t>
-            </a:r>
-          </a:p>
-          <a:p>
-            <a:r>
-              <a:rPr lang="en-US" sz="2800" dirty="0"/>
-              <a:t>Test </a:t>
-            </a:r>
-            <a:r>
-              <a:rPr lang="en-US" sz="2800" dirty="0" smtClean="0"/>
-              <a:t>– No bullet point</a:t>
-            </a:r>
-            <a:endParaRPr lang="en-US" sz="2800" dirty="0"/>
-          </a:p>
-          <a:p>
-            <a:pPr marL="514350" indent="-514350">
-              <a:buFont typeface="+mj-lt"/>
-              <a:buAutoNum type="arabicPeriod"/>
-            </a:pPr>
-            <a:r>
-              <a:rPr lang="en-US" sz="2800" dirty="0"/>
-              <a:t>Test – </a:t>
-            </a:r>
-            <a:r>
-              <a:rPr lang="en-US" sz="2800" dirty="0" smtClean="0"/>
-              <a:t>Different bullet point</a:t>
-            </a:r>
-          </a:p>
-          <a:p>
-            <a:pPr marL="285750" indent="-285750">
-              <a:buFont typeface="Arial" panose="020B0604020202020204" pitchFamily="34" charset="0"/>
-              <a:buChar char="•"/>
-            </a:pPr>
-            <a:r>
-              <a:rPr lang="en-US" sz="2800" dirty="0" smtClean="0">
-                <a:latin typeface="Times New Roman" panose="02020603050405020304" pitchFamily="18" charset="0"/>
-                <a:cs typeface="Times New Roman" panose="02020603050405020304" pitchFamily="18" charset="0"/>
-              </a:rPr>
-              <a:t>Test - Another Font Family, using Times New Roman</a:t>
-            </a:r>
-          </a:p>
-          <a:p>
-            <a:pPr marL="285750" indent="-285750">
-              <a:buFont typeface="Arial" panose="020B0604020202020204" pitchFamily="34" charset="0"/>
-              <a:buChar char="•"/>
-            </a:pPr>
-            <a:r>
-              <a:rPr lang="en-US" sz="1000" dirty="0" smtClean="0"/>
-              <a:t>Test - very small content. Test: very small content. Test: very small content. Test: very small content</a:t>
-            </a:r>
-          </a:p>
-          <a:p>
-            <a:pPr marL="285750" indent="-285750">
-              <a:buFont typeface="Arial" panose="020B0604020202020204" pitchFamily="34" charset="0"/>
-              <a:buChar char="•"/>
-            </a:pPr>
-            <a:r>
-              <a:rPr lang="en-US" sz="6600" dirty="0" smtClean="0">
-                <a:latin typeface="Arial Black" panose="020B0A04020102020204" pitchFamily="34" charset="0"/>
-              </a:rPr>
-              <a:t>Test - very big</a:t>
-            </a:r>
-          </a:p>
-          <a:p>
-            <a:pPr marL="285750" indent="-285750">
-              <a:buFont typeface="Arial" panose="020B0604020202020204" pitchFamily="34" charset="0"/>
-              <a:buChar char="•"/>
-            </a:pPr>
-            <a:r>
-              <a:rPr lang="en-US" sz="3600" dirty="0" smtClean="0"/>
-              <a:t>Test – Long sentence: </a:t>
-            </a:r>
-            <a:r>
-              <a:rPr lang="en-US" sz="3600" dirty="0" err="1" smtClean="0"/>
-              <a:t>Asdddd</a:t>
-            </a:r>
-            <a:r>
-              <a:rPr lang="en-US" sz="3600" dirty="0" smtClean="0"/>
-              <a:t> </a:t>
-            </a:r>
-            <a:r>
-              <a:rPr lang="en-US" sz="3600" dirty="0" err="1" smtClean="0"/>
-              <a:t>ddd</a:t>
-            </a:r>
-            <a:r>
-              <a:rPr lang="en-US" sz="3600" dirty="0" smtClean="0"/>
-              <a:t> </a:t>
-            </a:r>
-            <a:r>
-              <a:rPr lang="en-US" sz="3600" dirty="0" err="1" smtClean="0"/>
-              <a:t>dd</a:t>
-            </a:r>
-            <a:r>
-              <a:rPr lang="en-US" sz="3600" dirty="0" smtClean="0"/>
-              <a:t> d </a:t>
-            </a:r>
-            <a:r>
-              <a:rPr lang="en-US" sz="3600" dirty="0" err="1" smtClean="0"/>
-              <a:t>ddddd</a:t>
-            </a:r>
-            <a:r>
-              <a:rPr lang="en-US" sz="3600" dirty="0" smtClean="0"/>
-              <a:t> </a:t>
-            </a:r>
-            <a:r>
-              <a:rPr lang="en-US" sz="3600" dirty="0" err="1" smtClean="0"/>
-              <a:t>ddd</a:t>
-            </a:r>
-            <a:r>
-              <a:rPr lang="en-US" sz="3600" dirty="0" smtClean="0"/>
-              <a:t> </a:t>
-            </a:r>
-            <a:r>
-              <a:rPr lang="en-US" sz="3600" dirty="0" err="1" smtClean="0"/>
-              <a:t>ddd</a:t>
-            </a:r>
-            <a:r>
-              <a:rPr lang="en-US" sz="3600" dirty="0" smtClean="0"/>
-              <a:t> </a:t>
-            </a:r>
-            <a:r>
-              <a:rPr lang="en-US" sz="3600" dirty="0" err="1" smtClean="0"/>
-              <a:t>ddd</a:t>
-            </a:r>
-            <a:r>
-              <a:rPr lang="en-US" sz="3600" dirty="0" smtClean="0"/>
-              <a:t> </a:t>
-            </a:r>
-            <a:r>
-              <a:rPr lang="en-US" sz="3600" dirty="0" err="1" smtClean="0"/>
-              <a:t>ddd</a:t>
-            </a:r>
-            <a:r>
-              <a:rPr lang="en-US" sz="3600" dirty="0" smtClean="0"/>
-              <a:t> </a:t>
-            </a:r>
-            <a:r>
-              <a:rPr lang="en-US" sz="3600" dirty="0" err="1" smtClean="0"/>
-              <a:t>ddd</a:t>
-            </a:r>
-            <a:r>
-              <a:rPr lang="en-US" sz="3600" dirty="0" smtClean="0"/>
-              <a:t> </a:t>
-            </a:r>
-            <a:r>
-              <a:rPr lang="en-US" sz="3600" dirty="0" err="1" smtClean="0"/>
-              <a:t>ddd</a:t>
-            </a:r>
-            <a:r>
-              <a:rPr lang="en-US" sz="3600" dirty="0" smtClean="0"/>
-              <a:t> </a:t>
-            </a:r>
-            <a:r>
-              <a:rPr lang="en-US" sz="3600" dirty="0" err="1" smtClean="0"/>
-              <a:t>ddd</a:t>
-            </a:r>
-            <a:r>
-              <a:rPr lang="en-US" sz="3600" dirty="0" smtClean="0"/>
-              <a:t> </a:t>
-            </a:r>
-            <a:r>
-              <a:rPr lang="en-US" sz="3600" dirty="0" err="1" smtClean="0"/>
-              <a:t>dddddd</a:t>
-            </a:r>
-            <a:r>
-              <a:rPr lang="en-US" sz="3600" dirty="0" smtClean="0"/>
-              <a:t> </a:t>
-            </a:r>
-            <a:r>
-              <a:rPr lang="en-US" sz="3600" dirty="0" err="1" smtClean="0"/>
-              <a:t>dd</a:t>
-            </a:r>
-            <a:r>
-              <a:rPr lang="en-US" sz="3600" dirty="0" smtClean="0"/>
-              <a:t> </a:t>
-            </a:r>
-            <a:r>
-              <a:rPr lang="en-US" sz="3600" dirty="0" err="1" smtClean="0"/>
-              <a:t>ddd</a:t>
-            </a:r>
-            <a:r>
-              <a:rPr lang="en-US" sz="3600" dirty="0" smtClean="0"/>
-              <a:t> </a:t>
-            </a:r>
-            <a:r>
-              <a:rPr lang="en-US" sz="3600" dirty="0" err="1" smtClean="0"/>
-              <a:t>ddddd</a:t>
-            </a:r>
-            <a:r>
-              <a:rPr lang="en-US" sz="3600" dirty="0" smtClean="0"/>
-              <a:t> </a:t>
-            </a:r>
-            <a:r>
-              <a:rPr lang="en-US" sz="3600" dirty="0" err="1" smtClean="0"/>
-              <a:t>dd</a:t>
-            </a:r>
-            <a:r>
-              <a:rPr lang="en-US" sz="3600" dirty="0" smtClean="0"/>
-              <a:t> </a:t>
-            </a:r>
-            <a:r>
-              <a:rPr lang="en-US" sz="3600" dirty="0" err="1" smtClean="0"/>
-              <a:t>dd</a:t>
-            </a:r>
-            <a:r>
-              <a:rPr lang="en-US" sz="3600" dirty="0" smtClean="0"/>
-              <a:t> d </a:t>
-            </a:r>
-            <a:r>
-              <a:rPr lang="en-US" sz="3600" dirty="0" err="1" smtClean="0"/>
-              <a:t>ddd</a:t>
-            </a:r>
-            <a:r>
-              <a:rPr lang="en-US" sz="3600" dirty="0" smtClean="0"/>
-              <a:t> </a:t>
-            </a:r>
-            <a:r>
-              <a:rPr lang="en-US" sz="3600" dirty="0" err="1" smtClean="0"/>
-              <a:t>ddd</a:t>
-            </a:r>
-            <a:endParaRPr lang="en-US" sz="3600" dirty="0" smtClean="0"/>
-          </a:p>
-          <a:p>
-            <a:pPr marL="285750" indent="-285750">
-              <a:buFont typeface="Arial" panose="020B0604020202020204" pitchFamily="34" charset="0"/>
-              <a:buChar char="•"/>
-            </a:pPr>
-            <a:r>
-              <a:rPr lang="en-US" altLang="zh-CN" dirty="0" smtClean="0"/>
-              <a:t>Test – Chinese Characters: </a:t>
-            </a:r>
-            <a:r>
-              <a:rPr lang="zh-CN" altLang="en-US" dirty="0" smtClean="0"/>
-              <a:t>阿</a:t>
-            </a:r>
-            <a:r>
-              <a:rPr lang="zh-CN" altLang="en-US" dirty="0"/>
-              <a:t>斯</a:t>
-            </a:r>
-            <a:r>
-              <a:rPr lang="zh-CN" altLang="en-US" dirty="0" smtClean="0"/>
-              <a:t>顿啊盛大速度啊盛大速度啊盛大速度</a:t>
-            </a:r>
-            <a:endParaRPr lang="en-SG" dirty="0"/>
-          </a:p>
-        </p:txBody>
-      </p:sp>
-    </p:spTree>
-    <p:extLst>
-      <p:ext uri="{BB962C8B-B14F-4D97-AF65-F5344CB8AC3E}">
-        <p14:creationId xmlns:p14="http://schemas.microsoft.com/office/powerpoint/2010/main" val="2521869913"/>
-      </p:ext>
-    </p:extLst>
-  </p:cSld>
-  <p:clrMapOvr>
-    <a:masterClrMapping/>
-  </p:clrMapOvr>
-  <p:transition spd="slow">
-    <p:push dir="u"/>
-  </p:transition>
-  <p:timing>
-    <p:tnLst>
-      <p:par>
-        <p:cTn id="1" dur="indefinite" restart="never" nodeType="tmRoot">
-          <p:childTnLst>
-            <p:seq concurrent="1" nextAc="seek">
-              <p:cTn id="2" dur="indefinite" nodeType="mainSeq">
-                <p:childTnLst>
-                  <p:par>
-                    <p:cTn id="3" fill="hold">
-                      <p:stCondLst>
-                        <p:cond delay="indefinite"/>
-                      </p:stCondLst>
-                      <p:childTnLst>
-                        <p:par>
-                          <p:cTn id="4" fill="hold">
-                            <p:stCondLst>
-                              <p:cond delay="0"/>
-                            </p:stCondLst>
-                            <p:childTnLst>
-                              <p:par>
-                                <p:cTn id="5" presetID="3" presetClass="emph" presetSubtype="2" fill="hold" grpId="0" nodeType="clickEffect">
-                                  <p:stCondLst>
-                                    <p:cond delay="100"/>
-                                  </p:stCondLst>
-                                  <p:childTnLst>
-                                    <p:animClr clrSpc="rgb" dir="cw">
-                                      <p:cBhvr override="childStyle">
-                                        <p:cTn id="6" dur="100" fill="hold"/>
-                                        <p:tgtEl>
-                                          <p:spTgt spid="2">
-                                            <p:txEl>
-                                              <p:pRg st="7" end="7"/>
-                                            </p:txEl>
-                                          </p:spTgt>
-                                        </p:tgtEl>
-                                        <p:attrNameLst>
-                                          <p:attrName>style.color</p:attrName>
-                                        </p:attrNameLst>
-                                      </p:cBhvr>
-                                      <p:to>
-                                        <a:srgbClr val="F2290A"/>
-                                      </p:to>
-                                    </p:animClr>
-                                  </p:childTnLst>
-                                </p:cTn>
-                              </p:par>
-                            </p:childTnLst>
-                          </p:cTn>
-                        </p:par>
-                      </p:childTnLst>
-                    </p:cTn>
-                  </p:par>
-                  <p:par>
-                    <p:cTn id="7" fill="hold">
-                      <p:stCondLst>
-                        <p:cond delay="indefinite"/>
-                      </p:stCondLst>
-                      <p:childTnLst>
-                        <p:par>
-                          <p:cTn id="8" fill="hold">
-                            <p:stCondLst>
-                              <p:cond delay="0"/>
-                            </p:stCondLst>
-                            <p:childTnLst>
-                              <p:par>
-                                <p:cTn id="9" presetID="3" presetClass="emph" presetSubtype="2" fill="hold" grpId="1" nodeType="clickEffect">
-                                  <p:stCondLst>
-                                    <p:cond delay="100"/>
-                                  </p:stCondLst>
-                                  <p:childTnLst>
-                                    <p:animClr clrSpc="rgb" dir="cw">
-                                      <p:cBhvr override="childStyle">
-                                        <p:cTn id="10" dur="100" fill="hold"/>
-                                        <p:tgtEl>
-                                          <p:spTgt spid="2">
-                                            <p:txEl>
-                                              <p:pRg st="7" end="7"/>
-                                            </p:txEl>
-                                          </p:spTgt>
-                                        </p:tgtEl>
-                                        <p:attrNameLst>
-                                          <p:attrName>style.color</p:attrName>
-                                        </p:attrNameLst>
-                                      </p:cBhvr>
-                                      <p:to>
-                                        <a:srgbClr val="000000"/>
-                                      </p:to>
-                                    </p:animClr>
-                                  </p:childTnLst>
-                                </p:cTn>
-                              </p:par>
-                            </p:childTnLst>
-                          </p:cTn>
-                        </p:par>
-                      </p:childTnLst>
-                    </p:cTn>
-                  </p:par>
-                </p:childTnLst>
-              </p:cTn>
-              <p:prevCondLst>
-                <p:cond evt="onPrev" delay="0">
-                  <p:tgtEl>
-                    <p:sldTgt/>
-                  </p:tgtEl>
-                </p:cond>
-              </p:prevCondLst>
-              <p:nextCondLst>
-                <p:cond evt="onNext" delay="0">
-                  <p:tgtEl>
-                    <p:sldTgt/>
-                  </p:tgtEl>
-                </p:cond>
-              </p:nextCondLst>
-            </p:seq>
-          </p:childTnLst>
-        </p:cTn>
-      </p:par>
-    </p:tnLst>
-    <p:bldLst>
-      <p:bldP spid="2" grpId="0" build="p" bldLvl="5"/>
-      <p:bldP spid="2" grpId="1" build="p" bldLvl="5"/>
-    </p:bldLst>
-  </p:timing>
-</p:sld>
-</file>
-
-<file path=ppt/slides/slide24.xml><?xml version="1.0" encoding="utf-8"?>
-<p:sld xmlns:a="http://schemas.openxmlformats.org/drawingml/2006/main" xmlns:r="http://schemas.openxmlformats.org/officeDocument/2006/relationships" xmlns:p="http://schemas.openxmlformats.org/presentationml/2006/main">
-  <p:cSld>
-    <p:spTree>
-      <p:nvGrpSpPr>
-        <p:cNvPr id="1" name=""/>
-        <p:cNvGrpSpPr/>
-        <p:nvPr/>
-      </p:nvGrpSpPr>
-      <p:grpSpPr>
-        <a:xfrm>
-          <a:off x="0" y="0"/>
-          <a:ext cx="0" cy="0"/>
-          <a:chOff x="0" y="0"/>
-          <a:chExt cx="0" cy="0"/>
-        </a:xfrm>
-      </p:grpSpPr>
-      <p:sp>
-        <p:nvSpPr>
-          <p:cNvPr id="2" name="Title 1"/>
-          <p:cNvSpPr>
-            <a:spLocks noGrp="1"/>
-          </p:cNvSpPr>
-          <p:nvPr>
-            <p:ph type="title"/>
-          </p:nvPr>
-        </p:nvSpPr>
-        <p:spPr/>
-        <p:txBody>
-          <a:bodyPr>
-            <a:normAutofit/>
-          </a:bodyPr>
-          <a:lstStyle/>
-          <a:p>
-            <a:r>
-              <a:rPr lang="en-US" dirty="0" smtClean="0"/>
-              <a:t>Remove Highlighting:: </a:t>
-            </a:r>
-            <a:r>
-              <a:rPr lang="en-US" dirty="0"/>
-              <a:t>Highlight </a:t>
-            </a:r>
-            <a:r>
-              <a:rPr lang="en-US" dirty="0" smtClean="0"/>
-              <a:t>Points</a:t>
-            </a:r>
-            <a:endParaRPr lang="en-SG" dirty="0"/>
-          </a:p>
-        </p:txBody>
-      </p:sp>
-      <p:sp>
-        <p:nvSpPr>
-          <p:cNvPr id="4" name="Content Placeholder 2"/>
-          <p:cNvSpPr>
-            <a:spLocks noGrp="1"/>
-          </p:cNvSpPr>
-          <p:nvPr>
-            <p:ph idx="1"/>
-          </p:nvPr>
-        </p:nvSpPr>
-        <p:spPr>
-          <a:xfrm>
-            <a:off x="457200" y="3124200"/>
-            <a:ext cx="8229600" cy="3001963"/>
-          </a:xfrm>
-        </p:spPr>
-        <p:txBody>
-          <a:bodyPr/>
-          <a:lstStyle/>
-          <a:p>
-            <a:r>
-              <a:rPr lang="en-US" dirty="0" smtClean="0"/>
-              <a:t>Click “Remove Highlighting”</a:t>
-            </a:r>
-            <a:endParaRPr lang="en-SG" dirty="0"/>
-          </a:p>
-        </p:txBody>
-      </p:sp>
-    </p:spTree>
-    <p:extLst>
-      <p:ext uri="{BB962C8B-B14F-4D97-AF65-F5344CB8AC3E}">
-        <p14:creationId xmlns:p14="http://schemas.microsoft.com/office/powerpoint/2010/main" val="4077675005"/>
-      </p:ext>
-    </p:extLst>
-  </p:cSld>
-  <p:clrMapOvr>
-    <a:masterClrMapping/>
-  </p:clrMapOvr>
-  <p:timing>
-    <p:tnLst>
-      <p:par>
-        <p:cTn id="1" dur="indefinite" restart="never" nodeType="tmRoot"/>
-      </p:par>
-    </p:tnLst>
-  </p:timing>
-</p:sld>
-</file>
-
-<file path=ppt/slides/slide25.xml><?xml version="1.0" encoding="utf-8"?>
-<p:sld xmlns:a="http://schemas.openxmlformats.org/drawingml/2006/main" xmlns:r="http://schemas.openxmlformats.org/officeDocument/2006/relationships" xmlns:p="http://schemas.openxmlformats.org/presentationml/2006/main">
-  <p:cSld>
-    <p:spTree>
-      <p:nvGrpSpPr>
-        <p:cNvPr id="1" name=""/>
-        <p:cNvGrpSpPr/>
-        <p:nvPr/>
-      </p:nvGrpSpPr>
-      <p:grpSpPr>
-        <a:xfrm>
-          <a:off x="0" y="0"/>
-          <a:ext cx="0" cy="0"/>
-          <a:chOff x="0" y="0"/>
-          <a:chExt cx="0" cy="0"/>
-        </a:xfrm>
-      </p:grpSpPr>
-      <p:sp>
-        <p:nvSpPr>
-          <p:cNvPr id="3" name="Rectangle 4"/>
-          <p:cNvSpPr/>
-          <p:nvPr/>
-        </p:nvSpPr>
-        <p:spPr>
-          <a:xfrm>
-            <a:off x="0" y="2286000"/>
-            <a:ext cx="9144000" cy="2209800"/>
-          </a:xfrm>
-          <a:prstGeom prst="rect">
-            <a:avLst/>
-          </a:prstGeom>
-          <a:solidFill>
-            <a:srgbClr val="002060"/>
-          </a:solidFill>
-        </p:spPr>
-        <p:style>
-          <a:lnRef idx="2">
-            <a:schemeClr val="accent1">
-              <a:shade val="50000"/>
-            </a:schemeClr>
-          </a:lnRef>
-          <a:fillRef idx="1">
-            <a:schemeClr val="accent1"/>
-          </a:fillRef>
-          <a:effectRef idx="0">
-            <a:schemeClr val="accent1"/>
-          </a:effectRef>
-          <a:fontRef idx="minor">
-            <a:schemeClr val="lt1"/>
-          </a:fontRef>
-        </p:style>
-        <p:txBody>
-          <a:bodyPr rtlCol="0" anchor="ctr"/>
-          <a:lstStyle/>
-          <a:p>
-            <a:pPr algn="ctr"/>
-            <a:endParaRPr lang="en-US"/>
-          </a:p>
-        </p:txBody>
-      </p:sp>
-      <p:sp>
-        <p:nvSpPr>
-          <p:cNvPr id="2" name="HighlightTextShape201702051845316996"/>
-          <p:cNvSpPr txBox="1"/>
-          <p:nvPr/>
-        </p:nvSpPr>
-        <p:spPr>
-          <a:xfrm>
-            <a:off x="762000" y="533400"/>
-            <a:ext cx="7620000" cy="5909310"/>
-          </a:xfrm>
-          <a:prstGeom prst="rect">
-            <a:avLst/>
-          </a:prstGeom>
-          <a:noFill/>
-        </p:spPr>
-        <p:txBody>
-          <a:bodyPr wrap="square" rtlCol="0">
-            <a:spAutoFit/>
-          </a:bodyPr>
-          <a:lstStyle/>
-          <a:p>
-            <a:pPr marL="285750" indent="-285750">
-              <a:buFont typeface="Arial" panose="020B0604020202020204" pitchFamily="34" charset="0"/>
-              <a:buChar char="•"/>
-            </a:pPr>
-            <a:r>
-              <a:rPr lang="en-US" sz="2800" dirty="0" smtClean="0"/>
-              <a:t>Test - Non-ABC: 1234567890!@#$%^&amp;*()</a:t>
-            </a:r>
-          </a:p>
-          <a:p>
-            <a:r>
-              <a:rPr lang="en-US" sz="2800" dirty="0"/>
-              <a:t>Test </a:t>
-            </a:r>
-            <a:r>
-              <a:rPr lang="en-US" sz="2800" dirty="0" smtClean="0"/>
-              <a:t>– No bullet point</a:t>
-            </a:r>
-            <a:endParaRPr lang="en-US" sz="2800" dirty="0"/>
-          </a:p>
-          <a:p>
-            <a:pPr marL="514350" indent="-514350">
-              <a:buFont typeface="+mj-lt"/>
-              <a:buAutoNum type="arabicPeriod"/>
-            </a:pPr>
-            <a:r>
-              <a:rPr lang="en-US" sz="2800" dirty="0"/>
-              <a:t>Test – </a:t>
-            </a:r>
-            <a:r>
-              <a:rPr lang="en-US" sz="2800" dirty="0" smtClean="0"/>
-              <a:t>Different bullet point</a:t>
-            </a:r>
-          </a:p>
-          <a:p>
-            <a:pPr marL="285750" indent="-285750">
-              <a:buFont typeface="Arial" panose="020B0604020202020204" pitchFamily="34" charset="0"/>
-              <a:buChar char="•"/>
-            </a:pPr>
-            <a:r>
-              <a:rPr lang="en-US" sz="2800" dirty="0" smtClean="0">
-                <a:latin typeface="Times New Roman" panose="02020603050405020304" pitchFamily="18" charset="0"/>
-                <a:cs typeface="Times New Roman" panose="02020603050405020304" pitchFamily="18" charset="0"/>
-              </a:rPr>
-              <a:t>Test - Another Font Family, using Times New Roman</a:t>
-            </a:r>
-          </a:p>
-          <a:p>
-            <a:pPr marL="285750" indent="-285750">
-              <a:buFont typeface="Arial" panose="020B0604020202020204" pitchFamily="34" charset="0"/>
-              <a:buChar char="•"/>
-            </a:pPr>
-            <a:r>
-              <a:rPr lang="en-US" sz="1000" dirty="0" smtClean="0"/>
-              <a:t>Test - very small content. Test: very small content. Test: very small content. Test: very small content</a:t>
-            </a:r>
-          </a:p>
-          <a:p>
-            <a:pPr marL="285750" indent="-285750">
-              <a:buFont typeface="Arial" panose="020B0604020202020204" pitchFamily="34" charset="0"/>
-              <a:buChar char="•"/>
-            </a:pPr>
-            <a:r>
-              <a:rPr lang="en-US" sz="6600" dirty="0" smtClean="0">
-                <a:latin typeface="Arial Black" panose="020B0A04020102020204" pitchFamily="34" charset="0"/>
-              </a:rPr>
-              <a:t>Test - very big</a:t>
-            </a:r>
-          </a:p>
-          <a:p>
-            <a:pPr marL="285750" indent="-285750">
-              <a:buFont typeface="Arial" panose="020B0604020202020204" pitchFamily="34" charset="0"/>
-              <a:buChar char="•"/>
-            </a:pPr>
-            <a:r>
-              <a:rPr lang="en-US" sz="3600" dirty="0" smtClean="0"/>
-              <a:t>Test – Long sentence: </a:t>
-            </a:r>
-            <a:r>
-              <a:rPr lang="en-US" sz="3600" dirty="0" err="1" smtClean="0"/>
-              <a:t>Asdddd</a:t>
-            </a:r>
-            <a:r>
-              <a:rPr lang="en-US" sz="3600" dirty="0" smtClean="0"/>
-              <a:t> </a:t>
-            </a:r>
-            <a:r>
-              <a:rPr lang="en-US" sz="3600" dirty="0" err="1" smtClean="0"/>
-              <a:t>ddd</a:t>
-            </a:r>
-            <a:r>
-              <a:rPr lang="en-US" sz="3600" dirty="0" smtClean="0"/>
-              <a:t> </a:t>
-            </a:r>
-            <a:r>
-              <a:rPr lang="en-US" sz="3600" dirty="0" err="1" smtClean="0"/>
-              <a:t>dd</a:t>
-            </a:r>
-            <a:r>
-              <a:rPr lang="en-US" sz="3600" dirty="0" smtClean="0"/>
-              <a:t> d </a:t>
-            </a:r>
-            <a:r>
-              <a:rPr lang="en-US" sz="3600" dirty="0" err="1" smtClean="0"/>
-              <a:t>ddddd</a:t>
-            </a:r>
-            <a:r>
-              <a:rPr lang="en-US" sz="3600" dirty="0" smtClean="0"/>
-              <a:t> </a:t>
-            </a:r>
-            <a:r>
-              <a:rPr lang="en-US" sz="3600" dirty="0" err="1" smtClean="0"/>
-              <a:t>ddd</a:t>
-            </a:r>
-            <a:r>
-              <a:rPr lang="en-US" sz="3600" dirty="0" smtClean="0"/>
-              <a:t> </a:t>
-            </a:r>
-            <a:r>
-              <a:rPr lang="en-US" sz="3600" dirty="0" err="1" smtClean="0"/>
-              <a:t>ddd</a:t>
-            </a:r>
-            <a:r>
-              <a:rPr lang="en-US" sz="3600" dirty="0" smtClean="0"/>
-              <a:t> </a:t>
-            </a:r>
-            <a:r>
-              <a:rPr lang="en-US" sz="3600" dirty="0" err="1" smtClean="0"/>
-              <a:t>ddd</a:t>
-            </a:r>
-            <a:r>
-              <a:rPr lang="en-US" sz="3600" dirty="0" smtClean="0"/>
-              <a:t> </a:t>
-            </a:r>
-            <a:r>
-              <a:rPr lang="en-US" sz="3600" dirty="0" err="1" smtClean="0"/>
-              <a:t>ddd</a:t>
-            </a:r>
-            <a:r>
-              <a:rPr lang="en-US" sz="3600" dirty="0" smtClean="0"/>
-              <a:t> </a:t>
-            </a:r>
-            <a:r>
-              <a:rPr lang="en-US" sz="3600" dirty="0" err="1" smtClean="0"/>
-              <a:t>ddd</a:t>
-            </a:r>
-            <a:r>
-              <a:rPr lang="en-US" sz="3600" dirty="0" smtClean="0"/>
-              <a:t> </a:t>
-            </a:r>
-            <a:r>
-              <a:rPr lang="en-US" sz="3600" dirty="0" err="1" smtClean="0"/>
-              <a:t>ddd</a:t>
-            </a:r>
-            <a:r>
-              <a:rPr lang="en-US" sz="3600" dirty="0" smtClean="0"/>
-              <a:t> </a:t>
-            </a:r>
-            <a:r>
-              <a:rPr lang="en-US" sz="3600" dirty="0" err="1" smtClean="0"/>
-              <a:t>ddd</a:t>
-            </a:r>
-            <a:r>
-              <a:rPr lang="en-US" sz="3600" dirty="0" smtClean="0"/>
-              <a:t> </a:t>
-            </a:r>
-            <a:r>
-              <a:rPr lang="en-US" sz="3600" dirty="0" err="1" smtClean="0"/>
-              <a:t>dddddd</a:t>
-            </a:r>
-            <a:r>
-              <a:rPr lang="en-US" sz="3600" dirty="0" smtClean="0"/>
-              <a:t> </a:t>
-            </a:r>
-            <a:r>
-              <a:rPr lang="en-US" sz="3600" dirty="0" err="1" smtClean="0"/>
-              <a:t>dd</a:t>
-            </a:r>
-            <a:r>
-              <a:rPr lang="en-US" sz="3600" dirty="0" smtClean="0"/>
-              <a:t> </a:t>
-            </a:r>
-            <a:r>
-              <a:rPr lang="en-US" sz="3600" dirty="0" err="1" smtClean="0"/>
-              <a:t>ddd</a:t>
-            </a:r>
-            <a:r>
-              <a:rPr lang="en-US" sz="3600" dirty="0" smtClean="0"/>
-              <a:t> </a:t>
-            </a:r>
-            <a:r>
-              <a:rPr lang="en-US" sz="3600" dirty="0" err="1" smtClean="0"/>
-              <a:t>ddddd</a:t>
-            </a:r>
-            <a:r>
-              <a:rPr lang="en-US" sz="3600" dirty="0" smtClean="0"/>
-              <a:t> </a:t>
-            </a:r>
-            <a:r>
-              <a:rPr lang="en-US" sz="3600" dirty="0" err="1" smtClean="0"/>
-              <a:t>dd</a:t>
-            </a:r>
-            <a:r>
-              <a:rPr lang="en-US" sz="3600" dirty="0" smtClean="0"/>
-              <a:t> </a:t>
-            </a:r>
-            <a:r>
-              <a:rPr lang="en-US" sz="3600" dirty="0" err="1" smtClean="0"/>
-              <a:t>dd</a:t>
-            </a:r>
-            <a:r>
-              <a:rPr lang="en-US" sz="3600" dirty="0" smtClean="0"/>
-              <a:t> d </a:t>
-            </a:r>
-            <a:r>
-              <a:rPr lang="en-US" sz="3600" dirty="0" err="1" smtClean="0"/>
-              <a:t>ddd</a:t>
-            </a:r>
-            <a:r>
-              <a:rPr lang="en-US" sz="3600" dirty="0" smtClean="0"/>
-              <a:t> </a:t>
-            </a:r>
-            <a:r>
-              <a:rPr lang="en-US" sz="3600" dirty="0" err="1" smtClean="0"/>
-              <a:t>ddd</a:t>
-            </a:r>
-            <a:endParaRPr lang="en-US" sz="3600" dirty="0" smtClean="0"/>
-          </a:p>
-          <a:p>
-            <a:pPr marL="285750" indent="-285750">
-              <a:buFont typeface="Arial" panose="020B0604020202020204" pitchFamily="34" charset="0"/>
-              <a:buChar char="•"/>
-            </a:pPr>
-            <a:r>
-              <a:rPr lang="en-US" altLang="zh-CN" dirty="0" smtClean="0"/>
-              <a:t>Test – Chinese Characters: </a:t>
-            </a:r>
-            <a:r>
-              <a:rPr lang="zh-CN" altLang="en-US" dirty="0" smtClean="0"/>
-              <a:t>阿</a:t>
-            </a:r>
-            <a:r>
-              <a:rPr lang="zh-CN" altLang="en-US" dirty="0"/>
-              <a:t>斯</a:t>
-            </a:r>
-            <a:r>
-              <a:rPr lang="zh-CN" altLang="en-US" dirty="0" smtClean="0"/>
-              <a:t>顿啊盛大速度啊盛大速度啊盛大速度</a:t>
-            </a:r>
-            <a:endParaRPr lang="en-SG" dirty="0"/>
-          </a:p>
-        </p:txBody>
-      </p:sp>
-    </p:spTree>
-    <p:extLst>
-      <p:ext uri="{BB962C8B-B14F-4D97-AF65-F5344CB8AC3E}">
-        <p14:creationId xmlns:p14="http://schemas.microsoft.com/office/powerpoint/2010/main" val="271173202"/>
-      </p:ext>
-    </p:extLst>
-  </p:cSld>
-  <p:clrMapOvr>
-    <a:masterClrMapping/>
-  </p:clrMapOvr>
-  <p:transition spd="slow">
-    <p:push dir="u"/>
-  </p:transition>
-  <p:timing>
-    <p:tnLst>
-      <p:par>
-        <p:cTn id="1" dur="indefinite" restart="never" nodeType="tmRoot">
-          <p:childTnLst>
-            <p:seq concurrent="1" nextAc="seek">
-              <p:cTn id="2" dur="indefinite" nodeType="mainSeq">
-                <p:childTnLst>
-                  <p:par>
-                    <p:cTn id="3" fill="hold">
-                      <p:stCondLst>
-                        <p:cond delay="indefinite"/>
-                      </p:stCondLst>
-                      <p:childTnLst>
-                        <p:par>
-                          <p:cTn id="4" fill="hold">
-                            <p:stCondLst>
-                              <p:cond delay="0"/>
-                            </p:stCondLst>
-                            <p:childTnLst>
-                              <p:par>
-                                <p:cTn id="5" presetID="3" presetClass="emph" presetSubtype="2" fill="hold" grpId="0" nodeType="clickEffect">
-                                  <p:stCondLst>
-                                    <p:cond delay="100"/>
-                                  </p:stCondLst>
-                                  <p:childTnLst>
-                                    <p:animClr clrSpc="rgb" dir="cw">
-                                      <p:cBhvr override="childStyle">
-                                        <p:cTn id="6" dur="100" fill="hold"/>
-                                        <p:tgtEl>
-                                          <p:spTgt spid="2">
-                                            <p:txEl>
-                                              <p:pRg st="0" end="0"/>
-                                            </p:txEl>
-                                          </p:spTgt>
-                                        </p:tgtEl>
-                                        <p:attrNameLst>
-                                          <p:attrName>style.color</p:attrName>
-                                        </p:attrNameLst>
-                                      </p:cBhvr>
-                                      <p:to>
-                                        <a:srgbClr val="F2290A"/>
-                                      </p:to>
-                                    </p:animClr>
-                                  </p:childTnLst>
-                                </p:cTn>
-                              </p:par>
-                            </p:childTnLst>
-                          </p:cTn>
-                        </p:par>
-                      </p:childTnLst>
-                    </p:cTn>
-                  </p:par>
-                  <p:par>
-                    <p:cTn id="7" fill="hold">
-                      <p:stCondLst>
-                        <p:cond delay="indefinite"/>
-                      </p:stCondLst>
-                      <p:childTnLst>
-                        <p:par>
-                          <p:cTn id="8" fill="hold">
-                            <p:stCondLst>
-                              <p:cond delay="0"/>
-                            </p:stCondLst>
-                            <p:childTnLst>
-                              <p:par>
-                                <p:cTn id="9" presetID="3" presetClass="emph" presetSubtype="2" fill="hold" grpId="0" nodeType="clickEffect">
-                                  <p:stCondLst>
-                                    <p:cond delay="100"/>
-                                  </p:stCondLst>
-                                  <p:childTnLst>
-                                    <p:animClr clrSpc="rgb" dir="cw">
-                                      <p:cBhvr override="childStyle">
-                                        <p:cTn id="10" dur="100" fill="hold"/>
-                                        <p:tgtEl>
-                                          <p:spTgt spid="2">
-                                            <p:txEl>
-                                              <p:pRg st="2" end="2"/>
-                                            </p:txEl>
-                                          </p:spTgt>
-                                        </p:tgtEl>
-                                        <p:attrNameLst>
-                                          <p:attrName>style.color</p:attrName>
-                                        </p:attrNameLst>
-                                      </p:cBhvr>
-                                      <p:to>
-                                        <a:srgbClr val="F2290A"/>
-                                      </p:to>
-                                    </p:animClr>
-                                  </p:childTnLst>
-                                </p:cTn>
-                              </p:par>
-                              <p:par>
-                                <p:cTn id="11" presetID="3" presetClass="emph" presetSubtype="2" fill="hold" grpId="1" nodeType="withEffect">
-                                  <p:stCondLst>
-                                    <p:cond delay="100"/>
-                                  </p:stCondLst>
-                                  <p:childTnLst>
-                                    <p:animClr clrSpc="rgb" dir="cw">
-                                      <p:cBhvr override="childStyle">
-                                        <p:cTn id="12" dur="100" fill="hold"/>
-                                        <p:tgtEl>
-                                          <p:spTgt spid="2">
-                                            <p:txEl>
-                                              <p:pRg st="0" end="0"/>
-                                            </p:txEl>
-                                          </p:spTgt>
-                                        </p:tgtEl>
-                                        <p:attrNameLst>
-                                          <p:attrName>style.color</p:attrName>
-                                        </p:attrNameLst>
-                                      </p:cBhvr>
-                                      <p:to>
-                                        <a:srgbClr val="000000"/>
-                                      </p:to>
-                                    </p:animClr>
-                                  </p:childTnLst>
-                                </p:cTn>
-                              </p:par>
-                            </p:childTnLst>
-                          </p:cTn>
-                        </p:par>
-                      </p:childTnLst>
-                    </p:cTn>
-                  </p:par>
-                  <p:par>
-                    <p:cTn id="13" fill="hold">
-                      <p:stCondLst>
-                        <p:cond delay="indefinite"/>
-                      </p:stCondLst>
-                      <p:childTnLst>
-                        <p:par>
-                          <p:cTn id="14" fill="hold">
-                            <p:stCondLst>
-                              <p:cond delay="0"/>
-                            </p:stCondLst>
-                            <p:childTnLst>
-                              <p:par>
-                                <p:cTn id="15" presetID="3" presetClass="emph" presetSubtype="2" fill="hold" grpId="0" nodeType="clickEffect">
-                                  <p:stCondLst>
-                                    <p:cond delay="100"/>
-                                  </p:stCondLst>
-                                  <p:childTnLst>
-                                    <p:animClr clrSpc="rgb" dir="cw">
-                                      <p:cBhvr override="childStyle">
-                                        <p:cTn id="16" dur="100" fill="hold"/>
-                                        <p:tgtEl>
-                                          <p:spTgt spid="2">
-                                            <p:txEl>
-                                              <p:pRg st="3" end="3"/>
-                                            </p:txEl>
-                                          </p:spTgt>
-                                        </p:tgtEl>
-                                        <p:attrNameLst>
-                                          <p:attrName>style.color</p:attrName>
-                                        </p:attrNameLst>
-                                      </p:cBhvr>
-                                      <p:to>
-                                        <a:srgbClr val="F2290A"/>
-                                      </p:to>
-                                    </p:animClr>
-                                  </p:childTnLst>
-                                </p:cTn>
-                              </p:par>
-                              <p:par>
-                                <p:cTn id="17" presetID="3" presetClass="emph" presetSubtype="2" fill="hold" grpId="1" nodeType="withEffect">
-                                  <p:stCondLst>
-                                    <p:cond delay="100"/>
-                                  </p:stCondLst>
-                                  <p:childTnLst>
-                                    <p:animClr clrSpc="rgb" dir="cw">
-                                      <p:cBhvr override="childStyle">
-                                        <p:cTn id="18" dur="100" fill="hold"/>
-                                        <p:tgtEl>
-                                          <p:spTgt spid="2">
-                                            <p:txEl>
-                                              <p:pRg st="2" end="2"/>
-                                            </p:txEl>
-                                          </p:spTgt>
-                                        </p:tgtEl>
-                                        <p:attrNameLst>
-                                          <p:attrName>style.color</p:attrName>
-                                        </p:attrNameLst>
-                                      </p:cBhvr>
-                                      <p:to>
-                                        <a:srgbClr val="000000"/>
-                                      </p:to>
-                                    </p:animClr>
-                                  </p:childTnLst>
-                                </p:cTn>
-                              </p:par>
-                            </p:childTnLst>
-                          </p:cTn>
-                        </p:par>
-                      </p:childTnLst>
-                    </p:cTn>
-                  </p:par>
-                  <p:par>
-                    <p:cTn id="19" fill="hold">
-                      <p:stCondLst>
-                        <p:cond delay="indefinite"/>
-                      </p:stCondLst>
-                      <p:childTnLst>
-                        <p:par>
-                          <p:cTn id="20" fill="hold">
-                            <p:stCondLst>
-                              <p:cond delay="0"/>
-                            </p:stCondLst>
-                            <p:childTnLst>
-                              <p:par>
-                                <p:cTn id="21" presetID="3" presetClass="emph" presetSubtype="2" fill="hold" grpId="0" nodeType="clickEffect">
-                                  <p:stCondLst>
-                                    <p:cond delay="100"/>
-                                  </p:stCondLst>
-                                  <p:childTnLst>
-                                    <p:animClr clrSpc="rgb" dir="cw">
-                                      <p:cBhvr override="childStyle">
-                                        <p:cTn id="22" dur="100" fill="hold"/>
-                                        <p:tgtEl>
-                                          <p:spTgt spid="2">
-                                            <p:txEl>
-                                              <p:pRg st="4" end="4"/>
-                                            </p:txEl>
-                                          </p:spTgt>
-                                        </p:tgtEl>
-                                        <p:attrNameLst>
-                                          <p:attrName>style.color</p:attrName>
-                                        </p:attrNameLst>
-                                      </p:cBhvr>
-                                      <p:to>
-                                        <a:srgbClr val="F2290A"/>
-                                      </p:to>
-                                    </p:animClr>
-                                  </p:childTnLst>
-                                </p:cTn>
-                              </p:par>
-                              <p:par>
-                                <p:cTn id="23" presetID="3" presetClass="emph" presetSubtype="2" fill="hold" grpId="1" nodeType="withEffect">
-                                  <p:stCondLst>
-                                    <p:cond delay="100"/>
-                                  </p:stCondLst>
-                                  <p:childTnLst>
-                                    <p:animClr clrSpc="rgb" dir="cw">
-                                      <p:cBhvr override="childStyle">
-                                        <p:cTn id="24" dur="100" fill="hold"/>
-                                        <p:tgtEl>
-                                          <p:spTgt spid="2">
-                                            <p:txEl>
-                                              <p:pRg st="3" end="3"/>
-                                            </p:txEl>
-                                          </p:spTgt>
-                                        </p:tgtEl>
-                                        <p:attrNameLst>
-                                          <p:attrName>style.color</p:attrName>
-                                        </p:attrNameLst>
-                                      </p:cBhvr>
-                                      <p:to>
-                                        <a:srgbClr val="000000"/>
-                                      </p:to>
-                                    </p:animClr>
-                                  </p:childTnLst>
-                                </p:cTn>
-                              </p:par>
-                            </p:childTnLst>
-                          </p:cTn>
-                        </p:par>
-                      </p:childTnLst>
-                    </p:cTn>
-                  </p:par>
-                  <p:par>
-                    <p:cTn id="25" fill="hold">
-                      <p:stCondLst>
-                        <p:cond delay="indefinite"/>
-                      </p:stCondLst>
-                      <p:childTnLst>
-                        <p:par>
-                          <p:cTn id="26" fill="hold">
-                            <p:stCondLst>
-                              <p:cond delay="0"/>
-                            </p:stCondLst>
-                            <p:childTnLst>
-                              <p:par>
-                                <p:cTn id="27" presetID="3" presetClass="emph" presetSubtype="2" fill="hold" grpId="0" nodeType="clickEffect">
-                                  <p:stCondLst>
-                                    <p:cond delay="100"/>
-                                  </p:stCondLst>
-                                  <p:childTnLst>
-                                    <p:animClr clrSpc="rgb" dir="cw">
-                                      <p:cBhvr override="childStyle">
-                                        <p:cTn id="28" dur="100" fill="hold"/>
-                                        <p:tgtEl>
-                                          <p:spTgt spid="2">
-                                            <p:txEl>
-                                              <p:pRg st="5" end="5"/>
-                                            </p:txEl>
-                                          </p:spTgt>
-                                        </p:tgtEl>
-                                        <p:attrNameLst>
-                                          <p:attrName>style.color</p:attrName>
-                                        </p:attrNameLst>
-                                      </p:cBhvr>
-                                      <p:to>
-                                        <a:srgbClr val="F2290A"/>
-                                      </p:to>
-                                    </p:animClr>
-                                  </p:childTnLst>
-                                </p:cTn>
-                              </p:par>
-                              <p:par>
-                                <p:cTn id="29" presetID="3" presetClass="emph" presetSubtype="2" fill="hold" grpId="1" nodeType="withEffect">
-                                  <p:stCondLst>
-                                    <p:cond delay="100"/>
-                                  </p:stCondLst>
-                                  <p:childTnLst>
-                                    <p:animClr clrSpc="rgb" dir="cw">
-                                      <p:cBhvr override="childStyle">
-                                        <p:cTn id="30" dur="100" fill="hold"/>
-                                        <p:tgtEl>
-                                          <p:spTgt spid="2">
-                                            <p:txEl>
-                                              <p:pRg st="4" end="4"/>
-                                            </p:txEl>
-                                          </p:spTgt>
-                                        </p:tgtEl>
-                                        <p:attrNameLst>
-                                          <p:attrName>style.color</p:attrName>
-                                        </p:attrNameLst>
-                                      </p:cBhvr>
-                                      <p:to>
-                                        <a:srgbClr val="000000"/>
-                                      </p:to>
-                                    </p:animClr>
-                                  </p:childTnLst>
-                                </p:cTn>
-                              </p:par>
-                            </p:childTnLst>
-                          </p:cTn>
-                        </p:par>
-                      </p:childTnLst>
-                    </p:cTn>
-                  </p:par>
-                  <p:par>
-                    <p:cTn id="31" fill="hold">
-                      <p:stCondLst>
-                        <p:cond delay="indefinite"/>
-                      </p:stCondLst>
-                      <p:childTnLst>
-                        <p:par>
-                          <p:cTn id="32" fill="hold">
-                            <p:stCondLst>
-                              <p:cond delay="0"/>
-                            </p:stCondLst>
-                            <p:childTnLst>
-                              <p:par>
-                                <p:cTn id="33" presetID="3" presetClass="emph" presetSubtype="2" fill="hold" grpId="0" nodeType="clickEffect">
-                                  <p:stCondLst>
-                                    <p:cond delay="100"/>
-                                  </p:stCondLst>
-                                  <p:childTnLst>
-                                    <p:animClr clrSpc="rgb" dir="cw">
-                                      <p:cBhvr override="childStyle">
-                                        <p:cTn id="34" dur="100" fill="hold"/>
-                                        <p:tgtEl>
-                                          <p:spTgt spid="2">
-                                            <p:txEl>
-                                              <p:pRg st="6" end="6"/>
-                                            </p:txEl>
-                                          </p:spTgt>
-                                        </p:tgtEl>
-                                        <p:attrNameLst>
-                                          <p:attrName>style.color</p:attrName>
-                                        </p:attrNameLst>
-                                      </p:cBhvr>
-                                      <p:to>
-                                        <a:srgbClr val="F2290A"/>
-                                      </p:to>
-                                    </p:animClr>
-                                  </p:childTnLst>
-                                </p:cTn>
-                              </p:par>
-                              <p:par>
-                                <p:cTn id="35" presetID="3" presetClass="emph" presetSubtype="2" fill="hold" grpId="1" nodeType="withEffect">
-                                  <p:stCondLst>
-                                    <p:cond delay="100"/>
-                                  </p:stCondLst>
-                                  <p:childTnLst>
-                                    <p:animClr clrSpc="rgb" dir="cw">
-                                      <p:cBhvr override="childStyle">
-                                        <p:cTn id="36" dur="100" fill="hold"/>
-                                        <p:tgtEl>
-                                          <p:spTgt spid="2">
-                                            <p:txEl>
-                                              <p:pRg st="5" end="5"/>
-                                            </p:txEl>
-                                          </p:spTgt>
-                                        </p:tgtEl>
-                                        <p:attrNameLst>
-                                          <p:attrName>style.color</p:attrName>
-                                        </p:attrNameLst>
-                                      </p:cBhvr>
-                                      <p:to>
-                                        <a:srgbClr val="000000"/>
-                                      </p:to>
-                                    </p:animClr>
-                                  </p:childTnLst>
-                                </p:cTn>
-                              </p:par>
-                            </p:childTnLst>
-                          </p:cTn>
-                        </p:par>
-                      </p:childTnLst>
-                    </p:cTn>
-                  </p:par>
-                  <p:par>
-                    <p:cTn id="37" fill="hold">
-                      <p:stCondLst>
-                        <p:cond delay="indefinite"/>
-                      </p:stCondLst>
-                      <p:childTnLst>
-                        <p:par>
-                          <p:cTn id="38" fill="hold">
-                            <p:stCondLst>
-                              <p:cond delay="0"/>
-                            </p:stCondLst>
-                            <p:childTnLst>
-                              <p:par>
-                                <p:cTn id="39" presetID="3" presetClass="emph" presetSubtype="2" fill="hold" grpId="0" nodeType="clickEffect">
-                                  <p:stCondLst>
-                                    <p:cond delay="100"/>
-                                  </p:stCondLst>
-                                  <p:childTnLst>
-                                    <p:animClr clrSpc="rgb" dir="cw">
-                                      <p:cBhvr override="childStyle">
-                                        <p:cTn id="40" dur="100" fill="hold"/>
-                                        <p:tgtEl>
-                                          <p:spTgt spid="2">
-                                            <p:txEl>
-                                              <p:pRg st="7" end="7"/>
-                                            </p:txEl>
-                                          </p:spTgt>
-                                        </p:tgtEl>
-                                        <p:attrNameLst>
-                                          <p:attrName>style.color</p:attrName>
-                                        </p:attrNameLst>
-                                      </p:cBhvr>
-                                      <p:to>
-                                        <a:srgbClr val="F2290A"/>
-                                      </p:to>
-                                    </p:animClr>
-                                  </p:childTnLst>
-                                </p:cTn>
-                              </p:par>
-                              <p:par>
-                                <p:cTn id="41" presetID="3" presetClass="emph" presetSubtype="2" fill="hold" grpId="1" nodeType="withEffect">
-                                  <p:stCondLst>
-                                    <p:cond delay="100"/>
-                                  </p:stCondLst>
-                                  <p:childTnLst>
-                                    <p:animClr clrSpc="rgb" dir="cw">
-                                      <p:cBhvr override="childStyle">
-                                        <p:cTn id="42" dur="100" fill="hold"/>
-                                        <p:tgtEl>
-                                          <p:spTgt spid="2">
-                                            <p:txEl>
-                                              <p:pRg st="6" end="6"/>
-                                            </p:txEl>
-                                          </p:spTgt>
-                                        </p:tgtEl>
-                                        <p:attrNameLst>
-                                          <p:attrName>style.color</p:attrName>
-                                        </p:attrNameLst>
-                                      </p:cBhvr>
-                                      <p:to>
-                                        <a:srgbClr val="000000"/>
-                                      </p:to>
-                                    </p:animClr>
-                                  </p:childTnLst>
-                                </p:cTn>
-                              </p:par>
-                            </p:childTnLst>
-                          </p:cTn>
-                        </p:par>
-                      </p:childTnLst>
-                    </p:cTn>
-                  </p:par>
-                  <p:par>
-                    <p:cTn id="43" fill="hold">
-                      <p:stCondLst>
-                        <p:cond delay="indefinite"/>
-                      </p:stCondLst>
-                      <p:childTnLst>
-                        <p:par>
-                          <p:cTn id="44" fill="hold">
-                            <p:stCondLst>
-                              <p:cond delay="0"/>
-                            </p:stCondLst>
-                            <p:childTnLst>
-                              <p:par>
-                                <p:cTn id="45" presetID="3" presetClass="emph" presetSubtype="2" fill="hold" grpId="1" nodeType="clickEffect">
-                                  <p:stCondLst>
-                                    <p:cond delay="100"/>
-                                  </p:stCondLst>
-                                  <p:childTnLst>
-                                    <p:animClr clrSpc="rgb" dir="cw">
-                                      <p:cBhvr override="childStyle">
-                                        <p:cTn id="46" dur="100" fill="hold"/>
-                                        <p:tgtEl>
-                                          <p:spTgt spid="2">
-                                            <p:txEl>
-                                              <p:pRg st="7" end="7"/>
-                                            </p:txEl>
-                                          </p:spTgt>
-                                        </p:tgtEl>
-                                        <p:attrNameLst>
-                                          <p:attrName>style.color</p:attrName>
-                                        </p:attrNameLst>
-                                      </p:cBhvr>
-                                      <p:to>
-                                        <a:srgbClr val="000000"/>
-                                      </p:to>
-                                    </p:animClr>
-                                  </p:childTnLst>
-                                </p:cTn>
-                              </p:par>
-                            </p:childTnLst>
-                          </p:cTn>
-                        </p:par>
-                      </p:childTnLst>
-                    </p:cTn>
-                  </p:par>
-                </p:childTnLst>
-              </p:cTn>
-              <p:prevCondLst>
-                <p:cond evt="onPrev" delay="0">
-                  <p:tgtEl>
-                    <p:sldTgt/>
-                  </p:tgtEl>
-                </p:cond>
-              </p:prevCondLst>
-              <p:nextCondLst>
-                <p:cond evt="onNext" delay="0">
-                  <p:tgtEl>
-                    <p:sldTgt/>
-                  </p:tgtEl>
-                </p:cond>
-              </p:nextCondLst>
-            </p:seq>
-          </p:childTnLst>
-        </p:cTn>
-      </p:par>
-    </p:tnLst>
-    <p:bldLst>
-      <p:bldP spid="2" grpId="0" build="p" bldLvl="5"/>
-      <p:bldP spid="2" grpId="1" build="p" bldLvl="5"/>
-    </p:bldLst>
-  </p:timing>
-</p:sld>
-</file>
-
-<file path=ppt/slides/slide26.xml><?xml version="1.0" encoding="utf-8"?>
-<p:sld xmlns:a="http://schemas.openxmlformats.org/drawingml/2006/main" xmlns:r="http://schemas.openxmlformats.org/officeDocument/2006/relationships" xmlns:p="http://schemas.openxmlformats.org/presentationml/2006/main">
-  <p:cSld>
-    <p:spTree>
-      <p:nvGrpSpPr>
-        <p:cNvPr id="1" name=""/>
-        <p:cNvGrpSpPr/>
-        <p:nvPr/>
-      </p:nvGrpSpPr>
-      <p:grpSpPr>
-        <a:xfrm>
-          <a:off x="0" y="0"/>
-          <a:ext cx="0" cy="0"/>
-          <a:chOff x="0" y="0"/>
-          <a:chExt cx="0" cy="0"/>
-        </a:xfrm>
-      </p:grpSpPr>
-      <p:sp>
-        <p:nvSpPr>
-          <p:cNvPr id="3" name="Rectangle 4"/>
-          <p:cNvSpPr/>
-          <p:nvPr/>
-        </p:nvSpPr>
-        <p:spPr>
-          <a:xfrm>
-            <a:off x="0" y="2286000"/>
-            <a:ext cx="9144000" cy="2209800"/>
-          </a:xfrm>
-          <a:prstGeom prst="rect">
-            <a:avLst/>
-          </a:prstGeom>
-          <a:solidFill>
-            <a:srgbClr val="002060"/>
-          </a:solidFill>
-        </p:spPr>
-        <p:style>
-          <a:lnRef idx="2">
-            <a:schemeClr val="accent1">
-              <a:shade val="50000"/>
-            </a:schemeClr>
-          </a:lnRef>
-          <a:fillRef idx="1">
-            <a:schemeClr val="accent1"/>
-          </a:fillRef>
-          <a:effectRef idx="0">
-            <a:schemeClr val="accent1"/>
-          </a:effectRef>
-          <a:fontRef idx="minor">
-            <a:schemeClr val="lt1"/>
-          </a:fontRef>
-        </p:style>
-        <p:txBody>
-          <a:bodyPr rtlCol="0" anchor="ctr"/>
-          <a:lstStyle/>
-          <a:p>
-            <a:pPr algn="ctr"/>
-            <a:endParaRPr lang="en-US"/>
-          </a:p>
-        </p:txBody>
-      </p:sp>
-      <p:sp>
-        <p:nvSpPr>
-          <p:cNvPr id="2" name="HighlightTextShape201702051845316996"/>
-          <p:cNvSpPr txBox="1"/>
-          <p:nvPr/>
-        </p:nvSpPr>
-        <p:spPr>
-          <a:xfrm>
-            <a:off x="762000" y="533400"/>
-            <a:ext cx="7620000" cy="5909310"/>
-          </a:xfrm>
-          <a:prstGeom prst="rect">
-            <a:avLst/>
-          </a:prstGeom>
-          <a:noFill/>
-        </p:spPr>
-        <p:txBody>
-          <a:bodyPr wrap="square" rtlCol="0">
-            <a:spAutoFit/>
-          </a:bodyPr>
-          <a:lstStyle/>
-          <a:p>
-            <a:pPr marL="285750" indent="-285750">
-              <a:buFont typeface="Arial" panose="020B0604020202020204" pitchFamily="34" charset="0"/>
-              <a:buChar char="•"/>
-            </a:pPr>
-            <a:r>
-              <a:rPr lang="en-US" sz="2800" dirty="0" smtClean="0"/>
-              <a:t>Test - Non-ABC: 1234567890!@#$%^&amp;*()</a:t>
-            </a:r>
-          </a:p>
-          <a:p>
-            <a:r>
-              <a:rPr lang="en-US" sz="2800" dirty="0"/>
-              <a:t>Test </a:t>
-            </a:r>
-            <a:r>
-              <a:rPr lang="en-US" sz="2800" dirty="0" smtClean="0"/>
-              <a:t>– No bullet point</a:t>
-            </a:r>
-            <a:endParaRPr lang="en-US" sz="2800" dirty="0"/>
-          </a:p>
-          <a:p>
-            <a:pPr marL="514350" indent="-514350">
-              <a:buFont typeface="+mj-lt"/>
-              <a:buAutoNum type="arabicPeriod"/>
-            </a:pPr>
-            <a:r>
-              <a:rPr lang="en-US" sz="2800" dirty="0"/>
-              <a:t>Test – </a:t>
-            </a:r>
-            <a:r>
-              <a:rPr lang="en-US" sz="2800" dirty="0" smtClean="0"/>
-              <a:t>Different bullet point</a:t>
-            </a:r>
-          </a:p>
-          <a:p>
-            <a:pPr marL="285750" indent="-285750">
-              <a:buFont typeface="Arial" panose="020B0604020202020204" pitchFamily="34" charset="0"/>
-              <a:buChar char="•"/>
-            </a:pPr>
-            <a:r>
-              <a:rPr lang="en-US" sz="2800" dirty="0" smtClean="0">
-                <a:latin typeface="Times New Roman" panose="02020603050405020304" pitchFamily="18" charset="0"/>
-                <a:cs typeface="Times New Roman" panose="02020603050405020304" pitchFamily="18" charset="0"/>
-              </a:rPr>
-              <a:t>Test - Another Font Family, using Times New Roman</a:t>
-            </a:r>
-          </a:p>
-          <a:p>
-            <a:pPr marL="285750" indent="-285750">
-              <a:buFont typeface="Arial" panose="020B0604020202020204" pitchFamily="34" charset="0"/>
-              <a:buChar char="•"/>
-            </a:pPr>
-            <a:r>
-              <a:rPr lang="en-US" sz="1000" dirty="0" smtClean="0"/>
-              <a:t>Test - very small content. Test: very small content. Test: very small content. Test: very small content</a:t>
-            </a:r>
-          </a:p>
-          <a:p>
-            <a:pPr marL="285750" indent="-285750">
-              <a:buFont typeface="Arial" panose="020B0604020202020204" pitchFamily="34" charset="0"/>
-              <a:buChar char="•"/>
-            </a:pPr>
-            <a:r>
-              <a:rPr lang="en-US" sz="6600" dirty="0" smtClean="0">
-                <a:latin typeface="Arial Black" panose="020B0A04020102020204" pitchFamily="34" charset="0"/>
-              </a:rPr>
-              <a:t>Test - very big</a:t>
-            </a:r>
-          </a:p>
-          <a:p>
-            <a:pPr marL="285750" indent="-285750">
-              <a:buFont typeface="Arial" panose="020B0604020202020204" pitchFamily="34" charset="0"/>
-              <a:buChar char="•"/>
-            </a:pPr>
-            <a:r>
-              <a:rPr lang="en-US" sz="3600" dirty="0" smtClean="0"/>
-              <a:t>Test – Long sentence: </a:t>
-            </a:r>
-            <a:r>
-              <a:rPr lang="en-US" sz="3600" dirty="0" err="1" smtClean="0"/>
-              <a:t>Asdddd</a:t>
-            </a:r>
-            <a:r>
-              <a:rPr lang="en-US" sz="3600" dirty="0" smtClean="0"/>
-              <a:t> </a:t>
-            </a:r>
-            <a:r>
-              <a:rPr lang="en-US" sz="3600" dirty="0" err="1" smtClean="0"/>
-              <a:t>ddd</a:t>
-            </a:r>
-            <a:r>
-              <a:rPr lang="en-US" sz="3600" dirty="0" smtClean="0"/>
-              <a:t> </a:t>
-            </a:r>
-            <a:r>
-              <a:rPr lang="en-US" sz="3600" dirty="0" err="1" smtClean="0"/>
-              <a:t>dd</a:t>
-            </a:r>
-            <a:r>
-              <a:rPr lang="en-US" sz="3600" dirty="0" smtClean="0"/>
-              <a:t> d </a:t>
-            </a:r>
-            <a:r>
-              <a:rPr lang="en-US" sz="3600" dirty="0" err="1" smtClean="0"/>
-              <a:t>ddddd</a:t>
-            </a:r>
-            <a:r>
-              <a:rPr lang="en-US" sz="3600" dirty="0" smtClean="0"/>
-              <a:t> </a:t>
-            </a:r>
-            <a:r>
-              <a:rPr lang="en-US" sz="3600" dirty="0" err="1" smtClean="0"/>
-              <a:t>ddd</a:t>
-            </a:r>
-            <a:r>
-              <a:rPr lang="en-US" sz="3600" dirty="0" smtClean="0"/>
-              <a:t> </a:t>
-            </a:r>
-            <a:r>
-              <a:rPr lang="en-US" sz="3600" dirty="0" err="1" smtClean="0"/>
-              <a:t>ddd</a:t>
-            </a:r>
-            <a:r>
-              <a:rPr lang="en-US" sz="3600" dirty="0" smtClean="0"/>
-              <a:t> </a:t>
-            </a:r>
-            <a:r>
-              <a:rPr lang="en-US" sz="3600" dirty="0" err="1" smtClean="0"/>
-              <a:t>ddd</a:t>
-            </a:r>
-            <a:r>
-              <a:rPr lang="en-US" sz="3600" dirty="0" smtClean="0"/>
-              <a:t> </a:t>
-            </a:r>
-            <a:r>
-              <a:rPr lang="en-US" sz="3600" dirty="0" err="1" smtClean="0"/>
-              <a:t>ddd</a:t>
-            </a:r>
-            <a:r>
-              <a:rPr lang="en-US" sz="3600" dirty="0" smtClean="0"/>
-              <a:t> </a:t>
-            </a:r>
-            <a:r>
-              <a:rPr lang="en-US" sz="3600" dirty="0" err="1" smtClean="0"/>
-              <a:t>ddd</a:t>
-            </a:r>
-            <a:r>
-              <a:rPr lang="en-US" sz="3600" dirty="0" smtClean="0"/>
-              <a:t> </a:t>
-            </a:r>
-            <a:r>
-              <a:rPr lang="en-US" sz="3600" dirty="0" err="1" smtClean="0"/>
-              <a:t>ddd</a:t>
-            </a:r>
-            <a:r>
-              <a:rPr lang="en-US" sz="3600" dirty="0" smtClean="0"/>
-              <a:t> </a:t>
-            </a:r>
-            <a:r>
-              <a:rPr lang="en-US" sz="3600" dirty="0" err="1" smtClean="0"/>
-              <a:t>ddd</a:t>
-            </a:r>
-            <a:r>
-              <a:rPr lang="en-US" sz="3600" dirty="0" smtClean="0"/>
-              <a:t> </a:t>
-            </a:r>
-            <a:r>
-              <a:rPr lang="en-US" sz="3600" dirty="0" err="1" smtClean="0"/>
-              <a:t>dddddd</a:t>
-            </a:r>
-            <a:r>
-              <a:rPr lang="en-US" sz="3600" dirty="0" smtClean="0"/>
-              <a:t> </a:t>
-            </a:r>
-            <a:r>
-              <a:rPr lang="en-US" sz="3600" dirty="0" err="1" smtClean="0"/>
-              <a:t>dd</a:t>
-            </a:r>
-            <a:r>
-              <a:rPr lang="en-US" sz="3600" dirty="0" smtClean="0"/>
-              <a:t> </a:t>
-            </a:r>
-            <a:r>
-              <a:rPr lang="en-US" sz="3600" dirty="0" err="1" smtClean="0"/>
-              <a:t>ddd</a:t>
-            </a:r>
-            <a:r>
-              <a:rPr lang="en-US" sz="3600" dirty="0" smtClean="0"/>
-              <a:t> </a:t>
-            </a:r>
-            <a:r>
-              <a:rPr lang="en-US" sz="3600" dirty="0" err="1" smtClean="0"/>
-              <a:t>ddddd</a:t>
-            </a:r>
-            <a:r>
-              <a:rPr lang="en-US" sz="3600" dirty="0" smtClean="0"/>
-              <a:t> </a:t>
-            </a:r>
-            <a:r>
-              <a:rPr lang="en-US" sz="3600" dirty="0" err="1" smtClean="0"/>
-              <a:t>dd</a:t>
-            </a:r>
-            <a:r>
-              <a:rPr lang="en-US" sz="3600" dirty="0" smtClean="0"/>
-              <a:t> </a:t>
-            </a:r>
-            <a:r>
-              <a:rPr lang="en-US" sz="3600" dirty="0" err="1" smtClean="0"/>
-              <a:t>dd</a:t>
-            </a:r>
-            <a:r>
-              <a:rPr lang="en-US" sz="3600" dirty="0" smtClean="0"/>
-              <a:t> d </a:t>
-            </a:r>
-            <a:r>
-              <a:rPr lang="en-US" sz="3600" dirty="0" err="1" smtClean="0"/>
-              <a:t>ddd</a:t>
-            </a:r>
-            <a:r>
-              <a:rPr lang="en-US" sz="3600" dirty="0" smtClean="0"/>
-              <a:t> </a:t>
-            </a:r>
-            <a:r>
-              <a:rPr lang="en-US" sz="3600" dirty="0" err="1" smtClean="0"/>
-              <a:t>ddd</a:t>
-            </a:r>
-            <a:endParaRPr lang="en-US" sz="3600" dirty="0" smtClean="0"/>
-          </a:p>
-          <a:p>
-            <a:pPr marL="285750" indent="-285750">
-              <a:buFont typeface="Arial" panose="020B0604020202020204" pitchFamily="34" charset="0"/>
-              <a:buChar char="•"/>
-            </a:pPr>
-            <a:r>
-              <a:rPr lang="en-US" altLang="zh-CN" dirty="0" smtClean="0"/>
-              <a:t>Test – Chinese Characters: </a:t>
-            </a:r>
-            <a:r>
-              <a:rPr lang="zh-CN" altLang="en-US" dirty="0" smtClean="0"/>
-              <a:t>阿</a:t>
-            </a:r>
-            <a:r>
-              <a:rPr lang="zh-CN" altLang="en-US" dirty="0"/>
-              <a:t>斯</a:t>
-            </a:r>
-            <a:r>
-              <a:rPr lang="zh-CN" altLang="en-US" dirty="0" smtClean="0"/>
-              <a:t>顿啊盛大速度啊盛大速度啊盛大速度</a:t>
-            </a:r>
-            <a:endParaRPr lang="en-SG" dirty="0"/>
-          </a:p>
-        </p:txBody>
-      </p:sp>
-    </p:spTree>
-    <p:extLst>
-      <p:ext uri="{BB962C8B-B14F-4D97-AF65-F5344CB8AC3E}">
-        <p14:creationId xmlns:p14="http://schemas.microsoft.com/office/powerpoint/2010/main" val="2925312092"/>
-      </p:ext>
-    </p:extLst>
-  </p:cSld>
-  <p:clrMapOvr>
-    <a:masterClrMapping/>
-  </p:clrMapOvr>
-  <p:transition spd="slow">
-    <p:push dir="u"/>
-  </p:transition>
-  <p:timing>
-    <p:tnLst>
-      <p:par>
-        <p:cTn id="1" dur="indefinite" restart="never" nodeType="tmRoot"/>
-      </p:par>
-    </p:tnLst>
-  </p:timing>
-</p:sld>
-</file>
-
-<file path=ppt/slides/slide27.xml><?xml version="1.0" encoding="utf-8"?>
-<p:sld xmlns:a="http://schemas.openxmlformats.org/drawingml/2006/main" xmlns:r="http://schemas.openxmlformats.org/officeDocument/2006/relationships" xmlns:p="http://schemas.openxmlformats.org/presentationml/2006/main">
-  <p:cSld>
-    <p:spTree>
-      <p:nvGrpSpPr>
-        <p:cNvPr id="1" name=""/>
-        <p:cNvGrpSpPr/>
-        <p:nvPr/>
-      </p:nvGrpSpPr>
-      <p:grpSpPr>
-        <a:xfrm>
-          <a:off x="0" y="0"/>
-          <a:ext cx="0" cy="0"/>
-          <a:chOff x="0" y="0"/>
-          <a:chExt cx="0" cy="0"/>
-        </a:xfrm>
-      </p:grpSpPr>
-      <p:sp>
-        <p:nvSpPr>
-          <p:cNvPr id="2" name="Title 1"/>
-          <p:cNvSpPr>
-            <a:spLocks noGrp="1"/>
-          </p:cNvSpPr>
-          <p:nvPr>
-            <p:ph type="title"/>
-          </p:nvPr>
-        </p:nvSpPr>
-        <p:spPr/>
-        <p:txBody>
-          <a:bodyPr>
-            <a:normAutofit/>
-          </a:bodyPr>
-          <a:lstStyle/>
-          <a:p>
-            <a:r>
-              <a:rPr lang="en-US" dirty="0"/>
-              <a:t>Remove Highlighting:: </a:t>
-            </a:r>
-            <a:r>
-              <a:rPr lang="en-US" dirty="0" smtClean="0"/>
-              <a:t>Highlight Background</a:t>
-            </a:r>
-            <a:endParaRPr lang="en-SG" dirty="0"/>
-          </a:p>
-        </p:txBody>
-      </p:sp>
-      <p:sp>
-        <p:nvSpPr>
-          <p:cNvPr id="4" name="Content Placeholder 2"/>
-          <p:cNvSpPr>
-            <a:spLocks noGrp="1"/>
-          </p:cNvSpPr>
-          <p:nvPr>
-            <p:ph idx="1"/>
-          </p:nvPr>
-        </p:nvSpPr>
-        <p:spPr>
-          <a:xfrm>
-            <a:off x="457200" y="3124200"/>
-            <a:ext cx="8229600" cy="3001963"/>
-          </a:xfrm>
-        </p:spPr>
-        <p:txBody>
-          <a:bodyPr/>
-          <a:lstStyle/>
-          <a:p>
-            <a:r>
-              <a:rPr lang="en-US" dirty="0" smtClean="0"/>
-              <a:t>Click “Remove Highlighting”</a:t>
-            </a:r>
-            <a:endParaRPr lang="en-SG" dirty="0"/>
-          </a:p>
-        </p:txBody>
-      </p:sp>
-    </p:spTree>
-    <p:extLst>
-      <p:ext uri="{BB962C8B-B14F-4D97-AF65-F5344CB8AC3E}">
-        <p14:creationId xmlns:p14="http://schemas.microsoft.com/office/powerpoint/2010/main" val="1733837879"/>
-      </p:ext>
-    </p:extLst>
-  </p:cSld>
-  <p:clrMapOvr>
-    <a:masterClrMapping/>
-  </p:clrMapOvr>
-  <p:timing>
-    <p:tnLst>
-      <p:par>
-        <p:cTn id="1" dur="indefinite" restart="never" nodeType="tmRoot"/>
-      </p:par>
-    </p:tnLst>
-  </p:timing>
-</p:sld>
-</file>
-
-<file path=ppt/slides/slide28.xml><?xml version="1.0" encoding="utf-8"?>
-<p:sld xmlns:a="http://schemas.openxmlformats.org/drawingml/2006/main" xmlns:r="http://schemas.openxmlformats.org/officeDocument/2006/relationships" xmlns:p="http://schemas.openxmlformats.org/presentationml/2006/main">
-  <p:cSld>
-    <p:spTree>
-      <p:nvGrpSpPr>
-        <p:cNvPr id="1" name=""/>
-        <p:cNvGrpSpPr/>
-        <p:nvPr/>
-      </p:nvGrpSpPr>
-      <p:grpSpPr>
-        <a:xfrm>
-          <a:off x="0" y="0"/>
-          <a:ext cx="0" cy="0"/>
-          <a:chOff x="0" y="0"/>
-          <a:chExt cx="0" cy="0"/>
-        </a:xfrm>
-      </p:grpSpPr>
-      <p:sp>
-        <p:nvSpPr>
-          <p:cNvPr id="3" name="Rectangle 4"/>
-          <p:cNvSpPr/>
-          <p:nvPr/>
-        </p:nvSpPr>
-        <p:spPr>
-          <a:xfrm>
-            <a:off x="0" y="2286000"/>
-            <a:ext cx="9144000" cy="2209800"/>
-          </a:xfrm>
-          <a:prstGeom prst="rect">
-            <a:avLst/>
-          </a:prstGeom>
-          <a:solidFill>
-            <a:srgbClr val="002060"/>
-          </a:solidFill>
-        </p:spPr>
-        <p:style>
-          <a:lnRef idx="2">
-            <a:schemeClr val="accent1">
-              <a:shade val="50000"/>
-            </a:schemeClr>
-          </a:lnRef>
-          <a:fillRef idx="1">
-            <a:schemeClr val="accent1"/>
-          </a:fillRef>
-          <a:effectRef idx="0">
-            <a:schemeClr val="accent1"/>
-          </a:effectRef>
-          <a:fontRef idx="minor">
-            <a:schemeClr val="lt1"/>
-          </a:fontRef>
-        </p:style>
-        <p:txBody>
-          <a:bodyPr rtlCol="0" anchor="ctr"/>
-          <a:lstStyle/>
-          <a:p>
-            <a:pPr algn="ctr"/>
-            <a:endParaRPr lang="en-US"/>
-          </a:p>
-        </p:txBody>
-      </p:sp>
-      <p:sp>
-        <p:nvSpPr>
-          <p:cNvPr id="4" name="PPTLabsHighlightBackgroundShape201702051848016870"/>
-          <p:cNvSpPr>
-            <a:spLocks/>
-          </p:cNvSpPr>
-          <p:nvPr>
-            <p:custDataLst>
-              <p:tags r:id="rId1"/>
-            </p:custDataLst>
-          </p:nvPr>
-        </p:nvSpPr>
-        <p:spPr>
-          <a:xfrm>
-            <a:off x="1139190" y="579120"/>
-            <a:ext cx="6074664" cy="426720"/>
-          </a:xfrm>
-          <a:prstGeom prst="roundRect">
-            <a:avLst>
-              <a:gd name="adj" fmla="val 25000"/>
-            </a:avLst>
-          </a:prstGeom>
-          <a:solidFill>
-            <a:srgbClr val="FFFF00">
-              <a:alpha val="50000"/>
-            </a:srgbClr>
-          </a:solidFill>
-          <a:ln w="25400" cap="flat" cmpd="sng" algn="ctr">
-            <a:noFill/>
-            <a:prstDash val="solid"/>
-          </a:ln>
-          <a:effectLst/>
-          <a:extLst>
-            <a:ext uri="{91240B29-F687-4F45-9708-019B960494DF}">
-              <a14:hiddenLine xmlns:a14="http://schemas.microsoft.com/office/drawing/2010/main" w="25400" cap="flat" cmpd="sng" algn="ctr">
-                <a:solidFill>
-                  <a:schemeClr val="accent1">
-                    <a:shade val="50000"/>
-                  </a:schemeClr>
-                </a:solidFill>
-                <a:prstDash val="solid"/>
-              </a14:hiddenLine>
-            </a:ext>
-          </a:extLst>
-        </p:spPr>
-        <p:style>
-          <a:lnRef idx="2">
-            <a:schemeClr val="accent1">
-              <a:shade val="50000"/>
-            </a:schemeClr>
-          </a:lnRef>
-          <a:fillRef idx="1">
-            <a:schemeClr val="accent1"/>
-          </a:fillRef>
-          <a:effectRef idx="0">
-            <a:schemeClr val="accent1"/>
-          </a:effectRef>
-          <a:fontRef idx="minor">
-            <a:schemeClr val="lt1"/>
-          </a:fontRef>
-        </p:style>
-        <p:txBody>
-          <a:bodyPr rtlCol="0" anchor="ctr"/>
-          <a:lstStyle/>
-          <a:p>
-            <a:pPr algn="ctr"/>
-            <a:endParaRPr lang="en-SG"/>
-          </a:p>
-        </p:txBody>
-      </p:sp>
-      <p:sp>
-        <p:nvSpPr>
-          <p:cNvPr id="5" name="PPTLabsHighlightBackgroundShape201702051848016885"/>
-          <p:cNvSpPr>
-            <a:spLocks/>
-          </p:cNvSpPr>
-          <p:nvPr>
-            <p:custDataLst>
-              <p:tags r:id="rId2"/>
-            </p:custDataLst>
-          </p:nvPr>
-        </p:nvSpPr>
-        <p:spPr>
-          <a:xfrm>
-            <a:off x="1367790" y="1432560"/>
-            <a:ext cx="4021900" cy="426720"/>
-          </a:xfrm>
-          <a:prstGeom prst="roundRect">
-            <a:avLst>
-              <a:gd name="adj" fmla="val 25000"/>
-            </a:avLst>
-          </a:prstGeom>
-          <a:solidFill>
-            <a:srgbClr val="FFFF00">
-              <a:alpha val="50000"/>
-            </a:srgbClr>
-          </a:solidFill>
-          <a:ln w="25400" cap="flat" cmpd="sng" algn="ctr">
-            <a:noFill/>
-            <a:prstDash val="solid"/>
-          </a:ln>
-          <a:effectLst/>
-          <a:extLst>
-            <a:ext uri="{91240B29-F687-4F45-9708-019B960494DF}">
-              <a14:hiddenLine xmlns:a14="http://schemas.microsoft.com/office/drawing/2010/main" w="25400" cap="flat" cmpd="sng" algn="ctr">
-                <a:solidFill>
-                  <a:schemeClr val="accent1">
-                    <a:shade val="50000"/>
-                  </a:schemeClr>
-                </a:solidFill>
-                <a:prstDash val="solid"/>
-              </a14:hiddenLine>
-            </a:ext>
-          </a:extLst>
-        </p:spPr>
-        <p:style>
-          <a:lnRef idx="2">
-            <a:schemeClr val="accent1">
-              <a:shade val="50000"/>
-            </a:schemeClr>
-          </a:lnRef>
-          <a:fillRef idx="1">
-            <a:schemeClr val="accent1"/>
-          </a:fillRef>
-          <a:effectRef idx="0">
-            <a:schemeClr val="accent1"/>
-          </a:effectRef>
-          <a:fontRef idx="minor">
-            <a:schemeClr val="lt1"/>
-          </a:fontRef>
-        </p:style>
-        <p:txBody>
-          <a:bodyPr rtlCol="0" anchor="ctr"/>
-          <a:lstStyle/>
-          <a:p>
-            <a:pPr algn="ctr"/>
-            <a:endParaRPr lang="en-SG"/>
-          </a:p>
-        </p:txBody>
-      </p:sp>
-      <p:sp>
-        <p:nvSpPr>
-          <p:cNvPr id="6" name="PPTLabsHighlightBackgroundShape201702051848016895"/>
-          <p:cNvSpPr>
-            <a:spLocks/>
-          </p:cNvSpPr>
-          <p:nvPr>
-            <p:custDataLst>
-              <p:tags r:id="rId3"/>
-            </p:custDataLst>
-          </p:nvPr>
-        </p:nvSpPr>
-        <p:spPr>
-          <a:xfrm>
-            <a:off x="1139190" y="1859280"/>
-            <a:ext cx="6596888" cy="853440"/>
-          </a:xfrm>
-          <a:prstGeom prst="roundRect">
-            <a:avLst>
-              <a:gd name="adj" fmla="val 25000"/>
-            </a:avLst>
-          </a:prstGeom>
-          <a:solidFill>
-            <a:srgbClr val="FFFF00">
-              <a:alpha val="50000"/>
-            </a:srgbClr>
-          </a:solidFill>
-          <a:ln w="25400" cap="flat" cmpd="sng" algn="ctr">
-            <a:noFill/>
-            <a:prstDash val="solid"/>
-          </a:ln>
-          <a:effectLst/>
-          <a:extLst>
-            <a:ext uri="{91240B29-F687-4F45-9708-019B960494DF}">
-              <a14:hiddenLine xmlns:a14="http://schemas.microsoft.com/office/drawing/2010/main" w="25400" cap="flat" cmpd="sng" algn="ctr">
-                <a:solidFill>
-                  <a:schemeClr val="accent1">
-                    <a:shade val="50000"/>
-                  </a:schemeClr>
-                </a:solidFill>
-                <a:prstDash val="solid"/>
-              </a14:hiddenLine>
-            </a:ext>
-          </a:extLst>
-        </p:spPr>
-        <p:style>
-          <a:lnRef idx="2">
-            <a:schemeClr val="accent1">
-              <a:shade val="50000"/>
-            </a:schemeClr>
-          </a:lnRef>
-          <a:fillRef idx="1">
-            <a:schemeClr val="accent1"/>
-          </a:fillRef>
-          <a:effectRef idx="0">
-            <a:schemeClr val="accent1"/>
-          </a:effectRef>
-          <a:fontRef idx="minor">
-            <a:schemeClr val="lt1"/>
-          </a:fontRef>
-        </p:style>
-        <p:txBody>
-          <a:bodyPr rtlCol="0" anchor="ctr"/>
-          <a:lstStyle/>
-          <a:p>
-            <a:pPr algn="ctr"/>
-            <a:endParaRPr lang="en-SG"/>
-          </a:p>
-        </p:txBody>
-      </p:sp>
-      <p:sp>
-        <p:nvSpPr>
-          <p:cNvPr id="7" name="PPTLabsHighlightBackgroundShape201702051848016905"/>
-          <p:cNvSpPr>
-            <a:spLocks/>
-          </p:cNvSpPr>
-          <p:nvPr>
-            <p:custDataLst>
-              <p:tags r:id="rId4"/>
-            </p:custDataLst>
-          </p:nvPr>
-        </p:nvSpPr>
-        <p:spPr>
-          <a:xfrm>
-            <a:off x="1139190" y="2712720"/>
-            <a:ext cx="5164138" cy="152400"/>
-          </a:xfrm>
-          <a:prstGeom prst="roundRect">
-            <a:avLst>
-              <a:gd name="adj" fmla="val 25000"/>
-            </a:avLst>
-          </a:prstGeom>
-          <a:solidFill>
-            <a:srgbClr val="FFFF00">
-              <a:alpha val="50000"/>
-            </a:srgbClr>
-          </a:solidFill>
-          <a:ln w="25400" cap="flat" cmpd="sng" algn="ctr">
-            <a:noFill/>
-            <a:prstDash val="solid"/>
-          </a:ln>
-          <a:effectLst/>
-          <a:extLst>
-            <a:ext uri="{91240B29-F687-4F45-9708-019B960494DF}">
-              <a14:hiddenLine xmlns:a14="http://schemas.microsoft.com/office/drawing/2010/main" w="25400" cap="flat" cmpd="sng" algn="ctr">
-                <a:solidFill>
-                  <a:schemeClr val="accent1">
-                    <a:shade val="50000"/>
-                  </a:schemeClr>
-                </a:solidFill>
-                <a:prstDash val="solid"/>
-              </a14:hiddenLine>
-            </a:ext>
-          </a:extLst>
-        </p:spPr>
-        <p:style>
-          <a:lnRef idx="2">
-            <a:schemeClr val="accent1">
-              <a:shade val="50000"/>
-            </a:schemeClr>
-          </a:lnRef>
-          <a:fillRef idx="1">
-            <a:schemeClr val="accent1"/>
-          </a:fillRef>
-          <a:effectRef idx="0">
-            <a:schemeClr val="accent1"/>
-          </a:effectRef>
-          <a:fontRef idx="minor">
-            <a:schemeClr val="lt1"/>
-          </a:fontRef>
-        </p:style>
-        <p:txBody>
-          <a:bodyPr rtlCol="0" anchor="ctr"/>
-          <a:lstStyle/>
-          <a:p>
-            <a:pPr algn="ctr"/>
-            <a:endParaRPr lang="en-SG"/>
-          </a:p>
-        </p:txBody>
-      </p:sp>
-      <p:sp>
-        <p:nvSpPr>
-          <p:cNvPr id="8" name="PPTLabsHighlightBackgroundShape201702051848016915"/>
-          <p:cNvSpPr>
-            <a:spLocks/>
-          </p:cNvSpPr>
-          <p:nvPr>
-            <p:custDataLst>
-              <p:tags r:id="rId5"/>
-            </p:custDataLst>
-          </p:nvPr>
-        </p:nvSpPr>
-        <p:spPr>
-          <a:xfrm>
-            <a:off x="1147128" y="2865120"/>
-            <a:ext cx="6774306" cy="1005840"/>
-          </a:xfrm>
-          <a:prstGeom prst="roundRect">
-            <a:avLst>
-              <a:gd name="adj" fmla="val 25000"/>
-            </a:avLst>
-          </a:prstGeom>
-          <a:solidFill>
-            <a:srgbClr val="FFFF00">
-              <a:alpha val="50000"/>
-            </a:srgbClr>
-          </a:solidFill>
-          <a:ln w="25400" cap="flat" cmpd="sng" algn="ctr">
-            <a:noFill/>
-            <a:prstDash val="solid"/>
-          </a:ln>
-          <a:effectLst/>
-          <a:extLst>
-            <a:ext uri="{91240B29-F687-4F45-9708-019B960494DF}">
-              <a14:hiddenLine xmlns:a14="http://schemas.microsoft.com/office/drawing/2010/main" w="25400" cap="flat" cmpd="sng" algn="ctr">
-                <a:solidFill>
-                  <a:schemeClr val="accent1">
-                    <a:shade val="50000"/>
-                  </a:schemeClr>
-                </a:solidFill>
-                <a:prstDash val="solid"/>
-              </a14:hiddenLine>
-            </a:ext>
-          </a:extLst>
-        </p:spPr>
-        <p:style>
-          <a:lnRef idx="2">
-            <a:schemeClr val="accent1">
-              <a:shade val="50000"/>
-            </a:schemeClr>
-          </a:lnRef>
-          <a:fillRef idx="1">
-            <a:schemeClr val="accent1"/>
-          </a:fillRef>
-          <a:effectRef idx="0">
-            <a:schemeClr val="accent1"/>
-          </a:effectRef>
-          <a:fontRef idx="minor">
-            <a:schemeClr val="lt1"/>
-          </a:fontRef>
-        </p:style>
-        <p:txBody>
-          <a:bodyPr rtlCol="0" anchor="ctr"/>
-          <a:lstStyle/>
-          <a:p>
-            <a:pPr algn="ctr"/>
-            <a:endParaRPr lang="en-SG"/>
-          </a:p>
-        </p:txBody>
-      </p:sp>
-      <p:sp>
-        <p:nvSpPr>
-          <p:cNvPr id="9" name="PPTLabsHighlightBackgroundShape201702051848016930"/>
-          <p:cNvSpPr>
-            <a:spLocks/>
-          </p:cNvSpPr>
-          <p:nvPr>
-            <p:custDataLst>
-              <p:tags r:id="rId6"/>
-            </p:custDataLst>
-          </p:nvPr>
-        </p:nvSpPr>
-        <p:spPr>
-          <a:xfrm>
-            <a:off x="1139190" y="3870960"/>
-            <a:ext cx="6974523" cy="2194560"/>
-          </a:xfrm>
-          <a:prstGeom prst="roundRect">
-            <a:avLst>
-              <a:gd name="adj" fmla="val 25000"/>
-            </a:avLst>
-          </a:prstGeom>
-          <a:solidFill>
-            <a:srgbClr val="FFFF00">
-              <a:alpha val="50000"/>
-            </a:srgbClr>
-          </a:solidFill>
-          <a:ln w="25400" cap="flat" cmpd="sng" algn="ctr">
-            <a:noFill/>
-            <a:prstDash val="solid"/>
-          </a:ln>
-          <a:effectLst/>
-          <a:extLst>
-            <a:ext uri="{91240B29-F687-4F45-9708-019B960494DF}">
-              <a14:hiddenLine xmlns:a14="http://schemas.microsoft.com/office/drawing/2010/main" w="25400" cap="flat" cmpd="sng" algn="ctr">
-                <a:solidFill>
-                  <a:schemeClr val="accent1">
-                    <a:shade val="50000"/>
-                  </a:schemeClr>
-                </a:solidFill>
-                <a:prstDash val="solid"/>
-              </a14:hiddenLine>
-            </a:ext>
-          </a:extLst>
-        </p:spPr>
-        <p:style>
-          <a:lnRef idx="2">
-            <a:schemeClr val="accent1">
-              <a:shade val="50000"/>
-            </a:schemeClr>
-          </a:lnRef>
-          <a:fillRef idx="1">
-            <a:schemeClr val="accent1"/>
-          </a:fillRef>
-          <a:effectRef idx="0">
-            <a:schemeClr val="accent1"/>
-          </a:effectRef>
-          <a:fontRef idx="minor">
-            <a:schemeClr val="lt1"/>
-          </a:fontRef>
-        </p:style>
-        <p:txBody>
-          <a:bodyPr rtlCol="0" anchor="ctr"/>
-          <a:lstStyle/>
-          <a:p>
-            <a:pPr algn="ctr"/>
-            <a:endParaRPr lang="en-SG"/>
-          </a:p>
-        </p:txBody>
-      </p:sp>
-      <p:sp>
-        <p:nvSpPr>
-          <p:cNvPr id="10" name="PPTLabsHighlightBackgroundShape201702051848016940"/>
-          <p:cNvSpPr/>
-          <p:nvPr>
-            <p:custDataLst>
-              <p:tags r:id="rId7"/>
-            </p:custDataLst>
-          </p:nvPr>
-        </p:nvSpPr>
-        <p:spPr>
-          <a:xfrm>
-            <a:off x="1139190" y="6065520"/>
-            <a:ext cx="6587554" cy="274320"/>
-          </a:xfrm>
-          <a:prstGeom prst="roundRect">
-            <a:avLst>
-              <a:gd name="adj" fmla="val 25000"/>
-            </a:avLst>
-          </a:prstGeom>
-          <a:solidFill>
-            <a:srgbClr val="FFFF00">
-              <a:alpha val="50000"/>
-            </a:srgbClr>
-          </a:solidFill>
-          <a:ln w="25400" cap="flat" cmpd="sng" algn="ctr">
-            <a:noFill/>
-            <a:prstDash val="solid"/>
-          </a:ln>
-          <a:effectLst/>
-          <a:extLst>
-            <a:ext uri="{91240B29-F687-4F45-9708-019B960494DF}">
-              <a14:hiddenLine xmlns:a14="http://schemas.microsoft.com/office/drawing/2010/main" w="25400" cap="flat" cmpd="sng" algn="ctr">
-                <a:solidFill>
-                  <a:schemeClr val="accent1">
-                    <a:shade val="50000"/>
-                  </a:schemeClr>
-                </a:solidFill>
-                <a:prstDash val="solid"/>
-              </a14:hiddenLine>
-            </a:ext>
-          </a:extLst>
-        </p:spPr>
-        <p:style>
-          <a:lnRef idx="2">
-            <a:schemeClr val="accent1">
-              <a:shade val="50000"/>
-            </a:schemeClr>
-          </a:lnRef>
-          <a:fillRef idx="1">
-            <a:schemeClr val="accent1"/>
-          </a:fillRef>
-          <a:effectRef idx="0">
-            <a:schemeClr val="accent1"/>
-          </a:effectRef>
-          <a:fontRef idx="minor">
-            <a:schemeClr val="lt1"/>
-          </a:fontRef>
-        </p:style>
-        <p:txBody>
-          <a:bodyPr rtlCol="0" anchor="ctr"/>
-          <a:lstStyle/>
-          <a:p>
-            <a:pPr algn="ctr"/>
-            <a:endParaRPr lang="en-SG"/>
-          </a:p>
-        </p:txBody>
-      </p:sp>
-      <p:sp>
-        <p:nvSpPr>
-          <p:cNvPr id="2" name="HighlightBackgroundShape73075057-96f2-467a-9739-220ecca5ae94"/>
-          <p:cNvSpPr txBox="1"/>
-          <p:nvPr/>
-        </p:nvSpPr>
-        <p:spPr>
-          <a:xfrm>
-            <a:off x="762000" y="533400"/>
-            <a:ext cx="7620000" cy="5909310"/>
-          </a:xfrm>
-          <a:prstGeom prst="rect">
-            <a:avLst/>
-          </a:prstGeom>
-          <a:noFill/>
-        </p:spPr>
-        <p:txBody>
-          <a:bodyPr wrap="square" rtlCol="0">
-            <a:spAutoFit/>
-          </a:bodyPr>
-          <a:lstStyle/>
-          <a:p>
-            <a:pPr marL="285750" indent="-285750">
-              <a:buFont typeface="Arial" panose="020B0604020202020204" pitchFamily="34" charset="0"/>
-              <a:buChar char="•"/>
-            </a:pPr>
-            <a:r>
-              <a:rPr lang="en-US" sz="2800" dirty="0" smtClean="0"/>
-              <a:t>Test - Non-ABC: 1234567890!@#$%^&amp;*()</a:t>
-            </a:r>
-          </a:p>
-          <a:p>
-            <a:r>
-              <a:rPr lang="en-US" sz="2800" dirty="0"/>
-              <a:t>Test </a:t>
-            </a:r>
-            <a:r>
-              <a:rPr lang="en-US" sz="2800" dirty="0" smtClean="0"/>
-              <a:t>– No bullet point</a:t>
-            </a:r>
-            <a:endParaRPr lang="en-US" sz="2800" dirty="0"/>
-          </a:p>
-          <a:p>
-            <a:pPr marL="514350" indent="-514350">
-              <a:buFont typeface="+mj-lt"/>
-              <a:buAutoNum type="arabicPeriod"/>
-            </a:pPr>
-            <a:r>
-              <a:rPr lang="en-US" sz="2800" dirty="0"/>
-              <a:t>Test – </a:t>
-            </a:r>
-            <a:r>
-              <a:rPr lang="en-US" sz="2800" dirty="0" smtClean="0"/>
-              <a:t>Different bullet point</a:t>
-            </a:r>
-          </a:p>
-          <a:p>
-            <a:pPr marL="285750" indent="-285750">
-              <a:buFont typeface="Arial" panose="020B0604020202020204" pitchFamily="34" charset="0"/>
-              <a:buChar char="•"/>
-            </a:pPr>
-            <a:r>
-              <a:rPr lang="en-US" sz="2800" dirty="0" smtClean="0">
-                <a:latin typeface="Times New Roman" panose="02020603050405020304" pitchFamily="18" charset="0"/>
-                <a:cs typeface="Times New Roman" panose="02020603050405020304" pitchFamily="18" charset="0"/>
-              </a:rPr>
-              <a:t>Test - Another Font Family, using Times New Roman</a:t>
-            </a:r>
-          </a:p>
-          <a:p>
-            <a:pPr marL="285750" indent="-285750">
-              <a:buFont typeface="Arial" panose="020B0604020202020204" pitchFamily="34" charset="0"/>
-              <a:buChar char="•"/>
-            </a:pPr>
-            <a:r>
-              <a:rPr lang="en-US" sz="1000" dirty="0" smtClean="0"/>
-              <a:t>Test - very small content. Test: very small content. Test: very small content. Test: very small content</a:t>
-            </a:r>
-          </a:p>
-          <a:p>
-            <a:pPr marL="285750" indent="-285750">
-              <a:buFont typeface="Arial" panose="020B0604020202020204" pitchFamily="34" charset="0"/>
-              <a:buChar char="•"/>
-            </a:pPr>
-            <a:r>
-              <a:rPr lang="en-US" sz="6600" dirty="0" smtClean="0">
-                <a:latin typeface="Arial Black" panose="020B0A04020102020204" pitchFamily="34" charset="0"/>
-              </a:rPr>
-              <a:t>Test - very big</a:t>
-            </a:r>
-          </a:p>
-          <a:p>
-            <a:pPr marL="285750" indent="-285750">
-              <a:buFont typeface="Arial" panose="020B0604020202020204" pitchFamily="34" charset="0"/>
-              <a:buChar char="•"/>
-            </a:pPr>
-            <a:r>
-              <a:rPr lang="en-US" sz="3600" dirty="0" smtClean="0"/>
-              <a:t>Test – Long sentence: </a:t>
-            </a:r>
-            <a:r>
-              <a:rPr lang="en-US" sz="3600" dirty="0" err="1" smtClean="0"/>
-              <a:t>Asdddd</a:t>
-            </a:r>
-            <a:r>
-              <a:rPr lang="en-US" sz="3600" dirty="0" smtClean="0"/>
-              <a:t> </a:t>
-            </a:r>
-            <a:r>
-              <a:rPr lang="en-US" sz="3600" dirty="0" err="1" smtClean="0"/>
-              <a:t>ddd</a:t>
-            </a:r>
-            <a:r>
-              <a:rPr lang="en-US" sz="3600" dirty="0" smtClean="0"/>
-              <a:t> </a:t>
-            </a:r>
-            <a:r>
-              <a:rPr lang="en-US" sz="3600" dirty="0" err="1" smtClean="0"/>
-              <a:t>dd</a:t>
-            </a:r>
-            <a:r>
-              <a:rPr lang="en-US" sz="3600" dirty="0" smtClean="0"/>
-              <a:t> d </a:t>
-            </a:r>
-            <a:r>
-              <a:rPr lang="en-US" sz="3600" dirty="0" err="1" smtClean="0"/>
-              <a:t>ddddd</a:t>
-            </a:r>
-            <a:r>
-              <a:rPr lang="en-US" sz="3600" dirty="0" smtClean="0"/>
-              <a:t> </a:t>
-            </a:r>
-            <a:r>
-              <a:rPr lang="en-US" sz="3600" dirty="0" err="1" smtClean="0"/>
-              <a:t>ddd</a:t>
-            </a:r>
-            <a:r>
-              <a:rPr lang="en-US" sz="3600" dirty="0" smtClean="0"/>
-              <a:t> </a:t>
-            </a:r>
-            <a:r>
-              <a:rPr lang="en-US" sz="3600" dirty="0" err="1" smtClean="0"/>
-              <a:t>ddd</a:t>
-            </a:r>
-            <a:r>
-              <a:rPr lang="en-US" sz="3600" dirty="0" smtClean="0"/>
-              <a:t> </a:t>
-            </a:r>
-            <a:r>
-              <a:rPr lang="en-US" sz="3600" dirty="0" err="1" smtClean="0"/>
-              <a:t>ddd</a:t>
-            </a:r>
-            <a:r>
-              <a:rPr lang="en-US" sz="3600" dirty="0" smtClean="0"/>
-              <a:t> </a:t>
-            </a:r>
-            <a:r>
-              <a:rPr lang="en-US" sz="3600" dirty="0" err="1" smtClean="0"/>
-              <a:t>ddd</a:t>
-            </a:r>
-            <a:r>
-              <a:rPr lang="en-US" sz="3600" dirty="0" smtClean="0"/>
-              <a:t> </a:t>
-            </a:r>
-            <a:r>
-              <a:rPr lang="en-US" sz="3600" dirty="0" err="1" smtClean="0"/>
-              <a:t>ddd</a:t>
-            </a:r>
-            <a:r>
-              <a:rPr lang="en-US" sz="3600" dirty="0" smtClean="0"/>
-              <a:t> </a:t>
-            </a:r>
-            <a:r>
-              <a:rPr lang="en-US" sz="3600" dirty="0" err="1" smtClean="0"/>
-              <a:t>ddd</a:t>
-            </a:r>
-            <a:r>
-              <a:rPr lang="en-US" sz="3600" dirty="0" smtClean="0"/>
-              <a:t> </a:t>
-            </a:r>
-            <a:r>
-              <a:rPr lang="en-US" sz="3600" dirty="0" err="1" smtClean="0"/>
-              <a:t>ddd</a:t>
-            </a:r>
-            <a:r>
-              <a:rPr lang="en-US" sz="3600" dirty="0" smtClean="0"/>
-              <a:t> </a:t>
-            </a:r>
-            <a:r>
-              <a:rPr lang="en-US" sz="3600" dirty="0" err="1" smtClean="0"/>
-              <a:t>dddddd</a:t>
-            </a:r>
-            <a:r>
-              <a:rPr lang="en-US" sz="3600" dirty="0" smtClean="0"/>
-              <a:t> </a:t>
-            </a:r>
-            <a:r>
-              <a:rPr lang="en-US" sz="3600" dirty="0" err="1" smtClean="0"/>
-              <a:t>dd</a:t>
-            </a:r>
-            <a:r>
-              <a:rPr lang="en-US" sz="3600" dirty="0" smtClean="0"/>
-              <a:t> </a:t>
-            </a:r>
-            <a:r>
-              <a:rPr lang="en-US" sz="3600" dirty="0" err="1" smtClean="0"/>
-              <a:t>ddd</a:t>
-            </a:r>
-            <a:r>
-              <a:rPr lang="en-US" sz="3600" dirty="0" smtClean="0"/>
-              <a:t> </a:t>
-            </a:r>
-            <a:r>
-              <a:rPr lang="en-US" sz="3600" dirty="0" err="1" smtClean="0"/>
-              <a:t>ddddd</a:t>
-            </a:r>
-            <a:r>
-              <a:rPr lang="en-US" sz="3600" dirty="0" smtClean="0"/>
-              <a:t> </a:t>
-            </a:r>
-            <a:r>
-              <a:rPr lang="en-US" sz="3600" dirty="0" err="1" smtClean="0"/>
-              <a:t>dd</a:t>
-            </a:r>
-            <a:r>
-              <a:rPr lang="en-US" sz="3600" dirty="0" smtClean="0"/>
-              <a:t> </a:t>
-            </a:r>
-            <a:r>
-              <a:rPr lang="en-US" sz="3600" dirty="0" err="1" smtClean="0"/>
-              <a:t>dd</a:t>
-            </a:r>
-            <a:r>
-              <a:rPr lang="en-US" sz="3600" dirty="0" smtClean="0"/>
-              <a:t> d </a:t>
-            </a:r>
-            <a:r>
-              <a:rPr lang="en-US" sz="3600" dirty="0" err="1" smtClean="0"/>
-              <a:t>ddd</a:t>
-            </a:r>
-            <a:r>
-              <a:rPr lang="en-US" sz="3600" dirty="0" smtClean="0"/>
-              <a:t> </a:t>
-            </a:r>
-            <a:r>
-              <a:rPr lang="en-US" sz="3600" dirty="0" err="1" smtClean="0"/>
-              <a:t>ddd</a:t>
-            </a:r>
-            <a:endParaRPr lang="en-US" sz="3600" dirty="0" smtClean="0"/>
-          </a:p>
-          <a:p>
-            <a:pPr marL="285750" indent="-285750">
-              <a:buFont typeface="Arial" panose="020B0604020202020204" pitchFamily="34" charset="0"/>
-              <a:buChar char="•"/>
-            </a:pPr>
-            <a:r>
-              <a:rPr lang="en-US" altLang="zh-CN" dirty="0" smtClean="0"/>
-              <a:t>Test – Chinese Characters: </a:t>
-            </a:r>
-            <a:r>
-              <a:rPr lang="zh-CN" altLang="en-US" dirty="0" smtClean="0"/>
-              <a:t>阿</a:t>
-            </a:r>
-            <a:r>
-              <a:rPr lang="zh-CN" altLang="en-US" dirty="0"/>
-              <a:t>斯</a:t>
-            </a:r>
-            <a:r>
-              <a:rPr lang="zh-CN" altLang="en-US" dirty="0" smtClean="0"/>
-              <a:t>顿啊盛大速度啊盛大速度啊盛大速度</a:t>
-            </a:r>
-            <a:endParaRPr lang="en-SG" dirty="0"/>
-          </a:p>
-        </p:txBody>
-      </p:sp>
-    </p:spTree>
-    <p:extLst>
-      <p:ext uri="{BB962C8B-B14F-4D97-AF65-F5344CB8AC3E}">
-        <p14:creationId xmlns:p14="http://schemas.microsoft.com/office/powerpoint/2010/main" val="4279108534"/>
-      </p:ext>
-    </p:extLst>
-  </p:cSld>
-  <p:clrMapOvr>
-    <a:masterClrMapping/>
-  </p:clrMapOvr>
-  <p:transition spd="slow">
-    <p:push dir="u"/>
-  </p:transition>
-  <p:timing>
-    <p:tnLst>
-      <p:par>
-        <p:cTn id="1" dur="indefinite" restart="never" nodeType="tmRoot">
-          <p:childTnLst>
-            <p:seq concurrent="1" nextAc="seek">
-              <p:cTn id="2" dur="indefinite" nodeType="mainSeq">
-                <p:childTnLst>
-                  <p:par>
-                    <p:cTn id="3" fill="hold">
-                      <p:stCondLst>
-                        <p:cond delay="indefinite"/>
-                      </p:stCondLst>
-                      <p:childTnLst>
-                        <p:par>
-                          <p:cTn id="4" fill="hold">
-                            <p:stCondLst>
-                              <p:cond delay="0"/>
-                            </p:stCondLst>
-                            <p:childTnLst>
-                              <p:par>
-                                <p:cTn id="5" presetID="42" presetClass="path" presetSubtype="0" fill="hold" grpId="0" nodeType="clickEffect">
-                                  <p:stCondLst>
-                                    <p:cond delay="0"/>
-                                  </p:stCondLst>
-                                  <p:childTnLst>
-                                    <p:animMotion origin="layout" path="M 0 0 C -0.04362325 0.06222223 -0.04362325 0.06222223 -0.08724649 0.1244445 E" pathEditMode="relative" ptsTypes="">
-                                      <p:cBhvr>
-                                        <p:cTn id="6" dur="500" fill="hold"/>
-                                        <p:tgtEl>
-                                          <p:spTgt spid="4"/>
-                                        </p:tgtEl>
-                                        <p:attrNameLst>
-                                          <p:attrName>ppt_x</p:attrName>
-                                          <p:attrName>ppt_y</p:attrName>
-                                        </p:attrNameLst>
-                                      </p:cBhvr>
-                                    </p:animMotion>
-                                  </p:childTnLst>
-                                </p:cTn>
-                              </p:par>
-                              <p:par>
-                                <p:cTn id="7" presetID="6" presetClass="emph" presetSubtype="0" fill="hold" grpId="1" nodeType="withEffect">
-                                  <p:stCondLst>
-                                    <p:cond delay="0"/>
-                                  </p:stCondLst>
-                                  <p:childTnLst>
-                                    <p:animScale>
-                                      <p:cBhvr>
-                                        <p:cTn id="8" dur="500" fill="hold"/>
-                                        <p:tgtEl>
-                                          <p:spTgt spid="4"/>
-                                        </p:tgtEl>
-                                      </p:cBhvr>
-                                      <p:by x="66208" y="100000"/>
-                                    </p:animScale>
-                                  </p:childTnLst>
-                                </p:cTn>
-                              </p:par>
-                            </p:childTnLst>
-                          </p:cTn>
-                        </p:par>
-                        <p:par>
-                          <p:cTn id="9" fill="hold">
-                            <p:stCondLst>
-                              <p:cond delay="500"/>
-                            </p:stCondLst>
-                            <p:childTnLst>
-                              <p:par>
-                                <p:cTn id="10" presetID="1" presetClass="entr" presetSubtype="0" fill="hold" grpId="0" nodeType="afterEffect">
-                                  <p:stCondLst>
-                                    <p:cond delay="0"/>
-                                  </p:stCondLst>
-                                  <p:childTnLst>
-                                    <p:set>
-                                      <p:cBhvr>
-                                        <p:cTn id="11" dur="1" fill="hold">
-                                          <p:stCondLst>
-                                            <p:cond delay="0"/>
-                                          </p:stCondLst>
-                                        </p:cTn>
-                                        <p:tgtEl>
-                                          <p:spTgt spid="5"/>
-                                        </p:tgtEl>
-                                        <p:attrNameLst>
-                                          <p:attrName>style.visibility</p:attrName>
-                                        </p:attrNameLst>
-                                      </p:cBhvr>
-                                      <p:to>
-                                        <p:strVal val="visible"/>
-                                      </p:to>
-                                    </p:set>
-                                  </p:childTnLst>
-                                </p:cTn>
-                              </p:par>
-                              <p:par>
-                                <p:cTn id="12" presetID="10" presetClass="exit" presetSubtype="0" fill="hold" grpId="2" nodeType="withEffect">
-                                  <p:stCondLst>
-                                    <p:cond delay="0"/>
-                                  </p:stCondLst>
-                                  <p:childTnLst>
-                                    <p:animEffect transition="out" filter="fade">
-                                      <p:cBhvr>
-                                        <p:cTn id="13" dur="500"/>
-                                        <p:tgtEl>
-                                          <p:spTgt spid="4"/>
-                                        </p:tgtEl>
-                                      </p:cBhvr>
-                                    </p:animEffect>
-                                    <p:set>
-                                      <p:cBhvr>
-                                        <p:cTn id="14" dur="1" fill="hold">
-                                          <p:stCondLst>
-                                            <p:cond delay="499"/>
-                                          </p:stCondLst>
-                                        </p:cTn>
-                                        <p:tgtEl>
-                                          <p:spTgt spid="4"/>
-                                        </p:tgtEl>
-                                        <p:attrNameLst>
-                                          <p:attrName>style.visibility</p:attrName>
-                                        </p:attrNameLst>
-                                      </p:cBhvr>
-                                      <p:to>
-                                        <p:strVal val="hidden"/>
-                                      </p:to>
-                                    </p:set>
-                                  </p:childTnLst>
-                                </p:cTn>
-                              </p:par>
-                            </p:childTnLst>
-                          </p:cTn>
-                        </p:par>
-                      </p:childTnLst>
-                    </p:cTn>
-                  </p:par>
-                  <p:par>
-                    <p:cTn id="15" fill="hold">
-                      <p:stCondLst>
-                        <p:cond delay="indefinite"/>
-                      </p:stCondLst>
-                      <p:childTnLst>
-                        <p:par>
-                          <p:cTn id="16" fill="hold">
-                            <p:stCondLst>
-                              <p:cond delay="0"/>
-                            </p:stCondLst>
-                            <p:childTnLst>
-                              <p:par>
-                                <p:cTn id="17" presetID="42" presetClass="path" presetSubtype="0" fill="hold" grpId="1" nodeType="clickEffect">
-                                  <p:stCondLst>
-                                    <p:cond delay="0"/>
-                                  </p:stCondLst>
-                                  <p:childTnLst>
-                                    <p:animMotion origin="layout" path="M 0 0 C 0.05790102 0.04666666 0.05790102 0.04666666 0.115802 0.09333332 E" pathEditMode="relative" ptsTypes="">
-                                      <p:cBhvr>
-                                        <p:cTn id="18" dur="500" fill="hold"/>
-                                        <p:tgtEl>
-                                          <p:spTgt spid="5"/>
-                                        </p:tgtEl>
-                                        <p:attrNameLst>
-                                          <p:attrName>ppt_x</p:attrName>
-                                          <p:attrName>ppt_y</p:attrName>
-                                        </p:attrNameLst>
-                                      </p:cBhvr>
-                                    </p:animMotion>
-                                  </p:childTnLst>
-                                </p:cTn>
-                              </p:par>
-                              <p:par>
-                                <p:cTn id="19" presetID="6" presetClass="emph" presetSubtype="0" fill="hold" grpId="2" nodeType="withEffect">
-                                  <p:stCondLst>
-                                    <p:cond delay="0"/>
-                                  </p:stCondLst>
-                                  <p:childTnLst>
-                                    <p:animScale>
-                                      <p:cBhvr>
-                                        <p:cTn id="20" dur="500" fill="hold"/>
-                                        <p:tgtEl>
-                                          <p:spTgt spid="5"/>
-                                        </p:tgtEl>
-                                      </p:cBhvr>
-                                      <p:by x="164024" y="200000"/>
-                                    </p:animScale>
-                                  </p:childTnLst>
-                                </p:cTn>
-                              </p:par>
-                            </p:childTnLst>
-                          </p:cTn>
-                        </p:par>
-                        <p:par>
-                          <p:cTn id="21" fill="hold">
-                            <p:stCondLst>
-                              <p:cond delay="500"/>
-                            </p:stCondLst>
-                            <p:childTnLst>
-                              <p:par>
-                                <p:cTn id="22" presetID="1" presetClass="entr" presetSubtype="0" fill="hold" grpId="0" nodeType="afterEffect">
-                                  <p:stCondLst>
-                                    <p:cond delay="0"/>
-                                  </p:stCondLst>
-                                  <p:childTnLst>
-                                    <p:set>
-                                      <p:cBhvr>
-                                        <p:cTn id="23" dur="1" fill="hold">
-                                          <p:stCondLst>
-                                            <p:cond delay="0"/>
-                                          </p:stCondLst>
-                                        </p:cTn>
-                                        <p:tgtEl>
-                                          <p:spTgt spid="6"/>
-                                        </p:tgtEl>
-                                        <p:attrNameLst>
-                                          <p:attrName>style.visibility</p:attrName>
-                                        </p:attrNameLst>
-                                      </p:cBhvr>
-                                      <p:to>
-                                        <p:strVal val="visible"/>
-                                      </p:to>
-                                    </p:set>
-                                  </p:childTnLst>
-                                </p:cTn>
-                              </p:par>
-                              <p:par>
-                                <p:cTn id="24" presetID="10" presetClass="exit" presetSubtype="0" fill="hold" grpId="3" nodeType="withEffect">
-                                  <p:stCondLst>
-                                    <p:cond delay="0"/>
-                                  </p:stCondLst>
-                                  <p:childTnLst>
-                                    <p:animEffect transition="out" filter="fade">
-                                      <p:cBhvr>
-                                        <p:cTn id="25" dur="500"/>
-                                        <p:tgtEl>
-                                          <p:spTgt spid="5"/>
-                                        </p:tgtEl>
-                                      </p:cBhvr>
-                                    </p:animEffect>
-                                    <p:set>
-                                      <p:cBhvr>
-                                        <p:cTn id="26" dur="1" fill="hold">
-                                          <p:stCondLst>
-                                            <p:cond delay="499"/>
-                                          </p:stCondLst>
-                                        </p:cTn>
-                                        <p:tgtEl>
-                                          <p:spTgt spid="5"/>
-                                        </p:tgtEl>
-                                        <p:attrNameLst>
-                                          <p:attrName>style.visibility</p:attrName>
-                                        </p:attrNameLst>
-                                      </p:cBhvr>
-                                      <p:to>
-                                        <p:strVal val="hidden"/>
-                                      </p:to>
-                                    </p:set>
-                                  </p:childTnLst>
-                                </p:cTn>
-                              </p:par>
-                            </p:childTnLst>
-                          </p:cTn>
-                        </p:par>
-                      </p:childTnLst>
-                    </p:cTn>
-                  </p:par>
-                  <p:par>
-                    <p:cTn id="27" fill="hold">
-                      <p:stCondLst>
-                        <p:cond delay="indefinite"/>
-                      </p:stCondLst>
-                      <p:childTnLst>
-                        <p:par>
-                          <p:cTn id="28" fill="hold">
-                            <p:stCondLst>
-                              <p:cond delay="0"/>
-                            </p:stCondLst>
-                            <p:childTnLst>
-                              <p:par>
-                                <p:cTn id="29" presetID="42" presetClass="path" presetSubtype="0" fill="hold" grpId="1" nodeType="clickEffect">
-                                  <p:stCondLst>
-                                    <p:cond delay="0"/>
-                                  </p:stCondLst>
-                                  <p:childTnLst>
-                                    <p:animMotion origin="layout" path="M 0 0 C -0.03917186 0.03666667 -0.03917186 0.03666667 -0.07834371 0.07333335 E" pathEditMode="relative" ptsTypes="">
-                                      <p:cBhvr>
-                                        <p:cTn id="30" dur="500" fill="hold"/>
-                                        <p:tgtEl>
-                                          <p:spTgt spid="6"/>
-                                        </p:tgtEl>
-                                        <p:attrNameLst>
-                                          <p:attrName>ppt_x</p:attrName>
-                                          <p:attrName>ppt_y</p:attrName>
-                                        </p:attrNameLst>
-                                      </p:cBhvr>
-                                    </p:animMotion>
-                                  </p:childTnLst>
-                                </p:cTn>
-                              </p:par>
-                              <p:par>
-                                <p:cTn id="31" presetID="6" presetClass="emph" presetSubtype="0" fill="hold" grpId="2" nodeType="withEffect">
-                                  <p:stCondLst>
-                                    <p:cond delay="0"/>
-                                  </p:stCondLst>
-                                  <p:childTnLst>
-                                    <p:animScale>
-                                      <p:cBhvr>
-                                        <p:cTn id="32" dur="500" fill="hold"/>
-                                        <p:tgtEl>
-                                          <p:spTgt spid="6"/>
-                                        </p:tgtEl>
-                                      </p:cBhvr>
-                                      <p:by x="78281" y="17857"/>
-                                    </p:animScale>
-                                  </p:childTnLst>
-                                </p:cTn>
-                              </p:par>
-                            </p:childTnLst>
-                          </p:cTn>
-                        </p:par>
-                        <p:par>
-                          <p:cTn id="33" fill="hold">
-                            <p:stCondLst>
-                              <p:cond delay="500"/>
-                            </p:stCondLst>
-                            <p:childTnLst>
-                              <p:par>
-                                <p:cTn id="34" presetID="1" presetClass="entr" presetSubtype="0" fill="hold" grpId="0" nodeType="afterEffect">
-                                  <p:stCondLst>
-                                    <p:cond delay="0"/>
-                                  </p:stCondLst>
-                                  <p:childTnLst>
-                                    <p:set>
-                                      <p:cBhvr>
-                                        <p:cTn id="35" dur="1" fill="hold">
-                                          <p:stCondLst>
-                                            <p:cond delay="0"/>
-                                          </p:stCondLst>
-                                        </p:cTn>
-                                        <p:tgtEl>
-                                          <p:spTgt spid="7"/>
-                                        </p:tgtEl>
-                                        <p:attrNameLst>
-                                          <p:attrName>style.visibility</p:attrName>
-                                        </p:attrNameLst>
-                                      </p:cBhvr>
-                                      <p:to>
-                                        <p:strVal val="visible"/>
-                                      </p:to>
-                                    </p:set>
-                                  </p:childTnLst>
-                                </p:cTn>
-                              </p:par>
-                              <p:par>
-                                <p:cTn id="36" presetID="10" presetClass="exit" presetSubtype="0" fill="hold" grpId="3" nodeType="withEffect">
-                                  <p:stCondLst>
-                                    <p:cond delay="0"/>
-                                  </p:stCondLst>
-                                  <p:childTnLst>
-                                    <p:animEffect transition="out" filter="fade">
-                                      <p:cBhvr>
-                                        <p:cTn id="37" dur="500"/>
-                                        <p:tgtEl>
-                                          <p:spTgt spid="6"/>
-                                        </p:tgtEl>
-                                      </p:cBhvr>
-                                    </p:animEffect>
-                                    <p:set>
-                                      <p:cBhvr>
-                                        <p:cTn id="38" dur="1" fill="hold">
-                                          <p:stCondLst>
-                                            <p:cond delay="499"/>
-                                          </p:stCondLst>
-                                        </p:cTn>
-                                        <p:tgtEl>
-                                          <p:spTgt spid="6"/>
-                                        </p:tgtEl>
-                                        <p:attrNameLst>
-                                          <p:attrName>style.visibility</p:attrName>
-                                        </p:attrNameLst>
-                                      </p:cBhvr>
-                                      <p:to>
-                                        <p:strVal val="hidden"/>
-                                      </p:to>
-                                    </p:set>
-                                  </p:childTnLst>
-                                </p:cTn>
-                              </p:par>
-                            </p:childTnLst>
-                          </p:cTn>
-                        </p:par>
-                      </p:childTnLst>
-                    </p:cTn>
-                  </p:par>
-                  <p:par>
-                    <p:cTn id="39" fill="hold">
-                      <p:stCondLst>
-                        <p:cond delay="indefinite"/>
-                      </p:stCondLst>
-                      <p:childTnLst>
-                        <p:par>
-                          <p:cTn id="40" fill="hold">
-                            <p:stCondLst>
-                              <p:cond delay="0"/>
-                            </p:stCondLst>
-                            <p:childTnLst>
-                              <p:par>
-                                <p:cTn id="41" presetID="42" presetClass="path" presetSubtype="0" fill="hold" grpId="1" nodeType="clickEffect">
-                                  <p:stCondLst>
-                                    <p:cond delay="0"/>
-                                  </p:stCondLst>
-                                  <p:childTnLst>
-                                    <p:animMotion origin="layout" path="M 0 0 C 0.04445659 0.04222223 0.04445659 0.04222223 0.08891317 0.08444446 E" pathEditMode="relative" ptsTypes="">
-                                      <p:cBhvr>
-                                        <p:cTn id="42" dur="500" fill="hold"/>
-                                        <p:tgtEl>
-                                          <p:spTgt spid="7"/>
-                                        </p:tgtEl>
-                                        <p:attrNameLst>
-                                          <p:attrName>ppt_x</p:attrName>
-                                          <p:attrName>ppt_y</p:attrName>
-                                        </p:attrNameLst>
-                                      </p:cBhvr>
-                                    </p:animMotion>
-                                  </p:childTnLst>
-                                </p:cTn>
-                              </p:par>
-                              <p:par>
-                                <p:cTn id="43" presetID="6" presetClass="emph" presetSubtype="0" fill="hold" grpId="2" nodeType="withEffect">
-                                  <p:stCondLst>
-                                    <p:cond delay="0"/>
-                                  </p:stCondLst>
-                                  <p:childTnLst>
-                                    <p:animScale>
-                                      <p:cBhvr>
-                                        <p:cTn id="44" dur="500" fill="hold"/>
-                                        <p:tgtEl>
-                                          <p:spTgt spid="7"/>
-                                        </p:tgtEl>
-                                      </p:cBhvr>
-                                      <p:by x="131180" y="660000"/>
-                                    </p:animScale>
-                                  </p:childTnLst>
-                                </p:cTn>
-                              </p:par>
-                            </p:childTnLst>
-                          </p:cTn>
-                        </p:par>
-                        <p:par>
-                          <p:cTn id="45" fill="hold">
-                            <p:stCondLst>
-                              <p:cond delay="500"/>
-                            </p:stCondLst>
-                            <p:childTnLst>
-                              <p:par>
-                                <p:cTn id="46" presetID="1" presetClass="entr" presetSubtype="0" fill="hold" grpId="0" nodeType="afterEffect">
-                                  <p:stCondLst>
-                                    <p:cond delay="0"/>
-                                  </p:stCondLst>
-                                  <p:childTnLst>
-                                    <p:set>
-                                      <p:cBhvr>
-                                        <p:cTn id="47" dur="1" fill="hold">
-                                          <p:stCondLst>
-                                            <p:cond delay="0"/>
-                                          </p:stCondLst>
-                                        </p:cTn>
-                                        <p:tgtEl>
-                                          <p:spTgt spid="8"/>
-                                        </p:tgtEl>
-                                        <p:attrNameLst>
-                                          <p:attrName>style.visibility</p:attrName>
-                                        </p:attrNameLst>
-                                      </p:cBhvr>
-                                      <p:to>
-                                        <p:strVal val="visible"/>
-                                      </p:to>
-                                    </p:set>
-                                  </p:childTnLst>
-                                </p:cTn>
-                              </p:par>
-                              <p:par>
-                                <p:cTn id="48" presetID="10" presetClass="exit" presetSubtype="0" fill="hold" grpId="3" nodeType="withEffect">
-                                  <p:stCondLst>
-                                    <p:cond delay="0"/>
-                                  </p:stCondLst>
-                                  <p:childTnLst>
-                                    <p:animEffect transition="out" filter="fade">
-                                      <p:cBhvr>
-                                        <p:cTn id="49" dur="500"/>
-                                        <p:tgtEl>
-                                          <p:spTgt spid="7"/>
-                                        </p:tgtEl>
-                                      </p:cBhvr>
-                                    </p:animEffect>
-                                    <p:set>
-                                      <p:cBhvr>
-                                        <p:cTn id="50" dur="1" fill="hold">
-                                          <p:stCondLst>
-                                            <p:cond delay="499"/>
-                                          </p:stCondLst>
-                                        </p:cTn>
-                                        <p:tgtEl>
-                                          <p:spTgt spid="7"/>
-                                        </p:tgtEl>
-                                        <p:attrNameLst>
-                                          <p:attrName>style.visibility</p:attrName>
-                                        </p:attrNameLst>
-                                      </p:cBhvr>
-                                      <p:to>
-                                        <p:strVal val="hidden"/>
-                                      </p:to>
-                                    </p:set>
-                                  </p:childTnLst>
-                                </p:cTn>
-                              </p:par>
-                            </p:childTnLst>
-                          </p:cTn>
-                        </p:par>
-                      </p:childTnLst>
-                    </p:cTn>
-                  </p:par>
-                  <p:par>
-                    <p:cTn id="51" fill="hold">
-                      <p:stCondLst>
-                        <p:cond delay="indefinite"/>
-                      </p:stCondLst>
-                      <p:childTnLst>
-                        <p:par>
-                          <p:cTn id="52" fill="hold">
-                            <p:stCondLst>
-                              <p:cond delay="0"/>
-                            </p:stCondLst>
-                            <p:childTnLst>
-                              <p:par>
-                                <p:cTn id="53" presetID="42" presetClass="path" presetSubtype="0" fill="hold" grpId="1" nodeType="clickEffect">
-                                  <p:stCondLst>
-                                    <p:cond delay="0"/>
-                                  </p:stCondLst>
-                                  <p:childTnLst>
-                                    <p:animMotion origin="layout" path="M 0 0 C 0.005039957 0.1166666 0.005039957 0.1166666 0.01007991 0.2333333 E" pathEditMode="relative" ptsTypes="">
-                                      <p:cBhvr>
-                                        <p:cTn id="54" dur="500" fill="hold"/>
-                                        <p:tgtEl>
-                                          <p:spTgt spid="8"/>
-                                        </p:tgtEl>
-                                        <p:attrNameLst>
-                                          <p:attrName>ppt_x</p:attrName>
-                                          <p:attrName>ppt_y</p:attrName>
-                                        </p:attrNameLst>
-                                      </p:cBhvr>
-                                    </p:animMotion>
-                                  </p:childTnLst>
-                                </p:cTn>
-                              </p:par>
-                              <p:par>
-                                <p:cTn id="55" presetID="6" presetClass="emph" presetSubtype="0" fill="hold" grpId="2" nodeType="withEffect">
-                                  <p:stCondLst>
-                                    <p:cond delay="0"/>
-                                  </p:stCondLst>
-                                  <p:childTnLst>
-                                    <p:animScale>
-                                      <p:cBhvr>
-                                        <p:cTn id="56" dur="500" fill="hold"/>
-                                        <p:tgtEl>
-                                          <p:spTgt spid="8"/>
-                                        </p:tgtEl>
-                                      </p:cBhvr>
-                                      <p:by x="102956" y="218182"/>
-                                    </p:animScale>
-                                  </p:childTnLst>
-                                </p:cTn>
-                              </p:par>
-                            </p:childTnLst>
-                          </p:cTn>
-                        </p:par>
-                        <p:par>
-                          <p:cTn id="57" fill="hold">
-                            <p:stCondLst>
-                              <p:cond delay="500"/>
-                            </p:stCondLst>
-                            <p:childTnLst>
-                              <p:par>
-                                <p:cTn id="58" presetID="1" presetClass="entr" presetSubtype="0" fill="hold" grpId="0" nodeType="afterEffect">
-                                  <p:stCondLst>
-                                    <p:cond delay="0"/>
-                                  </p:stCondLst>
-                                  <p:childTnLst>
-                                    <p:set>
-                                      <p:cBhvr>
-                                        <p:cTn id="59" dur="1" fill="hold">
-                                          <p:stCondLst>
-                                            <p:cond delay="0"/>
-                                          </p:stCondLst>
-                                        </p:cTn>
-                                        <p:tgtEl>
-                                          <p:spTgt spid="9"/>
-                                        </p:tgtEl>
-                                        <p:attrNameLst>
-                                          <p:attrName>style.visibility</p:attrName>
-                                        </p:attrNameLst>
-                                      </p:cBhvr>
-                                      <p:to>
-                                        <p:strVal val="visible"/>
-                                      </p:to>
-                                    </p:set>
-                                  </p:childTnLst>
-                                </p:cTn>
-                              </p:par>
-                              <p:par>
-                                <p:cTn id="60" presetID="10" presetClass="exit" presetSubtype="0" fill="hold" grpId="3" nodeType="withEffect">
-                                  <p:stCondLst>
-                                    <p:cond delay="0"/>
-                                  </p:stCondLst>
-                                  <p:childTnLst>
-                                    <p:animEffect transition="out" filter="fade">
-                                      <p:cBhvr>
-                                        <p:cTn id="61" dur="500"/>
-                                        <p:tgtEl>
-                                          <p:spTgt spid="8"/>
-                                        </p:tgtEl>
-                                      </p:cBhvr>
-                                    </p:animEffect>
-                                    <p:set>
-                                      <p:cBhvr>
-                                        <p:cTn id="62" dur="1" fill="hold">
-                                          <p:stCondLst>
-                                            <p:cond delay="499"/>
-                                          </p:stCondLst>
-                                        </p:cTn>
-                                        <p:tgtEl>
-                                          <p:spTgt spid="8"/>
-                                        </p:tgtEl>
-                                        <p:attrNameLst>
-                                          <p:attrName>style.visibility</p:attrName>
-                                        </p:attrNameLst>
-                                      </p:cBhvr>
-                                      <p:to>
-                                        <p:strVal val="hidden"/>
-                                      </p:to>
-                                    </p:set>
-                                  </p:childTnLst>
-                                </p:cTn>
-                              </p:par>
-                            </p:childTnLst>
-                          </p:cTn>
-                        </p:par>
-                      </p:childTnLst>
-                    </p:cTn>
-                  </p:par>
-                  <p:par>
-                    <p:cTn id="63" fill="hold">
-                      <p:stCondLst>
-                        <p:cond delay="indefinite"/>
-                      </p:stCondLst>
-                      <p:childTnLst>
-                        <p:par>
-                          <p:cTn id="64" fill="hold">
-                            <p:stCondLst>
-                              <p:cond delay="0"/>
-                            </p:stCondLst>
-                            <p:childTnLst>
-                              <p:par>
-                                <p:cTn id="65" presetID="42" presetClass="path" presetSubtype="0" fill="hold" grpId="1" nodeType="clickEffect">
-                                  <p:stCondLst>
-                                    <p:cond delay="0"/>
-                                  </p:stCondLst>
-                                  <p:childTnLst>
-                                    <p:animMotion origin="layout" path="M 0 0 C -0.01057989 0.09000001 -0.01057989 0.09000001 -0.02115979 0.18 E" pathEditMode="relative" ptsTypes="">
-                                      <p:cBhvr>
-                                        <p:cTn id="66" dur="500" fill="hold"/>
-                                        <p:tgtEl>
-                                          <p:spTgt spid="9"/>
-                                        </p:tgtEl>
-                                        <p:attrNameLst>
-                                          <p:attrName>ppt_x</p:attrName>
-                                          <p:attrName>ppt_y</p:attrName>
-                                        </p:attrNameLst>
-                                      </p:cBhvr>
-                                    </p:animMotion>
-                                  </p:childTnLst>
-                                </p:cTn>
-                              </p:par>
-                              <p:par>
-                                <p:cTn id="67" presetID="6" presetClass="emph" presetSubtype="0" fill="hold" grpId="2" nodeType="withEffect">
-                                  <p:stCondLst>
-                                    <p:cond delay="0"/>
-                                  </p:stCondLst>
-                                  <p:childTnLst>
-                                    <p:animScale>
-                                      <p:cBhvr>
-                                        <p:cTn id="68" dur="500" fill="hold"/>
-                                        <p:tgtEl>
-                                          <p:spTgt spid="9"/>
-                                        </p:tgtEl>
-                                      </p:cBhvr>
-                                      <p:by x="94452" y="12500"/>
-                                    </p:animScale>
-                                  </p:childTnLst>
-                                </p:cTn>
-                              </p:par>
-                            </p:childTnLst>
-                          </p:cTn>
-                        </p:par>
-                        <p:par>
-                          <p:cTn id="69" fill="hold">
-                            <p:stCondLst>
-                              <p:cond delay="500"/>
-                            </p:stCondLst>
-                            <p:childTnLst>
-                              <p:par>
-                                <p:cTn id="70" presetID="1" presetClass="entr" presetSubtype="0" fill="hold" grpId="0" nodeType="afterEffect">
-                                  <p:stCondLst>
-                                    <p:cond delay="0"/>
-                                  </p:stCondLst>
-                                  <p:childTnLst>
-                                    <p:set>
-                                      <p:cBhvr>
-                                        <p:cTn id="71" dur="1" fill="hold">
-                                          <p:stCondLst>
-                                            <p:cond delay="0"/>
-                                          </p:stCondLst>
-                                        </p:cTn>
-                                        <p:tgtEl>
-                                          <p:spTgt spid="10"/>
-                                        </p:tgtEl>
-                                        <p:attrNameLst>
-                                          <p:attrName>style.visibility</p:attrName>
-                                        </p:attrNameLst>
-                                      </p:cBhvr>
-                                      <p:to>
-                                        <p:strVal val="visible"/>
-                                      </p:to>
-                                    </p:set>
-                                  </p:childTnLst>
-                                </p:cTn>
-                              </p:par>
-                              <p:par>
-                                <p:cTn id="72" presetID="10" presetClass="exit" presetSubtype="0" fill="hold" grpId="3" nodeType="withEffect">
-                                  <p:stCondLst>
-                                    <p:cond delay="0"/>
-                                  </p:stCondLst>
-                                  <p:childTnLst>
-                                    <p:animEffect transition="out" filter="fade">
-                                      <p:cBhvr>
-                                        <p:cTn id="73" dur="500"/>
-                                        <p:tgtEl>
-                                          <p:spTgt spid="9"/>
-                                        </p:tgtEl>
-                                      </p:cBhvr>
-                                    </p:animEffect>
-                                    <p:set>
-                                      <p:cBhvr>
-                                        <p:cTn id="74" dur="1" fill="hold">
-                                          <p:stCondLst>
-                                            <p:cond delay="499"/>
-                                          </p:stCondLst>
-                                        </p:cTn>
-                                        <p:tgtEl>
-                                          <p:spTgt spid="9"/>
-                                        </p:tgtEl>
-                                        <p:attrNameLst>
-                                          <p:attrName>style.visibility</p:attrName>
-                                        </p:attrNameLst>
-                                      </p:cBhvr>
-                                      <p:to>
-                                        <p:strVal val="hidden"/>
-                                      </p:to>
-                                    </p:set>
-                                  </p:childTnLst>
-                                </p:cTn>
-                              </p:par>
-                            </p:childTnLst>
-                          </p:cTn>
-                        </p:par>
-                      </p:childTnLst>
-                    </p:cTn>
-                  </p:par>
-                </p:childTnLst>
-              </p:cTn>
-              <p:prevCondLst>
-                <p:cond evt="onPrev" delay="0">
-                  <p:tgtEl>
-                    <p:sldTgt/>
-                  </p:tgtEl>
-                </p:cond>
-              </p:prevCondLst>
-              <p:nextCondLst>
-                <p:cond evt="onNext" delay="0">
-                  <p:tgtEl>
-                    <p:sldTgt/>
-                  </p:tgtEl>
-                </p:cond>
-              </p:nextCondLst>
-            </p:seq>
-          </p:childTnLst>
-        </p:cTn>
-      </p:par>
-    </p:tnLst>
-    <p:bldLst>
-      <p:bldP spid="4" grpId="0" animBg="1"/>
-      <p:bldP spid="4" grpId="1" animBg="1"/>
-      <p:bldP spid="4" grpId="2" animBg="1"/>
-      <p:bldP spid="5" grpId="0" animBg="1"/>
-      <p:bldP spid="5" grpId="1" animBg="1"/>
-      <p:bldP spid="5" grpId="2" animBg="1"/>
-      <p:bldP spid="5" grpId="3" animBg="1"/>
-      <p:bldP spid="6" grpId="0" animBg="1"/>
-      <p:bldP spid="6" grpId="1" animBg="1"/>
-      <p:bldP spid="6" grpId="2" animBg="1"/>
-      <p:bldP spid="6" grpId="3" animBg="1"/>
-      <p:bldP spid="7" grpId="0" animBg="1"/>
-      <p:bldP spid="7" grpId="1" animBg="1"/>
-      <p:bldP spid="7" grpId="2" animBg="1"/>
-      <p:bldP spid="7" grpId="3" animBg="1"/>
-      <p:bldP spid="8" grpId="0" animBg="1"/>
-      <p:bldP spid="8" grpId="1" animBg="1"/>
-      <p:bldP spid="8" grpId="2" animBg="1"/>
-      <p:bldP spid="8" grpId="3" animBg="1"/>
-      <p:bldP spid="9" grpId="0" animBg="1"/>
-      <p:bldP spid="9" grpId="1" animBg="1"/>
-      <p:bldP spid="9" grpId="2" animBg="1"/>
-      <p:bldP spid="9" grpId="3" animBg="1"/>
-      <p:bldP spid="10" grpId="0" animBg="1"/>
-    </p:bldLst>
-  </p:timing>
-</p:sld>
-</file>
-
-<file path=ppt/slides/slide29.xml><?xml version="1.0" encoding="utf-8"?>
-<p:sld xmlns:a="http://schemas.openxmlformats.org/drawingml/2006/main" xmlns:r="http://schemas.openxmlformats.org/officeDocument/2006/relationships" xmlns:p="http://schemas.openxmlformats.org/presentationml/2006/main">
-  <p:cSld>
-    <p:spTree>
-      <p:nvGrpSpPr>
-        <p:cNvPr id="1" name=""/>
-        <p:cNvGrpSpPr/>
-        <p:nvPr/>
-      </p:nvGrpSpPr>
-      <p:grpSpPr>
-        <a:xfrm>
-          <a:off x="0" y="0"/>
-          <a:ext cx="0" cy="0"/>
-          <a:chOff x="0" y="0"/>
-          <a:chExt cx="0" cy="0"/>
-        </a:xfrm>
-      </p:grpSpPr>
-      <p:sp>
-        <p:nvSpPr>
-          <p:cNvPr id="3" name="Rectangle 4"/>
-          <p:cNvSpPr/>
-          <p:nvPr/>
-        </p:nvSpPr>
-        <p:spPr>
-          <a:xfrm>
-            <a:off x="0" y="2286000"/>
-            <a:ext cx="9144000" cy="2209800"/>
-          </a:xfrm>
-          <a:prstGeom prst="rect">
-            <a:avLst/>
-          </a:prstGeom>
-          <a:solidFill>
-            <a:srgbClr val="002060"/>
-          </a:solidFill>
-        </p:spPr>
-        <p:style>
-          <a:lnRef idx="2">
-            <a:schemeClr val="accent1">
-              <a:shade val="50000"/>
-            </a:schemeClr>
-          </a:lnRef>
-          <a:fillRef idx="1">
-            <a:schemeClr val="accent1"/>
-          </a:fillRef>
-          <a:effectRef idx="0">
-            <a:schemeClr val="accent1"/>
-          </a:effectRef>
-          <a:fontRef idx="minor">
-            <a:schemeClr val="lt1"/>
-          </a:fontRef>
-        </p:style>
-        <p:txBody>
-          <a:bodyPr rtlCol="0" anchor="ctr"/>
-          <a:lstStyle/>
-          <a:p>
-            <a:pPr algn="ctr"/>
-            <a:endParaRPr lang="en-US"/>
-          </a:p>
-        </p:txBody>
-      </p:sp>
-      <p:sp>
-        <p:nvSpPr>
-          <p:cNvPr id="2" name="HighlightBackgroundShape73075057-96f2-467a-9739-220ecca5ae94"/>
-          <p:cNvSpPr txBox="1"/>
-          <p:nvPr/>
-        </p:nvSpPr>
-        <p:spPr>
-          <a:xfrm>
-            <a:off x="762000" y="533400"/>
-            <a:ext cx="7620000" cy="5909310"/>
-          </a:xfrm>
-          <a:prstGeom prst="rect">
-            <a:avLst/>
-          </a:prstGeom>
-          <a:noFill/>
-        </p:spPr>
-        <p:txBody>
-          <a:bodyPr wrap="square" rtlCol="0">
-            <a:spAutoFit/>
-          </a:bodyPr>
-          <a:lstStyle/>
-          <a:p>
-            <a:pPr marL="285750" indent="-285750">
-              <a:buFont typeface="Arial" panose="020B0604020202020204" pitchFamily="34" charset="0"/>
-              <a:buChar char="•"/>
-            </a:pPr>
-            <a:r>
-              <a:rPr lang="en-US" sz="2800" dirty="0" smtClean="0"/>
-              <a:t>Test - Non-ABC: 1234567890!@#$%^&amp;*()</a:t>
-            </a:r>
-          </a:p>
-          <a:p>
-            <a:r>
-              <a:rPr lang="en-US" sz="2800" dirty="0"/>
-              <a:t>Test </a:t>
-            </a:r>
-            <a:r>
-              <a:rPr lang="en-US" sz="2800" dirty="0" smtClean="0"/>
-              <a:t>– No bullet point</a:t>
-            </a:r>
-            <a:endParaRPr lang="en-US" sz="2800" dirty="0"/>
-          </a:p>
-          <a:p>
-            <a:pPr marL="514350" indent="-514350">
-              <a:buFont typeface="+mj-lt"/>
-              <a:buAutoNum type="arabicPeriod"/>
-            </a:pPr>
-            <a:r>
-              <a:rPr lang="en-US" sz="2800" dirty="0"/>
-              <a:t>Test – </a:t>
-            </a:r>
-            <a:r>
-              <a:rPr lang="en-US" sz="2800" dirty="0" smtClean="0"/>
-              <a:t>Different bullet point</a:t>
-            </a:r>
-          </a:p>
-          <a:p>
-            <a:pPr marL="285750" indent="-285750">
-              <a:buFont typeface="Arial" panose="020B0604020202020204" pitchFamily="34" charset="0"/>
-              <a:buChar char="•"/>
-            </a:pPr>
-            <a:r>
-              <a:rPr lang="en-US" sz="2800" dirty="0" smtClean="0">
-                <a:latin typeface="Times New Roman" panose="02020603050405020304" pitchFamily="18" charset="0"/>
-                <a:cs typeface="Times New Roman" panose="02020603050405020304" pitchFamily="18" charset="0"/>
-              </a:rPr>
-              <a:t>Test - Another Font Family, using Times New Roman</a:t>
-            </a:r>
-          </a:p>
-          <a:p>
-            <a:pPr marL="285750" indent="-285750">
-              <a:buFont typeface="Arial" panose="020B0604020202020204" pitchFamily="34" charset="0"/>
-              <a:buChar char="•"/>
-            </a:pPr>
-            <a:r>
-              <a:rPr lang="en-US" sz="1000" dirty="0" smtClean="0"/>
-              <a:t>Test - very small content. Test: very small content. Test: very small content. Test: very small content</a:t>
-            </a:r>
-          </a:p>
-          <a:p>
-            <a:pPr marL="285750" indent="-285750">
-              <a:buFont typeface="Arial" panose="020B0604020202020204" pitchFamily="34" charset="0"/>
-              <a:buChar char="•"/>
-            </a:pPr>
-            <a:r>
-              <a:rPr lang="en-US" sz="6600" dirty="0" smtClean="0">
-                <a:latin typeface="Arial Black" panose="020B0A04020102020204" pitchFamily="34" charset="0"/>
-              </a:rPr>
-              <a:t>Test - very big</a:t>
-            </a:r>
-          </a:p>
-          <a:p>
-            <a:pPr marL="285750" indent="-285750">
-              <a:buFont typeface="Arial" panose="020B0604020202020204" pitchFamily="34" charset="0"/>
-              <a:buChar char="•"/>
-            </a:pPr>
-            <a:r>
-              <a:rPr lang="en-US" sz="3600" dirty="0" smtClean="0"/>
-              <a:t>Test – Long sentence: </a:t>
-            </a:r>
-            <a:r>
-              <a:rPr lang="en-US" sz="3600" dirty="0" err="1" smtClean="0"/>
-              <a:t>Asdddd</a:t>
-            </a:r>
-            <a:r>
-              <a:rPr lang="en-US" sz="3600" dirty="0" smtClean="0"/>
-              <a:t> </a:t>
-            </a:r>
-            <a:r>
-              <a:rPr lang="en-US" sz="3600" dirty="0" err="1" smtClean="0"/>
-              <a:t>ddd</a:t>
-            </a:r>
-            <a:r>
-              <a:rPr lang="en-US" sz="3600" dirty="0" smtClean="0"/>
-              <a:t> </a:t>
-            </a:r>
-            <a:r>
-              <a:rPr lang="en-US" sz="3600" dirty="0" err="1" smtClean="0"/>
-              <a:t>dd</a:t>
-            </a:r>
-            <a:r>
-              <a:rPr lang="en-US" sz="3600" dirty="0" smtClean="0"/>
-              <a:t> d </a:t>
-            </a:r>
-            <a:r>
-              <a:rPr lang="en-US" sz="3600" dirty="0" err="1" smtClean="0"/>
-              <a:t>ddddd</a:t>
-            </a:r>
-            <a:r>
-              <a:rPr lang="en-US" sz="3600" dirty="0" smtClean="0"/>
-              <a:t> </a:t>
-            </a:r>
-            <a:r>
-              <a:rPr lang="en-US" sz="3600" dirty="0" err="1" smtClean="0"/>
-              <a:t>ddd</a:t>
-            </a:r>
-            <a:r>
-              <a:rPr lang="en-US" sz="3600" dirty="0" smtClean="0"/>
-              <a:t> </a:t>
-            </a:r>
-            <a:r>
-              <a:rPr lang="en-US" sz="3600" dirty="0" err="1" smtClean="0"/>
-              <a:t>ddd</a:t>
-            </a:r>
-            <a:r>
-              <a:rPr lang="en-US" sz="3600" dirty="0" smtClean="0"/>
-              <a:t> </a:t>
-            </a:r>
-            <a:r>
-              <a:rPr lang="en-US" sz="3600" dirty="0" err="1" smtClean="0"/>
-              <a:t>ddd</a:t>
-            </a:r>
-            <a:r>
-              <a:rPr lang="en-US" sz="3600" dirty="0" smtClean="0"/>
-              <a:t> </a:t>
-            </a:r>
-            <a:r>
-              <a:rPr lang="en-US" sz="3600" dirty="0" err="1" smtClean="0"/>
-              <a:t>ddd</a:t>
-            </a:r>
-            <a:r>
-              <a:rPr lang="en-US" sz="3600" dirty="0" smtClean="0"/>
-              <a:t> </a:t>
-            </a:r>
-            <a:r>
-              <a:rPr lang="en-US" sz="3600" dirty="0" err="1" smtClean="0"/>
-              <a:t>ddd</a:t>
-            </a:r>
-            <a:r>
-              <a:rPr lang="en-US" sz="3600" dirty="0" smtClean="0"/>
-              <a:t> </a:t>
-            </a:r>
-            <a:r>
-              <a:rPr lang="en-US" sz="3600" dirty="0" err="1" smtClean="0"/>
-              <a:t>ddd</a:t>
-            </a:r>
-            <a:r>
-              <a:rPr lang="en-US" sz="3600" dirty="0" smtClean="0"/>
-              <a:t> </a:t>
-            </a:r>
-            <a:r>
-              <a:rPr lang="en-US" sz="3600" dirty="0" err="1" smtClean="0"/>
-              <a:t>ddd</a:t>
-            </a:r>
-            <a:r>
-              <a:rPr lang="en-US" sz="3600" dirty="0" smtClean="0"/>
-              <a:t> </a:t>
-            </a:r>
-            <a:r>
-              <a:rPr lang="en-US" sz="3600" dirty="0" err="1" smtClean="0"/>
-              <a:t>dddddd</a:t>
-            </a:r>
-            <a:r>
-              <a:rPr lang="en-US" sz="3600" dirty="0" smtClean="0"/>
-              <a:t> </a:t>
-            </a:r>
-            <a:r>
-              <a:rPr lang="en-US" sz="3600" dirty="0" err="1" smtClean="0"/>
-              <a:t>dd</a:t>
-            </a:r>
-            <a:r>
-              <a:rPr lang="en-US" sz="3600" dirty="0" smtClean="0"/>
-              <a:t> </a:t>
-            </a:r>
-            <a:r>
-              <a:rPr lang="en-US" sz="3600" dirty="0" err="1" smtClean="0"/>
-              <a:t>ddd</a:t>
-            </a:r>
-            <a:r>
-              <a:rPr lang="en-US" sz="3600" dirty="0" smtClean="0"/>
-              <a:t> </a:t>
-            </a:r>
-            <a:r>
-              <a:rPr lang="en-US" sz="3600" dirty="0" err="1" smtClean="0"/>
-              <a:t>ddddd</a:t>
-            </a:r>
-            <a:r>
-              <a:rPr lang="en-US" sz="3600" dirty="0" smtClean="0"/>
-              <a:t> </a:t>
-            </a:r>
-            <a:r>
-              <a:rPr lang="en-US" sz="3600" dirty="0" err="1" smtClean="0"/>
-              <a:t>dd</a:t>
-            </a:r>
-            <a:r>
-              <a:rPr lang="en-US" sz="3600" dirty="0" smtClean="0"/>
-              <a:t> </a:t>
-            </a:r>
-            <a:r>
-              <a:rPr lang="en-US" sz="3600" dirty="0" err="1" smtClean="0"/>
-              <a:t>dd</a:t>
-            </a:r>
-            <a:r>
-              <a:rPr lang="en-US" sz="3600" dirty="0" smtClean="0"/>
-              <a:t> d </a:t>
-            </a:r>
-            <a:r>
-              <a:rPr lang="en-US" sz="3600" dirty="0" err="1" smtClean="0"/>
-              <a:t>ddd</a:t>
-            </a:r>
-            <a:r>
-              <a:rPr lang="en-US" sz="3600" dirty="0" smtClean="0"/>
-              <a:t> </a:t>
-            </a:r>
-            <a:r>
-              <a:rPr lang="en-US" sz="3600" dirty="0" err="1" smtClean="0"/>
-              <a:t>ddd</a:t>
-            </a:r>
-            <a:endParaRPr lang="en-US" sz="3600" dirty="0" smtClean="0"/>
-          </a:p>
-          <a:p>
-            <a:pPr marL="285750" indent="-285750">
-              <a:buFont typeface="Arial" panose="020B0604020202020204" pitchFamily="34" charset="0"/>
-              <a:buChar char="•"/>
-            </a:pPr>
-            <a:r>
-              <a:rPr lang="en-US" altLang="zh-CN" dirty="0" smtClean="0"/>
-              <a:t>Test – Chinese Characters: </a:t>
-            </a:r>
-            <a:r>
-              <a:rPr lang="zh-CN" altLang="en-US" dirty="0" smtClean="0"/>
-              <a:t>阿</a:t>
-            </a:r>
-            <a:r>
-              <a:rPr lang="zh-CN" altLang="en-US" dirty="0"/>
-              <a:t>斯</a:t>
-            </a:r>
-            <a:r>
-              <a:rPr lang="zh-CN" altLang="en-US" dirty="0" smtClean="0"/>
-              <a:t>顿啊盛大速度啊盛大速度啊盛大速度</a:t>
-            </a:r>
-            <a:endParaRPr lang="en-SG" dirty="0"/>
-          </a:p>
-        </p:txBody>
-      </p:sp>
-    </p:spTree>
-    <p:extLst>
-      <p:ext uri="{BB962C8B-B14F-4D97-AF65-F5344CB8AC3E}">
-        <p14:creationId xmlns:p14="http://schemas.microsoft.com/office/powerpoint/2010/main" val="3141045913"/>
-      </p:ext>
-    </p:extLst>
-  </p:cSld>
-  <p:clrMapOvr>
-    <a:masterClrMapping/>
-  </p:clrMapOvr>
-  <p:transition spd="slow">
-    <p:push dir="u"/>
-  </p:transition>
-  <p:timing>
-    <p:tnLst>
-      <p:par>
-        <p:cTn id="1" dur="indefinite" restart="never" nodeType="tmRoot"/>
-      </p:par>
-    </p:tnLst>
-  </p:timing>
-</p:sld>
-</file>
-
-<file path=ppt/slides/slide3.xml><?xml version="1.0" encoding="utf-8"?>
-<p:sld xmlns:a="http://schemas.openxmlformats.org/drawingml/2006/main" xmlns:r="http://schemas.openxmlformats.org/officeDocument/2006/relationships" xmlns:p="http://schemas.openxmlformats.org/presentationml/2006/main">
-  <p:cSld>
-    <p:spTree>
-      <p:nvGrpSpPr>
-        <p:cNvPr id="1" name=""/>
-        <p:cNvGrpSpPr/>
-        <p:nvPr/>
-      </p:nvGrpSpPr>
-      <p:grpSpPr>
-        <a:xfrm>
-          <a:off x="0" y="0"/>
-          <a:ext cx="0" cy="0"/>
-          <a:chOff x="0" y="0"/>
-          <a:chExt cx="0" cy="0"/>
-        </a:xfrm>
-      </p:grpSpPr>
-      <p:sp>
-        <p:nvSpPr>
-          <p:cNvPr id="2" name="Title 1"/>
-          <p:cNvSpPr>
-            <a:spLocks noGrp="1"/>
-          </p:cNvSpPr>
-          <p:nvPr>
-            <p:ph type="title"/>
-          </p:nvPr>
-        </p:nvSpPr>
-        <p:spPr/>
-        <p:txBody>
-          <a:bodyPr/>
-          <a:lstStyle/>
-          <a:p>
-            <a:r>
-              <a:rPr lang="en-US" dirty="0" smtClean="0"/>
-              <a:t>Highlight Points:: Highlight Text – Select Slide</a:t>
-            </a:r>
-            <a:endParaRPr lang="en-SG" dirty="0"/>
-          </a:p>
-        </p:txBody>
-      </p:sp>
-      <p:sp>
-        <p:nvSpPr>
-          <p:cNvPr id="4" name="Content Placeholder 2"/>
-          <p:cNvSpPr>
-            <a:spLocks noGrp="1"/>
-          </p:cNvSpPr>
-          <p:nvPr>
-            <p:ph idx="1"/>
-          </p:nvPr>
-        </p:nvSpPr>
-        <p:spPr>
-          <a:xfrm>
-            <a:off x="457200" y="3124200"/>
-            <a:ext cx="8229600" cy="3001963"/>
-          </a:xfrm>
-        </p:spPr>
-        <p:txBody>
-          <a:bodyPr/>
-          <a:lstStyle/>
-          <a:p>
-            <a:r>
-              <a:rPr lang="en-US" dirty="0" smtClean="0"/>
-              <a:t>Select the slide and click “Highlight Points”</a:t>
-            </a:r>
-            <a:endParaRPr lang="en-SG" dirty="0"/>
-          </a:p>
-        </p:txBody>
-      </p:sp>
-    </p:spTree>
-    <p:extLst>
-      <p:ext uri="{BB962C8B-B14F-4D97-AF65-F5344CB8AC3E}">
-        <p14:creationId xmlns:p14="http://schemas.microsoft.com/office/powerpoint/2010/main" val="1286891872"/>
-      </p:ext>
-    </p:extLst>
-  </p:cSld>
-  <p:clrMapOvr>
-    <a:masterClrMapping/>
-  </p:clrMapOvr>
-  <p:timing>
-    <p:tnLst>
-      <p:par>
-        <p:cTn id="1" dur="indefinite" restart="never" nodeType="tmRoot"/>
-      </p:par>
-    </p:tnLst>
-  </p:timing>
-</p:sld>
-</file>
-
-<file path=ppt/slides/slide30.xml><?xml version="1.0" encoding="utf-8"?>
-<p:sld xmlns:a="http://schemas.openxmlformats.org/drawingml/2006/main" xmlns:r="http://schemas.openxmlformats.org/officeDocument/2006/relationships" xmlns:p="http://schemas.openxmlformats.org/presentationml/2006/main">
-  <p:cSld>
-    <p:spTree>
-      <p:nvGrpSpPr>
-        <p:cNvPr id="1" name=""/>
-        <p:cNvGrpSpPr/>
-        <p:nvPr/>
-      </p:nvGrpSpPr>
-      <p:grpSpPr>
-        <a:xfrm>
-          <a:off x="0" y="0"/>
-          <a:ext cx="0" cy="0"/>
-          <a:chOff x="0" y="0"/>
-          <a:chExt cx="0" cy="0"/>
-        </a:xfrm>
-      </p:grpSpPr>
-      <p:sp>
-        <p:nvSpPr>
-          <p:cNvPr id="2" name="Title 1"/>
-          <p:cNvSpPr>
-            <a:spLocks noGrp="1"/>
-          </p:cNvSpPr>
-          <p:nvPr>
-            <p:ph type="title"/>
-          </p:nvPr>
-        </p:nvSpPr>
-        <p:spPr/>
-        <p:txBody>
-          <a:bodyPr>
-            <a:normAutofit/>
-          </a:bodyPr>
-          <a:lstStyle/>
-          <a:p>
-            <a:r>
-              <a:rPr lang="en-US" dirty="0"/>
-              <a:t>Remove Highlighting:: </a:t>
-            </a:r>
-            <a:r>
-              <a:rPr lang="en-US" dirty="0" smtClean="0"/>
-              <a:t>Highlight Text</a:t>
-            </a:r>
-            <a:endParaRPr lang="en-SG" dirty="0"/>
-          </a:p>
-        </p:txBody>
-      </p:sp>
-      <p:sp>
-        <p:nvSpPr>
-          <p:cNvPr id="4" name="Content Placeholder 2"/>
-          <p:cNvSpPr>
-            <a:spLocks noGrp="1"/>
-          </p:cNvSpPr>
-          <p:nvPr>
-            <p:ph idx="1"/>
-          </p:nvPr>
-        </p:nvSpPr>
-        <p:spPr>
-          <a:xfrm>
-            <a:off x="457200" y="3124200"/>
-            <a:ext cx="8229600" cy="3001963"/>
-          </a:xfrm>
-        </p:spPr>
-        <p:txBody>
-          <a:bodyPr/>
-          <a:lstStyle/>
-          <a:p>
-            <a:r>
-              <a:rPr lang="en-US" dirty="0" smtClean="0"/>
-              <a:t>Click “Remove Highlighting”</a:t>
-            </a:r>
-            <a:endParaRPr lang="en-SG" dirty="0"/>
-          </a:p>
-        </p:txBody>
-      </p:sp>
-    </p:spTree>
-    <p:extLst>
-      <p:ext uri="{BB962C8B-B14F-4D97-AF65-F5344CB8AC3E}">
-        <p14:creationId xmlns:p14="http://schemas.microsoft.com/office/powerpoint/2010/main" val="2109830146"/>
-      </p:ext>
-    </p:extLst>
-  </p:cSld>
-  <p:clrMapOvr>
-    <a:masterClrMapping/>
-  </p:clrMapOvr>
-  <p:timing>
-    <p:tnLst>
-      <p:par>
-        <p:cTn id="1" dur="indefinite" restart="never" nodeType="tmRoot"/>
-      </p:par>
-    </p:tnLst>
-  </p:timing>
-</p:sld>
-</file>
-
-<file path=ppt/slides/slide31.xml><?xml version="1.0" encoding="utf-8"?>
-<p:sld xmlns:a="http://schemas.openxmlformats.org/drawingml/2006/main" xmlns:r="http://schemas.openxmlformats.org/officeDocument/2006/relationships" xmlns:p="http://schemas.openxmlformats.org/presentationml/2006/main">
-  <p:cSld>
-    <p:spTree>
-      <p:nvGrpSpPr>
-        <p:cNvPr id="1" name=""/>
-        <p:cNvGrpSpPr/>
-        <p:nvPr/>
-      </p:nvGrpSpPr>
-      <p:grpSpPr>
-        <a:xfrm>
-          <a:off x="0" y="0"/>
-          <a:ext cx="0" cy="0"/>
-          <a:chOff x="0" y="0"/>
-          <a:chExt cx="0" cy="0"/>
-        </a:xfrm>
-      </p:grpSpPr>
-      <p:sp>
-        <p:nvSpPr>
-          <p:cNvPr id="3" name="Rectangle 4"/>
-          <p:cNvSpPr/>
-          <p:nvPr/>
-        </p:nvSpPr>
-        <p:spPr>
-          <a:xfrm>
-            <a:off x="0" y="2286000"/>
-            <a:ext cx="9144000" cy="2209800"/>
-          </a:xfrm>
-          <a:prstGeom prst="rect">
-            <a:avLst/>
-          </a:prstGeom>
-          <a:solidFill>
-            <a:srgbClr val="002060"/>
-          </a:solidFill>
-        </p:spPr>
-        <p:style>
-          <a:lnRef idx="2">
-            <a:schemeClr val="accent1">
-              <a:shade val="50000"/>
-            </a:schemeClr>
-          </a:lnRef>
-          <a:fillRef idx="1">
-            <a:schemeClr val="accent1"/>
-          </a:fillRef>
-          <a:effectRef idx="0">
-            <a:schemeClr val="accent1"/>
-          </a:effectRef>
-          <a:fontRef idx="minor">
-            <a:schemeClr val="lt1"/>
-          </a:fontRef>
-        </p:style>
-        <p:txBody>
-          <a:bodyPr rtlCol="0" anchor="ctr"/>
-          <a:lstStyle/>
-          <a:p>
-            <a:pPr algn="ctr"/>
-            <a:endParaRPr lang="en-US"/>
-          </a:p>
-        </p:txBody>
-      </p:sp>
-      <p:sp>
-        <p:nvSpPr>
-          <p:cNvPr id="4" name="PPTLabsHighlightTextFragmentsShapef560e986-5733-437e-889b-5a50370d495c"/>
-          <p:cNvSpPr/>
-          <p:nvPr>
-            <p:custDataLst>
-              <p:tags r:id="rId1"/>
-            </p:custDataLst>
-          </p:nvPr>
-        </p:nvSpPr>
-        <p:spPr>
-          <a:xfrm>
-            <a:off x="1139190" y="579120"/>
-            <a:ext cx="5993765" cy="426720"/>
-          </a:xfrm>
-          <a:prstGeom prst="roundRect">
-            <a:avLst>
-              <a:gd name="adj" fmla="val 25000"/>
-            </a:avLst>
-          </a:prstGeom>
-          <a:solidFill>
-            <a:srgbClr val="FFFF00">
-              <a:alpha val="50000"/>
-            </a:srgbClr>
-          </a:solidFill>
-          <a:ln w="25400" cap="flat" cmpd="sng" algn="ctr">
-            <a:noFill/>
-            <a:prstDash val="solid"/>
-          </a:ln>
-          <a:effectLst/>
-          <a:extLst>
-            <a:ext uri="{91240B29-F687-4F45-9708-019B960494DF}">
-              <a14:hiddenLine xmlns:a14="http://schemas.microsoft.com/office/drawing/2010/main" w="25400" cap="flat" cmpd="sng" algn="ctr">
-                <a:solidFill>
-                  <a:schemeClr val="accent1">
-                    <a:shade val="50000"/>
-                  </a:schemeClr>
-                </a:solidFill>
-                <a:prstDash val="solid"/>
-              </a14:hiddenLine>
-            </a:ext>
-          </a:extLst>
-        </p:spPr>
-        <p:style>
-          <a:lnRef idx="2">
-            <a:schemeClr val="accent1">
-              <a:shade val="50000"/>
-            </a:schemeClr>
-          </a:lnRef>
-          <a:fillRef idx="1">
-            <a:schemeClr val="accent1"/>
-          </a:fillRef>
-          <a:effectRef idx="0">
-            <a:schemeClr val="accent1"/>
-          </a:effectRef>
-          <a:fontRef idx="minor">
-            <a:schemeClr val="lt1"/>
-          </a:fontRef>
-        </p:style>
-        <p:txBody>
-          <a:bodyPr rtlCol="0" anchor="ctr"/>
-          <a:lstStyle/>
-          <a:p>
-            <a:pPr algn="ctr"/>
-            <a:endParaRPr lang="en-SG"/>
-          </a:p>
-        </p:txBody>
-      </p:sp>
-      <p:sp>
-        <p:nvSpPr>
-          <p:cNvPr id="5" name="PPTLabsHighlightTextFragmentsShape5dafe8db-bb16-4787-93f5-d40d86237947"/>
-          <p:cNvSpPr/>
-          <p:nvPr>
-            <p:custDataLst>
-              <p:tags r:id="rId2"/>
-            </p:custDataLst>
-          </p:nvPr>
-        </p:nvSpPr>
-        <p:spPr>
-          <a:xfrm>
-            <a:off x="853440" y="1005840"/>
-            <a:ext cx="3080258" cy="426720"/>
-          </a:xfrm>
-          <a:prstGeom prst="roundRect">
-            <a:avLst>
-              <a:gd name="adj" fmla="val 25000"/>
-            </a:avLst>
-          </a:prstGeom>
-          <a:solidFill>
-            <a:srgbClr val="FFFF00">
-              <a:alpha val="50000"/>
-            </a:srgbClr>
-          </a:solidFill>
-          <a:ln w="25400" cap="flat" cmpd="sng" algn="ctr">
-            <a:noFill/>
-            <a:prstDash val="solid"/>
-          </a:ln>
-          <a:effectLst/>
-          <a:extLst>
-            <a:ext uri="{91240B29-F687-4F45-9708-019B960494DF}">
-              <a14:hiddenLine xmlns:a14="http://schemas.microsoft.com/office/drawing/2010/main" w="25400" cap="flat" cmpd="sng" algn="ctr">
-                <a:solidFill>
-                  <a:schemeClr val="accent1">
-                    <a:shade val="50000"/>
-                  </a:schemeClr>
-                </a:solidFill>
-                <a:prstDash val="solid"/>
-              </a14:hiddenLine>
-            </a:ext>
-          </a:extLst>
-        </p:spPr>
-        <p:style>
-          <a:lnRef idx="2">
-            <a:schemeClr val="accent1">
-              <a:shade val="50000"/>
-            </a:schemeClr>
-          </a:lnRef>
-          <a:fillRef idx="1">
-            <a:schemeClr val="accent1"/>
-          </a:fillRef>
-          <a:effectRef idx="0">
-            <a:schemeClr val="accent1"/>
-          </a:effectRef>
-          <a:fontRef idx="minor">
-            <a:schemeClr val="lt1"/>
-          </a:fontRef>
-        </p:style>
-        <p:txBody>
-          <a:bodyPr rtlCol="0" anchor="ctr"/>
-          <a:lstStyle/>
-          <a:p>
-            <a:pPr algn="ctr"/>
-            <a:endParaRPr lang="en-SG"/>
-          </a:p>
-        </p:txBody>
-      </p:sp>
-      <p:sp>
-        <p:nvSpPr>
-          <p:cNvPr id="6" name="PPTLabsHighlightTextFragmentsShapeffca0822-50bb-437f-982a-deb2b4f8c205"/>
-          <p:cNvSpPr/>
-          <p:nvPr>
-            <p:custDataLst>
-              <p:tags r:id="rId3"/>
-            </p:custDataLst>
-          </p:nvPr>
-        </p:nvSpPr>
-        <p:spPr>
-          <a:xfrm>
-            <a:off x="1367790" y="1432560"/>
-            <a:ext cx="3941001" cy="426720"/>
-          </a:xfrm>
-          <a:prstGeom prst="roundRect">
-            <a:avLst>
-              <a:gd name="adj" fmla="val 25000"/>
-            </a:avLst>
-          </a:prstGeom>
-          <a:solidFill>
-            <a:srgbClr val="FFFF00">
-              <a:alpha val="50000"/>
-            </a:srgbClr>
-          </a:solidFill>
-          <a:ln w="25400" cap="flat" cmpd="sng" algn="ctr">
-            <a:noFill/>
-            <a:prstDash val="solid"/>
-          </a:ln>
-          <a:effectLst/>
-          <a:extLst>
-            <a:ext uri="{91240B29-F687-4F45-9708-019B960494DF}">
-              <a14:hiddenLine xmlns:a14="http://schemas.microsoft.com/office/drawing/2010/main" w="25400" cap="flat" cmpd="sng" algn="ctr">
-                <a:solidFill>
-                  <a:schemeClr val="accent1">
-                    <a:shade val="50000"/>
-                  </a:schemeClr>
-                </a:solidFill>
-                <a:prstDash val="solid"/>
-              </a14:hiddenLine>
-            </a:ext>
-          </a:extLst>
-        </p:spPr>
-        <p:style>
-          <a:lnRef idx="2">
-            <a:schemeClr val="accent1">
-              <a:shade val="50000"/>
-            </a:schemeClr>
-          </a:lnRef>
-          <a:fillRef idx="1">
-            <a:schemeClr val="accent1"/>
-          </a:fillRef>
-          <a:effectRef idx="0">
-            <a:schemeClr val="accent1"/>
-          </a:effectRef>
-          <a:fontRef idx="minor">
-            <a:schemeClr val="lt1"/>
-          </a:fontRef>
-        </p:style>
-        <p:txBody>
-          <a:bodyPr rtlCol="0" anchor="ctr"/>
-          <a:lstStyle/>
-          <a:p>
-            <a:pPr algn="ctr"/>
-            <a:endParaRPr lang="en-SG"/>
-          </a:p>
-        </p:txBody>
-      </p:sp>
-      <p:grpSp>
-        <p:nvGrpSpPr>
-          <p:cNvPr id="9" name="PPTLabsHighlightTextFragmentsShape79557f89-d310-491d-a68a-c7f81ef2f210"/>
-          <p:cNvGrpSpPr/>
-          <p:nvPr/>
-        </p:nvGrpSpPr>
-        <p:grpSpPr>
-          <a:xfrm>
-            <a:off x="1139190" y="1859280"/>
-            <a:ext cx="6596888" cy="853440"/>
-            <a:chOff x="1139190" y="1859280"/>
-            <a:chExt cx="6596888" cy="853440"/>
-          </a:xfrm>
-        </p:grpSpPr>
-        <p:sp>
-          <p:nvSpPr>
-            <p:cNvPr id="7" name="PPTLabsHighlightTextFragmentsShape082f0072-7ed0-4862-a311-6b03e9817ba5"/>
-            <p:cNvSpPr/>
-            <p:nvPr>
-              <p:custDataLst>
-                <p:tags r:id="rId11"/>
-              </p:custDataLst>
-            </p:nvPr>
-          </p:nvSpPr>
-          <p:spPr>
-            <a:xfrm>
-              <a:off x="1139190" y="1859280"/>
-              <a:ext cx="6596888" cy="426720"/>
-            </a:xfrm>
-            <a:prstGeom prst="roundRect">
-              <a:avLst>
-                <a:gd name="adj" fmla="val 25000"/>
-              </a:avLst>
-            </a:prstGeom>
-            <a:solidFill>
-              <a:srgbClr val="FFFF00">
-                <a:alpha val="50000"/>
-              </a:srgbClr>
-            </a:solidFill>
-            <a:ln w="25400" cap="flat" cmpd="sng" algn="ctr">
-              <a:noFill/>
-              <a:prstDash val="solid"/>
-            </a:ln>
-            <a:effectLst/>
-            <a:extLst>
-              <a:ext uri="{91240B29-F687-4F45-9708-019B960494DF}">
-                <a14:hiddenLine xmlns:a14="http://schemas.microsoft.com/office/drawing/2010/main" w="25400" cap="flat" cmpd="sng" algn="ctr">
-                  <a:solidFill>
-                    <a:schemeClr val="accent1">
-                      <a:shade val="50000"/>
-                    </a:schemeClr>
-                  </a:solidFill>
-                  <a:prstDash val="solid"/>
-                </a14:hiddenLine>
-              </a:ext>
-            </a:extLst>
-          </p:spPr>
-          <p:style>
-            <a:lnRef idx="2">
-              <a:schemeClr val="accent1">
-                <a:shade val="50000"/>
-              </a:schemeClr>
-            </a:lnRef>
-            <a:fillRef idx="1">
-              <a:schemeClr val="accent1"/>
-            </a:fillRef>
-            <a:effectRef idx="0">
-              <a:schemeClr val="accent1"/>
-            </a:effectRef>
-            <a:fontRef idx="minor">
-              <a:schemeClr val="lt1"/>
-            </a:fontRef>
-          </p:style>
-          <p:txBody>
-            <a:bodyPr rtlCol="0" anchor="ctr"/>
-            <a:lstStyle/>
-            <a:p>
-              <a:pPr algn="ctr"/>
-              <a:endParaRPr lang="en-SG"/>
-            </a:p>
-          </p:txBody>
-        </p:sp>
-        <p:sp>
-          <p:nvSpPr>
-            <p:cNvPr id="8" name="PPTLabsHighlightTextFragmentsShaped9458b93-2132-4807-95c4-7952effabe04"/>
-            <p:cNvSpPr/>
-            <p:nvPr>
-              <p:custDataLst>
-                <p:tags r:id="rId12"/>
-              </p:custDataLst>
-            </p:nvPr>
-          </p:nvSpPr>
-          <p:spPr>
-            <a:xfrm>
-              <a:off x="1139190" y="2286000"/>
-              <a:ext cx="1025589" cy="426720"/>
-            </a:xfrm>
-            <a:prstGeom prst="roundRect">
-              <a:avLst>
-                <a:gd name="adj" fmla="val 25000"/>
-              </a:avLst>
-            </a:prstGeom>
-            <a:solidFill>
-              <a:srgbClr val="FFFF00">
-                <a:alpha val="50000"/>
-              </a:srgbClr>
-            </a:solidFill>
-            <a:ln w="25400" cap="flat" cmpd="sng" algn="ctr">
-              <a:noFill/>
-              <a:prstDash val="solid"/>
-            </a:ln>
-            <a:effectLst/>
-            <a:extLst>
-              <a:ext uri="{91240B29-F687-4F45-9708-019B960494DF}">
-                <a14:hiddenLine xmlns:a14="http://schemas.microsoft.com/office/drawing/2010/main" w="25400" cap="flat" cmpd="sng" algn="ctr">
-                  <a:solidFill>
-                    <a:schemeClr val="accent1">
-                      <a:shade val="50000"/>
-                    </a:schemeClr>
-                  </a:solidFill>
-                  <a:prstDash val="solid"/>
-                </a14:hiddenLine>
-              </a:ext>
-            </a:extLst>
-          </p:spPr>
-          <p:style>
-            <a:lnRef idx="2">
-              <a:schemeClr val="accent1">
-                <a:shade val="50000"/>
-              </a:schemeClr>
-            </a:lnRef>
-            <a:fillRef idx="1">
-              <a:schemeClr val="accent1"/>
-            </a:fillRef>
-            <a:effectRef idx="0">
-              <a:schemeClr val="accent1"/>
-            </a:effectRef>
-            <a:fontRef idx="minor">
-              <a:schemeClr val="lt1"/>
-            </a:fontRef>
-          </p:style>
-          <p:txBody>
-            <a:bodyPr rtlCol="0" anchor="ctr"/>
-            <a:lstStyle/>
-            <a:p>
-              <a:pPr algn="ctr"/>
-              <a:endParaRPr lang="en-SG"/>
-            </a:p>
-          </p:txBody>
-        </p:sp>
-      </p:grpSp>
-      <p:sp>
-        <p:nvSpPr>
-          <p:cNvPr id="10" name="PPTLabsHighlightTextFragmentsShapea8e1a1fe-6afa-4cc1-bd33-8aab284f6778"/>
-          <p:cNvSpPr/>
-          <p:nvPr>
-            <p:custDataLst>
-              <p:tags r:id="rId4"/>
-            </p:custDataLst>
-          </p:nvPr>
-        </p:nvSpPr>
-        <p:spPr>
-          <a:xfrm>
-            <a:off x="1139190" y="2712720"/>
-            <a:ext cx="5135626" cy="152400"/>
-          </a:xfrm>
-          <a:prstGeom prst="roundRect">
-            <a:avLst>
-              <a:gd name="adj" fmla="val 25000"/>
-            </a:avLst>
-          </a:prstGeom>
-          <a:solidFill>
-            <a:srgbClr val="FFFF00">
-              <a:alpha val="50000"/>
-            </a:srgbClr>
-          </a:solidFill>
-          <a:ln w="25400" cap="flat" cmpd="sng" algn="ctr">
-            <a:noFill/>
-            <a:prstDash val="solid"/>
-          </a:ln>
-          <a:effectLst/>
-          <a:extLst>
-            <a:ext uri="{91240B29-F687-4F45-9708-019B960494DF}">
-              <a14:hiddenLine xmlns:a14="http://schemas.microsoft.com/office/drawing/2010/main" w="25400" cap="flat" cmpd="sng" algn="ctr">
-                <a:solidFill>
-                  <a:schemeClr val="accent1">
-                    <a:shade val="50000"/>
-                  </a:schemeClr>
-                </a:solidFill>
-                <a:prstDash val="solid"/>
-              </a14:hiddenLine>
-            </a:ext>
-          </a:extLst>
-        </p:spPr>
-        <p:style>
-          <a:lnRef idx="2">
-            <a:schemeClr val="accent1">
-              <a:shade val="50000"/>
-            </a:schemeClr>
-          </a:lnRef>
-          <a:fillRef idx="1">
-            <a:schemeClr val="accent1"/>
-          </a:fillRef>
-          <a:effectRef idx="0">
-            <a:schemeClr val="accent1"/>
-          </a:effectRef>
-          <a:fontRef idx="minor">
-            <a:schemeClr val="lt1"/>
-          </a:fontRef>
-        </p:style>
-        <p:txBody>
-          <a:bodyPr rtlCol="0" anchor="ctr"/>
-          <a:lstStyle/>
-          <a:p>
-            <a:pPr algn="ctr"/>
-            <a:endParaRPr lang="en-SG"/>
-          </a:p>
-        </p:txBody>
-      </p:sp>
-      <p:sp>
-        <p:nvSpPr>
-          <p:cNvPr id="11" name="PPTLabsHighlightTextFragmentsShapedfbef032-dc4f-4081-8a5a-2a30bf72c5ed"/>
-          <p:cNvSpPr/>
-          <p:nvPr>
-            <p:custDataLst>
-              <p:tags r:id="rId5"/>
-            </p:custDataLst>
-          </p:nvPr>
-        </p:nvSpPr>
-        <p:spPr>
-          <a:xfrm>
-            <a:off x="1147128" y="2865120"/>
-            <a:ext cx="6494970" cy="1005840"/>
-          </a:xfrm>
-          <a:prstGeom prst="roundRect">
-            <a:avLst>
-              <a:gd name="adj" fmla="val 25000"/>
-            </a:avLst>
-          </a:prstGeom>
-          <a:solidFill>
-            <a:srgbClr val="FFFF00">
-              <a:alpha val="50000"/>
-            </a:srgbClr>
-          </a:solidFill>
-          <a:ln w="25400" cap="flat" cmpd="sng" algn="ctr">
-            <a:noFill/>
-            <a:prstDash val="solid"/>
-          </a:ln>
-          <a:effectLst/>
-          <a:extLst>
-            <a:ext uri="{91240B29-F687-4F45-9708-019B960494DF}">
-              <a14:hiddenLine xmlns:a14="http://schemas.microsoft.com/office/drawing/2010/main" w="25400" cap="flat" cmpd="sng" algn="ctr">
-                <a:solidFill>
-                  <a:schemeClr val="accent1">
-                    <a:shade val="50000"/>
-                  </a:schemeClr>
-                </a:solidFill>
-                <a:prstDash val="solid"/>
-              </a14:hiddenLine>
-            </a:ext>
-          </a:extLst>
-        </p:spPr>
-        <p:style>
-          <a:lnRef idx="2">
-            <a:schemeClr val="accent1">
-              <a:shade val="50000"/>
-            </a:schemeClr>
-          </a:lnRef>
-          <a:fillRef idx="1">
-            <a:schemeClr val="accent1"/>
-          </a:fillRef>
-          <a:effectRef idx="0">
-            <a:schemeClr val="accent1"/>
-          </a:effectRef>
-          <a:fontRef idx="minor">
-            <a:schemeClr val="lt1"/>
-          </a:fontRef>
-        </p:style>
-        <p:txBody>
-          <a:bodyPr rtlCol="0" anchor="ctr"/>
-          <a:lstStyle/>
-          <a:p>
-            <a:pPr algn="ctr"/>
-            <a:endParaRPr lang="en-SG"/>
-          </a:p>
-        </p:txBody>
-      </p:sp>
-      <p:grpSp>
-        <p:nvGrpSpPr>
-          <p:cNvPr id="16" name="PPTLabsHighlightTextFragmentsShape6259e336-553d-493c-9c5a-d7f4b1889d4c"/>
-          <p:cNvGrpSpPr/>
-          <p:nvPr/>
-        </p:nvGrpSpPr>
-        <p:grpSpPr>
-          <a:xfrm>
-            <a:off x="1139190" y="3870960"/>
-            <a:ext cx="6974523" cy="2194560"/>
-            <a:chOff x="1139190" y="3870960"/>
-            <a:chExt cx="6974523" cy="2194560"/>
-          </a:xfrm>
-        </p:grpSpPr>
-        <p:sp>
-          <p:nvSpPr>
-            <p:cNvPr id="12" name="PPTLabsHighlightTextFragmentsShape612a547e-b2ed-4186-842e-5e65f105cedf"/>
-            <p:cNvSpPr/>
-            <p:nvPr>
-              <p:custDataLst>
-                <p:tags r:id="rId7"/>
-              </p:custDataLst>
-            </p:nvPr>
-          </p:nvSpPr>
-          <p:spPr>
-            <a:xfrm>
-              <a:off x="1139190" y="3870960"/>
-              <a:ext cx="6974523" cy="548640"/>
-            </a:xfrm>
-            <a:prstGeom prst="roundRect">
-              <a:avLst>
-                <a:gd name="adj" fmla="val 25000"/>
-              </a:avLst>
-            </a:prstGeom>
-            <a:solidFill>
-              <a:srgbClr val="FFFF00">
-                <a:alpha val="50000"/>
-              </a:srgbClr>
-            </a:solidFill>
-            <a:ln w="25400" cap="flat" cmpd="sng" algn="ctr">
-              <a:noFill/>
-              <a:prstDash val="solid"/>
-            </a:ln>
-            <a:effectLst/>
-            <a:extLst>
-              <a:ext uri="{91240B29-F687-4F45-9708-019B960494DF}">
-                <a14:hiddenLine xmlns:a14="http://schemas.microsoft.com/office/drawing/2010/main" w="25400" cap="flat" cmpd="sng" algn="ctr">
-                  <a:solidFill>
-                    <a:schemeClr val="accent1">
-                      <a:shade val="50000"/>
-                    </a:schemeClr>
-                  </a:solidFill>
-                  <a:prstDash val="solid"/>
-                </a14:hiddenLine>
-              </a:ext>
-            </a:extLst>
-          </p:spPr>
-          <p:style>
-            <a:lnRef idx="2">
-              <a:schemeClr val="accent1">
-                <a:shade val="50000"/>
-              </a:schemeClr>
-            </a:lnRef>
-            <a:fillRef idx="1">
-              <a:schemeClr val="accent1"/>
-            </a:fillRef>
-            <a:effectRef idx="0">
-              <a:schemeClr val="accent1"/>
-            </a:effectRef>
-            <a:fontRef idx="minor">
-              <a:schemeClr val="lt1"/>
-            </a:fontRef>
-          </p:style>
-          <p:txBody>
-            <a:bodyPr rtlCol="0" anchor="ctr"/>
-            <a:lstStyle/>
-            <a:p>
-              <a:pPr algn="ctr"/>
-              <a:endParaRPr lang="en-SG"/>
-            </a:p>
-          </p:txBody>
-        </p:sp>
-        <p:sp>
-          <p:nvSpPr>
-            <p:cNvPr id="13" name="PPTLabsHighlightTextFragmentsShapefb9dff23-56a0-4df4-bc80-a2ae39f63636"/>
-            <p:cNvSpPr/>
-            <p:nvPr>
-              <p:custDataLst>
-                <p:tags r:id="rId8"/>
-              </p:custDataLst>
-            </p:nvPr>
-          </p:nvSpPr>
-          <p:spPr>
-            <a:xfrm>
-              <a:off x="1139190" y="4419600"/>
-              <a:ext cx="6578600" cy="548640"/>
-            </a:xfrm>
-            <a:prstGeom prst="roundRect">
-              <a:avLst>
-                <a:gd name="adj" fmla="val 25000"/>
-              </a:avLst>
-            </a:prstGeom>
-            <a:solidFill>
-              <a:srgbClr val="FFFF00">
-                <a:alpha val="50000"/>
-              </a:srgbClr>
-            </a:solidFill>
-            <a:ln w="25400" cap="flat" cmpd="sng" algn="ctr">
-              <a:noFill/>
-              <a:prstDash val="solid"/>
-            </a:ln>
-            <a:effectLst/>
-            <a:extLst>
-              <a:ext uri="{91240B29-F687-4F45-9708-019B960494DF}">
-                <a14:hiddenLine xmlns:a14="http://schemas.microsoft.com/office/drawing/2010/main" w="25400" cap="flat" cmpd="sng" algn="ctr">
-                  <a:solidFill>
-                    <a:schemeClr val="accent1">
-                      <a:shade val="50000"/>
-                    </a:schemeClr>
-                  </a:solidFill>
-                  <a:prstDash val="solid"/>
-                </a14:hiddenLine>
-              </a:ext>
-            </a:extLst>
-          </p:spPr>
-          <p:style>
-            <a:lnRef idx="2">
-              <a:schemeClr val="accent1">
-                <a:shade val="50000"/>
-              </a:schemeClr>
-            </a:lnRef>
-            <a:fillRef idx="1">
-              <a:schemeClr val="accent1"/>
-            </a:fillRef>
-            <a:effectRef idx="0">
-              <a:schemeClr val="accent1"/>
-            </a:effectRef>
-            <a:fontRef idx="minor">
-              <a:schemeClr val="lt1"/>
-            </a:fontRef>
-          </p:style>
-          <p:txBody>
-            <a:bodyPr rtlCol="0" anchor="ctr"/>
-            <a:lstStyle/>
-            <a:p>
-              <a:pPr algn="ctr"/>
-              <a:endParaRPr lang="en-SG"/>
-            </a:p>
-          </p:txBody>
-        </p:sp>
-        <p:sp>
-          <p:nvSpPr>
-            <p:cNvPr id="14" name="PPTLabsHighlightTextFragmentsShaped4609327-c4de-425d-9d68-02d35c05bf3d"/>
-            <p:cNvSpPr/>
-            <p:nvPr>
-              <p:custDataLst>
-                <p:tags r:id="rId9"/>
-              </p:custDataLst>
-            </p:nvPr>
-          </p:nvSpPr>
-          <p:spPr>
-            <a:xfrm>
-              <a:off x="1139190" y="4968240"/>
-              <a:ext cx="6578600" cy="548640"/>
-            </a:xfrm>
-            <a:prstGeom prst="roundRect">
-              <a:avLst>
-                <a:gd name="adj" fmla="val 25000"/>
-              </a:avLst>
-            </a:prstGeom>
-            <a:solidFill>
-              <a:srgbClr val="FFFF00">
-                <a:alpha val="50000"/>
-              </a:srgbClr>
-            </a:solidFill>
-            <a:ln w="25400" cap="flat" cmpd="sng" algn="ctr">
-              <a:noFill/>
-              <a:prstDash val="solid"/>
-            </a:ln>
-            <a:effectLst/>
-            <a:extLst>
-              <a:ext uri="{91240B29-F687-4F45-9708-019B960494DF}">
-                <a14:hiddenLine xmlns:a14="http://schemas.microsoft.com/office/drawing/2010/main" w="25400" cap="flat" cmpd="sng" algn="ctr">
-                  <a:solidFill>
-                    <a:schemeClr val="accent1">
-                      <a:shade val="50000"/>
-                    </a:schemeClr>
-                  </a:solidFill>
-                  <a:prstDash val="solid"/>
-                </a14:hiddenLine>
-              </a:ext>
-            </a:extLst>
-          </p:spPr>
-          <p:style>
-            <a:lnRef idx="2">
-              <a:schemeClr val="accent1">
-                <a:shade val="50000"/>
-              </a:schemeClr>
-            </a:lnRef>
-            <a:fillRef idx="1">
-              <a:schemeClr val="accent1"/>
-            </a:fillRef>
-            <a:effectRef idx="0">
-              <a:schemeClr val="accent1"/>
-            </a:effectRef>
-            <a:fontRef idx="minor">
-              <a:schemeClr val="lt1"/>
-            </a:fontRef>
-          </p:style>
-          <p:txBody>
-            <a:bodyPr rtlCol="0" anchor="ctr"/>
-            <a:lstStyle/>
-            <a:p>
-              <a:pPr algn="ctr"/>
-              <a:endParaRPr lang="en-SG"/>
-            </a:p>
-          </p:txBody>
-        </p:sp>
-        <p:sp>
-          <p:nvSpPr>
-            <p:cNvPr id="15" name="PPTLabsHighlightTextFragmentsShapeca68f108-b76c-4f17-bb50-14898e6f6c37"/>
-            <p:cNvSpPr/>
-            <p:nvPr>
-              <p:custDataLst>
-                <p:tags r:id="rId10"/>
-              </p:custDataLst>
-            </p:nvPr>
-          </p:nvSpPr>
-          <p:spPr>
-            <a:xfrm>
-              <a:off x="1139190" y="5516880"/>
-              <a:ext cx="1541526" cy="548640"/>
-            </a:xfrm>
-            <a:prstGeom prst="roundRect">
-              <a:avLst>
-                <a:gd name="adj" fmla="val 25000"/>
-              </a:avLst>
-            </a:prstGeom>
-            <a:solidFill>
-              <a:srgbClr val="FFFF00">
-                <a:alpha val="50000"/>
-              </a:srgbClr>
-            </a:solidFill>
-            <a:ln w="25400" cap="flat" cmpd="sng" algn="ctr">
-              <a:noFill/>
-              <a:prstDash val="solid"/>
-            </a:ln>
-            <a:effectLst/>
-            <a:extLst>
-              <a:ext uri="{91240B29-F687-4F45-9708-019B960494DF}">
-                <a14:hiddenLine xmlns:a14="http://schemas.microsoft.com/office/drawing/2010/main" w="25400" cap="flat" cmpd="sng" algn="ctr">
-                  <a:solidFill>
-                    <a:schemeClr val="accent1">
-                      <a:shade val="50000"/>
-                    </a:schemeClr>
-                  </a:solidFill>
-                  <a:prstDash val="solid"/>
-                </a14:hiddenLine>
-              </a:ext>
-            </a:extLst>
-          </p:spPr>
-          <p:style>
-            <a:lnRef idx="2">
-              <a:schemeClr val="accent1">
-                <a:shade val="50000"/>
-              </a:schemeClr>
-            </a:lnRef>
-            <a:fillRef idx="1">
-              <a:schemeClr val="accent1"/>
-            </a:fillRef>
-            <a:effectRef idx="0">
-              <a:schemeClr val="accent1"/>
-            </a:effectRef>
-            <a:fontRef idx="minor">
-              <a:schemeClr val="lt1"/>
-            </a:fontRef>
-          </p:style>
-          <p:txBody>
-            <a:bodyPr rtlCol="0" anchor="ctr"/>
-            <a:lstStyle/>
-            <a:p>
-              <a:pPr algn="ctr"/>
-              <a:endParaRPr lang="en-SG"/>
-            </a:p>
-          </p:txBody>
-        </p:sp>
-      </p:grpSp>
-      <p:sp>
-        <p:nvSpPr>
-          <p:cNvPr id="17" name="PPTLabsHighlightTextFragmentsShaped3190702-95da-4afd-8acf-a33bcd3b3049"/>
-          <p:cNvSpPr/>
-          <p:nvPr>
-            <p:custDataLst>
-              <p:tags r:id="rId6"/>
-            </p:custDataLst>
-          </p:nvPr>
-        </p:nvSpPr>
-        <p:spPr>
-          <a:xfrm>
-            <a:off x="1139190" y="6065520"/>
-            <a:ext cx="6587554" cy="274320"/>
-          </a:xfrm>
-          <a:prstGeom prst="roundRect">
-            <a:avLst>
-              <a:gd name="adj" fmla="val 25000"/>
-            </a:avLst>
-          </a:prstGeom>
-          <a:solidFill>
-            <a:srgbClr val="FFFF00">
-              <a:alpha val="50000"/>
-            </a:srgbClr>
-          </a:solidFill>
-          <a:ln w="25400" cap="flat" cmpd="sng" algn="ctr">
-            <a:noFill/>
-            <a:prstDash val="solid"/>
-          </a:ln>
-          <a:effectLst/>
-          <a:extLst>
-            <a:ext uri="{91240B29-F687-4F45-9708-019B960494DF}">
-              <a14:hiddenLine xmlns:a14="http://schemas.microsoft.com/office/drawing/2010/main" w="25400" cap="flat" cmpd="sng" algn="ctr">
-                <a:solidFill>
-                  <a:schemeClr val="accent1">
-                    <a:shade val="50000"/>
-                  </a:schemeClr>
-                </a:solidFill>
-                <a:prstDash val="solid"/>
-              </a14:hiddenLine>
-            </a:ext>
-          </a:extLst>
-        </p:spPr>
-        <p:style>
-          <a:lnRef idx="2">
-            <a:schemeClr val="accent1">
-              <a:shade val="50000"/>
-            </a:schemeClr>
-          </a:lnRef>
-          <a:fillRef idx="1">
-            <a:schemeClr val="accent1"/>
-          </a:fillRef>
-          <a:effectRef idx="0">
-            <a:schemeClr val="accent1"/>
-          </a:effectRef>
-          <a:fontRef idx="minor">
-            <a:schemeClr val="lt1"/>
-          </a:fontRef>
-        </p:style>
-        <p:txBody>
-          <a:bodyPr rtlCol="0" anchor="ctr"/>
-          <a:lstStyle/>
-          <a:p>
-            <a:pPr algn="ctr"/>
-            <a:endParaRPr lang="en-SG"/>
-          </a:p>
-        </p:txBody>
-      </p:sp>
-      <p:sp>
-        <p:nvSpPr>
-          <p:cNvPr id="2" name="HighlightBackgroundShape73075057-96f2-467a-9739-220ecca5ae94"/>
-          <p:cNvSpPr txBox="1"/>
-          <p:nvPr/>
-        </p:nvSpPr>
-        <p:spPr>
-          <a:xfrm>
-            <a:off x="762000" y="533400"/>
-            <a:ext cx="7620000" cy="5909310"/>
-          </a:xfrm>
-          <a:prstGeom prst="rect">
-            <a:avLst/>
-          </a:prstGeom>
-          <a:noFill/>
-        </p:spPr>
-        <p:txBody>
-          <a:bodyPr wrap="square" rtlCol="0">
-            <a:spAutoFit/>
-          </a:bodyPr>
-          <a:lstStyle/>
-          <a:p>
-            <a:pPr marL="285750" indent="-285750">
-              <a:buFont typeface="Arial" panose="020B0604020202020204" pitchFamily="34" charset="0"/>
-              <a:buChar char="•"/>
-            </a:pPr>
-            <a:r>
-              <a:rPr lang="en-US" sz="2800" dirty="0" smtClean="0"/>
-              <a:t>Test - Non-ABC: 1234567890!@#$%^&amp;*()</a:t>
-            </a:r>
-          </a:p>
-          <a:p>
-            <a:r>
-              <a:rPr lang="en-US" sz="2800" dirty="0"/>
-              <a:t>Test </a:t>
-            </a:r>
-            <a:r>
-              <a:rPr lang="en-US" sz="2800" dirty="0" smtClean="0"/>
-              <a:t>– No bullet point</a:t>
-            </a:r>
-            <a:endParaRPr lang="en-US" sz="2800" dirty="0"/>
-          </a:p>
-          <a:p>
-            <a:pPr marL="514350" indent="-514350">
-              <a:buFont typeface="+mj-lt"/>
-              <a:buAutoNum type="arabicPeriod"/>
-            </a:pPr>
-            <a:r>
-              <a:rPr lang="en-US" sz="2800" dirty="0"/>
-              <a:t>Test – </a:t>
-            </a:r>
-            <a:r>
-              <a:rPr lang="en-US" sz="2800" dirty="0" smtClean="0"/>
-              <a:t>Different bullet point</a:t>
-            </a:r>
-          </a:p>
-          <a:p>
-            <a:pPr marL="285750" indent="-285750">
-              <a:buFont typeface="Arial" panose="020B0604020202020204" pitchFamily="34" charset="0"/>
-              <a:buChar char="•"/>
-            </a:pPr>
-            <a:r>
-              <a:rPr lang="en-US" sz="2800" dirty="0" smtClean="0">
-                <a:latin typeface="Times New Roman" panose="02020603050405020304" pitchFamily="18" charset="0"/>
-                <a:cs typeface="Times New Roman" panose="02020603050405020304" pitchFamily="18" charset="0"/>
-              </a:rPr>
-              <a:t>Test - Another Font Family, using Times New Roman</a:t>
-            </a:r>
-          </a:p>
-          <a:p>
-            <a:pPr marL="285750" indent="-285750">
-              <a:buFont typeface="Arial" panose="020B0604020202020204" pitchFamily="34" charset="0"/>
-              <a:buChar char="•"/>
-            </a:pPr>
-            <a:r>
-              <a:rPr lang="en-US" sz="1000" dirty="0" smtClean="0"/>
-              <a:t>Test - very small content. Test: very small content. Test: very small content. Test: very small content</a:t>
-            </a:r>
-          </a:p>
-          <a:p>
-            <a:pPr marL="285750" indent="-285750">
-              <a:buFont typeface="Arial" panose="020B0604020202020204" pitchFamily="34" charset="0"/>
-              <a:buChar char="•"/>
-            </a:pPr>
-            <a:r>
-              <a:rPr lang="en-US" sz="6600" dirty="0" smtClean="0">
-                <a:latin typeface="Arial Black" panose="020B0A04020102020204" pitchFamily="34" charset="0"/>
-              </a:rPr>
-              <a:t>Test - very big</a:t>
-            </a:r>
-          </a:p>
-          <a:p>
-            <a:pPr marL="285750" indent="-285750">
-              <a:buFont typeface="Arial" panose="020B0604020202020204" pitchFamily="34" charset="0"/>
-              <a:buChar char="•"/>
-            </a:pPr>
-            <a:r>
-              <a:rPr lang="en-US" sz="3600" dirty="0" smtClean="0"/>
-              <a:t>Test – Long sentence: </a:t>
-            </a:r>
-            <a:r>
-              <a:rPr lang="en-US" sz="3600" dirty="0" err="1" smtClean="0"/>
-              <a:t>Asdddd</a:t>
-            </a:r>
-            <a:r>
-              <a:rPr lang="en-US" sz="3600" dirty="0" smtClean="0"/>
-              <a:t> </a:t>
-            </a:r>
-            <a:r>
-              <a:rPr lang="en-US" sz="3600" dirty="0" err="1" smtClean="0"/>
-              <a:t>ddd</a:t>
-            </a:r>
-            <a:r>
-              <a:rPr lang="en-US" sz="3600" dirty="0" smtClean="0"/>
-              <a:t> </a:t>
-            </a:r>
-            <a:r>
-              <a:rPr lang="en-US" sz="3600" dirty="0" err="1" smtClean="0"/>
-              <a:t>dd</a:t>
-            </a:r>
-            <a:r>
-              <a:rPr lang="en-US" sz="3600" dirty="0" smtClean="0"/>
-              <a:t> d </a:t>
-            </a:r>
-            <a:r>
-              <a:rPr lang="en-US" sz="3600" dirty="0" err="1" smtClean="0"/>
-              <a:t>ddddd</a:t>
-            </a:r>
-            <a:r>
-              <a:rPr lang="en-US" sz="3600" dirty="0" smtClean="0"/>
-              <a:t> </a:t>
-            </a:r>
-            <a:r>
-              <a:rPr lang="en-US" sz="3600" dirty="0" err="1" smtClean="0"/>
-              <a:t>ddd</a:t>
-            </a:r>
-            <a:r>
-              <a:rPr lang="en-US" sz="3600" dirty="0" smtClean="0"/>
-              <a:t> </a:t>
-            </a:r>
-            <a:r>
-              <a:rPr lang="en-US" sz="3600" dirty="0" err="1" smtClean="0"/>
-              <a:t>ddd</a:t>
-            </a:r>
-            <a:r>
-              <a:rPr lang="en-US" sz="3600" dirty="0" smtClean="0"/>
-              <a:t> </a:t>
-            </a:r>
-            <a:r>
-              <a:rPr lang="en-US" sz="3600" dirty="0" err="1" smtClean="0"/>
-              <a:t>ddd</a:t>
-            </a:r>
-            <a:r>
-              <a:rPr lang="en-US" sz="3600" dirty="0" smtClean="0"/>
-              <a:t> </a:t>
-            </a:r>
-            <a:r>
-              <a:rPr lang="en-US" sz="3600" dirty="0" err="1" smtClean="0"/>
-              <a:t>ddd</a:t>
-            </a:r>
-            <a:r>
-              <a:rPr lang="en-US" sz="3600" dirty="0" smtClean="0"/>
-              <a:t> </a:t>
-            </a:r>
-            <a:r>
-              <a:rPr lang="en-US" sz="3600" dirty="0" err="1" smtClean="0"/>
-              <a:t>ddd</a:t>
-            </a:r>
-            <a:r>
-              <a:rPr lang="en-US" sz="3600" dirty="0" smtClean="0"/>
-              <a:t> </a:t>
-            </a:r>
-            <a:r>
-              <a:rPr lang="en-US" sz="3600" dirty="0" err="1" smtClean="0"/>
-              <a:t>ddd</a:t>
-            </a:r>
-            <a:r>
-              <a:rPr lang="en-US" sz="3600" dirty="0" smtClean="0"/>
-              <a:t> </a:t>
-            </a:r>
-            <a:r>
-              <a:rPr lang="en-US" sz="3600" dirty="0" err="1" smtClean="0"/>
-              <a:t>ddd</a:t>
-            </a:r>
-            <a:r>
-              <a:rPr lang="en-US" sz="3600" dirty="0" smtClean="0"/>
-              <a:t> </a:t>
-            </a:r>
-            <a:r>
-              <a:rPr lang="en-US" sz="3600" dirty="0" err="1" smtClean="0"/>
-              <a:t>dddddd</a:t>
-            </a:r>
-            <a:r>
-              <a:rPr lang="en-US" sz="3600" dirty="0" smtClean="0"/>
-              <a:t> </a:t>
-            </a:r>
-            <a:r>
-              <a:rPr lang="en-US" sz="3600" dirty="0" err="1" smtClean="0"/>
-              <a:t>dd</a:t>
-            </a:r>
-            <a:r>
-              <a:rPr lang="en-US" sz="3600" dirty="0" smtClean="0"/>
-              <a:t> </a:t>
-            </a:r>
-            <a:r>
-              <a:rPr lang="en-US" sz="3600" dirty="0" err="1" smtClean="0"/>
-              <a:t>ddd</a:t>
-            </a:r>
-            <a:r>
-              <a:rPr lang="en-US" sz="3600" dirty="0" smtClean="0"/>
-              <a:t> </a:t>
-            </a:r>
-            <a:r>
-              <a:rPr lang="en-US" sz="3600" dirty="0" err="1" smtClean="0"/>
-              <a:t>ddddd</a:t>
-            </a:r>
-            <a:r>
-              <a:rPr lang="en-US" sz="3600" dirty="0" smtClean="0"/>
-              <a:t> </a:t>
-            </a:r>
-            <a:r>
-              <a:rPr lang="en-US" sz="3600" dirty="0" err="1" smtClean="0"/>
-              <a:t>dd</a:t>
-            </a:r>
-            <a:r>
-              <a:rPr lang="en-US" sz="3600" dirty="0" smtClean="0"/>
-              <a:t> </a:t>
-            </a:r>
-            <a:r>
-              <a:rPr lang="en-US" sz="3600" dirty="0" err="1" smtClean="0"/>
-              <a:t>dd</a:t>
-            </a:r>
-            <a:r>
-              <a:rPr lang="en-US" sz="3600" dirty="0" smtClean="0"/>
-              <a:t> d </a:t>
-            </a:r>
-            <a:r>
-              <a:rPr lang="en-US" sz="3600" dirty="0" err="1" smtClean="0"/>
-              <a:t>ddd</a:t>
-            </a:r>
-            <a:r>
-              <a:rPr lang="en-US" sz="3600" dirty="0" smtClean="0"/>
-              <a:t> </a:t>
-            </a:r>
-            <a:r>
-              <a:rPr lang="en-US" sz="3600" dirty="0" err="1" smtClean="0"/>
-              <a:t>ddd</a:t>
-            </a:r>
-            <a:endParaRPr lang="en-US" sz="3600" dirty="0" smtClean="0"/>
-          </a:p>
-          <a:p>
-            <a:pPr marL="285750" indent="-285750">
-              <a:buFont typeface="Arial" panose="020B0604020202020204" pitchFamily="34" charset="0"/>
-              <a:buChar char="•"/>
-            </a:pPr>
-            <a:r>
-              <a:rPr lang="en-US" altLang="zh-CN" dirty="0" smtClean="0"/>
-              <a:t>Test – Chinese Characters: </a:t>
-            </a:r>
-            <a:r>
-              <a:rPr lang="zh-CN" altLang="en-US" dirty="0" smtClean="0"/>
-              <a:t>阿</a:t>
-            </a:r>
-            <a:r>
-              <a:rPr lang="zh-CN" altLang="en-US" dirty="0"/>
-              <a:t>斯</a:t>
-            </a:r>
-            <a:r>
-              <a:rPr lang="zh-CN" altLang="en-US" dirty="0" smtClean="0"/>
-              <a:t>顿啊盛大速度啊盛大速度啊盛大速度</a:t>
-            </a:r>
-            <a:endParaRPr lang="en-SG" dirty="0"/>
-          </a:p>
-        </p:txBody>
-      </p:sp>
-    </p:spTree>
-    <p:extLst>
-      <p:ext uri="{BB962C8B-B14F-4D97-AF65-F5344CB8AC3E}">
-        <p14:creationId xmlns:p14="http://schemas.microsoft.com/office/powerpoint/2010/main" val="3386973074"/>
-      </p:ext>
-    </p:extLst>
-  </p:cSld>
-  <p:clrMapOvr>
-    <a:masterClrMapping/>
-  </p:clrMapOvr>
-  <p:transition spd="slow">
-    <p:push dir="u"/>
-  </p:transition>
-  <p:timing>
-    <p:tnLst>
-      <p:par>
-        <p:cTn id="1" dur="indefinite" restart="never" nodeType="tmRoot">
-          <p:childTnLst>
-            <p:seq concurrent="1" nextAc="seek">
-              <p:cTn id="2" dur="indefinite" nodeType="mainSeq">
-                <p:childTnLst>
-                  <p:par>
-                    <p:cTn id="3" fill="hold">
-                      <p:stCondLst>
-                        <p:cond delay="indefinite"/>
-                      </p:stCondLst>
-                      <p:childTnLst>
-                        <p:par>
-                          <p:cTn id="4" fill="hold">
-                            <p:stCondLst>
-                              <p:cond delay="0"/>
-                            </p:stCondLst>
-                            <p:childTnLst>
-                              <p:par>
-                                <p:cTn id="5" presetID="10" presetClass="entr" presetSubtype="0" fill="hold" grpId="0" nodeType="clickEffect">
-                                  <p:stCondLst>
-                                    <p:cond delay="0"/>
-                                  </p:stCondLst>
-                                  <p:childTnLst>
-                                    <p:set>
-                                      <p:cBhvr>
-                                        <p:cTn id="6" dur="1" fill="hold">
-                                          <p:stCondLst>
-                                            <p:cond delay="0"/>
-                                          </p:stCondLst>
-                                        </p:cTn>
-                                        <p:tgtEl>
-                                          <p:spTgt spid="5"/>
-                                        </p:tgtEl>
-                                        <p:attrNameLst>
-                                          <p:attrName>style.visibility</p:attrName>
-                                        </p:attrNameLst>
-                                      </p:cBhvr>
-                                      <p:to>
-                                        <p:strVal val="visible"/>
-                                      </p:to>
-                                    </p:set>
-                                    <p:animEffect transition="in" filter="fade">
-                                      <p:cBhvr>
-                                        <p:cTn id="7" dur="500"/>
-                                        <p:tgtEl>
-                                          <p:spTgt spid="5"/>
-                                        </p:tgtEl>
-                                      </p:cBhvr>
-                                    </p:animEffect>
-                                  </p:childTnLst>
-                                </p:cTn>
-                              </p:par>
-                              <p:par>
-                                <p:cTn id="8" presetID="10" presetClass="exit" presetSubtype="0" fill="hold" grpId="0" nodeType="withEffect">
-                                  <p:stCondLst>
-                                    <p:cond delay="0"/>
-                                  </p:stCondLst>
-                                  <p:childTnLst>
-                                    <p:animEffect transition="out" filter="fade">
-                                      <p:cBhvr>
-                                        <p:cTn id="9" dur="500"/>
-                                        <p:tgtEl>
-                                          <p:spTgt spid="4"/>
-                                        </p:tgtEl>
-                                      </p:cBhvr>
-                                    </p:animEffect>
-                                    <p:set>
-                                      <p:cBhvr>
-                                        <p:cTn id="10" dur="1" fill="hold">
-                                          <p:stCondLst>
-                                            <p:cond delay="499"/>
-                                          </p:stCondLst>
-                                        </p:cTn>
-                                        <p:tgtEl>
-                                          <p:spTgt spid="4"/>
-                                        </p:tgtEl>
-                                        <p:attrNameLst>
-                                          <p:attrName>style.visibility</p:attrName>
-                                        </p:attrNameLst>
-                                      </p:cBhvr>
-                                      <p:to>
-                                        <p:strVal val="hidden"/>
-                                      </p:to>
-                                    </p:set>
-                                  </p:childTnLst>
-                                </p:cTn>
-                              </p:par>
-                            </p:childTnLst>
-                          </p:cTn>
-                        </p:par>
-                      </p:childTnLst>
-                    </p:cTn>
-                  </p:par>
-                  <p:par>
-                    <p:cTn id="11" fill="hold">
-                      <p:stCondLst>
-                        <p:cond delay="indefinite"/>
-                      </p:stCondLst>
-                      <p:childTnLst>
-                        <p:par>
-                          <p:cTn id="12" fill="hold">
-                            <p:stCondLst>
-                              <p:cond delay="0"/>
-                            </p:stCondLst>
-                            <p:childTnLst>
-                              <p:par>
-                                <p:cTn id="13" presetID="10" presetClass="entr" presetSubtype="0" fill="hold" grpId="0" nodeType="clickEffect">
-                                  <p:stCondLst>
-                                    <p:cond delay="0"/>
-                                  </p:stCondLst>
-                                  <p:childTnLst>
-                                    <p:set>
-                                      <p:cBhvr>
-                                        <p:cTn id="14" dur="1" fill="hold">
-                                          <p:stCondLst>
-                                            <p:cond delay="0"/>
-                                          </p:stCondLst>
-                                        </p:cTn>
-                                        <p:tgtEl>
-                                          <p:spTgt spid="6"/>
-                                        </p:tgtEl>
-                                        <p:attrNameLst>
-                                          <p:attrName>style.visibility</p:attrName>
-                                        </p:attrNameLst>
-                                      </p:cBhvr>
-                                      <p:to>
-                                        <p:strVal val="visible"/>
-                                      </p:to>
-                                    </p:set>
-                                    <p:animEffect transition="in" filter="fade">
-                                      <p:cBhvr>
-                                        <p:cTn id="15" dur="500"/>
-                                        <p:tgtEl>
-                                          <p:spTgt spid="6"/>
-                                        </p:tgtEl>
-                                      </p:cBhvr>
-                                    </p:animEffect>
-                                  </p:childTnLst>
-                                </p:cTn>
-                              </p:par>
-                              <p:par>
-                                <p:cTn id="16" presetID="10" presetClass="exit" presetSubtype="0" fill="hold" grpId="1" nodeType="withEffect">
-                                  <p:stCondLst>
-                                    <p:cond delay="0"/>
-                                  </p:stCondLst>
-                                  <p:childTnLst>
-                                    <p:animEffect transition="out" filter="fade">
-                                      <p:cBhvr>
-                                        <p:cTn id="17" dur="500"/>
-                                        <p:tgtEl>
-                                          <p:spTgt spid="5"/>
-                                        </p:tgtEl>
-                                      </p:cBhvr>
-                                    </p:animEffect>
-                                    <p:set>
-                                      <p:cBhvr>
-                                        <p:cTn id="18" dur="1" fill="hold">
-                                          <p:stCondLst>
-                                            <p:cond delay="499"/>
-                                          </p:stCondLst>
-                                        </p:cTn>
-                                        <p:tgtEl>
-                                          <p:spTgt spid="5"/>
-                                        </p:tgtEl>
-                                        <p:attrNameLst>
-                                          <p:attrName>style.visibility</p:attrName>
-                                        </p:attrNameLst>
-                                      </p:cBhvr>
-                                      <p:to>
-                                        <p:strVal val="hidden"/>
-                                      </p:to>
-                                    </p:set>
-                                  </p:childTnLst>
-                                </p:cTn>
-                              </p:par>
-                            </p:childTnLst>
-                          </p:cTn>
-                        </p:par>
-                      </p:childTnLst>
-                    </p:cTn>
-                  </p:par>
-                  <p:par>
-                    <p:cTn id="19" fill="hold">
-                      <p:stCondLst>
-                        <p:cond delay="indefinite"/>
-                      </p:stCondLst>
-                      <p:childTnLst>
-                        <p:par>
-                          <p:cTn id="20" fill="hold">
-                            <p:stCondLst>
-                              <p:cond delay="0"/>
-                            </p:stCondLst>
-                            <p:childTnLst>
-                              <p:par>
-                                <p:cTn id="21" presetID="10" presetClass="entr" presetSubtype="0" fill="hold" nodeType="clickEffect">
-                                  <p:stCondLst>
-                                    <p:cond delay="0"/>
-                                  </p:stCondLst>
-                                  <p:childTnLst>
-                                    <p:set>
-                                      <p:cBhvr>
-                                        <p:cTn id="22" dur="1" fill="hold">
-                                          <p:stCondLst>
-                                            <p:cond delay="0"/>
-                                          </p:stCondLst>
-                                        </p:cTn>
-                                        <p:tgtEl>
-                                          <p:spTgt spid="9"/>
-                                        </p:tgtEl>
-                                        <p:attrNameLst>
-                                          <p:attrName>style.visibility</p:attrName>
-                                        </p:attrNameLst>
-                                      </p:cBhvr>
-                                      <p:to>
-                                        <p:strVal val="visible"/>
-                                      </p:to>
-                                    </p:set>
-                                    <p:animEffect transition="in" filter="fade">
-                                      <p:cBhvr>
-                                        <p:cTn id="23" dur="500"/>
-                                        <p:tgtEl>
-                                          <p:spTgt spid="9"/>
-                                        </p:tgtEl>
-                                      </p:cBhvr>
-                                    </p:animEffect>
-                                  </p:childTnLst>
-                                </p:cTn>
-                              </p:par>
-                              <p:par>
-                                <p:cTn id="24" presetID="10" presetClass="exit" presetSubtype="0" fill="hold" grpId="1" nodeType="withEffect">
-                                  <p:stCondLst>
-                                    <p:cond delay="0"/>
-                                  </p:stCondLst>
-                                  <p:childTnLst>
-                                    <p:animEffect transition="out" filter="fade">
-                                      <p:cBhvr>
-                                        <p:cTn id="25" dur="500"/>
-                                        <p:tgtEl>
-                                          <p:spTgt spid="6"/>
-                                        </p:tgtEl>
-                                      </p:cBhvr>
-                                    </p:animEffect>
-                                    <p:set>
-                                      <p:cBhvr>
-                                        <p:cTn id="26" dur="1" fill="hold">
-                                          <p:stCondLst>
-                                            <p:cond delay="499"/>
-                                          </p:stCondLst>
-                                        </p:cTn>
-                                        <p:tgtEl>
-                                          <p:spTgt spid="6"/>
-                                        </p:tgtEl>
-                                        <p:attrNameLst>
-                                          <p:attrName>style.visibility</p:attrName>
-                                        </p:attrNameLst>
-                                      </p:cBhvr>
-                                      <p:to>
-                                        <p:strVal val="hidden"/>
-                                      </p:to>
-                                    </p:set>
-                                  </p:childTnLst>
-                                </p:cTn>
-                              </p:par>
-                            </p:childTnLst>
-                          </p:cTn>
-                        </p:par>
-                      </p:childTnLst>
-                    </p:cTn>
-                  </p:par>
-                  <p:par>
-                    <p:cTn id="27" fill="hold">
-                      <p:stCondLst>
-                        <p:cond delay="indefinite"/>
-                      </p:stCondLst>
-                      <p:childTnLst>
-                        <p:par>
-                          <p:cTn id="28" fill="hold">
-                            <p:stCondLst>
-                              <p:cond delay="0"/>
-                            </p:stCondLst>
-                            <p:childTnLst>
-                              <p:par>
-                                <p:cTn id="29" presetID="10" presetClass="entr" presetSubtype="0" fill="hold" grpId="0" nodeType="clickEffect">
-                                  <p:stCondLst>
-                                    <p:cond delay="0"/>
-                                  </p:stCondLst>
-                                  <p:childTnLst>
-                                    <p:set>
-                                      <p:cBhvr>
-                                        <p:cTn id="30" dur="1" fill="hold">
-                                          <p:stCondLst>
-                                            <p:cond delay="0"/>
-                                          </p:stCondLst>
-                                        </p:cTn>
-                                        <p:tgtEl>
-                                          <p:spTgt spid="10"/>
-                                        </p:tgtEl>
-                                        <p:attrNameLst>
-                                          <p:attrName>style.visibility</p:attrName>
-                                        </p:attrNameLst>
-                                      </p:cBhvr>
-                                      <p:to>
-                                        <p:strVal val="visible"/>
-                                      </p:to>
-                                    </p:set>
-                                    <p:animEffect transition="in" filter="fade">
-                                      <p:cBhvr>
-                                        <p:cTn id="31" dur="500"/>
-                                        <p:tgtEl>
-                                          <p:spTgt spid="10"/>
-                                        </p:tgtEl>
-                                      </p:cBhvr>
-                                    </p:animEffect>
-                                  </p:childTnLst>
-                                </p:cTn>
-                              </p:par>
-                              <p:par>
-                                <p:cTn id="32" presetID="10" presetClass="exit" presetSubtype="0" fill="hold" nodeType="withEffect">
-                                  <p:stCondLst>
-                                    <p:cond delay="0"/>
-                                  </p:stCondLst>
-                                  <p:childTnLst>
-                                    <p:animEffect transition="out" filter="fade">
-                                      <p:cBhvr>
-                                        <p:cTn id="33" dur="500"/>
-                                        <p:tgtEl>
-                                          <p:spTgt spid="9"/>
-                                        </p:tgtEl>
-                                      </p:cBhvr>
-                                    </p:animEffect>
-                                    <p:set>
-                                      <p:cBhvr>
-                                        <p:cTn id="34" dur="1" fill="hold">
-                                          <p:stCondLst>
-                                            <p:cond delay="499"/>
-                                          </p:stCondLst>
-                                        </p:cTn>
-                                        <p:tgtEl>
-                                          <p:spTgt spid="9"/>
-                                        </p:tgtEl>
-                                        <p:attrNameLst>
-                                          <p:attrName>style.visibility</p:attrName>
-                                        </p:attrNameLst>
-                                      </p:cBhvr>
-                                      <p:to>
-                                        <p:strVal val="hidden"/>
-                                      </p:to>
-                                    </p:set>
-                                  </p:childTnLst>
-                                </p:cTn>
-                              </p:par>
-                            </p:childTnLst>
-                          </p:cTn>
-                        </p:par>
-                      </p:childTnLst>
-                    </p:cTn>
-                  </p:par>
-                  <p:par>
-                    <p:cTn id="35" fill="hold">
-                      <p:stCondLst>
-                        <p:cond delay="indefinite"/>
-                      </p:stCondLst>
-                      <p:childTnLst>
-                        <p:par>
-                          <p:cTn id="36" fill="hold">
-                            <p:stCondLst>
-                              <p:cond delay="0"/>
-                            </p:stCondLst>
-                            <p:childTnLst>
-                              <p:par>
-                                <p:cTn id="37" presetID="10" presetClass="entr" presetSubtype="0" fill="hold" grpId="0" nodeType="clickEffect">
-                                  <p:stCondLst>
-                                    <p:cond delay="0"/>
-                                  </p:stCondLst>
-                                  <p:childTnLst>
-                                    <p:set>
-                                      <p:cBhvr>
-                                        <p:cTn id="38" dur="1" fill="hold">
-                                          <p:stCondLst>
-                                            <p:cond delay="0"/>
-                                          </p:stCondLst>
-                                        </p:cTn>
-                                        <p:tgtEl>
-                                          <p:spTgt spid="11"/>
-                                        </p:tgtEl>
-                                        <p:attrNameLst>
-                                          <p:attrName>style.visibility</p:attrName>
-                                        </p:attrNameLst>
-                                      </p:cBhvr>
-                                      <p:to>
-                                        <p:strVal val="visible"/>
-                                      </p:to>
-                                    </p:set>
-                                    <p:animEffect transition="in" filter="fade">
-                                      <p:cBhvr>
-                                        <p:cTn id="39" dur="500"/>
-                                        <p:tgtEl>
-                                          <p:spTgt spid="11"/>
-                                        </p:tgtEl>
-                                      </p:cBhvr>
-                                    </p:animEffect>
-                                  </p:childTnLst>
-                                </p:cTn>
-                              </p:par>
-                              <p:par>
-                                <p:cTn id="40" presetID="10" presetClass="exit" presetSubtype="0" fill="hold" grpId="1" nodeType="withEffect">
-                                  <p:stCondLst>
-                                    <p:cond delay="0"/>
-                                  </p:stCondLst>
-                                  <p:childTnLst>
-                                    <p:animEffect transition="out" filter="fade">
-                                      <p:cBhvr>
-                                        <p:cTn id="41" dur="500"/>
-                                        <p:tgtEl>
-                                          <p:spTgt spid="10"/>
-                                        </p:tgtEl>
-                                      </p:cBhvr>
-                                    </p:animEffect>
-                                    <p:set>
-                                      <p:cBhvr>
-                                        <p:cTn id="42" dur="1" fill="hold">
-                                          <p:stCondLst>
-                                            <p:cond delay="499"/>
-                                          </p:stCondLst>
-                                        </p:cTn>
-                                        <p:tgtEl>
-                                          <p:spTgt spid="10"/>
-                                        </p:tgtEl>
-                                        <p:attrNameLst>
-                                          <p:attrName>style.visibility</p:attrName>
-                                        </p:attrNameLst>
-                                      </p:cBhvr>
-                                      <p:to>
-                                        <p:strVal val="hidden"/>
-                                      </p:to>
-                                    </p:set>
-                                  </p:childTnLst>
-                                </p:cTn>
-                              </p:par>
-                            </p:childTnLst>
-                          </p:cTn>
-                        </p:par>
-                      </p:childTnLst>
-                    </p:cTn>
-                  </p:par>
-                  <p:par>
-                    <p:cTn id="43" fill="hold">
-                      <p:stCondLst>
-                        <p:cond delay="indefinite"/>
-                      </p:stCondLst>
-                      <p:childTnLst>
-                        <p:par>
-                          <p:cTn id="44" fill="hold">
-                            <p:stCondLst>
-                              <p:cond delay="0"/>
-                            </p:stCondLst>
-                            <p:childTnLst>
-                              <p:par>
-                                <p:cTn id="45" presetID="10" presetClass="entr" presetSubtype="0" fill="hold" nodeType="clickEffect">
-                                  <p:stCondLst>
-                                    <p:cond delay="0"/>
-                                  </p:stCondLst>
-                                  <p:childTnLst>
-                                    <p:set>
-                                      <p:cBhvr>
-                                        <p:cTn id="46" dur="1" fill="hold">
-                                          <p:stCondLst>
-                                            <p:cond delay="0"/>
-                                          </p:stCondLst>
-                                        </p:cTn>
-                                        <p:tgtEl>
-                                          <p:spTgt spid="16"/>
-                                        </p:tgtEl>
-                                        <p:attrNameLst>
-                                          <p:attrName>style.visibility</p:attrName>
-                                        </p:attrNameLst>
-                                      </p:cBhvr>
-                                      <p:to>
-                                        <p:strVal val="visible"/>
-                                      </p:to>
-                                    </p:set>
-                                    <p:animEffect transition="in" filter="fade">
-                                      <p:cBhvr>
-                                        <p:cTn id="47" dur="500"/>
-                                        <p:tgtEl>
-                                          <p:spTgt spid="16"/>
-                                        </p:tgtEl>
-                                      </p:cBhvr>
-                                    </p:animEffect>
-                                  </p:childTnLst>
-                                </p:cTn>
-                              </p:par>
-                              <p:par>
-                                <p:cTn id="48" presetID="10" presetClass="exit" presetSubtype="0" fill="hold" grpId="1" nodeType="withEffect">
-                                  <p:stCondLst>
-                                    <p:cond delay="0"/>
-                                  </p:stCondLst>
-                                  <p:childTnLst>
-                                    <p:animEffect transition="out" filter="fade">
-                                      <p:cBhvr>
-                                        <p:cTn id="49" dur="500"/>
-                                        <p:tgtEl>
-                                          <p:spTgt spid="11"/>
-                                        </p:tgtEl>
-                                      </p:cBhvr>
-                                    </p:animEffect>
-                                    <p:set>
-                                      <p:cBhvr>
-                                        <p:cTn id="50" dur="1" fill="hold">
-                                          <p:stCondLst>
-                                            <p:cond delay="499"/>
-                                          </p:stCondLst>
-                                        </p:cTn>
-                                        <p:tgtEl>
-                                          <p:spTgt spid="11"/>
-                                        </p:tgtEl>
-                                        <p:attrNameLst>
-                                          <p:attrName>style.visibility</p:attrName>
-                                        </p:attrNameLst>
-                                      </p:cBhvr>
-                                      <p:to>
-                                        <p:strVal val="hidden"/>
-                                      </p:to>
-                                    </p:set>
-                                  </p:childTnLst>
-                                </p:cTn>
-                              </p:par>
-                            </p:childTnLst>
-                          </p:cTn>
-                        </p:par>
-                      </p:childTnLst>
-                    </p:cTn>
-                  </p:par>
-                  <p:par>
-                    <p:cTn id="51" fill="hold">
-                      <p:stCondLst>
-                        <p:cond delay="indefinite"/>
-                      </p:stCondLst>
-                      <p:childTnLst>
-                        <p:par>
-                          <p:cTn id="52" fill="hold">
-                            <p:stCondLst>
-                              <p:cond delay="0"/>
-                            </p:stCondLst>
-                            <p:childTnLst>
-                              <p:par>
-                                <p:cTn id="53" presetID="10" presetClass="entr" presetSubtype="0" fill="hold" grpId="0" nodeType="clickEffect">
-                                  <p:stCondLst>
-                                    <p:cond delay="0"/>
-                                  </p:stCondLst>
-                                  <p:childTnLst>
-                                    <p:set>
-                                      <p:cBhvr>
-                                        <p:cTn id="54" dur="1" fill="hold">
-                                          <p:stCondLst>
-                                            <p:cond delay="0"/>
-                                          </p:stCondLst>
-                                        </p:cTn>
-                                        <p:tgtEl>
-                                          <p:spTgt spid="17"/>
-                                        </p:tgtEl>
-                                        <p:attrNameLst>
-                                          <p:attrName>style.visibility</p:attrName>
-                                        </p:attrNameLst>
-                                      </p:cBhvr>
-                                      <p:to>
-                                        <p:strVal val="visible"/>
-                                      </p:to>
-                                    </p:set>
-                                    <p:animEffect transition="in" filter="fade">
-                                      <p:cBhvr>
-                                        <p:cTn id="55" dur="500"/>
-                                        <p:tgtEl>
-                                          <p:spTgt spid="17"/>
-                                        </p:tgtEl>
-                                      </p:cBhvr>
-                                    </p:animEffect>
-                                  </p:childTnLst>
-                                </p:cTn>
-                              </p:par>
-                              <p:par>
-                                <p:cTn id="56" presetID="10" presetClass="exit" presetSubtype="0" fill="hold" nodeType="withEffect">
-                                  <p:stCondLst>
-                                    <p:cond delay="0"/>
-                                  </p:stCondLst>
-                                  <p:childTnLst>
-                                    <p:animEffect transition="out" filter="fade">
-                                      <p:cBhvr>
-                                        <p:cTn id="57" dur="500"/>
-                                        <p:tgtEl>
-                                          <p:spTgt spid="16"/>
-                                        </p:tgtEl>
-                                      </p:cBhvr>
-                                    </p:animEffect>
-                                    <p:set>
-                                      <p:cBhvr>
-                                        <p:cTn id="58" dur="1" fill="hold">
-                                          <p:stCondLst>
-                                            <p:cond delay="499"/>
-                                          </p:stCondLst>
-                                        </p:cTn>
-                                        <p:tgtEl>
-                                          <p:spTgt spid="16"/>
-                                        </p:tgtEl>
-                                        <p:attrNameLst>
-                                          <p:attrName>style.visibility</p:attrName>
-                                        </p:attrNameLst>
-                                      </p:cBhvr>
-                                      <p:to>
-                                        <p:strVal val="hidden"/>
-                                      </p:to>
-                                    </p:set>
-                                  </p:childTnLst>
-                                </p:cTn>
-                              </p:par>
-                            </p:childTnLst>
-                          </p:cTn>
-                        </p:par>
-                      </p:childTnLst>
-                    </p:cTn>
-                  </p:par>
-                </p:childTnLst>
-              </p:cTn>
-              <p:prevCondLst>
-                <p:cond evt="onPrev" delay="0">
-                  <p:tgtEl>
-                    <p:sldTgt/>
-                  </p:tgtEl>
-                </p:cond>
-              </p:prevCondLst>
-              <p:nextCondLst>
-                <p:cond evt="onNext" delay="0">
-                  <p:tgtEl>
-                    <p:sldTgt/>
-                  </p:tgtEl>
-                </p:cond>
-              </p:nextCondLst>
-            </p:seq>
-          </p:childTnLst>
-        </p:cTn>
-      </p:par>
-    </p:tnLst>
-    <p:bldLst>
-      <p:bldP spid="4" grpId="0" animBg="1"/>
-      <p:bldP spid="5" grpId="0" animBg="1"/>
-      <p:bldP spid="5" grpId="1" animBg="1"/>
-      <p:bldP spid="6" grpId="0" animBg="1"/>
-      <p:bldP spid="6" grpId="1" animBg="1"/>
-      <p:bldP spid="10" grpId="0" animBg="1"/>
-      <p:bldP spid="10" grpId="1" animBg="1"/>
-      <p:bldP spid="11" grpId="0" animBg="1"/>
-      <p:bldP spid="11" grpId="1" animBg="1"/>
-      <p:bldP spid="17" grpId="0" animBg="1"/>
-    </p:bldLst>
-  </p:timing>
-</p:sld>
-</file>
-
-<file path=ppt/slides/slide32.xml><?xml version="1.0" encoding="utf-8"?>
-<p:sld xmlns:a="http://schemas.openxmlformats.org/drawingml/2006/main" xmlns:r="http://schemas.openxmlformats.org/officeDocument/2006/relationships" xmlns:p="http://schemas.openxmlformats.org/presentationml/2006/main">
-  <p:cSld>
-    <p:spTree>
-      <p:nvGrpSpPr>
-        <p:cNvPr id="1" name=""/>
-        <p:cNvGrpSpPr/>
-        <p:nvPr/>
-      </p:nvGrpSpPr>
-      <p:grpSpPr>
-        <a:xfrm>
-          <a:off x="0" y="0"/>
-          <a:ext cx="0" cy="0"/>
-          <a:chOff x="0" y="0"/>
-          <a:chExt cx="0" cy="0"/>
-        </a:xfrm>
-      </p:grpSpPr>
-      <p:sp>
-        <p:nvSpPr>
-          <p:cNvPr id="3" name="Rectangle 4"/>
-          <p:cNvSpPr/>
-          <p:nvPr/>
-        </p:nvSpPr>
-        <p:spPr>
-          <a:xfrm>
-            <a:off x="0" y="2286000"/>
-            <a:ext cx="9144000" cy="2209800"/>
-          </a:xfrm>
-          <a:prstGeom prst="rect">
-            <a:avLst/>
-          </a:prstGeom>
-          <a:solidFill>
-            <a:srgbClr val="002060"/>
-          </a:solidFill>
-        </p:spPr>
-        <p:style>
-          <a:lnRef idx="2">
-            <a:schemeClr val="accent1">
-              <a:shade val="50000"/>
-            </a:schemeClr>
-          </a:lnRef>
-          <a:fillRef idx="1">
-            <a:schemeClr val="accent1"/>
-          </a:fillRef>
-          <a:effectRef idx="0">
-            <a:schemeClr val="accent1"/>
-          </a:effectRef>
-          <a:fontRef idx="minor">
-            <a:schemeClr val="lt1"/>
-          </a:fontRef>
-        </p:style>
-        <p:txBody>
-          <a:bodyPr rtlCol="0" anchor="ctr"/>
-          <a:lstStyle/>
-          <a:p>
-            <a:pPr algn="ctr"/>
-            <a:endParaRPr lang="en-US"/>
-          </a:p>
-        </p:txBody>
-      </p:sp>
-      <p:sp>
-        <p:nvSpPr>
-          <p:cNvPr id="2" name="HighlightBackgroundShape73075057-96f2-467a-9739-220ecca5ae94"/>
-          <p:cNvSpPr txBox="1"/>
-          <p:nvPr/>
-        </p:nvSpPr>
-        <p:spPr>
-          <a:xfrm>
-            <a:off x="762000" y="533400"/>
-            <a:ext cx="7620000" cy="5909310"/>
-          </a:xfrm>
-          <a:prstGeom prst="rect">
-            <a:avLst/>
-          </a:prstGeom>
-          <a:noFill/>
-        </p:spPr>
-        <p:txBody>
-          <a:bodyPr wrap="square" rtlCol="0">
-            <a:spAutoFit/>
-          </a:bodyPr>
-          <a:lstStyle/>
-          <a:p>
-            <a:pPr marL="285750" indent="-285750">
-              <a:buFont typeface="Arial" panose="020B0604020202020204" pitchFamily="34" charset="0"/>
-              <a:buChar char="•"/>
-            </a:pPr>
-            <a:r>
-              <a:rPr lang="en-US" sz="2800" dirty="0" smtClean="0"/>
-              <a:t>Test - Non-ABC: 1234567890!@#$%^&amp;*()</a:t>
-            </a:r>
-          </a:p>
-          <a:p>
-            <a:r>
-              <a:rPr lang="en-US" sz="2800" dirty="0"/>
-              <a:t>Test </a:t>
-            </a:r>
-            <a:r>
-              <a:rPr lang="en-US" sz="2800" dirty="0" smtClean="0"/>
-              <a:t>– No bullet point</a:t>
-            </a:r>
-            <a:endParaRPr lang="en-US" sz="2800" dirty="0"/>
-          </a:p>
-          <a:p>
-            <a:pPr marL="514350" indent="-514350">
-              <a:buFont typeface="+mj-lt"/>
-              <a:buAutoNum type="arabicPeriod"/>
-            </a:pPr>
-            <a:r>
-              <a:rPr lang="en-US" sz="2800" dirty="0"/>
-              <a:t>Test – </a:t>
-            </a:r>
-            <a:r>
-              <a:rPr lang="en-US" sz="2800" dirty="0" smtClean="0"/>
-              <a:t>Different bullet point</a:t>
-            </a:r>
-          </a:p>
-          <a:p>
-            <a:pPr marL="285750" indent="-285750">
-              <a:buFont typeface="Arial" panose="020B0604020202020204" pitchFamily="34" charset="0"/>
-              <a:buChar char="•"/>
-            </a:pPr>
-            <a:r>
-              <a:rPr lang="en-US" sz="2800" dirty="0" smtClean="0">
-                <a:latin typeface="Times New Roman" panose="02020603050405020304" pitchFamily="18" charset="0"/>
-                <a:cs typeface="Times New Roman" panose="02020603050405020304" pitchFamily="18" charset="0"/>
-              </a:rPr>
-              <a:t>Test - Another Font Family, using Times New Roman</a:t>
-            </a:r>
-          </a:p>
-          <a:p>
-            <a:pPr marL="285750" indent="-285750">
-              <a:buFont typeface="Arial" panose="020B0604020202020204" pitchFamily="34" charset="0"/>
-              <a:buChar char="•"/>
-            </a:pPr>
-            <a:r>
-              <a:rPr lang="en-US" sz="1000" dirty="0" smtClean="0"/>
-              <a:t>Test - very small content. Test: very small content. Test: very small content. Test: very small content</a:t>
-            </a:r>
-          </a:p>
-          <a:p>
-            <a:pPr marL="285750" indent="-285750">
-              <a:buFont typeface="Arial" panose="020B0604020202020204" pitchFamily="34" charset="0"/>
-              <a:buChar char="•"/>
-            </a:pPr>
-            <a:r>
-              <a:rPr lang="en-US" sz="6600" dirty="0" smtClean="0">
-                <a:latin typeface="Arial Black" panose="020B0A04020102020204" pitchFamily="34" charset="0"/>
-              </a:rPr>
-              <a:t>Test - very big</a:t>
-            </a:r>
-          </a:p>
-          <a:p>
-            <a:pPr marL="285750" indent="-285750">
-              <a:buFont typeface="Arial" panose="020B0604020202020204" pitchFamily="34" charset="0"/>
-              <a:buChar char="•"/>
-            </a:pPr>
-            <a:r>
-              <a:rPr lang="en-US" sz="3600" dirty="0" smtClean="0"/>
-              <a:t>Test – Long sentence: </a:t>
-            </a:r>
-            <a:r>
-              <a:rPr lang="en-US" sz="3600" dirty="0" err="1" smtClean="0"/>
-              <a:t>Asdddd</a:t>
-            </a:r>
-            <a:r>
-              <a:rPr lang="en-US" sz="3600" dirty="0" smtClean="0"/>
-              <a:t> </a:t>
-            </a:r>
-            <a:r>
-              <a:rPr lang="en-US" sz="3600" dirty="0" err="1" smtClean="0"/>
-              <a:t>ddd</a:t>
-            </a:r>
-            <a:r>
-              <a:rPr lang="en-US" sz="3600" dirty="0" smtClean="0"/>
-              <a:t> </a:t>
-            </a:r>
-            <a:r>
-              <a:rPr lang="en-US" sz="3600" dirty="0" err="1" smtClean="0"/>
-              <a:t>dd</a:t>
-            </a:r>
-            <a:r>
-              <a:rPr lang="en-US" sz="3600" dirty="0" smtClean="0"/>
-              <a:t> d </a:t>
-            </a:r>
-            <a:r>
-              <a:rPr lang="en-US" sz="3600" dirty="0" err="1" smtClean="0"/>
-              <a:t>ddddd</a:t>
-            </a:r>
-            <a:r>
-              <a:rPr lang="en-US" sz="3600" dirty="0" smtClean="0"/>
-              <a:t> </a:t>
-            </a:r>
-            <a:r>
-              <a:rPr lang="en-US" sz="3600" dirty="0" err="1" smtClean="0"/>
-              <a:t>ddd</a:t>
-            </a:r>
-            <a:r>
-              <a:rPr lang="en-US" sz="3600" dirty="0" smtClean="0"/>
-              <a:t> </a:t>
-            </a:r>
-            <a:r>
-              <a:rPr lang="en-US" sz="3600" dirty="0" err="1" smtClean="0"/>
-              <a:t>ddd</a:t>
-            </a:r>
-            <a:r>
-              <a:rPr lang="en-US" sz="3600" dirty="0" smtClean="0"/>
-              <a:t> </a:t>
-            </a:r>
-            <a:r>
-              <a:rPr lang="en-US" sz="3600" dirty="0" err="1" smtClean="0"/>
-              <a:t>ddd</a:t>
-            </a:r>
-            <a:r>
-              <a:rPr lang="en-US" sz="3600" dirty="0" smtClean="0"/>
-              <a:t> </a:t>
-            </a:r>
-            <a:r>
-              <a:rPr lang="en-US" sz="3600" dirty="0" err="1" smtClean="0"/>
-              <a:t>ddd</a:t>
-            </a:r>
-            <a:r>
-              <a:rPr lang="en-US" sz="3600" dirty="0" smtClean="0"/>
-              <a:t> </a:t>
-            </a:r>
-            <a:r>
-              <a:rPr lang="en-US" sz="3600" dirty="0" err="1" smtClean="0"/>
-              <a:t>ddd</a:t>
-            </a:r>
-            <a:r>
-              <a:rPr lang="en-US" sz="3600" dirty="0" smtClean="0"/>
-              <a:t> </a:t>
-            </a:r>
-            <a:r>
-              <a:rPr lang="en-US" sz="3600" dirty="0" err="1" smtClean="0"/>
-              <a:t>ddd</a:t>
-            </a:r>
-            <a:r>
-              <a:rPr lang="en-US" sz="3600" dirty="0" smtClean="0"/>
-              <a:t> </a:t>
-            </a:r>
-            <a:r>
-              <a:rPr lang="en-US" sz="3600" dirty="0" err="1" smtClean="0"/>
-              <a:t>ddd</a:t>
-            </a:r>
-            <a:r>
-              <a:rPr lang="en-US" sz="3600" dirty="0" smtClean="0"/>
-              <a:t> </a:t>
-            </a:r>
-            <a:r>
-              <a:rPr lang="en-US" sz="3600" dirty="0" err="1" smtClean="0"/>
-              <a:t>dddddd</a:t>
-            </a:r>
-            <a:r>
-              <a:rPr lang="en-US" sz="3600" dirty="0" smtClean="0"/>
-              <a:t> </a:t>
-            </a:r>
-            <a:r>
-              <a:rPr lang="en-US" sz="3600" dirty="0" err="1" smtClean="0"/>
-              <a:t>dd</a:t>
-            </a:r>
-            <a:r>
-              <a:rPr lang="en-US" sz="3600" dirty="0" smtClean="0"/>
-              <a:t> </a:t>
-            </a:r>
-            <a:r>
-              <a:rPr lang="en-US" sz="3600" dirty="0" err="1" smtClean="0"/>
-              <a:t>ddd</a:t>
-            </a:r>
-            <a:r>
-              <a:rPr lang="en-US" sz="3600" dirty="0" smtClean="0"/>
-              <a:t> </a:t>
-            </a:r>
-            <a:r>
-              <a:rPr lang="en-US" sz="3600" dirty="0" err="1" smtClean="0"/>
-              <a:t>ddddd</a:t>
-            </a:r>
-            <a:r>
-              <a:rPr lang="en-US" sz="3600" dirty="0" smtClean="0"/>
-              <a:t> </a:t>
-            </a:r>
-            <a:r>
-              <a:rPr lang="en-US" sz="3600" dirty="0" err="1" smtClean="0"/>
-              <a:t>dd</a:t>
-            </a:r>
-            <a:r>
-              <a:rPr lang="en-US" sz="3600" dirty="0" smtClean="0"/>
-              <a:t> </a:t>
-            </a:r>
-            <a:r>
-              <a:rPr lang="en-US" sz="3600" dirty="0" err="1" smtClean="0"/>
-              <a:t>dd</a:t>
-            </a:r>
-            <a:r>
-              <a:rPr lang="en-US" sz="3600" dirty="0" smtClean="0"/>
-              <a:t> d </a:t>
-            </a:r>
-            <a:r>
-              <a:rPr lang="en-US" sz="3600" dirty="0" err="1" smtClean="0"/>
-              <a:t>ddd</a:t>
-            </a:r>
-            <a:r>
-              <a:rPr lang="en-US" sz="3600" dirty="0" smtClean="0"/>
-              <a:t> </a:t>
-            </a:r>
-            <a:r>
-              <a:rPr lang="en-US" sz="3600" dirty="0" err="1" smtClean="0"/>
-              <a:t>ddd</a:t>
-            </a:r>
-            <a:endParaRPr lang="en-US" sz="3600" dirty="0" smtClean="0"/>
-          </a:p>
-          <a:p>
-            <a:pPr marL="285750" indent="-285750">
-              <a:buFont typeface="Arial" panose="020B0604020202020204" pitchFamily="34" charset="0"/>
-              <a:buChar char="•"/>
-            </a:pPr>
-            <a:r>
-              <a:rPr lang="en-US" altLang="zh-CN" dirty="0" smtClean="0"/>
-              <a:t>Test – Chinese Characters: </a:t>
-            </a:r>
-            <a:r>
-              <a:rPr lang="zh-CN" altLang="en-US" dirty="0" smtClean="0"/>
-              <a:t>阿</a:t>
-            </a:r>
-            <a:r>
-              <a:rPr lang="zh-CN" altLang="en-US" dirty="0"/>
-              <a:t>斯</a:t>
-            </a:r>
-            <a:r>
-              <a:rPr lang="zh-CN" altLang="en-US" dirty="0" smtClean="0"/>
-              <a:t>顿啊盛大速度啊盛大速度啊盛大速度</a:t>
-            </a:r>
-            <a:endParaRPr lang="en-SG" dirty="0"/>
-          </a:p>
-        </p:txBody>
-      </p:sp>
-    </p:spTree>
-    <p:extLst>
-      <p:ext uri="{BB962C8B-B14F-4D97-AF65-F5344CB8AC3E}">
-        <p14:creationId xmlns:p14="http://schemas.microsoft.com/office/powerpoint/2010/main" val="116441609"/>
-      </p:ext>
-    </p:extLst>
-  </p:cSld>
-  <p:clrMapOvr>
-    <a:masterClrMapping/>
-  </p:clrMapOvr>
-  <p:transition spd="slow">
-    <p:push dir="u"/>
-  </p:transition>
-  <p:timing>
-    <p:tnLst>
-      <p:par>
-        <p:cTn id="1" dur="indefinite" restart="never" nodeType="tmRoot"/>
-      </p:par>
-    </p:tnLst>
-  </p:timing>
-</p:sld>
-</file>
-
-<file path=ppt/slides/slide33.xml><?xml version="1.0" encoding="utf-8"?>
 <p:sld xmlns:a="http://schemas.openxmlformats.org/drawingml/2006/main" xmlns:r="http://schemas.openxmlformats.org/officeDocument/2006/relationships" xmlns:p="http://schemas.openxmlformats.org/presentationml/2006/main" show="0">
   <p:cSld name="PPTLabsAcknowledgementSlide">
     <p:spTree>
@@ -25189,6 +18367,94 @@
       <p:transition spd="slow"/>
     </mc:Fallback>
   </mc:AlternateContent>
+  <p:timing>
+    <p:tnLst>
+      <p:par>
+        <p:cTn id="1" dur="indefinite" restart="never" nodeType="tmRoot"/>
+      </p:par>
+    </p:tnLst>
+  </p:timing>
+</p:sld>
+</file>
+
+<file path=ppt/slides/slide3.xml><?xml version="1.0" encoding="utf-8"?>
+<p:sld xmlns:a="http://schemas.openxmlformats.org/drawingml/2006/main" xmlns:r="http://schemas.openxmlformats.org/officeDocument/2006/relationships" xmlns:p="http://schemas.openxmlformats.org/presentationml/2006/main">
+  <p:cSld>
+    <p:spTree>
+      <p:nvGrpSpPr>
+        <p:cNvPr id="1" name=""/>
+        <p:cNvGrpSpPr/>
+        <p:nvPr/>
+      </p:nvGrpSpPr>
+      <p:grpSpPr>
+        <a:xfrm>
+          <a:off x="0" y="0"/>
+          <a:ext cx="0" cy="0"/>
+          <a:chOff x="0" y="0"/>
+          <a:chExt cx="0" cy="0"/>
+        </a:xfrm>
+      </p:grpSpPr>
+      <p:sp>
+        <p:nvSpPr>
+          <p:cNvPr id="2" name="Title 1"/>
+          <p:cNvSpPr>
+            <a:spLocks noGrp="1"/>
+          </p:cNvSpPr>
+          <p:nvPr>
+            <p:ph type="title"/>
+          </p:nvPr>
+        </p:nvSpPr>
+        <p:spPr/>
+        <p:txBody>
+          <a:bodyPr/>
+          <a:lstStyle/>
+          <a:p>
+            <a:r>
+              <a:rPr lang="en-US" dirty="0" smtClean="0"/>
+              <a:t>Highlight Points:: Highlight Text – Select Slide</a:t>
+            </a:r>
+            <a:endParaRPr lang="en-SG" dirty="0"/>
+          </a:p>
+        </p:txBody>
+      </p:sp>
+      <p:sp>
+        <p:nvSpPr>
+          <p:cNvPr id="4" name="Content Placeholder 2"/>
+          <p:cNvSpPr>
+            <a:spLocks noGrp="1"/>
+          </p:cNvSpPr>
+          <p:nvPr>
+            <p:ph idx="1"/>
+          </p:nvPr>
+        </p:nvSpPr>
+        <p:spPr>
+          <a:xfrm>
+            <a:off x="457200" y="3124200"/>
+            <a:ext cx="8229600" cy="3001963"/>
+          </a:xfrm>
+        </p:spPr>
+        <p:txBody>
+          <a:bodyPr/>
+          <a:lstStyle/>
+          <a:p>
+            <a:r>
+              <a:rPr lang="en-US" dirty="0" smtClean="0"/>
+              <a:t>Select the slide and click “Highlight Points”</a:t>
+            </a:r>
+            <a:endParaRPr lang="en-SG" dirty="0"/>
+          </a:p>
+        </p:txBody>
+      </p:sp>
+    </p:spTree>
+    <p:extLst>
+      <p:ext uri="{BB962C8B-B14F-4D97-AF65-F5344CB8AC3E}">
+        <p14:creationId xmlns:p14="http://schemas.microsoft.com/office/powerpoint/2010/main" val="1286891872"/>
+      </p:ext>
+    </p:extLst>
+  </p:cSld>
+  <p:clrMapOvr>
+    <a:masterClrMapping/>
+  </p:clrMapOvr>
   <p:timing>
     <p:tnLst>
       <p:par>
@@ -28230,43 +21496,43 @@
 
 <file path=ppt/tags/tag1.xml><?xml version="1.0" encoding="utf-8"?>
 <p:tagLst xmlns:a="http://schemas.openxmlformats.org/drawingml/2006/main" xmlns:r="http://schemas.openxmlformats.org/officeDocument/2006/relationships" xmlns:p="http://schemas.openxmlformats.org/presentationml/2006/main">
-  <p:tag name="HIGHLIGHTBACKGROUND" val="HighlightBackgroundShape9ac65b45-57f9-496b-b14a-3366aa98ee7a"/>
+  <p:tag name="HIGHLIGHTBACKGROUND" val="HighlightBackgroundShape961d3f1e-187d-4b94-8f93-1be85193a105"/>
 </p:tagLst>
 </file>
 
 <file path=ppt/tags/tag10.xml><?xml version="1.0" encoding="utf-8"?>
 <p:tagLst xmlns:a="http://schemas.openxmlformats.org/drawingml/2006/main" xmlns:r="http://schemas.openxmlformats.org/officeDocument/2006/relationships" xmlns:p="http://schemas.openxmlformats.org/presentationml/2006/main">
-  <p:tag name="HIGHLIGHTBACKGROUND" val="HighlightBackgroundShaped108a7e5-8eab-4301-8593-c035661b65c0"/>
+  <p:tag name="HIGHLIGHTBACKGROUND" val="HighlightBackgroundShapeea60d9b9-ed30-4da3-a1da-6902e7f48621"/>
 </p:tagLst>
 </file>
 
 <file path=ppt/tags/tag11.xml><?xml version="1.0" encoding="utf-8"?>
 <p:tagLst xmlns:a="http://schemas.openxmlformats.org/drawingml/2006/main" xmlns:r="http://schemas.openxmlformats.org/officeDocument/2006/relationships" xmlns:p="http://schemas.openxmlformats.org/presentationml/2006/main">
-  <p:tag name="HIGHLIGHTBACKGROUND" val="HighlightBackgroundShaped108a7e5-8eab-4301-8593-c035661b65c0"/>
+  <p:tag name="HIGHLIGHTBACKGROUND" val="HighlightBackgroundShapeea60d9b9-ed30-4da3-a1da-6902e7f48621"/>
 </p:tagLst>
 </file>
 
 <file path=ppt/tags/tag12.xml><?xml version="1.0" encoding="utf-8"?>
 <p:tagLst xmlns:a="http://schemas.openxmlformats.org/drawingml/2006/main" xmlns:r="http://schemas.openxmlformats.org/officeDocument/2006/relationships" xmlns:p="http://schemas.openxmlformats.org/presentationml/2006/main">
-  <p:tag name="HIGHLIGHTBACKGROUND" val="HighlightBackgroundShapee876e799-145c-4ac4-a5c9-2f5c4db0dea7"/>
+  <p:tag name="HIGHLIGHTBACKGROUND" val="HighlightBackgroundShapec485a6a5-1d97-42dc-ab66-ce7355d7009d"/>
 </p:tagLst>
 </file>
 
 <file path=ppt/tags/tag13.xml><?xml version="1.0" encoding="utf-8"?>
 <p:tagLst xmlns:a="http://schemas.openxmlformats.org/drawingml/2006/main" xmlns:r="http://schemas.openxmlformats.org/officeDocument/2006/relationships" xmlns:p="http://schemas.openxmlformats.org/presentationml/2006/main">
-  <p:tag name="HIGHLIGHTBACKGROUND" val="HighlightBackgroundShapee876e799-145c-4ac4-a5c9-2f5c4db0dea7"/>
+  <p:tag name="HIGHLIGHTBACKGROUND" val="HighlightBackgroundShapec485a6a5-1d97-42dc-ab66-ce7355d7009d"/>
 </p:tagLst>
 </file>
 
 <file path=ppt/tags/tag14.xml><?xml version="1.0" encoding="utf-8"?>
 <p:tagLst xmlns:a="http://schemas.openxmlformats.org/drawingml/2006/main" xmlns:r="http://schemas.openxmlformats.org/officeDocument/2006/relationships" xmlns:p="http://schemas.openxmlformats.org/presentationml/2006/main">
-  <p:tag name="HIGHLIGHTBACKGROUND" val="HighlightBackgroundShapee876e799-145c-4ac4-a5c9-2f5c4db0dea7"/>
+  <p:tag name="HIGHLIGHTBACKGROUND" val="HighlightBackgroundShapec485a6a5-1d97-42dc-ab66-ce7355d7009d"/>
 </p:tagLst>
 </file>
 
 <file path=ppt/tags/tag15.xml><?xml version="1.0" encoding="utf-8"?>
 <p:tagLst xmlns:a="http://schemas.openxmlformats.org/drawingml/2006/main" xmlns:r="http://schemas.openxmlformats.org/officeDocument/2006/relationships" xmlns:p="http://schemas.openxmlformats.org/presentationml/2006/main">
-  <p:tag name="HIGHLIGHTBACKGROUND" val="HighlightBackgroundShape7d893c5c-e123-41e7-9afe-9dfb1db6f258"/>
+  <p:tag name="HIGHLIGHTBACKGROUND" val="HighlightBackgroundShape2951bdb7-c805-4481-b1b6-0b041b273aa4"/>
 </p:tagLst>
 </file>
 
@@ -28296,7 +21562,7 @@
 
 <file path=ppt/tags/tag2.xml><?xml version="1.0" encoding="utf-8"?>
 <p:tagLst xmlns:a="http://schemas.openxmlformats.org/drawingml/2006/main" xmlns:r="http://schemas.openxmlformats.org/officeDocument/2006/relationships" xmlns:p="http://schemas.openxmlformats.org/presentationml/2006/main">
-  <p:tag name="HIGHLIGHTBACKGROUND" val="HighlightBackgroundShape9ac65b45-57f9-496b-b14a-3366aa98ee7a"/>
+  <p:tag name="HIGHLIGHTBACKGROUND" val="HighlightBackgroundShape961d3f1e-187d-4b94-8f93-1be85193a105"/>
 </p:tagLst>
 </file>
 
@@ -28324,159 +21590,45 @@
 </p:tagLst>
 </file>
 
-<file path=ppt/tags/tag24.xml><?xml version="1.0" encoding="utf-8"?>
-<p:tagLst xmlns:a="http://schemas.openxmlformats.org/drawingml/2006/main" xmlns:r="http://schemas.openxmlformats.org/officeDocument/2006/relationships" xmlns:p="http://schemas.openxmlformats.org/presentationml/2006/main">
-  <p:tag name="HIGHLIGHTBACKGROUND" val="HighlightBackgroundShape73075057-96f2-467a-9739-220ecca5ae94"/>
-</p:tagLst>
-</file>
-
-<file path=ppt/tags/tag25.xml><?xml version="1.0" encoding="utf-8"?>
-<p:tagLst xmlns:a="http://schemas.openxmlformats.org/drawingml/2006/main" xmlns:r="http://schemas.openxmlformats.org/officeDocument/2006/relationships" xmlns:p="http://schemas.openxmlformats.org/presentationml/2006/main">
-  <p:tag name="HIGHLIGHTBACKGROUND" val="HighlightBackgroundShape73075057-96f2-467a-9739-220ecca5ae94"/>
-</p:tagLst>
-</file>
-
-<file path=ppt/tags/tag26.xml><?xml version="1.0" encoding="utf-8"?>
-<p:tagLst xmlns:a="http://schemas.openxmlformats.org/drawingml/2006/main" xmlns:r="http://schemas.openxmlformats.org/officeDocument/2006/relationships" xmlns:p="http://schemas.openxmlformats.org/presentationml/2006/main">
-  <p:tag name="HIGHLIGHTBACKGROUND" val="HighlightBackgroundShape73075057-96f2-467a-9739-220ecca5ae94"/>
-</p:tagLst>
-</file>
-
-<file path=ppt/tags/tag27.xml><?xml version="1.0" encoding="utf-8"?>
-<p:tagLst xmlns:a="http://schemas.openxmlformats.org/drawingml/2006/main" xmlns:r="http://schemas.openxmlformats.org/officeDocument/2006/relationships" xmlns:p="http://schemas.openxmlformats.org/presentationml/2006/main">
-  <p:tag name="HIGHLIGHTBACKGROUND" val="HighlightBackgroundShape73075057-96f2-467a-9739-220ecca5ae94"/>
-</p:tagLst>
-</file>
-
-<file path=ppt/tags/tag28.xml><?xml version="1.0" encoding="utf-8"?>
-<p:tagLst xmlns:a="http://schemas.openxmlformats.org/drawingml/2006/main" xmlns:r="http://schemas.openxmlformats.org/officeDocument/2006/relationships" xmlns:p="http://schemas.openxmlformats.org/presentationml/2006/main">
-  <p:tag name="HIGHLIGHTBACKGROUND" val="HighlightBackgroundShape73075057-96f2-467a-9739-220ecca5ae94"/>
-</p:tagLst>
-</file>
-
-<file path=ppt/tags/tag29.xml><?xml version="1.0" encoding="utf-8"?>
-<p:tagLst xmlns:a="http://schemas.openxmlformats.org/drawingml/2006/main" xmlns:r="http://schemas.openxmlformats.org/officeDocument/2006/relationships" xmlns:p="http://schemas.openxmlformats.org/presentationml/2006/main">
-  <p:tag name="HIGHLIGHTBACKGROUND" val="HighlightBackgroundShape73075057-96f2-467a-9739-220ecca5ae94"/>
-</p:tagLst>
-</file>
-
 <file path=ppt/tags/tag3.xml><?xml version="1.0" encoding="utf-8"?>
 <p:tagLst xmlns:a="http://schemas.openxmlformats.org/drawingml/2006/main" xmlns:r="http://schemas.openxmlformats.org/officeDocument/2006/relationships" xmlns:p="http://schemas.openxmlformats.org/presentationml/2006/main">
-  <p:tag name="HIGHLIGHTBACKGROUND" val="HighlightBackgroundShape9ac65b45-57f9-496b-b14a-3366aa98ee7a"/>
-</p:tagLst>
-</file>
-
-<file path=ppt/tags/tag30.xml><?xml version="1.0" encoding="utf-8"?>
-<p:tagLst xmlns:a="http://schemas.openxmlformats.org/drawingml/2006/main" xmlns:r="http://schemas.openxmlformats.org/officeDocument/2006/relationships" xmlns:p="http://schemas.openxmlformats.org/presentationml/2006/main">
-  <p:tag name="HIGHLIGHTBACKGROUND" val="HighlightBackgroundShape73075057-96f2-467a-9739-220ecca5ae94"/>
-</p:tagLst>
-</file>
-
-<file path=ppt/tags/tag31.xml><?xml version="1.0" encoding="utf-8"?>
-<p:tagLst xmlns:a="http://schemas.openxmlformats.org/drawingml/2006/main" xmlns:r="http://schemas.openxmlformats.org/officeDocument/2006/relationships" xmlns:p="http://schemas.openxmlformats.org/presentationml/2006/main">
-  <p:tag name="HIGHLIGHTTEXTFRAGMENT" val="PPTLabsHighlightTextFragmentsShapef560e986-5733-437e-889b-5a50370d495c"/>
-</p:tagLst>
-</file>
-
-<file path=ppt/tags/tag32.xml><?xml version="1.0" encoding="utf-8"?>
-<p:tagLst xmlns:a="http://schemas.openxmlformats.org/drawingml/2006/main" xmlns:r="http://schemas.openxmlformats.org/officeDocument/2006/relationships" xmlns:p="http://schemas.openxmlformats.org/presentationml/2006/main">
-  <p:tag name="HIGHLIGHTTEXTFRAGMENT" val="PPTLabsHighlightTextFragmentsShape5dafe8db-bb16-4787-93f5-d40d86237947"/>
-</p:tagLst>
-</file>
-
-<file path=ppt/tags/tag33.xml><?xml version="1.0" encoding="utf-8"?>
-<p:tagLst xmlns:a="http://schemas.openxmlformats.org/drawingml/2006/main" xmlns:r="http://schemas.openxmlformats.org/officeDocument/2006/relationships" xmlns:p="http://schemas.openxmlformats.org/presentationml/2006/main">
-  <p:tag name="HIGHLIGHTTEXTFRAGMENT" val="PPTLabsHighlightTextFragmentsShapeffca0822-50bb-437f-982a-deb2b4f8c205"/>
-</p:tagLst>
-</file>
-
-<file path=ppt/tags/tag34.xml><?xml version="1.0" encoding="utf-8"?>
-<p:tagLst xmlns:a="http://schemas.openxmlformats.org/drawingml/2006/main" xmlns:r="http://schemas.openxmlformats.org/officeDocument/2006/relationships" xmlns:p="http://schemas.openxmlformats.org/presentationml/2006/main">
-  <p:tag name="HIGHLIGHTTEXTFRAGMENT" val="PPTLabsHighlightTextFragmentsShapea8e1a1fe-6afa-4cc1-bd33-8aab284f6778"/>
-</p:tagLst>
-</file>
-
-<file path=ppt/tags/tag35.xml><?xml version="1.0" encoding="utf-8"?>
-<p:tagLst xmlns:a="http://schemas.openxmlformats.org/drawingml/2006/main" xmlns:r="http://schemas.openxmlformats.org/officeDocument/2006/relationships" xmlns:p="http://schemas.openxmlformats.org/presentationml/2006/main">
-  <p:tag name="HIGHLIGHTTEXTFRAGMENT" val="PPTLabsHighlightTextFragmentsShapedfbef032-dc4f-4081-8a5a-2a30bf72c5ed"/>
-</p:tagLst>
-</file>
-
-<file path=ppt/tags/tag36.xml><?xml version="1.0" encoding="utf-8"?>
-<p:tagLst xmlns:a="http://schemas.openxmlformats.org/drawingml/2006/main" xmlns:r="http://schemas.openxmlformats.org/officeDocument/2006/relationships" xmlns:p="http://schemas.openxmlformats.org/presentationml/2006/main">
-  <p:tag name="HIGHLIGHTTEXTFRAGMENT" val="PPTLabsHighlightTextFragmentsShaped3190702-95da-4afd-8acf-a33bcd3b3049"/>
-</p:tagLst>
-</file>
-
-<file path=ppt/tags/tag37.xml><?xml version="1.0" encoding="utf-8"?>
-<p:tagLst xmlns:a="http://schemas.openxmlformats.org/drawingml/2006/main" xmlns:r="http://schemas.openxmlformats.org/officeDocument/2006/relationships" xmlns:p="http://schemas.openxmlformats.org/presentationml/2006/main">
-  <p:tag name="HIGHLIGHTTEXTFRAGMENT" val="PPTLabsHighlightTextFragmentsShape612a547e-b2ed-4186-842e-5e65f105cedf"/>
-</p:tagLst>
-</file>
-
-<file path=ppt/tags/tag38.xml><?xml version="1.0" encoding="utf-8"?>
-<p:tagLst xmlns:a="http://schemas.openxmlformats.org/drawingml/2006/main" xmlns:r="http://schemas.openxmlformats.org/officeDocument/2006/relationships" xmlns:p="http://schemas.openxmlformats.org/presentationml/2006/main">
-  <p:tag name="HIGHLIGHTTEXTFRAGMENT" val="PPTLabsHighlightTextFragmentsShapefb9dff23-56a0-4df4-bc80-a2ae39f63636"/>
-</p:tagLst>
-</file>
-
-<file path=ppt/tags/tag39.xml><?xml version="1.0" encoding="utf-8"?>
-<p:tagLst xmlns:a="http://schemas.openxmlformats.org/drawingml/2006/main" xmlns:r="http://schemas.openxmlformats.org/officeDocument/2006/relationships" xmlns:p="http://schemas.openxmlformats.org/presentationml/2006/main">
-  <p:tag name="HIGHLIGHTTEXTFRAGMENT" val="PPTLabsHighlightTextFragmentsShaped4609327-c4de-425d-9d68-02d35c05bf3d"/>
+  <p:tag name="HIGHLIGHTBACKGROUND" val="HighlightBackgroundShape961d3f1e-187d-4b94-8f93-1be85193a105"/>
 </p:tagLst>
 </file>
 
 <file path=ppt/tags/tag4.xml><?xml version="1.0" encoding="utf-8"?>
 <p:tagLst xmlns:a="http://schemas.openxmlformats.org/drawingml/2006/main" xmlns:r="http://schemas.openxmlformats.org/officeDocument/2006/relationships" xmlns:p="http://schemas.openxmlformats.org/presentationml/2006/main">
-  <p:tag name="HIGHLIGHTBACKGROUND" val="HighlightBackgroundShape9ac65b45-57f9-496b-b14a-3366aa98ee7a"/>
-</p:tagLst>
-</file>
-
-<file path=ppt/tags/tag40.xml><?xml version="1.0" encoding="utf-8"?>
-<p:tagLst xmlns:a="http://schemas.openxmlformats.org/drawingml/2006/main" xmlns:r="http://schemas.openxmlformats.org/officeDocument/2006/relationships" xmlns:p="http://schemas.openxmlformats.org/presentationml/2006/main">
-  <p:tag name="HIGHLIGHTTEXTFRAGMENT" val="PPTLabsHighlightTextFragmentsShapeca68f108-b76c-4f17-bb50-14898e6f6c37"/>
-</p:tagLst>
-</file>
-
-<file path=ppt/tags/tag41.xml><?xml version="1.0" encoding="utf-8"?>
-<p:tagLst xmlns:a="http://schemas.openxmlformats.org/drawingml/2006/main" xmlns:r="http://schemas.openxmlformats.org/officeDocument/2006/relationships" xmlns:p="http://schemas.openxmlformats.org/presentationml/2006/main">
-  <p:tag name="HIGHLIGHTTEXTFRAGMENT" val="PPTLabsHighlightTextFragmentsShape082f0072-7ed0-4862-a311-6b03e9817ba5"/>
-</p:tagLst>
-</file>
-
-<file path=ppt/tags/tag42.xml><?xml version="1.0" encoding="utf-8"?>
-<p:tagLst xmlns:a="http://schemas.openxmlformats.org/drawingml/2006/main" xmlns:r="http://schemas.openxmlformats.org/officeDocument/2006/relationships" xmlns:p="http://schemas.openxmlformats.org/presentationml/2006/main">
-  <p:tag name="HIGHLIGHTTEXTFRAGMENT" val="PPTLabsHighlightTextFragmentsShaped9458b93-2132-4807-95c4-7952effabe04"/>
+  <p:tag name="HIGHLIGHTBACKGROUND" val="HighlightBackgroundShape961d3f1e-187d-4b94-8f93-1be85193a105"/>
 </p:tagLst>
 </file>
 
 <file path=ppt/tags/tag5.xml><?xml version="1.0" encoding="utf-8"?>
 <p:tagLst xmlns:a="http://schemas.openxmlformats.org/drawingml/2006/main" xmlns:r="http://schemas.openxmlformats.org/officeDocument/2006/relationships" xmlns:p="http://schemas.openxmlformats.org/presentationml/2006/main">
-  <p:tag name="HIGHLIGHTBACKGROUND" val="HighlightBackgroundShape2d8f1b26-ed61-41e1-9795-250fbd9d3931"/>
+  <p:tag name="HIGHLIGHTBACKGROUND" val="HighlightBackgroundShape6a0e245b-6aa0-4f7b-8026-c07e6fed77bf"/>
 </p:tagLst>
 </file>
 
 <file path=ppt/tags/tag6.xml><?xml version="1.0" encoding="utf-8"?>
 <p:tagLst xmlns:a="http://schemas.openxmlformats.org/drawingml/2006/main" xmlns:r="http://schemas.openxmlformats.org/officeDocument/2006/relationships" xmlns:p="http://schemas.openxmlformats.org/presentationml/2006/main">
-  <p:tag name="HIGHLIGHTBACKGROUND" val="HighlightBackgroundShape2d8f1b26-ed61-41e1-9795-250fbd9d3931"/>
+  <p:tag name="HIGHLIGHTBACKGROUND" val="HighlightBackgroundShape6a0e245b-6aa0-4f7b-8026-c07e6fed77bf"/>
 </p:tagLst>
 </file>
 
 <file path=ppt/tags/tag7.xml><?xml version="1.0" encoding="utf-8"?>
 <p:tagLst xmlns:a="http://schemas.openxmlformats.org/drawingml/2006/main" xmlns:r="http://schemas.openxmlformats.org/officeDocument/2006/relationships" xmlns:p="http://schemas.openxmlformats.org/presentationml/2006/main">
-  <p:tag name="HIGHLIGHTBACKGROUND" val="HighlightBackgroundShape2d8f1b26-ed61-41e1-9795-250fbd9d3931"/>
+  <p:tag name="HIGHLIGHTBACKGROUND" val="HighlightBackgroundShape6a0e245b-6aa0-4f7b-8026-c07e6fed77bf"/>
 </p:tagLst>
 </file>
 
 <file path=ppt/tags/tag8.xml><?xml version="1.0" encoding="utf-8"?>
 <p:tagLst xmlns:a="http://schemas.openxmlformats.org/drawingml/2006/main" xmlns:r="http://schemas.openxmlformats.org/officeDocument/2006/relationships" xmlns:p="http://schemas.openxmlformats.org/presentationml/2006/main">
-  <p:tag name="HIGHLIGHTBACKGROUND" val="HighlightBackgroundShaped108a7e5-8eab-4301-8593-c035661b65c0"/>
+  <p:tag name="HIGHLIGHTBACKGROUND" val="HighlightBackgroundShapeea60d9b9-ed30-4da3-a1da-6902e7f48621"/>
 </p:tagLst>
 </file>
 
 <file path=ppt/tags/tag9.xml><?xml version="1.0" encoding="utf-8"?>
 <p:tagLst xmlns:a="http://schemas.openxmlformats.org/drawingml/2006/main" xmlns:r="http://schemas.openxmlformats.org/officeDocument/2006/relationships" xmlns:p="http://schemas.openxmlformats.org/presentationml/2006/main">
-  <p:tag name="HIGHLIGHTBACKGROUND" val="HighlightBackgroundShaped108a7e5-8eab-4301-8593-c035661b65c0"/>
+  <p:tag name="HIGHLIGHTBACKGROUND" val="HighlightBackgroundShapeea60d9b9-ed30-4da3-a1da-6902e7f48621"/>
 </p:tagLst>
 </file>
 
@@ -29590,7 +22742,7 @@
   <a:extraClrSchemeLst/>
   <a:extLst>
     <a:ext uri="{05A4C25C-085E-4340-85A3-A5531E510DB2}">
-      <thm15:themeFamily xmlns:thm15="http://schemas.microsoft.com/office/thememl/2012/main" name="Office Theme" id="{62F939B6-93AF-4DB8-9C6B-D6C7DFDC589F}" vid="{4A3C46E8-61CC-4603-A589-7422A47A8E4A}"/>
+      <thm15:themeFamily xmlns:thm15="http://schemas.microsoft.com/office/thememl/2012/main" xmlns="" name="Office Theme" id="{62F939B6-93AF-4DB8-9C6B-D6C7DFDC589F}" vid="{4A3C46E8-61CC-4603-A589-7422A47A8E4A}"/>
     </a:ext>
   </a:extLst>
 </a:theme>
